--- a/CeTI/b0_intro/B0_1_CeTI.pptx
+++ b/CeTI/b0_intro/B0_1_CeTI.pptx
@@ -5,7 +5,7 @@
     <p:sldMasterId id="2147483711" r:id="rId1"/>
   </p:sldMasterIdLst>
   <p:notesMasterIdLst>
-    <p:notesMasterId r:id="rId18"/>
+    <p:notesMasterId r:id="rId27"/>
   </p:notesMasterIdLst>
   <p:sldIdLst>
     <p:sldId id="256" r:id="rId2"/>
@@ -18,12 +18,21 @@
     <p:sldId id="267" r:id="rId9"/>
     <p:sldId id="277" r:id="rId10"/>
     <p:sldId id="272" r:id="rId11"/>
-    <p:sldId id="275" r:id="rId12"/>
-    <p:sldId id="258" r:id="rId13"/>
-    <p:sldId id="276" r:id="rId14"/>
-    <p:sldId id="259" r:id="rId15"/>
-    <p:sldId id="263" r:id="rId16"/>
-    <p:sldId id="261" r:id="rId17"/>
+    <p:sldId id="282" r:id="rId12"/>
+    <p:sldId id="284" r:id="rId13"/>
+    <p:sldId id="288" r:id="rId14"/>
+    <p:sldId id="287" r:id="rId15"/>
+    <p:sldId id="286" r:id="rId16"/>
+    <p:sldId id="285" r:id="rId17"/>
+    <p:sldId id="290" r:id="rId18"/>
+    <p:sldId id="289" r:id="rId19"/>
+    <p:sldId id="291" r:id="rId20"/>
+    <p:sldId id="292" r:id="rId21"/>
+    <p:sldId id="258" r:id="rId22"/>
+    <p:sldId id="275" r:id="rId23"/>
+    <p:sldId id="281" r:id="rId24"/>
+    <p:sldId id="283" r:id="rId25"/>
+    <p:sldId id="276" r:id="rId26"/>
   </p:sldIdLst>
   <p:sldSz cx="12192000" cy="6858000"/>
   <p:notesSz cx="6858000" cy="9144000"/>
@@ -223,7 +232,7 @@
           <a:p>
             <a:fld id="{729C724E-499D-43AC-8699-CF969D2466FC}" type="datetimeFigureOut">
               <a:rPr lang="fr-FR" smtClean="0"/>
-              <a:t>10/07/2023</a:t>
+              <a:t>12/08/2023</a:t>
             </a:fld>
             <a:endParaRPr lang="fr-FR"/>
           </a:p>
@@ -1090,7 +1099,7 @@
           <a:p>
             <a:fld id="{02AC24A9-CCB6-4F8D-B8DB-C2F3692CFA5A}" type="datetimeFigureOut">
               <a:rPr lang="en-US" smtClean="0"/>
-              <a:t>7/10/2023</a:t>
+              <a:t>8/12/2023</a:t>
             </a:fld>
             <a:endParaRPr lang="en-US" dirty="0"/>
           </a:p>
@@ -1460,7 +1469,7 @@
           <a:p>
             <a:fld id="{02AC24A9-CCB6-4F8D-B8DB-C2F3692CFA5A}" type="datetimeFigureOut">
               <a:rPr lang="en-US" smtClean="0"/>
-              <a:t>7/10/2023</a:t>
+              <a:t>8/12/2023</a:t>
             </a:fld>
             <a:endParaRPr lang="en-US"/>
           </a:p>
@@ -1669,7 +1678,7 @@
           <a:p>
             <a:fld id="{02AC24A9-CCB6-4F8D-B8DB-C2F3692CFA5A}" type="datetimeFigureOut">
               <a:rPr lang="en-US" smtClean="0"/>
-              <a:t>7/10/2023</a:t>
+              <a:t>8/12/2023</a:t>
             </a:fld>
             <a:endParaRPr lang="en-US"/>
           </a:p>
@@ -2139,7 +2148,7 @@
           <a:p>
             <a:fld id="{02AC24A9-CCB6-4F8D-B8DB-C2F3692CFA5A}" type="datetimeFigureOut">
               <a:rPr lang="en-US" smtClean="0"/>
-              <a:t>7/10/2023</a:t>
+              <a:t>8/12/2023</a:t>
             </a:fld>
             <a:endParaRPr lang="en-US"/>
           </a:p>
@@ -2593,7 +2602,7 @@
           <a:p>
             <a:fld id="{02AC24A9-CCB6-4F8D-B8DB-C2F3692CFA5A}" type="datetimeFigureOut">
               <a:rPr lang="en-US" smtClean="0"/>
-              <a:t>7/10/2023</a:t>
+              <a:t>8/12/2023</a:t>
             </a:fld>
             <a:endParaRPr lang="en-US"/>
           </a:p>
@@ -3125,7 +3134,7 @@
           <a:p>
             <a:fld id="{02AC24A9-CCB6-4F8D-B8DB-C2F3692CFA5A}" type="datetimeFigureOut">
               <a:rPr lang="en-US" smtClean="0"/>
-              <a:t>7/10/2023</a:t>
+              <a:t>8/12/2023</a:t>
             </a:fld>
             <a:endParaRPr lang="en-US"/>
           </a:p>
@@ -3824,7 +3833,7 @@
           <a:p>
             <a:fld id="{02AC24A9-CCB6-4F8D-B8DB-C2F3692CFA5A}" type="datetimeFigureOut">
               <a:rPr lang="en-US" smtClean="0"/>
-              <a:t>7/10/2023</a:t>
+              <a:t>8/12/2023</a:t>
             </a:fld>
             <a:endParaRPr lang="en-US"/>
           </a:p>
@@ -4153,7 +4162,7 @@
           <a:p>
             <a:fld id="{02AC24A9-CCB6-4F8D-B8DB-C2F3692CFA5A}" type="datetimeFigureOut">
               <a:rPr lang="en-US" smtClean="0"/>
-              <a:t>7/10/2023</a:t>
+              <a:t>8/12/2023</a:t>
             </a:fld>
             <a:endParaRPr lang="en-US"/>
           </a:p>
@@ -4266,7 +4275,7 @@
           <a:p>
             <a:fld id="{02AC24A9-CCB6-4F8D-B8DB-C2F3692CFA5A}" type="datetimeFigureOut">
               <a:rPr lang="en-US" smtClean="0"/>
-              <a:t>7/10/2023</a:t>
+              <a:t>8/12/2023</a:t>
             </a:fld>
             <a:endParaRPr lang="en-US"/>
           </a:p>
@@ -4761,7 +4770,7 @@
           <a:p>
             <a:fld id="{02AC24A9-CCB6-4F8D-B8DB-C2F3692CFA5A}" type="datetimeFigureOut">
               <a:rPr lang="en-US" smtClean="0"/>
-              <a:t>7/10/2023</a:t>
+              <a:t>8/12/2023</a:t>
             </a:fld>
             <a:endParaRPr lang="en-US" dirty="0"/>
           </a:p>
@@ -5238,7 +5247,7 @@
           <a:p>
             <a:fld id="{02AC24A9-CCB6-4F8D-B8DB-C2F3692CFA5A}" type="datetimeFigureOut">
               <a:rPr lang="en-US" smtClean="0"/>
-              <a:t>7/10/2023</a:t>
+              <a:t>8/12/2023</a:t>
             </a:fld>
             <a:endParaRPr lang="en-US"/>
           </a:p>
@@ -5481,7 +5490,7 @@
           <a:p>
             <a:fld id="{02AC24A9-CCB6-4F8D-B8DB-C2F3692CFA5A}" type="datetimeFigureOut">
               <a:rPr lang="en-US" smtClean="0"/>
-              <a:t>7/10/2023</a:t>
+              <a:t>8/12/2023</a:t>
             </a:fld>
             <a:endParaRPr lang="en-US"/>
           </a:p>
@@ -7494,10 +7503,16 @@
           <a:lstStyle/>
           <a:p>
             <a:r>
+              <a:rPr lang="fr-FR" sz="4800" dirty="0" err="1">
+                <a:latin typeface="Bahnschrift SemiBold" panose="020B0502040204020203" pitchFamily="34" charset="0"/>
+              </a:rPr>
+              <a:t>CeTI</a:t>
+            </a:r>
+            <a:r>
               <a:rPr lang="fr-FR" sz="4800" dirty="0">
                 <a:latin typeface="Bahnschrift SemiBold" panose="020B0502040204020203" pitchFamily="34" charset="0"/>
               </a:rPr>
-              <a:t>Outils de travail</a:t>
+              <a:t> / TP</a:t>
             </a:r>
           </a:p>
         </p:txBody>
@@ -7780,7 +7795,7 @@
     </p:spTree>
     <p:extLst>
       <p:ext uri="{BB962C8B-B14F-4D97-AF65-F5344CB8AC3E}">
-        <p14:creationId xmlns:p14="http://schemas.microsoft.com/office/powerpoint/2010/main" val="309191399"/>
+        <p14:creationId xmlns:p14="http://schemas.microsoft.com/office/powerpoint/2010/main" val="3375882831"/>
       </p:ext>
     </p:extLst>
   </p:cSld>
@@ -7829,38 +7844,12 @@
           <a:lstStyle/>
           <a:p>
             <a:r>
+              <a:rPr lang="fr-FR" dirty="0" err="1"/>
+              <a:t>CéTI</a:t>
+            </a:r>
+            <a:r>
               <a:rPr lang="fr-FR" dirty="0"/>
-              <a:t>Matériel expérimental</a:t>
-            </a:r>
-          </a:p>
-        </p:txBody>
-      </p:sp>
-      <p:sp>
-        <p:nvSpPr>
-          <p:cNvPr id="3" name="Espace réservé du contenu 2">
-            <a:extLst>
-              <a:ext uri="{FF2B5EF4-FFF2-40B4-BE49-F238E27FC236}">
-                <a16:creationId xmlns:a16="http://schemas.microsoft.com/office/drawing/2014/main" id="{E0BBB9DE-019C-C741-F224-494739D4B752}"/>
-              </a:ext>
-            </a:extLst>
-          </p:cNvPr>
-          <p:cNvSpPr>
-            <a:spLocks noGrp="1"/>
-          </p:cNvSpPr>
-          <p:nvPr>
-            <p:ph sz="half" idx="1"/>
-          </p:nvPr>
-        </p:nvSpPr>
-        <p:spPr/>
-        <p:txBody>
-          <a:bodyPr>
-            <a:normAutofit/>
-          </a:bodyPr>
-          <a:lstStyle/>
-          <a:p>
-            <a:r>
-              <a:rPr lang="fr-FR" dirty="0"/>
-              <a:t>To do</a:t>
+              <a:t> / TP / Déroulement</a:t>
             </a:r>
           </a:p>
         </p:txBody>
@@ -7901,10 +7890,854 @@
           </a:prstGeom>
         </p:spPr>
       </p:pic>
+      <p:sp>
+        <p:nvSpPr>
+          <p:cNvPr id="18" name="CustomShape 3">
+            <a:extLst>
+              <a:ext uri="{FF2B5EF4-FFF2-40B4-BE49-F238E27FC236}">
+                <a16:creationId xmlns:a16="http://schemas.microsoft.com/office/drawing/2014/main" id="{67756887-8D7D-16CA-99A7-DCA51C63AE43}"/>
+              </a:ext>
+            </a:extLst>
+          </p:cNvPr>
+          <p:cNvSpPr/>
+          <p:nvPr/>
+        </p:nvSpPr>
+        <p:spPr>
+          <a:xfrm>
+            <a:off x="6390968" y="2440602"/>
+            <a:ext cx="4685465" cy="492443"/>
+          </a:xfrm>
+          <a:prstGeom prst="rect">
+            <a:avLst/>
+          </a:prstGeom>
+          <a:solidFill>
+            <a:schemeClr val="tx1">
+              <a:lumMod val="65000"/>
+              <a:lumOff val="35000"/>
+            </a:schemeClr>
+          </a:solidFill>
+          <a:ln w="0">
+            <a:noFill/>
+          </a:ln>
+        </p:spPr>
+        <p:style>
+          <a:lnRef idx="0">
+            <a:scrgbClr r="0" g="0" b="0"/>
+          </a:lnRef>
+          <a:fillRef idx="0">
+            <a:scrgbClr r="0" g="0" b="0"/>
+          </a:fillRef>
+          <a:effectRef idx="0">
+            <a:scrgbClr r="0" g="0" b="0"/>
+          </a:effectRef>
+          <a:fontRef idx="minor"/>
+        </p:style>
+        <p:txBody>
+          <a:bodyPr wrap="square" tIns="91440" bIns="91440">
+            <a:spAutoFit/>
+          </a:bodyPr>
+          <a:lstStyle/>
+          <a:p>
+            <a:pPr algn="ctr">
+              <a:lnSpc>
+                <a:spcPct val="100000"/>
+              </a:lnSpc>
+              <a:tabLst>
+                <a:tab pos="0" algn="l"/>
+              </a:tabLst>
+            </a:pPr>
+            <a:r>
+              <a:rPr lang="fr-FR" sz="2000" b="1" strike="noStrike" spc="-1" dirty="0">
+                <a:solidFill>
+                  <a:schemeClr val="bg1"/>
+                </a:solidFill>
+                <a:latin typeface="Trebuchet MS"/>
+                <a:ea typeface="Trebuchet MS"/>
+              </a:rPr>
+              <a:t>3 blocs de 2 séances de TP</a:t>
+            </a:r>
+            <a:endParaRPr lang="fr-FR" sz="2000" b="0" strike="noStrike" spc="-1" dirty="0">
+              <a:solidFill>
+                <a:schemeClr val="bg1"/>
+              </a:solidFill>
+              <a:latin typeface="Arial"/>
+            </a:endParaRPr>
+          </a:p>
+        </p:txBody>
+      </p:sp>
+      <p:sp>
+        <p:nvSpPr>
+          <p:cNvPr id="19" name="CustomShape 3">
+            <a:extLst>
+              <a:ext uri="{FF2B5EF4-FFF2-40B4-BE49-F238E27FC236}">
+                <a16:creationId xmlns:a16="http://schemas.microsoft.com/office/drawing/2014/main" id="{0A1DB7D8-E96B-C55E-F704-22C897EDE261}"/>
+              </a:ext>
+            </a:extLst>
+          </p:cNvPr>
+          <p:cNvSpPr/>
+          <p:nvPr/>
+        </p:nvSpPr>
+        <p:spPr>
+          <a:xfrm>
+            <a:off x="6388201" y="3152988"/>
+            <a:ext cx="3348569" cy="461665"/>
+          </a:xfrm>
+          <a:prstGeom prst="rect">
+            <a:avLst/>
+          </a:prstGeom>
+          <a:solidFill>
+            <a:schemeClr val="accent6"/>
+          </a:solidFill>
+          <a:ln w="0">
+            <a:noFill/>
+          </a:ln>
+        </p:spPr>
+        <p:style>
+          <a:lnRef idx="0">
+            <a:scrgbClr r="0" g="0" b="0"/>
+          </a:lnRef>
+          <a:fillRef idx="0">
+            <a:scrgbClr r="0" g="0" b="0"/>
+          </a:fillRef>
+          <a:effectRef idx="0">
+            <a:scrgbClr r="0" g="0" b="0"/>
+          </a:effectRef>
+          <a:fontRef idx="minor"/>
+        </p:style>
+        <p:txBody>
+          <a:bodyPr wrap="square" tIns="91440" bIns="91440">
+            <a:spAutoFit/>
+          </a:bodyPr>
+          <a:lstStyle/>
+          <a:p>
+            <a:pPr algn="ctr">
+              <a:lnSpc>
+                <a:spcPct val="100000"/>
+              </a:lnSpc>
+              <a:tabLst>
+                <a:tab pos="0" algn="l"/>
+              </a:tabLst>
+            </a:pPr>
+            <a:r>
+              <a:rPr lang="fr-FR" b="1" strike="noStrike" spc="-1" dirty="0">
+                <a:solidFill>
+                  <a:schemeClr val="bg1"/>
+                </a:solidFill>
+                <a:latin typeface="Trebuchet MS"/>
+                <a:ea typeface="Trebuchet MS"/>
+              </a:rPr>
+              <a:t>(0) Mise en forme / Filtrage</a:t>
+            </a:r>
+            <a:endParaRPr lang="fr-FR" b="0" strike="noStrike" spc="-1" dirty="0">
+              <a:solidFill>
+                <a:schemeClr val="bg1"/>
+              </a:solidFill>
+              <a:latin typeface="Arial"/>
+            </a:endParaRPr>
+          </a:p>
+        </p:txBody>
+      </p:sp>
+      <p:sp>
+        <p:nvSpPr>
+          <p:cNvPr id="21" name="CustomShape 3">
+            <a:extLst>
+              <a:ext uri="{FF2B5EF4-FFF2-40B4-BE49-F238E27FC236}">
+                <a16:creationId xmlns:a16="http://schemas.microsoft.com/office/drawing/2014/main" id="{C4F009B7-348E-6E4E-D3E6-A48A8134EA26}"/>
+              </a:ext>
+            </a:extLst>
+          </p:cNvPr>
+          <p:cNvSpPr/>
+          <p:nvPr/>
+        </p:nvSpPr>
+        <p:spPr>
+          <a:xfrm>
+            <a:off x="7069579" y="3806269"/>
+            <a:ext cx="3348569" cy="492443"/>
+          </a:xfrm>
+          <a:prstGeom prst="rect">
+            <a:avLst/>
+          </a:prstGeom>
+          <a:solidFill>
+            <a:schemeClr val="accent1"/>
+          </a:solidFill>
+          <a:ln w="0">
+            <a:noFill/>
+          </a:ln>
+        </p:spPr>
+        <p:style>
+          <a:lnRef idx="0">
+            <a:scrgbClr r="0" g="0" b="0"/>
+          </a:lnRef>
+          <a:fillRef idx="0">
+            <a:scrgbClr r="0" g="0" b="0"/>
+          </a:fillRef>
+          <a:effectRef idx="0">
+            <a:scrgbClr r="0" g="0" b="0"/>
+          </a:effectRef>
+          <a:fontRef idx="minor"/>
+        </p:style>
+        <p:txBody>
+          <a:bodyPr wrap="square" tIns="91440" bIns="91440">
+            <a:spAutoFit/>
+          </a:bodyPr>
+          <a:lstStyle/>
+          <a:p>
+            <a:pPr algn="ctr">
+              <a:lnSpc>
+                <a:spcPct val="100000"/>
+              </a:lnSpc>
+              <a:tabLst>
+                <a:tab pos="0" algn="l"/>
+              </a:tabLst>
+            </a:pPr>
+            <a:r>
+              <a:rPr lang="fr-FR" sz="2000" b="1" strike="noStrike" spc="-1" dirty="0">
+                <a:solidFill>
+                  <a:schemeClr val="bg1"/>
+                </a:solidFill>
+                <a:latin typeface="Trebuchet MS"/>
+                <a:ea typeface="Trebuchet MS"/>
+              </a:rPr>
+              <a:t>(1) </a:t>
+            </a:r>
+            <a:r>
+              <a:rPr lang="fr-FR" sz="2000" b="1" strike="noStrike" spc="-1" dirty="0" err="1">
+                <a:solidFill>
+                  <a:schemeClr val="bg1"/>
+                </a:solidFill>
+                <a:latin typeface="Trebuchet MS"/>
+                <a:ea typeface="Trebuchet MS"/>
+              </a:rPr>
+              <a:t>Photodétection</a:t>
+            </a:r>
+            <a:endParaRPr lang="fr-FR" sz="2000" b="0" strike="noStrike" spc="-1" dirty="0">
+              <a:solidFill>
+                <a:schemeClr val="bg1"/>
+              </a:solidFill>
+              <a:latin typeface="Arial"/>
+            </a:endParaRPr>
+          </a:p>
+        </p:txBody>
+      </p:sp>
+      <p:sp>
+        <p:nvSpPr>
+          <p:cNvPr id="22" name="CustomShape 3">
+            <a:extLst>
+              <a:ext uri="{FF2B5EF4-FFF2-40B4-BE49-F238E27FC236}">
+                <a16:creationId xmlns:a16="http://schemas.microsoft.com/office/drawing/2014/main" id="{CE6EC910-9A26-3624-9DD4-5C9F133E72DA}"/>
+              </a:ext>
+            </a:extLst>
+          </p:cNvPr>
+          <p:cNvSpPr/>
+          <p:nvPr/>
+        </p:nvSpPr>
+        <p:spPr>
+          <a:xfrm>
+            <a:off x="7727864" y="5100650"/>
+            <a:ext cx="3348569" cy="492443"/>
+          </a:xfrm>
+          <a:prstGeom prst="rect">
+            <a:avLst/>
+          </a:prstGeom>
+          <a:solidFill>
+            <a:schemeClr val="accent2">
+              <a:lumMod val="75000"/>
+            </a:schemeClr>
+          </a:solidFill>
+          <a:ln w="0">
+            <a:noFill/>
+          </a:ln>
+        </p:spPr>
+        <p:style>
+          <a:lnRef idx="0">
+            <a:scrgbClr r="0" g="0" b="0"/>
+          </a:lnRef>
+          <a:fillRef idx="0">
+            <a:scrgbClr r="0" g="0" b="0"/>
+          </a:fillRef>
+          <a:effectRef idx="0">
+            <a:scrgbClr r="0" g="0" b="0"/>
+          </a:effectRef>
+          <a:fontRef idx="minor"/>
+        </p:style>
+        <p:txBody>
+          <a:bodyPr wrap="square" tIns="91440" bIns="91440">
+            <a:spAutoFit/>
+          </a:bodyPr>
+          <a:lstStyle/>
+          <a:p>
+            <a:pPr algn="ctr">
+              <a:lnSpc>
+                <a:spcPct val="100000"/>
+              </a:lnSpc>
+              <a:tabLst>
+                <a:tab pos="0" algn="l"/>
+              </a:tabLst>
+            </a:pPr>
+            <a:r>
+              <a:rPr lang="fr-FR" sz="2000" b="1" strike="noStrike" spc="-1" dirty="0">
+                <a:solidFill>
+                  <a:schemeClr val="bg1"/>
+                </a:solidFill>
+                <a:latin typeface="Trebuchet MS"/>
+              </a:rPr>
+              <a:t>(3) Notions avancées</a:t>
+            </a:r>
+            <a:endParaRPr lang="fr-FR" sz="2000" b="0" strike="noStrike" spc="-1" dirty="0">
+              <a:solidFill>
+                <a:schemeClr val="bg1"/>
+              </a:solidFill>
+              <a:latin typeface="Arial"/>
+            </a:endParaRPr>
+          </a:p>
+        </p:txBody>
+      </p:sp>
+      <p:sp>
+        <p:nvSpPr>
+          <p:cNvPr id="23" name="CustomShape 3">
+            <a:extLst>
+              <a:ext uri="{FF2B5EF4-FFF2-40B4-BE49-F238E27FC236}">
+                <a16:creationId xmlns:a16="http://schemas.microsoft.com/office/drawing/2014/main" id="{D07EBB44-0FC5-22B6-B831-C9AE212D70CF}"/>
+              </a:ext>
+            </a:extLst>
+          </p:cNvPr>
+          <p:cNvSpPr/>
+          <p:nvPr/>
+        </p:nvSpPr>
+        <p:spPr>
+          <a:xfrm>
+            <a:off x="7059415" y="4453460"/>
+            <a:ext cx="3348569" cy="492443"/>
+          </a:xfrm>
+          <a:prstGeom prst="rect">
+            <a:avLst/>
+          </a:prstGeom>
+          <a:solidFill>
+            <a:srgbClr val="00B0F0"/>
+          </a:solidFill>
+          <a:ln w="0">
+            <a:noFill/>
+          </a:ln>
+        </p:spPr>
+        <p:style>
+          <a:lnRef idx="0">
+            <a:scrgbClr r="0" g="0" b="0"/>
+          </a:lnRef>
+          <a:fillRef idx="0">
+            <a:scrgbClr r="0" g="0" b="0"/>
+          </a:fillRef>
+          <a:effectRef idx="0">
+            <a:scrgbClr r="0" g="0" b="0"/>
+          </a:effectRef>
+          <a:fontRef idx="minor"/>
+        </p:style>
+        <p:txBody>
+          <a:bodyPr wrap="square" tIns="91440" bIns="91440">
+            <a:spAutoFit/>
+          </a:bodyPr>
+          <a:lstStyle/>
+          <a:p>
+            <a:pPr algn="ctr">
+              <a:lnSpc>
+                <a:spcPct val="100000"/>
+              </a:lnSpc>
+              <a:tabLst>
+                <a:tab pos="0" algn="l"/>
+              </a:tabLst>
+            </a:pPr>
+            <a:r>
+              <a:rPr lang="fr-FR" sz="2000" b="1" strike="noStrike" spc="-1" dirty="0">
+                <a:solidFill>
+                  <a:schemeClr val="bg1"/>
+                </a:solidFill>
+                <a:latin typeface="Trebuchet MS"/>
+                <a:ea typeface="Trebuchet MS"/>
+              </a:rPr>
+              <a:t>(2) Numérique</a:t>
+            </a:r>
+            <a:endParaRPr lang="fr-FR" sz="2000" b="0" strike="noStrike" spc="-1" dirty="0">
+              <a:solidFill>
+                <a:schemeClr val="bg1"/>
+              </a:solidFill>
+              <a:latin typeface="Arial"/>
+            </a:endParaRPr>
+          </a:p>
+        </p:txBody>
+      </p:sp>
+      <p:sp>
+        <p:nvSpPr>
+          <p:cNvPr id="7" name="CustomShape 3">
+            <a:extLst>
+              <a:ext uri="{FF2B5EF4-FFF2-40B4-BE49-F238E27FC236}">
+                <a16:creationId xmlns:a16="http://schemas.microsoft.com/office/drawing/2014/main" id="{D72796BA-C4FB-0B68-53DE-1739E281DCE7}"/>
+              </a:ext>
+            </a:extLst>
+          </p:cNvPr>
+          <p:cNvSpPr/>
+          <p:nvPr/>
+        </p:nvSpPr>
+        <p:spPr>
+          <a:xfrm>
+            <a:off x="1115567" y="2440602"/>
+            <a:ext cx="4685465" cy="492443"/>
+          </a:xfrm>
+          <a:prstGeom prst="rect">
+            <a:avLst/>
+          </a:prstGeom>
+          <a:solidFill>
+            <a:srgbClr val="00B0F0"/>
+          </a:solidFill>
+          <a:ln w="0">
+            <a:noFill/>
+          </a:ln>
+        </p:spPr>
+        <p:style>
+          <a:lnRef idx="0">
+            <a:scrgbClr r="0" g="0" b="0"/>
+          </a:lnRef>
+          <a:fillRef idx="0">
+            <a:scrgbClr r="0" g="0" b="0"/>
+          </a:fillRef>
+          <a:effectRef idx="0">
+            <a:scrgbClr r="0" g="0" b="0"/>
+          </a:effectRef>
+          <a:fontRef idx="minor"/>
+        </p:style>
+        <p:txBody>
+          <a:bodyPr wrap="square" tIns="91440" bIns="91440">
+            <a:spAutoFit/>
+          </a:bodyPr>
+          <a:lstStyle/>
+          <a:p>
+            <a:pPr algn="ctr">
+              <a:lnSpc>
+                <a:spcPct val="100000"/>
+              </a:lnSpc>
+              <a:tabLst>
+                <a:tab pos="0" algn="l"/>
+              </a:tabLst>
+            </a:pPr>
+            <a:r>
+              <a:rPr lang="fr-FR" sz="2000" b="1" strike="noStrike" spc="-1" dirty="0">
+                <a:solidFill>
+                  <a:schemeClr val="bg1"/>
+                </a:solidFill>
+                <a:latin typeface="Trebuchet MS"/>
+                <a:ea typeface="Trebuchet MS"/>
+              </a:rPr>
+              <a:t>Déroulement</a:t>
+            </a:r>
+            <a:endParaRPr lang="fr-FR" sz="2000" b="0" strike="noStrike" spc="-1" dirty="0">
+              <a:solidFill>
+                <a:schemeClr val="bg1"/>
+              </a:solidFill>
+              <a:latin typeface="Arial"/>
+            </a:endParaRPr>
+          </a:p>
+        </p:txBody>
+      </p:sp>
+      <p:sp>
+        <p:nvSpPr>
+          <p:cNvPr id="8" name="Espace réservé du contenu 2">
+            <a:extLst>
+              <a:ext uri="{FF2B5EF4-FFF2-40B4-BE49-F238E27FC236}">
+                <a16:creationId xmlns:a16="http://schemas.microsoft.com/office/drawing/2014/main" id="{AFB50BFF-D75E-AF18-215D-57F48FD8A0AF}"/>
+              </a:ext>
+            </a:extLst>
+          </p:cNvPr>
+          <p:cNvSpPr>
+            <a:spLocks noGrp="1"/>
+          </p:cNvSpPr>
+          <p:nvPr>
+            <p:ph sz="half" idx="1"/>
+          </p:nvPr>
+        </p:nvSpPr>
+        <p:spPr>
+          <a:xfrm>
+            <a:off x="1108263" y="3050362"/>
+            <a:ext cx="4685466" cy="3694176"/>
+          </a:xfrm>
+        </p:spPr>
+        <p:txBody>
+          <a:bodyPr>
+            <a:normAutofit/>
+          </a:bodyPr>
+          <a:lstStyle/>
+          <a:p>
+            <a:r>
+              <a:rPr lang="fr-FR" sz="2000" b="1" dirty="0"/>
+              <a:t>Séances</a:t>
+            </a:r>
+          </a:p>
+          <a:p>
+            <a:pPr lvl="1"/>
+            <a:r>
+              <a:rPr lang="fr-FR" sz="1800" dirty="0"/>
+              <a:t>Durée : </a:t>
+            </a:r>
+            <a:r>
+              <a:rPr lang="fr-FR" sz="1800" b="1" dirty="0"/>
+              <a:t>4h30</a:t>
+            </a:r>
+            <a:r>
+              <a:rPr lang="fr-FR" sz="1800" dirty="0"/>
+              <a:t> – </a:t>
+            </a:r>
+            <a:r>
+              <a:rPr lang="fr-FR" sz="1800" b="1" dirty="0"/>
+              <a:t>Début à 8h30 !!</a:t>
+            </a:r>
+          </a:p>
+          <a:p>
+            <a:pPr lvl="1"/>
+            <a:r>
+              <a:rPr lang="fr-FR" sz="1800" dirty="0"/>
+              <a:t>Nombre : </a:t>
+            </a:r>
+            <a:r>
+              <a:rPr lang="fr-FR" sz="1800" b="1" dirty="0"/>
+              <a:t>6 séances</a:t>
+            </a:r>
+          </a:p>
+          <a:p>
+            <a:r>
+              <a:rPr lang="fr-FR" sz="2000" b="1" dirty="0"/>
+              <a:t>4 thèmes</a:t>
+            </a:r>
+          </a:p>
+          <a:p>
+            <a:pPr lvl="1"/>
+            <a:r>
+              <a:rPr lang="fr-FR" sz="1800" dirty="0"/>
+              <a:t>Durée : </a:t>
+            </a:r>
+            <a:r>
+              <a:rPr lang="fr-FR" sz="1800" b="1" dirty="0"/>
+              <a:t>2 séances</a:t>
+            </a:r>
+          </a:p>
+          <a:p>
+            <a:r>
+              <a:rPr lang="fr-FR" sz="2200" b="1" dirty="0"/>
+              <a:t>2 parcours : </a:t>
+            </a:r>
+          </a:p>
+          <a:p>
+            <a:pPr lvl="1"/>
+            <a:r>
+              <a:rPr lang="fr-FR" sz="1800" b="1" dirty="0"/>
+              <a:t>Initiation</a:t>
+            </a:r>
+            <a:r>
+              <a:rPr lang="fr-FR" sz="1800" dirty="0"/>
+              <a:t> (Thème 0, 1 et 2)</a:t>
+            </a:r>
+          </a:p>
+          <a:p>
+            <a:pPr lvl="1"/>
+            <a:r>
+              <a:rPr lang="fr-FR" sz="1800" b="1" dirty="0"/>
+              <a:t>Avancé</a:t>
+            </a:r>
+            <a:r>
+              <a:rPr lang="fr-FR" sz="1800" dirty="0"/>
+              <a:t> (Thèmes 1, 2 et 3)</a:t>
+            </a:r>
+          </a:p>
+        </p:txBody>
+      </p:sp>
+      <p:sp>
+        <p:nvSpPr>
+          <p:cNvPr id="10" name="Rectangle 9">
+            <a:extLst>
+              <a:ext uri="{FF2B5EF4-FFF2-40B4-BE49-F238E27FC236}">
+                <a16:creationId xmlns:a16="http://schemas.microsoft.com/office/drawing/2014/main" id="{7393C8FB-A9FB-4E97-53C8-BEC456713BC2}"/>
+              </a:ext>
+            </a:extLst>
+          </p:cNvPr>
+          <p:cNvSpPr/>
+          <p:nvPr/>
+        </p:nvSpPr>
+        <p:spPr>
+          <a:xfrm rot="5400000">
+            <a:off x="9993162" y="3862634"/>
+            <a:ext cx="1792916" cy="373626"/>
+          </a:xfrm>
+          <a:prstGeom prst="rect">
+            <a:avLst/>
+          </a:prstGeom>
+          <a:solidFill>
+            <a:srgbClr val="002060"/>
+          </a:solidFill>
+          <a:ln>
+            <a:solidFill>
+              <a:schemeClr val="bg1"/>
+            </a:solidFill>
+          </a:ln>
+        </p:spPr>
+        <p:style>
+          <a:lnRef idx="2">
+            <a:schemeClr val="accent1">
+              <a:shade val="15000"/>
+            </a:schemeClr>
+          </a:lnRef>
+          <a:fillRef idx="1">
+            <a:schemeClr val="accent1"/>
+          </a:fillRef>
+          <a:effectRef idx="0">
+            <a:schemeClr val="accent1"/>
+          </a:effectRef>
+          <a:fontRef idx="minor">
+            <a:schemeClr val="lt1"/>
+          </a:fontRef>
+        </p:style>
+        <p:txBody>
+          <a:bodyPr rtlCol="0" anchor="ctr"/>
+          <a:lstStyle/>
+          <a:p>
+            <a:pPr algn="ctr"/>
+            <a:r>
+              <a:rPr lang="fr-FR" b="1" dirty="0"/>
+              <a:t>Initiation</a:t>
+            </a:r>
+          </a:p>
+        </p:txBody>
+      </p:sp>
+      <p:sp>
+        <p:nvSpPr>
+          <p:cNvPr id="13" name="Rectangle 12">
+            <a:extLst>
+              <a:ext uri="{FF2B5EF4-FFF2-40B4-BE49-F238E27FC236}">
+                <a16:creationId xmlns:a16="http://schemas.microsoft.com/office/drawing/2014/main" id="{CA90388C-EE6E-B10D-0DC1-B914A000A349}"/>
+              </a:ext>
+            </a:extLst>
+          </p:cNvPr>
+          <p:cNvSpPr/>
+          <p:nvPr/>
+        </p:nvSpPr>
+        <p:spPr>
+          <a:xfrm rot="5400000">
+            <a:off x="5678556" y="4509822"/>
+            <a:ext cx="1792916" cy="373626"/>
+          </a:xfrm>
+          <a:prstGeom prst="rect">
+            <a:avLst/>
+          </a:prstGeom>
+          <a:solidFill>
+            <a:srgbClr val="002060"/>
+          </a:solidFill>
+          <a:ln>
+            <a:solidFill>
+              <a:schemeClr val="bg1"/>
+            </a:solidFill>
+          </a:ln>
+        </p:spPr>
+        <p:style>
+          <a:lnRef idx="2">
+            <a:schemeClr val="accent1">
+              <a:shade val="15000"/>
+            </a:schemeClr>
+          </a:lnRef>
+          <a:fillRef idx="1">
+            <a:schemeClr val="accent1"/>
+          </a:fillRef>
+          <a:effectRef idx="0">
+            <a:schemeClr val="accent1"/>
+          </a:effectRef>
+          <a:fontRef idx="minor">
+            <a:schemeClr val="lt1"/>
+          </a:fontRef>
+        </p:style>
+        <p:txBody>
+          <a:bodyPr rtlCol="0" anchor="ctr"/>
+          <a:lstStyle/>
+          <a:p>
+            <a:pPr algn="ctr"/>
+            <a:r>
+              <a:rPr lang="fr-FR" b="1" dirty="0"/>
+              <a:t>Avancé</a:t>
+            </a:r>
+          </a:p>
+        </p:txBody>
+      </p:sp>
+      <p:cxnSp>
+        <p:nvCxnSpPr>
+          <p:cNvPr id="15" name="Connecteur droit 14">
+            <a:extLst>
+              <a:ext uri="{FF2B5EF4-FFF2-40B4-BE49-F238E27FC236}">
+                <a16:creationId xmlns:a16="http://schemas.microsoft.com/office/drawing/2014/main" id="{5792277F-83A5-6917-3F13-B7C5DD6AD6F5}"/>
+              </a:ext>
+            </a:extLst>
+          </p:cNvPr>
+          <p:cNvCxnSpPr/>
+          <p:nvPr/>
+        </p:nvCxnSpPr>
+        <p:spPr>
+          <a:xfrm flipH="1">
+            <a:off x="9746602" y="3152988"/>
+            <a:ext cx="966037" cy="0"/>
+          </a:xfrm>
+          <a:prstGeom prst="line">
+            <a:avLst/>
+          </a:prstGeom>
+          <a:ln w="12700">
+            <a:solidFill>
+              <a:srgbClr val="002060"/>
+            </a:solidFill>
+            <a:prstDash val="sysDash"/>
+          </a:ln>
+        </p:spPr>
+        <p:style>
+          <a:lnRef idx="1">
+            <a:schemeClr val="accent1"/>
+          </a:lnRef>
+          <a:fillRef idx="0">
+            <a:schemeClr val="accent1"/>
+          </a:fillRef>
+          <a:effectRef idx="0">
+            <a:schemeClr val="accent1"/>
+          </a:effectRef>
+          <a:fontRef idx="minor">
+            <a:schemeClr val="tx1"/>
+          </a:fontRef>
+        </p:style>
+      </p:cxnSp>
+      <p:cxnSp>
+        <p:nvCxnSpPr>
+          <p:cNvPr id="20" name="Connecteur droit 19">
+            <a:extLst>
+              <a:ext uri="{FF2B5EF4-FFF2-40B4-BE49-F238E27FC236}">
+                <a16:creationId xmlns:a16="http://schemas.microsoft.com/office/drawing/2014/main" id="{06907E2B-F1FA-BBE3-B2E3-EEE62CE1A149}"/>
+              </a:ext>
+            </a:extLst>
+          </p:cNvPr>
+          <p:cNvCxnSpPr>
+            <a:cxnSpLocks/>
+          </p:cNvCxnSpPr>
+          <p:nvPr/>
+        </p:nvCxnSpPr>
+        <p:spPr>
+          <a:xfrm flipH="1">
+            <a:off x="6791178" y="5593093"/>
+            <a:ext cx="848487" cy="0"/>
+          </a:xfrm>
+          <a:prstGeom prst="line">
+            <a:avLst/>
+          </a:prstGeom>
+          <a:ln w="12700">
+            <a:solidFill>
+              <a:srgbClr val="002060"/>
+            </a:solidFill>
+            <a:prstDash val="sysDash"/>
+          </a:ln>
+        </p:spPr>
+        <p:style>
+          <a:lnRef idx="1">
+            <a:schemeClr val="accent1"/>
+          </a:lnRef>
+          <a:fillRef idx="0">
+            <a:schemeClr val="accent1"/>
+          </a:fillRef>
+          <a:effectRef idx="0">
+            <a:schemeClr val="accent1"/>
+          </a:effectRef>
+          <a:fontRef idx="minor">
+            <a:schemeClr val="tx1"/>
+          </a:fontRef>
+        </p:style>
+      </p:cxnSp>
+      <p:cxnSp>
+        <p:nvCxnSpPr>
+          <p:cNvPr id="26" name="Connecteur droit 25">
+            <a:extLst>
+              <a:ext uri="{FF2B5EF4-FFF2-40B4-BE49-F238E27FC236}">
+                <a16:creationId xmlns:a16="http://schemas.microsoft.com/office/drawing/2014/main" id="{AD852AD8-2FB4-AA44-E178-82388CE7F6BB}"/>
+              </a:ext>
+            </a:extLst>
+          </p:cNvPr>
+          <p:cNvCxnSpPr>
+            <a:cxnSpLocks/>
+          </p:cNvCxnSpPr>
+          <p:nvPr/>
+        </p:nvCxnSpPr>
+        <p:spPr>
+          <a:xfrm flipH="1">
+            <a:off x="6771513" y="3803631"/>
+            <a:ext cx="258406" cy="0"/>
+          </a:xfrm>
+          <a:prstGeom prst="line">
+            <a:avLst/>
+          </a:prstGeom>
+          <a:ln w="12700">
+            <a:solidFill>
+              <a:srgbClr val="002060"/>
+            </a:solidFill>
+            <a:prstDash val="sysDash"/>
+          </a:ln>
+        </p:spPr>
+        <p:style>
+          <a:lnRef idx="1">
+            <a:schemeClr val="accent1"/>
+          </a:lnRef>
+          <a:fillRef idx="0">
+            <a:schemeClr val="accent1"/>
+          </a:fillRef>
+          <a:effectRef idx="0">
+            <a:schemeClr val="accent1"/>
+          </a:effectRef>
+          <a:fontRef idx="minor">
+            <a:schemeClr val="tx1"/>
+          </a:fontRef>
+        </p:style>
+      </p:cxnSp>
+      <p:cxnSp>
+        <p:nvCxnSpPr>
+          <p:cNvPr id="28" name="Connecteur droit 27">
+            <a:extLst>
+              <a:ext uri="{FF2B5EF4-FFF2-40B4-BE49-F238E27FC236}">
+                <a16:creationId xmlns:a16="http://schemas.microsoft.com/office/drawing/2014/main" id="{E2687EA2-51BE-8556-F16F-F9122527D034}"/>
+              </a:ext>
+            </a:extLst>
+          </p:cNvPr>
+          <p:cNvCxnSpPr>
+            <a:cxnSpLocks/>
+          </p:cNvCxnSpPr>
+          <p:nvPr/>
+        </p:nvCxnSpPr>
+        <p:spPr>
+          <a:xfrm flipH="1">
+            <a:off x="10444401" y="4939534"/>
+            <a:ext cx="258406" cy="0"/>
+          </a:xfrm>
+          <a:prstGeom prst="line">
+            <a:avLst/>
+          </a:prstGeom>
+          <a:ln w="12700">
+            <a:solidFill>
+              <a:srgbClr val="002060"/>
+            </a:solidFill>
+            <a:prstDash val="sysDash"/>
+          </a:ln>
+        </p:spPr>
+        <p:style>
+          <a:lnRef idx="1">
+            <a:schemeClr val="accent1"/>
+          </a:lnRef>
+          <a:fillRef idx="0">
+            <a:schemeClr val="accent1"/>
+          </a:fillRef>
+          <a:effectRef idx="0">
+            <a:schemeClr val="accent1"/>
+          </a:effectRef>
+          <a:fontRef idx="minor">
+            <a:schemeClr val="tx1"/>
+          </a:fontRef>
+        </p:style>
+      </p:cxnSp>
     </p:spTree>
     <p:extLst>
       <p:ext uri="{BB962C8B-B14F-4D97-AF65-F5344CB8AC3E}">
-        <p14:creationId xmlns:p14="http://schemas.microsoft.com/office/powerpoint/2010/main" val="4154382722"/>
+        <p14:creationId xmlns:p14="http://schemas.microsoft.com/office/powerpoint/2010/main" val="1427447957"/>
       </p:ext>
     </p:extLst>
   </p:cSld>
@@ -7931,53 +8764,6 @@
           <a:chExt cx="0" cy="0"/>
         </a:xfrm>
       </p:grpSpPr>
-      <p:pic>
-        <p:nvPicPr>
-          <p:cNvPr id="1026" name="Picture 2" descr="Anaconda | Anaconda Distribution">
-            <a:extLst>
-              <a:ext uri="{FF2B5EF4-FFF2-40B4-BE49-F238E27FC236}">
-                <a16:creationId xmlns:a16="http://schemas.microsoft.com/office/drawing/2014/main" id="{9C0B1909-1CB6-7715-8E08-A90D70EDCD52}"/>
-              </a:ext>
-            </a:extLst>
-          </p:cNvPr>
-          <p:cNvPicPr>
-            <a:picLocks noChangeAspect="1" noChangeArrowheads="1"/>
-          </p:cNvPicPr>
-          <p:nvPr/>
-        </p:nvPicPr>
-        <p:blipFill>
-          <a:blip r:embed="rId2" cstate="print">
-            <a:extLst>
-              <a:ext uri="{28A0092B-C50C-407E-A947-70E740481C1C}">
-                <a14:useLocalDpi xmlns:a14="http://schemas.microsoft.com/office/drawing/2010/main" val="0"/>
-              </a:ext>
-            </a:extLst>
-          </a:blip>
-          <a:srcRect/>
-          <a:stretch>
-            <a:fillRect/>
-          </a:stretch>
-        </p:blipFill>
-        <p:spPr bwMode="auto">
-          <a:xfrm>
-            <a:off x="2948032" y="4174578"/>
-            <a:ext cx="2676144" cy="1404975"/>
-          </a:xfrm>
-          <a:prstGeom prst="rect">
-            <a:avLst/>
-          </a:prstGeom>
-          <a:noFill/>
-          <a:extLst>
-            <a:ext uri="{909E8E84-426E-40DD-AFC4-6F175D3DCCD1}">
-              <a14:hiddenFill xmlns:a14="http://schemas.microsoft.com/office/drawing/2010/main">
-                <a:solidFill>
-                  <a:srgbClr val="FFFFFF"/>
-                </a:solidFill>
-              </a14:hiddenFill>
-            </a:ext>
-          </a:extLst>
-        </p:spPr>
-      </p:pic>
       <p:sp>
         <p:nvSpPr>
           <p:cNvPr id="2" name="Titre 1">
@@ -8000,18 +8786,160 @@
           <a:lstStyle/>
           <a:p>
             <a:r>
+              <a:rPr lang="fr-FR" dirty="0" err="1"/>
+              <a:t>CéTI</a:t>
+            </a:r>
+            <a:r>
               <a:rPr lang="fr-FR" dirty="0"/>
-              <a:t>Outils numériques</a:t>
-            </a:r>
-          </a:p>
-        </p:txBody>
-      </p:sp>
-      <p:sp>
-        <p:nvSpPr>
-          <p:cNvPr id="3" name="Espace réservé du contenu 2">
-            <a:extLst>
-              <a:ext uri="{FF2B5EF4-FFF2-40B4-BE49-F238E27FC236}">
-                <a16:creationId xmlns:a16="http://schemas.microsoft.com/office/drawing/2014/main" id="{E0BBB9DE-019C-C741-F224-494739D4B752}"/>
+              <a:t> / TP / Déroulement</a:t>
+            </a:r>
+          </a:p>
+        </p:txBody>
+      </p:sp>
+      <p:pic>
+        <p:nvPicPr>
+          <p:cNvPr id="5" name="Image 4" descr="Une image contenant texte&#10;&#10;Description générée automatiquement">
+            <a:extLst>
+              <a:ext uri="{FF2B5EF4-FFF2-40B4-BE49-F238E27FC236}">
+                <a16:creationId xmlns:a16="http://schemas.microsoft.com/office/drawing/2014/main" id="{204ADC40-1D61-539F-22ED-6B21D67FBDE6}"/>
+              </a:ext>
+            </a:extLst>
+          </p:cNvPr>
+          <p:cNvPicPr>
+            <a:picLocks noChangeAspect="1"/>
+          </p:cNvPicPr>
+          <p:nvPr/>
+        </p:nvPicPr>
+        <p:blipFill>
+          <a:blip r:embed="rId2" cstate="print">
+            <a:extLst>
+              <a:ext uri="{28A0092B-C50C-407E-A947-70E740481C1C}">
+                <a14:useLocalDpi xmlns:a14="http://schemas.microsoft.com/office/drawing/2010/main" val="0"/>
+              </a:ext>
+            </a:extLst>
+          </a:blip>
+          <a:stretch>
+            <a:fillRect/>
+          </a:stretch>
+        </p:blipFill>
+        <p:spPr>
+          <a:xfrm>
+            <a:off x="202922" y="5934456"/>
+            <a:ext cx="1825291" cy="749808"/>
+          </a:xfrm>
+          <a:prstGeom prst="rect">
+            <a:avLst/>
+          </a:prstGeom>
+        </p:spPr>
+      </p:pic>
+      <p:pic>
+        <p:nvPicPr>
+          <p:cNvPr id="6" name="Image 5">
+            <a:extLst>
+              <a:ext uri="{FF2B5EF4-FFF2-40B4-BE49-F238E27FC236}">
+                <a16:creationId xmlns:a16="http://schemas.microsoft.com/office/drawing/2014/main" id="{C785231C-CAA7-29BE-C29B-8254BE697AE1}"/>
+              </a:ext>
+            </a:extLst>
+          </p:cNvPr>
+          <p:cNvPicPr>
+            <a:picLocks noChangeAspect="1"/>
+          </p:cNvPicPr>
+          <p:nvPr/>
+        </p:nvPicPr>
+        <p:blipFill>
+          <a:blip r:embed="rId3"/>
+          <a:stretch>
+            <a:fillRect/>
+          </a:stretch>
+        </p:blipFill>
+        <p:spPr>
+          <a:xfrm>
+            <a:off x="6096000" y="2440602"/>
+            <a:ext cx="5639540" cy="3520434"/>
+          </a:xfrm>
+          <a:prstGeom prst="rect">
+            <a:avLst/>
+          </a:prstGeom>
+        </p:spPr>
+      </p:pic>
+      <p:sp>
+        <p:nvSpPr>
+          <p:cNvPr id="3" name="CustomShape 3">
+            <a:extLst>
+              <a:ext uri="{FF2B5EF4-FFF2-40B4-BE49-F238E27FC236}">
+                <a16:creationId xmlns:a16="http://schemas.microsoft.com/office/drawing/2014/main" id="{D0B66582-DD89-E125-987B-BF9482C13816}"/>
+              </a:ext>
+            </a:extLst>
+          </p:cNvPr>
+          <p:cNvSpPr/>
+          <p:nvPr/>
+        </p:nvSpPr>
+        <p:spPr>
+          <a:xfrm>
+            <a:off x="1115567" y="2440602"/>
+            <a:ext cx="4685465" cy="492443"/>
+          </a:xfrm>
+          <a:prstGeom prst="rect">
+            <a:avLst/>
+          </a:prstGeom>
+          <a:solidFill>
+            <a:srgbClr val="00B0F0"/>
+          </a:solidFill>
+          <a:ln w="0">
+            <a:noFill/>
+          </a:ln>
+        </p:spPr>
+        <p:style>
+          <a:lnRef idx="0">
+            <a:scrgbClr r="0" g="0" b="0"/>
+          </a:lnRef>
+          <a:fillRef idx="0">
+            <a:scrgbClr r="0" g="0" b="0"/>
+          </a:fillRef>
+          <a:effectRef idx="0">
+            <a:scrgbClr r="0" g="0" b="0"/>
+          </a:effectRef>
+          <a:fontRef idx="minor"/>
+        </p:style>
+        <p:txBody>
+          <a:bodyPr wrap="square" tIns="91440" bIns="91440">
+            <a:spAutoFit/>
+          </a:bodyPr>
+          <a:lstStyle/>
+          <a:p>
+            <a:pPr algn="ctr">
+              <a:lnSpc>
+                <a:spcPct val="100000"/>
+              </a:lnSpc>
+              <a:tabLst>
+                <a:tab pos="0" algn="l"/>
+              </a:tabLst>
+            </a:pPr>
+            <a:r>
+              <a:rPr lang="fr-FR" sz="2000" b="1" strike="noStrike" spc="-1" dirty="0">
+                <a:solidFill>
+                  <a:schemeClr val="bg1"/>
+                </a:solidFill>
+                <a:latin typeface="Trebuchet MS"/>
+                <a:ea typeface="Trebuchet MS"/>
+              </a:rPr>
+              <a:t>Déroulement</a:t>
+            </a:r>
+            <a:endParaRPr lang="fr-FR" sz="2000" b="0" strike="noStrike" spc="-1" dirty="0">
+              <a:solidFill>
+                <a:schemeClr val="bg1"/>
+              </a:solidFill>
+              <a:latin typeface="Arial"/>
+            </a:endParaRPr>
+          </a:p>
+        </p:txBody>
+      </p:sp>
+      <p:sp>
+        <p:nvSpPr>
+          <p:cNvPr id="4" name="Espace réservé du contenu 2">
+            <a:extLst>
+              <a:ext uri="{FF2B5EF4-FFF2-40B4-BE49-F238E27FC236}">
+                <a16:creationId xmlns:a16="http://schemas.microsoft.com/office/drawing/2014/main" id="{1F8D6EF3-7C57-CB24-A956-E894E5DB98E8}"/>
               </a:ext>
             </a:extLst>
           </p:cNvPr>
@@ -8022,7 +8950,12 @@
             <p:ph sz="half" idx="1"/>
           </p:nvPr>
         </p:nvSpPr>
-        <p:spPr/>
+        <p:spPr>
+          <a:xfrm>
+            <a:off x="1108263" y="3050362"/>
+            <a:ext cx="4685466" cy="3694176"/>
+          </a:xfrm>
+        </p:spPr>
         <p:txBody>
           <a:bodyPr>
             <a:normAutofit/>
@@ -8030,335 +8963,45 @@
           <a:lstStyle/>
           <a:p>
             <a:r>
-              <a:rPr lang="fr-FR" dirty="0"/>
-              <a:t>Utilisation de </a:t>
-            </a:r>
-            <a:r>
-              <a:rPr lang="fr-FR" b="1" dirty="0"/>
-              <a:t>Python</a:t>
+              <a:rPr lang="fr-FR" sz="2000" b="1" dirty="0"/>
+              <a:t>Durant la séance</a:t>
             </a:r>
           </a:p>
           <a:p>
             <a:pPr lvl="1"/>
             <a:r>
-              <a:rPr lang="fr-FR" dirty="0"/>
-              <a:t>Anaconda 3</a:t>
+              <a:rPr lang="fr-FR" sz="1800" b="1" dirty="0"/>
+              <a:t>En binôme</a:t>
             </a:r>
           </a:p>
           <a:p>
             <a:pPr lvl="1"/>
             <a:r>
-              <a:rPr lang="fr-FR" dirty="0"/>
-              <a:t>Python 3.9 (ou supérieur)</a:t>
+              <a:rPr lang="fr-FR" sz="1800" dirty="0"/>
+              <a:t>Prise de </a:t>
+            </a:r>
+            <a:r>
+              <a:rPr lang="fr-FR" sz="1800" b="1" dirty="0"/>
+              <a:t>notes numériques </a:t>
+            </a:r>
+            <a:r>
+              <a:rPr lang="fr-FR" sz="1800" dirty="0"/>
+              <a:t>(outils partagés : Drive, Notion…)</a:t>
             </a:r>
           </a:p>
           <a:p>
             <a:pPr lvl="1"/>
             <a:r>
-              <a:rPr lang="fr-FR" dirty="0" err="1"/>
-              <a:t>Spyder</a:t>
-            </a:r>
-            <a:r>
-              <a:rPr lang="fr-FR" dirty="0"/>
-              <a:t> 5</a:t>
-            </a:r>
-          </a:p>
-        </p:txBody>
-      </p:sp>
-      <p:sp>
-        <p:nvSpPr>
-          <p:cNvPr id="4" name="Espace réservé du contenu 3">
-            <a:extLst>
-              <a:ext uri="{FF2B5EF4-FFF2-40B4-BE49-F238E27FC236}">
-                <a16:creationId xmlns:a16="http://schemas.microsoft.com/office/drawing/2014/main" id="{933F96BD-2653-AD25-8139-9FF3B2C19755}"/>
-              </a:ext>
-            </a:extLst>
-          </p:cNvPr>
-          <p:cNvSpPr>
-            <a:spLocks noGrp="1"/>
-          </p:cNvSpPr>
-          <p:nvPr>
-            <p:ph sz="half" idx="2"/>
-          </p:nvPr>
-        </p:nvSpPr>
-        <p:spPr/>
-        <p:txBody>
-          <a:bodyPr>
-            <a:normAutofit/>
-          </a:bodyPr>
-          <a:lstStyle/>
-          <a:p>
-            <a:r>
-              <a:rPr lang="fr-FR" dirty="0"/>
-              <a:t>Utilisation de </a:t>
-            </a:r>
-            <a:r>
-              <a:rPr lang="fr-FR" b="1" dirty="0"/>
-              <a:t>Matlab</a:t>
-            </a:r>
-          </a:p>
-          <a:p>
-            <a:pPr lvl="1"/>
-            <a:r>
-              <a:rPr lang="fr-FR" dirty="0"/>
-              <a:t>Simulink pour l’automatique</a:t>
-            </a:r>
-          </a:p>
-          <a:p>
-            <a:pPr lvl="1"/>
-            <a:r>
-              <a:rPr lang="fr-FR" i="1" dirty="0"/>
-              <a:t>Licence académique</a:t>
-            </a:r>
-          </a:p>
-          <a:p>
-            <a:pPr lvl="1"/>
-            <a:endParaRPr lang="fr-FR" i="1" dirty="0"/>
-          </a:p>
-          <a:p>
-            <a:pPr lvl="1"/>
-            <a:endParaRPr lang="fr-FR" i="1" dirty="0"/>
-          </a:p>
-          <a:p>
-            <a:r>
-              <a:rPr lang="fr-FR" dirty="0"/>
-              <a:t>Démos sous </a:t>
-            </a:r>
-            <a:r>
-              <a:rPr lang="fr-FR" b="1" dirty="0"/>
-              <a:t>QUCS</a:t>
-            </a:r>
-          </a:p>
-          <a:p>
-            <a:pPr lvl="1"/>
-            <a:r>
-              <a:rPr lang="fr-FR" dirty="0"/>
-              <a:t>Simulation électronique</a:t>
-            </a:r>
-            <a:endParaRPr lang="fr-FR" i="1" dirty="0"/>
-          </a:p>
-          <a:p>
-            <a:pPr lvl="1"/>
-            <a:endParaRPr lang="fr-FR" i="1" dirty="0"/>
-          </a:p>
-        </p:txBody>
-      </p:sp>
-      <p:pic>
-        <p:nvPicPr>
-          <p:cNvPr id="5" name="Image 4" descr="Une image contenant texte&#10;&#10;Description générée automatiquement">
-            <a:extLst>
-              <a:ext uri="{FF2B5EF4-FFF2-40B4-BE49-F238E27FC236}">
-                <a16:creationId xmlns:a16="http://schemas.microsoft.com/office/drawing/2014/main" id="{204ADC40-1D61-539F-22ED-6B21D67FBDE6}"/>
-              </a:ext>
-            </a:extLst>
-          </p:cNvPr>
-          <p:cNvPicPr>
-            <a:picLocks noChangeAspect="1"/>
-          </p:cNvPicPr>
-          <p:nvPr/>
-        </p:nvPicPr>
-        <p:blipFill>
-          <a:blip r:embed="rId3" cstate="print">
-            <a:extLst>
-              <a:ext uri="{28A0092B-C50C-407E-A947-70E740481C1C}">
-                <a14:useLocalDpi xmlns:a14="http://schemas.microsoft.com/office/drawing/2010/main" val="0"/>
-              </a:ext>
-            </a:extLst>
-          </a:blip>
-          <a:stretch>
-            <a:fillRect/>
-          </a:stretch>
-        </p:blipFill>
-        <p:spPr>
-          <a:xfrm>
-            <a:off x="202922" y="5934456"/>
-            <a:ext cx="1825291" cy="749808"/>
-          </a:xfrm>
-          <a:prstGeom prst="rect">
-            <a:avLst/>
-          </a:prstGeom>
-        </p:spPr>
-      </p:pic>
-      <p:pic>
-        <p:nvPicPr>
-          <p:cNvPr id="1028" name="Picture 4" descr="Résultat de recherche d'images pour &quot;python logo&quot;">
-            <a:extLst>
-              <a:ext uri="{FF2B5EF4-FFF2-40B4-BE49-F238E27FC236}">
-                <a16:creationId xmlns:a16="http://schemas.microsoft.com/office/drawing/2014/main" id="{6AACFEBA-EE5D-EEE7-D00C-2240541AF15B}"/>
-              </a:ext>
-            </a:extLst>
-          </p:cNvPr>
-          <p:cNvPicPr>
-            <a:picLocks noChangeAspect="1" noChangeArrowheads="1"/>
-          </p:cNvPicPr>
-          <p:nvPr/>
-        </p:nvPicPr>
-        <p:blipFill>
-          <a:blip r:embed="rId4">
-            <a:extLst>
-              <a:ext uri="{28A0092B-C50C-407E-A947-70E740481C1C}">
-                <a14:useLocalDpi xmlns:a14="http://schemas.microsoft.com/office/drawing/2010/main" val="0"/>
-              </a:ext>
-            </a:extLst>
-          </a:blip>
-          <a:srcRect/>
-          <a:stretch>
-            <a:fillRect/>
-          </a:stretch>
-        </p:blipFill>
-        <p:spPr bwMode="auto">
-          <a:xfrm>
-            <a:off x="2009023" y="4863930"/>
-            <a:ext cx="767663" cy="843885"/>
-          </a:xfrm>
-          <a:prstGeom prst="rect">
-            <a:avLst/>
-          </a:prstGeom>
-          <a:noFill/>
-          <a:extLst>
-            <a:ext uri="{909E8E84-426E-40DD-AFC4-6F175D3DCCD1}">
-              <a14:hiddenFill xmlns:a14="http://schemas.microsoft.com/office/drawing/2010/main">
-                <a:solidFill>
-                  <a:srgbClr val="FFFFFF"/>
-                </a:solidFill>
-              </a14:hiddenFill>
-            </a:ext>
-          </a:extLst>
-        </p:spPr>
-      </p:pic>
-      <p:pic>
-        <p:nvPicPr>
-          <p:cNvPr id="1032" name="Picture 8" descr="Résultat de recherche d'images pour &quot;spyder logo&quot;">
-            <a:extLst>
-              <a:ext uri="{FF2B5EF4-FFF2-40B4-BE49-F238E27FC236}">
-                <a16:creationId xmlns:a16="http://schemas.microsoft.com/office/drawing/2014/main" id="{B9E90EDC-B810-E4E5-D39F-BA240250126F}"/>
-              </a:ext>
-            </a:extLst>
-          </p:cNvPr>
-          <p:cNvPicPr>
-            <a:picLocks noChangeAspect="1" noChangeArrowheads="1"/>
-          </p:cNvPicPr>
-          <p:nvPr/>
-        </p:nvPicPr>
-        <p:blipFill>
-          <a:blip r:embed="rId5">
-            <a:extLst>
-              <a:ext uri="{28A0092B-C50C-407E-A947-70E740481C1C}">
-                <a14:useLocalDpi xmlns:a14="http://schemas.microsoft.com/office/drawing/2010/main" val="0"/>
-              </a:ext>
-            </a:extLst>
-          </a:blip>
-          <a:srcRect/>
-          <a:stretch>
-            <a:fillRect/>
-          </a:stretch>
-        </p:blipFill>
-        <p:spPr bwMode="auto">
-          <a:xfrm>
-            <a:off x="3268709" y="5101171"/>
-            <a:ext cx="1913528" cy="956764"/>
-          </a:xfrm>
-          <a:prstGeom prst="rect">
-            <a:avLst/>
-          </a:prstGeom>
-          <a:noFill/>
-          <a:extLst>
-            <a:ext uri="{909E8E84-426E-40DD-AFC4-6F175D3DCCD1}">
-              <a14:hiddenFill xmlns:a14="http://schemas.microsoft.com/office/drawing/2010/main">
-                <a:solidFill>
-                  <a:srgbClr val="FFFFFF"/>
-                </a:solidFill>
-              </a14:hiddenFill>
-            </a:ext>
-          </a:extLst>
-        </p:spPr>
-      </p:pic>
-      <p:pic>
-        <p:nvPicPr>
-          <p:cNvPr id="6" name="Picture 2" descr="MATLAB for the University Department of Professional Studies"/>
-          <p:cNvPicPr>
-            <a:picLocks noChangeAspect="1" noChangeArrowheads="1"/>
-          </p:cNvPicPr>
-          <p:nvPr/>
-        </p:nvPicPr>
-        <p:blipFill>
-          <a:blip r:embed="rId6">
-            <a:extLst>
-              <a:ext uri="{28A0092B-C50C-407E-A947-70E740481C1C}">
-                <a14:useLocalDpi xmlns:a14="http://schemas.microsoft.com/office/drawing/2010/main" val="0"/>
-              </a:ext>
-            </a:extLst>
-          </a:blip>
-          <a:srcRect/>
-          <a:stretch>
-            <a:fillRect/>
-          </a:stretch>
-        </p:blipFill>
-        <p:spPr bwMode="auto">
-          <a:xfrm>
-            <a:off x="9445924" y="3943941"/>
-            <a:ext cx="1932317" cy="746578"/>
-          </a:xfrm>
-          <a:prstGeom prst="rect">
-            <a:avLst/>
-          </a:prstGeom>
-          <a:noFill/>
-          <a:extLst>
-            <a:ext uri="{909E8E84-426E-40DD-AFC4-6F175D3DCCD1}">
-              <a14:hiddenFill xmlns:a14="http://schemas.microsoft.com/office/drawing/2010/main">
-                <a:solidFill>
-                  <a:srgbClr val="FFFFFF"/>
-                </a:solidFill>
-              </a14:hiddenFill>
-            </a:ext>
-          </a:extLst>
-        </p:spPr>
-      </p:pic>
-      <p:pic>
-        <p:nvPicPr>
-          <p:cNvPr id="7" name="Picture 4" descr="Qucs, simulador de circuitos electrónicos Open Source"/>
-          <p:cNvPicPr>
-            <a:picLocks noChangeAspect="1" noChangeArrowheads="1"/>
-          </p:cNvPicPr>
-          <p:nvPr/>
-        </p:nvPicPr>
-        <p:blipFill>
-          <a:blip r:embed="rId7" cstate="print">
-            <a:extLst>
-              <a:ext uri="{28A0092B-C50C-407E-A947-70E740481C1C}">
-                <a14:useLocalDpi xmlns:a14="http://schemas.microsoft.com/office/drawing/2010/main" val="0"/>
-              </a:ext>
-            </a:extLst>
-          </a:blip>
-          <a:srcRect/>
-          <a:stretch>
-            <a:fillRect/>
-          </a:stretch>
-        </p:blipFill>
-        <p:spPr bwMode="auto">
-          <a:xfrm>
-            <a:off x="10511520" y="5090449"/>
-            <a:ext cx="1164100" cy="774127"/>
-          </a:xfrm>
-          <a:prstGeom prst="rect">
-            <a:avLst/>
-          </a:prstGeom>
-          <a:noFill/>
-          <a:extLst>
-            <a:ext uri="{909E8E84-426E-40DD-AFC4-6F175D3DCCD1}">
-              <a14:hiddenFill xmlns:a14="http://schemas.microsoft.com/office/drawing/2010/main">
-                <a:solidFill>
-                  <a:srgbClr val="FFFFFF"/>
-                </a:solidFill>
-              </a14:hiddenFill>
-            </a:ext>
-          </a:extLst>
-        </p:spPr>
-      </p:pic>
+              <a:rPr lang="fr-FR" sz="1800" dirty="0"/>
+              <a:t>Sujet sous forme de mission</a:t>
+            </a:r>
+          </a:p>
+        </p:txBody>
+      </p:sp>
     </p:spTree>
     <p:extLst>
       <p:ext uri="{BB962C8B-B14F-4D97-AF65-F5344CB8AC3E}">
-        <p14:creationId xmlns:p14="http://schemas.microsoft.com/office/powerpoint/2010/main" val="3872368811"/>
+        <p14:creationId xmlns:p14="http://schemas.microsoft.com/office/powerpoint/2010/main" val="2027090039"/>
       </p:ext>
     </p:extLst>
   </p:cSld>
@@ -8387,10 +9030,150 @@
       </p:grpSpPr>
       <p:sp>
         <p:nvSpPr>
-          <p:cNvPr id="3" name="Espace réservé du contenu 2">
-            <a:extLst>
-              <a:ext uri="{FF2B5EF4-FFF2-40B4-BE49-F238E27FC236}">
-                <a16:creationId xmlns:a16="http://schemas.microsoft.com/office/drawing/2014/main" id="{E0BBB9DE-019C-C741-F224-494739D4B752}"/>
+          <p:cNvPr id="2" name="Titre 1">
+            <a:extLst>
+              <a:ext uri="{FF2B5EF4-FFF2-40B4-BE49-F238E27FC236}">
+                <a16:creationId xmlns:a16="http://schemas.microsoft.com/office/drawing/2014/main" id="{90162AE8-C1B0-5C56-8313-DEE494F38273}"/>
+              </a:ext>
+            </a:extLst>
+          </p:cNvPr>
+          <p:cNvSpPr>
+            <a:spLocks noGrp="1"/>
+          </p:cNvSpPr>
+          <p:nvPr>
+            <p:ph type="title"/>
+          </p:nvPr>
+        </p:nvSpPr>
+        <p:spPr/>
+        <p:txBody>
+          <a:bodyPr/>
+          <a:lstStyle/>
+          <a:p>
+            <a:r>
+              <a:rPr lang="fr-FR" dirty="0" err="1"/>
+              <a:t>CéTI</a:t>
+            </a:r>
+            <a:r>
+              <a:rPr lang="fr-FR" dirty="0"/>
+              <a:t> / TP / Déroulement</a:t>
+            </a:r>
+          </a:p>
+        </p:txBody>
+      </p:sp>
+      <p:pic>
+        <p:nvPicPr>
+          <p:cNvPr id="5" name="Image 4" descr="Une image contenant texte&#10;&#10;Description générée automatiquement">
+            <a:extLst>
+              <a:ext uri="{FF2B5EF4-FFF2-40B4-BE49-F238E27FC236}">
+                <a16:creationId xmlns:a16="http://schemas.microsoft.com/office/drawing/2014/main" id="{204ADC40-1D61-539F-22ED-6B21D67FBDE6}"/>
+              </a:ext>
+            </a:extLst>
+          </p:cNvPr>
+          <p:cNvPicPr>
+            <a:picLocks noChangeAspect="1"/>
+          </p:cNvPicPr>
+          <p:nvPr/>
+        </p:nvPicPr>
+        <p:blipFill>
+          <a:blip r:embed="rId2" cstate="print">
+            <a:extLst>
+              <a:ext uri="{28A0092B-C50C-407E-A947-70E740481C1C}">
+                <a14:useLocalDpi xmlns:a14="http://schemas.microsoft.com/office/drawing/2010/main" val="0"/>
+              </a:ext>
+            </a:extLst>
+          </a:blip>
+          <a:stretch>
+            <a:fillRect/>
+          </a:stretch>
+        </p:blipFill>
+        <p:spPr>
+          <a:xfrm>
+            <a:off x="202922" y="5934456"/>
+            <a:ext cx="1825291" cy="749808"/>
+          </a:xfrm>
+          <a:prstGeom prst="rect">
+            <a:avLst/>
+          </a:prstGeom>
+        </p:spPr>
+      </p:pic>
+      <p:sp>
+        <p:nvSpPr>
+          <p:cNvPr id="3" name="CustomShape 3">
+            <a:extLst>
+              <a:ext uri="{FF2B5EF4-FFF2-40B4-BE49-F238E27FC236}">
+                <a16:creationId xmlns:a16="http://schemas.microsoft.com/office/drawing/2014/main" id="{D0B66582-DD89-E125-987B-BF9482C13816}"/>
+              </a:ext>
+            </a:extLst>
+          </p:cNvPr>
+          <p:cNvSpPr/>
+          <p:nvPr/>
+        </p:nvSpPr>
+        <p:spPr>
+          <a:xfrm>
+            <a:off x="1115567" y="2440602"/>
+            <a:ext cx="4685465" cy="492443"/>
+          </a:xfrm>
+          <a:prstGeom prst="rect">
+            <a:avLst/>
+          </a:prstGeom>
+          <a:solidFill>
+            <a:srgbClr val="00B0F0"/>
+          </a:solidFill>
+          <a:ln w="0">
+            <a:noFill/>
+          </a:ln>
+        </p:spPr>
+        <p:style>
+          <a:lnRef idx="0">
+            <a:scrgbClr r="0" g="0" b="0"/>
+          </a:lnRef>
+          <a:fillRef idx="0">
+            <a:scrgbClr r="0" g="0" b="0"/>
+          </a:fillRef>
+          <a:effectRef idx="0">
+            <a:scrgbClr r="0" g="0" b="0"/>
+          </a:effectRef>
+          <a:fontRef idx="minor"/>
+        </p:style>
+        <p:txBody>
+          <a:bodyPr wrap="square" tIns="91440" bIns="91440">
+            <a:spAutoFit/>
+          </a:bodyPr>
+          <a:lstStyle/>
+          <a:p>
+            <a:pPr algn="ctr">
+              <a:lnSpc>
+                <a:spcPct val="100000"/>
+              </a:lnSpc>
+              <a:tabLst>
+                <a:tab pos="0" algn="l"/>
+              </a:tabLst>
+            </a:pPr>
+            <a:r>
+              <a:rPr lang="fr-FR" sz="2000" b="1" strike="noStrike" spc="-1" dirty="0">
+                <a:solidFill>
+                  <a:schemeClr val="bg1"/>
+                </a:solidFill>
+                <a:latin typeface="Trebuchet MS"/>
+                <a:ea typeface="Trebuchet MS"/>
+              </a:rPr>
+              <a:t>Déroulement</a:t>
+            </a:r>
+            <a:endParaRPr lang="fr-FR" sz="2000" b="0" strike="noStrike" spc="-1" dirty="0">
+              <a:solidFill>
+                <a:schemeClr val="bg1"/>
+              </a:solidFill>
+              <a:latin typeface="Arial"/>
+            </a:endParaRPr>
+          </a:p>
+        </p:txBody>
+      </p:sp>
+      <p:sp>
+        <p:nvSpPr>
+          <p:cNvPr id="4" name="Espace réservé du contenu 2">
+            <a:extLst>
+              <a:ext uri="{FF2B5EF4-FFF2-40B4-BE49-F238E27FC236}">
+                <a16:creationId xmlns:a16="http://schemas.microsoft.com/office/drawing/2014/main" id="{1F8D6EF3-7C57-CB24-A956-E894E5DB98E8}"/>
               </a:ext>
             </a:extLst>
           </p:cNvPr>
@@ -8403,8 +9186,8 @@
         </p:nvSpPr>
         <p:spPr>
           <a:xfrm>
-            <a:off x="1115568" y="2478024"/>
-            <a:ext cx="10168128" cy="3694176"/>
+            <a:off x="1108263" y="3050362"/>
+            <a:ext cx="4685466" cy="3694176"/>
           </a:xfrm>
         </p:spPr>
         <p:txBody>
@@ -8414,55 +9197,240 @@
           <a:lstStyle/>
           <a:p>
             <a:r>
-              <a:rPr lang="fr-FR" b="1" dirty="0"/>
-              <a:t>Site du </a:t>
-            </a:r>
-            <a:r>
-              <a:rPr lang="fr-FR" b="1" dirty="0" err="1"/>
-              <a:t>LEnsE</a:t>
-            </a:r>
-            <a:r>
-              <a:rPr lang="fr-FR" b="1" dirty="0"/>
-              <a:t> </a:t>
+              <a:rPr lang="fr-FR" sz="2000" b="1" dirty="0"/>
+              <a:t>Durant la séance</a:t>
             </a:r>
           </a:p>
           <a:p>
             <a:pPr lvl="1"/>
             <a:r>
-              <a:rPr lang="fr-FR" dirty="0"/>
-              <a:t>lense.institutoptique.fr/</a:t>
-            </a:r>
-            <a:r>
-              <a:rPr lang="fr-FR" dirty="0" err="1"/>
-              <a:t>ceti</a:t>
-            </a:r>
-            <a:r>
-              <a:rPr lang="fr-FR" dirty="0"/>
-              <a:t>/</a:t>
-            </a:r>
-          </a:p>
-          <a:p>
-            <a:endParaRPr lang="fr-FR" b="1" dirty="0"/>
-          </a:p>
-          <a:p>
-            <a:r>
-              <a:rPr lang="fr-FR" b="1" dirty="0" err="1"/>
-              <a:t>GitHUB</a:t>
-            </a:r>
-            <a:endParaRPr lang="fr-FR" b="1" dirty="0"/>
+              <a:rPr lang="fr-FR" sz="1800" b="1" dirty="0"/>
+              <a:t>En binôme</a:t>
+            </a:r>
           </a:p>
           <a:p>
             <a:pPr lvl="1"/>
             <a:r>
-              <a:rPr lang="fr-FR" dirty="0">
-                <a:hlinkClick r:id="rId2"/>
+              <a:rPr lang="fr-FR" sz="1800" dirty="0"/>
+              <a:t>Prise de </a:t>
+            </a:r>
+            <a:r>
+              <a:rPr lang="fr-FR" sz="1800" b="1" dirty="0"/>
+              <a:t>notes numériques </a:t>
+            </a:r>
+            <a:r>
+              <a:rPr lang="fr-FR" sz="1800" dirty="0"/>
+              <a:t>(outils partagés : Drive, Notion…)</a:t>
+            </a:r>
+          </a:p>
+          <a:p>
+            <a:pPr lvl="1"/>
+            <a:r>
+              <a:rPr lang="fr-FR" sz="1800" dirty="0"/>
+              <a:t>Sujet sous forme de mission</a:t>
+            </a:r>
+          </a:p>
+          <a:p>
+            <a:r>
+              <a:rPr lang="fr-FR" sz="2200" b="1" dirty="0"/>
+              <a:t>En fin de thème </a:t>
+            </a:r>
+            <a:r>
+              <a:rPr lang="fr-FR" sz="1600" dirty="0"/>
+              <a:t>(thèmes 1 et 2)</a:t>
+            </a:r>
+          </a:p>
+          <a:p>
+            <a:pPr lvl="1"/>
+            <a:r>
+              <a:rPr lang="fr-FR" sz="1800" dirty="0"/>
+              <a:t>Synthèse </a:t>
+            </a:r>
+            <a:r>
+              <a:rPr lang="fr-FR" sz="1400" dirty="0"/>
+              <a:t>(≠ compte-rendu)</a:t>
+            </a:r>
+          </a:p>
+          <a:p>
+            <a:pPr lvl="1"/>
+            <a:r>
+              <a:rPr lang="fr-FR" sz="1800" dirty="0"/>
+              <a:t>Carte conceptuelle</a:t>
+            </a:r>
+          </a:p>
+        </p:txBody>
+      </p:sp>
+      <p:sp>
+        <p:nvSpPr>
+          <p:cNvPr id="7" name="Rectangle 6">
+            <a:extLst>
+              <a:ext uri="{FF2B5EF4-FFF2-40B4-BE49-F238E27FC236}">
+                <a16:creationId xmlns:a16="http://schemas.microsoft.com/office/drawing/2014/main" id="{A50DE225-8170-C71A-7E0E-DCE92B8C8ED0}"/>
+              </a:ext>
+            </a:extLst>
+          </p:cNvPr>
+          <p:cNvSpPr/>
+          <p:nvPr/>
+        </p:nvSpPr>
+        <p:spPr>
+          <a:xfrm>
+            <a:off x="2658219" y="6163842"/>
+            <a:ext cx="3142813" cy="538417"/>
+          </a:xfrm>
+          <a:prstGeom prst="rect">
+            <a:avLst/>
+          </a:prstGeom>
+          <a:solidFill>
+            <a:srgbClr val="002060"/>
+          </a:solidFill>
+          <a:ln>
+            <a:solidFill>
+              <a:schemeClr val="bg1"/>
+            </a:solidFill>
+          </a:ln>
+        </p:spPr>
+        <p:style>
+          <a:lnRef idx="2">
+            <a:schemeClr val="accent1">
+              <a:shade val="15000"/>
+            </a:schemeClr>
+          </a:lnRef>
+          <a:fillRef idx="1">
+            <a:schemeClr val="accent1"/>
+          </a:fillRef>
+          <a:effectRef idx="0">
+            <a:schemeClr val="accent1"/>
+          </a:effectRef>
+          <a:fontRef idx="minor">
+            <a:schemeClr val="lt1"/>
+          </a:fontRef>
+        </p:style>
+        <p:txBody>
+          <a:bodyPr rtlCol="0" anchor="ctr"/>
+          <a:lstStyle/>
+          <a:p>
+            <a:pPr algn="ctr"/>
+            <a:r>
+              <a:rPr lang="fr-FR" sz="1400" b="1" dirty="0"/>
+              <a:t>Dépôt sur </a:t>
+            </a:r>
+            <a:r>
+              <a:rPr lang="fr-FR" sz="1400" b="1" dirty="0" err="1"/>
+              <a:t>eCampus</a:t>
+            </a:r>
+            <a:endParaRPr lang="fr-FR" sz="1400" b="1" dirty="0"/>
+          </a:p>
+          <a:p>
+            <a:pPr algn="ctr"/>
+            <a:r>
+              <a:rPr lang="fr-FR" sz="1400" dirty="0"/>
+              <a:t>1 semaine après la dernière séance</a:t>
+            </a:r>
+          </a:p>
+        </p:txBody>
+      </p:sp>
+      <p:sp>
+        <p:nvSpPr>
+          <p:cNvPr id="8" name="CustomShape 3">
+            <a:extLst>
+              <a:ext uri="{FF2B5EF4-FFF2-40B4-BE49-F238E27FC236}">
+                <a16:creationId xmlns:a16="http://schemas.microsoft.com/office/drawing/2014/main" id="{D452A0BD-81AA-830F-9914-E2670BF6325F}"/>
+              </a:ext>
+            </a:extLst>
+          </p:cNvPr>
+          <p:cNvSpPr/>
+          <p:nvPr/>
+        </p:nvSpPr>
+        <p:spPr>
+          <a:xfrm rot="19599468">
+            <a:off x="7892778" y="3841698"/>
+            <a:ext cx="2362269" cy="800219"/>
+          </a:xfrm>
+          <a:prstGeom prst="rect">
+            <a:avLst/>
+          </a:prstGeom>
+          <a:solidFill>
+            <a:srgbClr val="FF0000"/>
+          </a:solidFill>
+          <a:ln w="0">
+            <a:noFill/>
+          </a:ln>
+        </p:spPr>
+        <p:style>
+          <a:lnRef idx="0">
+            <a:scrgbClr r="0" g="0" b="0"/>
+          </a:lnRef>
+          <a:fillRef idx="0">
+            <a:scrgbClr r="0" g="0" b="0"/>
+          </a:fillRef>
+          <a:effectRef idx="0">
+            <a:scrgbClr r="0" g="0" b="0"/>
+          </a:effectRef>
+          <a:fontRef idx="minor"/>
+        </p:style>
+        <p:txBody>
+          <a:bodyPr wrap="square" tIns="91440" bIns="91440">
+            <a:spAutoFit/>
+          </a:bodyPr>
+          <a:lstStyle/>
+          <a:p>
+            <a:pPr algn="ctr">
+              <a:lnSpc>
+                <a:spcPct val="100000"/>
+              </a:lnSpc>
+              <a:tabLst>
+                <a:tab pos="0" algn="l"/>
+              </a:tabLst>
+            </a:pPr>
+            <a:r>
+              <a:rPr lang="fr-FR" sz="2000" b="1" strike="noStrike" spc="-1" dirty="0">
+                <a:solidFill>
+                  <a:schemeClr val="bg1"/>
+                </a:solidFill>
+                <a:latin typeface="Trebuchet MS"/>
+                <a:ea typeface="Trebuchet MS"/>
               </a:rPr>
-              <a:t>github.com/IOGS-Digital-Methods</a:t>
-            </a:r>
-            <a:endParaRPr lang="fr-FR" dirty="0"/>
-          </a:p>
-        </p:txBody>
-      </p:sp>
+              <a:t>Ajouter Sujet Thème 1</a:t>
+            </a:r>
+            <a:endParaRPr lang="fr-FR" sz="2000" b="0" strike="noStrike" spc="-1" dirty="0">
+              <a:solidFill>
+                <a:schemeClr val="bg1"/>
+              </a:solidFill>
+              <a:latin typeface="Arial"/>
+            </a:endParaRPr>
+          </a:p>
+        </p:txBody>
+      </p:sp>
+    </p:spTree>
+    <p:extLst>
+      <p:ext uri="{BB962C8B-B14F-4D97-AF65-F5344CB8AC3E}">
+        <p14:creationId xmlns:p14="http://schemas.microsoft.com/office/powerpoint/2010/main" val="1780351021"/>
+      </p:ext>
+    </p:extLst>
+  </p:cSld>
+  <p:clrMapOvr>
+    <a:masterClrMapping/>
+  </p:clrMapOvr>
+</p:sld>
+</file>
+
+<file path=ppt/slides/slide15.xml><?xml version="1.0" encoding="utf-8"?>
+<p:sld xmlns:a="http://schemas.openxmlformats.org/drawingml/2006/main" xmlns:r="http://schemas.openxmlformats.org/officeDocument/2006/relationships" xmlns:p="http://schemas.openxmlformats.org/presentationml/2006/main">
+  <p:cSld>
+    <p:spTree>
+      <p:nvGrpSpPr>
+        <p:cNvPr id="1" name=""/>
+        <p:cNvGrpSpPr/>
+        <p:nvPr/>
+      </p:nvGrpSpPr>
+      <p:grpSpPr>
+        <a:xfrm>
+          <a:off x="0" y="0"/>
+          <a:ext cx="0" cy="0"/>
+          <a:chOff x="0" y="0"/>
+          <a:chExt cx="0" cy="0"/>
+        </a:xfrm>
+      </p:grpSpPr>
       <p:sp>
         <p:nvSpPr>
           <p:cNvPr id="2" name="Titre 1">
@@ -8485,9 +9453,3440 @@
           <a:lstStyle/>
           <a:p>
             <a:r>
+              <a:rPr lang="fr-FR" dirty="0" err="1"/>
+              <a:t>CéTI</a:t>
+            </a:r>
+            <a:r>
               <a:rPr lang="fr-FR" dirty="0"/>
-              <a:t>Ressources en ligne</a:t>
-            </a:r>
+              <a:t> / TP / Ressources</a:t>
+            </a:r>
+          </a:p>
+        </p:txBody>
+      </p:sp>
+      <p:pic>
+        <p:nvPicPr>
+          <p:cNvPr id="5" name="Image 4" descr="Une image contenant texte&#10;&#10;Description générée automatiquement">
+            <a:extLst>
+              <a:ext uri="{FF2B5EF4-FFF2-40B4-BE49-F238E27FC236}">
+                <a16:creationId xmlns:a16="http://schemas.microsoft.com/office/drawing/2014/main" id="{204ADC40-1D61-539F-22ED-6B21D67FBDE6}"/>
+              </a:ext>
+            </a:extLst>
+          </p:cNvPr>
+          <p:cNvPicPr>
+            <a:picLocks noChangeAspect="1"/>
+          </p:cNvPicPr>
+          <p:nvPr/>
+        </p:nvPicPr>
+        <p:blipFill>
+          <a:blip r:embed="rId2" cstate="print">
+            <a:extLst>
+              <a:ext uri="{28A0092B-C50C-407E-A947-70E740481C1C}">
+                <a14:useLocalDpi xmlns:a14="http://schemas.microsoft.com/office/drawing/2010/main" val="0"/>
+              </a:ext>
+            </a:extLst>
+          </a:blip>
+          <a:stretch>
+            <a:fillRect/>
+          </a:stretch>
+        </p:blipFill>
+        <p:spPr>
+          <a:xfrm>
+            <a:off x="202922" y="5934456"/>
+            <a:ext cx="1825291" cy="749808"/>
+          </a:xfrm>
+          <a:prstGeom prst="rect">
+            <a:avLst/>
+          </a:prstGeom>
+        </p:spPr>
+      </p:pic>
+      <p:sp>
+        <p:nvSpPr>
+          <p:cNvPr id="18" name="CustomShape 3">
+            <a:extLst>
+              <a:ext uri="{FF2B5EF4-FFF2-40B4-BE49-F238E27FC236}">
+                <a16:creationId xmlns:a16="http://schemas.microsoft.com/office/drawing/2014/main" id="{67756887-8D7D-16CA-99A7-DCA51C63AE43}"/>
+              </a:ext>
+            </a:extLst>
+          </p:cNvPr>
+          <p:cNvSpPr/>
+          <p:nvPr/>
+        </p:nvSpPr>
+        <p:spPr>
+          <a:xfrm>
+            <a:off x="6390968" y="2440602"/>
+            <a:ext cx="4685465" cy="492443"/>
+          </a:xfrm>
+          <a:prstGeom prst="rect">
+            <a:avLst/>
+          </a:prstGeom>
+          <a:solidFill>
+            <a:schemeClr val="tx1">
+              <a:lumMod val="65000"/>
+              <a:lumOff val="35000"/>
+            </a:schemeClr>
+          </a:solidFill>
+          <a:ln w="0">
+            <a:noFill/>
+          </a:ln>
+        </p:spPr>
+        <p:style>
+          <a:lnRef idx="0">
+            <a:scrgbClr r="0" g="0" b="0"/>
+          </a:lnRef>
+          <a:fillRef idx="0">
+            <a:scrgbClr r="0" g="0" b="0"/>
+          </a:fillRef>
+          <a:effectRef idx="0">
+            <a:scrgbClr r="0" g="0" b="0"/>
+          </a:effectRef>
+          <a:fontRef idx="minor"/>
+        </p:style>
+        <p:txBody>
+          <a:bodyPr wrap="square" tIns="91440" bIns="91440">
+            <a:spAutoFit/>
+          </a:bodyPr>
+          <a:lstStyle/>
+          <a:p>
+            <a:pPr algn="ctr">
+              <a:lnSpc>
+                <a:spcPct val="100000"/>
+              </a:lnSpc>
+              <a:tabLst>
+                <a:tab pos="0" algn="l"/>
+              </a:tabLst>
+            </a:pPr>
+            <a:r>
+              <a:rPr lang="fr-FR" sz="2000" b="1" strike="noStrike" spc="-1" dirty="0">
+                <a:solidFill>
+                  <a:schemeClr val="bg1"/>
+                </a:solidFill>
+                <a:latin typeface="Trebuchet MS"/>
+                <a:ea typeface="Trebuchet MS"/>
+              </a:rPr>
+              <a:t>3 blocs de 2 séances de TP</a:t>
+            </a:r>
+            <a:endParaRPr lang="fr-FR" sz="2000" b="0" strike="noStrike" spc="-1" dirty="0">
+              <a:solidFill>
+                <a:schemeClr val="bg1"/>
+              </a:solidFill>
+              <a:latin typeface="Arial"/>
+            </a:endParaRPr>
+          </a:p>
+        </p:txBody>
+      </p:sp>
+      <p:sp>
+        <p:nvSpPr>
+          <p:cNvPr id="3" name="CustomShape 3">
+            <a:extLst>
+              <a:ext uri="{FF2B5EF4-FFF2-40B4-BE49-F238E27FC236}">
+                <a16:creationId xmlns:a16="http://schemas.microsoft.com/office/drawing/2014/main" id="{F665BF59-136D-0754-7EE3-F83C4DBD1D54}"/>
+              </a:ext>
+            </a:extLst>
+          </p:cNvPr>
+          <p:cNvSpPr/>
+          <p:nvPr/>
+        </p:nvSpPr>
+        <p:spPr>
+          <a:xfrm>
+            <a:off x="1115567" y="2440602"/>
+            <a:ext cx="4685465" cy="492443"/>
+          </a:xfrm>
+          <a:prstGeom prst="rect">
+            <a:avLst/>
+          </a:prstGeom>
+          <a:solidFill>
+            <a:srgbClr val="00B0F0"/>
+          </a:solidFill>
+          <a:ln w="0">
+            <a:noFill/>
+          </a:ln>
+        </p:spPr>
+        <p:style>
+          <a:lnRef idx="0">
+            <a:scrgbClr r="0" g="0" b="0"/>
+          </a:lnRef>
+          <a:fillRef idx="0">
+            <a:scrgbClr r="0" g="0" b="0"/>
+          </a:fillRef>
+          <a:effectRef idx="0">
+            <a:scrgbClr r="0" g="0" b="0"/>
+          </a:effectRef>
+          <a:fontRef idx="minor"/>
+        </p:style>
+        <p:txBody>
+          <a:bodyPr wrap="square" tIns="91440" bIns="91440">
+            <a:spAutoFit/>
+          </a:bodyPr>
+          <a:lstStyle/>
+          <a:p>
+            <a:pPr algn="ctr">
+              <a:lnSpc>
+                <a:spcPct val="100000"/>
+              </a:lnSpc>
+              <a:tabLst>
+                <a:tab pos="0" algn="l"/>
+              </a:tabLst>
+            </a:pPr>
+            <a:r>
+              <a:rPr lang="fr-FR" sz="2000" b="1" strike="noStrike" spc="-1" dirty="0">
+                <a:solidFill>
+                  <a:schemeClr val="bg1"/>
+                </a:solidFill>
+                <a:latin typeface="Trebuchet MS"/>
+                <a:ea typeface="Trebuchet MS"/>
+              </a:rPr>
+              <a:t>Ressources</a:t>
+            </a:r>
+            <a:endParaRPr lang="fr-FR" sz="2000" b="0" strike="noStrike" spc="-1" dirty="0">
+              <a:solidFill>
+                <a:schemeClr val="bg1"/>
+              </a:solidFill>
+              <a:latin typeface="Arial"/>
+            </a:endParaRPr>
+          </a:p>
+        </p:txBody>
+      </p:sp>
+      <p:sp>
+        <p:nvSpPr>
+          <p:cNvPr id="4" name="Espace réservé du contenu 2">
+            <a:extLst>
+              <a:ext uri="{FF2B5EF4-FFF2-40B4-BE49-F238E27FC236}">
+                <a16:creationId xmlns:a16="http://schemas.microsoft.com/office/drawing/2014/main" id="{EDF779BE-63E6-9F6B-6ECB-3FED2571DCDE}"/>
+              </a:ext>
+            </a:extLst>
+          </p:cNvPr>
+          <p:cNvSpPr>
+            <a:spLocks noGrp="1"/>
+          </p:cNvSpPr>
+          <p:nvPr>
+            <p:ph sz="half" idx="1"/>
+          </p:nvPr>
+        </p:nvSpPr>
+        <p:spPr>
+          <a:xfrm>
+            <a:off x="1108263" y="3050362"/>
+            <a:ext cx="4685466" cy="3694176"/>
+          </a:xfrm>
+        </p:spPr>
+        <p:txBody>
+          <a:bodyPr>
+            <a:normAutofit/>
+          </a:bodyPr>
+          <a:lstStyle/>
+          <a:p>
+            <a:r>
+              <a:rPr lang="fr-FR" sz="2000" b="1" dirty="0"/>
+              <a:t>Site du </a:t>
+            </a:r>
+            <a:r>
+              <a:rPr lang="fr-FR" sz="2000" b="1" dirty="0" err="1"/>
+              <a:t>LEnsE</a:t>
+            </a:r>
+            <a:endParaRPr lang="fr-FR" sz="2000" b="1" dirty="0"/>
+          </a:p>
+          <a:p>
+            <a:pPr lvl="1"/>
+            <a:r>
+              <a:rPr lang="fr-FR" sz="1800" dirty="0"/>
+              <a:t>Sujets : lense.institutoptique.fr/</a:t>
+            </a:r>
+            <a:r>
+              <a:rPr lang="fr-FR" sz="1800" dirty="0" err="1"/>
+              <a:t>ceti</a:t>
+            </a:r>
+            <a:r>
+              <a:rPr lang="fr-FR" sz="1800" dirty="0"/>
+              <a:t>/</a:t>
+            </a:r>
+            <a:endParaRPr lang="fr-FR" sz="2000" b="1" dirty="0"/>
+          </a:p>
+          <a:p>
+            <a:r>
+              <a:rPr lang="fr-FR" sz="2000" b="1" dirty="0"/>
+              <a:t>Ressources des constructeurs</a:t>
+            </a:r>
+          </a:p>
+          <a:p>
+            <a:r>
+              <a:rPr lang="fr-FR" sz="2000" b="1" dirty="0"/>
+              <a:t>Sites de composants</a:t>
+            </a:r>
+          </a:p>
+          <a:p>
+            <a:pPr lvl="1"/>
+            <a:r>
+              <a:rPr lang="fr-FR" sz="1400" dirty="0" err="1"/>
+              <a:t>Radiospares</a:t>
+            </a:r>
+            <a:r>
+              <a:rPr lang="fr-FR" sz="1400" dirty="0"/>
+              <a:t>  RS</a:t>
+            </a:r>
+          </a:p>
+          <a:p>
+            <a:pPr lvl="1"/>
+            <a:r>
+              <a:rPr lang="fr-FR" sz="1400" dirty="0"/>
+              <a:t>Conrad</a:t>
+            </a:r>
+          </a:p>
+          <a:p>
+            <a:pPr lvl="1"/>
+            <a:r>
+              <a:rPr lang="fr-FR" sz="1400" dirty="0" err="1"/>
+              <a:t>Farnell</a:t>
+            </a:r>
+            <a:endParaRPr lang="fr-FR" sz="1400" dirty="0"/>
+          </a:p>
+        </p:txBody>
+      </p:sp>
+      <p:sp>
+        <p:nvSpPr>
+          <p:cNvPr id="6" name="CustomShape 3">
+            <a:extLst>
+              <a:ext uri="{FF2B5EF4-FFF2-40B4-BE49-F238E27FC236}">
+                <a16:creationId xmlns:a16="http://schemas.microsoft.com/office/drawing/2014/main" id="{5D708399-807B-5432-94CB-AECBD6EA9803}"/>
+              </a:ext>
+            </a:extLst>
+          </p:cNvPr>
+          <p:cNvSpPr/>
+          <p:nvPr/>
+        </p:nvSpPr>
+        <p:spPr>
+          <a:xfrm>
+            <a:off x="6388201" y="3152988"/>
+            <a:ext cx="3348569" cy="461665"/>
+          </a:xfrm>
+          <a:prstGeom prst="rect">
+            <a:avLst/>
+          </a:prstGeom>
+          <a:solidFill>
+            <a:schemeClr val="accent6"/>
+          </a:solidFill>
+          <a:ln w="0">
+            <a:noFill/>
+          </a:ln>
+        </p:spPr>
+        <p:style>
+          <a:lnRef idx="0">
+            <a:scrgbClr r="0" g="0" b="0"/>
+          </a:lnRef>
+          <a:fillRef idx="0">
+            <a:scrgbClr r="0" g="0" b="0"/>
+          </a:fillRef>
+          <a:effectRef idx="0">
+            <a:scrgbClr r="0" g="0" b="0"/>
+          </a:effectRef>
+          <a:fontRef idx="minor"/>
+        </p:style>
+        <p:txBody>
+          <a:bodyPr wrap="square" tIns="91440" bIns="91440">
+            <a:spAutoFit/>
+          </a:bodyPr>
+          <a:lstStyle/>
+          <a:p>
+            <a:pPr algn="ctr">
+              <a:lnSpc>
+                <a:spcPct val="100000"/>
+              </a:lnSpc>
+              <a:tabLst>
+                <a:tab pos="0" algn="l"/>
+              </a:tabLst>
+            </a:pPr>
+            <a:r>
+              <a:rPr lang="fr-FR" b="1" strike="noStrike" spc="-1" dirty="0">
+                <a:solidFill>
+                  <a:schemeClr val="bg1"/>
+                </a:solidFill>
+                <a:latin typeface="Trebuchet MS"/>
+                <a:ea typeface="Trebuchet MS"/>
+              </a:rPr>
+              <a:t>(0) Mise en forme / Filtrage</a:t>
+            </a:r>
+            <a:endParaRPr lang="fr-FR" b="0" strike="noStrike" spc="-1" dirty="0">
+              <a:solidFill>
+                <a:schemeClr val="bg1"/>
+              </a:solidFill>
+              <a:latin typeface="Arial"/>
+            </a:endParaRPr>
+          </a:p>
+        </p:txBody>
+      </p:sp>
+      <p:sp>
+        <p:nvSpPr>
+          <p:cNvPr id="7" name="CustomShape 3">
+            <a:extLst>
+              <a:ext uri="{FF2B5EF4-FFF2-40B4-BE49-F238E27FC236}">
+                <a16:creationId xmlns:a16="http://schemas.microsoft.com/office/drawing/2014/main" id="{BA43BA0B-E178-4436-CF25-C278D81C92E1}"/>
+              </a:ext>
+            </a:extLst>
+          </p:cNvPr>
+          <p:cNvSpPr/>
+          <p:nvPr/>
+        </p:nvSpPr>
+        <p:spPr>
+          <a:xfrm>
+            <a:off x="7069579" y="3806269"/>
+            <a:ext cx="3348569" cy="492443"/>
+          </a:xfrm>
+          <a:prstGeom prst="rect">
+            <a:avLst/>
+          </a:prstGeom>
+          <a:solidFill>
+            <a:schemeClr val="accent1"/>
+          </a:solidFill>
+          <a:ln w="0">
+            <a:noFill/>
+          </a:ln>
+        </p:spPr>
+        <p:style>
+          <a:lnRef idx="0">
+            <a:scrgbClr r="0" g="0" b="0"/>
+          </a:lnRef>
+          <a:fillRef idx="0">
+            <a:scrgbClr r="0" g="0" b="0"/>
+          </a:fillRef>
+          <a:effectRef idx="0">
+            <a:scrgbClr r="0" g="0" b="0"/>
+          </a:effectRef>
+          <a:fontRef idx="minor"/>
+        </p:style>
+        <p:txBody>
+          <a:bodyPr wrap="square" tIns="91440" bIns="91440">
+            <a:spAutoFit/>
+          </a:bodyPr>
+          <a:lstStyle/>
+          <a:p>
+            <a:pPr algn="ctr">
+              <a:lnSpc>
+                <a:spcPct val="100000"/>
+              </a:lnSpc>
+              <a:tabLst>
+                <a:tab pos="0" algn="l"/>
+              </a:tabLst>
+            </a:pPr>
+            <a:r>
+              <a:rPr lang="fr-FR" sz="2000" b="1" strike="noStrike" spc="-1" dirty="0">
+                <a:solidFill>
+                  <a:schemeClr val="bg1"/>
+                </a:solidFill>
+                <a:latin typeface="Trebuchet MS"/>
+                <a:ea typeface="Trebuchet MS"/>
+              </a:rPr>
+              <a:t>(1) </a:t>
+            </a:r>
+            <a:r>
+              <a:rPr lang="fr-FR" sz="2000" b="1" strike="noStrike" spc="-1" dirty="0" err="1">
+                <a:solidFill>
+                  <a:schemeClr val="bg1"/>
+                </a:solidFill>
+                <a:latin typeface="Trebuchet MS"/>
+                <a:ea typeface="Trebuchet MS"/>
+              </a:rPr>
+              <a:t>Photodétection</a:t>
+            </a:r>
+            <a:endParaRPr lang="fr-FR" sz="2000" b="0" strike="noStrike" spc="-1" dirty="0">
+              <a:solidFill>
+                <a:schemeClr val="bg1"/>
+              </a:solidFill>
+              <a:latin typeface="Arial"/>
+            </a:endParaRPr>
+          </a:p>
+        </p:txBody>
+      </p:sp>
+      <p:sp>
+        <p:nvSpPr>
+          <p:cNvPr id="8" name="CustomShape 3">
+            <a:extLst>
+              <a:ext uri="{FF2B5EF4-FFF2-40B4-BE49-F238E27FC236}">
+                <a16:creationId xmlns:a16="http://schemas.microsoft.com/office/drawing/2014/main" id="{0E444A1F-8DDE-A4F5-61C0-69D05181B4DC}"/>
+              </a:ext>
+            </a:extLst>
+          </p:cNvPr>
+          <p:cNvSpPr/>
+          <p:nvPr/>
+        </p:nvSpPr>
+        <p:spPr>
+          <a:xfrm>
+            <a:off x="7727864" y="5100650"/>
+            <a:ext cx="3348569" cy="492443"/>
+          </a:xfrm>
+          <a:prstGeom prst="rect">
+            <a:avLst/>
+          </a:prstGeom>
+          <a:solidFill>
+            <a:schemeClr val="accent2">
+              <a:lumMod val="75000"/>
+            </a:schemeClr>
+          </a:solidFill>
+          <a:ln w="0">
+            <a:noFill/>
+          </a:ln>
+        </p:spPr>
+        <p:style>
+          <a:lnRef idx="0">
+            <a:scrgbClr r="0" g="0" b="0"/>
+          </a:lnRef>
+          <a:fillRef idx="0">
+            <a:scrgbClr r="0" g="0" b="0"/>
+          </a:fillRef>
+          <a:effectRef idx="0">
+            <a:scrgbClr r="0" g="0" b="0"/>
+          </a:effectRef>
+          <a:fontRef idx="minor"/>
+        </p:style>
+        <p:txBody>
+          <a:bodyPr wrap="square" tIns="91440" bIns="91440">
+            <a:spAutoFit/>
+          </a:bodyPr>
+          <a:lstStyle/>
+          <a:p>
+            <a:pPr algn="ctr">
+              <a:lnSpc>
+                <a:spcPct val="100000"/>
+              </a:lnSpc>
+              <a:tabLst>
+                <a:tab pos="0" algn="l"/>
+              </a:tabLst>
+            </a:pPr>
+            <a:r>
+              <a:rPr lang="fr-FR" sz="2000" b="1" strike="noStrike" spc="-1" dirty="0">
+                <a:solidFill>
+                  <a:schemeClr val="bg1"/>
+                </a:solidFill>
+                <a:latin typeface="Trebuchet MS"/>
+              </a:rPr>
+              <a:t>(3) Notions avancées</a:t>
+            </a:r>
+            <a:endParaRPr lang="fr-FR" sz="2000" b="0" strike="noStrike" spc="-1" dirty="0">
+              <a:solidFill>
+                <a:schemeClr val="bg1"/>
+              </a:solidFill>
+              <a:latin typeface="Arial"/>
+            </a:endParaRPr>
+          </a:p>
+        </p:txBody>
+      </p:sp>
+      <p:sp>
+        <p:nvSpPr>
+          <p:cNvPr id="9" name="CustomShape 3">
+            <a:extLst>
+              <a:ext uri="{FF2B5EF4-FFF2-40B4-BE49-F238E27FC236}">
+                <a16:creationId xmlns:a16="http://schemas.microsoft.com/office/drawing/2014/main" id="{FE91E76A-7E18-6815-3574-9EBE33315FFD}"/>
+              </a:ext>
+            </a:extLst>
+          </p:cNvPr>
+          <p:cNvSpPr/>
+          <p:nvPr/>
+        </p:nvSpPr>
+        <p:spPr>
+          <a:xfrm>
+            <a:off x="7059415" y="4453460"/>
+            <a:ext cx="3348569" cy="492443"/>
+          </a:xfrm>
+          <a:prstGeom prst="rect">
+            <a:avLst/>
+          </a:prstGeom>
+          <a:solidFill>
+            <a:srgbClr val="00B0F0"/>
+          </a:solidFill>
+          <a:ln w="0">
+            <a:noFill/>
+          </a:ln>
+        </p:spPr>
+        <p:style>
+          <a:lnRef idx="0">
+            <a:scrgbClr r="0" g="0" b="0"/>
+          </a:lnRef>
+          <a:fillRef idx="0">
+            <a:scrgbClr r="0" g="0" b="0"/>
+          </a:fillRef>
+          <a:effectRef idx="0">
+            <a:scrgbClr r="0" g="0" b="0"/>
+          </a:effectRef>
+          <a:fontRef idx="minor"/>
+        </p:style>
+        <p:txBody>
+          <a:bodyPr wrap="square" tIns="91440" bIns="91440">
+            <a:spAutoFit/>
+          </a:bodyPr>
+          <a:lstStyle/>
+          <a:p>
+            <a:pPr algn="ctr">
+              <a:lnSpc>
+                <a:spcPct val="100000"/>
+              </a:lnSpc>
+              <a:tabLst>
+                <a:tab pos="0" algn="l"/>
+              </a:tabLst>
+            </a:pPr>
+            <a:r>
+              <a:rPr lang="fr-FR" sz="2000" b="1" strike="noStrike" spc="-1" dirty="0">
+                <a:solidFill>
+                  <a:schemeClr val="bg1"/>
+                </a:solidFill>
+                <a:latin typeface="Trebuchet MS"/>
+                <a:ea typeface="Trebuchet MS"/>
+              </a:rPr>
+              <a:t>(2) Numérique</a:t>
+            </a:r>
+            <a:endParaRPr lang="fr-FR" sz="2000" b="0" strike="noStrike" spc="-1" dirty="0">
+              <a:solidFill>
+                <a:schemeClr val="bg1"/>
+              </a:solidFill>
+              <a:latin typeface="Arial"/>
+            </a:endParaRPr>
+          </a:p>
+        </p:txBody>
+      </p:sp>
+      <p:sp>
+        <p:nvSpPr>
+          <p:cNvPr id="10" name="Rectangle 9">
+            <a:extLst>
+              <a:ext uri="{FF2B5EF4-FFF2-40B4-BE49-F238E27FC236}">
+                <a16:creationId xmlns:a16="http://schemas.microsoft.com/office/drawing/2014/main" id="{954FA0DC-F6CA-E8FE-8F21-6B27E01180FD}"/>
+              </a:ext>
+            </a:extLst>
+          </p:cNvPr>
+          <p:cNvSpPr/>
+          <p:nvPr/>
+        </p:nvSpPr>
+        <p:spPr>
+          <a:xfrm rot="5400000">
+            <a:off x="9993162" y="3862634"/>
+            <a:ext cx="1792916" cy="373626"/>
+          </a:xfrm>
+          <a:prstGeom prst="rect">
+            <a:avLst/>
+          </a:prstGeom>
+          <a:solidFill>
+            <a:srgbClr val="002060"/>
+          </a:solidFill>
+          <a:ln>
+            <a:solidFill>
+              <a:schemeClr val="bg1"/>
+            </a:solidFill>
+          </a:ln>
+        </p:spPr>
+        <p:style>
+          <a:lnRef idx="2">
+            <a:schemeClr val="accent1">
+              <a:shade val="15000"/>
+            </a:schemeClr>
+          </a:lnRef>
+          <a:fillRef idx="1">
+            <a:schemeClr val="accent1"/>
+          </a:fillRef>
+          <a:effectRef idx="0">
+            <a:schemeClr val="accent1"/>
+          </a:effectRef>
+          <a:fontRef idx="minor">
+            <a:schemeClr val="lt1"/>
+          </a:fontRef>
+        </p:style>
+        <p:txBody>
+          <a:bodyPr rtlCol="0" anchor="ctr"/>
+          <a:lstStyle/>
+          <a:p>
+            <a:pPr algn="ctr"/>
+            <a:r>
+              <a:rPr lang="fr-FR" b="1" dirty="0"/>
+              <a:t>Initiation</a:t>
+            </a:r>
+          </a:p>
+        </p:txBody>
+      </p:sp>
+      <p:sp>
+        <p:nvSpPr>
+          <p:cNvPr id="11" name="Rectangle 10">
+            <a:extLst>
+              <a:ext uri="{FF2B5EF4-FFF2-40B4-BE49-F238E27FC236}">
+                <a16:creationId xmlns:a16="http://schemas.microsoft.com/office/drawing/2014/main" id="{93C416C5-03AF-E864-333D-C7CC1577B023}"/>
+              </a:ext>
+            </a:extLst>
+          </p:cNvPr>
+          <p:cNvSpPr/>
+          <p:nvPr/>
+        </p:nvSpPr>
+        <p:spPr>
+          <a:xfrm rot="5400000">
+            <a:off x="5678556" y="4509822"/>
+            <a:ext cx="1792916" cy="373626"/>
+          </a:xfrm>
+          <a:prstGeom prst="rect">
+            <a:avLst/>
+          </a:prstGeom>
+          <a:solidFill>
+            <a:srgbClr val="002060"/>
+          </a:solidFill>
+          <a:ln>
+            <a:solidFill>
+              <a:schemeClr val="bg1"/>
+            </a:solidFill>
+          </a:ln>
+        </p:spPr>
+        <p:style>
+          <a:lnRef idx="2">
+            <a:schemeClr val="accent1">
+              <a:shade val="15000"/>
+            </a:schemeClr>
+          </a:lnRef>
+          <a:fillRef idx="1">
+            <a:schemeClr val="accent1"/>
+          </a:fillRef>
+          <a:effectRef idx="0">
+            <a:schemeClr val="accent1"/>
+          </a:effectRef>
+          <a:fontRef idx="minor">
+            <a:schemeClr val="lt1"/>
+          </a:fontRef>
+        </p:style>
+        <p:txBody>
+          <a:bodyPr rtlCol="0" anchor="ctr"/>
+          <a:lstStyle/>
+          <a:p>
+            <a:pPr algn="ctr"/>
+            <a:r>
+              <a:rPr lang="fr-FR" b="1" dirty="0"/>
+              <a:t>Avancé</a:t>
+            </a:r>
+          </a:p>
+        </p:txBody>
+      </p:sp>
+      <p:cxnSp>
+        <p:nvCxnSpPr>
+          <p:cNvPr id="12" name="Connecteur droit 11">
+            <a:extLst>
+              <a:ext uri="{FF2B5EF4-FFF2-40B4-BE49-F238E27FC236}">
+                <a16:creationId xmlns:a16="http://schemas.microsoft.com/office/drawing/2014/main" id="{6F041CFD-36B1-3704-F563-6FC5B32C8857}"/>
+              </a:ext>
+            </a:extLst>
+          </p:cNvPr>
+          <p:cNvCxnSpPr/>
+          <p:nvPr/>
+        </p:nvCxnSpPr>
+        <p:spPr>
+          <a:xfrm flipH="1">
+            <a:off x="9746602" y="3152988"/>
+            <a:ext cx="966037" cy="0"/>
+          </a:xfrm>
+          <a:prstGeom prst="line">
+            <a:avLst/>
+          </a:prstGeom>
+          <a:ln w="12700">
+            <a:solidFill>
+              <a:srgbClr val="002060"/>
+            </a:solidFill>
+            <a:prstDash val="sysDash"/>
+          </a:ln>
+        </p:spPr>
+        <p:style>
+          <a:lnRef idx="1">
+            <a:schemeClr val="accent1"/>
+          </a:lnRef>
+          <a:fillRef idx="0">
+            <a:schemeClr val="accent1"/>
+          </a:fillRef>
+          <a:effectRef idx="0">
+            <a:schemeClr val="accent1"/>
+          </a:effectRef>
+          <a:fontRef idx="minor">
+            <a:schemeClr val="tx1"/>
+          </a:fontRef>
+        </p:style>
+      </p:cxnSp>
+      <p:cxnSp>
+        <p:nvCxnSpPr>
+          <p:cNvPr id="13" name="Connecteur droit 12">
+            <a:extLst>
+              <a:ext uri="{FF2B5EF4-FFF2-40B4-BE49-F238E27FC236}">
+                <a16:creationId xmlns:a16="http://schemas.microsoft.com/office/drawing/2014/main" id="{E7D468E2-0231-E320-B5E5-6C61B714398E}"/>
+              </a:ext>
+            </a:extLst>
+          </p:cNvPr>
+          <p:cNvCxnSpPr>
+            <a:cxnSpLocks/>
+          </p:cNvCxnSpPr>
+          <p:nvPr/>
+        </p:nvCxnSpPr>
+        <p:spPr>
+          <a:xfrm flipH="1">
+            <a:off x="6791178" y="5593093"/>
+            <a:ext cx="848487" cy="0"/>
+          </a:xfrm>
+          <a:prstGeom prst="line">
+            <a:avLst/>
+          </a:prstGeom>
+          <a:ln w="12700">
+            <a:solidFill>
+              <a:srgbClr val="002060"/>
+            </a:solidFill>
+            <a:prstDash val="sysDash"/>
+          </a:ln>
+        </p:spPr>
+        <p:style>
+          <a:lnRef idx="1">
+            <a:schemeClr val="accent1"/>
+          </a:lnRef>
+          <a:fillRef idx="0">
+            <a:schemeClr val="accent1"/>
+          </a:fillRef>
+          <a:effectRef idx="0">
+            <a:schemeClr val="accent1"/>
+          </a:effectRef>
+          <a:fontRef idx="minor">
+            <a:schemeClr val="tx1"/>
+          </a:fontRef>
+        </p:style>
+      </p:cxnSp>
+      <p:cxnSp>
+        <p:nvCxnSpPr>
+          <p:cNvPr id="14" name="Connecteur droit 13">
+            <a:extLst>
+              <a:ext uri="{FF2B5EF4-FFF2-40B4-BE49-F238E27FC236}">
+                <a16:creationId xmlns:a16="http://schemas.microsoft.com/office/drawing/2014/main" id="{0FDD5683-CDF2-083C-0D66-983164DEFA3A}"/>
+              </a:ext>
+            </a:extLst>
+          </p:cNvPr>
+          <p:cNvCxnSpPr>
+            <a:cxnSpLocks/>
+          </p:cNvCxnSpPr>
+          <p:nvPr/>
+        </p:nvCxnSpPr>
+        <p:spPr>
+          <a:xfrm flipH="1">
+            <a:off x="6771513" y="3803631"/>
+            <a:ext cx="258406" cy="0"/>
+          </a:xfrm>
+          <a:prstGeom prst="line">
+            <a:avLst/>
+          </a:prstGeom>
+          <a:ln w="12700">
+            <a:solidFill>
+              <a:srgbClr val="002060"/>
+            </a:solidFill>
+            <a:prstDash val="sysDash"/>
+          </a:ln>
+        </p:spPr>
+        <p:style>
+          <a:lnRef idx="1">
+            <a:schemeClr val="accent1"/>
+          </a:lnRef>
+          <a:fillRef idx="0">
+            <a:schemeClr val="accent1"/>
+          </a:fillRef>
+          <a:effectRef idx="0">
+            <a:schemeClr val="accent1"/>
+          </a:effectRef>
+          <a:fontRef idx="minor">
+            <a:schemeClr val="tx1"/>
+          </a:fontRef>
+        </p:style>
+      </p:cxnSp>
+      <p:cxnSp>
+        <p:nvCxnSpPr>
+          <p:cNvPr id="15" name="Connecteur droit 14">
+            <a:extLst>
+              <a:ext uri="{FF2B5EF4-FFF2-40B4-BE49-F238E27FC236}">
+                <a16:creationId xmlns:a16="http://schemas.microsoft.com/office/drawing/2014/main" id="{99548418-5C65-28CD-02EE-2839F76ED00A}"/>
+              </a:ext>
+            </a:extLst>
+          </p:cNvPr>
+          <p:cNvCxnSpPr>
+            <a:cxnSpLocks/>
+          </p:cNvCxnSpPr>
+          <p:nvPr/>
+        </p:nvCxnSpPr>
+        <p:spPr>
+          <a:xfrm flipH="1">
+            <a:off x="10444401" y="4939534"/>
+            <a:ext cx="258406" cy="0"/>
+          </a:xfrm>
+          <a:prstGeom prst="line">
+            <a:avLst/>
+          </a:prstGeom>
+          <a:ln w="12700">
+            <a:solidFill>
+              <a:srgbClr val="002060"/>
+            </a:solidFill>
+            <a:prstDash val="sysDash"/>
+          </a:ln>
+        </p:spPr>
+        <p:style>
+          <a:lnRef idx="1">
+            <a:schemeClr val="accent1"/>
+          </a:lnRef>
+          <a:fillRef idx="0">
+            <a:schemeClr val="accent1"/>
+          </a:fillRef>
+          <a:effectRef idx="0">
+            <a:schemeClr val="accent1"/>
+          </a:effectRef>
+          <a:fontRef idx="minor">
+            <a:schemeClr val="tx1"/>
+          </a:fontRef>
+        </p:style>
+      </p:cxnSp>
+    </p:spTree>
+    <p:extLst>
+      <p:ext uri="{BB962C8B-B14F-4D97-AF65-F5344CB8AC3E}">
+        <p14:creationId xmlns:p14="http://schemas.microsoft.com/office/powerpoint/2010/main" val="2095487722"/>
+      </p:ext>
+    </p:extLst>
+  </p:cSld>
+  <p:clrMapOvr>
+    <a:masterClrMapping/>
+  </p:clrMapOvr>
+</p:sld>
+</file>
+
+<file path=ppt/slides/slide16.xml><?xml version="1.0" encoding="utf-8"?>
+<p:sld xmlns:a="http://schemas.openxmlformats.org/drawingml/2006/main" xmlns:r="http://schemas.openxmlformats.org/officeDocument/2006/relationships" xmlns:p="http://schemas.openxmlformats.org/presentationml/2006/main">
+  <p:cSld>
+    <p:spTree>
+      <p:nvGrpSpPr>
+        <p:cNvPr id="1" name=""/>
+        <p:cNvGrpSpPr/>
+        <p:nvPr/>
+      </p:nvGrpSpPr>
+      <p:grpSpPr>
+        <a:xfrm>
+          <a:off x="0" y="0"/>
+          <a:ext cx="0" cy="0"/>
+          <a:chOff x="0" y="0"/>
+          <a:chExt cx="0" cy="0"/>
+        </a:xfrm>
+      </p:grpSpPr>
+      <p:sp>
+        <p:nvSpPr>
+          <p:cNvPr id="2" name="Titre 1">
+            <a:extLst>
+              <a:ext uri="{FF2B5EF4-FFF2-40B4-BE49-F238E27FC236}">
+                <a16:creationId xmlns:a16="http://schemas.microsoft.com/office/drawing/2014/main" id="{90162AE8-C1B0-5C56-8313-DEE494F38273}"/>
+              </a:ext>
+            </a:extLst>
+          </p:cNvPr>
+          <p:cNvSpPr>
+            <a:spLocks noGrp="1"/>
+          </p:cNvSpPr>
+          <p:nvPr>
+            <p:ph type="title"/>
+          </p:nvPr>
+        </p:nvSpPr>
+        <p:spPr/>
+        <p:txBody>
+          <a:bodyPr/>
+          <a:lstStyle/>
+          <a:p>
+            <a:r>
+              <a:rPr lang="fr-FR" dirty="0" err="1"/>
+              <a:t>CéTI</a:t>
+            </a:r>
+            <a:r>
+              <a:rPr lang="fr-FR" dirty="0"/>
+              <a:t> / TP / Evaluations</a:t>
+            </a:r>
+          </a:p>
+        </p:txBody>
+      </p:sp>
+      <p:pic>
+        <p:nvPicPr>
+          <p:cNvPr id="5" name="Image 4" descr="Une image contenant texte&#10;&#10;Description générée automatiquement">
+            <a:extLst>
+              <a:ext uri="{FF2B5EF4-FFF2-40B4-BE49-F238E27FC236}">
+                <a16:creationId xmlns:a16="http://schemas.microsoft.com/office/drawing/2014/main" id="{204ADC40-1D61-539F-22ED-6B21D67FBDE6}"/>
+              </a:ext>
+            </a:extLst>
+          </p:cNvPr>
+          <p:cNvPicPr>
+            <a:picLocks noChangeAspect="1"/>
+          </p:cNvPicPr>
+          <p:nvPr/>
+        </p:nvPicPr>
+        <p:blipFill>
+          <a:blip r:embed="rId2" cstate="print">
+            <a:extLst>
+              <a:ext uri="{28A0092B-C50C-407E-A947-70E740481C1C}">
+                <a14:useLocalDpi xmlns:a14="http://schemas.microsoft.com/office/drawing/2010/main" val="0"/>
+              </a:ext>
+            </a:extLst>
+          </a:blip>
+          <a:stretch>
+            <a:fillRect/>
+          </a:stretch>
+        </p:blipFill>
+        <p:spPr>
+          <a:xfrm>
+            <a:off x="202922" y="5934456"/>
+            <a:ext cx="1825291" cy="749808"/>
+          </a:xfrm>
+          <a:prstGeom prst="rect">
+            <a:avLst/>
+          </a:prstGeom>
+        </p:spPr>
+      </p:pic>
+      <p:sp>
+        <p:nvSpPr>
+          <p:cNvPr id="21" name="CustomShape 3">
+            <a:extLst>
+              <a:ext uri="{FF2B5EF4-FFF2-40B4-BE49-F238E27FC236}">
+                <a16:creationId xmlns:a16="http://schemas.microsoft.com/office/drawing/2014/main" id="{C4F009B7-348E-6E4E-D3E6-A48A8134EA26}"/>
+              </a:ext>
+            </a:extLst>
+          </p:cNvPr>
+          <p:cNvSpPr/>
+          <p:nvPr/>
+        </p:nvSpPr>
+        <p:spPr>
+          <a:xfrm>
+            <a:off x="3785606" y="5749790"/>
+            <a:ext cx="1887607" cy="369332"/>
+          </a:xfrm>
+          <a:prstGeom prst="rect">
+            <a:avLst/>
+          </a:prstGeom>
+          <a:solidFill>
+            <a:schemeClr val="accent1"/>
+          </a:solidFill>
+          <a:ln w="0">
+            <a:noFill/>
+          </a:ln>
+        </p:spPr>
+        <p:style>
+          <a:lnRef idx="0">
+            <a:scrgbClr r="0" g="0" b="0"/>
+          </a:lnRef>
+          <a:fillRef idx="0">
+            <a:scrgbClr r="0" g="0" b="0"/>
+          </a:fillRef>
+          <a:effectRef idx="0">
+            <a:scrgbClr r="0" g="0" b="0"/>
+          </a:effectRef>
+          <a:fontRef idx="minor"/>
+        </p:style>
+        <p:txBody>
+          <a:bodyPr wrap="square" tIns="91440" bIns="91440">
+            <a:spAutoFit/>
+          </a:bodyPr>
+          <a:lstStyle/>
+          <a:p>
+            <a:pPr algn="ctr">
+              <a:lnSpc>
+                <a:spcPct val="100000"/>
+              </a:lnSpc>
+              <a:tabLst>
+                <a:tab pos="0" algn="l"/>
+              </a:tabLst>
+            </a:pPr>
+            <a:r>
+              <a:rPr lang="fr-FR" sz="1200" b="1" strike="noStrike" spc="-1" dirty="0">
+                <a:solidFill>
+                  <a:schemeClr val="bg1"/>
+                </a:solidFill>
+                <a:latin typeface="Trebuchet MS"/>
+                <a:ea typeface="Trebuchet MS"/>
+              </a:rPr>
+              <a:t>(1) </a:t>
+            </a:r>
+            <a:r>
+              <a:rPr lang="fr-FR" sz="1200" b="1" strike="noStrike" spc="-1" dirty="0" err="1">
+                <a:solidFill>
+                  <a:schemeClr val="bg1"/>
+                </a:solidFill>
+                <a:latin typeface="Trebuchet MS"/>
+                <a:ea typeface="Trebuchet MS"/>
+              </a:rPr>
+              <a:t>Photodétection</a:t>
+            </a:r>
+            <a:endParaRPr lang="fr-FR" sz="1200" b="0" strike="noStrike" spc="-1" dirty="0">
+              <a:solidFill>
+                <a:schemeClr val="bg1"/>
+              </a:solidFill>
+              <a:latin typeface="Arial"/>
+            </a:endParaRPr>
+          </a:p>
+        </p:txBody>
+      </p:sp>
+      <p:sp>
+        <p:nvSpPr>
+          <p:cNvPr id="23" name="CustomShape 3">
+            <a:extLst>
+              <a:ext uri="{FF2B5EF4-FFF2-40B4-BE49-F238E27FC236}">
+                <a16:creationId xmlns:a16="http://schemas.microsoft.com/office/drawing/2014/main" id="{D07EBB44-0FC5-22B6-B831-C9AE212D70CF}"/>
+              </a:ext>
+            </a:extLst>
+          </p:cNvPr>
+          <p:cNvSpPr/>
+          <p:nvPr/>
+        </p:nvSpPr>
+        <p:spPr>
+          <a:xfrm>
+            <a:off x="3785605" y="6190504"/>
+            <a:ext cx="1887607" cy="369332"/>
+          </a:xfrm>
+          <a:prstGeom prst="rect">
+            <a:avLst/>
+          </a:prstGeom>
+          <a:solidFill>
+            <a:srgbClr val="00B0F0"/>
+          </a:solidFill>
+          <a:ln w="0">
+            <a:noFill/>
+          </a:ln>
+        </p:spPr>
+        <p:style>
+          <a:lnRef idx="0">
+            <a:scrgbClr r="0" g="0" b="0"/>
+          </a:lnRef>
+          <a:fillRef idx="0">
+            <a:scrgbClr r="0" g="0" b="0"/>
+          </a:fillRef>
+          <a:effectRef idx="0">
+            <a:scrgbClr r="0" g="0" b="0"/>
+          </a:effectRef>
+          <a:fontRef idx="minor"/>
+        </p:style>
+        <p:txBody>
+          <a:bodyPr wrap="square" tIns="91440" bIns="91440">
+            <a:spAutoFit/>
+          </a:bodyPr>
+          <a:lstStyle/>
+          <a:p>
+            <a:pPr algn="ctr">
+              <a:lnSpc>
+                <a:spcPct val="100000"/>
+              </a:lnSpc>
+              <a:tabLst>
+                <a:tab pos="0" algn="l"/>
+              </a:tabLst>
+            </a:pPr>
+            <a:r>
+              <a:rPr lang="fr-FR" sz="1200" b="1" strike="noStrike" spc="-1" dirty="0">
+                <a:solidFill>
+                  <a:schemeClr val="bg1"/>
+                </a:solidFill>
+                <a:latin typeface="Trebuchet MS"/>
+                <a:ea typeface="Trebuchet MS"/>
+              </a:rPr>
+              <a:t>(2) Numérique</a:t>
+            </a:r>
+            <a:endParaRPr lang="fr-FR" sz="1200" b="0" strike="noStrike" spc="-1" dirty="0">
+              <a:solidFill>
+                <a:schemeClr val="bg1"/>
+              </a:solidFill>
+              <a:latin typeface="Arial"/>
+            </a:endParaRPr>
+          </a:p>
+        </p:txBody>
+      </p:sp>
+      <p:sp>
+        <p:nvSpPr>
+          <p:cNvPr id="3" name="CustomShape 3">
+            <a:extLst>
+              <a:ext uri="{FF2B5EF4-FFF2-40B4-BE49-F238E27FC236}">
+                <a16:creationId xmlns:a16="http://schemas.microsoft.com/office/drawing/2014/main" id="{3A2757AF-7204-5C84-F3F3-C24EF7A3A399}"/>
+              </a:ext>
+            </a:extLst>
+          </p:cNvPr>
+          <p:cNvSpPr/>
+          <p:nvPr/>
+        </p:nvSpPr>
+        <p:spPr>
+          <a:xfrm>
+            <a:off x="1115567" y="2440602"/>
+            <a:ext cx="4685465" cy="492443"/>
+          </a:xfrm>
+          <a:prstGeom prst="rect">
+            <a:avLst/>
+          </a:prstGeom>
+          <a:solidFill>
+            <a:srgbClr val="00B0F0"/>
+          </a:solidFill>
+          <a:ln w="0">
+            <a:noFill/>
+          </a:ln>
+        </p:spPr>
+        <p:style>
+          <a:lnRef idx="0">
+            <a:scrgbClr r="0" g="0" b="0"/>
+          </a:lnRef>
+          <a:fillRef idx="0">
+            <a:scrgbClr r="0" g="0" b="0"/>
+          </a:fillRef>
+          <a:effectRef idx="0">
+            <a:scrgbClr r="0" g="0" b="0"/>
+          </a:effectRef>
+          <a:fontRef idx="minor"/>
+        </p:style>
+        <p:txBody>
+          <a:bodyPr wrap="square" tIns="91440" bIns="91440">
+            <a:spAutoFit/>
+          </a:bodyPr>
+          <a:lstStyle/>
+          <a:p>
+            <a:pPr algn="ctr">
+              <a:lnSpc>
+                <a:spcPct val="100000"/>
+              </a:lnSpc>
+              <a:tabLst>
+                <a:tab pos="0" algn="l"/>
+              </a:tabLst>
+            </a:pPr>
+            <a:r>
+              <a:rPr lang="fr-FR" sz="2000" b="1" strike="noStrike" spc="-1" dirty="0">
+                <a:solidFill>
+                  <a:schemeClr val="bg1"/>
+                </a:solidFill>
+                <a:latin typeface="Trebuchet MS"/>
+                <a:ea typeface="Trebuchet MS"/>
+              </a:rPr>
+              <a:t>Evaluations</a:t>
+            </a:r>
+            <a:endParaRPr lang="fr-FR" sz="2000" b="0" strike="noStrike" spc="-1" dirty="0">
+              <a:solidFill>
+                <a:schemeClr val="bg1"/>
+              </a:solidFill>
+              <a:latin typeface="Arial"/>
+            </a:endParaRPr>
+          </a:p>
+        </p:txBody>
+      </p:sp>
+      <p:sp>
+        <p:nvSpPr>
+          <p:cNvPr id="4" name="Espace réservé du contenu 2">
+            <a:extLst>
+              <a:ext uri="{FF2B5EF4-FFF2-40B4-BE49-F238E27FC236}">
+                <a16:creationId xmlns:a16="http://schemas.microsoft.com/office/drawing/2014/main" id="{7DB7DACE-1CDC-F9B9-9553-754869EC293A}"/>
+              </a:ext>
+            </a:extLst>
+          </p:cNvPr>
+          <p:cNvSpPr>
+            <a:spLocks noGrp="1"/>
+          </p:cNvSpPr>
+          <p:nvPr>
+            <p:ph sz="half" idx="1"/>
+          </p:nvPr>
+        </p:nvSpPr>
+        <p:spPr>
+          <a:xfrm>
+            <a:off x="1108263" y="3050362"/>
+            <a:ext cx="4685466" cy="3694176"/>
+          </a:xfrm>
+        </p:spPr>
+        <p:txBody>
+          <a:bodyPr>
+            <a:normAutofit/>
+          </a:bodyPr>
+          <a:lstStyle/>
+          <a:p>
+            <a:r>
+              <a:rPr lang="fr-FR" sz="2000" b="1" dirty="0"/>
+              <a:t>Synthèses </a:t>
+            </a:r>
+            <a:r>
+              <a:rPr lang="fr-FR" sz="2000" dirty="0"/>
+              <a:t>(50 %)</a:t>
+            </a:r>
+          </a:p>
+          <a:p>
+            <a:pPr lvl="1"/>
+            <a:r>
+              <a:rPr lang="fr-FR" sz="1800" dirty="0"/>
+              <a:t>Thème 1 : évaluée mais non notée</a:t>
+            </a:r>
+          </a:p>
+          <a:p>
+            <a:pPr lvl="1"/>
+            <a:r>
+              <a:rPr lang="fr-FR" sz="1800" dirty="0"/>
+              <a:t>Thème 2 : évaluée et notée (50%)</a:t>
+            </a:r>
+          </a:p>
+          <a:p>
+            <a:endParaRPr lang="fr-FR" sz="1800" dirty="0"/>
+          </a:p>
+        </p:txBody>
+      </p:sp>
+      <p:sp>
+        <p:nvSpPr>
+          <p:cNvPr id="9" name="CustomShape 3">
+            <a:extLst>
+              <a:ext uri="{FF2B5EF4-FFF2-40B4-BE49-F238E27FC236}">
+                <a16:creationId xmlns:a16="http://schemas.microsoft.com/office/drawing/2014/main" id="{4BDDD5A9-51DE-277E-D8B4-6E62D0688F1C}"/>
+              </a:ext>
+            </a:extLst>
+          </p:cNvPr>
+          <p:cNvSpPr/>
+          <p:nvPr/>
+        </p:nvSpPr>
+        <p:spPr>
+          <a:xfrm>
+            <a:off x="6401130" y="2440601"/>
+            <a:ext cx="4685465" cy="492443"/>
+          </a:xfrm>
+          <a:prstGeom prst="rect">
+            <a:avLst/>
+          </a:prstGeom>
+          <a:solidFill>
+            <a:srgbClr val="00B0F0"/>
+          </a:solidFill>
+          <a:ln w="0">
+            <a:noFill/>
+          </a:ln>
+        </p:spPr>
+        <p:style>
+          <a:lnRef idx="0">
+            <a:scrgbClr r="0" g="0" b="0"/>
+          </a:lnRef>
+          <a:fillRef idx="0">
+            <a:scrgbClr r="0" g="0" b="0"/>
+          </a:fillRef>
+          <a:effectRef idx="0">
+            <a:scrgbClr r="0" g="0" b="0"/>
+          </a:effectRef>
+          <a:fontRef idx="minor"/>
+        </p:style>
+        <p:txBody>
+          <a:bodyPr wrap="square" tIns="91440" bIns="91440">
+            <a:spAutoFit/>
+          </a:bodyPr>
+          <a:lstStyle/>
+          <a:p>
+            <a:pPr algn="ctr">
+              <a:lnSpc>
+                <a:spcPct val="100000"/>
+              </a:lnSpc>
+              <a:tabLst>
+                <a:tab pos="0" algn="l"/>
+              </a:tabLst>
+            </a:pPr>
+            <a:r>
+              <a:rPr lang="fr-FR" sz="2000" b="1" strike="noStrike" spc="-1" dirty="0">
+                <a:solidFill>
+                  <a:schemeClr val="bg1"/>
+                </a:solidFill>
+                <a:latin typeface="Trebuchet MS"/>
+                <a:ea typeface="Trebuchet MS"/>
+              </a:rPr>
+              <a:t>Synthèse et carte conceptuelle</a:t>
+            </a:r>
+            <a:endParaRPr lang="fr-FR" sz="2000" b="0" strike="noStrike" spc="-1" dirty="0">
+              <a:solidFill>
+                <a:schemeClr val="bg1"/>
+              </a:solidFill>
+              <a:latin typeface="Arial"/>
+            </a:endParaRPr>
+          </a:p>
+        </p:txBody>
+      </p:sp>
+      <p:sp>
+        <p:nvSpPr>
+          <p:cNvPr id="10" name="CustomShape 3">
+            <a:extLst>
+              <a:ext uri="{FF2B5EF4-FFF2-40B4-BE49-F238E27FC236}">
+                <a16:creationId xmlns:a16="http://schemas.microsoft.com/office/drawing/2014/main" id="{BE2E5222-4280-FEE3-6F7C-3036B658BAA1}"/>
+              </a:ext>
+            </a:extLst>
+          </p:cNvPr>
+          <p:cNvSpPr/>
+          <p:nvPr/>
+        </p:nvSpPr>
+        <p:spPr>
+          <a:xfrm rot="19599468">
+            <a:off x="7892778" y="3841698"/>
+            <a:ext cx="2362269" cy="800219"/>
+          </a:xfrm>
+          <a:prstGeom prst="rect">
+            <a:avLst/>
+          </a:prstGeom>
+          <a:solidFill>
+            <a:srgbClr val="FF0000"/>
+          </a:solidFill>
+          <a:ln w="0">
+            <a:noFill/>
+          </a:ln>
+        </p:spPr>
+        <p:style>
+          <a:lnRef idx="0">
+            <a:scrgbClr r="0" g="0" b="0"/>
+          </a:lnRef>
+          <a:fillRef idx="0">
+            <a:scrgbClr r="0" g="0" b="0"/>
+          </a:fillRef>
+          <a:effectRef idx="0">
+            <a:scrgbClr r="0" g="0" b="0"/>
+          </a:effectRef>
+          <a:fontRef idx="minor"/>
+        </p:style>
+        <p:txBody>
+          <a:bodyPr wrap="square" tIns="91440" bIns="91440">
+            <a:spAutoFit/>
+          </a:bodyPr>
+          <a:lstStyle/>
+          <a:p>
+            <a:pPr algn="ctr">
+              <a:lnSpc>
+                <a:spcPct val="100000"/>
+              </a:lnSpc>
+              <a:tabLst>
+                <a:tab pos="0" algn="l"/>
+              </a:tabLst>
+            </a:pPr>
+            <a:r>
+              <a:rPr lang="fr-FR" sz="2000" b="1" strike="noStrike" spc="-1" dirty="0">
+                <a:solidFill>
+                  <a:schemeClr val="bg1"/>
+                </a:solidFill>
+                <a:latin typeface="Trebuchet MS"/>
+                <a:ea typeface="Trebuchet MS"/>
+              </a:rPr>
+              <a:t>Ajouter Sujet Thème 1</a:t>
+            </a:r>
+            <a:endParaRPr lang="fr-FR" sz="2000" b="0" strike="noStrike" spc="-1" dirty="0">
+              <a:solidFill>
+                <a:schemeClr val="bg1"/>
+              </a:solidFill>
+              <a:latin typeface="Arial"/>
+            </a:endParaRPr>
+          </a:p>
+        </p:txBody>
+      </p:sp>
+    </p:spTree>
+    <p:extLst>
+      <p:ext uri="{BB962C8B-B14F-4D97-AF65-F5344CB8AC3E}">
+        <p14:creationId xmlns:p14="http://schemas.microsoft.com/office/powerpoint/2010/main" val="3094483282"/>
+      </p:ext>
+    </p:extLst>
+  </p:cSld>
+  <p:clrMapOvr>
+    <a:masterClrMapping/>
+  </p:clrMapOvr>
+</p:sld>
+</file>
+
+<file path=ppt/slides/slide17.xml><?xml version="1.0" encoding="utf-8"?>
+<p:sld xmlns:a="http://schemas.openxmlformats.org/drawingml/2006/main" xmlns:r="http://schemas.openxmlformats.org/officeDocument/2006/relationships" xmlns:p="http://schemas.openxmlformats.org/presentationml/2006/main">
+  <p:cSld>
+    <p:spTree>
+      <p:nvGrpSpPr>
+        <p:cNvPr id="1" name=""/>
+        <p:cNvGrpSpPr/>
+        <p:nvPr/>
+      </p:nvGrpSpPr>
+      <p:grpSpPr>
+        <a:xfrm>
+          <a:off x="0" y="0"/>
+          <a:ext cx="0" cy="0"/>
+          <a:chOff x="0" y="0"/>
+          <a:chExt cx="0" cy="0"/>
+        </a:xfrm>
+      </p:grpSpPr>
+      <p:sp>
+        <p:nvSpPr>
+          <p:cNvPr id="2" name="Titre 1">
+            <a:extLst>
+              <a:ext uri="{FF2B5EF4-FFF2-40B4-BE49-F238E27FC236}">
+                <a16:creationId xmlns:a16="http://schemas.microsoft.com/office/drawing/2014/main" id="{90162AE8-C1B0-5C56-8313-DEE494F38273}"/>
+              </a:ext>
+            </a:extLst>
+          </p:cNvPr>
+          <p:cNvSpPr>
+            <a:spLocks noGrp="1"/>
+          </p:cNvSpPr>
+          <p:nvPr>
+            <p:ph type="title"/>
+          </p:nvPr>
+        </p:nvSpPr>
+        <p:spPr/>
+        <p:txBody>
+          <a:bodyPr/>
+          <a:lstStyle/>
+          <a:p>
+            <a:r>
+              <a:rPr lang="fr-FR" dirty="0" err="1"/>
+              <a:t>CéTI</a:t>
+            </a:r>
+            <a:r>
+              <a:rPr lang="fr-FR" dirty="0"/>
+              <a:t> / TP / Evaluations</a:t>
+            </a:r>
+          </a:p>
+        </p:txBody>
+      </p:sp>
+      <p:pic>
+        <p:nvPicPr>
+          <p:cNvPr id="5" name="Image 4" descr="Une image contenant texte&#10;&#10;Description générée automatiquement">
+            <a:extLst>
+              <a:ext uri="{FF2B5EF4-FFF2-40B4-BE49-F238E27FC236}">
+                <a16:creationId xmlns:a16="http://schemas.microsoft.com/office/drawing/2014/main" id="{204ADC40-1D61-539F-22ED-6B21D67FBDE6}"/>
+              </a:ext>
+            </a:extLst>
+          </p:cNvPr>
+          <p:cNvPicPr>
+            <a:picLocks noChangeAspect="1"/>
+          </p:cNvPicPr>
+          <p:nvPr/>
+        </p:nvPicPr>
+        <p:blipFill>
+          <a:blip r:embed="rId2" cstate="print">
+            <a:extLst>
+              <a:ext uri="{28A0092B-C50C-407E-A947-70E740481C1C}">
+                <a14:useLocalDpi xmlns:a14="http://schemas.microsoft.com/office/drawing/2010/main" val="0"/>
+              </a:ext>
+            </a:extLst>
+          </a:blip>
+          <a:stretch>
+            <a:fillRect/>
+          </a:stretch>
+        </p:blipFill>
+        <p:spPr>
+          <a:xfrm>
+            <a:off x="202922" y="5934456"/>
+            <a:ext cx="1825291" cy="749808"/>
+          </a:xfrm>
+          <a:prstGeom prst="rect">
+            <a:avLst/>
+          </a:prstGeom>
+        </p:spPr>
+      </p:pic>
+      <p:sp>
+        <p:nvSpPr>
+          <p:cNvPr id="21" name="CustomShape 3">
+            <a:extLst>
+              <a:ext uri="{FF2B5EF4-FFF2-40B4-BE49-F238E27FC236}">
+                <a16:creationId xmlns:a16="http://schemas.microsoft.com/office/drawing/2014/main" id="{C4F009B7-348E-6E4E-D3E6-A48A8134EA26}"/>
+              </a:ext>
+            </a:extLst>
+          </p:cNvPr>
+          <p:cNvSpPr/>
+          <p:nvPr/>
+        </p:nvSpPr>
+        <p:spPr>
+          <a:xfrm>
+            <a:off x="3785606" y="5749790"/>
+            <a:ext cx="1887607" cy="369332"/>
+          </a:xfrm>
+          <a:prstGeom prst="rect">
+            <a:avLst/>
+          </a:prstGeom>
+          <a:solidFill>
+            <a:schemeClr val="accent1"/>
+          </a:solidFill>
+          <a:ln w="0">
+            <a:noFill/>
+          </a:ln>
+        </p:spPr>
+        <p:style>
+          <a:lnRef idx="0">
+            <a:scrgbClr r="0" g="0" b="0"/>
+          </a:lnRef>
+          <a:fillRef idx="0">
+            <a:scrgbClr r="0" g="0" b="0"/>
+          </a:fillRef>
+          <a:effectRef idx="0">
+            <a:scrgbClr r="0" g="0" b="0"/>
+          </a:effectRef>
+          <a:fontRef idx="minor"/>
+        </p:style>
+        <p:txBody>
+          <a:bodyPr wrap="square" tIns="91440" bIns="91440">
+            <a:spAutoFit/>
+          </a:bodyPr>
+          <a:lstStyle/>
+          <a:p>
+            <a:pPr algn="ctr">
+              <a:lnSpc>
+                <a:spcPct val="100000"/>
+              </a:lnSpc>
+              <a:tabLst>
+                <a:tab pos="0" algn="l"/>
+              </a:tabLst>
+            </a:pPr>
+            <a:r>
+              <a:rPr lang="fr-FR" sz="1200" b="1" strike="noStrike" spc="-1" dirty="0">
+                <a:solidFill>
+                  <a:schemeClr val="bg1"/>
+                </a:solidFill>
+                <a:latin typeface="Trebuchet MS"/>
+                <a:ea typeface="Trebuchet MS"/>
+              </a:rPr>
+              <a:t>(1) </a:t>
+            </a:r>
+            <a:r>
+              <a:rPr lang="fr-FR" sz="1200" b="1" strike="noStrike" spc="-1" dirty="0" err="1">
+                <a:solidFill>
+                  <a:schemeClr val="bg1"/>
+                </a:solidFill>
+                <a:latin typeface="Trebuchet MS"/>
+                <a:ea typeface="Trebuchet MS"/>
+              </a:rPr>
+              <a:t>Photodétection</a:t>
+            </a:r>
+            <a:endParaRPr lang="fr-FR" sz="1200" b="0" strike="noStrike" spc="-1" dirty="0">
+              <a:solidFill>
+                <a:schemeClr val="bg1"/>
+              </a:solidFill>
+              <a:latin typeface="Arial"/>
+            </a:endParaRPr>
+          </a:p>
+        </p:txBody>
+      </p:sp>
+      <p:sp>
+        <p:nvSpPr>
+          <p:cNvPr id="23" name="CustomShape 3">
+            <a:extLst>
+              <a:ext uri="{FF2B5EF4-FFF2-40B4-BE49-F238E27FC236}">
+                <a16:creationId xmlns:a16="http://schemas.microsoft.com/office/drawing/2014/main" id="{D07EBB44-0FC5-22B6-B831-C9AE212D70CF}"/>
+              </a:ext>
+            </a:extLst>
+          </p:cNvPr>
+          <p:cNvSpPr/>
+          <p:nvPr/>
+        </p:nvSpPr>
+        <p:spPr>
+          <a:xfrm>
+            <a:off x="3785605" y="6190504"/>
+            <a:ext cx="1887607" cy="369332"/>
+          </a:xfrm>
+          <a:prstGeom prst="rect">
+            <a:avLst/>
+          </a:prstGeom>
+          <a:solidFill>
+            <a:srgbClr val="00B0F0"/>
+          </a:solidFill>
+          <a:ln w="0">
+            <a:noFill/>
+          </a:ln>
+        </p:spPr>
+        <p:style>
+          <a:lnRef idx="0">
+            <a:scrgbClr r="0" g="0" b="0"/>
+          </a:lnRef>
+          <a:fillRef idx="0">
+            <a:scrgbClr r="0" g="0" b="0"/>
+          </a:fillRef>
+          <a:effectRef idx="0">
+            <a:scrgbClr r="0" g="0" b="0"/>
+          </a:effectRef>
+          <a:fontRef idx="minor"/>
+        </p:style>
+        <p:txBody>
+          <a:bodyPr wrap="square" tIns="91440" bIns="91440">
+            <a:spAutoFit/>
+          </a:bodyPr>
+          <a:lstStyle/>
+          <a:p>
+            <a:pPr algn="ctr">
+              <a:lnSpc>
+                <a:spcPct val="100000"/>
+              </a:lnSpc>
+              <a:tabLst>
+                <a:tab pos="0" algn="l"/>
+              </a:tabLst>
+            </a:pPr>
+            <a:r>
+              <a:rPr lang="fr-FR" sz="1200" b="1" strike="noStrike" spc="-1" dirty="0">
+                <a:solidFill>
+                  <a:schemeClr val="bg1"/>
+                </a:solidFill>
+                <a:latin typeface="Trebuchet MS"/>
+                <a:ea typeface="Trebuchet MS"/>
+              </a:rPr>
+              <a:t>(2) Numérique</a:t>
+            </a:r>
+            <a:endParaRPr lang="fr-FR" sz="1200" b="0" strike="noStrike" spc="-1" dirty="0">
+              <a:solidFill>
+                <a:schemeClr val="bg1"/>
+              </a:solidFill>
+              <a:latin typeface="Arial"/>
+            </a:endParaRPr>
+          </a:p>
+        </p:txBody>
+      </p:sp>
+      <p:sp>
+        <p:nvSpPr>
+          <p:cNvPr id="3" name="CustomShape 3">
+            <a:extLst>
+              <a:ext uri="{FF2B5EF4-FFF2-40B4-BE49-F238E27FC236}">
+                <a16:creationId xmlns:a16="http://schemas.microsoft.com/office/drawing/2014/main" id="{3A2757AF-7204-5C84-F3F3-C24EF7A3A399}"/>
+              </a:ext>
+            </a:extLst>
+          </p:cNvPr>
+          <p:cNvSpPr/>
+          <p:nvPr/>
+        </p:nvSpPr>
+        <p:spPr>
+          <a:xfrm>
+            <a:off x="1115567" y="2440602"/>
+            <a:ext cx="4685465" cy="492443"/>
+          </a:xfrm>
+          <a:prstGeom prst="rect">
+            <a:avLst/>
+          </a:prstGeom>
+          <a:solidFill>
+            <a:srgbClr val="00B0F0"/>
+          </a:solidFill>
+          <a:ln w="0">
+            <a:noFill/>
+          </a:ln>
+        </p:spPr>
+        <p:style>
+          <a:lnRef idx="0">
+            <a:scrgbClr r="0" g="0" b="0"/>
+          </a:lnRef>
+          <a:fillRef idx="0">
+            <a:scrgbClr r="0" g="0" b="0"/>
+          </a:fillRef>
+          <a:effectRef idx="0">
+            <a:scrgbClr r="0" g="0" b="0"/>
+          </a:effectRef>
+          <a:fontRef idx="minor"/>
+        </p:style>
+        <p:txBody>
+          <a:bodyPr wrap="square" tIns="91440" bIns="91440">
+            <a:spAutoFit/>
+          </a:bodyPr>
+          <a:lstStyle/>
+          <a:p>
+            <a:pPr algn="ctr">
+              <a:lnSpc>
+                <a:spcPct val="100000"/>
+              </a:lnSpc>
+              <a:tabLst>
+                <a:tab pos="0" algn="l"/>
+              </a:tabLst>
+            </a:pPr>
+            <a:r>
+              <a:rPr lang="fr-FR" sz="2000" b="1" strike="noStrike" spc="-1" dirty="0">
+                <a:solidFill>
+                  <a:schemeClr val="bg1"/>
+                </a:solidFill>
+                <a:latin typeface="Trebuchet MS"/>
+                <a:ea typeface="Trebuchet MS"/>
+              </a:rPr>
+              <a:t>Evaluations</a:t>
+            </a:r>
+            <a:endParaRPr lang="fr-FR" sz="2000" b="0" strike="noStrike" spc="-1" dirty="0">
+              <a:solidFill>
+                <a:schemeClr val="bg1"/>
+              </a:solidFill>
+              <a:latin typeface="Arial"/>
+            </a:endParaRPr>
+          </a:p>
+        </p:txBody>
+      </p:sp>
+      <p:sp>
+        <p:nvSpPr>
+          <p:cNvPr id="4" name="Espace réservé du contenu 2">
+            <a:extLst>
+              <a:ext uri="{FF2B5EF4-FFF2-40B4-BE49-F238E27FC236}">
+                <a16:creationId xmlns:a16="http://schemas.microsoft.com/office/drawing/2014/main" id="{7DB7DACE-1CDC-F9B9-9553-754869EC293A}"/>
+              </a:ext>
+            </a:extLst>
+          </p:cNvPr>
+          <p:cNvSpPr>
+            <a:spLocks noGrp="1"/>
+          </p:cNvSpPr>
+          <p:nvPr>
+            <p:ph sz="half" idx="1"/>
+          </p:nvPr>
+        </p:nvSpPr>
+        <p:spPr>
+          <a:xfrm>
+            <a:off x="1108263" y="3050362"/>
+            <a:ext cx="4685466" cy="3694176"/>
+          </a:xfrm>
+        </p:spPr>
+        <p:txBody>
+          <a:bodyPr>
+            <a:normAutofit/>
+          </a:bodyPr>
+          <a:lstStyle/>
+          <a:p>
+            <a:r>
+              <a:rPr lang="fr-FR" sz="2000" b="1" dirty="0"/>
+              <a:t>Synthèses </a:t>
+            </a:r>
+            <a:r>
+              <a:rPr lang="fr-FR" sz="2000" dirty="0"/>
+              <a:t>(50 %)</a:t>
+            </a:r>
+          </a:p>
+          <a:p>
+            <a:pPr lvl="1"/>
+            <a:r>
+              <a:rPr lang="fr-FR" sz="1800" dirty="0"/>
+              <a:t>Thème 1 : évaluée mais non notée</a:t>
+            </a:r>
+          </a:p>
+          <a:p>
+            <a:pPr lvl="1"/>
+            <a:r>
+              <a:rPr lang="fr-FR" sz="1800" dirty="0"/>
+              <a:t>Thème 2 : évaluée et notée (50%)</a:t>
+            </a:r>
+          </a:p>
+          <a:p>
+            <a:r>
+              <a:rPr lang="fr-FR" sz="2000" b="1" dirty="0"/>
+              <a:t>Examen pratique </a:t>
+            </a:r>
+            <a:r>
+              <a:rPr lang="fr-FR" sz="2000" dirty="0"/>
+              <a:t>(50 %)</a:t>
+            </a:r>
+          </a:p>
+          <a:p>
+            <a:pPr lvl="1"/>
+            <a:r>
+              <a:rPr lang="fr-FR" sz="1800" dirty="0"/>
+              <a:t>Durée : </a:t>
+            </a:r>
+            <a:r>
+              <a:rPr lang="fr-FR" sz="1800" b="1" dirty="0"/>
+              <a:t>1h</a:t>
+            </a:r>
+          </a:p>
+          <a:p>
+            <a:pPr lvl="1"/>
+            <a:r>
+              <a:rPr lang="fr-FR" sz="1800" dirty="0"/>
+              <a:t>Tous les </a:t>
+            </a:r>
+            <a:r>
+              <a:rPr lang="fr-FR" sz="1800" b="1" dirty="0"/>
+              <a:t>documents numériques </a:t>
+            </a:r>
+            <a:r>
+              <a:rPr lang="fr-FR" sz="1800" dirty="0"/>
+              <a:t>autorisés</a:t>
+            </a:r>
+          </a:p>
+          <a:p>
+            <a:endParaRPr lang="fr-FR" sz="1800" dirty="0"/>
+          </a:p>
+        </p:txBody>
+      </p:sp>
+      <p:sp>
+        <p:nvSpPr>
+          <p:cNvPr id="8" name="ZoneTexte 7">
+            <a:extLst>
+              <a:ext uri="{FF2B5EF4-FFF2-40B4-BE49-F238E27FC236}">
+                <a16:creationId xmlns:a16="http://schemas.microsoft.com/office/drawing/2014/main" id="{0F3A1F2E-F441-C31C-7EC1-D6A75227ACF3}"/>
+              </a:ext>
+            </a:extLst>
+          </p:cNvPr>
+          <p:cNvSpPr txBox="1"/>
+          <p:nvPr/>
+        </p:nvSpPr>
+        <p:spPr>
+          <a:xfrm>
+            <a:off x="6928088" y="3422090"/>
+            <a:ext cx="3611221" cy="369332"/>
+          </a:xfrm>
+          <a:prstGeom prst="rect">
+            <a:avLst/>
+          </a:prstGeom>
+          <a:noFill/>
+        </p:spPr>
+        <p:txBody>
+          <a:bodyPr wrap="square">
+            <a:spAutoFit/>
+          </a:bodyPr>
+          <a:lstStyle/>
+          <a:p>
+            <a:r>
+              <a:rPr lang="fr-FR" dirty="0">
+                <a:highlight>
+                  <a:srgbClr val="00FFFF"/>
+                </a:highlight>
+              </a:rPr>
+              <a:t>ASPECT </a:t>
+            </a:r>
+            <a:r>
+              <a:rPr lang="fr-FR" b="1" dirty="0">
+                <a:highlight>
+                  <a:srgbClr val="00FFFF"/>
+                </a:highlight>
+              </a:rPr>
+              <a:t>INSTRUMENTATION</a:t>
+            </a:r>
+            <a:endParaRPr lang="fr-FR" dirty="0">
+              <a:highlight>
+                <a:srgbClr val="00FFFF"/>
+              </a:highlight>
+            </a:endParaRPr>
+          </a:p>
+        </p:txBody>
+      </p:sp>
+      <p:sp>
+        <p:nvSpPr>
+          <p:cNvPr id="9" name="CustomShape 3">
+            <a:extLst>
+              <a:ext uri="{FF2B5EF4-FFF2-40B4-BE49-F238E27FC236}">
+                <a16:creationId xmlns:a16="http://schemas.microsoft.com/office/drawing/2014/main" id="{4BDDD5A9-51DE-277E-D8B4-6E62D0688F1C}"/>
+              </a:ext>
+            </a:extLst>
+          </p:cNvPr>
+          <p:cNvSpPr/>
+          <p:nvPr/>
+        </p:nvSpPr>
+        <p:spPr>
+          <a:xfrm>
+            <a:off x="6401130" y="2440601"/>
+            <a:ext cx="4685465" cy="492443"/>
+          </a:xfrm>
+          <a:prstGeom prst="rect">
+            <a:avLst/>
+          </a:prstGeom>
+          <a:solidFill>
+            <a:srgbClr val="00B0F0"/>
+          </a:solidFill>
+          <a:ln w="0">
+            <a:noFill/>
+          </a:ln>
+        </p:spPr>
+        <p:style>
+          <a:lnRef idx="0">
+            <a:scrgbClr r="0" g="0" b="0"/>
+          </a:lnRef>
+          <a:fillRef idx="0">
+            <a:scrgbClr r="0" g="0" b="0"/>
+          </a:fillRef>
+          <a:effectRef idx="0">
+            <a:scrgbClr r="0" g="0" b="0"/>
+          </a:effectRef>
+          <a:fontRef idx="minor"/>
+        </p:style>
+        <p:txBody>
+          <a:bodyPr wrap="square" tIns="91440" bIns="91440">
+            <a:spAutoFit/>
+          </a:bodyPr>
+          <a:lstStyle/>
+          <a:p>
+            <a:pPr algn="ctr">
+              <a:lnSpc>
+                <a:spcPct val="100000"/>
+              </a:lnSpc>
+              <a:tabLst>
+                <a:tab pos="0" algn="l"/>
+              </a:tabLst>
+            </a:pPr>
+            <a:r>
+              <a:rPr lang="fr-FR" sz="2000" b="1" strike="noStrike" spc="-1" dirty="0">
+                <a:solidFill>
+                  <a:schemeClr val="bg1"/>
+                </a:solidFill>
+                <a:latin typeface="Trebuchet MS"/>
+                <a:ea typeface="Trebuchet MS"/>
+              </a:rPr>
+              <a:t>Evaluatio</a:t>
+            </a:r>
+            <a:r>
+              <a:rPr lang="fr-FR" sz="2000" b="1" spc="-1" dirty="0">
+                <a:solidFill>
+                  <a:schemeClr val="bg1"/>
+                </a:solidFill>
+                <a:latin typeface="Trebuchet MS"/>
+                <a:ea typeface="Trebuchet MS"/>
+              </a:rPr>
+              <a:t>n pratique</a:t>
+            </a:r>
+            <a:endParaRPr lang="fr-FR" sz="2000" b="0" strike="noStrike" spc="-1" dirty="0">
+              <a:solidFill>
+                <a:schemeClr val="bg1"/>
+              </a:solidFill>
+              <a:latin typeface="Arial"/>
+            </a:endParaRPr>
+          </a:p>
+        </p:txBody>
+      </p:sp>
+      <p:sp>
+        <p:nvSpPr>
+          <p:cNvPr id="6" name="ZoneTexte 5">
+            <a:extLst>
+              <a:ext uri="{FF2B5EF4-FFF2-40B4-BE49-F238E27FC236}">
+                <a16:creationId xmlns:a16="http://schemas.microsoft.com/office/drawing/2014/main" id="{5F5CBFC5-B974-1AD1-A1C9-845C2F711D5E}"/>
+              </a:ext>
+            </a:extLst>
+          </p:cNvPr>
+          <p:cNvSpPr txBox="1"/>
+          <p:nvPr/>
+        </p:nvSpPr>
+        <p:spPr>
+          <a:xfrm>
+            <a:off x="6928088" y="4353972"/>
+            <a:ext cx="4355608" cy="369332"/>
+          </a:xfrm>
+          <a:prstGeom prst="rect">
+            <a:avLst/>
+          </a:prstGeom>
+          <a:noFill/>
+        </p:spPr>
+        <p:txBody>
+          <a:bodyPr wrap="square">
+            <a:spAutoFit/>
+          </a:bodyPr>
+          <a:lstStyle/>
+          <a:p>
+            <a:r>
+              <a:rPr lang="fr-FR" dirty="0">
+                <a:highlight>
+                  <a:srgbClr val="00FFFF"/>
+                </a:highlight>
+              </a:rPr>
+              <a:t>ASPECT </a:t>
+            </a:r>
+            <a:r>
+              <a:rPr lang="fr-FR" b="1" dirty="0">
+                <a:highlight>
+                  <a:srgbClr val="00FFFF"/>
+                </a:highlight>
+              </a:rPr>
+              <a:t>INGENIEUR.E PHYSICIEN.NE</a:t>
+            </a:r>
+            <a:endParaRPr lang="fr-FR" dirty="0">
+              <a:highlight>
+                <a:srgbClr val="00FFFF"/>
+              </a:highlight>
+            </a:endParaRPr>
+          </a:p>
+        </p:txBody>
+      </p:sp>
+      <p:sp>
+        <p:nvSpPr>
+          <p:cNvPr id="10" name="ZoneTexte 9">
+            <a:extLst>
+              <a:ext uri="{FF2B5EF4-FFF2-40B4-BE49-F238E27FC236}">
+                <a16:creationId xmlns:a16="http://schemas.microsoft.com/office/drawing/2014/main" id="{00B3FB53-8556-BE15-925F-813B2A0DA05A}"/>
+              </a:ext>
+            </a:extLst>
+          </p:cNvPr>
+          <p:cNvSpPr txBox="1"/>
+          <p:nvPr/>
+        </p:nvSpPr>
+        <p:spPr>
+          <a:xfrm>
+            <a:off x="6928088" y="3886615"/>
+            <a:ext cx="6096000" cy="369332"/>
+          </a:xfrm>
+          <a:prstGeom prst="rect">
+            <a:avLst/>
+          </a:prstGeom>
+          <a:noFill/>
+        </p:spPr>
+        <p:txBody>
+          <a:bodyPr wrap="square">
+            <a:spAutoFit/>
+          </a:bodyPr>
+          <a:lstStyle/>
+          <a:p>
+            <a:r>
+              <a:rPr lang="fr-FR" dirty="0">
+                <a:highlight>
+                  <a:srgbClr val="00FFFF"/>
+                </a:highlight>
+              </a:rPr>
+              <a:t>ASPECT </a:t>
+            </a:r>
+            <a:r>
+              <a:rPr lang="fr-FR" b="1" dirty="0">
+                <a:effectLst/>
+                <a:highlight>
+                  <a:srgbClr val="00FFFF"/>
+                </a:highlight>
+              </a:rPr>
+              <a:t>PROTOCOLE</a:t>
+            </a:r>
+            <a:endParaRPr lang="fr-FR" dirty="0">
+              <a:highlight>
+                <a:srgbClr val="00FFFF"/>
+              </a:highlight>
+            </a:endParaRPr>
+          </a:p>
+        </p:txBody>
+      </p:sp>
+      <p:sp>
+        <p:nvSpPr>
+          <p:cNvPr id="12" name="ZoneTexte 11">
+            <a:extLst>
+              <a:ext uri="{FF2B5EF4-FFF2-40B4-BE49-F238E27FC236}">
+                <a16:creationId xmlns:a16="http://schemas.microsoft.com/office/drawing/2014/main" id="{BB342786-8F97-9FA2-84B9-9198AB29863A}"/>
+              </a:ext>
+            </a:extLst>
+          </p:cNvPr>
+          <p:cNvSpPr txBox="1"/>
+          <p:nvPr/>
+        </p:nvSpPr>
+        <p:spPr>
+          <a:xfrm>
+            <a:off x="6510218" y="2975383"/>
+            <a:ext cx="6513870" cy="369332"/>
+          </a:xfrm>
+          <a:prstGeom prst="rect">
+            <a:avLst/>
+          </a:prstGeom>
+          <a:noFill/>
+        </p:spPr>
+        <p:txBody>
+          <a:bodyPr wrap="square">
+            <a:spAutoFit/>
+          </a:bodyPr>
+          <a:lstStyle/>
+          <a:p>
+            <a:r>
+              <a:rPr lang="fr-FR" sz="1800" b="1" dirty="0"/>
+              <a:t>Selon 3 catégories de critères :</a:t>
+            </a:r>
+            <a:endParaRPr lang="fr-FR" dirty="0"/>
+          </a:p>
+        </p:txBody>
+      </p:sp>
+      <p:sp>
+        <p:nvSpPr>
+          <p:cNvPr id="13" name="ZoneTexte 12">
+            <a:extLst>
+              <a:ext uri="{FF2B5EF4-FFF2-40B4-BE49-F238E27FC236}">
+                <a16:creationId xmlns:a16="http://schemas.microsoft.com/office/drawing/2014/main" id="{A8D62458-BE05-F551-57A3-CB5FA9C437E5}"/>
+              </a:ext>
+            </a:extLst>
+          </p:cNvPr>
+          <p:cNvSpPr txBox="1"/>
+          <p:nvPr/>
+        </p:nvSpPr>
+        <p:spPr>
+          <a:xfrm>
+            <a:off x="6510218" y="5054905"/>
+            <a:ext cx="6513870" cy="369332"/>
+          </a:xfrm>
+          <a:prstGeom prst="rect">
+            <a:avLst/>
+          </a:prstGeom>
+          <a:noFill/>
+        </p:spPr>
+        <p:txBody>
+          <a:bodyPr wrap="square">
+            <a:spAutoFit/>
+          </a:bodyPr>
+          <a:lstStyle/>
+          <a:p>
+            <a:r>
+              <a:rPr lang="fr-FR" sz="1800" b="1" dirty="0"/>
+              <a:t>2 savoir-faire évalués :</a:t>
+            </a:r>
+          </a:p>
+        </p:txBody>
+      </p:sp>
+      <p:sp>
+        <p:nvSpPr>
+          <p:cNvPr id="14" name="ZoneTexte 13">
+            <a:extLst>
+              <a:ext uri="{FF2B5EF4-FFF2-40B4-BE49-F238E27FC236}">
+                <a16:creationId xmlns:a16="http://schemas.microsoft.com/office/drawing/2014/main" id="{E2C0D2DC-CADC-12A0-FC98-284019FE533A}"/>
+              </a:ext>
+            </a:extLst>
+          </p:cNvPr>
+          <p:cNvSpPr txBox="1"/>
+          <p:nvPr/>
+        </p:nvSpPr>
+        <p:spPr>
+          <a:xfrm>
+            <a:off x="6928088" y="5492765"/>
+            <a:ext cx="4355608" cy="646331"/>
+          </a:xfrm>
+          <a:prstGeom prst="rect">
+            <a:avLst/>
+          </a:prstGeom>
+          <a:noFill/>
+        </p:spPr>
+        <p:txBody>
+          <a:bodyPr wrap="square">
+            <a:spAutoFit/>
+          </a:bodyPr>
+          <a:lstStyle/>
+          <a:p>
+            <a:pPr marL="285750" indent="-285750">
+              <a:buFont typeface="Arial" panose="020B0604020202020204" pitchFamily="34" charset="0"/>
+              <a:buChar char="•"/>
+            </a:pPr>
+            <a:r>
+              <a:rPr lang="fr-FR" dirty="0"/>
+              <a:t>(A) Caractérisation d’un dipôle</a:t>
+            </a:r>
+          </a:p>
+          <a:p>
+            <a:pPr marL="285750" indent="-285750">
+              <a:buFont typeface="Arial" panose="020B0604020202020204" pitchFamily="34" charset="0"/>
+              <a:buChar char="•"/>
+            </a:pPr>
+            <a:r>
+              <a:rPr lang="fr-FR" dirty="0"/>
+              <a:t>(B) Etude fréquentielle d’un système</a:t>
+            </a:r>
+          </a:p>
+        </p:txBody>
+      </p:sp>
+    </p:spTree>
+    <p:extLst>
+      <p:ext uri="{BB962C8B-B14F-4D97-AF65-F5344CB8AC3E}">
+        <p14:creationId xmlns:p14="http://schemas.microsoft.com/office/powerpoint/2010/main" val="1999171665"/>
+      </p:ext>
+    </p:extLst>
+  </p:cSld>
+  <p:clrMapOvr>
+    <a:masterClrMapping/>
+  </p:clrMapOvr>
+</p:sld>
+</file>
+
+<file path=ppt/slides/slide18.xml><?xml version="1.0" encoding="utf-8"?>
+<p:sld xmlns:a="http://schemas.openxmlformats.org/drawingml/2006/main" xmlns:r="http://schemas.openxmlformats.org/officeDocument/2006/relationships" xmlns:p="http://schemas.openxmlformats.org/presentationml/2006/main">
+  <p:cSld>
+    <p:spTree>
+      <p:nvGrpSpPr>
+        <p:cNvPr id="1" name=""/>
+        <p:cNvGrpSpPr/>
+        <p:nvPr/>
+      </p:nvGrpSpPr>
+      <p:grpSpPr>
+        <a:xfrm>
+          <a:off x="0" y="0"/>
+          <a:ext cx="0" cy="0"/>
+          <a:chOff x="0" y="0"/>
+          <a:chExt cx="0" cy="0"/>
+        </a:xfrm>
+      </p:grpSpPr>
+      <p:sp>
+        <p:nvSpPr>
+          <p:cNvPr id="2" name="Titre 1">
+            <a:extLst>
+              <a:ext uri="{FF2B5EF4-FFF2-40B4-BE49-F238E27FC236}">
+                <a16:creationId xmlns:a16="http://schemas.microsoft.com/office/drawing/2014/main" id="{90162AE8-C1B0-5C56-8313-DEE494F38273}"/>
+              </a:ext>
+            </a:extLst>
+          </p:cNvPr>
+          <p:cNvSpPr>
+            <a:spLocks noGrp="1"/>
+          </p:cNvSpPr>
+          <p:nvPr>
+            <p:ph type="title"/>
+          </p:nvPr>
+        </p:nvSpPr>
+        <p:spPr/>
+        <p:txBody>
+          <a:bodyPr/>
+          <a:lstStyle/>
+          <a:p>
+            <a:r>
+              <a:rPr lang="fr-FR" dirty="0" err="1"/>
+              <a:t>CéTI</a:t>
+            </a:r>
+            <a:r>
+              <a:rPr lang="fr-FR" dirty="0"/>
+              <a:t> / TP / Evaluations</a:t>
+            </a:r>
+          </a:p>
+        </p:txBody>
+      </p:sp>
+      <p:pic>
+        <p:nvPicPr>
+          <p:cNvPr id="5" name="Image 4" descr="Une image contenant texte&#10;&#10;Description générée automatiquement">
+            <a:extLst>
+              <a:ext uri="{FF2B5EF4-FFF2-40B4-BE49-F238E27FC236}">
+                <a16:creationId xmlns:a16="http://schemas.microsoft.com/office/drawing/2014/main" id="{204ADC40-1D61-539F-22ED-6B21D67FBDE6}"/>
+              </a:ext>
+            </a:extLst>
+          </p:cNvPr>
+          <p:cNvPicPr>
+            <a:picLocks noChangeAspect="1"/>
+          </p:cNvPicPr>
+          <p:nvPr/>
+        </p:nvPicPr>
+        <p:blipFill>
+          <a:blip r:embed="rId2" cstate="print">
+            <a:extLst>
+              <a:ext uri="{28A0092B-C50C-407E-A947-70E740481C1C}">
+                <a14:useLocalDpi xmlns:a14="http://schemas.microsoft.com/office/drawing/2010/main" val="0"/>
+              </a:ext>
+            </a:extLst>
+          </a:blip>
+          <a:stretch>
+            <a:fillRect/>
+          </a:stretch>
+        </p:blipFill>
+        <p:spPr>
+          <a:xfrm>
+            <a:off x="202922" y="5934456"/>
+            <a:ext cx="1825291" cy="749808"/>
+          </a:xfrm>
+          <a:prstGeom prst="rect">
+            <a:avLst/>
+          </a:prstGeom>
+        </p:spPr>
+      </p:pic>
+      <p:sp>
+        <p:nvSpPr>
+          <p:cNvPr id="3" name="CustomShape 3">
+            <a:extLst>
+              <a:ext uri="{FF2B5EF4-FFF2-40B4-BE49-F238E27FC236}">
+                <a16:creationId xmlns:a16="http://schemas.microsoft.com/office/drawing/2014/main" id="{3A2757AF-7204-5C84-F3F3-C24EF7A3A399}"/>
+              </a:ext>
+            </a:extLst>
+          </p:cNvPr>
+          <p:cNvSpPr/>
+          <p:nvPr/>
+        </p:nvSpPr>
+        <p:spPr>
+          <a:xfrm>
+            <a:off x="1115567" y="2440602"/>
+            <a:ext cx="4685465" cy="492443"/>
+          </a:xfrm>
+          <a:prstGeom prst="rect">
+            <a:avLst/>
+          </a:prstGeom>
+          <a:solidFill>
+            <a:srgbClr val="00B0F0"/>
+          </a:solidFill>
+          <a:ln w="0">
+            <a:noFill/>
+          </a:ln>
+        </p:spPr>
+        <p:style>
+          <a:lnRef idx="0">
+            <a:scrgbClr r="0" g="0" b="0"/>
+          </a:lnRef>
+          <a:fillRef idx="0">
+            <a:scrgbClr r="0" g="0" b="0"/>
+          </a:fillRef>
+          <a:effectRef idx="0">
+            <a:scrgbClr r="0" g="0" b="0"/>
+          </a:effectRef>
+          <a:fontRef idx="minor"/>
+        </p:style>
+        <p:txBody>
+          <a:bodyPr wrap="square" tIns="91440" bIns="91440">
+            <a:spAutoFit/>
+          </a:bodyPr>
+          <a:lstStyle/>
+          <a:p>
+            <a:pPr algn="ctr">
+              <a:lnSpc>
+                <a:spcPct val="100000"/>
+              </a:lnSpc>
+              <a:tabLst>
+                <a:tab pos="0" algn="l"/>
+              </a:tabLst>
+            </a:pPr>
+            <a:r>
+              <a:rPr lang="fr-FR" sz="2000" b="1" strike="noStrike" spc="-1" dirty="0">
+                <a:solidFill>
+                  <a:schemeClr val="bg1"/>
+                </a:solidFill>
+                <a:latin typeface="Trebuchet MS"/>
+                <a:ea typeface="Trebuchet MS"/>
+              </a:rPr>
+              <a:t>Evaluations</a:t>
+            </a:r>
+            <a:endParaRPr lang="fr-FR" sz="2000" b="0" strike="noStrike" spc="-1" dirty="0">
+              <a:solidFill>
+                <a:schemeClr val="bg1"/>
+              </a:solidFill>
+              <a:latin typeface="Arial"/>
+            </a:endParaRPr>
+          </a:p>
+        </p:txBody>
+      </p:sp>
+      <p:sp>
+        <p:nvSpPr>
+          <p:cNvPr id="4" name="Espace réservé du contenu 2">
+            <a:extLst>
+              <a:ext uri="{FF2B5EF4-FFF2-40B4-BE49-F238E27FC236}">
+                <a16:creationId xmlns:a16="http://schemas.microsoft.com/office/drawing/2014/main" id="{7DB7DACE-1CDC-F9B9-9553-754869EC293A}"/>
+              </a:ext>
+            </a:extLst>
+          </p:cNvPr>
+          <p:cNvSpPr>
+            <a:spLocks noGrp="1"/>
+          </p:cNvSpPr>
+          <p:nvPr>
+            <p:ph sz="half" idx="1"/>
+          </p:nvPr>
+        </p:nvSpPr>
+        <p:spPr>
+          <a:xfrm>
+            <a:off x="1108263" y="3050362"/>
+            <a:ext cx="4685466" cy="3694176"/>
+          </a:xfrm>
+        </p:spPr>
+        <p:txBody>
+          <a:bodyPr>
+            <a:normAutofit/>
+          </a:bodyPr>
+          <a:lstStyle/>
+          <a:p>
+            <a:r>
+              <a:rPr lang="fr-FR" sz="2000" b="1" dirty="0"/>
+              <a:t>Synthèses </a:t>
+            </a:r>
+            <a:r>
+              <a:rPr lang="fr-FR" sz="2000" dirty="0"/>
+              <a:t>(50 %)</a:t>
+            </a:r>
+          </a:p>
+          <a:p>
+            <a:pPr lvl="1"/>
+            <a:r>
+              <a:rPr lang="fr-FR" sz="1800" dirty="0"/>
+              <a:t>Thème 1 : évaluée mais non notée</a:t>
+            </a:r>
+          </a:p>
+          <a:p>
+            <a:pPr lvl="1"/>
+            <a:r>
+              <a:rPr lang="fr-FR" sz="1800" dirty="0"/>
+              <a:t>Thème 2 : évaluée et notée (50%)</a:t>
+            </a:r>
+          </a:p>
+          <a:p>
+            <a:r>
+              <a:rPr lang="fr-FR" sz="2000" b="1" dirty="0"/>
+              <a:t>Examen pratique </a:t>
+            </a:r>
+            <a:r>
+              <a:rPr lang="fr-FR" sz="2000" dirty="0"/>
+              <a:t>(50 %)</a:t>
+            </a:r>
+          </a:p>
+          <a:p>
+            <a:pPr lvl="1"/>
+            <a:r>
+              <a:rPr lang="fr-FR" sz="1800" dirty="0"/>
+              <a:t>Durée : </a:t>
+            </a:r>
+            <a:r>
+              <a:rPr lang="fr-FR" sz="1800" b="1" dirty="0"/>
+              <a:t>1h</a:t>
+            </a:r>
+          </a:p>
+          <a:p>
+            <a:pPr lvl="1"/>
+            <a:r>
+              <a:rPr lang="fr-FR" sz="1800" dirty="0"/>
+              <a:t>Tous les </a:t>
+            </a:r>
+            <a:r>
+              <a:rPr lang="fr-FR" sz="1800" b="1" dirty="0"/>
+              <a:t>documents numériques </a:t>
+            </a:r>
+            <a:r>
+              <a:rPr lang="fr-FR" sz="1800" dirty="0"/>
+              <a:t>autorisés</a:t>
+            </a:r>
+          </a:p>
+          <a:p>
+            <a:endParaRPr lang="fr-FR" sz="1800" dirty="0"/>
+          </a:p>
+        </p:txBody>
+      </p:sp>
+      <p:sp>
+        <p:nvSpPr>
+          <p:cNvPr id="8" name="ZoneTexte 7">
+            <a:extLst>
+              <a:ext uri="{FF2B5EF4-FFF2-40B4-BE49-F238E27FC236}">
+                <a16:creationId xmlns:a16="http://schemas.microsoft.com/office/drawing/2014/main" id="{14CCE582-9B9D-0764-83CC-13654B460E43}"/>
+              </a:ext>
+            </a:extLst>
+          </p:cNvPr>
+          <p:cNvSpPr txBox="1"/>
+          <p:nvPr/>
+        </p:nvSpPr>
+        <p:spPr>
+          <a:xfrm>
+            <a:off x="6554552" y="2996656"/>
+            <a:ext cx="4529185" cy="3785652"/>
+          </a:xfrm>
+          <a:prstGeom prst="rect">
+            <a:avLst/>
+          </a:prstGeom>
+          <a:noFill/>
+        </p:spPr>
+        <p:txBody>
+          <a:bodyPr wrap="square">
+            <a:spAutoFit/>
+          </a:bodyPr>
+          <a:lstStyle/>
+          <a:p>
+            <a:r>
+              <a:rPr lang="fr-FR" sz="1600" dirty="0">
+                <a:highlight>
+                  <a:srgbClr val="00FFFF"/>
+                </a:highlight>
+              </a:rPr>
+              <a:t>ASPECT </a:t>
+            </a:r>
+            <a:r>
+              <a:rPr lang="fr-FR" sz="1600" b="1" dirty="0">
+                <a:highlight>
+                  <a:srgbClr val="00FFFF"/>
+                </a:highlight>
+              </a:rPr>
+              <a:t>INSTRUMENTATION</a:t>
+            </a:r>
+          </a:p>
+          <a:p>
+            <a:pPr marL="285750" indent="-285750">
+              <a:buFont typeface="Arial" panose="020B0604020202020204" pitchFamily="34" charset="0"/>
+              <a:buChar char="•"/>
+            </a:pPr>
+            <a:r>
+              <a:rPr lang="fr-FR" sz="1600" b="1" dirty="0"/>
+              <a:t>Utiliser des instruments de mesure pertinents</a:t>
+            </a:r>
+            <a:r>
+              <a:rPr lang="fr-FR" sz="1600" dirty="0"/>
+              <a:t> et les </a:t>
+            </a:r>
+            <a:r>
+              <a:rPr lang="fr-FR" sz="1600" b="1" dirty="0"/>
+              <a:t>câbler</a:t>
+            </a:r>
+            <a:r>
+              <a:rPr lang="fr-FR" sz="1600" dirty="0"/>
+              <a:t> correctement</a:t>
+            </a:r>
+          </a:p>
+          <a:p>
+            <a:pPr marL="285750" indent="-285750">
+              <a:buFont typeface="Arial" panose="020B0604020202020204" pitchFamily="34" charset="0"/>
+              <a:buChar char="•"/>
+            </a:pPr>
+            <a:r>
+              <a:rPr lang="fr-FR" sz="1600" b="1" dirty="0"/>
+              <a:t>Paramétrer correctement les appareils de mesure</a:t>
+            </a:r>
+            <a:r>
+              <a:rPr lang="fr-FR" sz="1600" dirty="0"/>
+              <a:t> en prenant en considération les </a:t>
+            </a:r>
+            <a:r>
+              <a:rPr lang="fr-FR" sz="1600" b="1" dirty="0"/>
+              <a:t>limites des composants</a:t>
+            </a:r>
+            <a:r>
+              <a:rPr lang="fr-FR" sz="1600" dirty="0"/>
+              <a:t> à analyser</a:t>
+            </a:r>
+          </a:p>
+          <a:p>
+            <a:endParaRPr lang="fr-FR" sz="1600" dirty="0"/>
+          </a:p>
+          <a:p>
+            <a:r>
+              <a:rPr lang="fr-FR" sz="1600" dirty="0">
+                <a:highlight>
+                  <a:srgbClr val="00FFFF"/>
+                </a:highlight>
+              </a:rPr>
+              <a:t>ASPECT </a:t>
+            </a:r>
+            <a:r>
+              <a:rPr lang="fr-FR" sz="1600" b="1" dirty="0">
+                <a:highlight>
+                  <a:srgbClr val="00FFFF"/>
+                </a:highlight>
+              </a:rPr>
+              <a:t>INGENIEUR.E PHYSICIEN.NE</a:t>
+            </a:r>
+            <a:endParaRPr lang="fr-FR" sz="1600" dirty="0">
+              <a:highlight>
+                <a:srgbClr val="00FFFF"/>
+              </a:highlight>
+            </a:endParaRPr>
+          </a:p>
+          <a:p>
+            <a:pPr marL="285750" indent="-285750">
+              <a:buFont typeface="Arial" panose="020B0604020202020204" pitchFamily="34" charset="0"/>
+              <a:buChar char="•"/>
+            </a:pPr>
+            <a:r>
+              <a:rPr lang="fr-FR" sz="1600" b="1" dirty="0"/>
+              <a:t>Produire des résultats pertinents</a:t>
+            </a:r>
+            <a:r>
+              <a:rPr lang="fr-FR" sz="1600" dirty="0"/>
+              <a:t> à partir des données expérimentales</a:t>
+            </a:r>
+          </a:p>
+          <a:p>
+            <a:pPr marL="285750" indent="-285750">
+              <a:buFont typeface="Arial" panose="020B0604020202020204" pitchFamily="34" charset="0"/>
+              <a:buChar char="•"/>
+            </a:pPr>
+            <a:r>
+              <a:rPr lang="fr-FR" sz="1600" b="1" dirty="0"/>
+              <a:t>Générer un ensemble de signaux de test</a:t>
+            </a:r>
+            <a:r>
+              <a:rPr lang="fr-FR" sz="1600" dirty="0"/>
+              <a:t> pour valider le bon fonctionnement</a:t>
+            </a:r>
+          </a:p>
+          <a:p>
+            <a:pPr marL="285750" indent="-285750">
+              <a:buFont typeface="Arial" panose="020B0604020202020204" pitchFamily="34" charset="0"/>
+              <a:buChar char="•"/>
+            </a:pPr>
+            <a:r>
+              <a:rPr lang="fr-FR" sz="1600" b="1" dirty="0"/>
+              <a:t>Analyser les résultats d’une modélisation physique simple</a:t>
+            </a:r>
+            <a:r>
+              <a:rPr lang="fr-FR" sz="1600" dirty="0"/>
+              <a:t> et </a:t>
+            </a:r>
+            <a:r>
+              <a:rPr lang="fr-FR" sz="1600" b="1" dirty="0"/>
+              <a:t>valider le modèle utilisé</a:t>
+            </a:r>
+            <a:endParaRPr lang="fr-FR" sz="1600" dirty="0"/>
+          </a:p>
+        </p:txBody>
+      </p:sp>
+      <p:sp>
+        <p:nvSpPr>
+          <p:cNvPr id="9" name="CustomShape 3">
+            <a:extLst>
+              <a:ext uri="{FF2B5EF4-FFF2-40B4-BE49-F238E27FC236}">
+                <a16:creationId xmlns:a16="http://schemas.microsoft.com/office/drawing/2014/main" id="{0E16B71A-DAC3-A544-1C6A-FEF061532B0B}"/>
+              </a:ext>
+            </a:extLst>
+          </p:cNvPr>
+          <p:cNvSpPr/>
+          <p:nvPr/>
+        </p:nvSpPr>
+        <p:spPr>
+          <a:xfrm>
+            <a:off x="3785606" y="5749790"/>
+            <a:ext cx="1887607" cy="369332"/>
+          </a:xfrm>
+          <a:prstGeom prst="rect">
+            <a:avLst/>
+          </a:prstGeom>
+          <a:solidFill>
+            <a:schemeClr val="accent1"/>
+          </a:solidFill>
+          <a:ln w="0">
+            <a:noFill/>
+          </a:ln>
+        </p:spPr>
+        <p:style>
+          <a:lnRef idx="0">
+            <a:scrgbClr r="0" g="0" b="0"/>
+          </a:lnRef>
+          <a:fillRef idx="0">
+            <a:scrgbClr r="0" g="0" b="0"/>
+          </a:fillRef>
+          <a:effectRef idx="0">
+            <a:scrgbClr r="0" g="0" b="0"/>
+          </a:effectRef>
+          <a:fontRef idx="minor"/>
+        </p:style>
+        <p:txBody>
+          <a:bodyPr wrap="square" tIns="91440" bIns="91440">
+            <a:spAutoFit/>
+          </a:bodyPr>
+          <a:lstStyle/>
+          <a:p>
+            <a:pPr algn="ctr">
+              <a:lnSpc>
+                <a:spcPct val="100000"/>
+              </a:lnSpc>
+              <a:tabLst>
+                <a:tab pos="0" algn="l"/>
+              </a:tabLst>
+            </a:pPr>
+            <a:r>
+              <a:rPr lang="fr-FR" sz="1200" b="1" strike="noStrike" spc="-1" dirty="0">
+                <a:solidFill>
+                  <a:schemeClr val="bg1"/>
+                </a:solidFill>
+                <a:latin typeface="Trebuchet MS"/>
+                <a:ea typeface="Trebuchet MS"/>
+              </a:rPr>
+              <a:t>(1) </a:t>
+            </a:r>
+            <a:r>
+              <a:rPr lang="fr-FR" sz="1200" b="1" strike="noStrike" spc="-1" dirty="0" err="1">
+                <a:solidFill>
+                  <a:schemeClr val="bg1"/>
+                </a:solidFill>
+                <a:latin typeface="Trebuchet MS"/>
+                <a:ea typeface="Trebuchet MS"/>
+              </a:rPr>
+              <a:t>Photodétection</a:t>
+            </a:r>
+            <a:endParaRPr lang="fr-FR" sz="1200" b="0" strike="noStrike" spc="-1" dirty="0">
+              <a:solidFill>
+                <a:schemeClr val="bg1"/>
+              </a:solidFill>
+              <a:latin typeface="Arial"/>
+            </a:endParaRPr>
+          </a:p>
+        </p:txBody>
+      </p:sp>
+      <p:sp>
+        <p:nvSpPr>
+          <p:cNvPr id="10" name="CustomShape 3">
+            <a:extLst>
+              <a:ext uri="{FF2B5EF4-FFF2-40B4-BE49-F238E27FC236}">
+                <a16:creationId xmlns:a16="http://schemas.microsoft.com/office/drawing/2014/main" id="{F056B93A-3809-D2D1-E451-112F3A528A42}"/>
+              </a:ext>
+            </a:extLst>
+          </p:cNvPr>
+          <p:cNvSpPr/>
+          <p:nvPr/>
+        </p:nvSpPr>
+        <p:spPr>
+          <a:xfrm>
+            <a:off x="3785605" y="6190504"/>
+            <a:ext cx="1887607" cy="369332"/>
+          </a:xfrm>
+          <a:prstGeom prst="rect">
+            <a:avLst/>
+          </a:prstGeom>
+          <a:solidFill>
+            <a:srgbClr val="00B0F0"/>
+          </a:solidFill>
+          <a:ln w="0">
+            <a:noFill/>
+          </a:ln>
+        </p:spPr>
+        <p:style>
+          <a:lnRef idx="0">
+            <a:scrgbClr r="0" g="0" b="0"/>
+          </a:lnRef>
+          <a:fillRef idx="0">
+            <a:scrgbClr r="0" g="0" b="0"/>
+          </a:fillRef>
+          <a:effectRef idx="0">
+            <a:scrgbClr r="0" g="0" b="0"/>
+          </a:effectRef>
+          <a:fontRef idx="minor"/>
+        </p:style>
+        <p:txBody>
+          <a:bodyPr wrap="square" tIns="91440" bIns="91440">
+            <a:spAutoFit/>
+          </a:bodyPr>
+          <a:lstStyle/>
+          <a:p>
+            <a:pPr algn="ctr">
+              <a:lnSpc>
+                <a:spcPct val="100000"/>
+              </a:lnSpc>
+              <a:tabLst>
+                <a:tab pos="0" algn="l"/>
+              </a:tabLst>
+            </a:pPr>
+            <a:r>
+              <a:rPr lang="fr-FR" sz="1200" b="1" strike="noStrike" spc="-1" dirty="0">
+                <a:solidFill>
+                  <a:schemeClr val="bg1"/>
+                </a:solidFill>
+                <a:latin typeface="Trebuchet MS"/>
+                <a:ea typeface="Trebuchet MS"/>
+              </a:rPr>
+              <a:t>(2) Numérique</a:t>
+            </a:r>
+            <a:endParaRPr lang="fr-FR" sz="1200" b="0" strike="noStrike" spc="-1" dirty="0">
+              <a:solidFill>
+                <a:schemeClr val="bg1"/>
+              </a:solidFill>
+              <a:latin typeface="Arial"/>
+            </a:endParaRPr>
+          </a:p>
+        </p:txBody>
+      </p:sp>
+      <p:sp>
+        <p:nvSpPr>
+          <p:cNvPr id="12" name="CustomShape 3">
+            <a:extLst>
+              <a:ext uri="{FF2B5EF4-FFF2-40B4-BE49-F238E27FC236}">
+                <a16:creationId xmlns:a16="http://schemas.microsoft.com/office/drawing/2014/main" id="{BF074FB9-F19E-C0E7-05D8-FE2086332654}"/>
+              </a:ext>
+            </a:extLst>
+          </p:cNvPr>
+          <p:cNvSpPr/>
+          <p:nvPr/>
+        </p:nvSpPr>
+        <p:spPr>
+          <a:xfrm>
+            <a:off x="6401130" y="2440601"/>
+            <a:ext cx="4685465" cy="492443"/>
+          </a:xfrm>
+          <a:prstGeom prst="rect">
+            <a:avLst/>
+          </a:prstGeom>
+          <a:solidFill>
+            <a:srgbClr val="00B0F0"/>
+          </a:solidFill>
+          <a:ln w="0">
+            <a:noFill/>
+          </a:ln>
+        </p:spPr>
+        <p:style>
+          <a:lnRef idx="0">
+            <a:scrgbClr r="0" g="0" b="0"/>
+          </a:lnRef>
+          <a:fillRef idx="0">
+            <a:scrgbClr r="0" g="0" b="0"/>
+          </a:fillRef>
+          <a:effectRef idx="0">
+            <a:scrgbClr r="0" g="0" b="0"/>
+          </a:effectRef>
+          <a:fontRef idx="minor"/>
+        </p:style>
+        <p:txBody>
+          <a:bodyPr wrap="square" tIns="91440" bIns="91440">
+            <a:spAutoFit/>
+          </a:bodyPr>
+          <a:lstStyle/>
+          <a:p>
+            <a:pPr algn="ctr">
+              <a:lnSpc>
+                <a:spcPct val="100000"/>
+              </a:lnSpc>
+              <a:tabLst>
+                <a:tab pos="0" algn="l"/>
+              </a:tabLst>
+            </a:pPr>
+            <a:r>
+              <a:rPr lang="fr-FR" sz="2000" b="1" strike="noStrike" spc="-1" dirty="0">
+                <a:solidFill>
+                  <a:schemeClr val="bg1"/>
+                </a:solidFill>
+                <a:latin typeface="Trebuchet MS"/>
+                <a:ea typeface="Trebuchet MS"/>
+              </a:rPr>
+              <a:t>(A) Caractérisation d’un dipôle</a:t>
+            </a:r>
+            <a:endParaRPr lang="fr-FR" sz="2000" b="0" strike="noStrike" spc="-1" dirty="0">
+              <a:solidFill>
+                <a:schemeClr val="bg1"/>
+              </a:solidFill>
+              <a:latin typeface="Arial"/>
+            </a:endParaRPr>
+          </a:p>
+        </p:txBody>
+      </p:sp>
+    </p:spTree>
+    <p:extLst>
+      <p:ext uri="{BB962C8B-B14F-4D97-AF65-F5344CB8AC3E}">
+        <p14:creationId xmlns:p14="http://schemas.microsoft.com/office/powerpoint/2010/main" val="4192165477"/>
+      </p:ext>
+    </p:extLst>
+  </p:cSld>
+  <p:clrMapOvr>
+    <a:masterClrMapping/>
+  </p:clrMapOvr>
+</p:sld>
+</file>
+
+<file path=ppt/slides/slide19.xml><?xml version="1.0" encoding="utf-8"?>
+<p:sld xmlns:a="http://schemas.openxmlformats.org/drawingml/2006/main" xmlns:r="http://schemas.openxmlformats.org/officeDocument/2006/relationships" xmlns:p="http://schemas.openxmlformats.org/presentationml/2006/main">
+  <p:cSld>
+    <p:spTree>
+      <p:nvGrpSpPr>
+        <p:cNvPr id="1" name=""/>
+        <p:cNvGrpSpPr/>
+        <p:nvPr/>
+      </p:nvGrpSpPr>
+      <p:grpSpPr>
+        <a:xfrm>
+          <a:off x="0" y="0"/>
+          <a:ext cx="0" cy="0"/>
+          <a:chOff x="0" y="0"/>
+          <a:chExt cx="0" cy="0"/>
+        </a:xfrm>
+      </p:grpSpPr>
+      <p:sp>
+        <p:nvSpPr>
+          <p:cNvPr id="2" name="Titre 1">
+            <a:extLst>
+              <a:ext uri="{FF2B5EF4-FFF2-40B4-BE49-F238E27FC236}">
+                <a16:creationId xmlns:a16="http://schemas.microsoft.com/office/drawing/2014/main" id="{90162AE8-C1B0-5C56-8313-DEE494F38273}"/>
+              </a:ext>
+            </a:extLst>
+          </p:cNvPr>
+          <p:cNvSpPr>
+            <a:spLocks noGrp="1"/>
+          </p:cNvSpPr>
+          <p:nvPr>
+            <p:ph type="title"/>
+          </p:nvPr>
+        </p:nvSpPr>
+        <p:spPr/>
+        <p:txBody>
+          <a:bodyPr/>
+          <a:lstStyle/>
+          <a:p>
+            <a:r>
+              <a:rPr lang="fr-FR" dirty="0" err="1"/>
+              <a:t>CéTI</a:t>
+            </a:r>
+            <a:r>
+              <a:rPr lang="fr-FR" dirty="0"/>
+              <a:t> / TP / Evaluations</a:t>
+            </a:r>
+          </a:p>
+        </p:txBody>
+      </p:sp>
+      <p:pic>
+        <p:nvPicPr>
+          <p:cNvPr id="5" name="Image 4" descr="Une image contenant texte&#10;&#10;Description générée automatiquement">
+            <a:extLst>
+              <a:ext uri="{FF2B5EF4-FFF2-40B4-BE49-F238E27FC236}">
+                <a16:creationId xmlns:a16="http://schemas.microsoft.com/office/drawing/2014/main" id="{204ADC40-1D61-539F-22ED-6B21D67FBDE6}"/>
+              </a:ext>
+            </a:extLst>
+          </p:cNvPr>
+          <p:cNvPicPr>
+            <a:picLocks noChangeAspect="1"/>
+          </p:cNvPicPr>
+          <p:nvPr/>
+        </p:nvPicPr>
+        <p:blipFill>
+          <a:blip r:embed="rId2" cstate="print">
+            <a:extLst>
+              <a:ext uri="{28A0092B-C50C-407E-A947-70E740481C1C}">
+                <a14:useLocalDpi xmlns:a14="http://schemas.microsoft.com/office/drawing/2010/main" val="0"/>
+              </a:ext>
+            </a:extLst>
+          </a:blip>
+          <a:stretch>
+            <a:fillRect/>
+          </a:stretch>
+        </p:blipFill>
+        <p:spPr>
+          <a:xfrm>
+            <a:off x="202922" y="5934456"/>
+            <a:ext cx="1825291" cy="749808"/>
+          </a:xfrm>
+          <a:prstGeom prst="rect">
+            <a:avLst/>
+          </a:prstGeom>
+        </p:spPr>
+      </p:pic>
+      <p:sp>
+        <p:nvSpPr>
+          <p:cNvPr id="8" name="ZoneTexte 7">
+            <a:extLst>
+              <a:ext uri="{FF2B5EF4-FFF2-40B4-BE49-F238E27FC236}">
+                <a16:creationId xmlns:a16="http://schemas.microsoft.com/office/drawing/2014/main" id="{14CCE582-9B9D-0764-83CC-13654B460E43}"/>
+              </a:ext>
+            </a:extLst>
+          </p:cNvPr>
+          <p:cNvSpPr txBox="1"/>
+          <p:nvPr/>
+        </p:nvSpPr>
+        <p:spPr>
+          <a:xfrm>
+            <a:off x="6554552" y="2416554"/>
+            <a:ext cx="4529185" cy="4278094"/>
+          </a:xfrm>
+          <a:prstGeom prst="rect">
+            <a:avLst/>
+          </a:prstGeom>
+          <a:noFill/>
+        </p:spPr>
+        <p:txBody>
+          <a:bodyPr wrap="square">
+            <a:spAutoFit/>
+          </a:bodyPr>
+          <a:lstStyle/>
+          <a:p>
+            <a:r>
+              <a:rPr lang="fr-FR" sz="1600" dirty="0">
+                <a:highlight>
+                  <a:srgbClr val="00FFFF"/>
+                </a:highlight>
+              </a:rPr>
+              <a:t>ASPECT </a:t>
+            </a:r>
+            <a:r>
+              <a:rPr lang="fr-FR" sz="1600" b="1" dirty="0">
+                <a:highlight>
+                  <a:srgbClr val="00FFFF"/>
+                </a:highlight>
+              </a:rPr>
+              <a:t>PROTOCOLE</a:t>
+            </a:r>
+          </a:p>
+          <a:p>
+            <a:endParaRPr lang="fr-FR" sz="1600" b="1" dirty="0">
+              <a:highlight>
+                <a:srgbClr val="00FFFF"/>
+              </a:highlight>
+            </a:endParaRPr>
+          </a:p>
+          <a:p>
+            <a:pPr marL="285750" indent="-285750">
+              <a:buFont typeface="Arial" panose="020B0604020202020204" pitchFamily="34" charset="0"/>
+              <a:buChar char="•"/>
+            </a:pPr>
+            <a:r>
+              <a:rPr lang="fr-FR" sz="1600" dirty="0"/>
+              <a:t>Identifier le </a:t>
+            </a:r>
+            <a:r>
+              <a:rPr lang="fr-FR" sz="1600" b="1" dirty="0"/>
+              <a:t>comportement global </a:t>
+            </a:r>
+            <a:r>
+              <a:rPr lang="fr-FR" sz="1600" dirty="0"/>
+              <a:t>du système </a:t>
+            </a:r>
+            <a:r>
+              <a:rPr lang="fr-FR" sz="1400" dirty="0"/>
+              <a:t>(passe-bas, passe-haut, passe-bande)</a:t>
+            </a:r>
+            <a:endParaRPr lang="fr-FR" sz="1600" dirty="0"/>
+          </a:p>
+          <a:p>
+            <a:pPr marL="285750" indent="-285750">
+              <a:buFont typeface="Arial" panose="020B0604020202020204" pitchFamily="34" charset="0"/>
+              <a:buChar char="•"/>
+            </a:pPr>
+            <a:r>
+              <a:rPr lang="fr-FR" sz="1600" dirty="0"/>
+              <a:t>Mesurer la </a:t>
+            </a:r>
+            <a:r>
+              <a:rPr lang="fr-FR" sz="1600" b="1" dirty="0"/>
+              <a:t>bande-passante</a:t>
+            </a:r>
+            <a:r>
+              <a:rPr lang="fr-FR" sz="1600" dirty="0"/>
+              <a:t> du système</a:t>
+            </a:r>
+          </a:p>
+          <a:p>
+            <a:pPr marL="285750" indent="-285750">
+              <a:buFont typeface="Arial" panose="020B0604020202020204" pitchFamily="34" charset="0"/>
+              <a:buChar char="•"/>
+            </a:pPr>
+            <a:r>
+              <a:rPr lang="fr-FR" sz="1600" dirty="0"/>
+              <a:t>Mesurer le </a:t>
+            </a:r>
+            <a:r>
+              <a:rPr lang="fr-FR" sz="1600" b="1" dirty="0"/>
+              <a:t>gain</a:t>
+            </a:r>
+            <a:r>
+              <a:rPr lang="fr-FR" sz="1600" dirty="0"/>
+              <a:t> du système</a:t>
+            </a:r>
+          </a:p>
+          <a:p>
+            <a:pPr marL="285750" indent="-285750">
+              <a:buFont typeface="Arial" panose="020B0604020202020204" pitchFamily="34" charset="0"/>
+              <a:buChar char="•"/>
+            </a:pPr>
+            <a:r>
+              <a:rPr lang="fr-FR" sz="1600" dirty="0"/>
+              <a:t>Déterminer l’</a:t>
+            </a:r>
+            <a:r>
+              <a:rPr lang="fr-FR" sz="1600" b="1" dirty="0"/>
+              <a:t>ordre du système</a:t>
+            </a:r>
+          </a:p>
+          <a:p>
+            <a:pPr>
+              <a:buFont typeface="Arial" panose="020B0604020202020204" pitchFamily="34" charset="0"/>
+              <a:buChar char="•"/>
+            </a:pPr>
+            <a:endParaRPr lang="fr-FR" sz="1600" dirty="0"/>
+          </a:p>
+          <a:p>
+            <a:r>
+              <a:rPr lang="fr-FR" sz="1600" dirty="0">
+                <a:highlight>
+                  <a:srgbClr val="00FFFF"/>
+                </a:highlight>
+              </a:rPr>
+              <a:t>ASPECT </a:t>
+            </a:r>
+            <a:r>
+              <a:rPr lang="fr-FR" sz="1600" b="1" dirty="0">
+                <a:highlight>
+                  <a:srgbClr val="00FFFF"/>
+                </a:highlight>
+              </a:rPr>
+              <a:t>INGENIEUR.E PHYSICIEN.NE</a:t>
+            </a:r>
+          </a:p>
+          <a:p>
+            <a:endParaRPr lang="fr-FR" sz="1600" dirty="0">
+              <a:highlight>
+                <a:srgbClr val="00FFFF"/>
+              </a:highlight>
+            </a:endParaRPr>
+          </a:p>
+          <a:p>
+            <a:pPr marL="285750" indent="-285750">
+              <a:buFont typeface="Arial" panose="020B0604020202020204" pitchFamily="34" charset="0"/>
+              <a:buChar char="•"/>
+            </a:pPr>
+            <a:r>
+              <a:rPr lang="fr-FR" sz="1600" b="1" dirty="0"/>
+              <a:t>Produire des résultats pertinents</a:t>
+            </a:r>
+            <a:r>
+              <a:rPr lang="fr-FR" sz="1600" dirty="0"/>
+              <a:t> à partir des données expérimentales</a:t>
+            </a:r>
+          </a:p>
+          <a:p>
+            <a:pPr marL="285750" indent="-285750">
+              <a:buFont typeface="Arial" panose="020B0604020202020204" pitchFamily="34" charset="0"/>
+              <a:buChar char="•"/>
+            </a:pPr>
+            <a:r>
+              <a:rPr lang="fr-FR" sz="1600" b="1" dirty="0"/>
+              <a:t>Générer un ensemble de signaux de test</a:t>
+            </a:r>
+            <a:r>
+              <a:rPr lang="fr-FR" sz="1600" dirty="0"/>
+              <a:t> pour valider le bon fonctionnement</a:t>
+            </a:r>
+          </a:p>
+          <a:p>
+            <a:pPr marL="285750" indent="-285750">
+              <a:buFont typeface="Arial" panose="020B0604020202020204" pitchFamily="34" charset="0"/>
+              <a:buChar char="•"/>
+            </a:pPr>
+            <a:r>
+              <a:rPr lang="fr-FR" sz="1600" b="1" dirty="0"/>
+              <a:t>Analyser les résultats d’une modélisation physique simple</a:t>
+            </a:r>
+            <a:r>
+              <a:rPr lang="fr-FR" sz="1600" dirty="0"/>
+              <a:t> et </a:t>
+            </a:r>
+            <a:r>
+              <a:rPr lang="fr-FR" sz="1600" b="1" dirty="0"/>
+              <a:t>valider le modèle utilisé</a:t>
+            </a:r>
+            <a:endParaRPr lang="fr-FR" sz="1600" dirty="0"/>
+          </a:p>
+        </p:txBody>
+      </p:sp>
+      <p:sp>
+        <p:nvSpPr>
+          <p:cNvPr id="11" name="CustomShape 3">
+            <a:extLst>
+              <a:ext uri="{FF2B5EF4-FFF2-40B4-BE49-F238E27FC236}">
+                <a16:creationId xmlns:a16="http://schemas.microsoft.com/office/drawing/2014/main" id="{80A9CDA6-B258-C949-657E-13F3BD54C580}"/>
+              </a:ext>
+            </a:extLst>
+          </p:cNvPr>
+          <p:cNvSpPr/>
+          <p:nvPr/>
+        </p:nvSpPr>
+        <p:spPr>
+          <a:xfrm>
+            <a:off x="1115567" y="2440602"/>
+            <a:ext cx="4685465" cy="492443"/>
+          </a:xfrm>
+          <a:prstGeom prst="rect">
+            <a:avLst/>
+          </a:prstGeom>
+          <a:solidFill>
+            <a:srgbClr val="00B0F0"/>
+          </a:solidFill>
+          <a:ln w="0">
+            <a:noFill/>
+          </a:ln>
+        </p:spPr>
+        <p:style>
+          <a:lnRef idx="0">
+            <a:scrgbClr r="0" g="0" b="0"/>
+          </a:lnRef>
+          <a:fillRef idx="0">
+            <a:scrgbClr r="0" g="0" b="0"/>
+          </a:fillRef>
+          <a:effectRef idx="0">
+            <a:scrgbClr r="0" g="0" b="0"/>
+          </a:effectRef>
+          <a:fontRef idx="minor"/>
+        </p:style>
+        <p:txBody>
+          <a:bodyPr wrap="square" tIns="91440" bIns="91440">
+            <a:spAutoFit/>
+          </a:bodyPr>
+          <a:lstStyle/>
+          <a:p>
+            <a:pPr algn="ctr">
+              <a:lnSpc>
+                <a:spcPct val="100000"/>
+              </a:lnSpc>
+              <a:tabLst>
+                <a:tab pos="0" algn="l"/>
+              </a:tabLst>
+            </a:pPr>
+            <a:r>
+              <a:rPr lang="fr-FR" sz="2000" b="1" strike="noStrike" spc="-1" dirty="0">
+                <a:solidFill>
+                  <a:schemeClr val="bg1"/>
+                </a:solidFill>
+                <a:latin typeface="Trebuchet MS"/>
+                <a:ea typeface="Trebuchet MS"/>
+              </a:rPr>
+              <a:t>(B) Etude fréquentielle d’un système </a:t>
+            </a:r>
+            <a:endParaRPr lang="fr-FR" sz="2000" b="0" strike="noStrike" spc="-1" dirty="0">
+              <a:solidFill>
+                <a:schemeClr val="bg1"/>
+              </a:solidFill>
+              <a:latin typeface="Arial"/>
+            </a:endParaRPr>
+          </a:p>
+        </p:txBody>
+      </p:sp>
+      <p:sp>
+        <p:nvSpPr>
+          <p:cNvPr id="13" name="ZoneTexte 12">
+            <a:extLst>
+              <a:ext uri="{FF2B5EF4-FFF2-40B4-BE49-F238E27FC236}">
+                <a16:creationId xmlns:a16="http://schemas.microsoft.com/office/drawing/2014/main" id="{E92A1B81-3646-4206-FAD0-F1E1E3655173}"/>
+              </a:ext>
+            </a:extLst>
+          </p:cNvPr>
+          <p:cNvSpPr txBox="1"/>
+          <p:nvPr/>
+        </p:nvSpPr>
+        <p:spPr>
+          <a:xfrm>
+            <a:off x="1115567" y="3168720"/>
+            <a:ext cx="4529185" cy="2308324"/>
+          </a:xfrm>
+          <a:prstGeom prst="rect">
+            <a:avLst/>
+          </a:prstGeom>
+          <a:noFill/>
+        </p:spPr>
+        <p:txBody>
+          <a:bodyPr wrap="square">
+            <a:spAutoFit/>
+          </a:bodyPr>
+          <a:lstStyle/>
+          <a:p>
+            <a:r>
+              <a:rPr lang="fr-FR" sz="1600" dirty="0">
+                <a:highlight>
+                  <a:srgbClr val="00FFFF"/>
+                </a:highlight>
+              </a:rPr>
+              <a:t>ASPECT </a:t>
+            </a:r>
+            <a:r>
+              <a:rPr lang="fr-FR" sz="1600" b="1" dirty="0">
+                <a:highlight>
+                  <a:srgbClr val="00FFFF"/>
+                </a:highlight>
+              </a:rPr>
+              <a:t>INSTRUMENTATION</a:t>
+            </a:r>
+          </a:p>
+          <a:p>
+            <a:endParaRPr lang="fr-FR" sz="1600" dirty="0"/>
+          </a:p>
+          <a:p>
+            <a:pPr marL="285750" indent="-285750">
+              <a:buFont typeface="Arial" panose="020B0604020202020204" pitchFamily="34" charset="0"/>
+              <a:buChar char="•"/>
+            </a:pPr>
+            <a:r>
+              <a:rPr lang="fr-FR" sz="1600" b="1" dirty="0"/>
+              <a:t>Utiliser des instruments de mesure pertinents</a:t>
+            </a:r>
+            <a:r>
+              <a:rPr lang="fr-FR" sz="1600" dirty="0"/>
+              <a:t> et les </a:t>
+            </a:r>
+            <a:r>
+              <a:rPr lang="fr-FR" sz="1600" b="1" dirty="0"/>
+              <a:t>câbler</a:t>
+            </a:r>
+            <a:r>
+              <a:rPr lang="fr-FR" sz="1600" dirty="0"/>
+              <a:t> correctement</a:t>
+            </a:r>
+          </a:p>
+          <a:p>
+            <a:pPr marL="285750" indent="-285750">
+              <a:buFont typeface="Arial" panose="020B0604020202020204" pitchFamily="34" charset="0"/>
+              <a:buChar char="•"/>
+            </a:pPr>
+            <a:r>
+              <a:rPr lang="fr-FR" sz="1600" b="1" dirty="0"/>
+              <a:t>Paramétrer correctement les appareils de mesure</a:t>
+            </a:r>
+            <a:r>
+              <a:rPr lang="fr-FR" sz="1600" dirty="0"/>
+              <a:t> en prenant en considération les </a:t>
+            </a:r>
+            <a:r>
+              <a:rPr lang="fr-FR" sz="1600" b="1" dirty="0"/>
+              <a:t>limites des composants</a:t>
+            </a:r>
+            <a:r>
+              <a:rPr lang="fr-FR" sz="1600" dirty="0"/>
+              <a:t> à analyser</a:t>
+            </a:r>
+          </a:p>
+          <a:p>
+            <a:pPr marL="285750" indent="-285750">
+              <a:buFont typeface="Arial" panose="020B0604020202020204" pitchFamily="34" charset="0"/>
+              <a:buChar char="•"/>
+            </a:pPr>
+            <a:r>
+              <a:rPr lang="fr-FR" sz="1600" dirty="0"/>
+              <a:t>Valider le fonctionnement linéaire du système</a:t>
+            </a:r>
+          </a:p>
+        </p:txBody>
+      </p:sp>
+    </p:spTree>
+    <p:extLst>
+      <p:ext uri="{BB962C8B-B14F-4D97-AF65-F5344CB8AC3E}">
+        <p14:creationId xmlns:p14="http://schemas.microsoft.com/office/powerpoint/2010/main" val="6443434"/>
+      </p:ext>
+    </p:extLst>
+  </p:cSld>
+  <p:clrMapOvr>
+    <a:masterClrMapping/>
+  </p:clrMapOvr>
+</p:sld>
+</file>
+
+<file path=ppt/slides/slide2.xml><?xml version="1.0" encoding="utf-8"?>
+<p:sld xmlns:a="http://schemas.openxmlformats.org/drawingml/2006/main" xmlns:r="http://schemas.openxmlformats.org/officeDocument/2006/relationships" xmlns:p="http://schemas.openxmlformats.org/presentationml/2006/main">
+  <p:cSld>
+    <p:spTree>
+      <p:nvGrpSpPr>
+        <p:cNvPr id="1" name=""/>
+        <p:cNvGrpSpPr/>
+        <p:nvPr/>
+      </p:nvGrpSpPr>
+      <p:grpSpPr>
+        <a:xfrm>
+          <a:off x="0" y="0"/>
+          <a:ext cx="0" cy="0"/>
+          <a:chOff x="0" y="0"/>
+          <a:chExt cx="0" cy="0"/>
+        </a:xfrm>
+      </p:grpSpPr>
+      <p:sp>
+        <p:nvSpPr>
+          <p:cNvPr id="2" name="Titre 1">
+            <a:extLst>
+              <a:ext uri="{FF2B5EF4-FFF2-40B4-BE49-F238E27FC236}">
+                <a16:creationId xmlns:a16="http://schemas.microsoft.com/office/drawing/2014/main" id="{90162AE8-C1B0-5C56-8313-DEE494F38273}"/>
+              </a:ext>
+            </a:extLst>
+          </p:cNvPr>
+          <p:cNvSpPr>
+            <a:spLocks noGrp="1"/>
+          </p:cNvSpPr>
+          <p:nvPr>
+            <p:ph type="title"/>
+          </p:nvPr>
+        </p:nvSpPr>
+        <p:spPr/>
+        <p:txBody>
+          <a:bodyPr/>
+          <a:lstStyle/>
+          <a:p>
+            <a:r>
+              <a:rPr lang="fr-FR" dirty="0"/>
+              <a:t>Informations</a:t>
+            </a:r>
+          </a:p>
+        </p:txBody>
+      </p:sp>
+      <p:sp>
+        <p:nvSpPr>
+          <p:cNvPr id="3" name="Espace réservé du contenu 2">
+            <a:extLst>
+              <a:ext uri="{FF2B5EF4-FFF2-40B4-BE49-F238E27FC236}">
+                <a16:creationId xmlns:a16="http://schemas.microsoft.com/office/drawing/2014/main" id="{E0BBB9DE-019C-C741-F224-494739D4B752}"/>
+              </a:ext>
+            </a:extLst>
+          </p:cNvPr>
+          <p:cNvSpPr>
+            <a:spLocks noGrp="1"/>
+          </p:cNvSpPr>
+          <p:nvPr>
+            <p:ph sz="half" idx="1"/>
+          </p:nvPr>
+        </p:nvSpPr>
+        <p:spPr>
+          <a:xfrm>
+            <a:off x="1115568" y="2478024"/>
+            <a:ext cx="2813995" cy="3694176"/>
+          </a:xfrm>
+        </p:spPr>
+        <p:txBody>
+          <a:bodyPr>
+            <a:normAutofit/>
+          </a:bodyPr>
+          <a:lstStyle/>
+          <a:p>
+            <a:r>
+              <a:rPr lang="fr-FR" sz="2000" dirty="0"/>
+              <a:t>Données</a:t>
+            </a:r>
+          </a:p>
+          <a:p>
+            <a:pPr lvl="1"/>
+            <a:r>
+              <a:rPr lang="fr-FR" sz="1800" dirty="0"/>
+              <a:t>Images</a:t>
+            </a:r>
+          </a:p>
+          <a:p>
+            <a:pPr lvl="1"/>
+            <a:r>
+              <a:rPr lang="fr-FR" sz="1800" dirty="0"/>
+              <a:t>Sons</a:t>
+            </a:r>
+          </a:p>
+          <a:p>
+            <a:pPr lvl="1"/>
+            <a:r>
+              <a:rPr lang="fr-FR" sz="1800" dirty="0"/>
+              <a:t>Grandeurs</a:t>
+            </a:r>
+            <a:br>
+              <a:rPr lang="fr-FR" sz="1800" dirty="0"/>
+            </a:br>
+            <a:r>
+              <a:rPr lang="fr-FR" sz="1800" dirty="0"/>
+              <a:t>physiques</a:t>
+            </a:r>
+          </a:p>
+          <a:p>
+            <a:pPr lvl="1"/>
+            <a:r>
+              <a:rPr lang="fr-FR" sz="1800" dirty="0"/>
+              <a:t>Textes</a:t>
+            </a:r>
+          </a:p>
+          <a:p>
+            <a:pPr lvl="1"/>
+            <a:endParaRPr lang="fr-FR" sz="1800" dirty="0"/>
           </a:p>
         </p:txBody>
       </p:sp>
@@ -8529,13 +12928,7 @@
       </p:pic>
       <p:pic>
         <p:nvPicPr>
-          <p:cNvPr id="2050" name="Picture 2" descr="Résultat de recherche d'images pour &quot;github logo&quot;">
-            <a:extLst>
-              <a:ext uri="{FF2B5EF4-FFF2-40B4-BE49-F238E27FC236}">
-                <a16:creationId xmlns:a16="http://schemas.microsoft.com/office/drawing/2014/main" id="{EF17F59B-3DC2-541B-6AF7-484C8DC259FE}"/>
-              </a:ext>
-            </a:extLst>
-          </p:cNvPr>
+          <p:cNvPr id="2050" name="Picture 2" descr="Diagramme de cas d'utilisation de l'internet des objets"/>
           <p:cNvPicPr>
             <a:picLocks noChangeAspect="1" noChangeArrowheads="1"/>
           </p:cNvPicPr>
@@ -8556,8 +12949,8 @@
         </p:blipFill>
         <p:spPr bwMode="auto">
           <a:xfrm>
-            <a:off x="8043992" y="4394559"/>
-            <a:ext cx="2276475" cy="1266825"/>
+            <a:off x="3929563" y="2105053"/>
+            <a:ext cx="7837576" cy="4408636"/>
           </a:xfrm>
           <a:prstGeom prst="rect">
             <a:avLst/>
@@ -8574,46 +12967,45 @@
           </a:extLst>
         </p:spPr>
       </p:pic>
-      <p:pic>
-        <p:nvPicPr>
-          <p:cNvPr id="7" name="Image 6" descr="Une image contenant texte&#10;&#10;Description générée automatiquement">
-            <a:extLst>
-              <a:ext uri="{FF2B5EF4-FFF2-40B4-BE49-F238E27FC236}">
-                <a16:creationId xmlns:a16="http://schemas.microsoft.com/office/drawing/2014/main" id="{43D1A380-037F-8C39-E9BA-1EC6DD103F1D}"/>
-              </a:ext>
-            </a:extLst>
-          </p:cNvPr>
-          <p:cNvPicPr>
-            <a:picLocks noChangeAspect="1"/>
-          </p:cNvPicPr>
+      <p:sp>
+        <p:nvSpPr>
+          <p:cNvPr id="10" name="ZoneTexte 9"/>
+          <p:cNvSpPr txBox="1"/>
           <p:nvPr/>
-        </p:nvPicPr>
-        <p:blipFill>
-          <a:blip r:embed="rId5">
-            <a:extLst>
-              <a:ext uri="{28A0092B-C50C-407E-A947-70E740481C1C}">
-                <a14:useLocalDpi xmlns:a14="http://schemas.microsoft.com/office/drawing/2010/main" val="0"/>
-              </a:ext>
-            </a:extLst>
-          </a:blip>
-          <a:stretch>
-            <a:fillRect/>
-          </a:stretch>
-        </p:blipFill>
-        <p:spPr>
-          <a:xfrm>
-            <a:off x="7829718" y="2871018"/>
-            <a:ext cx="2716639" cy="1115963"/>
+        </p:nvSpPr>
+        <p:spPr>
+          <a:xfrm>
+            <a:off x="6993075" y="6513689"/>
+            <a:ext cx="4774064" cy="261610"/>
           </a:xfrm>
           <a:prstGeom prst="rect">
             <a:avLst/>
           </a:prstGeom>
-        </p:spPr>
-      </p:pic>
+          <a:noFill/>
+        </p:spPr>
+        <p:txBody>
+          <a:bodyPr wrap="none" rtlCol="0">
+            <a:spAutoFit/>
+          </a:bodyPr>
+          <a:lstStyle/>
+          <a:p>
+            <a:r>
+              <a:rPr lang="fr-FR" sz="1100" dirty="0">
+                <a:solidFill>
+                  <a:schemeClr val="bg1">
+                    <a:lumMod val="50000"/>
+                  </a:schemeClr>
+                </a:solidFill>
+              </a:rPr>
+              <a:t>https://www.tibco.com/fr/reference-center/what-is-the-internet-of-things-iot</a:t>
+            </a:r>
+          </a:p>
+        </p:txBody>
+      </p:sp>
     </p:spTree>
     <p:extLst>
       <p:ext uri="{BB962C8B-B14F-4D97-AF65-F5344CB8AC3E}">
-        <p14:creationId xmlns:p14="http://schemas.microsoft.com/office/powerpoint/2010/main" val="3012627825"/>
+        <p14:creationId xmlns:p14="http://schemas.microsoft.com/office/powerpoint/2010/main" val="3231121590"/>
       </p:ext>
     </p:extLst>
   </p:cSld>
@@ -8623,7 +13015,906 @@
 </p:sld>
 </file>
 
-<file path=ppt/slides/slide15.xml><?xml version="1.0" encoding="utf-8"?>
+<file path=ppt/slides/slide20.xml><?xml version="1.0" encoding="utf-8"?>
+<p:sld xmlns:a="http://schemas.openxmlformats.org/drawingml/2006/main" xmlns:r="http://schemas.openxmlformats.org/officeDocument/2006/relationships" xmlns:p="http://schemas.openxmlformats.org/presentationml/2006/main">
+  <p:cSld>
+    <p:spTree>
+      <p:nvGrpSpPr>
+        <p:cNvPr id="1" name=""/>
+        <p:cNvGrpSpPr/>
+        <p:nvPr/>
+      </p:nvGrpSpPr>
+      <p:grpSpPr>
+        <a:xfrm>
+          <a:off x="0" y="0"/>
+          <a:ext cx="0" cy="0"/>
+          <a:chOff x="0" y="0"/>
+          <a:chExt cx="0" cy="0"/>
+        </a:xfrm>
+      </p:grpSpPr>
+      <p:sp>
+        <p:nvSpPr>
+          <p:cNvPr id="2" name="Titre 1">
+            <a:extLst>
+              <a:ext uri="{FF2B5EF4-FFF2-40B4-BE49-F238E27FC236}">
+                <a16:creationId xmlns:a16="http://schemas.microsoft.com/office/drawing/2014/main" id="{90162AE8-C1B0-5C56-8313-DEE494F38273}"/>
+              </a:ext>
+            </a:extLst>
+          </p:cNvPr>
+          <p:cNvSpPr>
+            <a:spLocks noGrp="1"/>
+          </p:cNvSpPr>
+          <p:nvPr>
+            <p:ph type="title"/>
+          </p:nvPr>
+        </p:nvSpPr>
+        <p:spPr/>
+        <p:txBody>
+          <a:bodyPr/>
+          <a:lstStyle/>
+          <a:p>
+            <a:r>
+              <a:rPr lang="fr-FR" dirty="0" err="1"/>
+              <a:t>CéTI</a:t>
+            </a:r>
+            <a:r>
+              <a:rPr lang="fr-FR" dirty="0"/>
+              <a:t> / TP / Evaluations</a:t>
+            </a:r>
+          </a:p>
+        </p:txBody>
+      </p:sp>
+      <p:pic>
+        <p:nvPicPr>
+          <p:cNvPr id="5" name="Image 4" descr="Une image contenant texte&#10;&#10;Description générée automatiquement">
+            <a:extLst>
+              <a:ext uri="{FF2B5EF4-FFF2-40B4-BE49-F238E27FC236}">
+                <a16:creationId xmlns:a16="http://schemas.microsoft.com/office/drawing/2014/main" id="{204ADC40-1D61-539F-22ED-6B21D67FBDE6}"/>
+              </a:ext>
+            </a:extLst>
+          </p:cNvPr>
+          <p:cNvPicPr>
+            <a:picLocks noChangeAspect="1"/>
+          </p:cNvPicPr>
+          <p:nvPr/>
+        </p:nvPicPr>
+        <p:blipFill>
+          <a:blip r:embed="rId2" cstate="print">
+            <a:extLst>
+              <a:ext uri="{28A0092B-C50C-407E-A947-70E740481C1C}">
+                <a14:useLocalDpi xmlns:a14="http://schemas.microsoft.com/office/drawing/2010/main" val="0"/>
+              </a:ext>
+            </a:extLst>
+          </a:blip>
+          <a:stretch>
+            <a:fillRect/>
+          </a:stretch>
+        </p:blipFill>
+        <p:spPr>
+          <a:xfrm>
+            <a:off x="202922" y="5934456"/>
+            <a:ext cx="1825291" cy="749808"/>
+          </a:xfrm>
+          <a:prstGeom prst="rect">
+            <a:avLst/>
+          </a:prstGeom>
+        </p:spPr>
+      </p:pic>
+      <p:sp>
+        <p:nvSpPr>
+          <p:cNvPr id="21" name="CustomShape 3">
+            <a:extLst>
+              <a:ext uri="{FF2B5EF4-FFF2-40B4-BE49-F238E27FC236}">
+                <a16:creationId xmlns:a16="http://schemas.microsoft.com/office/drawing/2014/main" id="{C4F009B7-348E-6E4E-D3E6-A48A8134EA26}"/>
+              </a:ext>
+            </a:extLst>
+          </p:cNvPr>
+          <p:cNvSpPr/>
+          <p:nvPr/>
+        </p:nvSpPr>
+        <p:spPr>
+          <a:xfrm>
+            <a:off x="3785606" y="5749790"/>
+            <a:ext cx="1887607" cy="369332"/>
+          </a:xfrm>
+          <a:prstGeom prst="rect">
+            <a:avLst/>
+          </a:prstGeom>
+          <a:solidFill>
+            <a:schemeClr val="accent1"/>
+          </a:solidFill>
+          <a:ln w="0">
+            <a:noFill/>
+          </a:ln>
+        </p:spPr>
+        <p:style>
+          <a:lnRef idx="0">
+            <a:scrgbClr r="0" g="0" b="0"/>
+          </a:lnRef>
+          <a:fillRef idx="0">
+            <a:scrgbClr r="0" g="0" b="0"/>
+          </a:fillRef>
+          <a:effectRef idx="0">
+            <a:scrgbClr r="0" g="0" b="0"/>
+          </a:effectRef>
+          <a:fontRef idx="minor"/>
+        </p:style>
+        <p:txBody>
+          <a:bodyPr wrap="square" tIns="91440" bIns="91440">
+            <a:spAutoFit/>
+          </a:bodyPr>
+          <a:lstStyle/>
+          <a:p>
+            <a:pPr algn="ctr">
+              <a:lnSpc>
+                <a:spcPct val="100000"/>
+              </a:lnSpc>
+              <a:tabLst>
+                <a:tab pos="0" algn="l"/>
+              </a:tabLst>
+            </a:pPr>
+            <a:r>
+              <a:rPr lang="fr-FR" sz="1200" b="1" strike="noStrike" spc="-1" dirty="0">
+                <a:solidFill>
+                  <a:schemeClr val="bg1"/>
+                </a:solidFill>
+                <a:latin typeface="Trebuchet MS"/>
+                <a:ea typeface="Trebuchet MS"/>
+              </a:rPr>
+              <a:t>(1) </a:t>
+            </a:r>
+            <a:r>
+              <a:rPr lang="fr-FR" sz="1200" b="1" strike="noStrike" spc="-1" dirty="0" err="1">
+                <a:solidFill>
+                  <a:schemeClr val="bg1"/>
+                </a:solidFill>
+                <a:latin typeface="Trebuchet MS"/>
+                <a:ea typeface="Trebuchet MS"/>
+              </a:rPr>
+              <a:t>Photodétection</a:t>
+            </a:r>
+            <a:endParaRPr lang="fr-FR" sz="1200" b="0" strike="noStrike" spc="-1" dirty="0">
+              <a:solidFill>
+                <a:schemeClr val="bg1"/>
+              </a:solidFill>
+              <a:latin typeface="Arial"/>
+            </a:endParaRPr>
+          </a:p>
+        </p:txBody>
+      </p:sp>
+      <p:sp>
+        <p:nvSpPr>
+          <p:cNvPr id="23" name="CustomShape 3">
+            <a:extLst>
+              <a:ext uri="{FF2B5EF4-FFF2-40B4-BE49-F238E27FC236}">
+                <a16:creationId xmlns:a16="http://schemas.microsoft.com/office/drawing/2014/main" id="{D07EBB44-0FC5-22B6-B831-C9AE212D70CF}"/>
+              </a:ext>
+            </a:extLst>
+          </p:cNvPr>
+          <p:cNvSpPr/>
+          <p:nvPr/>
+        </p:nvSpPr>
+        <p:spPr>
+          <a:xfrm>
+            <a:off x="3785605" y="6190504"/>
+            <a:ext cx="1887607" cy="369332"/>
+          </a:xfrm>
+          <a:prstGeom prst="rect">
+            <a:avLst/>
+          </a:prstGeom>
+          <a:solidFill>
+            <a:srgbClr val="00B0F0"/>
+          </a:solidFill>
+          <a:ln w="0">
+            <a:noFill/>
+          </a:ln>
+        </p:spPr>
+        <p:style>
+          <a:lnRef idx="0">
+            <a:scrgbClr r="0" g="0" b="0"/>
+          </a:lnRef>
+          <a:fillRef idx="0">
+            <a:scrgbClr r="0" g="0" b="0"/>
+          </a:fillRef>
+          <a:effectRef idx="0">
+            <a:scrgbClr r="0" g="0" b="0"/>
+          </a:effectRef>
+          <a:fontRef idx="minor"/>
+        </p:style>
+        <p:txBody>
+          <a:bodyPr wrap="square" tIns="91440" bIns="91440">
+            <a:spAutoFit/>
+          </a:bodyPr>
+          <a:lstStyle/>
+          <a:p>
+            <a:pPr algn="ctr">
+              <a:lnSpc>
+                <a:spcPct val="100000"/>
+              </a:lnSpc>
+              <a:tabLst>
+                <a:tab pos="0" algn="l"/>
+              </a:tabLst>
+            </a:pPr>
+            <a:r>
+              <a:rPr lang="fr-FR" sz="1200" b="1" strike="noStrike" spc="-1" dirty="0">
+                <a:solidFill>
+                  <a:schemeClr val="bg1"/>
+                </a:solidFill>
+                <a:latin typeface="Trebuchet MS"/>
+                <a:ea typeface="Trebuchet MS"/>
+              </a:rPr>
+              <a:t>(2) Numérique</a:t>
+            </a:r>
+            <a:endParaRPr lang="fr-FR" sz="1200" b="0" strike="noStrike" spc="-1" dirty="0">
+              <a:solidFill>
+                <a:schemeClr val="bg1"/>
+              </a:solidFill>
+              <a:latin typeface="Arial"/>
+            </a:endParaRPr>
+          </a:p>
+        </p:txBody>
+      </p:sp>
+      <p:sp>
+        <p:nvSpPr>
+          <p:cNvPr id="3" name="CustomShape 3">
+            <a:extLst>
+              <a:ext uri="{FF2B5EF4-FFF2-40B4-BE49-F238E27FC236}">
+                <a16:creationId xmlns:a16="http://schemas.microsoft.com/office/drawing/2014/main" id="{3A2757AF-7204-5C84-F3F3-C24EF7A3A399}"/>
+              </a:ext>
+            </a:extLst>
+          </p:cNvPr>
+          <p:cNvSpPr/>
+          <p:nvPr/>
+        </p:nvSpPr>
+        <p:spPr>
+          <a:xfrm>
+            <a:off x="1115567" y="2440602"/>
+            <a:ext cx="4685465" cy="492443"/>
+          </a:xfrm>
+          <a:prstGeom prst="rect">
+            <a:avLst/>
+          </a:prstGeom>
+          <a:solidFill>
+            <a:srgbClr val="00B0F0"/>
+          </a:solidFill>
+          <a:ln w="0">
+            <a:noFill/>
+          </a:ln>
+        </p:spPr>
+        <p:style>
+          <a:lnRef idx="0">
+            <a:scrgbClr r="0" g="0" b="0"/>
+          </a:lnRef>
+          <a:fillRef idx="0">
+            <a:scrgbClr r="0" g="0" b="0"/>
+          </a:fillRef>
+          <a:effectRef idx="0">
+            <a:scrgbClr r="0" g="0" b="0"/>
+          </a:effectRef>
+          <a:fontRef idx="minor"/>
+        </p:style>
+        <p:txBody>
+          <a:bodyPr wrap="square" tIns="91440" bIns="91440">
+            <a:spAutoFit/>
+          </a:bodyPr>
+          <a:lstStyle/>
+          <a:p>
+            <a:pPr algn="ctr">
+              <a:lnSpc>
+                <a:spcPct val="100000"/>
+              </a:lnSpc>
+              <a:tabLst>
+                <a:tab pos="0" algn="l"/>
+              </a:tabLst>
+            </a:pPr>
+            <a:r>
+              <a:rPr lang="fr-FR" sz="2000" b="1" strike="noStrike" spc="-1" dirty="0">
+                <a:solidFill>
+                  <a:schemeClr val="bg1"/>
+                </a:solidFill>
+                <a:latin typeface="Trebuchet MS"/>
+                <a:ea typeface="Trebuchet MS"/>
+              </a:rPr>
+              <a:t>Evaluations</a:t>
+            </a:r>
+            <a:endParaRPr lang="fr-FR" sz="2000" b="0" strike="noStrike" spc="-1" dirty="0">
+              <a:solidFill>
+                <a:schemeClr val="bg1"/>
+              </a:solidFill>
+              <a:latin typeface="Arial"/>
+            </a:endParaRPr>
+          </a:p>
+        </p:txBody>
+      </p:sp>
+      <p:sp>
+        <p:nvSpPr>
+          <p:cNvPr id="4" name="Espace réservé du contenu 2">
+            <a:extLst>
+              <a:ext uri="{FF2B5EF4-FFF2-40B4-BE49-F238E27FC236}">
+                <a16:creationId xmlns:a16="http://schemas.microsoft.com/office/drawing/2014/main" id="{7DB7DACE-1CDC-F9B9-9553-754869EC293A}"/>
+              </a:ext>
+            </a:extLst>
+          </p:cNvPr>
+          <p:cNvSpPr>
+            <a:spLocks noGrp="1"/>
+          </p:cNvSpPr>
+          <p:nvPr>
+            <p:ph sz="half" idx="1"/>
+          </p:nvPr>
+        </p:nvSpPr>
+        <p:spPr>
+          <a:xfrm>
+            <a:off x="1108263" y="3050362"/>
+            <a:ext cx="4685466" cy="3694176"/>
+          </a:xfrm>
+        </p:spPr>
+        <p:txBody>
+          <a:bodyPr>
+            <a:normAutofit/>
+          </a:bodyPr>
+          <a:lstStyle/>
+          <a:p>
+            <a:r>
+              <a:rPr lang="fr-FR" sz="2000" b="1" dirty="0"/>
+              <a:t>Synthèses </a:t>
+            </a:r>
+            <a:r>
+              <a:rPr lang="fr-FR" sz="2000" dirty="0"/>
+              <a:t>(50 %)</a:t>
+            </a:r>
+          </a:p>
+          <a:p>
+            <a:pPr lvl="1"/>
+            <a:r>
+              <a:rPr lang="fr-FR" sz="1800" dirty="0"/>
+              <a:t>Thème 1 : évaluée mais non notée</a:t>
+            </a:r>
+          </a:p>
+          <a:p>
+            <a:pPr lvl="1"/>
+            <a:r>
+              <a:rPr lang="fr-FR" sz="1800" dirty="0"/>
+              <a:t>Thème 2 : évaluée et notée (50%)</a:t>
+            </a:r>
+          </a:p>
+          <a:p>
+            <a:r>
+              <a:rPr lang="fr-FR" sz="2000" b="1" dirty="0"/>
+              <a:t>Examen pratique </a:t>
+            </a:r>
+            <a:r>
+              <a:rPr lang="fr-FR" sz="2000" dirty="0"/>
+              <a:t>(50 %)</a:t>
+            </a:r>
+          </a:p>
+          <a:p>
+            <a:pPr lvl="1"/>
+            <a:r>
+              <a:rPr lang="fr-FR" sz="1800" dirty="0"/>
+              <a:t>Durée : </a:t>
+            </a:r>
+            <a:r>
+              <a:rPr lang="fr-FR" sz="1800" b="1" dirty="0"/>
+              <a:t>1h</a:t>
+            </a:r>
+          </a:p>
+          <a:p>
+            <a:pPr lvl="1"/>
+            <a:r>
+              <a:rPr lang="fr-FR" sz="1800" dirty="0"/>
+              <a:t>Tous les </a:t>
+            </a:r>
+            <a:r>
+              <a:rPr lang="fr-FR" sz="1800" b="1" dirty="0"/>
+              <a:t>documents numériques </a:t>
+            </a:r>
+            <a:r>
+              <a:rPr lang="fr-FR" sz="1800" dirty="0"/>
+              <a:t>autorisés</a:t>
+            </a:r>
+          </a:p>
+          <a:p>
+            <a:endParaRPr lang="fr-FR" sz="1800" dirty="0"/>
+          </a:p>
+        </p:txBody>
+      </p:sp>
+      <p:sp>
+        <p:nvSpPr>
+          <p:cNvPr id="8" name="ZoneTexte 7">
+            <a:extLst>
+              <a:ext uri="{FF2B5EF4-FFF2-40B4-BE49-F238E27FC236}">
+                <a16:creationId xmlns:a16="http://schemas.microsoft.com/office/drawing/2014/main" id="{0F3A1F2E-F441-C31C-7EC1-D6A75227ACF3}"/>
+              </a:ext>
+            </a:extLst>
+          </p:cNvPr>
+          <p:cNvSpPr txBox="1"/>
+          <p:nvPr/>
+        </p:nvSpPr>
+        <p:spPr>
+          <a:xfrm>
+            <a:off x="6928088" y="3422090"/>
+            <a:ext cx="3611221" cy="369332"/>
+          </a:xfrm>
+          <a:prstGeom prst="rect">
+            <a:avLst/>
+          </a:prstGeom>
+          <a:noFill/>
+        </p:spPr>
+        <p:txBody>
+          <a:bodyPr wrap="square">
+            <a:spAutoFit/>
+          </a:bodyPr>
+          <a:lstStyle/>
+          <a:p>
+            <a:r>
+              <a:rPr lang="fr-FR" dirty="0">
+                <a:highlight>
+                  <a:srgbClr val="00FFFF"/>
+                </a:highlight>
+              </a:rPr>
+              <a:t>ASPECT </a:t>
+            </a:r>
+            <a:r>
+              <a:rPr lang="fr-FR" b="1" dirty="0">
+                <a:highlight>
+                  <a:srgbClr val="00FFFF"/>
+                </a:highlight>
+              </a:rPr>
+              <a:t>INSTRUMENTATION</a:t>
+            </a:r>
+            <a:endParaRPr lang="fr-FR" dirty="0">
+              <a:highlight>
+                <a:srgbClr val="00FFFF"/>
+              </a:highlight>
+            </a:endParaRPr>
+          </a:p>
+        </p:txBody>
+      </p:sp>
+      <p:sp>
+        <p:nvSpPr>
+          <p:cNvPr id="9" name="CustomShape 3">
+            <a:extLst>
+              <a:ext uri="{FF2B5EF4-FFF2-40B4-BE49-F238E27FC236}">
+                <a16:creationId xmlns:a16="http://schemas.microsoft.com/office/drawing/2014/main" id="{4BDDD5A9-51DE-277E-D8B4-6E62D0688F1C}"/>
+              </a:ext>
+            </a:extLst>
+          </p:cNvPr>
+          <p:cNvSpPr/>
+          <p:nvPr/>
+        </p:nvSpPr>
+        <p:spPr>
+          <a:xfrm>
+            <a:off x="6401130" y="2440601"/>
+            <a:ext cx="4685465" cy="492443"/>
+          </a:xfrm>
+          <a:prstGeom prst="rect">
+            <a:avLst/>
+          </a:prstGeom>
+          <a:solidFill>
+            <a:srgbClr val="00B0F0"/>
+          </a:solidFill>
+          <a:ln w="0">
+            <a:noFill/>
+          </a:ln>
+        </p:spPr>
+        <p:style>
+          <a:lnRef idx="0">
+            <a:scrgbClr r="0" g="0" b="0"/>
+          </a:lnRef>
+          <a:fillRef idx="0">
+            <a:scrgbClr r="0" g="0" b="0"/>
+          </a:fillRef>
+          <a:effectRef idx="0">
+            <a:scrgbClr r="0" g="0" b="0"/>
+          </a:effectRef>
+          <a:fontRef idx="minor"/>
+        </p:style>
+        <p:txBody>
+          <a:bodyPr wrap="square" tIns="91440" bIns="91440">
+            <a:spAutoFit/>
+          </a:bodyPr>
+          <a:lstStyle/>
+          <a:p>
+            <a:pPr algn="ctr">
+              <a:lnSpc>
+                <a:spcPct val="100000"/>
+              </a:lnSpc>
+              <a:tabLst>
+                <a:tab pos="0" algn="l"/>
+              </a:tabLst>
+            </a:pPr>
+            <a:r>
+              <a:rPr lang="fr-FR" sz="2000" b="1" strike="noStrike" spc="-1" dirty="0">
+                <a:solidFill>
+                  <a:schemeClr val="bg1"/>
+                </a:solidFill>
+                <a:latin typeface="Trebuchet MS"/>
+                <a:ea typeface="Trebuchet MS"/>
+              </a:rPr>
+              <a:t>Evaluatio</a:t>
+            </a:r>
+            <a:r>
+              <a:rPr lang="fr-FR" sz="2000" b="1" spc="-1" dirty="0">
+                <a:solidFill>
+                  <a:schemeClr val="bg1"/>
+                </a:solidFill>
+                <a:latin typeface="Trebuchet MS"/>
+                <a:ea typeface="Trebuchet MS"/>
+              </a:rPr>
+              <a:t>n pratique</a:t>
+            </a:r>
+            <a:endParaRPr lang="fr-FR" sz="2000" b="0" strike="noStrike" spc="-1" dirty="0">
+              <a:solidFill>
+                <a:schemeClr val="bg1"/>
+              </a:solidFill>
+              <a:latin typeface="Arial"/>
+            </a:endParaRPr>
+          </a:p>
+        </p:txBody>
+      </p:sp>
+      <p:sp>
+        <p:nvSpPr>
+          <p:cNvPr id="6" name="ZoneTexte 5">
+            <a:extLst>
+              <a:ext uri="{FF2B5EF4-FFF2-40B4-BE49-F238E27FC236}">
+                <a16:creationId xmlns:a16="http://schemas.microsoft.com/office/drawing/2014/main" id="{5F5CBFC5-B974-1AD1-A1C9-845C2F711D5E}"/>
+              </a:ext>
+            </a:extLst>
+          </p:cNvPr>
+          <p:cNvSpPr txBox="1"/>
+          <p:nvPr/>
+        </p:nvSpPr>
+        <p:spPr>
+          <a:xfrm>
+            <a:off x="6928088" y="4353972"/>
+            <a:ext cx="4355608" cy="369332"/>
+          </a:xfrm>
+          <a:prstGeom prst="rect">
+            <a:avLst/>
+          </a:prstGeom>
+          <a:noFill/>
+        </p:spPr>
+        <p:txBody>
+          <a:bodyPr wrap="square">
+            <a:spAutoFit/>
+          </a:bodyPr>
+          <a:lstStyle/>
+          <a:p>
+            <a:r>
+              <a:rPr lang="fr-FR" dirty="0">
+                <a:highlight>
+                  <a:srgbClr val="00FFFF"/>
+                </a:highlight>
+              </a:rPr>
+              <a:t>ASPECT </a:t>
+            </a:r>
+            <a:r>
+              <a:rPr lang="fr-FR" b="1" dirty="0">
+                <a:highlight>
+                  <a:srgbClr val="00FFFF"/>
+                </a:highlight>
+              </a:rPr>
+              <a:t>INGENIEUR.E PHYSICIEN.NE</a:t>
+            </a:r>
+            <a:endParaRPr lang="fr-FR" dirty="0">
+              <a:highlight>
+                <a:srgbClr val="00FFFF"/>
+              </a:highlight>
+            </a:endParaRPr>
+          </a:p>
+        </p:txBody>
+      </p:sp>
+      <p:sp>
+        <p:nvSpPr>
+          <p:cNvPr id="10" name="ZoneTexte 9">
+            <a:extLst>
+              <a:ext uri="{FF2B5EF4-FFF2-40B4-BE49-F238E27FC236}">
+                <a16:creationId xmlns:a16="http://schemas.microsoft.com/office/drawing/2014/main" id="{00B3FB53-8556-BE15-925F-813B2A0DA05A}"/>
+              </a:ext>
+            </a:extLst>
+          </p:cNvPr>
+          <p:cNvSpPr txBox="1"/>
+          <p:nvPr/>
+        </p:nvSpPr>
+        <p:spPr>
+          <a:xfrm>
+            <a:off x="6928088" y="3886615"/>
+            <a:ext cx="6096000" cy="369332"/>
+          </a:xfrm>
+          <a:prstGeom prst="rect">
+            <a:avLst/>
+          </a:prstGeom>
+          <a:noFill/>
+        </p:spPr>
+        <p:txBody>
+          <a:bodyPr wrap="square">
+            <a:spAutoFit/>
+          </a:bodyPr>
+          <a:lstStyle/>
+          <a:p>
+            <a:r>
+              <a:rPr lang="fr-FR" dirty="0">
+                <a:highlight>
+                  <a:srgbClr val="00FFFF"/>
+                </a:highlight>
+              </a:rPr>
+              <a:t>ASPECT </a:t>
+            </a:r>
+            <a:r>
+              <a:rPr lang="fr-FR" b="1" dirty="0">
+                <a:effectLst/>
+                <a:highlight>
+                  <a:srgbClr val="00FFFF"/>
+                </a:highlight>
+              </a:rPr>
+              <a:t>PROTOCOLE</a:t>
+            </a:r>
+            <a:endParaRPr lang="fr-FR" dirty="0">
+              <a:highlight>
+                <a:srgbClr val="00FFFF"/>
+              </a:highlight>
+            </a:endParaRPr>
+          </a:p>
+        </p:txBody>
+      </p:sp>
+      <p:sp>
+        <p:nvSpPr>
+          <p:cNvPr id="12" name="ZoneTexte 11">
+            <a:extLst>
+              <a:ext uri="{FF2B5EF4-FFF2-40B4-BE49-F238E27FC236}">
+                <a16:creationId xmlns:a16="http://schemas.microsoft.com/office/drawing/2014/main" id="{BB342786-8F97-9FA2-84B9-9198AB29863A}"/>
+              </a:ext>
+            </a:extLst>
+          </p:cNvPr>
+          <p:cNvSpPr txBox="1"/>
+          <p:nvPr/>
+        </p:nvSpPr>
+        <p:spPr>
+          <a:xfrm>
+            <a:off x="6510218" y="2975383"/>
+            <a:ext cx="6513870" cy="369332"/>
+          </a:xfrm>
+          <a:prstGeom prst="rect">
+            <a:avLst/>
+          </a:prstGeom>
+          <a:noFill/>
+        </p:spPr>
+        <p:txBody>
+          <a:bodyPr wrap="square">
+            <a:spAutoFit/>
+          </a:bodyPr>
+          <a:lstStyle/>
+          <a:p>
+            <a:r>
+              <a:rPr lang="fr-FR" sz="1800" b="1" dirty="0"/>
+              <a:t>Selon 3 catégories de critères :</a:t>
+            </a:r>
+            <a:endParaRPr lang="fr-FR" dirty="0"/>
+          </a:p>
+        </p:txBody>
+      </p:sp>
+      <p:sp>
+        <p:nvSpPr>
+          <p:cNvPr id="13" name="ZoneTexte 12">
+            <a:extLst>
+              <a:ext uri="{FF2B5EF4-FFF2-40B4-BE49-F238E27FC236}">
+                <a16:creationId xmlns:a16="http://schemas.microsoft.com/office/drawing/2014/main" id="{A8D62458-BE05-F551-57A3-CB5FA9C437E5}"/>
+              </a:ext>
+            </a:extLst>
+          </p:cNvPr>
+          <p:cNvSpPr txBox="1"/>
+          <p:nvPr/>
+        </p:nvSpPr>
+        <p:spPr>
+          <a:xfrm>
+            <a:off x="6510218" y="5054905"/>
+            <a:ext cx="6513870" cy="369332"/>
+          </a:xfrm>
+          <a:prstGeom prst="rect">
+            <a:avLst/>
+          </a:prstGeom>
+          <a:noFill/>
+        </p:spPr>
+        <p:txBody>
+          <a:bodyPr wrap="square">
+            <a:spAutoFit/>
+          </a:bodyPr>
+          <a:lstStyle/>
+          <a:p>
+            <a:r>
+              <a:rPr lang="fr-FR" sz="1800" b="1" dirty="0"/>
+              <a:t>2 savoir-faire évalués :</a:t>
+            </a:r>
+          </a:p>
+        </p:txBody>
+      </p:sp>
+      <p:sp>
+        <p:nvSpPr>
+          <p:cNvPr id="14" name="ZoneTexte 13">
+            <a:extLst>
+              <a:ext uri="{FF2B5EF4-FFF2-40B4-BE49-F238E27FC236}">
+                <a16:creationId xmlns:a16="http://schemas.microsoft.com/office/drawing/2014/main" id="{E2C0D2DC-CADC-12A0-FC98-284019FE533A}"/>
+              </a:ext>
+            </a:extLst>
+          </p:cNvPr>
+          <p:cNvSpPr txBox="1"/>
+          <p:nvPr/>
+        </p:nvSpPr>
+        <p:spPr>
+          <a:xfrm>
+            <a:off x="6928088" y="5492765"/>
+            <a:ext cx="4355608" cy="646331"/>
+          </a:xfrm>
+          <a:prstGeom prst="rect">
+            <a:avLst/>
+          </a:prstGeom>
+          <a:noFill/>
+        </p:spPr>
+        <p:txBody>
+          <a:bodyPr wrap="square">
+            <a:spAutoFit/>
+          </a:bodyPr>
+          <a:lstStyle/>
+          <a:p>
+            <a:pPr marL="285750" indent="-285750">
+              <a:buFont typeface="Arial" panose="020B0604020202020204" pitchFamily="34" charset="0"/>
+              <a:buChar char="•"/>
+            </a:pPr>
+            <a:r>
+              <a:rPr lang="fr-FR" dirty="0"/>
+              <a:t>(A) Caractérisation d’un dipôle</a:t>
+            </a:r>
+          </a:p>
+          <a:p>
+            <a:pPr marL="285750" indent="-285750">
+              <a:buFont typeface="Arial" panose="020B0604020202020204" pitchFamily="34" charset="0"/>
+              <a:buChar char="•"/>
+            </a:pPr>
+            <a:r>
+              <a:rPr lang="fr-FR" dirty="0"/>
+              <a:t>(B) Etude fréquentielle d’un système</a:t>
+            </a:r>
+          </a:p>
+        </p:txBody>
+      </p:sp>
+    </p:spTree>
+    <p:extLst>
+      <p:ext uri="{BB962C8B-B14F-4D97-AF65-F5344CB8AC3E}">
+        <p14:creationId xmlns:p14="http://schemas.microsoft.com/office/powerpoint/2010/main" val="3311402438"/>
+      </p:ext>
+    </p:extLst>
+  </p:cSld>
+  <p:clrMapOvr>
+    <a:masterClrMapping/>
+  </p:clrMapOvr>
+</p:sld>
+</file>
+
+<file path=ppt/slides/slide21.xml><?xml version="1.0" encoding="utf-8"?>
+<p:sld xmlns:a="http://schemas.openxmlformats.org/drawingml/2006/main" xmlns:r="http://schemas.openxmlformats.org/officeDocument/2006/relationships" xmlns:p="http://schemas.openxmlformats.org/presentationml/2006/main">
+  <p:cSld>
+    <p:spTree>
+      <p:nvGrpSpPr>
+        <p:cNvPr id="1" name=""/>
+        <p:cNvGrpSpPr/>
+        <p:nvPr/>
+      </p:nvGrpSpPr>
+      <p:grpSpPr>
+        <a:xfrm>
+          <a:off x="0" y="0"/>
+          <a:ext cx="0" cy="0"/>
+          <a:chOff x="0" y="0"/>
+          <a:chExt cx="0" cy="0"/>
+        </a:xfrm>
+      </p:grpSpPr>
+      <p:sp>
+        <p:nvSpPr>
+          <p:cNvPr id="2" name="Titre 1">
+            <a:extLst>
+              <a:ext uri="{FF2B5EF4-FFF2-40B4-BE49-F238E27FC236}">
+                <a16:creationId xmlns:a16="http://schemas.microsoft.com/office/drawing/2014/main" id="{90162AE8-C1B0-5C56-8313-DEE494F38273}"/>
+              </a:ext>
+            </a:extLst>
+          </p:cNvPr>
+          <p:cNvSpPr>
+            <a:spLocks noGrp="1"/>
+          </p:cNvSpPr>
+          <p:nvPr>
+            <p:ph type="title"/>
+          </p:nvPr>
+        </p:nvSpPr>
+        <p:spPr/>
+        <p:txBody>
+          <a:bodyPr/>
+          <a:lstStyle/>
+          <a:p>
+            <a:r>
+              <a:rPr lang="fr-FR" dirty="0"/>
+              <a:t>Matériel expérimental</a:t>
+            </a:r>
+          </a:p>
+        </p:txBody>
+      </p:sp>
+      <p:sp>
+        <p:nvSpPr>
+          <p:cNvPr id="3" name="Espace réservé du contenu 2">
+            <a:extLst>
+              <a:ext uri="{FF2B5EF4-FFF2-40B4-BE49-F238E27FC236}">
+                <a16:creationId xmlns:a16="http://schemas.microsoft.com/office/drawing/2014/main" id="{E0BBB9DE-019C-C741-F224-494739D4B752}"/>
+              </a:ext>
+            </a:extLst>
+          </p:cNvPr>
+          <p:cNvSpPr>
+            <a:spLocks noGrp="1"/>
+          </p:cNvSpPr>
+          <p:nvPr>
+            <p:ph sz="half" idx="1"/>
+          </p:nvPr>
+        </p:nvSpPr>
+        <p:spPr/>
+        <p:txBody>
+          <a:bodyPr>
+            <a:normAutofit/>
+          </a:bodyPr>
+          <a:lstStyle/>
+          <a:p>
+            <a:r>
+              <a:rPr lang="fr-FR" dirty="0"/>
+              <a:t>To do</a:t>
+            </a:r>
+          </a:p>
+        </p:txBody>
+      </p:sp>
+      <p:pic>
+        <p:nvPicPr>
+          <p:cNvPr id="5" name="Image 4" descr="Une image contenant texte&#10;&#10;Description générée automatiquement">
+            <a:extLst>
+              <a:ext uri="{FF2B5EF4-FFF2-40B4-BE49-F238E27FC236}">
+                <a16:creationId xmlns:a16="http://schemas.microsoft.com/office/drawing/2014/main" id="{204ADC40-1D61-539F-22ED-6B21D67FBDE6}"/>
+              </a:ext>
+            </a:extLst>
+          </p:cNvPr>
+          <p:cNvPicPr>
+            <a:picLocks noChangeAspect="1"/>
+          </p:cNvPicPr>
+          <p:nvPr/>
+        </p:nvPicPr>
+        <p:blipFill>
+          <a:blip r:embed="rId2" cstate="print">
+            <a:extLst>
+              <a:ext uri="{28A0092B-C50C-407E-A947-70E740481C1C}">
+                <a14:useLocalDpi xmlns:a14="http://schemas.microsoft.com/office/drawing/2010/main" val="0"/>
+              </a:ext>
+            </a:extLst>
+          </a:blip>
+          <a:stretch>
+            <a:fillRect/>
+          </a:stretch>
+        </p:blipFill>
+        <p:spPr>
+          <a:xfrm>
+            <a:off x="202922" y="5934456"/>
+            <a:ext cx="1825291" cy="749808"/>
+          </a:xfrm>
+          <a:prstGeom prst="rect">
+            <a:avLst/>
+          </a:prstGeom>
+        </p:spPr>
+      </p:pic>
+    </p:spTree>
+    <p:extLst>
+      <p:ext uri="{BB962C8B-B14F-4D97-AF65-F5344CB8AC3E}">
+        <p14:creationId xmlns:p14="http://schemas.microsoft.com/office/powerpoint/2010/main" val="4154382722"/>
+      </p:ext>
+    </p:extLst>
+  </p:cSld>
+  <p:clrMapOvr>
+    <a:masterClrMapping/>
+  </p:clrMapOvr>
+</p:sld>
+</file>
+
+<file path=ppt/slides/slide22.xml><?xml version="1.0" encoding="utf-8"?>
 <p:sld xmlns:a="http://schemas.openxmlformats.org/drawingml/2006/main" xmlns:r="http://schemas.openxmlformats.org/officeDocument/2006/relationships" xmlns:p="http://schemas.openxmlformats.org/presentationml/2006/main">
   <p:cSld>
     <p:bg>
@@ -8847,10 +14138,16 @@
           <a:lstStyle/>
           <a:p>
             <a:r>
+              <a:rPr lang="fr-FR" sz="4800" dirty="0" err="1">
+                <a:latin typeface="Bahnschrift SemiBold" panose="020B0502040204020203" pitchFamily="34" charset="0"/>
+              </a:rPr>
+              <a:t>CeTI</a:t>
+            </a:r>
+            <a:r>
               <a:rPr lang="fr-FR" sz="4800" dirty="0">
                 <a:latin typeface="Bahnschrift SemiBold" panose="020B0502040204020203" pitchFamily="34" charset="0"/>
               </a:rPr>
-              <a:t>Méthodes de travail</a:t>
+              <a:t> / TD</a:t>
             </a:r>
           </a:p>
         </p:txBody>
@@ -9133,7 +14430,7 @@
     </p:spTree>
     <p:extLst>
       <p:ext uri="{BB962C8B-B14F-4D97-AF65-F5344CB8AC3E}">
-        <p14:creationId xmlns:p14="http://schemas.microsoft.com/office/powerpoint/2010/main" val="2757391437"/>
+        <p14:creationId xmlns:p14="http://schemas.microsoft.com/office/powerpoint/2010/main" val="309191399"/>
       </p:ext>
     </p:extLst>
   </p:cSld>
@@ -9143,7 +14440,7 @@
 </p:sld>
 </file>
 
-<file path=ppt/slides/slide16.xml><?xml version="1.0" encoding="utf-8"?>
+<file path=ppt/slides/slide23.xml><?xml version="1.0" encoding="utf-8"?>
 <p:sld xmlns:a="http://schemas.openxmlformats.org/drawingml/2006/main" xmlns:r="http://schemas.openxmlformats.org/officeDocument/2006/relationships" xmlns:p="http://schemas.openxmlformats.org/presentationml/2006/main">
   <p:cSld>
     <p:spTree>
@@ -9162,42 +14459,6 @@
       </p:grpSpPr>
       <p:sp>
         <p:nvSpPr>
-          <p:cNvPr id="3" name="Espace réservé du contenu 2">
-            <a:extLst>
-              <a:ext uri="{FF2B5EF4-FFF2-40B4-BE49-F238E27FC236}">
-                <a16:creationId xmlns:a16="http://schemas.microsoft.com/office/drawing/2014/main" id="{E0BBB9DE-019C-C741-F224-494739D4B752}"/>
-              </a:ext>
-            </a:extLst>
-          </p:cNvPr>
-          <p:cNvSpPr>
-            <a:spLocks noGrp="1"/>
-          </p:cNvSpPr>
-          <p:nvPr>
-            <p:ph sz="half" idx="1"/>
-          </p:nvPr>
-        </p:nvSpPr>
-        <p:spPr>
-          <a:xfrm>
-            <a:off x="1115568" y="2478024"/>
-            <a:ext cx="10407838" cy="3694176"/>
-          </a:xfrm>
-        </p:spPr>
-        <p:txBody>
-          <a:bodyPr>
-            <a:normAutofit/>
-          </a:bodyPr>
-          <a:lstStyle/>
-          <a:p>
-            <a:r>
-              <a:rPr lang="fr-FR" sz="2400" dirty="0"/>
-              <a:t>To do</a:t>
-            </a:r>
-            <a:endParaRPr lang="fr-FR" dirty="0"/>
-          </a:p>
-        </p:txBody>
-      </p:sp>
-      <p:sp>
-        <p:nvSpPr>
           <p:cNvPr id="2" name="Titre 1">
             <a:extLst>
               <a:ext uri="{FF2B5EF4-FFF2-40B4-BE49-F238E27FC236}">
@@ -9218,8 +14479,12 @@
           <a:lstStyle/>
           <a:p>
             <a:r>
+              <a:rPr lang="fr-FR" dirty="0" err="1"/>
+              <a:t>CéTI</a:t>
+            </a:r>
+            <a:r>
               <a:rPr lang="fr-FR" dirty="0"/>
-              <a:t>Méthode de travail</a:t>
+              <a:t> / TD / Déroulement et Ressources</a:t>
             </a:r>
           </a:p>
         </p:txBody>
@@ -9260,10 +14525,560 @@
           </a:prstGeom>
         </p:spPr>
       </p:pic>
+      <p:sp>
+        <p:nvSpPr>
+          <p:cNvPr id="9" name="CustomShape 3">
+            <a:extLst>
+              <a:ext uri="{FF2B5EF4-FFF2-40B4-BE49-F238E27FC236}">
+                <a16:creationId xmlns:a16="http://schemas.microsoft.com/office/drawing/2014/main" id="{7CD7374B-ED6D-6AF2-BD0B-1717C3940DB9}"/>
+              </a:ext>
+            </a:extLst>
+          </p:cNvPr>
+          <p:cNvSpPr/>
+          <p:nvPr/>
+        </p:nvSpPr>
+        <p:spPr>
+          <a:xfrm>
+            <a:off x="1115567" y="2440602"/>
+            <a:ext cx="4685465" cy="492443"/>
+          </a:xfrm>
+          <a:prstGeom prst="rect">
+            <a:avLst/>
+          </a:prstGeom>
+          <a:solidFill>
+            <a:schemeClr val="tx1">
+              <a:lumMod val="65000"/>
+              <a:lumOff val="35000"/>
+            </a:schemeClr>
+          </a:solidFill>
+          <a:ln w="0">
+            <a:noFill/>
+          </a:ln>
+        </p:spPr>
+        <p:style>
+          <a:lnRef idx="0">
+            <a:scrgbClr r="0" g="0" b="0"/>
+          </a:lnRef>
+          <a:fillRef idx="0">
+            <a:scrgbClr r="0" g="0" b="0"/>
+          </a:fillRef>
+          <a:effectRef idx="0">
+            <a:scrgbClr r="0" g="0" b="0"/>
+          </a:effectRef>
+          <a:fontRef idx="minor"/>
+        </p:style>
+        <p:txBody>
+          <a:bodyPr wrap="square" tIns="91440" bIns="91440">
+            <a:spAutoFit/>
+          </a:bodyPr>
+          <a:lstStyle/>
+          <a:p>
+            <a:pPr algn="ctr">
+              <a:lnSpc>
+                <a:spcPct val="100000"/>
+              </a:lnSpc>
+              <a:tabLst>
+                <a:tab pos="0" algn="l"/>
+              </a:tabLst>
+            </a:pPr>
+            <a:r>
+              <a:rPr lang="fr-FR" sz="2000" b="1" strike="noStrike" spc="-1" dirty="0">
+                <a:solidFill>
+                  <a:schemeClr val="bg1"/>
+                </a:solidFill>
+                <a:latin typeface="Trebuchet MS"/>
+                <a:ea typeface="Trebuchet MS"/>
+              </a:rPr>
+              <a:t>4 blocs de 2 séances de TD</a:t>
+            </a:r>
+            <a:endParaRPr lang="fr-FR" sz="2000" b="0" strike="noStrike" spc="-1" dirty="0">
+              <a:solidFill>
+                <a:schemeClr val="bg1"/>
+              </a:solidFill>
+              <a:latin typeface="Arial"/>
+            </a:endParaRPr>
+          </a:p>
+        </p:txBody>
+      </p:sp>
+      <p:sp>
+        <p:nvSpPr>
+          <p:cNvPr id="12" name="ZoneTexte 11">
+            <a:extLst>
+              <a:ext uri="{FF2B5EF4-FFF2-40B4-BE49-F238E27FC236}">
+                <a16:creationId xmlns:a16="http://schemas.microsoft.com/office/drawing/2014/main" id="{BBED6A26-211D-7C76-4C1A-96E6D0EC3C39}"/>
+              </a:ext>
+            </a:extLst>
+          </p:cNvPr>
+          <p:cNvSpPr txBox="1"/>
+          <p:nvPr/>
+        </p:nvSpPr>
+        <p:spPr>
+          <a:xfrm>
+            <a:off x="1115567" y="2956004"/>
+            <a:ext cx="4688234" cy="584775"/>
+          </a:xfrm>
+          <a:prstGeom prst="rect">
+            <a:avLst/>
+          </a:prstGeom>
+          <a:noFill/>
+        </p:spPr>
+        <p:txBody>
+          <a:bodyPr wrap="square">
+            <a:spAutoFit/>
+          </a:bodyPr>
+          <a:lstStyle/>
+          <a:p>
+            <a:r>
+              <a:rPr lang="fr-FR" sz="1600" dirty="0"/>
+              <a:t>Séance 1 : travail en groupe sur une thématique</a:t>
+            </a:r>
+          </a:p>
+          <a:p>
+            <a:r>
+              <a:rPr lang="fr-FR" sz="1600" dirty="0"/>
+              <a:t>Séance 2 : synthèse / démo</a:t>
+            </a:r>
+          </a:p>
+        </p:txBody>
+      </p:sp>
+      <p:sp>
+        <p:nvSpPr>
+          <p:cNvPr id="4" name="CustomShape 3">
+            <a:extLst>
+              <a:ext uri="{FF2B5EF4-FFF2-40B4-BE49-F238E27FC236}">
+                <a16:creationId xmlns:a16="http://schemas.microsoft.com/office/drawing/2014/main" id="{5563BA39-C17B-A5DE-0920-F612FF2D3D9B}"/>
+              </a:ext>
+            </a:extLst>
+          </p:cNvPr>
+          <p:cNvSpPr/>
+          <p:nvPr/>
+        </p:nvSpPr>
+        <p:spPr>
+          <a:xfrm>
+            <a:off x="2096863" y="3603070"/>
+            <a:ext cx="3348569" cy="492443"/>
+          </a:xfrm>
+          <a:prstGeom prst="rect">
+            <a:avLst/>
+          </a:prstGeom>
+          <a:solidFill>
+            <a:schemeClr val="accent6"/>
+          </a:solidFill>
+          <a:ln w="0">
+            <a:noFill/>
+          </a:ln>
+        </p:spPr>
+        <p:style>
+          <a:lnRef idx="0">
+            <a:scrgbClr r="0" g="0" b="0"/>
+          </a:lnRef>
+          <a:fillRef idx="0">
+            <a:scrgbClr r="0" g="0" b="0"/>
+          </a:fillRef>
+          <a:effectRef idx="0">
+            <a:scrgbClr r="0" g="0" b="0"/>
+          </a:effectRef>
+          <a:fontRef idx="minor"/>
+        </p:style>
+        <p:txBody>
+          <a:bodyPr wrap="square" tIns="91440" bIns="91440">
+            <a:spAutoFit/>
+          </a:bodyPr>
+          <a:lstStyle/>
+          <a:p>
+            <a:pPr algn="ctr">
+              <a:lnSpc>
+                <a:spcPct val="100000"/>
+              </a:lnSpc>
+              <a:tabLst>
+                <a:tab pos="0" algn="l"/>
+              </a:tabLst>
+            </a:pPr>
+            <a:r>
+              <a:rPr lang="fr-FR" sz="2000" b="1" strike="noStrike" spc="-1" dirty="0">
+                <a:solidFill>
+                  <a:schemeClr val="bg1"/>
+                </a:solidFill>
+                <a:latin typeface="Trebuchet MS"/>
+                <a:ea typeface="Trebuchet MS"/>
+              </a:rPr>
+              <a:t>Capteurs et mise en forme</a:t>
+            </a:r>
+            <a:endParaRPr lang="fr-FR" sz="2000" b="0" strike="noStrike" spc="-1" dirty="0">
+              <a:solidFill>
+                <a:schemeClr val="bg1"/>
+              </a:solidFill>
+              <a:latin typeface="Arial"/>
+            </a:endParaRPr>
+          </a:p>
+        </p:txBody>
+      </p:sp>
+      <p:sp>
+        <p:nvSpPr>
+          <p:cNvPr id="11" name="CustomShape 3">
+            <a:extLst>
+              <a:ext uri="{FF2B5EF4-FFF2-40B4-BE49-F238E27FC236}">
+                <a16:creationId xmlns:a16="http://schemas.microsoft.com/office/drawing/2014/main" id="{B6E8CB13-25D1-089F-7458-FE3DBDBE8A88}"/>
+              </a:ext>
+            </a:extLst>
+          </p:cNvPr>
+          <p:cNvSpPr/>
+          <p:nvPr/>
+        </p:nvSpPr>
+        <p:spPr>
+          <a:xfrm>
+            <a:off x="2096863" y="4250260"/>
+            <a:ext cx="3348569" cy="492443"/>
+          </a:xfrm>
+          <a:prstGeom prst="rect">
+            <a:avLst/>
+          </a:prstGeom>
+          <a:solidFill>
+            <a:schemeClr val="accent3"/>
+          </a:solidFill>
+          <a:ln w="0">
+            <a:noFill/>
+          </a:ln>
+        </p:spPr>
+        <p:style>
+          <a:lnRef idx="0">
+            <a:scrgbClr r="0" g="0" b="0"/>
+          </a:lnRef>
+          <a:fillRef idx="0">
+            <a:scrgbClr r="0" g="0" b="0"/>
+          </a:fillRef>
+          <a:effectRef idx="0">
+            <a:scrgbClr r="0" g="0" b="0"/>
+          </a:effectRef>
+          <a:fontRef idx="minor"/>
+        </p:style>
+        <p:txBody>
+          <a:bodyPr wrap="square" tIns="91440" bIns="91440">
+            <a:spAutoFit/>
+          </a:bodyPr>
+          <a:lstStyle/>
+          <a:p>
+            <a:pPr algn="ctr">
+              <a:lnSpc>
+                <a:spcPct val="100000"/>
+              </a:lnSpc>
+              <a:tabLst>
+                <a:tab pos="0" algn="l"/>
+              </a:tabLst>
+            </a:pPr>
+            <a:r>
+              <a:rPr lang="fr-FR" sz="2000" b="1" strike="noStrike" spc="-1" dirty="0">
+                <a:solidFill>
+                  <a:schemeClr val="bg1"/>
+                </a:solidFill>
+                <a:latin typeface="Trebuchet MS"/>
+                <a:ea typeface="Trebuchet MS"/>
+              </a:rPr>
+              <a:t>Filtrage actif</a:t>
+            </a:r>
+            <a:endParaRPr lang="fr-FR" sz="2000" b="0" strike="noStrike" spc="-1" dirty="0">
+              <a:solidFill>
+                <a:schemeClr val="bg1"/>
+              </a:solidFill>
+              <a:latin typeface="Arial"/>
+            </a:endParaRPr>
+          </a:p>
+        </p:txBody>
+      </p:sp>
+      <p:sp>
+        <p:nvSpPr>
+          <p:cNvPr id="16" name="CustomShape 3">
+            <a:extLst>
+              <a:ext uri="{FF2B5EF4-FFF2-40B4-BE49-F238E27FC236}">
+                <a16:creationId xmlns:a16="http://schemas.microsoft.com/office/drawing/2014/main" id="{9CF8A9CC-D2EB-BDA6-0B03-3F4F465B96F8}"/>
+              </a:ext>
+            </a:extLst>
+          </p:cNvPr>
+          <p:cNvSpPr/>
+          <p:nvPr/>
+        </p:nvSpPr>
+        <p:spPr>
+          <a:xfrm>
+            <a:off x="2096862" y="4897450"/>
+            <a:ext cx="3348569" cy="492443"/>
+          </a:xfrm>
+          <a:prstGeom prst="rect">
+            <a:avLst/>
+          </a:prstGeom>
+          <a:solidFill>
+            <a:schemeClr val="accent1"/>
+          </a:solidFill>
+          <a:ln w="0">
+            <a:noFill/>
+          </a:ln>
+        </p:spPr>
+        <p:style>
+          <a:lnRef idx="0">
+            <a:scrgbClr r="0" g="0" b="0"/>
+          </a:lnRef>
+          <a:fillRef idx="0">
+            <a:scrgbClr r="0" g="0" b="0"/>
+          </a:fillRef>
+          <a:effectRef idx="0">
+            <a:scrgbClr r="0" g="0" b="0"/>
+          </a:effectRef>
+          <a:fontRef idx="minor"/>
+        </p:style>
+        <p:txBody>
+          <a:bodyPr wrap="square" tIns="91440" bIns="91440">
+            <a:spAutoFit/>
+          </a:bodyPr>
+          <a:lstStyle/>
+          <a:p>
+            <a:pPr algn="ctr">
+              <a:lnSpc>
+                <a:spcPct val="100000"/>
+              </a:lnSpc>
+              <a:tabLst>
+                <a:tab pos="0" algn="l"/>
+              </a:tabLst>
+            </a:pPr>
+            <a:r>
+              <a:rPr lang="fr-FR" sz="2000" b="1" strike="noStrike" spc="-1" dirty="0" err="1">
+                <a:solidFill>
+                  <a:schemeClr val="bg1"/>
+                </a:solidFill>
+                <a:latin typeface="Trebuchet MS"/>
+                <a:ea typeface="Trebuchet MS"/>
+              </a:rPr>
+              <a:t>Photodétection</a:t>
+            </a:r>
+            <a:endParaRPr lang="fr-FR" sz="2000" b="0" strike="noStrike" spc="-1" dirty="0">
+              <a:solidFill>
+                <a:schemeClr val="bg1"/>
+              </a:solidFill>
+              <a:latin typeface="Arial"/>
+            </a:endParaRPr>
+          </a:p>
+        </p:txBody>
+      </p:sp>
+      <p:sp>
+        <p:nvSpPr>
+          <p:cNvPr id="17" name="CustomShape 3">
+            <a:extLst>
+              <a:ext uri="{FF2B5EF4-FFF2-40B4-BE49-F238E27FC236}">
+                <a16:creationId xmlns:a16="http://schemas.microsoft.com/office/drawing/2014/main" id="{C2AE561C-1538-4EB9-203C-0BB62E4CC526}"/>
+              </a:ext>
+            </a:extLst>
+          </p:cNvPr>
+          <p:cNvSpPr/>
+          <p:nvPr/>
+        </p:nvSpPr>
+        <p:spPr>
+          <a:xfrm>
+            <a:off x="2096861" y="5544640"/>
+            <a:ext cx="3348569" cy="492443"/>
+          </a:xfrm>
+          <a:prstGeom prst="rect">
+            <a:avLst/>
+          </a:prstGeom>
+          <a:solidFill>
+            <a:schemeClr val="accent2">
+              <a:lumMod val="75000"/>
+            </a:schemeClr>
+          </a:solidFill>
+          <a:ln w="0">
+            <a:noFill/>
+          </a:ln>
+        </p:spPr>
+        <p:style>
+          <a:lnRef idx="0">
+            <a:scrgbClr r="0" g="0" b="0"/>
+          </a:lnRef>
+          <a:fillRef idx="0">
+            <a:scrgbClr r="0" g="0" b="0"/>
+          </a:fillRef>
+          <a:effectRef idx="0">
+            <a:scrgbClr r="0" g="0" b="0"/>
+          </a:effectRef>
+          <a:fontRef idx="minor"/>
+        </p:style>
+        <p:txBody>
+          <a:bodyPr wrap="square" tIns="91440" bIns="91440">
+            <a:spAutoFit/>
+          </a:bodyPr>
+          <a:lstStyle/>
+          <a:p>
+            <a:pPr algn="ctr">
+              <a:lnSpc>
+                <a:spcPct val="100000"/>
+              </a:lnSpc>
+              <a:tabLst>
+                <a:tab pos="0" algn="l"/>
+              </a:tabLst>
+            </a:pPr>
+            <a:r>
+              <a:rPr lang="fr-FR" sz="2000" b="1" strike="noStrike" spc="-1" dirty="0">
+                <a:solidFill>
+                  <a:schemeClr val="bg1"/>
+                </a:solidFill>
+                <a:latin typeface="Trebuchet MS"/>
+                <a:ea typeface="Trebuchet MS"/>
+              </a:rPr>
+              <a:t>Asservissement</a:t>
+            </a:r>
+            <a:endParaRPr lang="fr-FR" sz="2000" b="0" strike="noStrike" spc="-1" dirty="0">
+              <a:solidFill>
+                <a:schemeClr val="bg1"/>
+              </a:solidFill>
+              <a:latin typeface="Arial"/>
+            </a:endParaRPr>
+          </a:p>
+        </p:txBody>
+      </p:sp>
+      <p:sp>
+        <p:nvSpPr>
+          <p:cNvPr id="3" name="CustomShape 3">
+            <a:extLst>
+              <a:ext uri="{FF2B5EF4-FFF2-40B4-BE49-F238E27FC236}">
+                <a16:creationId xmlns:a16="http://schemas.microsoft.com/office/drawing/2014/main" id="{5ECC1FE5-98F6-37A5-267F-B9C366F25D33}"/>
+              </a:ext>
+            </a:extLst>
+          </p:cNvPr>
+          <p:cNvSpPr/>
+          <p:nvPr/>
+        </p:nvSpPr>
+        <p:spPr>
+          <a:xfrm>
+            <a:off x="6390968" y="2440602"/>
+            <a:ext cx="4685465" cy="492443"/>
+          </a:xfrm>
+          <a:prstGeom prst="rect">
+            <a:avLst/>
+          </a:prstGeom>
+          <a:solidFill>
+            <a:srgbClr val="00B0F0"/>
+          </a:solidFill>
+          <a:ln w="0">
+            <a:noFill/>
+          </a:ln>
+        </p:spPr>
+        <p:style>
+          <a:lnRef idx="0">
+            <a:scrgbClr r="0" g="0" b="0"/>
+          </a:lnRef>
+          <a:fillRef idx="0">
+            <a:scrgbClr r="0" g="0" b="0"/>
+          </a:fillRef>
+          <a:effectRef idx="0">
+            <a:scrgbClr r="0" g="0" b="0"/>
+          </a:effectRef>
+          <a:fontRef idx="minor"/>
+        </p:style>
+        <p:txBody>
+          <a:bodyPr wrap="square" tIns="91440" bIns="91440">
+            <a:spAutoFit/>
+          </a:bodyPr>
+          <a:lstStyle/>
+          <a:p>
+            <a:pPr algn="ctr">
+              <a:lnSpc>
+                <a:spcPct val="100000"/>
+              </a:lnSpc>
+              <a:tabLst>
+                <a:tab pos="0" algn="l"/>
+              </a:tabLst>
+            </a:pPr>
+            <a:r>
+              <a:rPr lang="fr-FR" sz="2000" b="1" strike="noStrike" spc="-1" dirty="0">
+                <a:solidFill>
+                  <a:schemeClr val="bg1"/>
+                </a:solidFill>
+                <a:latin typeface="Trebuchet MS"/>
+                <a:ea typeface="Trebuchet MS"/>
+              </a:rPr>
+              <a:t>Ressources</a:t>
+            </a:r>
+          </a:p>
+        </p:txBody>
+      </p:sp>
+      <p:sp>
+        <p:nvSpPr>
+          <p:cNvPr id="6" name="Espace réservé du contenu 2">
+            <a:extLst>
+              <a:ext uri="{FF2B5EF4-FFF2-40B4-BE49-F238E27FC236}">
+                <a16:creationId xmlns:a16="http://schemas.microsoft.com/office/drawing/2014/main" id="{67A75A93-D68D-2AA1-CEAE-F654B587F3A1}"/>
+              </a:ext>
+            </a:extLst>
+          </p:cNvPr>
+          <p:cNvSpPr>
+            <a:spLocks noGrp="1"/>
+          </p:cNvSpPr>
+          <p:nvPr>
+            <p:ph sz="half" idx="1"/>
+          </p:nvPr>
+        </p:nvSpPr>
+        <p:spPr>
+          <a:xfrm>
+            <a:off x="6388202" y="3050362"/>
+            <a:ext cx="4685466" cy="3694176"/>
+          </a:xfrm>
+        </p:spPr>
+        <p:txBody>
+          <a:bodyPr>
+            <a:normAutofit/>
+          </a:bodyPr>
+          <a:lstStyle/>
+          <a:p>
+            <a:r>
+              <a:rPr lang="fr-FR" sz="2000" b="1" dirty="0"/>
+              <a:t>Site du </a:t>
+            </a:r>
+            <a:r>
+              <a:rPr lang="fr-FR" sz="2000" b="1" dirty="0" err="1"/>
+              <a:t>LEnsE</a:t>
+            </a:r>
+            <a:r>
+              <a:rPr lang="fr-FR" sz="2000" b="1" dirty="0"/>
+              <a:t> </a:t>
+            </a:r>
+          </a:p>
+          <a:p>
+            <a:pPr lvl="1"/>
+            <a:r>
+              <a:rPr lang="fr-FR" sz="1800" dirty="0"/>
+              <a:t>Sujets : lense.institutoptique.fr/</a:t>
+            </a:r>
+            <a:r>
+              <a:rPr lang="fr-FR" sz="1800" dirty="0" err="1"/>
+              <a:t>ceti</a:t>
+            </a:r>
+            <a:r>
+              <a:rPr lang="fr-FR" sz="1800" dirty="0"/>
+              <a:t>/</a:t>
+            </a:r>
+          </a:p>
+          <a:p>
+            <a:endParaRPr lang="fr-FR" sz="2000" b="1" dirty="0"/>
+          </a:p>
+          <a:p>
+            <a:r>
+              <a:rPr lang="fr-FR" sz="2000" b="1" dirty="0" err="1"/>
+              <a:t>GitHUB</a:t>
+            </a:r>
+            <a:endParaRPr lang="fr-FR" sz="2000" b="1" dirty="0"/>
+          </a:p>
+          <a:p>
+            <a:pPr lvl="1"/>
+            <a:r>
+              <a:rPr lang="fr-FR" sz="1800" dirty="0">
+                <a:hlinkClick r:id="rId3"/>
+              </a:rPr>
+              <a:t>github.com/IOGS-Digital-Methods</a:t>
+            </a:r>
+            <a:endParaRPr lang="fr-FR" sz="1800" dirty="0"/>
+          </a:p>
+        </p:txBody>
+      </p:sp>
     </p:spTree>
     <p:extLst>
       <p:ext uri="{BB962C8B-B14F-4D97-AF65-F5344CB8AC3E}">
-        <p14:creationId xmlns:p14="http://schemas.microsoft.com/office/powerpoint/2010/main" val="3230963344"/>
+        <p14:creationId xmlns:p14="http://schemas.microsoft.com/office/powerpoint/2010/main" val="3150404089"/>
       </p:ext>
     </p:extLst>
   </p:cSld>
@@ -9273,7 +15088,7 @@
 </p:sld>
 </file>
 
-<file path=ppt/slides/slide2.xml><?xml version="1.0" encoding="utf-8"?>
+<file path=ppt/slides/slide24.xml><?xml version="1.0" encoding="utf-8"?>
 <p:sld xmlns:a="http://schemas.openxmlformats.org/drawingml/2006/main" xmlns:r="http://schemas.openxmlformats.org/officeDocument/2006/relationships" xmlns:p="http://schemas.openxmlformats.org/presentationml/2006/main">
   <p:cSld>
     <p:spTree>
@@ -9312,18 +15127,530 @@
           <a:lstStyle/>
           <a:p>
             <a:r>
+              <a:rPr lang="fr-FR" dirty="0" err="1"/>
+              <a:t>CéTI</a:t>
+            </a:r>
+            <a:r>
               <a:rPr lang="fr-FR" dirty="0"/>
-              <a:t>Informations</a:t>
-            </a:r>
-          </a:p>
-        </p:txBody>
-      </p:sp>
-      <p:sp>
-        <p:nvSpPr>
-          <p:cNvPr id="3" name="Espace réservé du contenu 2">
-            <a:extLst>
-              <a:ext uri="{FF2B5EF4-FFF2-40B4-BE49-F238E27FC236}">
-                <a16:creationId xmlns:a16="http://schemas.microsoft.com/office/drawing/2014/main" id="{E0BBB9DE-019C-C741-F224-494739D4B752}"/>
+              <a:t> / TD / Evaluation</a:t>
+            </a:r>
+          </a:p>
+        </p:txBody>
+      </p:sp>
+      <p:pic>
+        <p:nvPicPr>
+          <p:cNvPr id="5" name="Image 4" descr="Une image contenant texte&#10;&#10;Description générée automatiquement">
+            <a:extLst>
+              <a:ext uri="{FF2B5EF4-FFF2-40B4-BE49-F238E27FC236}">
+                <a16:creationId xmlns:a16="http://schemas.microsoft.com/office/drawing/2014/main" id="{204ADC40-1D61-539F-22ED-6B21D67FBDE6}"/>
+              </a:ext>
+            </a:extLst>
+          </p:cNvPr>
+          <p:cNvPicPr>
+            <a:picLocks noChangeAspect="1"/>
+          </p:cNvPicPr>
+          <p:nvPr/>
+        </p:nvPicPr>
+        <p:blipFill>
+          <a:blip r:embed="rId2" cstate="print">
+            <a:extLst>
+              <a:ext uri="{28A0092B-C50C-407E-A947-70E740481C1C}">
+                <a14:useLocalDpi xmlns:a14="http://schemas.microsoft.com/office/drawing/2010/main" val="0"/>
+              </a:ext>
+            </a:extLst>
+          </a:blip>
+          <a:stretch>
+            <a:fillRect/>
+          </a:stretch>
+        </p:blipFill>
+        <p:spPr>
+          <a:xfrm>
+            <a:off x="202922" y="5934456"/>
+            <a:ext cx="1825291" cy="749808"/>
+          </a:xfrm>
+          <a:prstGeom prst="rect">
+            <a:avLst/>
+          </a:prstGeom>
+        </p:spPr>
+      </p:pic>
+      <p:sp>
+        <p:nvSpPr>
+          <p:cNvPr id="9" name="CustomShape 3">
+            <a:extLst>
+              <a:ext uri="{FF2B5EF4-FFF2-40B4-BE49-F238E27FC236}">
+                <a16:creationId xmlns:a16="http://schemas.microsoft.com/office/drawing/2014/main" id="{7CD7374B-ED6D-6AF2-BD0B-1717C3940DB9}"/>
+              </a:ext>
+            </a:extLst>
+          </p:cNvPr>
+          <p:cNvSpPr/>
+          <p:nvPr/>
+        </p:nvSpPr>
+        <p:spPr>
+          <a:xfrm>
+            <a:off x="1115567" y="2440602"/>
+            <a:ext cx="4685465" cy="492443"/>
+          </a:xfrm>
+          <a:prstGeom prst="rect">
+            <a:avLst/>
+          </a:prstGeom>
+          <a:solidFill>
+            <a:schemeClr val="tx1">
+              <a:lumMod val="65000"/>
+              <a:lumOff val="35000"/>
+            </a:schemeClr>
+          </a:solidFill>
+          <a:ln w="0">
+            <a:noFill/>
+          </a:ln>
+        </p:spPr>
+        <p:style>
+          <a:lnRef idx="0">
+            <a:scrgbClr r="0" g="0" b="0"/>
+          </a:lnRef>
+          <a:fillRef idx="0">
+            <a:scrgbClr r="0" g="0" b="0"/>
+          </a:fillRef>
+          <a:effectRef idx="0">
+            <a:scrgbClr r="0" g="0" b="0"/>
+          </a:effectRef>
+          <a:fontRef idx="minor"/>
+        </p:style>
+        <p:txBody>
+          <a:bodyPr wrap="square" tIns="91440" bIns="91440">
+            <a:spAutoFit/>
+          </a:bodyPr>
+          <a:lstStyle/>
+          <a:p>
+            <a:pPr algn="ctr">
+              <a:lnSpc>
+                <a:spcPct val="100000"/>
+              </a:lnSpc>
+              <a:tabLst>
+                <a:tab pos="0" algn="l"/>
+              </a:tabLst>
+            </a:pPr>
+            <a:r>
+              <a:rPr lang="fr-FR" sz="2000" b="1" strike="noStrike" spc="-1" dirty="0">
+                <a:solidFill>
+                  <a:schemeClr val="bg1"/>
+                </a:solidFill>
+                <a:latin typeface="Trebuchet MS"/>
+                <a:ea typeface="Trebuchet MS"/>
+              </a:rPr>
+              <a:t>4 blocs de 2 séances de TD</a:t>
+            </a:r>
+            <a:endParaRPr lang="fr-FR" sz="2000" b="0" strike="noStrike" spc="-1" dirty="0">
+              <a:solidFill>
+                <a:schemeClr val="bg1"/>
+              </a:solidFill>
+              <a:latin typeface="Arial"/>
+            </a:endParaRPr>
+          </a:p>
+        </p:txBody>
+      </p:sp>
+      <p:sp>
+        <p:nvSpPr>
+          <p:cNvPr id="12" name="ZoneTexte 11">
+            <a:extLst>
+              <a:ext uri="{FF2B5EF4-FFF2-40B4-BE49-F238E27FC236}">
+                <a16:creationId xmlns:a16="http://schemas.microsoft.com/office/drawing/2014/main" id="{BBED6A26-211D-7C76-4C1A-96E6D0EC3C39}"/>
+              </a:ext>
+            </a:extLst>
+          </p:cNvPr>
+          <p:cNvSpPr txBox="1"/>
+          <p:nvPr/>
+        </p:nvSpPr>
+        <p:spPr>
+          <a:xfrm>
+            <a:off x="1115567" y="2956004"/>
+            <a:ext cx="4688234" cy="584775"/>
+          </a:xfrm>
+          <a:prstGeom prst="rect">
+            <a:avLst/>
+          </a:prstGeom>
+          <a:noFill/>
+        </p:spPr>
+        <p:txBody>
+          <a:bodyPr wrap="square">
+            <a:spAutoFit/>
+          </a:bodyPr>
+          <a:lstStyle/>
+          <a:p>
+            <a:r>
+              <a:rPr lang="fr-FR" sz="1600" dirty="0"/>
+              <a:t>Séance 1 : travail en groupe sur une thématique</a:t>
+            </a:r>
+          </a:p>
+          <a:p>
+            <a:r>
+              <a:rPr lang="fr-FR" sz="1600" dirty="0"/>
+              <a:t>Séance 2 : synthèse / démo</a:t>
+            </a:r>
+          </a:p>
+        </p:txBody>
+      </p:sp>
+      <p:sp>
+        <p:nvSpPr>
+          <p:cNvPr id="4" name="CustomShape 3">
+            <a:extLst>
+              <a:ext uri="{FF2B5EF4-FFF2-40B4-BE49-F238E27FC236}">
+                <a16:creationId xmlns:a16="http://schemas.microsoft.com/office/drawing/2014/main" id="{5563BA39-C17B-A5DE-0920-F612FF2D3D9B}"/>
+              </a:ext>
+            </a:extLst>
+          </p:cNvPr>
+          <p:cNvSpPr/>
+          <p:nvPr/>
+        </p:nvSpPr>
+        <p:spPr>
+          <a:xfrm>
+            <a:off x="2096863" y="3603070"/>
+            <a:ext cx="3348569" cy="492443"/>
+          </a:xfrm>
+          <a:prstGeom prst="rect">
+            <a:avLst/>
+          </a:prstGeom>
+          <a:solidFill>
+            <a:schemeClr val="accent6"/>
+          </a:solidFill>
+          <a:ln w="0">
+            <a:noFill/>
+          </a:ln>
+        </p:spPr>
+        <p:style>
+          <a:lnRef idx="0">
+            <a:scrgbClr r="0" g="0" b="0"/>
+          </a:lnRef>
+          <a:fillRef idx="0">
+            <a:scrgbClr r="0" g="0" b="0"/>
+          </a:fillRef>
+          <a:effectRef idx="0">
+            <a:scrgbClr r="0" g="0" b="0"/>
+          </a:effectRef>
+          <a:fontRef idx="minor"/>
+        </p:style>
+        <p:txBody>
+          <a:bodyPr wrap="square" tIns="91440" bIns="91440">
+            <a:spAutoFit/>
+          </a:bodyPr>
+          <a:lstStyle/>
+          <a:p>
+            <a:pPr algn="ctr">
+              <a:lnSpc>
+                <a:spcPct val="100000"/>
+              </a:lnSpc>
+              <a:tabLst>
+                <a:tab pos="0" algn="l"/>
+              </a:tabLst>
+            </a:pPr>
+            <a:r>
+              <a:rPr lang="fr-FR" sz="2000" b="1" strike="noStrike" spc="-1" dirty="0">
+                <a:solidFill>
+                  <a:schemeClr val="bg1"/>
+                </a:solidFill>
+                <a:latin typeface="Trebuchet MS"/>
+                <a:ea typeface="Trebuchet MS"/>
+              </a:rPr>
+              <a:t>Capteurs et mise en forme</a:t>
+            </a:r>
+            <a:endParaRPr lang="fr-FR" sz="2000" b="0" strike="noStrike" spc="-1" dirty="0">
+              <a:solidFill>
+                <a:schemeClr val="bg1"/>
+              </a:solidFill>
+              <a:latin typeface="Arial"/>
+            </a:endParaRPr>
+          </a:p>
+        </p:txBody>
+      </p:sp>
+      <p:sp>
+        <p:nvSpPr>
+          <p:cNvPr id="11" name="CustomShape 3">
+            <a:extLst>
+              <a:ext uri="{FF2B5EF4-FFF2-40B4-BE49-F238E27FC236}">
+                <a16:creationId xmlns:a16="http://schemas.microsoft.com/office/drawing/2014/main" id="{B6E8CB13-25D1-089F-7458-FE3DBDBE8A88}"/>
+              </a:ext>
+            </a:extLst>
+          </p:cNvPr>
+          <p:cNvSpPr/>
+          <p:nvPr/>
+        </p:nvSpPr>
+        <p:spPr>
+          <a:xfrm>
+            <a:off x="2096863" y="4250260"/>
+            <a:ext cx="3348569" cy="492443"/>
+          </a:xfrm>
+          <a:prstGeom prst="rect">
+            <a:avLst/>
+          </a:prstGeom>
+          <a:solidFill>
+            <a:schemeClr val="accent3"/>
+          </a:solidFill>
+          <a:ln w="0">
+            <a:noFill/>
+          </a:ln>
+        </p:spPr>
+        <p:style>
+          <a:lnRef idx="0">
+            <a:scrgbClr r="0" g="0" b="0"/>
+          </a:lnRef>
+          <a:fillRef idx="0">
+            <a:scrgbClr r="0" g="0" b="0"/>
+          </a:fillRef>
+          <a:effectRef idx="0">
+            <a:scrgbClr r="0" g="0" b="0"/>
+          </a:effectRef>
+          <a:fontRef idx="minor"/>
+        </p:style>
+        <p:txBody>
+          <a:bodyPr wrap="square" tIns="91440" bIns="91440">
+            <a:spAutoFit/>
+          </a:bodyPr>
+          <a:lstStyle/>
+          <a:p>
+            <a:pPr algn="ctr">
+              <a:lnSpc>
+                <a:spcPct val="100000"/>
+              </a:lnSpc>
+              <a:tabLst>
+                <a:tab pos="0" algn="l"/>
+              </a:tabLst>
+            </a:pPr>
+            <a:r>
+              <a:rPr lang="fr-FR" sz="2000" b="1" strike="noStrike" spc="-1" dirty="0">
+                <a:solidFill>
+                  <a:schemeClr val="bg1"/>
+                </a:solidFill>
+                <a:latin typeface="Trebuchet MS"/>
+                <a:ea typeface="Trebuchet MS"/>
+              </a:rPr>
+              <a:t>Filtrage actif</a:t>
+            </a:r>
+            <a:endParaRPr lang="fr-FR" sz="2000" b="0" strike="noStrike" spc="-1" dirty="0">
+              <a:solidFill>
+                <a:schemeClr val="bg1"/>
+              </a:solidFill>
+              <a:latin typeface="Arial"/>
+            </a:endParaRPr>
+          </a:p>
+        </p:txBody>
+      </p:sp>
+      <p:sp>
+        <p:nvSpPr>
+          <p:cNvPr id="16" name="CustomShape 3">
+            <a:extLst>
+              <a:ext uri="{FF2B5EF4-FFF2-40B4-BE49-F238E27FC236}">
+                <a16:creationId xmlns:a16="http://schemas.microsoft.com/office/drawing/2014/main" id="{9CF8A9CC-D2EB-BDA6-0B03-3F4F465B96F8}"/>
+              </a:ext>
+            </a:extLst>
+          </p:cNvPr>
+          <p:cNvSpPr/>
+          <p:nvPr/>
+        </p:nvSpPr>
+        <p:spPr>
+          <a:xfrm>
+            <a:off x="2096862" y="4897450"/>
+            <a:ext cx="3348569" cy="492443"/>
+          </a:xfrm>
+          <a:prstGeom prst="rect">
+            <a:avLst/>
+          </a:prstGeom>
+          <a:solidFill>
+            <a:schemeClr val="accent1"/>
+          </a:solidFill>
+          <a:ln w="0">
+            <a:noFill/>
+          </a:ln>
+        </p:spPr>
+        <p:style>
+          <a:lnRef idx="0">
+            <a:scrgbClr r="0" g="0" b="0"/>
+          </a:lnRef>
+          <a:fillRef idx="0">
+            <a:scrgbClr r="0" g="0" b="0"/>
+          </a:fillRef>
+          <a:effectRef idx="0">
+            <a:scrgbClr r="0" g="0" b="0"/>
+          </a:effectRef>
+          <a:fontRef idx="minor"/>
+        </p:style>
+        <p:txBody>
+          <a:bodyPr wrap="square" tIns="91440" bIns="91440">
+            <a:spAutoFit/>
+          </a:bodyPr>
+          <a:lstStyle/>
+          <a:p>
+            <a:pPr algn="ctr">
+              <a:lnSpc>
+                <a:spcPct val="100000"/>
+              </a:lnSpc>
+              <a:tabLst>
+                <a:tab pos="0" algn="l"/>
+              </a:tabLst>
+            </a:pPr>
+            <a:r>
+              <a:rPr lang="fr-FR" sz="2000" b="1" strike="noStrike" spc="-1" dirty="0" err="1">
+                <a:solidFill>
+                  <a:schemeClr val="bg1"/>
+                </a:solidFill>
+                <a:latin typeface="Trebuchet MS"/>
+                <a:ea typeface="Trebuchet MS"/>
+              </a:rPr>
+              <a:t>Photodétection</a:t>
+            </a:r>
+            <a:endParaRPr lang="fr-FR" sz="2000" b="0" strike="noStrike" spc="-1" dirty="0">
+              <a:solidFill>
+                <a:schemeClr val="bg1"/>
+              </a:solidFill>
+              <a:latin typeface="Arial"/>
+            </a:endParaRPr>
+          </a:p>
+        </p:txBody>
+      </p:sp>
+      <p:sp>
+        <p:nvSpPr>
+          <p:cNvPr id="17" name="CustomShape 3">
+            <a:extLst>
+              <a:ext uri="{FF2B5EF4-FFF2-40B4-BE49-F238E27FC236}">
+                <a16:creationId xmlns:a16="http://schemas.microsoft.com/office/drawing/2014/main" id="{C2AE561C-1538-4EB9-203C-0BB62E4CC526}"/>
+              </a:ext>
+            </a:extLst>
+          </p:cNvPr>
+          <p:cNvSpPr/>
+          <p:nvPr/>
+        </p:nvSpPr>
+        <p:spPr>
+          <a:xfrm>
+            <a:off x="2096861" y="5544640"/>
+            <a:ext cx="3348569" cy="492443"/>
+          </a:xfrm>
+          <a:prstGeom prst="rect">
+            <a:avLst/>
+          </a:prstGeom>
+          <a:solidFill>
+            <a:schemeClr val="accent2">
+              <a:lumMod val="75000"/>
+            </a:schemeClr>
+          </a:solidFill>
+          <a:ln w="0">
+            <a:noFill/>
+          </a:ln>
+        </p:spPr>
+        <p:style>
+          <a:lnRef idx="0">
+            <a:scrgbClr r="0" g="0" b="0"/>
+          </a:lnRef>
+          <a:fillRef idx="0">
+            <a:scrgbClr r="0" g="0" b="0"/>
+          </a:fillRef>
+          <a:effectRef idx="0">
+            <a:scrgbClr r="0" g="0" b="0"/>
+          </a:effectRef>
+          <a:fontRef idx="minor"/>
+        </p:style>
+        <p:txBody>
+          <a:bodyPr wrap="square" tIns="91440" bIns="91440">
+            <a:spAutoFit/>
+          </a:bodyPr>
+          <a:lstStyle/>
+          <a:p>
+            <a:pPr algn="ctr">
+              <a:lnSpc>
+                <a:spcPct val="100000"/>
+              </a:lnSpc>
+              <a:tabLst>
+                <a:tab pos="0" algn="l"/>
+              </a:tabLst>
+            </a:pPr>
+            <a:r>
+              <a:rPr lang="fr-FR" sz="2000" b="1" strike="noStrike" spc="-1" dirty="0">
+                <a:solidFill>
+                  <a:schemeClr val="bg1"/>
+                </a:solidFill>
+                <a:latin typeface="Trebuchet MS"/>
+                <a:ea typeface="Trebuchet MS"/>
+              </a:rPr>
+              <a:t>Asservissement</a:t>
+            </a:r>
+            <a:endParaRPr lang="fr-FR" sz="2000" b="0" strike="noStrike" spc="-1" dirty="0">
+              <a:solidFill>
+                <a:schemeClr val="bg1"/>
+              </a:solidFill>
+              <a:latin typeface="Arial"/>
+            </a:endParaRPr>
+          </a:p>
+        </p:txBody>
+      </p:sp>
+      <p:sp>
+        <p:nvSpPr>
+          <p:cNvPr id="3" name="CustomShape 3">
+            <a:extLst>
+              <a:ext uri="{FF2B5EF4-FFF2-40B4-BE49-F238E27FC236}">
+                <a16:creationId xmlns:a16="http://schemas.microsoft.com/office/drawing/2014/main" id="{5ECC1FE5-98F6-37A5-267F-B9C366F25D33}"/>
+              </a:ext>
+            </a:extLst>
+          </p:cNvPr>
+          <p:cNvSpPr/>
+          <p:nvPr/>
+        </p:nvSpPr>
+        <p:spPr>
+          <a:xfrm>
+            <a:off x="6390968" y="2440602"/>
+            <a:ext cx="4685465" cy="492443"/>
+          </a:xfrm>
+          <a:prstGeom prst="rect">
+            <a:avLst/>
+          </a:prstGeom>
+          <a:solidFill>
+            <a:srgbClr val="00B0F0"/>
+          </a:solidFill>
+          <a:ln w="0">
+            <a:noFill/>
+          </a:ln>
+        </p:spPr>
+        <p:style>
+          <a:lnRef idx="0">
+            <a:scrgbClr r="0" g="0" b="0"/>
+          </a:lnRef>
+          <a:fillRef idx="0">
+            <a:scrgbClr r="0" g="0" b="0"/>
+          </a:fillRef>
+          <a:effectRef idx="0">
+            <a:scrgbClr r="0" g="0" b="0"/>
+          </a:effectRef>
+          <a:fontRef idx="minor"/>
+        </p:style>
+        <p:txBody>
+          <a:bodyPr wrap="square" tIns="91440" bIns="91440">
+            <a:spAutoFit/>
+          </a:bodyPr>
+          <a:lstStyle/>
+          <a:p>
+            <a:pPr algn="ctr">
+              <a:lnSpc>
+                <a:spcPct val="100000"/>
+              </a:lnSpc>
+              <a:tabLst>
+                <a:tab pos="0" algn="l"/>
+              </a:tabLst>
+            </a:pPr>
+            <a:r>
+              <a:rPr lang="fr-FR" sz="2000" b="1" strike="noStrike" spc="-1" dirty="0">
+                <a:solidFill>
+                  <a:schemeClr val="bg1"/>
+                </a:solidFill>
+                <a:latin typeface="Trebuchet MS"/>
+                <a:ea typeface="Trebuchet MS"/>
+              </a:rPr>
+              <a:t>Evaluation</a:t>
+            </a:r>
+          </a:p>
+        </p:txBody>
+      </p:sp>
+      <p:sp>
+        <p:nvSpPr>
+          <p:cNvPr id="6" name="Espace réservé du contenu 2">
+            <a:extLst>
+              <a:ext uri="{FF2B5EF4-FFF2-40B4-BE49-F238E27FC236}">
+                <a16:creationId xmlns:a16="http://schemas.microsoft.com/office/drawing/2014/main" id="{67A75A93-D68D-2AA1-CEAE-F654B587F3A1}"/>
               </a:ext>
             </a:extLst>
           </p:cNvPr>
@@ -9336,8 +15663,8 @@
         </p:nvSpPr>
         <p:spPr>
           <a:xfrm>
-            <a:off x="1115568" y="2478024"/>
-            <a:ext cx="2813995" cy="3694176"/>
+            <a:off x="6388202" y="3050362"/>
+            <a:ext cx="4685466" cy="3694176"/>
           </a:xfrm>
         </p:spPr>
         <p:txBody>
@@ -9347,97 +15674,121 @@
           <a:lstStyle/>
           <a:p>
             <a:r>
-              <a:rPr lang="fr-FR" sz="2000" dirty="0"/>
-              <a:t>Données</a:t>
+              <a:rPr lang="fr-FR" sz="2000" b="1" dirty="0"/>
+              <a:t>Examen</a:t>
             </a:r>
           </a:p>
           <a:p>
             <a:pPr lvl="1"/>
             <a:r>
               <a:rPr lang="fr-FR" sz="1800" dirty="0"/>
-              <a:t>Images</a:t>
+              <a:t>Durée : </a:t>
+            </a:r>
+            <a:r>
+              <a:rPr lang="fr-FR" sz="1800" b="1" dirty="0"/>
+              <a:t>3h</a:t>
             </a:r>
           </a:p>
           <a:p>
             <a:pPr lvl="1"/>
             <a:r>
               <a:rPr lang="fr-FR" sz="1800" dirty="0"/>
-              <a:t>Sons</a:t>
-            </a:r>
-          </a:p>
-          <a:p>
-            <a:pPr lvl="1"/>
-            <a:r>
-              <a:rPr lang="fr-FR" sz="1800" dirty="0"/>
-              <a:t>Grandeurs</a:t>
+              <a:t>Couvrant les </a:t>
+            </a:r>
+            <a:r>
+              <a:rPr lang="fr-FR" sz="1800" b="1" dirty="0"/>
+              <a:t>4 thèmes de TD </a:t>
             </a:r>
             <a:br>
               <a:rPr lang="fr-FR" sz="1800" dirty="0"/>
             </a:br>
             <a:r>
+              <a:rPr lang="fr-FR" sz="1800" b="1" dirty="0"/>
+              <a:t>et</a:t>
+            </a:r>
+            <a:r>
               <a:rPr lang="fr-FR" sz="1800" dirty="0"/>
-              <a:t>physiques</a:t>
+              <a:t> les </a:t>
+            </a:r>
+            <a:r>
+              <a:rPr lang="fr-FR" sz="1800" b="1" dirty="0"/>
+              <a:t>2 thèmes centraux de TP</a:t>
             </a:r>
           </a:p>
           <a:p>
             <a:pPr lvl="1"/>
             <a:r>
               <a:rPr lang="fr-FR" sz="1800" dirty="0"/>
-              <a:t>Textes</a:t>
+              <a:t>Aide : Feuille A4 / Recto/Verso</a:t>
             </a:r>
           </a:p>
           <a:p>
             <a:pPr lvl="1"/>
             <a:endParaRPr lang="fr-FR" sz="1800" dirty="0"/>
           </a:p>
-        </p:txBody>
-      </p:sp>
+          <a:p>
+            <a:pPr lvl="1"/>
+            <a:r>
+              <a:rPr lang="fr-FR" sz="1800" dirty="0"/>
+              <a:t>Anciens sujets : lense.institutoptique.fr/</a:t>
+            </a:r>
+            <a:r>
+              <a:rPr lang="fr-FR" sz="1800" dirty="0" err="1"/>
+              <a:t>ceti</a:t>
+            </a:r>
+            <a:r>
+              <a:rPr lang="fr-FR" sz="1800" dirty="0"/>
+              <a:t>/</a:t>
+            </a:r>
+          </a:p>
+        </p:txBody>
+      </p:sp>
+    </p:spTree>
+    <p:extLst>
+      <p:ext uri="{BB962C8B-B14F-4D97-AF65-F5344CB8AC3E}">
+        <p14:creationId xmlns:p14="http://schemas.microsoft.com/office/powerpoint/2010/main" val="3204259336"/>
+      </p:ext>
+    </p:extLst>
+  </p:cSld>
+  <p:clrMapOvr>
+    <a:masterClrMapping/>
+  </p:clrMapOvr>
+</p:sld>
+</file>
+
+<file path=ppt/slides/slide25.xml><?xml version="1.0" encoding="utf-8"?>
+<p:sld xmlns:a="http://schemas.openxmlformats.org/drawingml/2006/main" xmlns:r="http://schemas.openxmlformats.org/officeDocument/2006/relationships" xmlns:p="http://schemas.openxmlformats.org/presentationml/2006/main">
+  <p:cSld>
+    <p:spTree>
+      <p:nvGrpSpPr>
+        <p:cNvPr id="1" name=""/>
+        <p:cNvGrpSpPr/>
+        <p:nvPr/>
+      </p:nvGrpSpPr>
+      <p:grpSpPr>
+        <a:xfrm>
+          <a:off x="0" y="0"/>
+          <a:ext cx="0" cy="0"/>
+          <a:chOff x="0" y="0"/>
+          <a:chExt cx="0" cy="0"/>
+        </a:xfrm>
+      </p:grpSpPr>
       <p:pic>
         <p:nvPicPr>
-          <p:cNvPr id="5" name="Image 4" descr="Une image contenant texte&#10;&#10;Description générée automatiquement">
-            <a:extLst>
-              <a:ext uri="{FF2B5EF4-FFF2-40B4-BE49-F238E27FC236}">
-                <a16:creationId xmlns:a16="http://schemas.microsoft.com/office/drawing/2014/main" id="{204ADC40-1D61-539F-22ED-6B21D67FBDE6}"/>
-              </a:ext>
-            </a:extLst>
-          </p:cNvPr>
-          <p:cNvPicPr>
-            <a:picLocks noChangeAspect="1"/>
-          </p:cNvPicPr>
-          <p:nvPr/>
-        </p:nvPicPr>
-        <p:blipFill>
-          <a:blip r:embed="rId3" cstate="print">
-            <a:extLst>
-              <a:ext uri="{28A0092B-C50C-407E-A947-70E740481C1C}">
-                <a14:useLocalDpi xmlns:a14="http://schemas.microsoft.com/office/drawing/2010/main" val="0"/>
-              </a:ext>
-            </a:extLst>
-          </a:blip>
-          <a:stretch>
-            <a:fillRect/>
-          </a:stretch>
-        </p:blipFill>
-        <p:spPr>
-          <a:xfrm>
-            <a:off x="202922" y="5934456"/>
-            <a:ext cx="1825291" cy="749808"/>
-          </a:xfrm>
-          <a:prstGeom prst="rect">
-            <a:avLst/>
-          </a:prstGeom>
-        </p:spPr>
-      </p:pic>
-      <p:pic>
-        <p:nvPicPr>
-          <p:cNvPr id="2050" name="Picture 2" descr="Diagramme de cas d'utilisation de l'internet des objets"/>
+          <p:cNvPr id="1026" name="Picture 2" descr="Anaconda | Anaconda Distribution">
+            <a:extLst>
+              <a:ext uri="{FF2B5EF4-FFF2-40B4-BE49-F238E27FC236}">
+                <a16:creationId xmlns:a16="http://schemas.microsoft.com/office/drawing/2014/main" id="{9C0B1909-1CB6-7715-8E08-A90D70EDCD52}"/>
+              </a:ext>
+            </a:extLst>
+          </p:cNvPr>
           <p:cNvPicPr>
             <a:picLocks noChangeAspect="1" noChangeArrowheads="1"/>
           </p:cNvPicPr>
           <p:nvPr/>
         </p:nvPicPr>
         <p:blipFill>
-          <a:blip r:embed="rId4">
+          <a:blip r:embed="rId2" cstate="print">
             <a:extLst>
               <a:ext uri="{28A0092B-C50C-407E-A947-70E740481C1C}">
                 <a14:useLocalDpi xmlns:a14="http://schemas.microsoft.com/office/drawing/2010/main" val="0"/>
@@ -9451,8 +15802,8 @@
         </p:blipFill>
         <p:spPr bwMode="auto">
           <a:xfrm>
-            <a:off x="3929563" y="2105053"/>
-            <a:ext cx="7837576" cy="4408636"/>
+            <a:off x="2948032" y="4174578"/>
+            <a:ext cx="2676144" cy="1404975"/>
           </a:xfrm>
           <a:prstGeom prst="rect">
             <a:avLst/>
@@ -9471,43 +15822,385 @@
       </p:pic>
       <p:sp>
         <p:nvSpPr>
-          <p:cNvPr id="10" name="ZoneTexte 9"/>
-          <p:cNvSpPr txBox="1"/>
+          <p:cNvPr id="2" name="Titre 1">
+            <a:extLst>
+              <a:ext uri="{FF2B5EF4-FFF2-40B4-BE49-F238E27FC236}">
+                <a16:creationId xmlns:a16="http://schemas.microsoft.com/office/drawing/2014/main" id="{90162AE8-C1B0-5C56-8313-DEE494F38273}"/>
+              </a:ext>
+            </a:extLst>
+          </p:cNvPr>
+          <p:cNvSpPr>
+            <a:spLocks noGrp="1"/>
+          </p:cNvSpPr>
+          <p:nvPr>
+            <p:ph type="title"/>
+          </p:nvPr>
+        </p:nvSpPr>
+        <p:spPr/>
+        <p:txBody>
+          <a:bodyPr/>
+          <a:lstStyle/>
+          <a:p>
+            <a:r>
+              <a:rPr lang="fr-FR" dirty="0"/>
+              <a:t>Outils numériques</a:t>
+            </a:r>
+          </a:p>
+        </p:txBody>
+      </p:sp>
+      <p:sp>
+        <p:nvSpPr>
+          <p:cNvPr id="3" name="Espace réservé du contenu 2">
+            <a:extLst>
+              <a:ext uri="{FF2B5EF4-FFF2-40B4-BE49-F238E27FC236}">
+                <a16:creationId xmlns:a16="http://schemas.microsoft.com/office/drawing/2014/main" id="{E0BBB9DE-019C-C741-F224-494739D4B752}"/>
+              </a:ext>
+            </a:extLst>
+          </p:cNvPr>
+          <p:cNvSpPr>
+            <a:spLocks noGrp="1"/>
+          </p:cNvSpPr>
+          <p:nvPr>
+            <p:ph sz="half" idx="1"/>
+          </p:nvPr>
+        </p:nvSpPr>
+        <p:spPr/>
+        <p:txBody>
+          <a:bodyPr>
+            <a:normAutofit/>
+          </a:bodyPr>
+          <a:lstStyle/>
+          <a:p>
+            <a:r>
+              <a:rPr lang="fr-FR" dirty="0"/>
+              <a:t>Utilisation de </a:t>
+            </a:r>
+            <a:r>
+              <a:rPr lang="fr-FR" b="1" dirty="0"/>
+              <a:t>Python</a:t>
+            </a:r>
+          </a:p>
+          <a:p>
+            <a:pPr lvl="1"/>
+            <a:r>
+              <a:rPr lang="fr-FR" dirty="0"/>
+              <a:t>Anaconda 3</a:t>
+            </a:r>
+          </a:p>
+          <a:p>
+            <a:pPr lvl="1"/>
+            <a:r>
+              <a:rPr lang="fr-FR" dirty="0"/>
+              <a:t>Python 3.9 (ou supérieur)</a:t>
+            </a:r>
+          </a:p>
+          <a:p>
+            <a:pPr lvl="1"/>
+            <a:r>
+              <a:rPr lang="fr-FR" dirty="0" err="1"/>
+              <a:t>Spyder</a:t>
+            </a:r>
+            <a:r>
+              <a:rPr lang="fr-FR" dirty="0"/>
+              <a:t> 5</a:t>
+            </a:r>
+          </a:p>
+        </p:txBody>
+      </p:sp>
+      <p:sp>
+        <p:nvSpPr>
+          <p:cNvPr id="4" name="Espace réservé du contenu 3">
+            <a:extLst>
+              <a:ext uri="{FF2B5EF4-FFF2-40B4-BE49-F238E27FC236}">
+                <a16:creationId xmlns:a16="http://schemas.microsoft.com/office/drawing/2014/main" id="{933F96BD-2653-AD25-8139-9FF3B2C19755}"/>
+              </a:ext>
+            </a:extLst>
+          </p:cNvPr>
+          <p:cNvSpPr>
+            <a:spLocks noGrp="1"/>
+          </p:cNvSpPr>
+          <p:nvPr>
+            <p:ph sz="half" idx="2"/>
+          </p:nvPr>
+        </p:nvSpPr>
+        <p:spPr/>
+        <p:txBody>
+          <a:bodyPr>
+            <a:normAutofit/>
+          </a:bodyPr>
+          <a:lstStyle/>
+          <a:p>
+            <a:r>
+              <a:rPr lang="fr-FR" dirty="0"/>
+              <a:t>Utilisation de </a:t>
+            </a:r>
+            <a:r>
+              <a:rPr lang="fr-FR" b="1" dirty="0"/>
+              <a:t>Matlab</a:t>
+            </a:r>
+          </a:p>
+          <a:p>
+            <a:pPr lvl="1"/>
+            <a:r>
+              <a:rPr lang="fr-FR" dirty="0"/>
+              <a:t>Simulink pour l’automatique</a:t>
+            </a:r>
+          </a:p>
+          <a:p>
+            <a:pPr lvl="1"/>
+            <a:r>
+              <a:rPr lang="fr-FR" i="1" dirty="0"/>
+              <a:t>Licence académique</a:t>
+            </a:r>
+          </a:p>
+          <a:p>
+            <a:pPr lvl="1"/>
+            <a:endParaRPr lang="fr-FR" i="1" dirty="0"/>
+          </a:p>
+          <a:p>
+            <a:pPr lvl="1"/>
+            <a:endParaRPr lang="fr-FR" i="1" dirty="0"/>
+          </a:p>
+          <a:p>
+            <a:r>
+              <a:rPr lang="fr-FR" dirty="0"/>
+              <a:t>Démos sous </a:t>
+            </a:r>
+            <a:r>
+              <a:rPr lang="fr-FR" b="1" dirty="0"/>
+              <a:t>QUCS</a:t>
+            </a:r>
+          </a:p>
+          <a:p>
+            <a:pPr lvl="1"/>
+            <a:r>
+              <a:rPr lang="fr-FR" dirty="0"/>
+              <a:t>Simulation électronique</a:t>
+            </a:r>
+            <a:endParaRPr lang="fr-FR" i="1" dirty="0"/>
+          </a:p>
+          <a:p>
+            <a:pPr lvl="1"/>
+            <a:endParaRPr lang="fr-FR" i="1" dirty="0"/>
+          </a:p>
+        </p:txBody>
+      </p:sp>
+      <p:pic>
+        <p:nvPicPr>
+          <p:cNvPr id="5" name="Image 4" descr="Une image contenant texte&#10;&#10;Description générée automatiquement">
+            <a:extLst>
+              <a:ext uri="{FF2B5EF4-FFF2-40B4-BE49-F238E27FC236}">
+                <a16:creationId xmlns:a16="http://schemas.microsoft.com/office/drawing/2014/main" id="{204ADC40-1D61-539F-22ED-6B21D67FBDE6}"/>
+              </a:ext>
+            </a:extLst>
+          </p:cNvPr>
+          <p:cNvPicPr>
+            <a:picLocks noChangeAspect="1"/>
+          </p:cNvPicPr>
           <p:nvPr/>
-        </p:nvSpPr>
-        <p:spPr>
-          <a:xfrm>
-            <a:off x="6993075" y="6513689"/>
-            <a:ext cx="4774064" cy="261610"/>
+        </p:nvPicPr>
+        <p:blipFill>
+          <a:blip r:embed="rId3" cstate="print">
+            <a:extLst>
+              <a:ext uri="{28A0092B-C50C-407E-A947-70E740481C1C}">
+                <a14:useLocalDpi xmlns:a14="http://schemas.microsoft.com/office/drawing/2010/main" val="0"/>
+              </a:ext>
+            </a:extLst>
+          </a:blip>
+          <a:stretch>
+            <a:fillRect/>
+          </a:stretch>
+        </p:blipFill>
+        <p:spPr>
+          <a:xfrm>
+            <a:off x="202922" y="5934456"/>
+            <a:ext cx="1825291" cy="749808"/>
+          </a:xfrm>
+          <a:prstGeom prst="rect">
+            <a:avLst/>
+          </a:prstGeom>
+        </p:spPr>
+      </p:pic>
+      <p:pic>
+        <p:nvPicPr>
+          <p:cNvPr id="1028" name="Picture 4" descr="Résultat de recherche d'images pour &quot;python logo&quot;">
+            <a:extLst>
+              <a:ext uri="{FF2B5EF4-FFF2-40B4-BE49-F238E27FC236}">
+                <a16:creationId xmlns:a16="http://schemas.microsoft.com/office/drawing/2014/main" id="{6AACFEBA-EE5D-EEE7-D00C-2240541AF15B}"/>
+              </a:ext>
+            </a:extLst>
+          </p:cNvPr>
+          <p:cNvPicPr>
+            <a:picLocks noChangeAspect="1" noChangeArrowheads="1"/>
+          </p:cNvPicPr>
+          <p:nvPr/>
+        </p:nvPicPr>
+        <p:blipFill>
+          <a:blip r:embed="rId4">
+            <a:extLst>
+              <a:ext uri="{28A0092B-C50C-407E-A947-70E740481C1C}">
+                <a14:useLocalDpi xmlns:a14="http://schemas.microsoft.com/office/drawing/2010/main" val="0"/>
+              </a:ext>
+            </a:extLst>
+          </a:blip>
+          <a:srcRect/>
+          <a:stretch>
+            <a:fillRect/>
+          </a:stretch>
+        </p:blipFill>
+        <p:spPr bwMode="auto">
+          <a:xfrm>
+            <a:off x="2009023" y="4863930"/>
+            <a:ext cx="767663" cy="843885"/>
           </a:xfrm>
           <a:prstGeom prst="rect">
             <a:avLst/>
           </a:prstGeom>
           <a:noFill/>
-        </p:spPr>
-        <p:txBody>
-          <a:bodyPr wrap="none" rtlCol="0">
-            <a:spAutoFit/>
-          </a:bodyPr>
-          <a:lstStyle/>
-          <a:p>
-            <a:r>
-              <a:rPr lang="fr-FR" sz="1100" dirty="0">
+          <a:extLst>
+            <a:ext uri="{909E8E84-426E-40DD-AFC4-6F175D3DCCD1}">
+              <a14:hiddenFill xmlns:a14="http://schemas.microsoft.com/office/drawing/2010/main">
                 <a:solidFill>
-                  <a:schemeClr val="bg1">
-                    <a:lumMod val="50000"/>
-                  </a:schemeClr>
+                  <a:srgbClr val="FFFFFF"/>
                 </a:solidFill>
-              </a:rPr>
-              <a:t>https://www.tibco.com/fr/reference-center/what-is-the-internet-of-things-iot</a:t>
-            </a:r>
-          </a:p>
-        </p:txBody>
-      </p:sp>
+              </a14:hiddenFill>
+            </a:ext>
+          </a:extLst>
+        </p:spPr>
+      </p:pic>
+      <p:pic>
+        <p:nvPicPr>
+          <p:cNvPr id="1032" name="Picture 8" descr="Résultat de recherche d'images pour &quot;spyder logo&quot;">
+            <a:extLst>
+              <a:ext uri="{FF2B5EF4-FFF2-40B4-BE49-F238E27FC236}">
+                <a16:creationId xmlns:a16="http://schemas.microsoft.com/office/drawing/2014/main" id="{B9E90EDC-B810-E4E5-D39F-BA240250126F}"/>
+              </a:ext>
+            </a:extLst>
+          </p:cNvPr>
+          <p:cNvPicPr>
+            <a:picLocks noChangeAspect="1" noChangeArrowheads="1"/>
+          </p:cNvPicPr>
+          <p:nvPr/>
+        </p:nvPicPr>
+        <p:blipFill>
+          <a:blip r:embed="rId5">
+            <a:extLst>
+              <a:ext uri="{28A0092B-C50C-407E-A947-70E740481C1C}">
+                <a14:useLocalDpi xmlns:a14="http://schemas.microsoft.com/office/drawing/2010/main" val="0"/>
+              </a:ext>
+            </a:extLst>
+          </a:blip>
+          <a:srcRect/>
+          <a:stretch>
+            <a:fillRect/>
+          </a:stretch>
+        </p:blipFill>
+        <p:spPr bwMode="auto">
+          <a:xfrm>
+            <a:off x="3268709" y="5101171"/>
+            <a:ext cx="1913528" cy="956764"/>
+          </a:xfrm>
+          <a:prstGeom prst="rect">
+            <a:avLst/>
+          </a:prstGeom>
+          <a:noFill/>
+          <a:extLst>
+            <a:ext uri="{909E8E84-426E-40DD-AFC4-6F175D3DCCD1}">
+              <a14:hiddenFill xmlns:a14="http://schemas.microsoft.com/office/drawing/2010/main">
+                <a:solidFill>
+                  <a:srgbClr val="FFFFFF"/>
+                </a:solidFill>
+              </a14:hiddenFill>
+            </a:ext>
+          </a:extLst>
+        </p:spPr>
+      </p:pic>
+      <p:pic>
+        <p:nvPicPr>
+          <p:cNvPr id="6" name="Picture 2" descr="MATLAB for the University Department of Professional Studies"/>
+          <p:cNvPicPr>
+            <a:picLocks noChangeAspect="1" noChangeArrowheads="1"/>
+          </p:cNvPicPr>
+          <p:nvPr/>
+        </p:nvPicPr>
+        <p:blipFill>
+          <a:blip r:embed="rId6">
+            <a:extLst>
+              <a:ext uri="{28A0092B-C50C-407E-A947-70E740481C1C}">
+                <a14:useLocalDpi xmlns:a14="http://schemas.microsoft.com/office/drawing/2010/main" val="0"/>
+              </a:ext>
+            </a:extLst>
+          </a:blip>
+          <a:srcRect/>
+          <a:stretch>
+            <a:fillRect/>
+          </a:stretch>
+        </p:blipFill>
+        <p:spPr bwMode="auto">
+          <a:xfrm>
+            <a:off x="9445924" y="3943941"/>
+            <a:ext cx="1932317" cy="746578"/>
+          </a:xfrm>
+          <a:prstGeom prst="rect">
+            <a:avLst/>
+          </a:prstGeom>
+          <a:noFill/>
+          <a:extLst>
+            <a:ext uri="{909E8E84-426E-40DD-AFC4-6F175D3DCCD1}">
+              <a14:hiddenFill xmlns:a14="http://schemas.microsoft.com/office/drawing/2010/main">
+                <a:solidFill>
+                  <a:srgbClr val="FFFFFF"/>
+                </a:solidFill>
+              </a14:hiddenFill>
+            </a:ext>
+          </a:extLst>
+        </p:spPr>
+      </p:pic>
+      <p:pic>
+        <p:nvPicPr>
+          <p:cNvPr id="7" name="Picture 4" descr="Qucs, simulador de circuitos electrónicos Open Source"/>
+          <p:cNvPicPr>
+            <a:picLocks noChangeAspect="1" noChangeArrowheads="1"/>
+          </p:cNvPicPr>
+          <p:nvPr/>
+        </p:nvPicPr>
+        <p:blipFill>
+          <a:blip r:embed="rId7" cstate="print">
+            <a:extLst>
+              <a:ext uri="{28A0092B-C50C-407E-A947-70E740481C1C}">
+                <a14:useLocalDpi xmlns:a14="http://schemas.microsoft.com/office/drawing/2010/main" val="0"/>
+              </a:ext>
+            </a:extLst>
+          </a:blip>
+          <a:srcRect/>
+          <a:stretch>
+            <a:fillRect/>
+          </a:stretch>
+        </p:blipFill>
+        <p:spPr bwMode="auto">
+          <a:xfrm>
+            <a:off x="10511520" y="5090449"/>
+            <a:ext cx="1164100" cy="774127"/>
+          </a:xfrm>
+          <a:prstGeom prst="rect">
+            <a:avLst/>
+          </a:prstGeom>
+          <a:noFill/>
+          <a:extLst>
+            <a:ext uri="{909E8E84-426E-40DD-AFC4-6F175D3DCCD1}">
+              <a14:hiddenFill xmlns:a14="http://schemas.microsoft.com/office/drawing/2010/main">
+                <a:solidFill>
+                  <a:srgbClr val="FFFFFF"/>
+                </a:solidFill>
+              </a14:hiddenFill>
+            </a:ext>
+          </a:extLst>
+        </p:spPr>
+      </p:pic>
     </p:spTree>
     <p:extLst>
       <p:ext uri="{BB962C8B-B14F-4D97-AF65-F5344CB8AC3E}">
-        <p14:creationId xmlns:p14="http://schemas.microsoft.com/office/powerpoint/2010/main" val="3231121590"/>
+        <p14:creationId xmlns:p14="http://schemas.microsoft.com/office/powerpoint/2010/main" val="3872368811"/>
       </p:ext>
     </p:extLst>
   </p:cSld>
@@ -9924,7 +16617,7 @@
         </p:nvSpPr>
         <p:spPr>
           <a:xfrm>
-            <a:off x="4472544" y="6513689"/>
+            <a:off x="4069421" y="6513689"/>
             <a:ext cx="7568097" cy="261610"/>
           </a:xfrm>
           <a:prstGeom prst="rect">

--- a/CeTI/b0_intro/B0_1_CeTI.pptx
+++ b/CeTI/b0_intro/B0_1_CeTI.pptx
@@ -232,7 +232,7 @@
           <a:p>
             <a:fld id="{729C724E-499D-43AC-8699-CF969D2466FC}" type="datetimeFigureOut">
               <a:rPr lang="fr-FR" smtClean="0"/>
-              <a:t>12/08/2023</a:t>
+              <a:t>01/09/2023</a:t>
             </a:fld>
             <a:endParaRPr lang="fr-FR"/>
           </a:p>
@@ -1099,7 +1099,7 @@
           <a:p>
             <a:fld id="{02AC24A9-CCB6-4F8D-B8DB-C2F3692CFA5A}" type="datetimeFigureOut">
               <a:rPr lang="en-US" smtClean="0"/>
-              <a:t>8/12/2023</a:t>
+              <a:t>9/1/2023</a:t>
             </a:fld>
             <a:endParaRPr lang="en-US" dirty="0"/>
           </a:p>
@@ -1469,7 +1469,7 @@
           <a:p>
             <a:fld id="{02AC24A9-CCB6-4F8D-B8DB-C2F3692CFA5A}" type="datetimeFigureOut">
               <a:rPr lang="en-US" smtClean="0"/>
-              <a:t>8/12/2023</a:t>
+              <a:t>9/1/2023</a:t>
             </a:fld>
             <a:endParaRPr lang="en-US"/>
           </a:p>
@@ -1678,7 +1678,7 @@
           <a:p>
             <a:fld id="{02AC24A9-CCB6-4F8D-B8DB-C2F3692CFA5A}" type="datetimeFigureOut">
               <a:rPr lang="en-US" smtClean="0"/>
-              <a:t>8/12/2023</a:t>
+              <a:t>9/1/2023</a:t>
             </a:fld>
             <a:endParaRPr lang="en-US"/>
           </a:p>
@@ -2148,7 +2148,7 @@
           <a:p>
             <a:fld id="{02AC24A9-CCB6-4F8D-B8DB-C2F3692CFA5A}" type="datetimeFigureOut">
               <a:rPr lang="en-US" smtClean="0"/>
-              <a:t>8/12/2023</a:t>
+              <a:t>9/1/2023</a:t>
             </a:fld>
             <a:endParaRPr lang="en-US"/>
           </a:p>
@@ -2602,7 +2602,7 @@
           <a:p>
             <a:fld id="{02AC24A9-CCB6-4F8D-B8DB-C2F3692CFA5A}" type="datetimeFigureOut">
               <a:rPr lang="en-US" smtClean="0"/>
-              <a:t>8/12/2023</a:t>
+              <a:t>9/1/2023</a:t>
             </a:fld>
             <a:endParaRPr lang="en-US"/>
           </a:p>
@@ -3134,7 +3134,7 @@
           <a:p>
             <a:fld id="{02AC24A9-CCB6-4F8D-B8DB-C2F3692CFA5A}" type="datetimeFigureOut">
               <a:rPr lang="en-US" smtClean="0"/>
-              <a:t>8/12/2023</a:t>
+              <a:t>9/1/2023</a:t>
             </a:fld>
             <a:endParaRPr lang="en-US"/>
           </a:p>
@@ -3833,7 +3833,7 @@
           <a:p>
             <a:fld id="{02AC24A9-CCB6-4F8D-B8DB-C2F3692CFA5A}" type="datetimeFigureOut">
               <a:rPr lang="en-US" smtClean="0"/>
-              <a:t>8/12/2023</a:t>
+              <a:t>9/1/2023</a:t>
             </a:fld>
             <a:endParaRPr lang="en-US"/>
           </a:p>
@@ -4162,7 +4162,7 @@
           <a:p>
             <a:fld id="{02AC24A9-CCB6-4F8D-B8DB-C2F3692CFA5A}" type="datetimeFigureOut">
               <a:rPr lang="en-US" smtClean="0"/>
-              <a:t>8/12/2023</a:t>
+              <a:t>9/1/2023</a:t>
             </a:fld>
             <a:endParaRPr lang="en-US"/>
           </a:p>
@@ -4275,7 +4275,7 @@
           <a:p>
             <a:fld id="{02AC24A9-CCB6-4F8D-B8DB-C2F3692CFA5A}" type="datetimeFigureOut">
               <a:rPr lang="en-US" smtClean="0"/>
-              <a:t>8/12/2023</a:t>
+              <a:t>9/1/2023</a:t>
             </a:fld>
             <a:endParaRPr lang="en-US"/>
           </a:p>
@@ -4770,7 +4770,7 @@
           <a:p>
             <a:fld id="{02AC24A9-CCB6-4F8D-B8DB-C2F3692CFA5A}" type="datetimeFigureOut">
               <a:rPr lang="en-US" smtClean="0"/>
-              <a:t>8/12/2023</a:t>
+              <a:t>9/1/2023</a:t>
             </a:fld>
             <a:endParaRPr lang="en-US" dirty="0"/>
           </a:p>
@@ -5247,7 +5247,7 @@
           <a:p>
             <a:fld id="{02AC24A9-CCB6-4F8D-B8DB-C2F3692CFA5A}" type="datetimeFigureOut">
               <a:rPr lang="en-US" smtClean="0"/>
-              <a:t>8/12/2023</a:t>
+              <a:t>9/1/2023</a:t>
             </a:fld>
             <a:endParaRPr lang="en-US"/>
           </a:p>
@@ -5490,7 +5490,7 @@
           <a:p>
             <a:fld id="{02AC24A9-CCB6-4F8D-B8DB-C2F3692CFA5A}" type="datetimeFigureOut">
               <a:rPr lang="en-US" smtClean="0"/>
-              <a:t>8/12/2023</a:t>
+              <a:t>9/1/2023</a:t>
             </a:fld>
             <a:endParaRPr lang="en-US"/>
           </a:p>
@@ -17243,6 +17243,116 @@
               <a:rPr lang="fr-FR" sz="1100" dirty="0"/>
               <a:t> / Recyclerie Bagneux</a:t>
             </a:r>
+          </a:p>
+        </p:txBody>
+      </p:sp>
+      <p:pic>
+        <p:nvPicPr>
+          <p:cNvPr id="1030" name="Picture 6" descr="Mars Climate Orbiter Cartoon">
+            <a:extLst>
+              <a:ext uri="{FF2B5EF4-FFF2-40B4-BE49-F238E27FC236}">
+                <a16:creationId xmlns:a16="http://schemas.microsoft.com/office/drawing/2014/main" id="{0A95D983-0F9A-A57D-5277-BB5A9B1FE0C7}"/>
+              </a:ext>
+            </a:extLst>
+          </p:cNvPr>
+          <p:cNvPicPr>
+            <a:picLocks noChangeAspect="1" noChangeArrowheads="1"/>
+          </p:cNvPicPr>
+          <p:nvPr/>
+        </p:nvPicPr>
+        <p:blipFill>
+          <a:blip r:embed="rId4">
+            <a:extLst>
+              <a:ext uri="{28A0092B-C50C-407E-A947-70E740481C1C}">
+                <a14:useLocalDpi xmlns:a14="http://schemas.microsoft.com/office/drawing/2010/main" val="0"/>
+              </a:ext>
+            </a:extLst>
+          </a:blip>
+          <a:srcRect/>
+          <a:stretch>
+            <a:fillRect/>
+          </a:stretch>
+        </p:blipFill>
+        <p:spPr bwMode="auto">
+          <a:xfrm>
+            <a:off x="1960678" y="2123768"/>
+            <a:ext cx="6312310" cy="4734232"/>
+          </a:xfrm>
+          <a:prstGeom prst="rect">
+            <a:avLst/>
+          </a:prstGeom>
+          <a:noFill/>
+          <a:extLst>
+            <a:ext uri="{909E8E84-426E-40DD-AFC4-6F175D3DCCD1}">
+              <a14:hiddenFill xmlns:a14="http://schemas.microsoft.com/office/drawing/2010/main">
+                <a:solidFill>
+                  <a:srgbClr val="FFFFFF"/>
+                </a:solidFill>
+              </a14:hiddenFill>
+            </a:ext>
+          </a:extLst>
+        </p:spPr>
+      </p:pic>
+      <p:sp>
+        <p:nvSpPr>
+          <p:cNvPr id="10" name="ZoneTexte 9">
+            <a:extLst>
+              <a:ext uri="{FF2B5EF4-FFF2-40B4-BE49-F238E27FC236}">
+                <a16:creationId xmlns:a16="http://schemas.microsoft.com/office/drawing/2014/main" id="{86569F49-5E55-1224-2DF8-C4DE72B9644D}"/>
+              </a:ext>
+            </a:extLst>
+          </p:cNvPr>
+          <p:cNvSpPr txBox="1"/>
+          <p:nvPr/>
+        </p:nvSpPr>
+        <p:spPr>
+          <a:xfrm>
+            <a:off x="501445" y="2039797"/>
+            <a:ext cx="6096000" cy="430887"/>
+          </a:xfrm>
+          <a:prstGeom prst="rect">
+            <a:avLst/>
+          </a:prstGeom>
+          <a:noFill/>
+        </p:spPr>
+        <p:txBody>
+          <a:bodyPr wrap="square">
+            <a:spAutoFit/>
+          </a:bodyPr>
+          <a:lstStyle/>
+          <a:p>
+            <a:r>
+              <a:rPr lang="en-US" sz="1100" b="0" i="0" dirty="0">
+                <a:solidFill>
+                  <a:srgbClr val="6D6B6B"/>
+                </a:solidFill>
+                <a:effectLst/>
+                <a:latin typeface="Lato" panose="020F0502020204030203" pitchFamily="34" charset="0"/>
+              </a:rPr>
+              <a:t>Newspaper cartoon depicting the incongruence in the units used by NASA and Lockheed Martin scientists that led to the Mars Climate Orbiter disaster. (Source: </a:t>
+            </a:r>
+            <a:r>
+              <a:rPr lang="en-US" sz="1100" b="0" i="0" u="none" strike="noStrike" dirty="0">
+                <a:solidFill>
+                  <a:srgbClr val="3A85BF"/>
+                </a:solidFill>
+                <a:effectLst/>
+                <a:latin typeface="Lato" panose="020F0502020204030203" pitchFamily="34" charset="0"/>
+                <a:hlinkClick r:id="rId5"/>
+              </a:rPr>
+              <a:t>Slideplayer.com</a:t>
+            </a:r>
+            <a:r>
+              <a:rPr lang="en-US" sz="1100" b="0" i="0" dirty="0">
+                <a:solidFill>
+                  <a:srgbClr val="6D6B6B"/>
+                </a:solidFill>
+                <a:effectLst/>
+                <a:latin typeface="Lato" panose="020F0502020204030203" pitchFamily="34" charset="0"/>
+              </a:rPr>
+              <a:t>)</a:t>
+            </a:r>
+            <a:endParaRPr lang="fr-FR" sz="1100" dirty="0"/>
           </a:p>
         </p:txBody>
       </p:sp>

--- a/CeTI/b0_intro/B0_1_CeTI.pptx
+++ b/CeTI/b0_intro/B0_1_CeTI.pptx
@@ -5,7 +5,7 @@
     <p:sldMasterId id="2147483711" r:id="rId1"/>
   </p:sldMasterIdLst>
   <p:notesMasterIdLst>
-    <p:notesMasterId r:id="rId27"/>
+    <p:notesMasterId r:id="rId28"/>
   </p:notesMasterIdLst>
   <p:sldIdLst>
     <p:sldId id="256" r:id="rId2"/>
@@ -17,22 +17,23 @@
     <p:sldId id="273" r:id="rId8"/>
     <p:sldId id="267" r:id="rId9"/>
     <p:sldId id="277" r:id="rId10"/>
-    <p:sldId id="272" r:id="rId11"/>
-    <p:sldId id="282" r:id="rId12"/>
-    <p:sldId id="284" r:id="rId13"/>
-    <p:sldId id="288" r:id="rId14"/>
-    <p:sldId id="287" r:id="rId15"/>
-    <p:sldId id="286" r:id="rId16"/>
-    <p:sldId id="285" r:id="rId17"/>
-    <p:sldId id="290" r:id="rId18"/>
-    <p:sldId id="289" r:id="rId19"/>
-    <p:sldId id="291" r:id="rId20"/>
-    <p:sldId id="292" r:id="rId21"/>
-    <p:sldId id="258" r:id="rId22"/>
-    <p:sldId id="275" r:id="rId23"/>
-    <p:sldId id="281" r:id="rId24"/>
-    <p:sldId id="283" r:id="rId25"/>
-    <p:sldId id="276" r:id="rId26"/>
+    <p:sldId id="293" r:id="rId11"/>
+    <p:sldId id="272" r:id="rId12"/>
+    <p:sldId id="282" r:id="rId13"/>
+    <p:sldId id="284" r:id="rId14"/>
+    <p:sldId id="288" r:id="rId15"/>
+    <p:sldId id="287" r:id="rId16"/>
+    <p:sldId id="286" r:id="rId17"/>
+    <p:sldId id="285" r:id="rId18"/>
+    <p:sldId id="290" r:id="rId19"/>
+    <p:sldId id="289" r:id="rId20"/>
+    <p:sldId id="291" r:id="rId21"/>
+    <p:sldId id="292" r:id="rId22"/>
+    <p:sldId id="258" r:id="rId23"/>
+    <p:sldId id="275" r:id="rId24"/>
+    <p:sldId id="281" r:id="rId25"/>
+    <p:sldId id="283" r:id="rId26"/>
+    <p:sldId id="276" r:id="rId27"/>
   </p:sldIdLst>
   <p:sldSz cx="12192000" cy="6858000"/>
   <p:notesSz cx="6858000" cy="9144000"/>
@@ -232,7 +233,7 @@
           <a:p>
             <a:fld id="{729C724E-499D-43AC-8699-CF969D2466FC}" type="datetimeFigureOut">
               <a:rPr lang="fr-FR" smtClean="0"/>
-              <a:t>01/09/2023</a:t>
+              <a:t>04/09/2023</a:t>
             </a:fld>
             <a:endParaRPr lang="fr-FR"/>
           </a:p>
@@ -1099,7 +1100,7 @@
           <a:p>
             <a:fld id="{02AC24A9-CCB6-4F8D-B8DB-C2F3692CFA5A}" type="datetimeFigureOut">
               <a:rPr lang="en-US" smtClean="0"/>
-              <a:t>9/1/2023</a:t>
+              <a:t>9/4/2023</a:t>
             </a:fld>
             <a:endParaRPr lang="en-US" dirty="0"/>
           </a:p>
@@ -1469,7 +1470,7 @@
           <a:p>
             <a:fld id="{02AC24A9-CCB6-4F8D-B8DB-C2F3692CFA5A}" type="datetimeFigureOut">
               <a:rPr lang="en-US" smtClean="0"/>
-              <a:t>9/1/2023</a:t>
+              <a:t>9/4/2023</a:t>
             </a:fld>
             <a:endParaRPr lang="en-US"/>
           </a:p>
@@ -1678,7 +1679,7 @@
           <a:p>
             <a:fld id="{02AC24A9-CCB6-4F8D-B8DB-C2F3692CFA5A}" type="datetimeFigureOut">
               <a:rPr lang="en-US" smtClean="0"/>
-              <a:t>9/1/2023</a:t>
+              <a:t>9/4/2023</a:t>
             </a:fld>
             <a:endParaRPr lang="en-US"/>
           </a:p>
@@ -2148,7 +2149,7 @@
           <a:p>
             <a:fld id="{02AC24A9-CCB6-4F8D-B8DB-C2F3692CFA5A}" type="datetimeFigureOut">
               <a:rPr lang="en-US" smtClean="0"/>
-              <a:t>9/1/2023</a:t>
+              <a:t>9/4/2023</a:t>
             </a:fld>
             <a:endParaRPr lang="en-US"/>
           </a:p>
@@ -2602,7 +2603,7 @@
           <a:p>
             <a:fld id="{02AC24A9-CCB6-4F8D-B8DB-C2F3692CFA5A}" type="datetimeFigureOut">
               <a:rPr lang="en-US" smtClean="0"/>
-              <a:t>9/1/2023</a:t>
+              <a:t>9/4/2023</a:t>
             </a:fld>
             <a:endParaRPr lang="en-US"/>
           </a:p>
@@ -3134,7 +3135,7 @@
           <a:p>
             <a:fld id="{02AC24A9-CCB6-4F8D-B8DB-C2F3692CFA5A}" type="datetimeFigureOut">
               <a:rPr lang="en-US" smtClean="0"/>
-              <a:t>9/1/2023</a:t>
+              <a:t>9/4/2023</a:t>
             </a:fld>
             <a:endParaRPr lang="en-US"/>
           </a:p>
@@ -3833,7 +3834,7 @@
           <a:p>
             <a:fld id="{02AC24A9-CCB6-4F8D-B8DB-C2F3692CFA5A}" type="datetimeFigureOut">
               <a:rPr lang="en-US" smtClean="0"/>
-              <a:t>9/1/2023</a:t>
+              <a:t>9/4/2023</a:t>
             </a:fld>
             <a:endParaRPr lang="en-US"/>
           </a:p>
@@ -4162,7 +4163,7 @@
           <a:p>
             <a:fld id="{02AC24A9-CCB6-4F8D-B8DB-C2F3692CFA5A}" type="datetimeFigureOut">
               <a:rPr lang="en-US" smtClean="0"/>
-              <a:t>9/1/2023</a:t>
+              <a:t>9/4/2023</a:t>
             </a:fld>
             <a:endParaRPr lang="en-US"/>
           </a:p>
@@ -4275,7 +4276,7 @@
           <a:p>
             <a:fld id="{02AC24A9-CCB6-4F8D-B8DB-C2F3692CFA5A}" type="datetimeFigureOut">
               <a:rPr lang="en-US" smtClean="0"/>
-              <a:t>9/1/2023</a:t>
+              <a:t>9/4/2023</a:t>
             </a:fld>
             <a:endParaRPr lang="en-US"/>
           </a:p>
@@ -4770,7 +4771,7 @@
           <a:p>
             <a:fld id="{02AC24A9-CCB6-4F8D-B8DB-C2F3692CFA5A}" type="datetimeFigureOut">
               <a:rPr lang="en-US" smtClean="0"/>
-              <a:t>9/1/2023</a:t>
+              <a:t>9/4/2023</a:t>
             </a:fld>
             <a:endParaRPr lang="en-US" dirty="0"/>
           </a:p>
@@ -5247,7 +5248,7 @@
           <a:p>
             <a:fld id="{02AC24A9-CCB6-4F8D-B8DB-C2F3692CFA5A}" type="datetimeFigureOut">
               <a:rPr lang="en-US" smtClean="0"/>
-              <a:t>9/1/2023</a:t>
+              <a:t>9/4/2023</a:t>
             </a:fld>
             <a:endParaRPr lang="en-US"/>
           </a:p>
@@ -5490,7 +5491,7 @@
           <a:p>
             <a:fld id="{02AC24A9-CCB6-4F8D-B8DB-C2F3692CFA5A}" type="datetimeFigureOut">
               <a:rPr lang="en-US" smtClean="0"/>
-              <a:t>9/1/2023</a:t>
+              <a:t>9/4/2023</a:t>
             </a:fld>
             <a:endParaRPr lang="en-US"/>
           </a:p>
@@ -6450,6 +6451,372 @@
           <a:p>
             <a:r>
               <a:rPr lang="fr-FR" dirty="0"/>
+              <a:t>Ressources </a:t>
+            </a:r>
+            <a:r>
+              <a:rPr lang="fr-FR" dirty="0" err="1"/>
+              <a:t>CeTI</a:t>
+            </a:r>
+            <a:endParaRPr lang="fr-FR" dirty="0"/>
+          </a:p>
+        </p:txBody>
+      </p:sp>
+      <p:pic>
+        <p:nvPicPr>
+          <p:cNvPr id="5" name="Image 4" descr="Une image contenant texte&#10;&#10;Description générée automatiquement">
+            <a:extLst>
+              <a:ext uri="{FF2B5EF4-FFF2-40B4-BE49-F238E27FC236}">
+                <a16:creationId xmlns:a16="http://schemas.microsoft.com/office/drawing/2014/main" id="{204ADC40-1D61-539F-22ED-6B21D67FBDE6}"/>
+              </a:ext>
+            </a:extLst>
+          </p:cNvPr>
+          <p:cNvPicPr>
+            <a:picLocks noChangeAspect="1"/>
+          </p:cNvPicPr>
+          <p:nvPr/>
+        </p:nvPicPr>
+        <p:blipFill>
+          <a:blip r:embed="rId2" cstate="print">
+            <a:extLst>
+              <a:ext uri="{28A0092B-C50C-407E-A947-70E740481C1C}">
+                <a14:useLocalDpi xmlns:a14="http://schemas.microsoft.com/office/drawing/2010/main" val="0"/>
+              </a:ext>
+            </a:extLst>
+          </a:blip>
+          <a:stretch>
+            <a:fillRect/>
+          </a:stretch>
+        </p:blipFill>
+        <p:spPr>
+          <a:xfrm>
+            <a:off x="202922" y="5934456"/>
+            <a:ext cx="1825291" cy="749808"/>
+          </a:xfrm>
+          <a:prstGeom prst="rect">
+            <a:avLst/>
+          </a:prstGeom>
+        </p:spPr>
+      </p:pic>
+      <p:sp>
+        <p:nvSpPr>
+          <p:cNvPr id="6" name="ZoneTexte 5">
+            <a:extLst>
+              <a:ext uri="{FF2B5EF4-FFF2-40B4-BE49-F238E27FC236}">
+                <a16:creationId xmlns:a16="http://schemas.microsoft.com/office/drawing/2014/main" id="{D2201FBD-6B84-07F4-9CD6-A4E1B2A89BCA}"/>
+              </a:ext>
+            </a:extLst>
+          </p:cNvPr>
+          <p:cNvSpPr txBox="1"/>
+          <p:nvPr/>
+        </p:nvSpPr>
+        <p:spPr>
+          <a:xfrm>
+            <a:off x="3606800" y="2045813"/>
+            <a:ext cx="8264177" cy="584775"/>
+          </a:xfrm>
+          <a:prstGeom prst="rect">
+            <a:avLst/>
+          </a:prstGeom>
+          <a:noFill/>
+        </p:spPr>
+        <p:txBody>
+          <a:bodyPr wrap="square">
+            <a:spAutoFit/>
+          </a:bodyPr>
+          <a:lstStyle/>
+          <a:p>
+            <a:pPr lvl="1"/>
+            <a:r>
+              <a:rPr lang="fr-FR" sz="3200" dirty="0">
+                <a:solidFill>
+                  <a:srgbClr val="0070C0"/>
+                </a:solidFill>
+                <a:latin typeface="Raleway ExtraBold" pitchFamily="2" charset="0"/>
+              </a:rPr>
+              <a:t>http://lense.institutoptique.fr/ceti/</a:t>
+            </a:r>
+            <a:endParaRPr lang="fr-FR" sz="3600" b="1" dirty="0">
+              <a:solidFill>
+                <a:srgbClr val="0070C0"/>
+              </a:solidFill>
+              <a:latin typeface="Raleway ExtraBold" pitchFamily="2" charset="0"/>
+            </a:endParaRPr>
+          </a:p>
+        </p:txBody>
+      </p:sp>
+      <p:pic>
+        <p:nvPicPr>
+          <p:cNvPr id="10" name="Image 9">
+            <a:extLst>
+              <a:ext uri="{FF2B5EF4-FFF2-40B4-BE49-F238E27FC236}">
+                <a16:creationId xmlns:a16="http://schemas.microsoft.com/office/drawing/2014/main" id="{C1D9D271-CC31-8966-F762-8EADBC9A7E5A}"/>
+              </a:ext>
+            </a:extLst>
+          </p:cNvPr>
+          <p:cNvPicPr>
+            <a:picLocks noChangeAspect="1"/>
+          </p:cNvPicPr>
+          <p:nvPr/>
+        </p:nvPicPr>
+        <p:blipFill>
+          <a:blip r:embed="rId3"/>
+          <a:stretch>
+            <a:fillRect/>
+          </a:stretch>
+        </p:blipFill>
+        <p:spPr>
+          <a:xfrm>
+            <a:off x="304278" y="3166219"/>
+            <a:ext cx="3447869" cy="2683606"/>
+          </a:xfrm>
+          <a:prstGeom prst="rect">
+            <a:avLst/>
+          </a:prstGeom>
+        </p:spPr>
+      </p:pic>
+      <p:pic>
+        <p:nvPicPr>
+          <p:cNvPr id="14" name="Image 13">
+            <a:extLst>
+              <a:ext uri="{FF2B5EF4-FFF2-40B4-BE49-F238E27FC236}">
+                <a16:creationId xmlns:a16="http://schemas.microsoft.com/office/drawing/2014/main" id="{4578BF14-D8F8-7C22-E073-91A23F35CC3A}"/>
+              </a:ext>
+            </a:extLst>
+          </p:cNvPr>
+          <p:cNvPicPr>
+            <a:picLocks noChangeAspect="1"/>
+          </p:cNvPicPr>
+          <p:nvPr/>
+        </p:nvPicPr>
+        <p:blipFill>
+          <a:blip r:embed="rId4"/>
+          <a:stretch>
+            <a:fillRect/>
+          </a:stretch>
+        </p:blipFill>
+        <p:spPr>
+          <a:xfrm>
+            <a:off x="4566208" y="3357403"/>
+            <a:ext cx="7092338" cy="3326861"/>
+          </a:xfrm>
+          <a:prstGeom prst="rect">
+            <a:avLst/>
+          </a:prstGeom>
+        </p:spPr>
+      </p:pic>
+      <p:cxnSp>
+        <p:nvCxnSpPr>
+          <p:cNvPr id="20" name="Connecteur droit 19">
+            <a:extLst>
+              <a:ext uri="{FF2B5EF4-FFF2-40B4-BE49-F238E27FC236}">
+                <a16:creationId xmlns:a16="http://schemas.microsoft.com/office/drawing/2014/main" id="{8AB94FE9-14A9-632C-E868-DB24C4C34FEE}"/>
+              </a:ext>
+            </a:extLst>
+          </p:cNvPr>
+          <p:cNvCxnSpPr>
+            <a:cxnSpLocks/>
+          </p:cNvCxnSpPr>
+          <p:nvPr/>
+        </p:nvCxnSpPr>
+        <p:spPr>
+          <a:xfrm flipV="1">
+            <a:off x="3830320" y="3429000"/>
+            <a:ext cx="837488" cy="726440"/>
+          </a:xfrm>
+          <a:prstGeom prst="line">
+            <a:avLst/>
+          </a:prstGeom>
+          <a:ln w="12700">
+            <a:solidFill>
+              <a:schemeClr val="tx2"/>
+            </a:solidFill>
+            <a:prstDash val="sysDash"/>
+          </a:ln>
+        </p:spPr>
+        <p:style>
+          <a:lnRef idx="1">
+            <a:schemeClr val="accent1"/>
+          </a:lnRef>
+          <a:fillRef idx="0">
+            <a:schemeClr val="accent1"/>
+          </a:fillRef>
+          <a:effectRef idx="0">
+            <a:schemeClr val="accent1"/>
+          </a:effectRef>
+          <a:fontRef idx="minor">
+            <a:schemeClr val="tx1"/>
+          </a:fontRef>
+        </p:style>
+      </p:cxnSp>
+      <p:cxnSp>
+        <p:nvCxnSpPr>
+          <p:cNvPr id="24" name="Connecteur droit 23">
+            <a:extLst>
+              <a:ext uri="{FF2B5EF4-FFF2-40B4-BE49-F238E27FC236}">
+                <a16:creationId xmlns:a16="http://schemas.microsoft.com/office/drawing/2014/main" id="{44474BA8-269B-3EC1-3AAB-9E3C7DD78ED5}"/>
+              </a:ext>
+            </a:extLst>
+          </p:cNvPr>
+          <p:cNvCxnSpPr>
+            <a:cxnSpLocks/>
+          </p:cNvCxnSpPr>
+          <p:nvPr/>
+        </p:nvCxnSpPr>
+        <p:spPr>
+          <a:xfrm>
+            <a:off x="3779520" y="4734560"/>
+            <a:ext cx="708515" cy="1838960"/>
+          </a:xfrm>
+          <a:prstGeom prst="line">
+            <a:avLst/>
+          </a:prstGeom>
+          <a:ln w="12700">
+            <a:solidFill>
+              <a:schemeClr val="tx2"/>
+            </a:solidFill>
+            <a:prstDash val="sysDash"/>
+          </a:ln>
+        </p:spPr>
+        <p:style>
+          <a:lnRef idx="1">
+            <a:schemeClr val="accent1"/>
+          </a:lnRef>
+          <a:fillRef idx="0">
+            <a:schemeClr val="accent1"/>
+          </a:fillRef>
+          <a:effectRef idx="0">
+            <a:schemeClr val="accent1"/>
+          </a:effectRef>
+          <a:fontRef idx="minor">
+            <a:schemeClr val="tx1"/>
+          </a:fontRef>
+        </p:style>
+      </p:cxnSp>
+    </p:spTree>
+    <p:extLst>
+      <p:ext uri="{BB962C8B-B14F-4D97-AF65-F5344CB8AC3E}">
+        <p14:creationId xmlns:p14="http://schemas.microsoft.com/office/powerpoint/2010/main" val="634089020"/>
+      </p:ext>
+    </p:extLst>
+  </p:cSld>
+  <p:clrMapOvr>
+    <a:masterClrMapping/>
+  </p:clrMapOvr>
+</p:sld>
+</file>
+
+<file path=ppt/slides/slide11.xml><?xml version="1.0" encoding="utf-8"?>
+<p:sld xmlns:a="http://schemas.openxmlformats.org/drawingml/2006/main" xmlns:r="http://schemas.openxmlformats.org/officeDocument/2006/relationships" xmlns:p="http://schemas.openxmlformats.org/presentationml/2006/main">
+  <p:cSld>
+    <p:spTree>
+      <p:nvGrpSpPr>
+        <p:cNvPr id="1" name=""/>
+        <p:cNvGrpSpPr/>
+        <p:nvPr/>
+      </p:nvGrpSpPr>
+      <p:grpSpPr>
+        <a:xfrm>
+          <a:off x="0" y="0"/>
+          <a:ext cx="0" cy="0"/>
+          <a:chOff x="0" y="0"/>
+          <a:chExt cx="0" cy="0"/>
+        </a:xfrm>
+      </p:grpSpPr>
+      <p:sp>
+        <p:nvSpPr>
+          <p:cNvPr id="3" name="CustomShape 3">
+            <a:extLst>
+              <a:ext uri="{FF2B5EF4-FFF2-40B4-BE49-F238E27FC236}">
+                <a16:creationId xmlns:a16="http://schemas.microsoft.com/office/drawing/2014/main" id="{6445464B-E523-7421-5F82-22C4FE437955}"/>
+              </a:ext>
+            </a:extLst>
+          </p:cNvPr>
+          <p:cNvSpPr/>
+          <p:nvPr/>
+        </p:nvSpPr>
+        <p:spPr>
+          <a:xfrm>
+            <a:off x="7069579" y="3800179"/>
+            <a:ext cx="3348569" cy="492443"/>
+          </a:xfrm>
+          <a:prstGeom prst="rect">
+            <a:avLst/>
+          </a:prstGeom>
+          <a:solidFill>
+            <a:srgbClr val="00B0F0"/>
+          </a:solidFill>
+          <a:ln w="0">
+            <a:noFill/>
+          </a:ln>
+        </p:spPr>
+        <p:style>
+          <a:lnRef idx="0">
+            <a:scrgbClr r="0" g="0" b="0"/>
+          </a:lnRef>
+          <a:fillRef idx="0">
+            <a:scrgbClr r="0" g="0" b="0"/>
+          </a:fillRef>
+          <a:effectRef idx="0">
+            <a:scrgbClr r="0" g="0" b="0"/>
+          </a:effectRef>
+          <a:fontRef idx="minor"/>
+        </p:style>
+        <p:txBody>
+          <a:bodyPr wrap="square" tIns="91440" bIns="91440">
+            <a:spAutoFit/>
+          </a:bodyPr>
+          <a:lstStyle/>
+          <a:p>
+            <a:pPr algn="ctr">
+              <a:lnSpc>
+                <a:spcPct val="100000"/>
+              </a:lnSpc>
+              <a:tabLst>
+                <a:tab pos="0" algn="l"/>
+              </a:tabLst>
+            </a:pPr>
+            <a:r>
+              <a:rPr lang="fr-FR" sz="2000" b="1" strike="noStrike" spc="-1" dirty="0">
+                <a:solidFill>
+                  <a:schemeClr val="bg1"/>
+                </a:solidFill>
+                <a:latin typeface="Trebuchet MS"/>
+                <a:ea typeface="Trebuchet MS"/>
+              </a:rPr>
+              <a:t>Numérique</a:t>
+            </a:r>
+            <a:endParaRPr lang="fr-FR" sz="2000" b="0" strike="noStrike" spc="-1" dirty="0">
+              <a:solidFill>
+                <a:schemeClr val="bg1"/>
+              </a:solidFill>
+              <a:latin typeface="Arial"/>
+            </a:endParaRPr>
+          </a:p>
+        </p:txBody>
+      </p:sp>
+      <p:sp>
+        <p:nvSpPr>
+          <p:cNvPr id="2" name="Titre 1">
+            <a:extLst>
+              <a:ext uri="{FF2B5EF4-FFF2-40B4-BE49-F238E27FC236}">
+                <a16:creationId xmlns:a16="http://schemas.microsoft.com/office/drawing/2014/main" id="{90162AE8-C1B0-5C56-8313-DEE494F38273}"/>
+              </a:ext>
+            </a:extLst>
+          </p:cNvPr>
+          <p:cNvSpPr>
+            <a:spLocks noGrp="1"/>
+          </p:cNvSpPr>
+          <p:nvPr>
+            <p:ph type="title"/>
+          </p:nvPr>
+        </p:nvSpPr>
+        <p:spPr/>
+        <p:txBody>
+          <a:bodyPr/>
+          <a:lstStyle/>
+          <a:p>
+            <a:r>
+              <a:rPr lang="fr-FR" dirty="0"/>
               <a:t>Déroulement des modules </a:t>
             </a:r>
             <a:r>
@@ -7063,7 +7430,7 @@
         </p:nvSpPr>
         <p:spPr>
           <a:xfrm>
-            <a:off x="7069579" y="3806269"/>
+            <a:off x="7059414" y="4447370"/>
             <a:ext cx="3348569" cy="492443"/>
           </a:xfrm>
           <a:prstGeom prst="rect">
@@ -7111,151 +7478,6 @@
                 <a:ea typeface="Trebuchet MS"/>
               </a:rPr>
               <a:t>Photodétection</a:t>
-            </a:r>
-            <a:endParaRPr lang="fr-FR" sz="2000" b="0" strike="noStrike" spc="-1" dirty="0">
-              <a:solidFill>
-                <a:schemeClr val="bg1"/>
-              </a:solidFill>
-              <a:latin typeface="Arial"/>
-            </a:endParaRPr>
-          </a:p>
-        </p:txBody>
-      </p:sp>
-      <p:sp>
-        <p:nvSpPr>
-          <p:cNvPr id="22" name="CustomShape 3">
-            <a:extLst>
-              <a:ext uri="{FF2B5EF4-FFF2-40B4-BE49-F238E27FC236}">
-                <a16:creationId xmlns:a16="http://schemas.microsoft.com/office/drawing/2014/main" id="{CE6EC910-9A26-3624-9DD4-5C9F133E72DA}"/>
-              </a:ext>
-            </a:extLst>
-          </p:cNvPr>
-          <p:cNvSpPr/>
-          <p:nvPr/>
-        </p:nvSpPr>
-        <p:spPr>
-          <a:xfrm>
-            <a:off x="7727864" y="5100650"/>
-            <a:ext cx="3348569" cy="492443"/>
-          </a:xfrm>
-          <a:prstGeom prst="rect">
-            <a:avLst/>
-          </a:prstGeom>
-          <a:solidFill>
-            <a:schemeClr val="accent2">
-              <a:lumMod val="75000"/>
-            </a:schemeClr>
-          </a:solidFill>
-          <a:ln w="0">
-            <a:noFill/>
-          </a:ln>
-        </p:spPr>
-        <p:style>
-          <a:lnRef idx="0">
-            <a:scrgbClr r="0" g="0" b="0"/>
-          </a:lnRef>
-          <a:fillRef idx="0">
-            <a:scrgbClr r="0" g="0" b="0"/>
-          </a:fillRef>
-          <a:effectRef idx="0">
-            <a:scrgbClr r="0" g="0" b="0"/>
-          </a:effectRef>
-          <a:fontRef idx="minor"/>
-        </p:style>
-        <p:txBody>
-          <a:bodyPr wrap="square" tIns="91440" bIns="91440">
-            <a:spAutoFit/>
-          </a:bodyPr>
-          <a:lstStyle/>
-          <a:p>
-            <a:pPr algn="ctr">
-              <a:lnSpc>
-                <a:spcPct val="100000"/>
-              </a:lnSpc>
-              <a:tabLst>
-                <a:tab pos="0" algn="l"/>
-              </a:tabLst>
-            </a:pPr>
-            <a:r>
-              <a:rPr lang="fr-FR" sz="2000" b="1" strike="noStrike" spc="-1" dirty="0">
-                <a:solidFill>
-                  <a:schemeClr val="bg1"/>
-                </a:solidFill>
-                <a:latin typeface="Trebuchet MS"/>
-              </a:rPr>
-              <a:t>Notions avancées</a:t>
-            </a:r>
-            <a:endParaRPr lang="fr-FR" sz="2000" b="0" strike="noStrike" spc="-1" dirty="0">
-              <a:solidFill>
-                <a:schemeClr val="bg1"/>
-              </a:solidFill>
-              <a:latin typeface="Arial"/>
-            </a:endParaRPr>
-          </a:p>
-        </p:txBody>
-      </p:sp>
-      <p:sp>
-        <p:nvSpPr>
-          <p:cNvPr id="23" name="CustomShape 3">
-            <a:extLst>
-              <a:ext uri="{FF2B5EF4-FFF2-40B4-BE49-F238E27FC236}">
-                <a16:creationId xmlns:a16="http://schemas.microsoft.com/office/drawing/2014/main" id="{D07EBB44-0FC5-22B6-B831-C9AE212D70CF}"/>
-              </a:ext>
-            </a:extLst>
-          </p:cNvPr>
-          <p:cNvSpPr/>
-          <p:nvPr/>
-        </p:nvSpPr>
-        <p:spPr>
-          <a:xfrm>
-            <a:off x="7059415" y="4453460"/>
-            <a:ext cx="3348569" cy="492443"/>
-          </a:xfrm>
-          <a:prstGeom prst="rect">
-            <a:avLst/>
-          </a:prstGeom>
-          <a:solidFill>
-            <a:srgbClr val="00B0F0"/>
-          </a:solidFill>
-          <a:ln w="0">
-            <a:noFill/>
-          </a:ln>
-        </p:spPr>
-        <p:style>
-          <a:lnRef idx="0">
-            <a:scrgbClr r="0" g="0" b="0"/>
-          </a:lnRef>
-          <a:fillRef idx="0">
-            <a:scrgbClr r="0" g="0" b="0"/>
-          </a:fillRef>
-          <a:effectRef idx="0">
-            <a:scrgbClr r="0" g="0" b="0"/>
-          </a:effectRef>
-          <a:fontRef idx="minor"/>
-        </p:style>
-        <p:txBody>
-          <a:bodyPr wrap="square" tIns="91440" bIns="91440">
-            <a:spAutoFit/>
-          </a:bodyPr>
-          <a:lstStyle/>
-          <a:p>
-            <a:pPr algn="ctr">
-              <a:lnSpc>
-                <a:spcPct val="100000"/>
-              </a:lnSpc>
-              <a:tabLst>
-                <a:tab pos="0" algn="l"/>
-              </a:tabLst>
-            </a:pPr>
-            <a:r>
-              <a:rPr lang="fr-FR" sz="2000" b="1" strike="noStrike" spc="-1" dirty="0">
-                <a:solidFill>
-                  <a:schemeClr val="bg1"/>
-                </a:solidFill>
-                <a:latin typeface="Trebuchet MS"/>
-                <a:ea typeface="Trebuchet MS"/>
-              </a:rPr>
-              <a:t>Numérique</a:t>
             </a:r>
             <a:endParaRPr lang="fr-FR" sz="2000" b="0" strike="noStrike" spc="-1" dirty="0">
               <a:solidFill>
@@ -7279,7 +7501,7 @@
 </p:sld>
 </file>
 
-<file path=ppt/slides/slide11.xml><?xml version="1.0" encoding="utf-8"?>
+<file path=ppt/slides/slide12.xml><?xml version="1.0" encoding="utf-8"?>
 <p:sld xmlns:a="http://schemas.openxmlformats.org/drawingml/2006/main" xmlns:r="http://schemas.openxmlformats.org/officeDocument/2006/relationships" xmlns:p="http://schemas.openxmlformats.org/presentationml/2006/main">
   <p:cSld>
     <p:bg>
@@ -7805,948 +8027,6 @@
 </p:sld>
 </file>
 
-<file path=ppt/slides/slide12.xml><?xml version="1.0" encoding="utf-8"?>
-<p:sld xmlns:a="http://schemas.openxmlformats.org/drawingml/2006/main" xmlns:r="http://schemas.openxmlformats.org/officeDocument/2006/relationships" xmlns:p="http://schemas.openxmlformats.org/presentationml/2006/main">
-  <p:cSld>
-    <p:spTree>
-      <p:nvGrpSpPr>
-        <p:cNvPr id="1" name=""/>
-        <p:cNvGrpSpPr/>
-        <p:nvPr/>
-      </p:nvGrpSpPr>
-      <p:grpSpPr>
-        <a:xfrm>
-          <a:off x="0" y="0"/>
-          <a:ext cx="0" cy="0"/>
-          <a:chOff x="0" y="0"/>
-          <a:chExt cx="0" cy="0"/>
-        </a:xfrm>
-      </p:grpSpPr>
-      <p:sp>
-        <p:nvSpPr>
-          <p:cNvPr id="2" name="Titre 1">
-            <a:extLst>
-              <a:ext uri="{FF2B5EF4-FFF2-40B4-BE49-F238E27FC236}">
-                <a16:creationId xmlns:a16="http://schemas.microsoft.com/office/drawing/2014/main" id="{90162AE8-C1B0-5C56-8313-DEE494F38273}"/>
-              </a:ext>
-            </a:extLst>
-          </p:cNvPr>
-          <p:cNvSpPr>
-            <a:spLocks noGrp="1"/>
-          </p:cNvSpPr>
-          <p:nvPr>
-            <p:ph type="title"/>
-          </p:nvPr>
-        </p:nvSpPr>
-        <p:spPr/>
-        <p:txBody>
-          <a:bodyPr/>
-          <a:lstStyle/>
-          <a:p>
-            <a:r>
-              <a:rPr lang="fr-FR" dirty="0" err="1"/>
-              <a:t>CéTI</a:t>
-            </a:r>
-            <a:r>
-              <a:rPr lang="fr-FR" dirty="0"/>
-              <a:t> / TP / Déroulement</a:t>
-            </a:r>
-          </a:p>
-        </p:txBody>
-      </p:sp>
-      <p:pic>
-        <p:nvPicPr>
-          <p:cNvPr id="5" name="Image 4" descr="Une image contenant texte&#10;&#10;Description générée automatiquement">
-            <a:extLst>
-              <a:ext uri="{FF2B5EF4-FFF2-40B4-BE49-F238E27FC236}">
-                <a16:creationId xmlns:a16="http://schemas.microsoft.com/office/drawing/2014/main" id="{204ADC40-1D61-539F-22ED-6B21D67FBDE6}"/>
-              </a:ext>
-            </a:extLst>
-          </p:cNvPr>
-          <p:cNvPicPr>
-            <a:picLocks noChangeAspect="1"/>
-          </p:cNvPicPr>
-          <p:nvPr/>
-        </p:nvPicPr>
-        <p:blipFill>
-          <a:blip r:embed="rId2" cstate="print">
-            <a:extLst>
-              <a:ext uri="{28A0092B-C50C-407E-A947-70E740481C1C}">
-                <a14:useLocalDpi xmlns:a14="http://schemas.microsoft.com/office/drawing/2010/main" val="0"/>
-              </a:ext>
-            </a:extLst>
-          </a:blip>
-          <a:stretch>
-            <a:fillRect/>
-          </a:stretch>
-        </p:blipFill>
-        <p:spPr>
-          <a:xfrm>
-            <a:off x="202922" y="5934456"/>
-            <a:ext cx="1825291" cy="749808"/>
-          </a:xfrm>
-          <a:prstGeom prst="rect">
-            <a:avLst/>
-          </a:prstGeom>
-        </p:spPr>
-      </p:pic>
-      <p:sp>
-        <p:nvSpPr>
-          <p:cNvPr id="18" name="CustomShape 3">
-            <a:extLst>
-              <a:ext uri="{FF2B5EF4-FFF2-40B4-BE49-F238E27FC236}">
-                <a16:creationId xmlns:a16="http://schemas.microsoft.com/office/drawing/2014/main" id="{67756887-8D7D-16CA-99A7-DCA51C63AE43}"/>
-              </a:ext>
-            </a:extLst>
-          </p:cNvPr>
-          <p:cNvSpPr/>
-          <p:nvPr/>
-        </p:nvSpPr>
-        <p:spPr>
-          <a:xfrm>
-            <a:off x="6390968" y="2440602"/>
-            <a:ext cx="4685465" cy="492443"/>
-          </a:xfrm>
-          <a:prstGeom prst="rect">
-            <a:avLst/>
-          </a:prstGeom>
-          <a:solidFill>
-            <a:schemeClr val="tx1">
-              <a:lumMod val="65000"/>
-              <a:lumOff val="35000"/>
-            </a:schemeClr>
-          </a:solidFill>
-          <a:ln w="0">
-            <a:noFill/>
-          </a:ln>
-        </p:spPr>
-        <p:style>
-          <a:lnRef idx="0">
-            <a:scrgbClr r="0" g="0" b="0"/>
-          </a:lnRef>
-          <a:fillRef idx="0">
-            <a:scrgbClr r="0" g="0" b="0"/>
-          </a:fillRef>
-          <a:effectRef idx="0">
-            <a:scrgbClr r="0" g="0" b="0"/>
-          </a:effectRef>
-          <a:fontRef idx="minor"/>
-        </p:style>
-        <p:txBody>
-          <a:bodyPr wrap="square" tIns="91440" bIns="91440">
-            <a:spAutoFit/>
-          </a:bodyPr>
-          <a:lstStyle/>
-          <a:p>
-            <a:pPr algn="ctr">
-              <a:lnSpc>
-                <a:spcPct val="100000"/>
-              </a:lnSpc>
-              <a:tabLst>
-                <a:tab pos="0" algn="l"/>
-              </a:tabLst>
-            </a:pPr>
-            <a:r>
-              <a:rPr lang="fr-FR" sz="2000" b="1" strike="noStrike" spc="-1" dirty="0">
-                <a:solidFill>
-                  <a:schemeClr val="bg1"/>
-                </a:solidFill>
-                <a:latin typeface="Trebuchet MS"/>
-                <a:ea typeface="Trebuchet MS"/>
-              </a:rPr>
-              <a:t>3 blocs de 2 séances de TP</a:t>
-            </a:r>
-            <a:endParaRPr lang="fr-FR" sz="2000" b="0" strike="noStrike" spc="-1" dirty="0">
-              <a:solidFill>
-                <a:schemeClr val="bg1"/>
-              </a:solidFill>
-              <a:latin typeface="Arial"/>
-            </a:endParaRPr>
-          </a:p>
-        </p:txBody>
-      </p:sp>
-      <p:sp>
-        <p:nvSpPr>
-          <p:cNvPr id="19" name="CustomShape 3">
-            <a:extLst>
-              <a:ext uri="{FF2B5EF4-FFF2-40B4-BE49-F238E27FC236}">
-                <a16:creationId xmlns:a16="http://schemas.microsoft.com/office/drawing/2014/main" id="{0A1DB7D8-E96B-C55E-F704-22C897EDE261}"/>
-              </a:ext>
-            </a:extLst>
-          </p:cNvPr>
-          <p:cNvSpPr/>
-          <p:nvPr/>
-        </p:nvSpPr>
-        <p:spPr>
-          <a:xfrm>
-            <a:off x="6388201" y="3152988"/>
-            <a:ext cx="3348569" cy="461665"/>
-          </a:xfrm>
-          <a:prstGeom prst="rect">
-            <a:avLst/>
-          </a:prstGeom>
-          <a:solidFill>
-            <a:schemeClr val="accent6"/>
-          </a:solidFill>
-          <a:ln w="0">
-            <a:noFill/>
-          </a:ln>
-        </p:spPr>
-        <p:style>
-          <a:lnRef idx="0">
-            <a:scrgbClr r="0" g="0" b="0"/>
-          </a:lnRef>
-          <a:fillRef idx="0">
-            <a:scrgbClr r="0" g="0" b="0"/>
-          </a:fillRef>
-          <a:effectRef idx="0">
-            <a:scrgbClr r="0" g="0" b="0"/>
-          </a:effectRef>
-          <a:fontRef idx="minor"/>
-        </p:style>
-        <p:txBody>
-          <a:bodyPr wrap="square" tIns="91440" bIns="91440">
-            <a:spAutoFit/>
-          </a:bodyPr>
-          <a:lstStyle/>
-          <a:p>
-            <a:pPr algn="ctr">
-              <a:lnSpc>
-                <a:spcPct val="100000"/>
-              </a:lnSpc>
-              <a:tabLst>
-                <a:tab pos="0" algn="l"/>
-              </a:tabLst>
-            </a:pPr>
-            <a:r>
-              <a:rPr lang="fr-FR" b="1" strike="noStrike" spc="-1" dirty="0">
-                <a:solidFill>
-                  <a:schemeClr val="bg1"/>
-                </a:solidFill>
-                <a:latin typeface="Trebuchet MS"/>
-                <a:ea typeface="Trebuchet MS"/>
-              </a:rPr>
-              <a:t>(0) Mise en forme / Filtrage</a:t>
-            </a:r>
-            <a:endParaRPr lang="fr-FR" b="0" strike="noStrike" spc="-1" dirty="0">
-              <a:solidFill>
-                <a:schemeClr val="bg1"/>
-              </a:solidFill>
-              <a:latin typeface="Arial"/>
-            </a:endParaRPr>
-          </a:p>
-        </p:txBody>
-      </p:sp>
-      <p:sp>
-        <p:nvSpPr>
-          <p:cNvPr id="21" name="CustomShape 3">
-            <a:extLst>
-              <a:ext uri="{FF2B5EF4-FFF2-40B4-BE49-F238E27FC236}">
-                <a16:creationId xmlns:a16="http://schemas.microsoft.com/office/drawing/2014/main" id="{C4F009B7-348E-6E4E-D3E6-A48A8134EA26}"/>
-              </a:ext>
-            </a:extLst>
-          </p:cNvPr>
-          <p:cNvSpPr/>
-          <p:nvPr/>
-        </p:nvSpPr>
-        <p:spPr>
-          <a:xfrm>
-            <a:off x="7069579" y="3806269"/>
-            <a:ext cx="3348569" cy="492443"/>
-          </a:xfrm>
-          <a:prstGeom prst="rect">
-            <a:avLst/>
-          </a:prstGeom>
-          <a:solidFill>
-            <a:schemeClr val="accent1"/>
-          </a:solidFill>
-          <a:ln w="0">
-            <a:noFill/>
-          </a:ln>
-        </p:spPr>
-        <p:style>
-          <a:lnRef idx="0">
-            <a:scrgbClr r="0" g="0" b="0"/>
-          </a:lnRef>
-          <a:fillRef idx="0">
-            <a:scrgbClr r="0" g="0" b="0"/>
-          </a:fillRef>
-          <a:effectRef idx="0">
-            <a:scrgbClr r="0" g="0" b="0"/>
-          </a:effectRef>
-          <a:fontRef idx="minor"/>
-        </p:style>
-        <p:txBody>
-          <a:bodyPr wrap="square" tIns="91440" bIns="91440">
-            <a:spAutoFit/>
-          </a:bodyPr>
-          <a:lstStyle/>
-          <a:p>
-            <a:pPr algn="ctr">
-              <a:lnSpc>
-                <a:spcPct val="100000"/>
-              </a:lnSpc>
-              <a:tabLst>
-                <a:tab pos="0" algn="l"/>
-              </a:tabLst>
-            </a:pPr>
-            <a:r>
-              <a:rPr lang="fr-FR" sz="2000" b="1" strike="noStrike" spc="-1" dirty="0">
-                <a:solidFill>
-                  <a:schemeClr val="bg1"/>
-                </a:solidFill>
-                <a:latin typeface="Trebuchet MS"/>
-                <a:ea typeface="Trebuchet MS"/>
-              </a:rPr>
-              <a:t>(1) </a:t>
-            </a:r>
-            <a:r>
-              <a:rPr lang="fr-FR" sz="2000" b="1" strike="noStrike" spc="-1" dirty="0" err="1">
-                <a:solidFill>
-                  <a:schemeClr val="bg1"/>
-                </a:solidFill>
-                <a:latin typeface="Trebuchet MS"/>
-                <a:ea typeface="Trebuchet MS"/>
-              </a:rPr>
-              <a:t>Photodétection</a:t>
-            </a:r>
-            <a:endParaRPr lang="fr-FR" sz="2000" b="0" strike="noStrike" spc="-1" dirty="0">
-              <a:solidFill>
-                <a:schemeClr val="bg1"/>
-              </a:solidFill>
-              <a:latin typeface="Arial"/>
-            </a:endParaRPr>
-          </a:p>
-        </p:txBody>
-      </p:sp>
-      <p:sp>
-        <p:nvSpPr>
-          <p:cNvPr id="22" name="CustomShape 3">
-            <a:extLst>
-              <a:ext uri="{FF2B5EF4-FFF2-40B4-BE49-F238E27FC236}">
-                <a16:creationId xmlns:a16="http://schemas.microsoft.com/office/drawing/2014/main" id="{CE6EC910-9A26-3624-9DD4-5C9F133E72DA}"/>
-              </a:ext>
-            </a:extLst>
-          </p:cNvPr>
-          <p:cNvSpPr/>
-          <p:nvPr/>
-        </p:nvSpPr>
-        <p:spPr>
-          <a:xfrm>
-            <a:off x="7727864" y="5100650"/>
-            <a:ext cx="3348569" cy="492443"/>
-          </a:xfrm>
-          <a:prstGeom prst="rect">
-            <a:avLst/>
-          </a:prstGeom>
-          <a:solidFill>
-            <a:schemeClr val="accent2">
-              <a:lumMod val="75000"/>
-            </a:schemeClr>
-          </a:solidFill>
-          <a:ln w="0">
-            <a:noFill/>
-          </a:ln>
-        </p:spPr>
-        <p:style>
-          <a:lnRef idx="0">
-            <a:scrgbClr r="0" g="0" b="0"/>
-          </a:lnRef>
-          <a:fillRef idx="0">
-            <a:scrgbClr r="0" g="0" b="0"/>
-          </a:fillRef>
-          <a:effectRef idx="0">
-            <a:scrgbClr r="0" g="0" b="0"/>
-          </a:effectRef>
-          <a:fontRef idx="minor"/>
-        </p:style>
-        <p:txBody>
-          <a:bodyPr wrap="square" tIns="91440" bIns="91440">
-            <a:spAutoFit/>
-          </a:bodyPr>
-          <a:lstStyle/>
-          <a:p>
-            <a:pPr algn="ctr">
-              <a:lnSpc>
-                <a:spcPct val="100000"/>
-              </a:lnSpc>
-              <a:tabLst>
-                <a:tab pos="0" algn="l"/>
-              </a:tabLst>
-            </a:pPr>
-            <a:r>
-              <a:rPr lang="fr-FR" sz="2000" b="1" strike="noStrike" spc="-1" dirty="0">
-                <a:solidFill>
-                  <a:schemeClr val="bg1"/>
-                </a:solidFill>
-                <a:latin typeface="Trebuchet MS"/>
-              </a:rPr>
-              <a:t>(3) Notions avancées</a:t>
-            </a:r>
-            <a:endParaRPr lang="fr-FR" sz="2000" b="0" strike="noStrike" spc="-1" dirty="0">
-              <a:solidFill>
-                <a:schemeClr val="bg1"/>
-              </a:solidFill>
-              <a:latin typeface="Arial"/>
-            </a:endParaRPr>
-          </a:p>
-        </p:txBody>
-      </p:sp>
-      <p:sp>
-        <p:nvSpPr>
-          <p:cNvPr id="23" name="CustomShape 3">
-            <a:extLst>
-              <a:ext uri="{FF2B5EF4-FFF2-40B4-BE49-F238E27FC236}">
-                <a16:creationId xmlns:a16="http://schemas.microsoft.com/office/drawing/2014/main" id="{D07EBB44-0FC5-22B6-B831-C9AE212D70CF}"/>
-              </a:ext>
-            </a:extLst>
-          </p:cNvPr>
-          <p:cNvSpPr/>
-          <p:nvPr/>
-        </p:nvSpPr>
-        <p:spPr>
-          <a:xfrm>
-            <a:off x="7059415" y="4453460"/>
-            <a:ext cx="3348569" cy="492443"/>
-          </a:xfrm>
-          <a:prstGeom prst="rect">
-            <a:avLst/>
-          </a:prstGeom>
-          <a:solidFill>
-            <a:srgbClr val="00B0F0"/>
-          </a:solidFill>
-          <a:ln w="0">
-            <a:noFill/>
-          </a:ln>
-        </p:spPr>
-        <p:style>
-          <a:lnRef idx="0">
-            <a:scrgbClr r="0" g="0" b="0"/>
-          </a:lnRef>
-          <a:fillRef idx="0">
-            <a:scrgbClr r="0" g="0" b="0"/>
-          </a:fillRef>
-          <a:effectRef idx="0">
-            <a:scrgbClr r="0" g="0" b="0"/>
-          </a:effectRef>
-          <a:fontRef idx="minor"/>
-        </p:style>
-        <p:txBody>
-          <a:bodyPr wrap="square" tIns="91440" bIns="91440">
-            <a:spAutoFit/>
-          </a:bodyPr>
-          <a:lstStyle/>
-          <a:p>
-            <a:pPr algn="ctr">
-              <a:lnSpc>
-                <a:spcPct val="100000"/>
-              </a:lnSpc>
-              <a:tabLst>
-                <a:tab pos="0" algn="l"/>
-              </a:tabLst>
-            </a:pPr>
-            <a:r>
-              <a:rPr lang="fr-FR" sz="2000" b="1" strike="noStrike" spc="-1" dirty="0">
-                <a:solidFill>
-                  <a:schemeClr val="bg1"/>
-                </a:solidFill>
-                <a:latin typeface="Trebuchet MS"/>
-                <a:ea typeface="Trebuchet MS"/>
-              </a:rPr>
-              <a:t>(2) Numérique</a:t>
-            </a:r>
-            <a:endParaRPr lang="fr-FR" sz="2000" b="0" strike="noStrike" spc="-1" dirty="0">
-              <a:solidFill>
-                <a:schemeClr val="bg1"/>
-              </a:solidFill>
-              <a:latin typeface="Arial"/>
-            </a:endParaRPr>
-          </a:p>
-        </p:txBody>
-      </p:sp>
-      <p:sp>
-        <p:nvSpPr>
-          <p:cNvPr id="7" name="CustomShape 3">
-            <a:extLst>
-              <a:ext uri="{FF2B5EF4-FFF2-40B4-BE49-F238E27FC236}">
-                <a16:creationId xmlns:a16="http://schemas.microsoft.com/office/drawing/2014/main" id="{D72796BA-C4FB-0B68-53DE-1739E281DCE7}"/>
-              </a:ext>
-            </a:extLst>
-          </p:cNvPr>
-          <p:cNvSpPr/>
-          <p:nvPr/>
-        </p:nvSpPr>
-        <p:spPr>
-          <a:xfrm>
-            <a:off x="1115567" y="2440602"/>
-            <a:ext cx="4685465" cy="492443"/>
-          </a:xfrm>
-          <a:prstGeom prst="rect">
-            <a:avLst/>
-          </a:prstGeom>
-          <a:solidFill>
-            <a:srgbClr val="00B0F0"/>
-          </a:solidFill>
-          <a:ln w="0">
-            <a:noFill/>
-          </a:ln>
-        </p:spPr>
-        <p:style>
-          <a:lnRef idx="0">
-            <a:scrgbClr r="0" g="0" b="0"/>
-          </a:lnRef>
-          <a:fillRef idx="0">
-            <a:scrgbClr r="0" g="0" b="0"/>
-          </a:fillRef>
-          <a:effectRef idx="0">
-            <a:scrgbClr r="0" g="0" b="0"/>
-          </a:effectRef>
-          <a:fontRef idx="minor"/>
-        </p:style>
-        <p:txBody>
-          <a:bodyPr wrap="square" tIns="91440" bIns="91440">
-            <a:spAutoFit/>
-          </a:bodyPr>
-          <a:lstStyle/>
-          <a:p>
-            <a:pPr algn="ctr">
-              <a:lnSpc>
-                <a:spcPct val="100000"/>
-              </a:lnSpc>
-              <a:tabLst>
-                <a:tab pos="0" algn="l"/>
-              </a:tabLst>
-            </a:pPr>
-            <a:r>
-              <a:rPr lang="fr-FR" sz="2000" b="1" strike="noStrike" spc="-1" dirty="0">
-                <a:solidFill>
-                  <a:schemeClr val="bg1"/>
-                </a:solidFill>
-                <a:latin typeface="Trebuchet MS"/>
-                <a:ea typeface="Trebuchet MS"/>
-              </a:rPr>
-              <a:t>Déroulement</a:t>
-            </a:r>
-            <a:endParaRPr lang="fr-FR" sz="2000" b="0" strike="noStrike" spc="-1" dirty="0">
-              <a:solidFill>
-                <a:schemeClr val="bg1"/>
-              </a:solidFill>
-              <a:latin typeface="Arial"/>
-            </a:endParaRPr>
-          </a:p>
-        </p:txBody>
-      </p:sp>
-      <p:sp>
-        <p:nvSpPr>
-          <p:cNvPr id="8" name="Espace réservé du contenu 2">
-            <a:extLst>
-              <a:ext uri="{FF2B5EF4-FFF2-40B4-BE49-F238E27FC236}">
-                <a16:creationId xmlns:a16="http://schemas.microsoft.com/office/drawing/2014/main" id="{AFB50BFF-D75E-AF18-215D-57F48FD8A0AF}"/>
-              </a:ext>
-            </a:extLst>
-          </p:cNvPr>
-          <p:cNvSpPr>
-            <a:spLocks noGrp="1"/>
-          </p:cNvSpPr>
-          <p:nvPr>
-            <p:ph sz="half" idx="1"/>
-          </p:nvPr>
-        </p:nvSpPr>
-        <p:spPr>
-          <a:xfrm>
-            <a:off x="1108263" y="3050362"/>
-            <a:ext cx="4685466" cy="3694176"/>
-          </a:xfrm>
-        </p:spPr>
-        <p:txBody>
-          <a:bodyPr>
-            <a:normAutofit/>
-          </a:bodyPr>
-          <a:lstStyle/>
-          <a:p>
-            <a:r>
-              <a:rPr lang="fr-FR" sz="2000" b="1" dirty="0"/>
-              <a:t>Séances</a:t>
-            </a:r>
-          </a:p>
-          <a:p>
-            <a:pPr lvl="1"/>
-            <a:r>
-              <a:rPr lang="fr-FR" sz="1800" dirty="0"/>
-              <a:t>Durée : </a:t>
-            </a:r>
-            <a:r>
-              <a:rPr lang="fr-FR" sz="1800" b="1" dirty="0"/>
-              <a:t>4h30</a:t>
-            </a:r>
-            <a:r>
-              <a:rPr lang="fr-FR" sz="1800" dirty="0"/>
-              <a:t> – </a:t>
-            </a:r>
-            <a:r>
-              <a:rPr lang="fr-FR" sz="1800" b="1" dirty="0"/>
-              <a:t>Début à 8h30 !!</a:t>
-            </a:r>
-          </a:p>
-          <a:p>
-            <a:pPr lvl="1"/>
-            <a:r>
-              <a:rPr lang="fr-FR" sz="1800" dirty="0"/>
-              <a:t>Nombre : </a:t>
-            </a:r>
-            <a:r>
-              <a:rPr lang="fr-FR" sz="1800" b="1" dirty="0"/>
-              <a:t>6 séances</a:t>
-            </a:r>
-          </a:p>
-          <a:p>
-            <a:r>
-              <a:rPr lang="fr-FR" sz="2000" b="1" dirty="0"/>
-              <a:t>4 thèmes</a:t>
-            </a:r>
-          </a:p>
-          <a:p>
-            <a:pPr lvl="1"/>
-            <a:r>
-              <a:rPr lang="fr-FR" sz="1800" dirty="0"/>
-              <a:t>Durée : </a:t>
-            </a:r>
-            <a:r>
-              <a:rPr lang="fr-FR" sz="1800" b="1" dirty="0"/>
-              <a:t>2 séances</a:t>
-            </a:r>
-          </a:p>
-          <a:p>
-            <a:r>
-              <a:rPr lang="fr-FR" sz="2200" b="1" dirty="0"/>
-              <a:t>2 parcours : </a:t>
-            </a:r>
-          </a:p>
-          <a:p>
-            <a:pPr lvl="1"/>
-            <a:r>
-              <a:rPr lang="fr-FR" sz="1800" b="1" dirty="0"/>
-              <a:t>Initiation</a:t>
-            </a:r>
-            <a:r>
-              <a:rPr lang="fr-FR" sz="1800" dirty="0"/>
-              <a:t> (Thème 0, 1 et 2)</a:t>
-            </a:r>
-          </a:p>
-          <a:p>
-            <a:pPr lvl="1"/>
-            <a:r>
-              <a:rPr lang="fr-FR" sz="1800" b="1" dirty="0"/>
-              <a:t>Avancé</a:t>
-            </a:r>
-            <a:r>
-              <a:rPr lang="fr-FR" sz="1800" dirty="0"/>
-              <a:t> (Thèmes 1, 2 et 3)</a:t>
-            </a:r>
-          </a:p>
-        </p:txBody>
-      </p:sp>
-      <p:sp>
-        <p:nvSpPr>
-          <p:cNvPr id="10" name="Rectangle 9">
-            <a:extLst>
-              <a:ext uri="{FF2B5EF4-FFF2-40B4-BE49-F238E27FC236}">
-                <a16:creationId xmlns:a16="http://schemas.microsoft.com/office/drawing/2014/main" id="{7393C8FB-A9FB-4E97-53C8-BEC456713BC2}"/>
-              </a:ext>
-            </a:extLst>
-          </p:cNvPr>
-          <p:cNvSpPr/>
-          <p:nvPr/>
-        </p:nvSpPr>
-        <p:spPr>
-          <a:xfrm rot="5400000">
-            <a:off x="9993162" y="3862634"/>
-            <a:ext cx="1792916" cy="373626"/>
-          </a:xfrm>
-          <a:prstGeom prst="rect">
-            <a:avLst/>
-          </a:prstGeom>
-          <a:solidFill>
-            <a:srgbClr val="002060"/>
-          </a:solidFill>
-          <a:ln>
-            <a:solidFill>
-              <a:schemeClr val="bg1"/>
-            </a:solidFill>
-          </a:ln>
-        </p:spPr>
-        <p:style>
-          <a:lnRef idx="2">
-            <a:schemeClr val="accent1">
-              <a:shade val="15000"/>
-            </a:schemeClr>
-          </a:lnRef>
-          <a:fillRef idx="1">
-            <a:schemeClr val="accent1"/>
-          </a:fillRef>
-          <a:effectRef idx="0">
-            <a:schemeClr val="accent1"/>
-          </a:effectRef>
-          <a:fontRef idx="minor">
-            <a:schemeClr val="lt1"/>
-          </a:fontRef>
-        </p:style>
-        <p:txBody>
-          <a:bodyPr rtlCol="0" anchor="ctr"/>
-          <a:lstStyle/>
-          <a:p>
-            <a:pPr algn="ctr"/>
-            <a:r>
-              <a:rPr lang="fr-FR" b="1" dirty="0"/>
-              <a:t>Initiation</a:t>
-            </a:r>
-          </a:p>
-        </p:txBody>
-      </p:sp>
-      <p:sp>
-        <p:nvSpPr>
-          <p:cNvPr id="13" name="Rectangle 12">
-            <a:extLst>
-              <a:ext uri="{FF2B5EF4-FFF2-40B4-BE49-F238E27FC236}">
-                <a16:creationId xmlns:a16="http://schemas.microsoft.com/office/drawing/2014/main" id="{CA90388C-EE6E-B10D-0DC1-B914A000A349}"/>
-              </a:ext>
-            </a:extLst>
-          </p:cNvPr>
-          <p:cNvSpPr/>
-          <p:nvPr/>
-        </p:nvSpPr>
-        <p:spPr>
-          <a:xfrm rot="5400000">
-            <a:off x="5678556" y="4509822"/>
-            <a:ext cx="1792916" cy="373626"/>
-          </a:xfrm>
-          <a:prstGeom prst="rect">
-            <a:avLst/>
-          </a:prstGeom>
-          <a:solidFill>
-            <a:srgbClr val="002060"/>
-          </a:solidFill>
-          <a:ln>
-            <a:solidFill>
-              <a:schemeClr val="bg1"/>
-            </a:solidFill>
-          </a:ln>
-        </p:spPr>
-        <p:style>
-          <a:lnRef idx="2">
-            <a:schemeClr val="accent1">
-              <a:shade val="15000"/>
-            </a:schemeClr>
-          </a:lnRef>
-          <a:fillRef idx="1">
-            <a:schemeClr val="accent1"/>
-          </a:fillRef>
-          <a:effectRef idx="0">
-            <a:schemeClr val="accent1"/>
-          </a:effectRef>
-          <a:fontRef idx="minor">
-            <a:schemeClr val="lt1"/>
-          </a:fontRef>
-        </p:style>
-        <p:txBody>
-          <a:bodyPr rtlCol="0" anchor="ctr"/>
-          <a:lstStyle/>
-          <a:p>
-            <a:pPr algn="ctr"/>
-            <a:r>
-              <a:rPr lang="fr-FR" b="1" dirty="0"/>
-              <a:t>Avancé</a:t>
-            </a:r>
-          </a:p>
-        </p:txBody>
-      </p:sp>
-      <p:cxnSp>
-        <p:nvCxnSpPr>
-          <p:cNvPr id="15" name="Connecteur droit 14">
-            <a:extLst>
-              <a:ext uri="{FF2B5EF4-FFF2-40B4-BE49-F238E27FC236}">
-                <a16:creationId xmlns:a16="http://schemas.microsoft.com/office/drawing/2014/main" id="{5792277F-83A5-6917-3F13-B7C5DD6AD6F5}"/>
-              </a:ext>
-            </a:extLst>
-          </p:cNvPr>
-          <p:cNvCxnSpPr/>
-          <p:nvPr/>
-        </p:nvCxnSpPr>
-        <p:spPr>
-          <a:xfrm flipH="1">
-            <a:off x="9746602" y="3152988"/>
-            <a:ext cx="966037" cy="0"/>
-          </a:xfrm>
-          <a:prstGeom prst="line">
-            <a:avLst/>
-          </a:prstGeom>
-          <a:ln w="12700">
-            <a:solidFill>
-              <a:srgbClr val="002060"/>
-            </a:solidFill>
-            <a:prstDash val="sysDash"/>
-          </a:ln>
-        </p:spPr>
-        <p:style>
-          <a:lnRef idx="1">
-            <a:schemeClr val="accent1"/>
-          </a:lnRef>
-          <a:fillRef idx="0">
-            <a:schemeClr val="accent1"/>
-          </a:fillRef>
-          <a:effectRef idx="0">
-            <a:schemeClr val="accent1"/>
-          </a:effectRef>
-          <a:fontRef idx="minor">
-            <a:schemeClr val="tx1"/>
-          </a:fontRef>
-        </p:style>
-      </p:cxnSp>
-      <p:cxnSp>
-        <p:nvCxnSpPr>
-          <p:cNvPr id="20" name="Connecteur droit 19">
-            <a:extLst>
-              <a:ext uri="{FF2B5EF4-FFF2-40B4-BE49-F238E27FC236}">
-                <a16:creationId xmlns:a16="http://schemas.microsoft.com/office/drawing/2014/main" id="{06907E2B-F1FA-BBE3-B2E3-EEE62CE1A149}"/>
-              </a:ext>
-            </a:extLst>
-          </p:cNvPr>
-          <p:cNvCxnSpPr>
-            <a:cxnSpLocks/>
-          </p:cNvCxnSpPr>
-          <p:nvPr/>
-        </p:nvCxnSpPr>
-        <p:spPr>
-          <a:xfrm flipH="1">
-            <a:off x="6791178" y="5593093"/>
-            <a:ext cx="848487" cy="0"/>
-          </a:xfrm>
-          <a:prstGeom prst="line">
-            <a:avLst/>
-          </a:prstGeom>
-          <a:ln w="12700">
-            <a:solidFill>
-              <a:srgbClr val="002060"/>
-            </a:solidFill>
-            <a:prstDash val="sysDash"/>
-          </a:ln>
-        </p:spPr>
-        <p:style>
-          <a:lnRef idx="1">
-            <a:schemeClr val="accent1"/>
-          </a:lnRef>
-          <a:fillRef idx="0">
-            <a:schemeClr val="accent1"/>
-          </a:fillRef>
-          <a:effectRef idx="0">
-            <a:schemeClr val="accent1"/>
-          </a:effectRef>
-          <a:fontRef idx="minor">
-            <a:schemeClr val="tx1"/>
-          </a:fontRef>
-        </p:style>
-      </p:cxnSp>
-      <p:cxnSp>
-        <p:nvCxnSpPr>
-          <p:cNvPr id="26" name="Connecteur droit 25">
-            <a:extLst>
-              <a:ext uri="{FF2B5EF4-FFF2-40B4-BE49-F238E27FC236}">
-                <a16:creationId xmlns:a16="http://schemas.microsoft.com/office/drawing/2014/main" id="{AD852AD8-2FB4-AA44-E178-82388CE7F6BB}"/>
-              </a:ext>
-            </a:extLst>
-          </p:cNvPr>
-          <p:cNvCxnSpPr>
-            <a:cxnSpLocks/>
-          </p:cNvCxnSpPr>
-          <p:nvPr/>
-        </p:nvCxnSpPr>
-        <p:spPr>
-          <a:xfrm flipH="1">
-            <a:off x="6771513" y="3803631"/>
-            <a:ext cx="258406" cy="0"/>
-          </a:xfrm>
-          <a:prstGeom prst="line">
-            <a:avLst/>
-          </a:prstGeom>
-          <a:ln w="12700">
-            <a:solidFill>
-              <a:srgbClr val="002060"/>
-            </a:solidFill>
-            <a:prstDash val="sysDash"/>
-          </a:ln>
-        </p:spPr>
-        <p:style>
-          <a:lnRef idx="1">
-            <a:schemeClr val="accent1"/>
-          </a:lnRef>
-          <a:fillRef idx="0">
-            <a:schemeClr val="accent1"/>
-          </a:fillRef>
-          <a:effectRef idx="0">
-            <a:schemeClr val="accent1"/>
-          </a:effectRef>
-          <a:fontRef idx="minor">
-            <a:schemeClr val="tx1"/>
-          </a:fontRef>
-        </p:style>
-      </p:cxnSp>
-      <p:cxnSp>
-        <p:nvCxnSpPr>
-          <p:cNvPr id="28" name="Connecteur droit 27">
-            <a:extLst>
-              <a:ext uri="{FF2B5EF4-FFF2-40B4-BE49-F238E27FC236}">
-                <a16:creationId xmlns:a16="http://schemas.microsoft.com/office/drawing/2014/main" id="{E2687EA2-51BE-8556-F16F-F9122527D034}"/>
-              </a:ext>
-            </a:extLst>
-          </p:cNvPr>
-          <p:cNvCxnSpPr>
-            <a:cxnSpLocks/>
-          </p:cNvCxnSpPr>
-          <p:nvPr/>
-        </p:nvCxnSpPr>
-        <p:spPr>
-          <a:xfrm flipH="1">
-            <a:off x="10444401" y="4939534"/>
-            <a:ext cx="258406" cy="0"/>
-          </a:xfrm>
-          <a:prstGeom prst="line">
-            <a:avLst/>
-          </a:prstGeom>
-          <a:ln w="12700">
-            <a:solidFill>
-              <a:srgbClr val="002060"/>
-            </a:solidFill>
-            <a:prstDash val="sysDash"/>
-          </a:ln>
-        </p:spPr>
-        <p:style>
-          <a:lnRef idx="1">
-            <a:schemeClr val="accent1"/>
-          </a:lnRef>
-          <a:fillRef idx="0">
-            <a:schemeClr val="accent1"/>
-          </a:fillRef>
-          <a:effectRef idx="0">
-            <a:schemeClr val="accent1"/>
-          </a:effectRef>
-          <a:fontRef idx="minor">
-            <a:schemeClr val="tx1"/>
-          </a:fontRef>
-        </p:style>
-      </p:cxnSp>
-    </p:spTree>
-    <p:extLst>
-      <p:ext uri="{BB962C8B-B14F-4D97-AF65-F5344CB8AC3E}">
-        <p14:creationId xmlns:p14="http://schemas.microsoft.com/office/powerpoint/2010/main" val="1427447957"/>
-      </p:ext>
-    </p:extLst>
-  </p:cSld>
-  <p:clrMapOvr>
-    <a:masterClrMapping/>
-  </p:clrMapOvr>
-</p:sld>
-</file>
-
 <file path=ppt/slides/slide13.xml><?xml version="1.0" encoding="utf-8"?>
 <p:sld xmlns:a="http://schemas.openxmlformats.org/drawingml/2006/main" xmlns:r="http://schemas.openxmlformats.org/officeDocument/2006/relationships" xmlns:p="http://schemas.openxmlformats.org/presentationml/2006/main">
   <p:cSld>
@@ -8832,42 +8112,12 @@
           </a:prstGeom>
         </p:spPr>
       </p:pic>
-      <p:pic>
-        <p:nvPicPr>
-          <p:cNvPr id="6" name="Image 5">
-            <a:extLst>
-              <a:ext uri="{FF2B5EF4-FFF2-40B4-BE49-F238E27FC236}">
-                <a16:creationId xmlns:a16="http://schemas.microsoft.com/office/drawing/2014/main" id="{C785231C-CAA7-29BE-C29B-8254BE697AE1}"/>
-              </a:ext>
-            </a:extLst>
-          </p:cNvPr>
-          <p:cNvPicPr>
-            <a:picLocks noChangeAspect="1"/>
-          </p:cNvPicPr>
-          <p:nvPr/>
-        </p:nvPicPr>
-        <p:blipFill>
-          <a:blip r:embed="rId3"/>
-          <a:stretch>
-            <a:fillRect/>
-          </a:stretch>
-        </p:blipFill>
-        <p:spPr>
-          <a:xfrm>
-            <a:off x="6096000" y="2440602"/>
-            <a:ext cx="5639540" cy="3520434"/>
-          </a:xfrm>
-          <a:prstGeom prst="rect">
-            <a:avLst/>
-          </a:prstGeom>
-        </p:spPr>
-      </p:pic>
-      <p:sp>
-        <p:nvSpPr>
-          <p:cNvPr id="3" name="CustomShape 3">
-            <a:extLst>
-              <a:ext uri="{FF2B5EF4-FFF2-40B4-BE49-F238E27FC236}">
-                <a16:creationId xmlns:a16="http://schemas.microsoft.com/office/drawing/2014/main" id="{D0B66582-DD89-E125-987B-BF9482C13816}"/>
+      <p:sp>
+        <p:nvSpPr>
+          <p:cNvPr id="18" name="CustomShape 3">
+            <a:extLst>
+              <a:ext uri="{FF2B5EF4-FFF2-40B4-BE49-F238E27FC236}">
+                <a16:creationId xmlns:a16="http://schemas.microsoft.com/office/drawing/2014/main" id="{67756887-8D7D-16CA-99A7-DCA51C63AE43}"/>
               </a:ext>
             </a:extLst>
           </p:cNvPr>
@@ -8876,14 +8126,17 @@
         </p:nvSpPr>
         <p:spPr>
           <a:xfrm>
-            <a:off x="1115567" y="2440602"/>
+            <a:off x="6390968" y="2440602"/>
             <a:ext cx="4685465" cy="492443"/>
           </a:xfrm>
           <a:prstGeom prst="rect">
             <a:avLst/>
           </a:prstGeom>
           <a:solidFill>
-            <a:srgbClr val="00B0F0"/>
+            <a:schemeClr val="tx1">
+              <a:lumMod val="65000"/>
+              <a:lumOff val="35000"/>
+            </a:schemeClr>
           </a:solidFill>
           <a:ln w="0">
             <a:noFill/>
@@ -8923,7 +8176,7 @@
                 <a:latin typeface="Trebuchet MS"/>
                 <a:ea typeface="Trebuchet MS"/>
               </a:rPr>
-              <a:t>Déroulement</a:t>
+              <a:t>3 blocs de 2 séances de TP</a:t>
             </a:r>
             <a:endParaRPr lang="fr-FR" sz="2000" b="0" strike="noStrike" spc="-1" dirty="0">
               <a:solidFill>
@@ -8936,10 +8189,154 @@
       </p:sp>
       <p:sp>
         <p:nvSpPr>
-          <p:cNvPr id="4" name="Espace réservé du contenu 2">
-            <a:extLst>
-              <a:ext uri="{FF2B5EF4-FFF2-40B4-BE49-F238E27FC236}">
-                <a16:creationId xmlns:a16="http://schemas.microsoft.com/office/drawing/2014/main" id="{1F8D6EF3-7C57-CB24-A956-E894E5DB98E8}"/>
+          <p:cNvPr id="19" name="CustomShape 3">
+            <a:extLst>
+              <a:ext uri="{FF2B5EF4-FFF2-40B4-BE49-F238E27FC236}">
+                <a16:creationId xmlns:a16="http://schemas.microsoft.com/office/drawing/2014/main" id="{0A1DB7D8-E96B-C55E-F704-22C897EDE261}"/>
+              </a:ext>
+            </a:extLst>
+          </p:cNvPr>
+          <p:cNvSpPr/>
+          <p:nvPr/>
+        </p:nvSpPr>
+        <p:spPr>
+          <a:xfrm>
+            <a:off x="6388201" y="3152988"/>
+            <a:ext cx="3348569" cy="461665"/>
+          </a:xfrm>
+          <a:prstGeom prst="rect">
+            <a:avLst/>
+          </a:prstGeom>
+          <a:solidFill>
+            <a:schemeClr val="accent6"/>
+          </a:solidFill>
+          <a:ln w="0">
+            <a:noFill/>
+          </a:ln>
+        </p:spPr>
+        <p:style>
+          <a:lnRef idx="0">
+            <a:scrgbClr r="0" g="0" b="0"/>
+          </a:lnRef>
+          <a:fillRef idx="0">
+            <a:scrgbClr r="0" g="0" b="0"/>
+          </a:fillRef>
+          <a:effectRef idx="0">
+            <a:scrgbClr r="0" g="0" b="0"/>
+          </a:effectRef>
+          <a:fontRef idx="minor"/>
+        </p:style>
+        <p:txBody>
+          <a:bodyPr wrap="square" tIns="91440" bIns="91440">
+            <a:spAutoFit/>
+          </a:bodyPr>
+          <a:lstStyle/>
+          <a:p>
+            <a:pPr algn="ctr">
+              <a:lnSpc>
+                <a:spcPct val="100000"/>
+              </a:lnSpc>
+              <a:tabLst>
+                <a:tab pos="0" algn="l"/>
+              </a:tabLst>
+            </a:pPr>
+            <a:r>
+              <a:rPr lang="fr-FR" b="1" strike="noStrike" spc="-1" dirty="0">
+                <a:solidFill>
+                  <a:schemeClr val="bg1"/>
+                </a:solidFill>
+                <a:latin typeface="Trebuchet MS"/>
+                <a:ea typeface="Trebuchet MS"/>
+              </a:rPr>
+              <a:t>(0) Mise en forme / Filtrage</a:t>
+            </a:r>
+            <a:endParaRPr lang="fr-FR" b="0" strike="noStrike" spc="-1" dirty="0">
+              <a:solidFill>
+                <a:schemeClr val="bg1"/>
+              </a:solidFill>
+              <a:latin typeface="Arial"/>
+            </a:endParaRPr>
+          </a:p>
+        </p:txBody>
+      </p:sp>
+      <p:sp>
+        <p:nvSpPr>
+          <p:cNvPr id="7" name="CustomShape 3">
+            <a:extLst>
+              <a:ext uri="{FF2B5EF4-FFF2-40B4-BE49-F238E27FC236}">
+                <a16:creationId xmlns:a16="http://schemas.microsoft.com/office/drawing/2014/main" id="{D72796BA-C4FB-0B68-53DE-1739E281DCE7}"/>
+              </a:ext>
+            </a:extLst>
+          </p:cNvPr>
+          <p:cNvSpPr/>
+          <p:nvPr/>
+        </p:nvSpPr>
+        <p:spPr>
+          <a:xfrm>
+            <a:off x="1115567" y="2440602"/>
+            <a:ext cx="4685465" cy="492443"/>
+          </a:xfrm>
+          <a:prstGeom prst="rect">
+            <a:avLst/>
+          </a:prstGeom>
+          <a:solidFill>
+            <a:srgbClr val="00B0F0"/>
+          </a:solidFill>
+          <a:ln w="0">
+            <a:noFill/>
+          </a:ln>
+        </p:spPr>
+        <p:style>
+          <a:lnRef idx="0">
+            <a:scrgbClr r="0" g="0" b="0"/>
+          </a:lnRef>
+          <a:fillRef idx="0">
+            <a:scrgbClr r="0" g="0" b="0"/>
+          </a:fillRef>
+          <a:effectRef idx="0">
+            <a:scrgbClr r="0" g="0" b="0"/>
+          </a:effectRef>
+          <a:fontRef idx="minor"/>
+        </p:style>
+        <p:txBody>
+          <a:bodyPr wrap="square" tIns="91440" bIns="91440">
+            <a:spAutoFit/>
+          </a:bodyPr>
+          <a:lstStyle/>
+          <a:p>
+            <a:pPr algn="ctr">
+              <a:lnSpc>
+                <a:spcPct val="100000"/>
+              </a:lnSpc>
+              <a:tabLst>
+                <a:tab pos="0" algn="l"/>
+              </a:tabLst>
+            </a:pPr>
+            <a:r>
+              <a:rPr lang="fr-FR" sz="2000" b="1" strike="noStrike" spc="-1" dirty="0">
+                <a:solidFill>
+                  <a:schemeClr val="bg1"/>
+                </a:solidFill>
+                <a:latin typeface="Trebuchet MS"/>
+                <a:ea typeface="Trebuchet MS"/>
+              </a:rPr>
+              <a:t>Déroulement</a:t>
+            </a:r>
+            <a:endParaRPr lang="fr-FR" sz="2000" b="0" strike="noStrike" spc="-1" dirty="0">
+              <a:solidFill>
+                <a:schemeClr val="bg1"/>
+              </a:solidFill>
+              <a:latin typeface="Arial"/>
+            </a:endParaRPr>
+          </a:p>
+        </p:txBody>
+      </p:sp>
+      <p:sp>
+        <p:nvSpPr>
+          <p:cNvPr id="8" name="Espace réservé du contenu 2">
+            <a:extLst>
+              <a:ext uri="{FF2B5EF4-FFF2-40B4-BE49-F238E27FC236}">
+                <a16:creationId xmlns:a16="http://schemas.microsoft.com/office/drawing/2014/main" id="{AFB50BFF-D75E-AF18-215D-57F48FD8A0AF}"/>
               </a:ext>
             </a:extLst>
           </p:cNvPr>
@@ -8964,44 +8361,216 @@
           <a:p>
             <a:r>
               <a:rPr lang="fr-FR" sz="2000" b="1" dirty="0"/>
-              <a:t>Durant la séance</a:t>
+              <a:t>Séances</a:t>
             </a:r>
           </a:p>
           <a:p>
             <a:pPr lvl="1"/>
             <a:r>
+              <a:rPr lang="fr-FR" sz="1800" dirty="0"/>
+              <a:t>Durée : </a:t>
+            </a:r>
+            <a:r>
               <a:rPr lang="fr-FR" sz="1800" b="1" dirty="0"/>
-              <a:t>En binôme</a:t>
+              <a:t>4h30</a:t>
+            </a:r>
+            <a:r>
+              <a:rPr lang="fr-FR" sz="1800" dirty="0"/>
+              <a:t> – </a:t>
+            </a:r>
+            <a:r>
+              <a:rPr lang="fr-FR" sz="1800" b="1" dirty="0"/>
+              <a:t>Début à 8h30 !!</a:t>
             </a:r>
           </a:p>
           <a:p>
             <a:pPr lvl="1"/>
             <a:r>
               <a:rPr lang="fr-FR" sz="1800" dirty="0"/>
-              <a:t>Prise de </a:t>
+              <a:t>Nombre : </a:t>
             </a:r>
             <a:r>
               <a:rPr lang="fr-FR" sz="1800" b="1" dirty="0"/>
-              <a:t>notes numériques </a:t>
-            </a:r>
+              <a:t>6 séances</a:t>
+            </a:r>
+          </a:p>
+          <a:p>
+            <a:r>
+              <a:rPr lang="fr-FR" sz="2000" b="1" dirty="0"/>
+              <a:t>3 thèmes</a:t>
+            </a:r>
+          </a:p>
+          <a:p>
+            <a:pPr lvl="1"/>
             <a:r>
               <a:rPr lang="fr-FR" sz="1800" dirty="0"/>
-              <a:t>(outils partagés : Drive, Notion…)</a:t>
-            </a:r>
-          </a:p>
-          <a:p>
-            <a:pPr lvl="1"/>
-            <a:r>
-              <a:rPr lang="fr-FR" sz="1800" dirty="0"/>
-              <a:t>Sujet sous forme de mission</a:t>
-            </a:r>
+              <a:t>Durée : </a:t>
+            </a:r>
+            <a:r>
+              <a:rPr lang="fr-FR" sz="1800" b="1" dirty="0"/>
+              <a:t>2 séances</a:t>
+            </a:r>
+          </a:p>
+        </p:txBody>
+      </p:sp>
+      <p:sp>
+        <p:nvSpPr>
+          <p:cNvPr id="3" name="CustomShape 3">
+            <a:extLst>
+              <a:ext uri="{FF2B5EF4-FFF2-40B4-BE49-F238E27FC236}">
+                <a16:creationId xmlns:a16="http://schemas.microsoft.com/office/drawing/2014/main" id="{74D6245D-F675-2A6E-AEBB-D8555A8F1EB9}"/>
+              </a:ext>
+            </a:extLst>
+          </p:cNvPr>
+          <p:cNvSpPr/>
+          <p:nvPr/>
+        </p:nvSpPr>
+        <p:spPr>
+          <a:xfrm>
+            <a:off x="7069579" y="3800179"/>
+            <a:ext cx="3348569" cy="492443"/>
+          </a:xfrm>
+          <a:prstGeom prst="rect">
+            <a:avLst/>
+          </a:prstGeom>
+          <a:solidFill>
+            <a:srgbClr val="00B0F0"/>
+          </a:solidFill>
+          <a:ln w="0">
+            <a:noFill/>
+          </a:ln>
+        </p:spPr>
+        <p:style>
+          <a:lnRef idx="0">
+            <a:scrgbClr r="0" g="0" b="0"/>
+          </a:lnRef>
+          <a:fillRef idx="0">
+            <a:scrgbClr r="0" g="0" b="0"/>
+          </a:fillRef>
+          <a:effectRef idx="0">
+            <a:scrgbClr r="0" g="0" b="0"/>
+          </a:effectRef>
+          <a:fontRef idx="minor"/>
+        </p:style>
+        <p:txBody>
+          <a:bodyPr wrap="square" tIns="91440" bIns="91440">
+            <a:spAutoFit/>
+          </a:bodyPr>
+          <a:lstStyle/>
+          <a:p>
+            <a:pPr algn="ctr">
+              <a:lnSpc>
+                <a:spcPct val="100000"/>
+              </a:lnSpc>
+              <a:tabLst>
+                <a:tab pos="0" algn="l"/>
+              </a:tabLst>
+            </a:pPr>
+            <a:r>
+              <a:rPr lang="fr-FR" sz="2000" b="1" strike="noStrike" spc="-1" dirty="0">
+                <a:solidFill>
+                  <a:schemeClr val="bg1"/>
+                </a:solidFill>
+                <a:latin typeface="Trebuchet MS"/>
+                <a:ea typeface="Trebuchet MS"/>
+              </a:rPr>
+              <a:t>(1) Numérique</a:t>
+            </a:r>
+            <a:endParaRPr lang="fr-FR" sz="2000" b="0" strike="noStrike" spc="-1" dirty="0">
+              <a:solidFill>
+                <a:schemeClr val="bg1"/>
+              </a:solidFill>
+              <a:latin typeface="Arial"/>
+            </a:endParaRPr>
+          </a:p>
+        </p:txBody>
+      </p:sp>
+      <p:sp>
+        <p:nvSpPr>
+          <p:cNvPr id="4" name="CustomShape 3">
+            <a:extLst>
+              <a:ext uri="{FF2B5EF4-FFF2-40B4-BE49-F238E27FC236}">
+                <a16:creationId xmlns:a16="http://schemas.microsoft.com/office/drawing/2014/main" id="{7F18A793-FE58-11B3-873B-B916FE79BC86}"/>
+              </a:ext>
+            </a:extLst>
+          </p:cNvPr>
+          <p:cNvSpPr/>
+          <p:nvPr/>
+        </p:nvSpPr>
+        <p:spPr>
+          <a:xfrm>
+            <a:off x="7059414" y="4447370"/>
+            <a:ext cx="3348569" cy="492443"/>
+          </a:xfrm>
+          <a:prstGeom prst="rect">
+            <a:avLst/>
+          </a:prstGeom>
+          <a:solidFill>
+            <a:schemeClr val="accent1"/>
+          </a:solidFill>
+          <a:ln w="0">
+            <a:noFill/>
+          </a:ln>
+        </p:spPr>
+        <p:style>
+          <a:lnRef idx="0">
+            <a:scrgbClr r="0" g="0" b="0"/>
+          </a:lnRef>
+          <a:fillRef idx="0">
+            <a:scrgbClr r="0" g="0" b="0"/>
+          </a:fillRef>
+          <a:effectRef idx="0">
+            <a:scrgbClr r="0" g="0" b="0"/>
+          </a:effectRef>
+          <a:fontRef idx="minor"/>
+        </p:style>
+        <p:txBody>
+          <a:bodyPr wrap="square" tIns="91440" bIns="91440">
+            <a:spAutoFit/>
+          </a:bodyPr>
+          <a:lstStyle/>
+          <a:p>
+            <a:pPr algn="ctr">
+              <a:lnSpc>
+                <a:spcPct val="100000"/>
+              </a:lnSpc>
+              <a:tabLst>
+                <a:tab pos="0" algn="l"/>
+              </a:tabLst>
+            </a:pPr>
+            <a:r>
+              <a:rPr lang="fr-FR" sz="2000" b="1" strike="noStrike" spc="-1" dirty="0">
+                <a:solidFill>
+                  <a:schemeClr val="bg1"/>
+                </a:solidFill>
+                <a:latin typeface="Trebuchet MS"/>
+                <a:ea typeface="Trebuchet MS"/>
+              </a:rPr>
+              <a:t>(2) </a:t>
+            </a:r>
+            <a:r>
+              <a:rPr lang="fr-FR" sz="2000" b="1" strike="noStrike" spc="-1" dirty="0" err="1">
+                <a:solidFill>
+                  <a:schemeClr val="bg1"/>
+                </a:solidFill>
+                <a:latin typeface="Trebuchet MS"/>
+                <a:ea typeface="Trebuchet MS"/>
+              </a:rPr>
+              <a:t>Photodétection</a:t>
+            </a:r>
+            <a:endParaRPr lang="fr-FR" sz="2000" b="0" strike="noStrike" spc="-1" dirty="0">
+              <a:solidFill>
+                <a:schemeClr val="bg1"/>
+              </a:solidFill>
+              <a:latin typeface="Arial"/>
+            </a:endParaRPr>
           </a:p>
         </p:txBody>
       </p:sp>
     </p:spTree>
     <p:extLst>
       <p:ext uri="{BB962C8B-B14F-4D97-AF65-F5344CB8AC3E}">
-        <p14:creationId xmlns:p14="http://schemas.microsoft.com/office/powerpoint/2010/main" val="2027090039"/>
+        <p14:creationId xmlns:p14="http://schemas.microsoft.com/office/powerpoint/2010/main" val="1427447957"/>
       </p:ext>
     </p:extLst>
   </p:cSld>
@@ -9096,6 +8665,36 @@
           </a:prstGeom>
         </p:spPr>
       </p:pic>
+      <p:pic>
+        <p:nvPicPr>
+          <p:cNvPr id="6" name="Image 5">
+            <a:extLst>
+              <a:ext uri="{FF2B5EF4-FFF2-40B4-BE49-F238E27FC236}">
+                <a16:creationId xmlns:a16="http://schemas.microsoft.com/office/drawing/2014/main" id="{C785231C-CAA7-29BE-C29B-8254BE697AE1}"/>
+              </a:ext>
+            </a:extLst>
+          </p:cNvPr>
+          <p:cNvPicPr>
+            <a:picLocks noChangeAspect="1"/>
+          </p:cNvPicPr>
+          <p:nvPr/>
+        </p:nvPicPr>
+        <p:blipFill>
+          <a:blip r:embed="rId3"/>
+          <a:stretch>
+            <a:fillRect/>
+          </a:stretch>
+        </p:blipFill>
+        <p:spPr>
+          <a:xfrm>
+            <a:off x="6096000" y="2440602"/>
+            <a:ext cx="5639540" cy="3520434"/>
+          </a:xfrm>
+          <a:prstGeom prst="rect">
+            <a:avLst/>
+          </a:prstGeom>
+        </p:spPr>
+      </p:pic>
       <p:sp>
         <p:nvSpPr>
           <p:cNvPr id="3" name="CustomShape 3">
@@ -9230,181 +8829,12 @@
               <a:t>Sujet sous forme de mission</a:t>
             </a:r>
           </a:p>
-          <a:p>
-            <a:r>
-              <a:rPr lang="fr-FR" sz="2200" b="1" dirty="0"/>
-              <a:t>En fin de thème </a:t>
-            </a:r>
-            <a:r>
-              <a:rPr lang="fr-FR" sz="1600" dirty="0"/>
-              <a:t>(thèmes 1 et 2)</a:t>
-            </a:r>
-          </a:p>
-          <a:p>
-            <a:pPr lvl="1"/>
-            <a:r>
-              <a:rPr lang="fr-FR" sz="1800" dirty="0"/>
-              <a:t>Synthèse </a:t>
-            </a:r>
-            <a:r>
-              <a:rPr lang="fr-FR" sz="1400" dirty="0"/>
-              <a:t>(≠ compte-rendu)</a:t>
-            </a:r>
-          </a:p>
-          <a:p>
-            <a:pPr lvl="1"/>
-            <a:r>
-              <a:rPr lang="fr-FR" sz="1800" dirty="0"/>
-              <a:t>Carte conceptuelle</a:t>
-            </a:r>
-          </a:p>
-        </p:txBody>
-      </p:sp>
-      <p:sp>
-        <p:nvSpPr>
-          <p:cNvPr id="7" name="Rectangle 6">
-            <a:extLst>
-              <a:ext uri="{FF2B5EF4-FFF2-40B4-BE49-F238E27FC236}">
-                <a16:creationId xmlns:a16="http://schemas.microsoft.com/office/drawing/2014/main" id="{A50DE225-8170-C71A-7E0E-DCE92B8C8ED0}"/>
-              </a:ext>
-            </a:extLst>
-          </p:cNvPr>
-          <p:cNvSpPr/>
-          <p:nvPr/>
-        </p:nvSpPr>
-        <p:spPr>
-          <a:xfrm>
-            <a:off x="2658219" y="6163842"/>
-            <a:ext cx="3142813" cy="538417"/>
-          </a:xfrm>
-          <a:prstGeom prst="rect">
-            <a:avLst/>
-          </a:prstGeom>
-          <a:solidFill>
-            <a:srgbClr val="002060"/>
-          </a:solidFill>
-          <a:ln>
-            <a:solidFill>
-              <a:schemeClr val="bg1"/>
-            </a:solidFill>
-          </a:ln>
-        </p:spPr>
-        <p:style>
-          <a:lnRef idx="2">
-            <a:schemeClr val="accent1">
-              <a:shade val="15000"/>
-            </a:schemeClr>
-          </a:lnRef>
-          <a:fillRef idx="1">
-            <a:schemeClr val="accent1"/>
-          </a:fillRef>
-          <a:effectRef idx="0">
-            <a:schemeClr val="accent1"/>
-          </a:effectRef>
-          <a:fontRef idx="minor">
-            <a:schemeClr val="lt1"/>
-          </a:fontRef>
-        </p:style>
-        <p:txBody>
-          <a:bodyPr rtlCol="0" anchor="ctr"/>
-          <a:lstStyle/>
-          <a:p>
-            <a:pPr algn="ctr"/>
-            <a:r>
-              <a:rPr lang="fr-FR" sz="1400" b="1" dirty="0"/>
-              <a:t>Dépôt sur </a:t>
-            </a:r>
-            <a:r>
-              <a:rPr lang="fr-FR" sz="1400" b="1" dirty="0" err="1"/>
-              <a:t>eCampus</a:t>
-            </a:r>
-            <a:endParaRPr lang="fr-FR" sz="1400" b="1" dirty="0"/>
-          </a:p>
-          <a:p>
-            <a:pPr algn="ctr"/>
-            <a:r>
-              <a:rPr lang="fr-FR" sz="1400" dirty="0"/>
-              <a:t>1 semaine après la dernière séance</a:t>
-            </a:r>
-          </a:p>
-        </p:txBody>
-      </p:sp>
-      <p:sp>
-        <p:nvSpPr>
-          <p:cNvPr id="8" name="CustomShape 3">
-            <a:extLst>
-              <a:ext uri="{FF2B5EF4-FFF2-40B4-BE49-F238E27FC236}">
-                <a16:creationId xmlns:a16="http://schemas.microsoft.com/office/drawing/2014/main" id="{D452A0BD-81AA-830F-9914-E2670BF6325F}"/>
-              </a:ext>
-            </a:extLst>
-          </p:cNvPr>
-          <p:cNvSpPr/>
-          <p:nvPr/>
-        </p:nvSpPr>
-        <p:spPr>
-          <a:xfrm rot="19599468">
-            <a:off x="7892778" y="3841698"/>
-            <a:ext cx="2362269" cy="800219"/>
-          </a:xfrm>
-          <a:prstGeom prst="rect">
-            <a:avLst/>
-          </a:prstGeom>
-          <a:solidFill>
-            <a:srgbClr val="FF0000"/>
-          </a:solidFill>
-          <a:ln w="0">
-            <a:noFill/>
-          </a:ln>
-        </p:spPr>
-        <p:style>
-          <a:lnRef idx="0">
-            <a:scrgbClr r="0" g="0" b="0"/>
-          </a:lnRef>
-          <a:fillRef idx="0">
-            <a:scrgbClr r="0" g="0" b="0"/>
-          </a:fillRef>
-          <a:effectRef idx="0">
-            <a:scrgbClr r="0" g="0" b="0"/>
-          </a:effectRef>
-          <a:fontRef idx="minor"/>
-        </p:style>
-        <p:txBody>
-          <a:bodyPr wrap="square" tIns="91440" bIns="91440">
-            <a:spAutoFit/>
-          </a:bodyPr>
-          <a:lstStyle/>
-          <a:p>
-            <a:pPr algn="ctr">
-              <a:lnSpc>
-                <a:spcPct val="100000"/>
-              </a:lnSpc>
-              <a:tabLst>
-                <a:tab pos="0" algn="l"/>
-              </a:tabLst>
-            </a:pPr>
-            <a:r>
-              <a:rPr lang="fr-FR" sz="2000" b="1" strike="noStrike" spc="-1" dirty="0">
-                <a:solidFill>
-                  <a:schemeClr val="bg1"/>
-                </a:solidFill>
-                <a:latin typeface="Trebuchet MS"/>
-                <a:ea typeface="Trebuchet MS"/>
-              </a:rPr>
-              <a:t>Ajouter Sujet Thème 1</a:t>
-            </a:r>
-            <a:endParaRPr lang="fr-FR" sz="2000" b="0" strike="noStrike" spc="-1" dirty="0">
-              <a:solidFill>
-                <a:schemeClr val="bg1"/>
-              </a:solidFill>
-              <a:latin typeface="Arial"/>
-            </a:endParaRPr>
-          </a:p>
         </p:txBody>
       </p:sp>
     </p:spTree>
     <p:extLst>
       <p:ext uri="{BB962C8B-B14F-4D97-AF65-F5344CB8AC3E}">
-        <p14:creationId xmlns:p14="http://schemas.microsoft.com/office/powerpoint/2010/main" val="1780351021"/>
+        <p14:creationId xmlns:p14="http://schemas.microsoft.com/office/powerpoint/2010/main" val="2027090039"/>
       </p:ext>
     </p:extLst>
   </p:cSld>
@@ -9433,6 +8863,266 @@
       </p:grpSpPr>
       <p:sp>
         <p:nvSpPr>
+          <p:cNvPr id="11" name="ZoneTexte 10">
+            <a:extLst>
+              <a:ext uri="{FF2B5EF4-FFF2-40B4-BE49-F238E27FC236}">
+                <a16:creationId xmlns:a16="http://schemas.microsoft.com/office/drawing/2014/main" id="{E27666BA-22B6-E4C4-2959-6BC3211A97E5}"/>
+              </a:ext>
+            </a:extLst>
+          </p:cNvPr>
+          <p:cNvSpPr txBox="1"/>
+          <p:nvPr/>
+        </p:nvSpPr>
+        <p:spPr>
+          <a:xfrm>
+            <a:off x="6096000" y="2159949"/>
+            <a:ext cx="5599078" cy="4247317"/>
+          </a:xfrm>
+          <a:prstGeom prst="rect">
+            <a:avLst/>
+          </a:prstGeom>
+          <a:noFill/>
+        </p:spPr>
+        <p:txBody>
+          <a:bodyPr wrap="square">
+            <a:spAutoFit/>
+          </a:bodyPr>
+          <a:lstStyle/>
+          <a:p>
+            <a:pPr algn="just" fontAlgn="base"/>
+            <a:r>
+              <a:rPr lang="fr-FR" b="0" i="0" dirty="0">
+                <a:solidFill>
+                  <a:srgbClr val="666666"/>
+                </a:solidFill>
+                <a:effectLst/>
+                <a:latin typeface="Lato" panose="020F0502020204030203" pitchFamily="34" charset="0"/>
+              </a:rPr>
+              <a:t>	</a:t>
+            </a:r>
+            <a:r>
+              <a:rPr lang="fr-FR" b="0" i="0" dirty="0" err="1">
+                <a:solidFill>
+                  <a:srgbClr val="666666"/>
+                </a:solidFill>
+                <a:effectLst/>
+                <a:latin typeface="Lato" panose="020F0502020204030203" pitchFamily="34" charset="0"/>
+              </a:rPr>
+              <a:t>Un.e</a:t>
+            </a:r>
+            <a:r>
+              <a:rPr lang="fr-FR" b="0" i="0" dirty="0">
+                <a:solidFill>
+                  <a:srgbClr val="666666"/>
+                </a:solidFill>
+                <a:effectLst/>
+                <a:latin typeface="Lato" panose="020F0502020204030203" pitchFamily="34" charset="0"/>
+              </a:rPr>
+              <a:t> artiste souhaite développer une </a:t>
+            </a:r>
+            <a:r>
+              <a:rPr lang="fr-FR" b="1" i="0" dirty="0">
+                <a:solidFill>
+                  <a:srgbClr val="666666"/>
+                </a:solidFill>
+                <a:effectLst/>
+                <a:latin typeface="inherit"/>
+              </a:rPr>
+              <a:t>œuvre dont l’éclairage</a:t>
+            </a:r>
+            <a:r>
+              <a:rPr lang="fr-FR" b="0" i="0" dirty="0">
+                <a:solidFill>
+                  <a:srgbClr val="666666"/>
+                </a:solidFill>
+                <a:effectLst/>
+                <a:latin typeface="Lato" panose="020F0502020204030203" pitchFamily="34" charset="0"/>
+              </a:rPr>
+              <a:t>, à LED, </a:t>
+            </a:r>
+            <a:r>
+              <a:rPr lang="fr-FR" b="1" i="0" dirty="0">
+                <a:solidFill>
+                  <a:srgbClr val="666666"/>
+                </a:solidFill>
+                <a:effectLst/>
+                <a:latin typeface="inherit"/>
+              </a:rPr>
+              <a:t>varie en fonction du volume sonore ambiant</a:t>
+            </a:r>
+            <a:r>
+              <a:rPr lang="fr-FR" b="0" i="0" dirty="0">
+                <a:solidFill>
+                  <a:srgbClr val="666666"/>
+                </a:solidFill>
+                <a:effectLst/>
+                <a:latin typeface="Lato" panose="020F0502020204030203" pitchFamily="34" charset="0"/>
+              </a:rPr>
+              <a:t> (principalement le son produit par les voix des visiteurs).</a:t>
+            </a:r>
+          </a:p>
+          <a:p>
+            <a:pPr algn="just" fontAlgn="base"/>
+            <a:r>
+              <a:rPr lang="fr-FR" b="0" i="0" dirty="0">
+                <a:solidFill>
+                  <a:srgbClr val="666666"/>
+                </a:solidFill>
+                <a:effectLst/>
+                <a:latin typeface="Lato" panose="020F0502020204030203" pitchFamily="34" charset="0"/>
+              </a:rPr>
+              <a:t>	</a:t>
+            </a:r>
+            <a:r>
+              <a:rPr lang="fr-FR" b="0" i="0" dirty="0" err="1">
+                <a:solidFill>
+                  <a:srgbClr val="666666"/>
+                </a:solidFill>
+                <a:effectLst/>
+                <a:latin typeface="Lato" panose="020F0502020204030203" pitchFamily="34" charset="0"/>
+              </a:rPr>
+              <a:t>Il.elle</a:t>
+            </a:r>
+            <a:r>
+              <a:rPr lang="fr-FR" b="0" i="0" dirty="0">
+                <a:solidFill>
+                  <a:srgbClr val="666666"/>
+                </a:solidFill>
+                <a:effectLst/>
+                <a:latin typeface="Lato" panose="020F0502020204030203" pitchFamily="34" charset="0"/>
+              </a:rPr>
+              <a:t> a pour cela l’intention de réaliser un premier prototype basé sur une </a:t>
+            </a:r>
+            <a:r>
+              <a:rPr lang="fr-FR" b="1" i="0" dirty="0">
+                <a:solidFill>
+                  <a:srgbClr val="666666"/>
+                </a:solidFill>
+                <a:effectLst/>
+                <a:latin typeface="inherit"/>
+              </a:rPr>
+              <a:t>carte Nucléo</a:t>
+            </a:r>
+            <a:r>
+              <a:rPr lang="fr-FR" b="0" i="0" dirty="0">
+                <a:solidFill>
+                  <a:srgbClr val="666666"/>
+                </a:solidFill>
+                <a:effectLst/>
+                <a:latin typeface="Lato" panose="020F0502020204030203" pitchFamily="34" charset="0"/>
+              </a:rPr>
+              <a:t>, </a:t>
+            </a:r>
+            <a:r>
+              <a:rPr lang="fr-FR" b="1" i="0" dirty="0">
+                <a:solidFill>
+                  <a:srgbClr val="666666"/>
+                </a:solidFill>
+                <a:effectLst/>
+                <a:latin typeface="inherit"/>
+              </a:rPr>
+              <a:t>quelques </a:t>
+            </a:r>
+            <a:r>
+              <a:rPr lang="fr-FR" b="1" i="0" dirty="0" err="1">
+                <a:solidFill>
+                  <a:srgbClr val="666666"/>
+                </a:solidFill>
+                <a:effectLst/>
+                <a:latin typeface="inherit"/>
+              </a:rPr>
+              <a:t>LEDs</a:t>
+            </a:r>
+            <a:r>
+              <a:rPr lang="fr-FR" b="0" i="0" dirty="0">
+                <a:solidFill>
+                  <a:srgbClr val="666666"/>
+                </a:solidFill>
+                <a:effectLst/>
+                <a:latin typeface="Lato" panose="020F0502020204030203" pitchFamily="34" charset="0"/>
+              </a:rPr>
+              <a:t> de type </a:t>
+            </a:r>
+            <a:r>
+              <a:rPr lang="fr-FR" b="0" i="0" u="none" strike="noStrike" dirty="0" err="1">
+                <a:solidFill>
+                  <a:srgbClr val="FF960A"/>
+                </a:solidFill>
+                <a:effectLst/>
+                <a:latin typeface="inherit"/>
+                <a:hlinkClick r:id="rId2"/>
+              </a:rPr>
+              <a:t>Kingbright</a:t>
+            </a:r>
+            <a:r>
+              <a:rPr lang="fr-FR" b="0" i="0" u="none" strike="noStrike" dirty="0">
+                <a:solidFill>
+                  <a:srgbClr val="FF960A"/>
+                </a:solidFill>
+                <a:effectLst/>
+                <a:latin typeface="inherit"/>
+                <a:hlinkClick r:id="rId2"/>
+              </a:rPr>
+              <a:t> L-53ND</a:t>
+            </a:r>
+            <a:r>
+              <a:rPr lang="fr-FR" b="0" i="0" dirty="0">
+                <a:solidFill>
+                  <a:srgbClr val="666666"/>
+                </a:solidFill>
+                <a:effectLst/>
+                <a:latin typeface="Lato" panose="020F0502020204030203" pitchFamily="34" charset="0"/>
+              </a:rPr>
+              <a:t> . Il a également déjà récupéré un </a:t>
+            </a:r>
+            <a:r>
+              <a:rPr lang="fr-FR" b="1" i="0" dirty="0">
+                <a:solidFill>
+                  <a:srgbClr val="666666"/>
+                </a:solidFill>
+                <a:effectLst/>
+                <a:latin typeface="inherit"/>
+              </a:rPr>
+              <a:t>micro </a:t>
+            </a:r>
+            <a:r>
+              <a:rPr lang="fr-FR" b="1" i="0" dirty="0" err="1">
+                <a:solidFill>
+                  <a:srgbClr val="666666"/>
+                </a:solidFill>
+                <a:effectLst/>
+                <a:latin typeface="inherit"/>
+              </a:rPr>
+              <a:t>pré-amplifié</a:t>
+            </a:r>
+            <a:r>
+              <a:rPr lang="fr-FR" b="0" i="0" dirty="0">
+                <a:solidFill>
+                  <a:srgbClr val="666666"/>
+                </a:solidFill>
+                <a:effectLst/>
+                <a:latin typeface="Lato" panose="020F0502020204030203" pitchFamily="34" charset="0"/>
+              </a:rPr>
+              <a:t> lui fournissant un signal analogique dont la tension est comprise entre 0 et 10V (pour rappel, la voix a des fréquences comprises entre 200 et 3000 Hz).</a:t>
+            </a:r>
+          </a:p>
+          <a:p>
+            <a:pPr algn="just" fontAlgn="base"/>
+            <a:r>
+              <a:rPr lang="fr-FR" b="0" i="0" dirty="0">
+                <a:solidFill>
+                  <a:srgbClr val="666666"/>
+                </a:solidFill>
+                <a:effectLst/>
+                <a:latin typeface="Lato" panose="020F0502020204030203" pitchFamily="34" charset="0"/>
+              </a:rPr>
+              <a:t>	En tant qu’expert-conseil en électronique, indiquez-lui la marche à suivre pour réaliser ce prototype dans le cadre d’une application embarquée. </a:t>
+            </a:r>
+          </a:p>
+        </p:txBody>
+      </p:sp>
+      <p:sp>
+        <p:nvSpPr>
           <p:cNvPr id="2" name="Titre 1">
             <a:extLst>
               <a:ext uri="{FF2B5EF4-FFF2-40B4-BE49-F238E27FC236}">
@@ -9458,7 +9148,7 @@
             </a:r>
             <a:r>
               <a:rPr lang="fr-FR" dirty="0"/>
-              <a:t> / TP / Ressources</a:t>
+              <a:t> / TP / Déroulement</a:t>
             </a:r>
           </a:p>
         </p:txBody>
@@ -9478,7 +9168,7 @@
           <p:nvPr/>
         </p:nvPicPr>
         <p:blipFill>
-          <a:blip r:embed="rId2" cstate="print">
+          <a:blip r:embed="rId3" cstate="print">
             <a:extLst>
               <a:ext uri="{28A0092B-C50C-407E-A947-70E740481C1C}">
                 <a14:useLocalDpi xmlns:a14="http://schemas.microsoft.com/office/drawing/2010/main" val="0"/>
@@ -9501,10 +9191,10 @@
       </p:pic>
       <p:sp>
         <p:nvSpPr>
-          <p:cNvPr id="18" name="CustomShape 3">
-            <a:extLst>
-              <a:ext uri="{FF2B5EF4-FFF2-40B4-BE49-F238E27FC236}">
-                <a16:creationId xmlns:a16="http://schemas.microsoft.com/office/drawing/2014/main" id="{67756887-8D7D-16CA-99A7-DCA51C63AE43}"/>
+          <p:cNvPr id="3" name="CustomShape 3">
+            <a:extLst>
+              <a:ext uri="{FF2B5EF4-FFF2-40B4-BE49-F238E27FC236}">
+                <a16:creationId xmlns:a16="http://schemas.microsoft.com/office/drawing/2014/main" id="{D0B66582-DD89-E125-987B-BF9482C13816}"/>
               </a:ext>
             </a:extLst>
           </p:cNvPr>
@@ -9513,17 +9203,14 @@
         </p:nvSpPr>
         <p:spPr>
           <a:xfrm>
-            <a:off x="6390968" y="2440602"/>
+            <a:off x="1115567" y="2440602"/>
             <a:ext cx="4685465" cy="492443"/>
           </a:xfrm>
           <a:prstGeom prst="rect">
             <a:avLst/>
           </a:prstGeom>
           <a:solidFill>
-            <a:schemeClr val="tx1">
-              <a:lumMod val="65000"/>
-              <a:lumOff val="35000"/>
-            </a:schemeClr>
+            <a:srgbClr val="00B0F0"/>
           </a:solidFill>
           <a:ln w="0">
             <a:noFill/>
@@ -9563,7 +9250,7 @@
                 <a:latin typeface="Trebuchet MS"/>
                 <a:ea typeface="Trebuchet MS"/>
               </a:rPr>
-              <a:t>3 blocs de 2 séances de TP</a:t>
+              <a:t>Déroulement</a:t>
             </a:r>
             <a:endParaRPr lang="fr-FR" sz="2000" b="0" strike="noStrike" spc="-1" dirty="0">
               <a:solidFill>
@@ -9576,82 +9263,10 @@
       </p:sp>
       <p:sp>
         <p:nvSpPr>
-          <p:cNvPr id="3" name="CustomShape 3">
-            <a:extLst>
-              <a:ext uri="{FF2B5EF4-FFF2-40B4-BE49-F238E27FC236}">
-                <a16:creationId xmlns:a16="http://schemas.microsoft.com/office/drawing/2014/main" id="{F665BF59-136D-0754-7EE3-F83C4DBD1D54}"/>
-              </a:ext>
-            </a:extLst>
-          </p:cNvPr>
-          <p:cNvSpPr/>
-          <p:nvPr/>
-        </p:nvSpPr>
-        <p:spPr>
-          <a:xfrm>
-            <a:off x="1115567" y="2440602"/>
-            <a:ext cx="4685465" cy="492443"/>
-          </a:xfrm>
-          <a:prstGeom prst="rect">
-            <a:avLst/>
-          </a:prstGeom>
-          <a:solidFill>
-            <a:srgbClr val="00B0F0"/>
-          </a:solidFill>
-          <a:ln w="0">
-            <a:noFill/>
-          </a:ln>
-        </p:spPr>
-        <p:style>
-          <a:lnRef idx="0">
-            <a:scrgbClr r="0" g="0" b="0"/>
-          </a:lnRef>
-          <a:fillRef idx="0">
-            <a:scrgbClr r="0" g="0" b="0"/>
-          </a:fillRef>
-          <a:effectRef idx="0">
-            <a:scrgbClr r="0" g="0" b="0"/>
-          </a:effectRef>
-          <a:fontRef idx="minor"/>
-        </p:style>
-        <p:txBody>
-          <a:bodyPr wrap="square" tIns="91440" bIns="91440">
-            <a:spAutoFit/>
-          </a:bodyPr>
-          <a:lstStyle/>
-          <a:p>
-            <a:pPr algn="ctr">
-              <a:lnSpc>
-                <a:spcPct val="100000"/>
-              </a:lnSpc>
-              <a:tabLst>
-                <a:tab pos="0" algn="l"/>
-              </a:tabLst>
-            </a:pPr>
-            <a:r>
-              <a:rPr lang="fr-FR" sz="2000" b="1" strike="noStrike" spc="-1" dirty="0">
-                <a:solidFill>
-                  <a:schemeClr val="bg1"/>
-                </a:solidFill>
-                <a:latin typeface="Trebuchet MS"/>
-                <a:ea typeface="Trebuchet MS"/>
-              </a:rPr>
-              <a:t>Ressources</a:t>
-            </a:r>
-            <a:endParaRPr lang="fr-FR" sz="2000" b="0" strike="noStrike" spc="-1" dirty="0">
-              <a:solidFill>
-                <a:schemeClr val="bg1"/>
-              </a:solidFill>
-              <a:latin typeface="Arial"/>
-            </a:endParaRPr>
-          </a:p>
-        </p:txBody>
-      </p:sp>
-      <p:sp>
-        <p:nvSpPr>
           <p:cNvPr id="4" name="Espace réservé du contenu 2">
             <a:extLst>
               <a:ext uri="{FF2B5EF4-FFF2-40B4-BE49-F238E27FC236}">
-                <a16:creationId xmlns:a16="http://schemas.microsoft.com/office/drawing/2014/main" id="{EDF779BE-63E6-9F6B-6ECB-3FED2571DCDE}"/>
+                <a16:creationId xmlns:a16="http://schemas.microsoft.com/office/drawing/2014/main" id="{1F8D6EF3-7C57-CB24-A956-E894E5DB98E8}"/>
               </a:ext>
             </a:extLst>
           </p:cNvPr>
@@ -9676,76 +9291,74 @@
           <a:p>
             <a:r>
               <a:rPr lang="fr-FR" sz="2000" b="1" dirty="0"/>
-              <a:t>Site du </a:t>
-            </a:r>
-            <a:r>
-              <a:rPr lang="fr-FR" sz="2000" b="1" dirty="0" err="1"/>
-              <a:t>LEnsE</a:t>
-            </a:r>
-            <a:endParaRPr lang="fr-FR" sz="2000" b="1" dirty="0"/>
+              <a:t>Durant la séance</a:t>
+            </a:r>
           </a:p>
           <a:p>
             <a:pPr lvl="1"/>
             <a:r>
+              <a:rPr lang="fr-FR" sz="1800" b="1" dirty="0"/>
+              <a:t>En binôme</a:t>
+            </a:r>
+          </a:p>
+          <a:p>
+            <a:pPr lvl="1"/>
+            <a:r>
               <a:rPr lang="fr-FR" sz="1800" dirty="0"/>
-              <a:t>Sujets : lense.institutoptique.fr/</a:t>
-            </a:r>
-            <a:r>
-              <a:rPr lang="fr-FR" sz="1800" dirty="0" err="1"/>
-              <a:t>ceti</a:t>
+              <a:t>Prise de </a:t>
+            </a:r>
+            <a:r>
+              <a:rPr lang="fr-FR" sz="1800" b="1" dirty="0"/>
+              <a:t>notes numériques </a:t>
             </a:r>
             <a:r>
               <a:rPr lang="fr-FR" sz="1800" dirty="0"/>
-              <a:t>/</a:t>
-            </a:r>
-            <a:endParaRPr lang="fr-FR" sz="2000" b="1" dirty="0"/>
-          </a:p>
-          <a:p>
-            <a:r>
-              <a:rPr lang="fr-FR" sz="2000" b="1" dirty="0"/>
-              <a:t>Ressources des constructeurs</a:t>
-            </a:r>
-          </a:p>
-          <a:p>
-            <a:r>
-              <a:rPr lang="fr-FR" sz="2000" b="1" dirty="0"/>
-              <a:t>Sites de composants</a:t>
+              <a:t>(outils partagés : Drive, Notion…)</a:t>
             </a:r>
           </a:p>
           <a:p>
             <a:pPr lvl="1"/>
             <a:r>
-              <a:rPr lang="fr-FR" sz="1400" dirty="0" err="1"/>
-              <a:t>Radiospares</a:t>
+              <a:rPr lang="fr-FR" sz="1800" dirty="0"/>
+              <a:t>Sujet sous forme de mission</a:t>
+            </a:r>
+          </a:p>
+          <a:p>
+            <a:r>
+              <a:rPr lang="fr-FR" sz="2200" b="1" dirty="0"/>
+              <a:t>En fin de thème </a:t>
+            </a:r>
+            <a:r>
+              <a:rPr lang="fr-FR" sz="1600" dirty="0"/>
+              <a:t>(thèmes 1 et 2)</a:t>
+            </a:r>
+          </a:p>
+          <a:p>
+            <a:pPr lvl="1"/>
+            <a:r>
+              <a:rPr lang="fr-FR" sz="1800" dirty="0"/>
+              <a:t>Synthèse </a:t>
             </a:r>
             <a:r>
               <a:rPr lang="fr-FR" sz="1400" dirty="0"/>
-              <a:t>  RS</a:t>
+              <a:t>(≠ compte-rendu)</a:t>
             </a:r>
           </a:p>
           <a:p>
             <a:pPr lvl="1"/>
             <a:r>
-              <a:rPr lang="fr-FR" sz="1400" dirty="0"/>
-              <a:t>Conrad</a:t>
-            </a:r>
-          </a:p>
-          <a:p>
-            <a:pPr lvl="1"/>
-            <a:r>
-              <a:rPr lang="fr-FR" sz="1400" dirty="0" err="1"/>
-              <a:t>Farnell</a:t>
-            </a:r>
-            <a:endParaRPr lang="fr-FR" sz="1400" dirty="0"/>
-          </a:p>
-        </p:txBody>
-      </p:sp>
-      <p:sp>
-        <p:nvSpPr>
-          <p:cNvPr id="6" name="CustomShape 3">
-            <a:extLst>
-              <a:ext uri="{FF2B5EF4-FFF2-40B4-BE49-F238E27FC236}">
-                <a16:creationId xmlns:a16="http://schemas.microsoft.com/office/drawing/2014/main" id="{5D708399-807B-5432-94CB-AECBD6EA9803}"/>
+              <a:rPr lang="fr-FR" sz="1800" dirty="0"/>
+              <a:t>Carte conceptuelle</a:t>
+            </a:r>
+          </a:p>
+        </p:txBody>
+      </p:sp>
+      <p:sp>
+        <p:nvSpPr>
+          <p:cNvPr id="7" name="Rectangle 6">
+            <a:extLst>
+              <a:ext uri="{FF2B5EF4-FFF2-40B4-BE49-F238E27FC236}">
+                <a16:creationId xmlns:a16="http://schemas.microsoft.com/office/drawing/2014/main" id="{A50DE225-8170-C71A-7E0E-DCE92B8C8ED0}"/>
               </a:ext>
             </a:extLst>
           </p:cNvPr>
@@ -9754,307 +9367,8 @@
         </p:nvSpPr>
         <p:spPr>
           <a:xfrm>
-            <a:off x="6388201" y="3152988"/>
-            <a:ext cx="3348569" cy="461665"/>
-          </a:xfrm>
-          <a:prstGeom prst="rect">
-            <a:avLst/>
-          </a:prstGeom>
-          <a:solidFill>
-            <a:schemeClr val="accent6"/>
-          </a:solidFill>
-          <a:ln w="0">
-            <a:noFill/>
-          </a:ln>
-        </p:spPr>
-        <p:style>
-          <a:lnRef idx="0">
-            <a:scrgbClr r="0" g="0" b="0"/>
-          </a:lnRef>
-          <a:fillRef idx="0">
-            <a:scrgbClr r="0" g="0" b="0"/>
-          </a:fillRef>
-          <a:effectRef idx="0">
-            <a:scrgbClr r="0" g="0" b="0"/>
-          </a:effectRef>
-          <a:fontRef idx="minor"/>
-        </p:style>
-        <p:txBody>
-          <a:bodyPr wrap="square" tIns="91440" bIns="91440">
-            <a:spAutoFit/>
-          </a:bodyPr>
-          <a:lstStyle/>
-          <a:p>
-            <a:pPr algn="ctr">
-              <a:lnSpc>
-                <a:spcPct val="100000"/>
-              </a:lnSpc>
-              <a:tabLst>
-                <a:tab pos="0" algn="l"/>
-              </a:tabLst>
-            </a:pPr>
-            <a:r>
-              <a:rPr lang="fr-FR" b="1" strike="noStrike" spc="-1" dirty="0">
-                <a:solidFill>
-                  <a:schemeClr val="bg1"/>
-                </a:solidFill>
-                <a:latin typeface="Trebuchet MS"/>
-                <a:ea typeface="Trebuchet MS"/>
-              </a:rPr>
-              <a:t>(0) Mise en forme / Filtrage</a:t>
-            </a:r>
-            <a:endParaRPr lang="fr-FR" b="0" strike="noStrike" spc="-1" dirty="0">
-              <a:solidFill>
-                <a:schemeClr val="bg1"/>
-              </a:solidFill>
-              <a:latin typeface="Arial"/>
-            </a:endParaRPr>
-          </a:p>
-        </p:txBody>
-      </p:sp>
-      <p:sp>
-        <p:nvSpPr>
-          <p:cNvPr id="7" name="CustomShape 3">
-            <a:extLst>
-              <a:ext uri="{FF2B5EF4-FFF2-40B4-BE49-F238E27FC236}">
-                <a16:creationId xmlns:a16="http://schemas.microsoft.com/office/drawing/2014/main" id="{BA43BA0B-E178-4436-CF25-C278D81C92E1}"/>
-              </a:ext>
-            </a:extLst>
-          </p:cNvPr>
-          <p:cNvSpPr/>
-          <p:nvPr/>
-        </p:nvSpPr>
-        <p:spPr>
-          <a:xfrm>
-            <a:off x="7069579" y="3806269"/>
-            <a:ext cx="3348569" cy="492443"/>
-          </a:xfrm>
-          <a:prstGeom prst="rect">
-            <a:avLst/>
-          </a:prstGeom>
-          <a:solidFill>
-            <a:schemeClr val="accent1"/>
-          </a:solidFill>
-          <a:ln w="0">
-            <a:noFill/>
-          </a:ln>
-        </p:spPr>
-        <p:style>
-          <a:lnRef idx="0">
-            <a:scrgbClr r="0" g="0" b="0"/>
-          </a:lnRef>
-          <a:fillRef idx="0">
-            <a:scrgbClr r="0" g="0" b="0"/>
-          </a:fillRef>
-          <a:effectRef idx="0">
-            <a:scrgbClr r="0" g="0" b="0"/>
-          </a:effectRef>
-          <a:fontRef idx="minor"/>
-        </p:style>
-        <p:txBody>
-          <a:bodyPr wrap="square" tIns="91440" bIns="91440">
-            <a:spAutoFit/>
-          </a:bodyPr>
-          <a:lstStyle/>
-          <a:p>
-            <a:pPr algn="ctr">
-              <a:lnSpc>
-                <a:spcPct val="100000"/>
-              </a:lnSpc>
-              <a:tabLst>
-                <a:tab pos="0" algn="l"/>
-              </a:tabLst>
-            </a:pPr>
-            <a:r>
-              <a:rPr lang="fr-FR" sz="2000" b="1" strike="noStrike" spc="-1" dirty="0">
-                <a:solidFill>
-                  <a:schemeClr val="bg1"/>
-                </a:solidFill>
-                <a:latin typeface="Trebuchet MS"/>
-                <a:ea typeface="Trebuchet MS"/>
-              </a:rPr>
-              <a:t>(1) </a:t>
-            </a:r>
-            <a:r>
-              <a:rPr lang="fr-FR" sz="2000" b="1" strike="noStrike" spc="-1" dirty="0" err="1">
-                <a:solidFill>
-                  <a:schemeClr val="bg1"/>
-                </a:solidFill>
-                <a:latin typeface="Trebuchet MS"/>
-                <a:ea typeface="Trebuchet MS"/>
-              </a:rPr>
-              <a:t>Photodétection</a:t>
-            </a:r>
-            <a:endParaRPr lang="fr-FR" sz="2000" b="0" strike="noStrike" spc="-1" dirty="0">
-              <a:solidFill>
-                <a:schemeClr val="bg1"/>
-              </a:solidFill>
-              <a:latin typeface="Arial"/>
-            </a:endParaRPr>
-          </a:p>
-        </p:txBody>
-      </p:sp>
-      <p:sp>
-        <p:nvSpPr>
-          <p:cNvPr id="8" name="CustomShape 3">
-            <a:extLst>
-              <a:ext uri="{FF2B5EF4-FFF2-40B4-BE49-F238E27FC236}">
-                <a16:creationId xmlns:a16="http://schemas.microsoft.com/office/drawing/2014/main" id="{0E444A1F-8DDE-A4F5-61C0-69D05181B4DC}"/>
-              </a:ext>
-            </a:extLst>
-          </p:cNvPr>
-          <p:cNvSpPr/>
-          <p:nvPr/>
-        </p:nvSpPr>
-        <p:spPr>
-          <a:xfrm>
-            <a:off x="7727864" y="5100650"/>
-            <a:ext cx="3348569" cy="492443"/>
-          </a:xfrm>
-          <a:prstGeom prst="rect">
-            <a:avLst/>
-          </a:prstGeom>
-          <a:solidFill>
-            <a:schemeClr val="accent2">
-              <a:lumMod val="75000"/>
-            </a:schemeClr>
-          </a:solidFill>
-          <a:ln w="0">
-            <a:noFill/>
-          </a:ln>
-        </p:spPr>
-        <p:style>
-          <a:lnRef idx="0">
-            <a:scrgbClr r="0" g="0" b="0"/>
-          </a:lnRef>
-          <a:fillRef idx="0">
-            <a:scrgbClr r="0" g="0" b="0"/>
-          </a:fillRef>
-          <a:effectRef idx="0">
-            <a:scrgbClr r="0" g="0" b="0"/>
-          </a:effectRef>
-          <a:fontRef idx="minor"/>
-        </p:style>
-        <p:txBody>
-          <a:bodyPr wrap="square" tIns="91440" bIns="91440">
-            <a:spAutoFit/>
-          </a:bodyPr>
-          <a:lstStyle/>
-          <a:p>
-            <a:pPr algn="ctr">
-              <a:lnSpc>
-                <a:spcPct val="100000"/>
-              </a:lnSpc>
-              <a:tabLst>
-                <a:tab pos="0" algn="l"/>
-              </a:tabLst>
-            </a:pPr>
-            <a:r>
-              <a:rPr lang="fr-FR" sz="2000" b="1" strike="noStrike" spc="-1" dirty="0">
-                <a:solidFill>
-                  <a:schemeClr val="bg1"/>
-                </a:solidFill>
-                <a:latin typeface="Trebuchet MS"/>
-              </a:rPr>
-              <a:t>(3) Notions avancées</a:t>
-            </a:r>
-            <a:endParaRPr lang="fr-FR" sz="2000" b="0" strike="noStrike" spc="-1" dirty="0">
-              <a:solidFill>
-                <a:schemeClr val="bg1"/>
-              </a:solidFill>
-              <a:latin typeface="Arial"/>
-            </a:endParaRPr>
-          </a:p>
-        </p:txBody>
-      </p:sp>
-      <p:sp>
-        <p:nvSpPr>
-          <p:cNvPr id="9" name="CustomShape 3">
-            <a:extLst>
-              <a:ext uri="{FF2B5EF4-FFF2-40B4-BE49-F238E27FC236}">
-                <a16:creationId xmlns:a16="http://schemas.microsoft.com/office/drawing/2014/main" id="{FE91E76A-7E18-6815-3574-9EBE33315FFD}"/>
-              </a:ext>
-            </a:extLst>
-          </p:cNvPr>
-          <p:cNvSpPr/>
-          <p:nvPr/>
-        </p:nvSpPr>
-        <p:spPr>
-          <a:xfrm>
-            <a:off x="7059415" y="4453460"/>
-            <a:ext cx="3348569" cy="492443"/>
-          </a:xfrm>
-          <a:prstGeom prst="rect">
-            <a:avLst/>
-          </a:prstGeom>
-          <a:solidFill>
-            <a:srgbClr val="00B0F0"/>
-          </a:solidFill>
-          <a:ln w="0">
-            <a:noFill/>
-          </a:ln>
-        </p:spPr>
-        <p:style>
-          <a:lnRef idx="0">
-            <a:scrgbClr r="0" g="0" b="0"/>
-          </a:lnRef>
-          <a:fillRef idx="0">
-            <a:scrgbClr r="0" g="0" b="0"/>
-          </a:fillRef>
-          <a:effectRef idx="0">
-            <a:scrgbClr r="0" g="0" b="0"/>
-          </a:effectRef>
-          <a:fontRef idx="minor"/>
-        </p:style>
-        <p:txBody>
-          <a:bodyPr wrap="square" tIns="91440" bIns="91440">
-            <a:spAutoFit/>
-          </a:bodyPr>
-          <a:lstStyle/>
-          <a:p>
-            <a:pPr algn="ctr">
-              <a:lnSpc>
-                <a:spcPct val="100000"/>
-              </a:lnSpc>
-              <a:tabLst>
-                <a:tab pos="0" algn="l"/>
-              </a:tabLst>
-            </a:pPr>
-            <a:r>
-              <a:rPr lang="fr-FR" sz="2000" b="1" strike="noStrike" spc="-1" dirty="0">
-                <a:solidFill>
-                  <a:schemeClr val="bg1"/>
-                </a:solidFill>
-                <a:latin typeface="Trebuchet MS"/>
-                <a:ea typeface="Trebuchet MS"/>
-              </a:rPr>
-              <a:t>(2) Numérique</a:t>
-            </a:r>
-            <a:endParaRPr lang="fr-FR" sz="2000" b="0" strike="noStrike" spc="-1" dirty="0">
-              <a:solidFill>
-                <a:schemeClr val="bg1"/>
-              </a:solidFill>
-              <a:latin typeface="Arial"/>
-            </a:endParaRPr>
-          </a:p>
-        </p:txBody>
-      </p:sp>
-      <p:sp>
-        <p:nvSpPr>
-          <p:cNvPr id="10" name="Rectangle 9">
-            <a:extLst>
-              <a:ext uri="{FF2B5EF4-FFF2-40B4-BE49-F238E27FC236}">
-                <a16:creationId xmlns:a16="http://schemas.microsoft.com/office/drawing/2014/main" id="{954FA0DC-F6CA-E8FE-8F21-6B27E01180FD}"/>
-              </a:ext>
-            </a:extLst>
-          </p:cNvPr>
-          <p:cNvSpPr/>
-          <p:nvPr/>
-        </p:nvSpPr>
-        <p:spPr>
-          <a:xfrm rot="5400000">
-            <a:off x="9993162" y="3862634"/>
-            <a:ext cx="1792916" cy="373626"/>
+            <a:off x="2658219" y="6163842"/>
+            <a:ext cx="3142813" cy="538417"/>
           </a:xfrm>
           <a:prstGeom prst="rect">
             <a:avLst/>
@@ -10090,247 +9404,28 @@
           <a:p>
             <a:pPr algn="ctr"/>
             <a:r>
-              <a:rPr lang="fr-FR" b="1" dirty="0"/>
-              <a:t>Initiation</a:t>
-            </a:r>
-          </a:p>
-        </p:txBody>
-      </p:sp>
-      <p:sp>
-        <p:nvSpPr>
-          <p:cNvPr id="11" name="Rectangle 10">
-            <a:extLst>
-              <a:ext uri="{FF2B5EF4-FFF2-40B4-BE49-F238E27FC236}">
-                <a16:creationId xmlns:a16="http://schemas.microsoft.com/office/drawing/2014/main" id="{93C416C5-03AF-E864-333D-C7CC1577B023}"/>
-              </a:ext>
-            </a:extLst>
-          </p:cNvPr>
-          <p:cNvSpPr/>
-          <p:nvPr/>
-        </p:nvSpPr>
-        <p:spPr>
-          <a:xfrm rot="5400000">
-            <a:off x="5678556" y="4509822"/>
-            <a:ext cx="1792916" cy="373626"/>
-          </a:xfrm>
-          <a:prstGeom prst="rect">
-            <a:avLst/>
-          </a:prstGeom>
-          <a:solidFill>
-            <a:srgbClr val="002060"/>
-          </a:solidFill>
-          <a:ln>
-            <a:solidFill>
-              <a:schemeClr val="bg1"/>
-            </a:solidFill>
-          </a:ln>
-        </p:spPr>
-        <p:style>
-          <a:lnRef idx="2">
-            <a:schemeClr val="accent1">
-              <a:shade val="15000"/>
-            </a:schemeClr>
-          </a:lnRef>
-          <a:fillRef idx="1">
-            <a:schemeClr val="accent1"/>
-          </a:fillRef>
-          <a:effectRef idx="0">
-            <a:schemeClr val="accent1"/>
-          </a:effectRef>
-          <a:fontRef idx="minor">
-            <a:schemeClr val="lt1"/>
-          </a:fontRef>
-        </p:style>
-        <p:txBody>
-          <a:bodyPr rtlCol="0" anchor="ctr"/>
-          <a:lstStyle/>
+              <a:rPr lang="fr-FR" sz="1400" b="1" dirty="0"/>
+              <a:t>Dépôt sur </a:t>
+            </a:r>
+            <a:r>
+              <a:rPr lang="fr-FR" sz="1400" b="1" dirty="0" err="1"/>
+              <a:t>eCampus</a:t>
+            </a:r>
+            <a:endParaRPr lang="fr-FR" sz="1400" b="1" dirty="0"/>
+          </a:p>
           <a:p>
             <a:pPr algn="ctr"/>
             <a:r>
-              <a:rPr lang="fr-FR" b="1" dirty="0"/>
-              <a:t>Avancé</a:t>
-            </a:r>
-          </a:p>
-        </p:txBody>
-      </p:sp>
-      <p:cxnSp>
-        <p:nvCxnSpPr>
-          <p:cNvPr id="12" name="Connecteur droit 11">
-            <a:extLst>
-              <a:ext uri="{FF2B5EF4-FFF2-40B4-BE49-F238E27FC236}">
-                <a16:creationId xmlns:a16="http://schemas.microsoft.com/office/drawing/2014/main" id="{6F041CFD-36B1-3704-F563-6FC5B32C8857}"/>
-              </a:ext>
-            </a:extLst>
-          </p:cNvPr>
-          <p:cNvCxnSpPr/>
-          <p:nvPr/>
-        </p:nvCxnSpPr>
-        <p:spPr>
-          <a:xfrm flipH="1">
-            <a:off x="9746602" y="3152988"/>
-            <a:ext cx="966037" cy="0"/>
-          </a:xfrm>
-          <a:prstGeom prst="line">
-            <a:avLst/>
-          </a:prstGeom>
-          <a:ln w="12700">
-            <a:solidFill>
-              <a:srgbClr val="002060"/>
-            </a:solidFill>
-            <a:prstDash val="sysDash"/>
-          </a:ln>
-        </p:spPr>
-        <p:style>
-          <a:lnRef idx="1">
-            <a:schemeClr val="accent1"/>
-          </a:lnRef>
-          <a:fillRef idx="0">
-            <a:schemeClr val="accent1"/>
-          </a:fillRef>
-          <a:effectRef idx="0">
-            <a:schemeClr val="accent1"/>
-          </a:effectRef>
-          <a:fontRef idx="minor">
-            <a:schemeClr val="tx1"/>
-          </a:fontRef>
-        </p:style>
-      </p:cxnSp>
-      <p:cxnSp>
-        <p:nvCxnSpPr>
-          <p:cNvPr id="13" name="Connecteur droit 12">
-            <a:extLst>
-              <a:ext uri="{FF2B5EF4-FFF2-40B4-BE49-F238E27FC236}">
-                <a16:creationId xmlns:a16="http://schemas.microsoft.com/office/drawing/2014/main" id="{E7D468E2-0231-E320-B5E5-6C61B714398E}"/>
-              </a:ext>
-            </a:extLst>
-          </p:cNvPr>
-          <p:cNvCxnSpPr>
-            <a:cxnSpLocks/>
-          </p:cNvCxnSpPr>
-          <p:nvPr/>
-        </p:nvCxnSpPr>
-        <p:spPr>
-          <a:xfrm flipH="1">
-            <a:off x="6791178" y="5593093"/>
-            <a:ext cx="848487" cy="0"/>
-          </a:xfrm>
-          <a:prstGeom prst="line">
-            <a:avLst/>
-          </a:prstGeom>
-          <a:ln w="12700">
-            <a:solidFill>
-              <a:srgbClr val="002060"/>
-            </a:solidFill>
-            <a:prstDash val="sysDash"/>
-          </a:ln>
-        </p:spPr>
-        <p:style>
-          <a:lnRef idx="1">
-            <a:schemeClr val="accent1"/>
-          </a:lnRef>
-          <a:fillRef idx="0">
-            <a:schemeClr val="accent1"/>
-          </a:fillRef>
-          <a:effectRef idx="0">
-            <a:schemeClr val="accent1"/>
-          </a:effectRef>
-          <a:fontRef idx="minor">
-            <a:schemeClr val="tx1"/>
-          </a:fontRef>
-        </p:style>
-      </p:cxnSp>
-      <p:cxnSp>
-        <p:nvCxnSpPr>
-          <p:cNvPr id="14" name="Connecteur droit 13">
-            <a:extLst>
-              <a:ext uri="{FF2B5EF4-FFF2-40B4-BE49-F238E27FC236}">
-                <a16:creationId xmlns:a16="http://schemas.microsoft.com/office/drawing/2014/main" id="{0FDD5683-CDF2-083C-0D66-983164DEFA3A}"/>
-              </a:ext>
-            </a:extLst>
-          </p:cNvPr>
-          <p:cNvCxnSpPr>
-            <a:cxnSpLocks/>
-          </p:cNvCxnSpPr>
-          <p:nvPr/>
-        </p:nvCxnSpPr>
-        <p:spPr>
-          <a:xfrm flipH="1">
-            <a:off x="6771513" y="3803631"/>
-            <a:ext cx="258406" cy="0"/>
-          </a:xfrm>
-          <a:prstGeom prst="line">
-            <a:avLst/>
-          </a:prstGeom>
-          <a:ln w="12700">
-            <a:solidFill>
-              <a:srgbClr val="002060"/>
-            </a:solidFill>
-            <a:prstDash val="sysDash"/>
-          </a:ln>
-        </p:spPr>
-        <p:style>
-          <a:lnRef idx="1">
-            <a:schemeClr val="accent1"/>
-          </a:lnRef>
-          <a:fillRef idx="0">
-            <a:schemeClr val="accent1"/>
-          </a:fillRef>
-          <a:effectRef idx="0">
-            <a:schemeClr val="accent1"/>
-          </a:effectRef>
-          <a:fontRef idx="minor">
-            <a:schemeClr val="tx1"/>
-          </a:fontRef>
-        </p:style>
-      </p:cxnSp>
-      <p:cxnSp>
-        <p:nvCxnSpPr>
-          <p:cNvPr id="15" name="Connecteur droit 14">
-            <a:extLst>
-              <a:ext uri="{FF2B5EF4-FFF2-40B4-BE49-F238E27FC236}">
-                <a16:creationId xmlns:a16="http://schemas.microsoft.com/office/drawing/2014/main" id="{99548418-5C65-28CD-02EE-2839F76ED00A}"/>
-              </a:ext>
-            </a:extLst>
-          </p:cNvPr>
-          <p:cNvCxnSpPr>
-            <a:cxnSpLocks/>
-          </p:cNvCxnSpPr>
-          <p:nvPr/>
-        </p:nvCxnSpPr>
-        <p:spPr>
-          <a:xfrm flipH="1">
-            <a:off x="10444401" y="4939534"/>
-            <a:ext cx="258406" cy="0"/>
-          </a:xfrm>
-          <a:prstGeom prst="line">
-            <a:avLst/>
-          </a:prstGeom>
-          <a:ln w="12700">
-            <a:solidFill>
-              <a:srgbClr val="002060"/>
-            </a:solidFill>
-            <a:prstDash val="sysDash"/>
-          </a:ln>
-        </p:spPr>
-        <p:style>
-          <a:lnRef idx="1">
-            <a:schemeClr val="accent1"/>
-          </a:lnRef>
-          <a:fillRef idx="0">
-            <a:schemeClr val="accent1"/>
-          </a:fillRef>
-          <a:effectRef idx="0">
-            <a:schemeClr val="accent1"/>
-          </a:effectRef>
-          <a:fontRef idx="minor">
-            <a:schemeClr val="tx1"/>
-          </a:fontRef>
-        </p:style>
-      </p:cxnSp>
+              <a:rPr lang="fr-FR" sz="1400" dirty="0"/>
+              <a:t>1 semaine après la dernière séance</a:t>
+            </a:r>
+          </a:p>
+        </p:txBody>
+      </p:sp>
     </p:spTree>
     <p:extLst>
       <p:ext uri="{BB962C8B-B14F-4D97-AF65-F5344CB8AC3E}">
-        <p14:creationId xmlns:p14="http://schemas.microsoft.com/office/powerpoint/2010/main" val="2095487722"/>
+        <p14:creationId xmlns:p14="http://schemas.microsoft.com/office/powerpoint/2010/main" val="1780351021"/>
       </p:ext>
     </p:extLst>
   </p:cSld>
@@ -10384,7 +9479,7 @@
             </a:r>
             <a:r>
               <a:rPr lang="fr-FR" dirty="0"/>
-              <a:t> / TP / Evaluations</a:t>
+              <a:t> / TP / Ressources</a:t>
             </a:r>
           </a:p>
         </p:txBody>
@@ -10427,10 +9522,10 @@
       </p:pic>
       <p:sp>
         <p:nvSpPr>
-          <p:cNvPr id="21" name="CustomShape 3">
-            <a:extLst>
-              <a:ext uri="{FF2B5EF4-FFF2-40B4-BE49-F238E27FC236}">
-                <a16:creationId xmlns:a16="http://schemas.microsoft.com/office/drawing/2014/main" id="{C4F009B7-348E-6E4E-D3E6-A48A8134EA26}"/>
+          <p:cNvPr id="18" name="CustomShape 3">
+            <a:extLst>
+              <a:ext uri="{FF2B5EF4-FFF2-40B4-BE49-F238E27FC236}">
+                <a16:creationId xmlns:a16="http://schemas.microsoft.com/office/drawing/2014/main" id="{67756887-8D7D-16CA-99A7-DCA51C63AE43}"/>
               </a:ext>
             </a:extLst>
           </p:cNvPr>
@@ -10439,14 +9534,17 @@
         </p:nvSpPr>
         <p:spPr>
           <a:xfrm>
-            <a:off x="3785606" y="5749790"/>
-            <a:ext cx="1887607" cy="369332"/>
+            <a:off x="6390968" y="2440602"/>
+            <a:ext cx="4685465" cy="492443"/>
           </a:xfrm>
           <a:prstGeom prst="rect">
             <a:avLst/>
           </a:prstGeom>
           <a:solidFill>
-            <a:schemeClr val="accent1"/>
+            <a:schemeClr val="tx1">
+              <a:lumMod val="65000"/>
+              <a:lumOff val="35000"/>
+            </a:schemeClr>
           </a:solidFill>
           <a:ln w="0">
             <a:noFill/>
@@ -10479,26 +9577,16 @@
               </a:tabLst>
             </a:pPr>
             <a:r>
-              <a:rPr lang="fr-FR" sz="1200" b="1" strike="noStrike" spc="-1" dirty="0">
+              <a:rPr lang="fr-FR" sz="2000" b="1" strike="noStrike" spc="-1" dirty="0">
                 <a:solidFill>
                   <a:schemeClr val="bg1"/>
                 </a:solidFill>
                 <a:latin typeface="Trebuchet MS"/>
                 <a:ea typeface="Trebuchet MS"/>
               </a:rPr>
-              <a:t>(1) </a:t>
-            </a:r>
-            <a:r>
-              <a:rPr lang="fr-FR" sz="1200" b="1" strike="noStrike" spc="-1" dirty="0" err="1">
-                <a:solidFill>
-                  <a:schemeClr val="bg1"/>
-                </a:solidFill>
-                <a:latin typeface="Trebuchet MS"/>
-                <a:ea typeface="Trebuchet MS"/>
-              </a:rPr>
-              <a:t>Photodétection</a:t>
-            </a:r>
-            <a:endParaRPr lang="fr-FR" sz="1200" b="0" strike="noStrike" spc="-1" dirty="0">
+              <a:t>3 blocs de 2 séances de TP</a:t>
+            </a:r>
+            <a:endParaRPr lang="fr-FR" sz="2000" b="0" strike="noStrike" spc="-1" dirty="0">
               <a:solidFill>
                 <a:schemeClr val="bg1"/>
               </a:solidFill>
@@ -10509,10 +9597,10 @@
       </p:sp>
       <p:sp>
         <p:nvSpPr>
-          <p:cNvPr id="23" name="CustomShape 3">
-            <a:extLst>
-              <a:ext uri="{FF2B5EF4-FFF2-40B4-BE49-F238E27FC236}">
-                <a16:creationId xmlns:a16="http://schemas.microsoft.com/office/drawing/2014/main" id="{D07EBB44-0FC5-22B6-B831-C9AE212D70CF}"/>
+          <p:cNvPr id="3" name="CustomShape 3">
+            <a:extLst>
+              <a:ext uri="{FF2B5EF4-FFF2-40B4-BE49-F238E27FC236}">
+                <a16:creationId xmlns:a16="http://schemas.microsoft.com/office/drawing/2014/main" id="{F665BF59-136D-0754-7EE3-F83C4DBD1D54}"/>
               </a:ext>
             </a:extLst>
           </p:cNvPr>
@@ -10521,8 +9609,8 @@
         </p:nvSpPr>
         <p:spPr>
           <a:xfrm>
-            <a:off x="3785605" y="6190504"/>
-            <a:ext cx="1887607" cy="369332"/>
+            <a:off x="1115567" y="2440602"/>
+            <a:ext cx="4685465" cy="492443"/>
           </a:xfrm>
           <a:prstGeom prst="rect">
             <a:avLst/>
@@ -10561,16 +9649,16 @@
               </a:tabLst>
             </a:pPr>
             <a:r>
-              <a:rPr lang="fr-FR" sz="1200" b="1" strike="noStrike" spc="-1" dirty="0">
+              <a:rPr lang="fr-FR" sz="2000" b="1" strike="noStrike" spc="-1" dirty="0">
                 <a:solidFill>
                   <a:schemeClr val="bg1"/>
                 </a:solidFill>
                 <a:latin typeface="Trebuchet MS"/>
                 <a:ea typeface="Trebuchet MS"/>
               </a:rPr>
-              <a:t>(2) Numérique</a:t>
-            </a:r>
-            <a:endParaRPr lang="fr-FR" sz="1200" b="0" strike="noStrike" spc="-1" dirty="0">
+              <a:t>Ressources</a:t>
+            </a:r>
+            <a:endParaRPr lang="fr-FR" sz="2000" b="0" strike="noStrike" spc="-1" dirty="0">
               <a:solidFill>
                 <a:schemeClr val="bg1"/>
               </a:solidFill>
@@ -10581,10 +9669,104 @@
       </p:sp>
       <p:sp>
         <p:nvSpPr>
-          <p:cNvPr id="3" name="CustomShape 3">
-            <a:extLst>
-              <a:ext uri="{FF2B5EF4-FFF2-40B4-BE49-F238E27FC236}">
-                <a16:creationId xmlns:a16="http://schemas.microsoft.com/office/drawing/2014/main" id="{3A2757AF-7204-5C84-F3F3-C24EF7A3A399}"/>
+          <p:cNvPr id="4" name="Espace réservé du contenu 2">
+            <a:extLst>
+              <a:ext uri="{FF2B5EF4-FFF2-40B4-BE49-F238E27FC236}">
+                <a16:creationId xmlns:a16="http://schemas.microsoft.com/office/drawing/2014/main" id="{EDF779BE-63E6-9F6B-6ECB-3FED2571DCDE}"/>
+              </a:ext>
+            </a:extLst>
+          </p:cNvPr>
+          <p:cNvSpPr>
+            <a:spLocks noGrp="1"/>
+          </p:cNvSpPr>
+          <p:nvPr>
+            <p:ph sz="half" idx="1"/>
+          </p:nvPr>
+        </p:nvSpPr>
+        <p:spPr>
+          <a:xfrm>
+            <a:off x="1108263" y="3050362"/>
+            <a:ext cx="4685466" cy="3694176"/>
+          </a:xfrm>
+        </p:spPr>
+        <p:txBody>
+          <a:bodyPr>
+            <a:normAutofit/>
+          </a:bodyPr>
+          <a:lstStyle/>
+          <a:p>
+            <a:r>
+              <a:rPr lang="fr-FR" sz="2000" b="1" dirty="0"/>
+              <a:t>Site du </a:t>
+            </a:r>
+            <a:r>
+              <a:rPr lang="fr-FR" sz="2000" b="1" dirty="0" err="1"/>
+              <a:t>LEnsE</a:t>
+            </a:r>
+            <a:endParaRPr lang="fr-FR" sz="2000" b="1" dirty="0"/>
+          </a:p>
+          <a:p>
+            <a:pPr lvl="1"/>
+            <a:r>
+              <a:rPr lang="fr-FR" sz="1800" dirty="0"/>
+              <a:t>Sujets : lense.institutoptique.fr/</a:t>
+            </a:r>
+            <a:r>
+              <a:rPr lang="fr-FR" sz="1800" dirty="0" err="1"/>
+              <a:t>ceti</a:t>
+            </a:r>
+            <a:r>
+              <a:rPr lang="fr-FR" sz="1800" dirty="0"/>
+              <a:t>/</a:t>
+            </a:r>
+            <a:endParaRPr lang="fr-FR" sz="2000" b="1" dirty="0"/>
+          </a:p>
+          <a:p>
+            <a:r>
+              <a:rPr lang="fr-FR" sz="2000" b="1" dirty="0"/>
+              <a:t>Ressources des constructeurs</a:t>
+            </a:r>
+          </a:p>
+          <a:p>
+            <a:r>
+              <a:rPr lang="fr-FR" sz="2000" b="1" dirty="0"/>
+              <a:t>Sites de composants</a:t>
+            </a:r>
+          </a:p>
+          <a:p>
+            <a:pPr lvl="1"/>
+            <a:r>
+              <a:rPr lang="fr-FR" sz="1400" dirty="0" err="1"/>
+              <a:t>Radiospares</a:t>
+            </a:r>
+            <a:r>
+              <a:rPr lang="fr-FR" sz="1400" dirty="0"/>
+              <a:t>  RS</a:t>
+            </a:r>
+          </a:p>
+          <a:p>
+            <a:pPr lvl="1"/>
+            <a:r>
+              <a:rPr lang="fr-FR" sz="1400" dirty="0"/>
+              <a:t>Conrad</a:t>
+            </a:r>
+          </a:p>
+          <a:p>
+            <a:pPr lvl="1"/>
+            <a:r>
+              <a:rPr lang="fr-FR" sz="1400" dirty="0" err="1"/>
+              <a:t>Farnell</a:t>
+            </a:r>
+            <a:endParaRPr lang="fr-FR" sz="1400" dirty="0"/>
+          </a:p>
+        </p:txBody>
+      </p:sp>
+      <p:sp>
+        <p:nvSpPr>
+          <p:cNvPr id="6" name="CustomShape 3">
+            <a:extLst>
+              <a:ext uri="{FF2B5EF4-FFF2-40B4-BE49-F238E27FC236}">
+                <a16:creationId xmlns:a16="http://schemas.microsoft.com/office/drawing/2014/main" id="{5D708399-807B-5432-94CB-AECBD6EA9803}"/>
               </a:ext>
             </a:extLst>
           </p:cNvPr>
@@ -10593,14 +9775,14 @@
         </p:nvSpPr>
         <p:spPr>
           <a:xfrm>
-            <a:off x="1115567" y="2440602"/>
-            <a:ext cx="4685465" cy="492443"/>
+            <a:off x="6388201" y="3152988"/>
+            <a:ext cx="3348569" cy="461665"/>
           </a:xfrm>
           <a:prstGeom prst="rect">
             <a:avLst/>
           </a:prstGeom>
           <a:solidFill>
-            <a:srgbClr val="00B0F0"/>
+            <a:schemeClr val="accent6"/>
           </a:solidFill>
           <a:ln w="0">
             <a:noFill/>
@@ -10633,16 +9815,16 @@
               </a:tabLst>
             </a:pPr>
             <a:r>
-              <a:rPr lang="fr-FR" sz="2000" b="1" strike="noStrike" spc="-1" dirty="0">
+              <a:rPr lang="fr-FR" b="1" strike="noStrike" spc="-1" dirty="0">
                 <a:solidFill>
                   <a:schemeClr val="bg1"/>
                 </a:solidFill>
                 <a:latin typeface="Trebuchet MS"/>
                 <a:ea typeface="Trebuchet MS"/>
               </a:rPr>
-              <a:t>Evaluations</a:t>
-            </a:r>
-            <a:endParaRPr lang="fr-FR" sz="2000" b="0" strike="noStrike" spc="-1" dirty="0">
+              <a:t>(0) Mise en forme / Filtrage</a:t>
+            </a:r>
+            <a:endParaRPr lang="fr-FR" b="0" strike="noStrike" spc="-1" dirty="0">
               <a:solidFill>
                 <a:schemeClr val="bg1"/>
               </a:solidFill>
@@ -10653,66 +9835,10 @@
       </p:sp>
       <p:sp>
         <p:nvSpPr>
-          <p:cNvPr id="4" name="Espace réservé du contenu 2">
-            <a:extLst>
-              <a:ext uri="{FF2B5EF4-FFF2-40B4-BE49-F238E27FC236}">
-                <a16:creationId xmlns:a16="http://schemas.microsoft.com/office/drawing/2014/main" id="{7DB7DACE-1CDC-F9B9-9553-754869EC293A}"/>
-              </a:ext>
-            </a:extLst>
-          </p:cNvPr>
-          <p:cNvSpPr>
-            <a:spLocks noGrp="1"/>
-          </p:cNvSpPr>
-          <p:nvPr>
-            <p:ph sz="half" idx="1"/>
-          </p:nvPr>
-        </p:nvSpPr>
-        <p:spPr>
-          <a:xfrm>
-            <a:off x="1108263" y="3050362"/>
-            <a:ext cx="4685466" cy="3694176"/>
-          </a:xfrm>
-        </p:spPr>
-        <p:txBody>
-          <a:bodyPr>
-            <a:normAutofit/>
-          </a:bodyPr>
-          <a:lstStyle/>
-          <a:p>
-            <a:r>
-              <a:rPr lang="fr-FR" sz="2000" b="1" dirty="0"/>
-              <a:t>Synthèses </a:t>
-            </a:r>
-            <a:r>
-              <a:rPr lang="fr-FR" sz="2000" dirty="0"/>
-              <a:t>(50 %)</a:t>
-            </a:r>
-          </a:p>
-          <a:p>
-            <a:pPr lvl="1"/>
-            <a:r>
-              <a:rPr lang="fr-FR" sz="1800" dirty="0"/>
-              <a:t>Thème 1 : évaluée mais non notée</a:t>
-            </a:r>
-          </a:p>
-          <a:p>
-            <a:pPr lvl="1"/>
-            <a:r>
-              <a:rPr lang="fr-FR" sz="1800" dirty="0"/>
-              <a:t>Thème 2 : évaluée et notée (50%)</a:t>
-            </a:r>
-          </a:p>
-          <a:p>
-            <a:endParaRPr lang="fr-FR" sz="1800" dirty="0"/>
-          </a:p>
-        </p:txBody>
-      </p:sp>
-      <p:sp>
-        <p:nvSpPr>
-          <p:cNvPr id="9" name="CustomShape 3">
-            <a:extLst>
-              <a:ext uri="{FF2B5EF4-FFF2-40B4-BE49-F238E27FC236}">
-                <a16:creationId xmlns:a16="http://schemas.microsoft.com/office/drawing/2014/main" id="{4BDDD5A9-51DE-277E-D8B4-6E62D0688F1C}"/>
+          <p:cNvPr id="16" name="CustomShape 3">
+            <a:extLst>
+              <a:ext uri="{FF2B5EF4-FFF2-40B4-BE49-F238E27FC236}">
+                <a16:creationId xmlns:a16="http://schemas.microsoft.com/office/drawing/2014/main" id="{1614AF41-AF20-58CE-3DEF-1FE095E74CE8}"/>
               </a:ext>
             </a:extLst>
           </p:cNvPr>
@@ -10721,8 +9847,8 @@
         </p:nvSpPr>
         <p:spPr>
           <a:xfrm>
-            <a:off x="6401130" y="2440601"/>
-            <a:ext cx="4685465" cy="492443"/>
+            <a:off x="7069579" y="3800179"/>
+            <a:ext cx="3348569" cy="492443"/>
           </a:xfrm>
           <a:prstGeom prst="rect">
             <a:avLst/>
@@ -10768,7 +9894,7 @@
                 <a:latin typeface="Trebuchet MS"/>
                 <a:ea typeface="Trebuchet MS"/>
               </a:rPr>
-              <a:t>Synthèse et carte conceptuelle</a:t>
+              <a:t>(1) Numérique</a:t>
             </a:r>
             <a:endParaRPr lang="fr-FR" sz="2000" b="0" strike="noStrike" spc="-1" dirty="0">
               <a:solidFill>
@@ -10781,10 +9907,10 @@
       </p:sp>
       <p:sp>
         <p:nvSpPr>
-          <p:cNvPr id="10" name="CustomShape 3">
-            <a:extLst>
-              <a:ext uri="{FF2B5EF4-FFF2-40B4-BE49-F238E27FC236}">
-                <a16:creationId xmlns:a16="http://schemas.microsoft.com/office/drawing/2014/main" id="{BE2E5222-4280-FEE3-6F7C-3036B658BAA1}"/>
+          <p:cNvPr id="17" name="CustomShape 3">
+            <a:extLst>
+              <a:ext uri="{FF2B5EF4-FFF2-40B4-BE49-F238E27FC236}">
+                <a16:creationId xmlns:a16="http://schemas.microsoft.com/office/drawing/2014/main" id="{9C09A4C8-48BC-5594-43BF-68F44822B298}"/>
               </a:ext>
             </a:extLst>
           </p:cNvPr>
@@ -10792,15 +9918,15 @@
           <p:nvPr/>
         </p:nvSpPr>
         <p:spPr>
-          <a:xfrm rot="19599468">
-            <a:off x="7892778" y="3841698"/>
-            <a:ext cx="2362269" cy="800219"/>
+          <a:xfrm>
+            <a:off x="7059414" y="4447370"/>
+            <a:ext cx="3348569" cy="492443"/>
           </a:xfrm>
           <a:prstGeom prst="rect">
             <a:avLst/>
           </a:prstGeom>
           <a:solidFill>
-            <a:srgbClr val="FF0000"/>
+            <a:schemeClr val="accent1"/>
           </a:solidFill>
           <a:ln w="0">
             <a:noFill/>
@@ -10840,7 +9966,17 @@
                 <a:latin typeface="Trebuchet MS"/>
                 <a:ea typeface="Trebuchet MS"/>
               </a:rPr>
-              <a:t>Ajouter Sujet Thème 1</a:t>
+              <a:t>(2) </a:t>
+            </a:r>
+            <a:r>
+              <a:rPr lang="fr-FR" sz="2000" b="1" strike="noStrike" spc="-1" dirty="0" err="1">
+                <a:solidFill>
+                  <a:schemeClr val="bg1"/>
+                </a:solidFill>
+                <a:latin typeface="Trebuchet MS"/>
+                <a:ea typeface="Trebuchet MS"/>
+              </a:rPr>
+              <a:t>Photodétection</a:t>
             </a:r>
             <a:endParaRPr lang="fr-FR" sz="2000" b="0" strike="noStrike" spc="-1" dirty="0">
               <a:solidFill>
@@ -10854,7 +9990,7 @@
     </p:spTree>
     <p:extLst>
       <p:ext uri="{BB962C8B-B14F-4D97-AF65-F5344CB8AC3E}">
-        <p14:creationId xmlns:p14="http://schemas.microsoft.com/office/powerpoint/2010/main" val="3094483282"/>
+        <p14:creationId xmlns:p14="http://schemas.microsoft.com/office/powerpoint/2010/main" val="2095487722"/>
       </p:ext>
     </p:extLst>
   </p:cSld>
@@ -10883,78 +10019,10 @@
       </p:grpSpPr>
       <p:sp>
         <p:nvSpPr>
-          <p:cNvPr id="2" name="Titre 1">
-            <a:extLst>
-              <a:ext uri="{FF2B5EF4-FFF2-40B4-BE49-F238E27FC236}">
-                <a16:creationId xmlns:a16="http://schemas.microsoft.com/office/drawing/2014/main" id="{90162AE8-C1B0-5C56-8313-DEE494F38273}"/>
-              </a:ext>
-            </a:extLst>
-          </p:cNvPr>
-          <p:cNvSpPr>
-            <a:spLocks noGrp="1"/>
-          </p:cNvSpPr>
-          <p:nvPr>
-            <p:ph type="title"/>
-          </p:nvPr>
-        </p:nvSpPr>
-        <p:spPr/>
-        <p:txBody>
-          <a:bodyPr/>
-          <a:lstStyle/>
-          <a:p>
-            <a:r>
-              <a:rPr lang="fr-FR" dirty="0" err="1"/>
-              <a:t>CéTI</a:t>
-            </a:r>
-            <a:r>
-              <a:rPr lang="fr-FR" dirty="0"/>
-              <a:t> / TP / Evaluations</a:t>
-            </a:r>
-          </a:p>
-        </p:txBody>
-      </p:sp>
-      <p:pic>
-        <p:nvPicPr>
-          <p:cNvPr id="5" name="Image 4" descr="Une image contenant texte&#10;&#10;Description générée automatiquement">
-            <a:extLst>
-              <a:ext uri="{FF2B5EF4-FFF2-40B4-BE49-F238E27FC236}">
-                <a16:creationId xmlns:a16="http://schemas.microsoft.com/office/drawing/2014/main" id="{204ADC40-1D61-539F-22ED-6B21D67FBDE6}"/>
-              </a:ext>
-            </a:extLst>
-          </p:cNvPr>
-          <p:cNvPicPr>
-            <a:picLocks noChangeAspect="1"/>
-          </p:cNvPicPr>
-          <p:nvPr/>
-        </p:nvPicPr>
-        <p:blipFill>
-          <a:blip r:embed="rId2" cstate="print">
-            <a:extLst>
-              <a:ext uri="{28A0092B-C50C-407E-A947-70E740481C1C}">
-                <a14:useLocalDpi xmlns:a14="http://schemas.microsoft.com/office/drawing/2010/main" val="0"/>
-              </a:ext>
-            </a:extLst>
-          </a:blip>
-          <a:stretch>
-            <a:fillRect/>
-          </a:stretch>
-        </p:blipFill>
-        <p:spPr>
-          <a:xfrm>
-            <a:off x="202922" y="5934456"/>
-            <a:ext cx="1825291" cy="749808"/>
-          </a:xfrm>
-          <a:prstGeom prst="rect">
-            <a:avLst/>
-          </a:prstGeom>
-        </p:spPr>
-      </p:pic>
-      <p:sp>
-        <p:nvSpPr>
-          <p:cNvPr id="21" name="CustomShape 3">
-            <a:extLst>
-              <a:ext uri="{FF2B5EF4-FFF2-40B4-BE49-F238E27FC236}">
-                <a16:creationId xmlns:a16="http://schemas.microsoft.com/office/drawing/2014/main" id="{C4F009B7-348E-6E4E-D3E6-A48A8134EA26}"/>
+          <p:cNvPr id="8" name="CustomShape 3">
+            <a:extLst>
+              <a:ext uri="{FF2B5EF4-FFF2-40B4-BE49-F238E27FC236}">
+                <a16:creationId xmlns:a16="http://schemas.microsoft.com/office/drawing/2014/main" id="{55DDE97B-923A-BC23-890F-95DFE68EEB05}"/>
               </a:ext>
             </a:extLst>
           </p:cNvPr>
@@ -10963,14 +10031,14 @@
         </p:nvSpPr>
         <p:spPr>
           <a:xfrm>
-            <a:off x="3785606" y="5749790"/>
+            <a:off x="3785605" y="5749790"/>
             <a:ext cx="1887607" cy="369332"/>
           </a:xfrm>
           <a:prstGeom prst="rect">
             <a:avLst/>
           </a:prstGeom>
           <a:solidFill>
-            <a:schemeClr val="accent1"/>
+            <a:srgbClr val="00B0F0"/>
           </a:solidFill>
           <a:ln w="0">
             <a:noFill/>
@@ -11010,17 +10078,7 @@
                 <a:latin typeface="Trebuchet MS"/>
                 <a:ea typeface="Trebuchet MS"/>
               </a:rPr>
-              <a:t>(1) </a:t>
-            </a:r>
-            <a:r>
-              <a:rPr lang="fr-FR" sz="1200" b="1" strike="noStrike" spc="-1" dirty="0" err="1">
-                <a:solidFill>
-                  <a:schemeClr val="bg1"/>
-                </a:solidFill>
-                <a:latin typeface="Trebuchet MS"/>
-                <a:ea typeface="Trebuchet MS"/>
-              </a:rPr>
-              <a:t>Photodétection</a:t>
+              <a:t>(1) Numérique</a:t>
             </a:r>
             <a:endParaRPr lang="fr-FR" sz="1200" b="0" strike="noStrike" spc="-1" dirty="0">
               <a:solidFill>
@@ -11033,10 +10091,78 @@
       </p:sp>
       <p:sp>
         <p:nvSpPr>
-          <p:cNvPr id="23" name="CustomShape 3">
-            <a:extLst>
-              <a:ext uri="{FF2B5EF4-FFF2-40B4-BE49-F238E27FC236}">
-                <a16:creationId xmlns:a16="http://schemas.microsoft.com/office/drawing/2014/main" id="{D07EBB44-0FC5-22B6-B831-C9AE212D70CF}"/>
+          <p:cNvPr id="2" name="Titre 1">
+            <a:extLst>
+              <a:ext uri="{FF2B5EF4-FFF2-40B4-BE49-F238E27FC236}">
+                <a16:creationId xmlns:a16="http://schemas.microsoft.com/office/drawing/2014/main" id="{90162AE8-C1B0-5C56-8313-DEE494F38273}"/>
+              </a:ext>
+            </a:extLst>
+          </p:cNvPr>
+          <p:cNvSpPr>
+            <a:spLocks noGrp="1"/>
+          </p:cNvSpPr>
+          <p:nvPr>
+            <p:ph type="title"/>
+          </p:nvPr>
+        </p:nvSpPr>
+        <p:spPr/>
+        <p:txBody>
+          <a:bodyPr/>
+          <a:lstStyle/>
+          <a:p>
+            <a:r>
+              <a:rPr lang="fr-FR" dirty="0" err="1"/>
+              <a:t>CéTI</a:t>
+            </a:r>
+            <a:r>
+              <a:rPr lang="fr-FR" dirty="0"/>
+              <a:t> / TP / Evaluations</a:t>
+            </a:r>
+          </a:p>
+        </p:txBody>
+      </p:sp>
+      <p:pic>
+        <p:nvPicPr>
+          <p:cNvPr id="5" name="Image 4" descr="Une image contenant texte&#10;&#10;Description générée automatiquement">
+            <a:extLst>
+              <a:ext uri="{FF2B5EF4-FFF2-40B4-BE49-F238E27FC236}">
+                <a16:creationId xmlns:a16="http://schemas.microsoft.com/office/drawing/2014/main" id="{204ADC40-1D61-539F-22ED-6B21D67FBDE6}"/>
+              </a:ext>
+            </a:extLst>
+          </p:cNvPr>
+          <p:cNvPicPr>
+            <a:picLocks noChangeAspect="1"/>
+          </p:cNvPicPr>
+          <p:nvPr/>
+        </p:nvPicPr>
+        <p:blipFill>
+          <a:blip r:embed="rId2" cstate="print">
+            <a:extLst>
+              <a:ext uri="{28A0092B-C50C-407E-A947-70E740481C1C}">
+                <a14:useLocalDpi xmlns:a14="http://schemas.microsoft.com/office/drawing/2010/main" val="0"/>
+              </a:ext>
+            </a:extLst>
+          </a:blip>
+          <a:stretch>
+            <a:fillRect/>
+          </a:stretch>
+        </p:blipFill>
+        <p:spPr>
+          <a:xfrm>
+            <a:off x="202922" y="5934456"/>
+            <a:ext cx="1825291" cy="749808"/>
+          </a:xfrm>
+          <a:prstGeom prst="rect">
+            <a:avLst/>
+          </a:prstGeom>
+        </p:spPr>
+      </p:pic>
+      <p:sp>
+        <p:nvSpPr>
+          <p:cNvPr id="21" name="CustomShape 3">
+            <a:extLst>
+              <a:ext uri="{FF2B5EF4-FFF2-40B4-BE49-F238E27FC236}">
+                <a16:creationId xmlns:a16="http://schemas.microsoft.com/office/drawing/2014/main" id="{C4F009B7-348E-6E4E-D3E6-A48A8134EA26}"/>
               </a:ext>
             </a:extLst>
           </p:cNvPr>
@@ -11045,14 +10171,14 @@
         </p:nvSpPr>
         <p:spPr>
           <a:xfrm>
-            <a:off x="3785605" y="6190504"/>
+            <a:off x="3785605" y="6210644"/>
             <a:ext cx="1887607" cy="369332"/>
           </a:xfrm>
           <a:prstGeom prst="rect">
             <a:avLst/>
           </a:prstGeom>
           <a:solidFill>
-            <a:srgbClr val="00B0F0"/>
+            <a:schemeClr val="accent1"/>
           </a:solidFill>
           <a:ln w="0">
             <a:noFill/>
@@ -11092,7 +10218,17 @@
                 <a:latin typeface="Trebuchet MS"/>
                 <a:ea typeface="Trebuchet MS"/>
               </a:rPr>
-              <a:t>(2) Numérique</a:t>
+              <a:t>(2) </a:t>
+            </a:r>
+            <a:r>
+              <a:rPr lang="fr-FR" sz="1200" b="1" strike="noStrike" spc="-1" dirty="0" err="1">
+                <a:solidFill>
+                  <a:schemeClr val="bg1"/>
+                </a:solidFill>
+                <a:latin typeface="Trebuchet MS"/>
+                <a:ea typeface="Trebuchet MS"/>
+              </a:rPr>
+              <a:t>Photodétection</a:t>
             </a:r>
             <a:endParaRPr lang="fr-FR" sz="1200" b="0" strike="noStrike" spc="-1" dirty="0">
               <a:solidFill>
@@ -11227,95 +10363,7 @@
             </a:r>
           </a:p>
           <a:p>
-            <a:r>
-              <a:rPr lang="fr-FR" sz="2000" b="1" dirty="0"/>
-              <a:t>Examen pratique </a:t>
-            </a:r>
-            <a:r>
-              <a:rPr lang="fr-FR" sz="2000" dirty="0"/>
-              <a:t>(50 %)</a:t>
-            </a:r>
-          </a:p>
-          <a:p>
-            <a:pPr lvl="1"/>
-            <a:r>
-              <a:rPr lang="fr-FR" sz="1800" dirty="0"/>
-              <a:t>Durée : </a:t>
-            </a:r>
-            <a:r>
-              <a:rPr lang="fr-FR" sz="1800" b="1" dirty="0"/>
-              <a:t>1h</a:t>
-            </a:r>
-          </a:p>
-          <a:p>
-            <a:pPr lvl="1"/>
-            <a:r>
-              <a:rPr lang="fr-FR" sz="1800" dirty="0"/>
-              <a:t>Tous les </a:t>
-            </a:r>
-            <a:r>
-              <a:rPr lang="fr-FR" sz="1800" b="1" dirty="0"/>
-              <a:t>documents numériques </a:t>
-            </a:r>
-            <a:r>
-              <a:rPr lang="fr-FR" sz="1800" dirty="0"/>
-              <a:t>autorisés</a:t>
-            </a:r>
-          </a:p>
-          <a:p>
             <a:endParaRPr lang="fr-FR" sz="1800" dirty="0"/>
-          </a:p>
-        </p:txBody>
-      </p:sp>
-      <p:sp>
-        <p:nvSpPr>
-          <p:cNvPr id="8" name="ZoneTexte 7">
-            <a:extLst>
-              <a:ext uri="{FF2B5EF4-FFF2-40B4-BE49-F238E27FC236}">
-                <a16:creationId xmlns:a16="http://schemas.microsoft.com/office/drawing/2014/main" id="{0F3A1F2E-F441-C31C-7EC1-D6A75227ACF3}"/>
-              </a:ext>
-            </a:extLst>
-          </p:cNvPr>
-          <p:cNvSpPr txBox="1"/>
-          <p:nvPr/>
-        </p:nvSpPr>
-        <p:spPr>
-          <a:xfrm>
-            <a:off x="6928088" y="3422090"/>
-            <a:ext cx="3611221" cy="369332"/>
-          </a:xfrm>
-          <a:prstGeom prst="rect">
-            <a:avLst/>
-          </a:prstGeom>
-          <a:noFill/>
-        </p:spPr>
-        <p:txBody>
-          <a:bodyPr wrap="square">
-            <a:spAutoFit/>
-          </a:bodyPr>
-          <a:lstStyle/>
-          <a:p>
-            <a:r>
-              <a:rPr lang="fr-FR" dirty="0">
-                <a:highlight>
-                  <a:srgbClr val="00FFFF"/>
-                </a:highlight>
-              </a:rPr>
-              <a:t>ASPECT </a:t>
-            </a:r>
-            <a:r>
-              <a:rPr lang="fr-FR" b="1" dirty="0">
-                <a:highlight>
-                  <a:srgbClr val="00FFFF"/>
-                </a:highlight>
-              </a:rPr>
-              <a:t>INSTRUMENTATION</a:t>
-            </a:r>
-            <a:endParaRPr lang="fr-FR" dirty="0">
-              <a:highlight>
-                <a:srgbClr val="00FFFF"/>
-              </a:highlight>
-            </a:endParaRPr>
           </a:p>
         </p:txBody>
       </p:sp>
@@ -11380,17 +10428,7 @@
                 <a:latin typeface="Trebuchet MS"/>
                 <a:ea typeface="Trebuchet MS"/>
               </a:rPr>
-              <a:t>Evaluatio</a:t>
-            </a:r>
-            <a:r>
-              <a:rPr lang="fr-FR" sz="2000" b="1" spc="-1" dirty="0">
-                <a:solidFill>
-                  <a:schemeClr val="bg1"/>
-                </a:solidFill>
-                <a:latin typeface="Trebuchet MS"/>
-                <a:ea typeface="Trebuchet MS"/>
-              </a:rPr>
-              <a:t>n pratique</a:t>
+              <a:t>Synthèse et carte conceptuelle</a:t>
             </a:r>
             <a:endParaRPr lang="fr-FR" sz="2000" b="0" strike="noStrike" spc="-1" dirty="0">
               <a:solidFill>
@@ -11403,10 +10441,10 @@
       </p:sp>
       <p:sp>
         <p:nvSpPr>
-          <p:cNvPr id="6" name="ZoneTexte 5">
-            <a:extLst>
-              <a:ext uri="{FF2B5EF4-FFF2-40B4-BE49-F238E27FC236}">
-                <a16:creationId xmlns:a16="http://schemas.microsoft.com/office/drawing/2014/main" id="{5F5CBFC5-B974-1AD1-A1C9-845C2F711D5E}"/>
+          <p:cNvPr id="7" name="ZoneTexte 6">
+            <a:extLst>
+              <a:ext uri="{FF2B5EF4-FFF2-40B4-BE49-F238E27FC236}">
+                <a16:creationId xmlns:a16="http://schemas.microsoft.com/office/drawing/2014/main" id="{E2EFA9F7-0DD9-6F34-21B7-9DFF0D1C0131}"/>
               </a:ext>
             </a:extLst>
           </p:cNvPr>
@@ -11415,8 +10453,8 @@
         </p:nvSpPr>
         <p:spPr>
           <a:xfrm>
-            <a:off x="6928088" y="4353972"/>
-            <a:ext cx="4355608" cy="369332"/>
+            <a:off x="6519042" y="3324792"/>
+            <a:ext cx="4564695" cy="1200329"/>
           </a:xfrm>
           <a:prstGeom prst="rect">
             <a:avLst/>
@@ -11429,199 +10467,16 @@
           </a:bodyPr>
           <a:lstStyle/>
           <a:p>
-            <a:r>
-              <a:rPr lang="fr-FR" dirty="0">
-                <a:highlight>
-                  <a:srgbClr val="00FFFF"/>
-                </a:highlight>
+            <a:pPr algn="just" fontAlgn="base"/>
+            <a:r>
+              <a:rPr lang="fr-FR" b="0" i="0" dirty="0">
+                <a:solidFill>
+                  <a:srgbClr val="666666"/>
+                </a:solidFill>
+                <a:effectLst/>
+                <a:latin typeface="Lato" panose="020F0502020204030203" pitchFamily="34" charset="0"/>
               </a:rPr>
-              <a:t>ASPECT </a:t>
-            </a:r>
-            <a:r>
-              <a:rPr lang="fr-FR" b="1" dirty="0">
-                <a:highlight>
-                  <a:srgbClr val="00FFFF"/>
-                </a:highlight>
-              </a:rPr>
-              <a:t>INGENIEUR.E PHYSICIEN.NE</a:t>
-            </a:r>
-            <a:endParaRPr lang="fr-FR" dirty="0">
-              <a:highlight>
-                <a:srgbClr val="00FFFF"/>
-              </a:highlight>
-            </a:endParaRPr>
-          </a:p>
-        </p:txBody>
-      </p:sp>
-      <p:sp>
-        <p:nvSpPr>
-          <p:cNvPr id="10" name="ZoneTexte 9">
-            <a:extLst>
-              <a:ext uri="{FF2B5EF4-FFF2-40B4-BE49-F238E27FC236}">
-                <a16:creationId xmlns:a16="http://schemas.microsoft.com/office/drawing/2014/main" id="{00B3FB53-8556-BE15-925F-813B2A0DA05A}"/>
-              </a:ext>
-            </a:extLst>
-          </p:cNvPr>
-          <p:cNvSpPr txBox="1"/>
-          <p:nvPr/>
-        </p:nvSpPr>
-        <p:spPr>
-          <a:xfrm>
-            <a:off x="6928088" y="3886615"/>
-            <a:ext cx="6096000" cy="369332"/>
-          </a:xfrm>
-          <a:prstGeom prst="rect">
-            <a:avLst/>
-          </a:prstGeom>
-          <a:noFill/>
-        </p:spPr>
-        <p:txBody>
-          <a:bodyPr wrap="square">
-            <a:spAutoFit/>
-          </a:bodyPr>
-          <a:lstStyle/>
-          <a:p>
-            <a:r>
-              <a:rPr lang="fr-FR" dirty="0">
-                <a:highlight>
-                  <a:srgbClr val="00FFFF"/>
-                </a:highlight>
-              </a:rPr>
-              <a:t>ASPECT </a:t>
-            </a:r>
-            <a:r>
-              <a:rPr lang="fr-FR" b="1" dirty="0">
-                <a:effectLst/>
-                <a:highlight>
-                  <a:srgbClr val="00FFFF"/>
-                </a:highlight>
-              </a:rPr>
-              <a:t>PROTOCOLE</a:t>
-            </a:r>
-            <a:endParaRPr lang="fr-FR" dirty="0">
-              <a:highlight>
-                <a:srgbClr val="00FFFF"/>
-              </a:highlight>
-            </a:endParaRPr>
-          </a:p>
-        </p:txBody>
-      </p:sp>
-      <p:sp>
-        <p:nvSpPr>
-          <p:cNvPr id="12" name="ZoneTexte 11">
-            <a:extLst>
-              <a:ext uri="{FF2B5EF4-FFF2-40B4-BE49-F238E27FC236}">
-                <a16:creationId xmlns:a16="http://schemas.microsoft.com/office/drawing/2014/main" id="{BB342786-8F97-9FA2-84B9-9198AB29863A}"/>
-              </a:ext>
-            </a:extLst>
-          </p:cNvPr>
-          <p:cNvSpPr txBox="1"/>
-          <p:nvPr/>
-        </p:nvSpPr>
-        <p:spPr>
-          <a:xfrm>
-            <a:off x="6510218" y="2975383"/>
-            <a:ext cx="6513870" cy="369332"/>
-          </a:xfrm>
-          <a:prstGeom prst="rect">
-            <a:avLst/>
-          </a:prstGeom>
-          <a:noFill/>
-        </p:spPr>
-        <p:txBody>
-          <a:bodyPr wrap="square">
-            <a:spAutoFit/>
-          </a:bodyPr>
-          <a:lstStyle/>
-          <a:p>
-            <a:r>
-              <a:rPr lang="fr-FR" sz="1800" b="1" dirty="0"/>
-              <a:t>Selon 3 catégories de critères :</a:t>
-            </a:r>
-            <a:endParaRPr lang="fr-FR" dirty="0"/>
-          </a:p>
-        </p:txBody>
-      </p:sp>
-      <p:sp>
-        <p:nvSpPr>
-          <p:cNvPr id="13" name="ZoneTexte 12">
-            <a:extLst>
-              <a:ext uri="{FF2B5EF4-FFF2-40B4-BE49-F238E27FC236}">
-                <a16:creationId xmlns:a16="http://schemas.microsoft.com/office/drawing/2014/main" id="{A8D62458-BE05-F551-57A3-CB5FA9C437E5}"/>
-              </a:ext>
-            </a:extLst>
-          </p:cNvPr>
-          <p:cNvSpPr txBox="1"/>
-          <p:nvPr/>
-        </p:nvSpPr>
-        <p:spPr>
-          <a:xfrm>
-            <a:off x="6510218" y="5054905"/>
-            <a:ext cx="6513870" cy="369332"/>
-          </a:xfrm>
-          <a:prstGeom prst="rect">
-            <a:avLst/>
-          </a:prstGeom>
-          <a:noFill/>
-        </p:spPr>
-        <p:txBody>
-          <a:bodyPr wrap="square">
-            <a:spAutoFit/>
-          </a:bodyPr>
-          <a:lstStyle/>
-          <a:p>
-            <a:r>
-              <a:rPr lang="fr-FR" sz="1800" b="1" dirty="0"/>
-              <a:t>2 savoir-faire évalués :</a:t>
-            </a:r>
-          </a:p>
-        </p:txBody>
-      </p:sp>
-      <p:sp>
-        <p:nvSpPr>
-          <p:cNvPr id="14" name="ZoneTexte 13">
-            <a:extLst>
-              <a:ext uri="{FF2B5EF4-FFF2-40B4-BE49-F238E27FC236}">
-                <a16:creationId xmlns:a16="http://schemas.microsoft.com/office/drawing/2014/main" id="{E2C0D2DC-CADC-12A0-FC98-284019FE533A}"/>
-              </a:ext>
-            </a:extLst>
-          </p:cNvPr>
-          <p:cNvSpPr txBox="1"/>
-          <p:nvPr/>
-        </p:nvSpPr>
-        <p:spPr>
-          <a:xfrm>
-            <a:off x="6928088" y="5492765"/>
-            <a:ext cx="4355608" cy="646331"/>
-          </a:xfrm>
-          <a:prstGeom prst="rect">
-            <a:avLst/>
-          </a:prstGeom>
-          <a:noFill/>
-        </p:spPr>
-        <p:txBody>
-          <a:bodyPr wrap="square">
-            <a:spAutoFit/>
-          </a:bodyPr>
-          <a:lstStyle/>
-          <a:p>
-            <a:pPr marL="285750" indent="-285750">
-              <a:buFont typeface="Arial" panose="020B0604020202020204" pitchFamily="34" charset="0"/>
-              <a:buChar char="•"/>
-            </a:pPr>
-            <a:r>
-              <a:rPr lang="fr-FR" dirty="0"/>
-              <a:t>(A) Caractérisation d’un dipôle</a:t>
-            </a:r>
-          </a:p>
-          <a:p>
-            <a:pPr marL="285750" indent="-285750">
-              <a:buFont typeface="Arial" panose="020B0604020202020204" pitchFamily="34" charset="0"/>
-              <a:buChar char="•"/>
-            </a:pPr>
-            <a:r>
-              <a:rPr lang="fr-FR" dirty="0"/>
-              <a:t>(B) Etude fréquentielle d’un système</a:t>
+              <a:t>	En tant qu’expert-conseil en électronique, indiquez-lui la marche à suivre pour réaliser ce prototype dans le cadre d’une application embarquée. </a:t>
             </a:r>
           </a:p>
         </p:txBody>
@@ -11629,7 +10484,7 @@
     </p:spTree>
     <p:extLst>
       <p:ext uri="{BB962C8B-B14F-4D97-AF65-F5344CB8AC3E}">
-        <p14:creationId xmlns:p14="http://schemas.microsoft.com/office/powerpoint/2010/main" val="1999171665"/>
+        <p14:creationId xmlns:p14="http://schemas.microsoft.com/office/powerpoint/2010/main" val="3094483282"/>
       </p:ext>
     </p:extLst>
   </p:cSld>
@@ -11893,7 +10748,7 @@
           <p:cNvPr id="8" name="ZoneTexte 7">
             <a:extLst>
               <a:ext uri="{FF2B5EF4-FFF2-40B4-BE49-F238E27FC236}">
-                <a16:creationId xmlns:a16="http://schemas.microsoft.com/office/drawing/2014/main" id="{14CCE582-9B9D-0764-83CC-13654B460E43}"/>
+                <a16:creationId xmlns:a16="http://schemas.microsoft.com/office/drawing/2014/main" id="{0F3A1F2E-F441-C31C-7EC1-D6A75227ACF3}"/>
               </a:ext>
             </a:extLst>
           </p:cNvPr>
@@ -11902,8 +10757,8 @@
         </p:nvSpPr>
         <p:spPr>
           <a:xfrm>
-            <a:off x="6554552" y="2996656"/>
-            <a:ext cx="4529185" cy="3785652"/>
+            <a:off x="6928088" y="3422090"/>
+            <a:ext cx="3611221" cy="369332"/>
           </a:xfrm>
           <a:prstGeom prst="rect">
             <a:avLst/>
@@ -11917,7 +10772,7 @@
           <a:lstStyle/>
           <a:p>
             <a:r>
-              <a:rPr lang="fr-FR" sz="1600" dirty="0">
+              <a:rPr lang="fr-FR" dirty="0">
                 <a:highlight>
                   <a:srgbClr val="00FFFF"/>
                 </a:highlight>
@@ -11925,131 +10780,19 @@
               <a:t>ASPECT </a:t>
             </a:r>
             <a:r>
-              <a:rPr lang="fr-FR" sz="1600" b="1" dirty="0">
+              <a:rPr lang="fr-FR" b="1" dirty="0">
                 <a:highlight>
                   <a:srgbClr val="00FFFF"/>
                 </a:highlight>
               </a:rPr>
               <a:t>INSTRUMENTATION</a:t>
             </a:r>
-          </a:p>
-          <a:p>
-            <a:pPr marL="285750" indent="-285750">
-              <a:buFont typeface="Arial" panose="020B0604020202020204" pitchFamily="34" charset="0"/>
-              <a:buChar char="•"/>
-            </a:pPr>
-            <a:r>
-              <a:rPr lang="fr-FR" sz="1600" b="1" dirty="0"/>
-              <a:t>Utiliser des instruments de mesure pertinents</a:t>
-            </a:r>
-            <a:r>
-              <a:rPr lang="fr-FR" sz="1600" dirty="0"/>
-              <a:t> et les </a:t>
-            </a:r>
-            <a:r>
-              <a:rPr lang="fr-FR" sz="1600" b="1" dirty="0"/>
-              <a:t>câbler</a:t>
-            </a:r>
-            <a:r>
-              <a:rPr lang="fr-FR" sz="1600" dirty="0"/>
-              <a:t> correctement</a:t>
-            </a:r>
-          </a:p>
-          <a:p>
-            <a:pPr marL="285750" indent="-285750">
-              <a:buFont typeface="Arial" panose="020B0604020202020204" pitchFamily="34" charset="0"/>
-              <a:buChar char="•"/>
-            </a:pPr>
-            <a:r>
-              <a:rPr lang="fr-FR" sz="1600" b="1" dirty="0"/>
-              <a:t>Paramétrer correctement les appareils de mesure</a:t>
-            </a:r>
-            <a:r>
-              <a:rPr lang="fr-FR" sz="1600" dirty="0"/>
-              <a:t> en prenant en considération les </a:t>
-            </a:r>
-            <a:r>
-              <a:rPr lang="fr-FR" sz="1600" b="1" dirty="0"/>
-              <a:t>limites des composants</a:t>
-            </a:r>
-            <a:r>
-              <a:rPr lang="fr-FR" sz="1600" dirty="0"/>
-              <a:t> à analyser</a:t>
-            </a:r>
-          </a:p>
-          <a:p>
-            <a:endParaRPr lang="fr-FR" sz="1600" dirty="0"/>
-          </a:p>
-          <a:p>
-            <a:r>
-              <a:rPr lang="fr-FR" sz="1600" dirty="0">
-                <a:highlight>
-                  <a:srgbClr val="00FFFF"/>
-                </a:highlight>
-              </a:rPr>
-              <a:t>ASPECT </a:t>
-            </a:r>
-            <a:r>
-              <a:rPr lang="fr-FR" sz="1600" b="1" dirty="0">
-                <a:highlight>
-                  <a:srgbClr val="00FFFF"/>
-                </a:highlight>
-              </a:rPr>
-              <a:t>INGENIEUR.E PHYSICIEN.NE</a:t>
-            </a:r>
-            <a:endParaRPr lang="fr-FR" sz="1600" dirty="0">
+            <a:endParaRPr lang="fr-FR" dirty="0">
               <a:highlight>
                 <a:srgbClr val="00FFFF"/>
               </a:highlight>
             </a:endParaRPr>
           </a:p>
-          <a:p>
-            <a:pPr marL="285750" indent="-285750">
-              <a:buFont typeface="Arial" panose="020B0604020202020204" pitchFamily="34" charset="0"/>
-              <a:buChar char="•"/>
-            </a:pPr>
-            <a:r>
-              <a:rPr lang="fr-FR" sz="1600" b="1" dirty="0"/>
-              <a:t>Produire des résultats pertinents</a:t>
-            </a:r>
-            <a:r>
-              <a:rPr lang="fr-FR" sz="1600" dirty="0"/>
-              <a:t> à partir des données expérimentales</a:t>
-            </a:r>
-          </a:p>
-          <a:p>
-            <a:pPr marL="285750" indent="-285750">
-              <a:buFont typeface="Arial" panose="020B0604020202020204" pitchFamily="34" charset="0"/>
-              <a:buChar char="•"/>
-            </a:pPr>
-            <a:r>
-              <a:rPr lang="fr-FR" sz="1600" b="1" dirty="0"/>
-              <a:t>Générer un ensemble de signaux de test</a:t>
-            </a:r>
-            <a:r>
-              <a:rPr lang="fr-FR" sz="1600" dirty="0"/>
-              <a:t> pour valider le bon fonctionnement</a:t>
-            </a:r>
-          </a:p>
-          <a:p>
-            <a:pPr marL="285750" indent="-285750">
-              <a:buFont typeface="Arial" panose="020B0604020202020204" pitchFamily="34" charset="0"/>
-              <a:buChar char="•"/>
-            </a:pPr>
-            <a:r>
-              <a:rPr lang="fr-FR" sz="1600" b="1" dirty="0"/>
-              <a:t>Analyser les résultats d’une modélisation physique simple</a:t>
-            </a:r>
-            <a:r>
-              <a:rPr lang="fr-FR" sz="1600" dirty="0"/>
-              <a:t> et </a:t>
-            </a:r>
-            <a:r>
-              <a:rPr lang="fr-FR" sz="1600" b="1" dirty="0"/>
-              <a:t>valider le modèle utilisé</a:t>
-            </a:r>
-            <a:endParaRPr lang="fr-FR" sz="1600" dirty="0"/>
-          </a:p>
         </p:txBody>
       </p:sp>
       <p:sp>
@@ -12057,7 +10800,7 @@
           <p:cNvPr id="9" name="CustomShape 3">
             <a:extLst>
               <a:ext uri="{FF2B5EF4-FFF2-40B4-BE49-F238E27FC236}">
-                <a16:creationId xmlns:a16="http://schemas.microsoft.com/office/drawing/2014/main" id="{0E16B71A-DAC3-A544-1C6A-FEF061532B0B}"/>
+                <a16:creationId xmlns:a16="http://schemas.microsoft.com/office/drawing/2014/main" id="{4BDDD5A9-51DE-277E-D8B4-6E62D0688F1C}"/>
               </a:ext>
             </a:extLst>
           </p:cNvPr>
@@ -12066,14 +10809,14 @@
         </p:nvSpPr>
         <p:spPr>
           <a:xfrm>
-            <a:off x="3785606" y="5749790"/>
-            <a:ext cx="1887607" cy="369332"/>
+            <a:off x="6401130" y="2440601"/>
+            <a:ext cx="4685465" cy="492443"/>
           </a:xfrm>
           <a:prstGeom prst="rect">
             <a:avLst/>
           </a:prstGeom>
           <a:solidFill>
-            <a:schemeClr val="accent1"/>
+            <a:srgbClr val="00B0F0"/>
           </a:solidFill>
           <a:ln w="0">
             <a:noFill/>
@@ -12106,26 +10849,26 @@
               </a:tabLst>
             </a:pPr>
             <a:r>
-              <a:rPr lang="fr-FR" sz="1200" b="1" strike="noStrike" spc="-1" dirty="0">
+              <a:rPr lang="fr-FR" sz="2000" b="1" strike="noStrike" spc="-1" dirty="0">
                 <a:solidFill>
                   <a:schemeClr val="bg1"/>
                 </a:solidFill>
                 <a:latin typeface="Trebuchet MS"/>
                 <a:ea typeface="Trebuchet MS"/>
               </a:rPr>
-              <a:t>(1) </a:t>
-            </a:r>
-            <a:r>
-              <a:rPr lang="fr-FR" sz="1200" b="1" strike="noStrike" spc="-1" dirty="0" err="1">
+              <a:t>Evaluatio</a:t>
+            </a:r>
+            <a:r>
+              <a:rPr lang="fr-FR" sz="2000" b="1" spc="-1" dirty="0">
                 <a:solidFill>
                   <a:schemeClr val="bg1"/>
                 </a:solidFill>
                 <a:latin typeface="Trebuchet MS"/>
                 <a:ea typeface="Trebuchet MS"/>
               </a:rPr>
-              <a:t>Photodétection</a:t>
-            </a:r>
-            <a:endParaRPr lang="fr-FR" sz="1200" b="0" strike="noStrike" spc="-1" dirty="0">
+              <a:t>n pratique</a:t>
+            </a:r>
+            <a:endParaRPr lang="fr-FR" sz="2000" b="0" strike="noStrike" spc="-1" dirty="0">
               <a:solidFill>
                 <a:schemeClr val="bg1"/>
               </a:solidFill>
@@ -12136,10 +10879,235 @@
       </p:sp>
       <p:sp>
         <p:nvSpPr>
-          <p:cNvPr id="10" name="CustomShape 3">
-            <a:extLst>
-              <a:ext uri="{FF2B5EF4-FFF2-40B4-BE49-F238E27FC236}">
-                <a16:creationId xmlns:a16="http://schemas.microsoft.com/office/drawing/2014/main" id="{F056B93A-3809-D2D1-E451-112F3A528A42}"/>
+          <p:cNvPr id="6" name="ZoneTexte 5">
+            <a:extLst>
+              <a:ext uri="{FF2B5EF4-FFF2-40B4-BE49-F238E27FC236}">
+                <a16:creationId xmlns:a16="http://schemas.microsoft.com/office/drawing/2014/main" id="{5F5CBFC5-B974-1AD1-A1C9-845C2F711D5E}"/>
+              </a:ext>
+            </a:extLst>
+          </p:cNvPr>
+          <p:cNvSpPr txBox="1"/>
+          <p:nvPr/>
+        </p:nvSpPr>
+        <p:spPr>
+          <a:xfrm>
+            <a:off x="6928088" y="4353972"/>
+            <a:ext cx="4355608" cy="369332"/>
+          </a:xfrm>
+          <a:prstGeom prst="rect">
+            <a:avLst/>
+          </a:prstGeom>
+          <a:noFill/>
+        </p:spPr>
+        <p:txBody>
+          <a:bodyPr wrap="square">
+            <a:spAutoFit/>
+          </a:bodyPr>
+          <a:lstStyle/>
+          <a:p>
+            <a:r>
+              <a:rPr lang="fr-FR" dirty="0">
+                <a:highlight>
+                  <a:srgbClr val="00FFFF"/>
+                </a:highlight>
+              </a:rPr>
+              <a:t>ASPECT </a:t>
+            </a:r>
+            <a:r>
+              <a:rPr lang="fr-FR" b="1" dirty="0">
+                <a:highlight>
+                  <a:srgbClr val="00FFFF"/>
+                </a:highlight>
+              </a:rPr>
+              <a:t>INGENIEUR.E PHYSICIEN.NE</a:t>
+            </a:r>
+            <a:endParaRPr lang="fr-FR" dirty="0">
+              <a:highlight>
+                <a:srgbClr val="00FFFF"/>
+              </a:highlight>
+            </a:endParaRPr>
+          </a:p>
+        </p:txBody>
+      </p:sp>
+      <p:sp>
+        <p:nvSpPr>
+          <p:cNvPr id="10" name="ZoneTexte 9">
+            <a:extLst>
+              <a:ext uri="{FF2B5EF4-FFF2-40B4-BE49-F238E27FC236}">
+                <a16:creationId xmlns:a16="http://schemas.microsoft.com/office/drawing/2014/main" id="{00B3FB53-8556-BE15-925F-813B2A0DA05A}"/>
+              </a:ext>
+            </a:extLst>
+          </p:cNvPr>
+          <p:cNvSpPr txBox="1"/>
+          <p:nvPr/>
+        </p:nvSpPr>
+        <p:spPr>
+          <a:xfrm>
+            <a:off x="6928088" y="3886615"/>
+            <a:ext cx="6096000" cy="369332"/>
+          </a:xfrm>
+          <a:prstGeom prst="rect">
+            <a:avLst/>
+          </a:prstGeom>
+          <a:noFill/>
+        </p:spPr>
+        <p:txBody>
+          <a:bodyPr wrap="square">
+            <a:spAutoFit/>
+          </a:bodyPr>
+          <a:lstStyle/>
+          <a:p>
+            <a:r>
+              <a:rPr lang="fr-FR" dirty="0">
+                <a:highlight>
+                  <a:srgbClr val="00FFFF"/>
+                </a:highlight>
+              </a:rPr>
+              <a:t>ASPECT </a:t>
+            </a:r>
+            <a:r>
+              <a:rPr lang="fr-FR" b="1" dirty="0">
+                <a:effectLst/>
+                <a:highlight>
+                  <a:srgbClr val="00FFFF"/>
+                </a:highlight>
+              </a:rPr>
+              <a:t>PROTOCOLE</a:t>
+            </a:r>
+            <a:endParaRPr lang="fr-FR" dirty="0">
+              <a:highlight>
+                <a:srgbClr val="00FFFF"/>
+              </a:highlight>
+            </a:endParaRPr>
+          </a:p>
+        </p:txBody>
+      </p:sp>
+      <p:sp>
+        <p:nvSpPr>
+          <p:cNvPr id="12" name="ZoneTexte 11">
+            <a:extLst>
+              <a:ext uri="{FF2B5EF4-FFF2-40B4-BE49-F238E27FC236}">
+                <a16:creationId xmlns:a16="http://schemas.microsoft.com/office/drawing/2014/main" id="{BB342786-8F97-9FA2-84B9-9198AB29863A}"/>
+              </a:ext>
+            </a:extLst>
+          </p:cNvPr>
+          <p:cNvSpPr txBox="1"/>
+          <p:nvPr/>
+        </p:nvSpPr>
+        <p:spPr>
+          <a:xfrm>
+            <a:off x="6510218" y="2975383"/>
+            <a:ext cx="6513870" cy="369332"/>
+          </a:xfrm>
+          <a:prstGeom prst="rect">
+            <a:avLst/>
+          </a:prstGeom>
+          <a:noFill/>
+        </p:spPr>
+        <p:txBody>
+          <a:bodyPr wrap="square">
+            <a:spAutoFit/>
+          </a:bodyPr>
+          <a:lstStyle/>
+          <a:p>
+            <a:r>
+              <a:rPr lang="fr-FR" sz="1800" b="1" dirty="0"/>
+              <a:t>Selon 3 catégories de critères :</a:t>
+            </a:r>
+            <a:endParaRPr lang="fr-FR" dirty="0"/>
+          </a:p>
+        </p:txBody>
+      </p:sp>
+      <p:sp>
+        <p:nvSpPr>
+          <p:cNvPr id="13" name="ZoneTexte 12">
+            <a:extLst>
+              <a:ext uri="{FF2B5EF4-FFF2-40B4-BE49-F238E27FC236}">
+                <a16:creationId xmlns:a16="http://schemas.microsoft.com/office/drawing/2014/main" id="{A8D62458-BE05-F551-57A3-CB5FA9C437E5}"/>
+              </a:ext>
+            </a:extLst>
+          </p:cNvPr>
+          <p:cNvSpPr txBox="1"/>
+          <p:nvPr/>
+        </p:nvSpPr>
+        <p:spPr>
+          <a:xfrm>
+            <a:off x="6510218" y="5054905"/>
+            <a:ext cx="6513870" cy="369332"/>
+          </a:xfrm>
+          <a:prstGeom prst="rect">
+            <a:avLst/>
+          </a:prstGeom>
+          <a:noFill/>
+        </p:spPr>
+        <p:txBody>
+          <a:bodyPr wrap="square">
+            <a:spAutoFit/>
+          </a:bodyPr>
+          <a:lstStyle/>
+          <a:p>
+            <a:r>
+              <a:rPr lang="fr-FR" sz="1800" b="1" dirty="0"/>
+              <a:t>2 savoir-faire évalués :</a:t>
+            </a:r>
+          </a:p>
+        </p:txBody>
+      </p:sp>
+      <p:sp>
+        <p:nvSpPr>
+          <p:cNvPr id="14" name="ZoneTexte 13">
+            <a:extLst>
+              <a:ext uri="{FF2B5EF4-FFF2-40B4-BE49-F238E27FC236}">
+                <a16:creationId xmlns:a16="http://schemas.microsoft.com/office/drawing/2014/main" id="{E2C0D2DC-CADC-12A0-FC98-284019FE533A}"/>
+              </a:ext>
+            </a:extLst>
+          </p:cNvPr>
+          <p:cNvSpPr txBox="1"/>
+          <p:nvPr/>
+        </p:nvSpPr>
+        <p:spPr>
+          <a:xfrm>
+            <a:off x="6928088" y="5492765"/>
+            <a:ext cx="4355608" cy="646331"/>
+          </a:xfrm>
+          <a:prstGeom prst="rect">
+            <a:avLst/>
+          </a:prstGeom>
+          <a:noFill/>
+        </p:spPr>
+        <p:txBody>
+          <a:bodyPr wrap="square">
+            <a:spAutoFit/>
+          </a:bodyPr>
+          <a:lstStyle/>
+          <a:p>
+            <a:pPr marL="285750" indent="-285750">
+              <a:buFont typeface="Arial" panose="020B0604020202020204" pitchFamily="34" charset="0"/>
+              <a:buChar char="•"/>
+            </a:pPr>
+            <a:r>
+              <a:rPr lang="fr-FR" dirty="0"/>
+              <a:t>(A) Caractérisation d’un dipôle</a:t>
+            </a:r>
+          </a:p>
+          <a:p>
+            <a:pPr marL="285750" indent="-285750">
+              <a:buFont typeface="Arial" panose="020B0604020202020204" pitchFamily="34" charset="0"/>
+              <a:buChar char="•"/>
+            </a:pPr>
+            <a:r>
+              <a:rPr lang="fr-FR" dirty="0"/>
+              <a:t>(B) Etude fréquentielle d’un système</a:t>
+            </a:r>
+          </a:p>
+        </p:txBody>
+      </p:sp>
+      <p:sp>
+        <p:nvSpPr>
+          <p:cNvPr id="15" name="CustomShape 3">
+            <a:extLst>
+              <a:ext uri="{FF2B5EF4-FFF2-40B4-BE49-F238E27FC236}">
+                <a16:creationId xmlns:a16="http://schemas.microsoft.com/office/drawing/2014/main" id="{24FF2786-2434-B9DD-A267-C35F4EFF0352}"/>
               </a:ext>
             </a:extLst>
           </p:cNvPr>
@@ -12148,14 +11116,14 @@
         </p:nvSpPr>
         <p:spPr>
           <a:xfrm>
-            <a:off x="3785605" y="6190504"/>
-            <a:ext cx="1887607" cy="369332"/>
+            <a:off x="3458299" y="5631264"/>
+            <a:ext cx="2466686" cy="369332"/>
           </a:xfrm>
           <a:prstGeom prst="rect">
             <a:avLst/>
           </a:prstGeom>
           <a:solidFill>
-            <a:srgbClr val="00B0F0"/>
+            <a:schemeClr val="accent6"/>
           </a:solidFill>
           <a:ln w="0">
             <a:noFill/>
@@ -12195,7 +11163,7 @@
                 <a:latin typeface="Trebuchet MS"/>
                 <a:ea typeface="Trebuchet MS"/>
               </a:rPr>
-              <a:t>(2) Numérique</a:t>
+              <a:t>(0) Mise en forme / Filtrage</a:t>
             </a:r>
             <a:endParaRPr lang="fr-FR" sz="1200" b="0" strike="noStrike" spc="-1" dirty="0">
               <a:solidFill>
@@ -12206,82 +11174,10 @@
           </a:p>
         </p:txBody>
       </p:sp>
-      <p:sp>
-        <p:nvSpPr>
-          <p:cNvPr id="12" name="CustomShape 3">
-            <a:extLst>
-              <a:ext uri="{FF2B5EF4-FFF2-40B4-BE49-F238E27FC236}">
-                <a16:creationId xmlns:a16="http://schemas.microsoft.com/office/drawing/2014/main" id="{BF074FB9-F19E-C0E7-05D8-FE2086332654}"/>
-              </a:ext>
-            </a:extLst>
-          </p:cNvPr>
-          <p:cNvSpPr/>
-          <p:nvPr/>
-        </p:nvSpPr>
-        <p:spPr>
-          <a:xfrm>
-            <a:off x="6401130" y="2440601"/>
-            <a:ext cx="4685465" cy="492443"/>
-          </a:xfrm>
-          <a:prstGeom prst="rect">
-            <a:avLst/>
-          </a:prstGeom>
-          <a:solidFill>
-            <a:srgbClr val="00B0F0"/>
-          </a:solidFill>
-          <a:ln w="0">
-            <a:noFill/>
-          </a:ln>
-        </p:spPr>
-        <p:style>
-          <a:lnRef idx="0">
-            <a:scrgbClr r="0" g="0" b="0"/>
-          </a:lnRef>
-          <a:fillRef idx="0">
-            <a:scrgbClr r="0" g="0" b="0"/>
-          </a:fillRef>
-          <a:effectRef idx="0">
-            <a:scrgbClr r="0" g="0" b="0"/>
-          </a:effectRef>
-          <a:fontRef idx="minor"/>
-        </p:style>
-        <p:txBody>
-          <a:bodyPr wrap="square" tIns="91440" bIns="91440">
-            <a:spAutoFit/>
-          </a:bodyPr>
-          <a:lstStyle/>
-          <a:p>
-            <a:pPr algn="ctr">
-              <a:lnSpc>
-                <a:spcPct val="100000"/>
-              </a:lnSpc>
-              <a:tabLst>
-                <a:tab pos="0" algn="l"/>
-              </a:tabLst>
-            </a:pPr>
-            <a:r>
-              <a:rPr lang="fr-FR" sz="2000" b="1" strike="noStrike" spc="-1" dirty="0">
-                <a:solidFill>
-                  <a:schemeClr val="bg1"/>
-                </a:solidFill>
-                <a:latin typeface="Trebuchet MS"/>
-                <a:ea typeface="Trebuchet MS"/>
-              </a:rPr>
-              <a:t>(A) Caractérisation d’un dipôle</a:t>
-            </a:r>
-            <a:endParaRPr lang="fr-FR" sz="2000" b="0" strike="noStrike" spc="-1" dirty="0">
-              <a:solidFill>
-                <a:schemeClr val="bg1"/>
-              </a:solidFill>
-              <a:latin typeface="Arial"/>
-            </a:endParaRPr>
-          </a:p>
-        </p:txBody>
-      </p:sp>
     </p:spTree>
     <p:extLst>
       <p:ext uri="{BB962C8B-B14F-4D97-AF65-F5344CB8AC3E}">
-        <p14:creationId xmlns:p14="http://schemas.microsoft.com/office/powerpoint/2010/main" val="4192165477"/>
+        <p14:creationId xmlns:p14="http://schemas.microsoft.com/office/powerpoint/2010/main" val="1999171665"/>
       </p:ext>
     </p:extLst>
   </p:cSld>
@@ -12378,216 +11274,10 @@
       </p:pic>
       <p:sp>
         <p:nvSpPr>
-          <p:cNvPr id="8" name="ZoneTexte 7">
-            <a:extLst>
-              <a:ext uri="{FF2B5EF4-FFF2-40B4-BE49-F238E27FC236}">
-                <a16:creationId xmlns:a16="http://schemas.microsoft.com/office/drawing/2014/main" id="{14CCE582-9B9D-0764-83CC-13654B460E43}"/>
-              </a:ext>
-            </a:extLst>
-          </p:cNvPr>
-          <p:cNvSpPr txBox="1"/>
-          <p:nvPr/>
-        </p:nvSpPr>
-        <p:spPr>
-          <a:xfrm>
-            <a:off x="6554552" y="2416554"/>
-            <a:ext cx="4529185" cy="4278094"/>
-          </a:xfrm>
-          <a:prstGeom prst="rect">
-            <a:avLst/>
-          </a:prstGeom>
-          <a:noFill/>
-        </p:spPr>
-        <p:txBody>
-          <a:bodyPr wrap="square">
-            <a:spAutoFit/>
-          </a:bodyPr>
-          <a:lstStyle/>
-          <a:p>
-            <a:r>
-              <a:rPr lang="fr-FR" sz="1600" dirty="0">
-                <a:highlight>
-                  <a:srgbClr val="00FFFF"/>
-                </a:highlight>
-              </a:rPr>
-              <a:t>ASPECT </a:t>
-            </a:r>
-            <a:r>
-              <a:rPr lang="fr-FR" sz="1600" b="1" dirty="0">
-                <a:highlight>
-                  <a:srgbClr val="00FFFF"/>
-                </a:highlight>
-              </a:rPr>
-              <a:t>PROTOCOLE</a:t>
-            </a:r>
-          </a:p>
-          <a:p>
-            <a:endParaRPr lang="fr-FR" sz="1600" b="1" dirty="0">
-              <a:highlight>
-                <a:srgbClr val="00FFFF"/>
-              </a:highlight>
-            </a:endParaRPr>
-          </a:p>
-          <a:p>
-            <a:pPr marL="285750" indent="-285750">
-              <a:buFont typeface="Arial" panose="020B0604020202020204" pitchFamily="34" charset="0"/>
-              <a:buChar char="•"/>
-            </a:pPr>
-            <a:r>
-              <a:rPr lang="fr-FR" sz="1600" dirty="0"/>
-              <a:t>Identifier le </a:t>
-            </a:r>
-            <a:r>
-              <a:rPr lang="fr-FR" sz="1600" b="1" dirty="0"/>
-              <a:t>comportement global </a:t>
-            </a:r>
-            <a:r>
-              <a:rPr lang="fr-FR" sz="1600" dirty="0"/>
-              <a:t>du système </a:t>
-            </a:r>
-            <a:r>
-              <a:rPr lang="fr-FR" sz="1400" dirty="0"/>
-              <a:t>(passe-bas, passe-haut, passe-bande)</a:t>
-            </a:r>
-            <a:endParaRPr lang="fr-FR" sz="1600" dirty="0"/>
-          </a:p>
-          <a:p>
-            <a:pPr marL="285750" indent="-285750">
-              <a:buFont typeface="Arial" panose="020B0604020202020204" pitchFamily="34" charset="0"/>
-              <a:buChar char="•"/>
-            </a:pPr>
-            <a:r>
-              <a:rPr lang="fr-FR" sz="1600" dirty="0"/>
-              <a:t>Mesurer la </a:t>
-            </a:r>
-            <a:r>
-              <a:rPr lang="fr-FR" sz="1600" b="1" dirty="0"/>
-              <a:t>bande-passante</a:t>
-            </a:r>
-            <a:r>
-              <a:rPr lang="fr-FR" sz="1600" dirty="0"/>
-              <a:t> du système</a:t>
-            </a:r>
-          </a:p>
-          <a:p>
-            <a:pPr marL="285750" indent="-285750">
-              <a:buFont typeface="Arial" panose="020B0604020202020204" pitchFamily="34" charset="0"/>
-              <a:buChar char="•"/>
-            </a:pPr>
-            <a:r>
-              <a:rPr lang="fr-FR" sz="1600" dirty="0"/>
-              <a:t>Mesurer le </a:t>
-            </a:r>
-            <a:r>
-              <a:rPr lang="fr-FR" sz="1600" b="1" dirty="0"/>
-              <a:t>gain</a:t>
-            </a:r>
-            <a:r>
-              <a:rPr lang="fr-FR" sz="1600" dirty="0"/>
-              <a:t> du système</a:t>
-            </a:r>
-          </a:p>
-          <a:p>
-            <a:pPr marL="285750" indent="-285750">
-              <a:buFont typeface="Arial" panose="020B0604020202020204" pitchFamily="34" charset="0"/>
-              <a:buChar char="•"/>
-            </a:pPr>
-            <a:r>
-              <a:rPr lang="fr-FR" sz="1600" dirty="0"/>
-              <a:t>Déterminer l’</a:t>
-            </a:r>
-            <a:r>
-              <a:rPr lang="fr-FR" sz="1600" b="1" dirty="0"/>
-              <a:t>ordre du système</a:t>
-            </a:r>
-          </a:p>
-          <a:p>
-            <a:pPr>
-              <a:buFont typeface="Arial" panose="020B0604020202020204" pitchFamily="34" charset="0"/>
-              <a:buChar char="•"/>
-            </a:pPr>
-            <a:endParaRPr lang="fr-FR" sz="1600" dirty="0"/>
-          </a:p>
-          <a:p>
-            <a:r>
-              <a:rPr lang="fr-FR" sz="1600" dirty="0">
-                <a:highlight>
-                  <a:srgbClr val="00FFFF"/>
-                </a:highlight>
-              </a:rPr>
-              <a:t>ASPECT </a:t>
-            </a:r>
-            <a:r>
-              <a:rPr lang="fr-FR" sz="1600" b="1" dirty="0">
-                <a:highlight>
-                  <a:srgbClr val="00FFFF"/>
-                </a:highlight>
-              </a:rPr>
-              <a:t>INGENIEUR.E PHYSICIEN.NE</a:t>
-            </a:r>
-          </a:p>
-          <a:p>
-            <a:endParaRPr lang="fr-FR" sz="1600" dirty="0">
-              <a:highlight>
-                <a:srgbClr val="00FFFF"/>
-              </a:highlight>
-            </a:endParaRPr>
-          </a:p>
-          <a:p>
-            <a:pPr marL="285750" indent="-285750">
-              <a:buFont typeface="Arial" panose="020B0604020202020204" pitchFamily="34" charset="0"/>
-              <a:buChar char="•"/>
-            </a:pPr>
-            <a:r>
-              <a:rPr lang="fr-FR" sz="1600" b="1" dirty="0"/>
-              <a:t>Produire des résultats pertinents</a:t>
-            </a:r>
-            <a:r>
-              <a:rPr lang="fr-FR" sz="1600" dirty="0"/>
-              <a:t> à partir des données expérimentales</a:t>
-            </a:r>
-          </a:p>
-          <a:p>
-            <a:pPr marL="285750" indent="-285750">
-              <a:buFont typeface="Arial" panose="020B0604020202020204" pitchFamily="34" charset="0"/>
-              <a:buChar char="•"/>
-            </a:pPr>
-            <a:r>
-              <a:rPr lang="fr-FR" sz="1600" b="1" dirty="0"/>
-              <a:t>Générer un ensemble de signaux de test</a:t>
-            </a:r>
-            <a:r>
-              <a:rPr lang="fr-FR" sz="1600" dirty="0"/>
-              <a:t> pour valider le bon fonctionnement</a:t>
-            </a:r>
-          </a:p>
-          <a:p>
-            <a:pPr marL="285750" indent="-285750">
-              <a:buFont typeface="Arial" panose="020B0604020202020204" pitchFamily="34" charset="0"/>
-              <a:buChar char="•"/>
-            </a:pPr>
-            <a:r>
-              <a:rPr lang="fr-FR" sz="1600" b="1" dirty="0"/>
-              <a:t>Analyser les résultats d’une modélisation physique simple</a:t>
-            </a:r>
-            <a:r>
-              <a:rPr lang="fr-FR" sz="1600" dirty="0"/>
-              <a:t> et </a:t>
-            </a:r>
-            <a:r>
-              <a:rPr lang="fr-FR" sz="1600" b="1" dirty="0"/>
-              <a:t>valider le modèle utilisé</a:t>
-            </a:r>
-            <a:endParaRPr lang="fr-FR" sz="1600" dirty="0"/>
-          </a:p>
-        </p:txBody>
-      </p:sp>
-      <p:sp>
-        <p:nvSpPr>
-          <p:cNvPr id="11" name="CustomShape 3">
-            <a:extLst>
-              <a:ext uri="{FF2B5EF4-FFF2-40B4-BE49-F238E27FC236}">
-                <a16:creationId xmlns:a16="http://schemas.microsoft.com/office/drawing/2014/main" id="{80A9CDA6-B258-C949-657E-13F3BD54C580}"/>
+          <p:cNvPr id="3" name="CustomShape 3">
+            <a:extLst>
+              <a:ext uri="{FF2B5EF4-FFF2-40B4-BE49-F238E27FC236}">
+                <a16:creationId xmlns:a16="http://schemas.microsoft.com/office/drawing/2014/main" id="{3A2757AF-7204-5C84-F3F3-C24EF7A3A399}"/>
               </a:ext>
             </a:extLst>
           </p:cNvPr>
@@ -12643,7 +11333,7 @@
                 <a:latin typeface="Trebuchet MS"/>
                 <a:ea typeface="Trebuchet MS"/>
               </a:rPr>
-              <a:t>(B) Etude fréquentielle d’un système </a:t>
+              <a:t>Evaluations</a:t>
             </a:r>
             <a:endParaRPr lang="fr-FR" sz="2000" b="0" strike="noStrike" spc="-1" dirty="0">
               <a:solidFill>
@@ -12656,10 +11346,102 @@
       </p:sp>
       <p:sp>
         <p:nvSpPr>
-          <p:cNvPr id="13" name="ZoneTexte 12">
-            <a:extLst>
-              <a:ext uri="{FF2B5EF4-FFF2-40B4-BE49-F238E27FC236}">
-                <a16:creationId xmlns:a16="http://schemas.microsoft.com/office/drawing/2014/main" id="{E92A1B81-3646-4206-FAD0-F1E1E3655173}"/>
+          <p:cNvPr id="4" name="Espace réservé du contenu 2">
+            <a:extLst>
+              <a:ext uri="{FF2B5EF4-FFF2-40B4-BE49-F238E27FC236}">
+                <a16:creationId xmlns:a16="http://schemas.microsoft.com/office/drawing/2014/main" id="{7DB7DACE-1CDC-F9B9-9553-754869EC293A}"/>
+              </a:ext>
+            </a:extLst>
+          </p:cNvPr>
+          <p:cNvSpPr>
+            <a:spLocks noGrp="1"/>
+          </p:cNvSpPr>
+          <p:nvPr>
+            <p:ph sz="half" idx="1"/>
+          </p:nvPr>
+        </p:nvSpPr>
+        <p:spPr>
+          <a:xfrm>
+            <a:off x="1108263" y="3050362"/>
+            <a:ext cx="4685466" cy="3694176"/>
+          </a:xfrm>
+        </p:spPr>
+        <p:txBody>
+          <a:bodyPr>
+            <a:normAutofit/>
+          </a:bodyPr>
+          <a:lstStyle/>
+          <a:p>
+            <a:r>
+              <a:rPr lang="fr-FR" sz="2000" b="1" dirty="0"/>
+              <a:t>Synthèses </a:t>
+            </a:r>
+            <a:r>
+              <a:rPr lang="fr-FR" sz="2000" dirty="0"/>
+              <a:t>(50 %)</a:t>
+            </a:r>
+          </a:p>
+          <a:p>
+            <a:pPr lvl="1"/>
+            <a:r>
+              <a:rPr lang="fr-FR" sz="1800" dirty="0"/>
+              <a:t>Thème 1 : évaluée mais non notée</a:t>
+            </a:r>
+          </a:p>
+          <a:p>
+            <a:pPr lvl="1"/>
+            <a:r>
+              <a:rPr lang="fr-FR" sz="1800" dirty="0"/>
+              <a:t>Thème 2 : évaluée et notée (50%)</a:t>
+            </a:r>
+          </a:p>
+          <a:p>
+            <a:r>
+              <a:rPr lang="fr-FR" sz="2000" b="1" dirty="0"/>
+              <a:t>Examen pratique </a:t>
+            </a:r>
+            <a:r>
+              <a:rPr lang="fr-FR" sz="2000" dirty="0"/>
+              <a:t>(50 %)</a:t>
+            </a:r>
+          </a:p>
+          <a:p>
+            <a:pPr lvl="1"/>
+            <a:r>
+              <a:rPr lang="fr-FR" sz="1800" dirty="0"/>
+              <a:t>Durée : </a:t>
+            </a:r>
+            <a:r>
+              <a:rPr lang="fr-FR" sz="1800" b="1" dirty="0"/>
+              <a:t>1h</a:t>
+            </a:r>
+          </a:p>
+          <a:p>
+            <a:pPr lvl="1"/>
+            <a:r>
+              <a:rPr lang="fr-FR" sz="1800" dirty="0"/>
+              <a:t>Tous les </a:t>
+            </a:r>
+            <a:r>
+              <a:rPr lang="fr-FR" sz="1800" b="1" dirty="0"/>
+              <a:t>documents numériques </a:t>
+            </a:r>
+            <a:r>
+              <a:rPr lang="fr-FR" sz="1800" dirty="0"/>
+              <a:t>autorisés</a:t>
+            </a:r>
+          </a:p>
+          <a:p>
+            <a:endParaRPr lang="fr-FR" sz="1800" dirty="0"/>
+          </a:p>
+        </p:txBody>
+      </p:sp>
+      <p:sp>
+        <p:nvSpPr>
+          <p:cNvPr id="8" name="ZoneTexte 7">
+            <a:extLst>
+              <a:ext uri="{FF2B5EF4-FFF2-40B4-BE49-F238E27FC236}">
+                <a16:creationId xmlns:a16="http://schemas.microsoft.com/office/drawing/2014/main" id="{14CCE582-9B9D-0764-83CC-13654B460E43}"/>
               </a:ext>
             </a:extLst>
           </p:cNvPr>
@@ -12668,8 +11450,8 @@
         </p:nvSpPr>
         <p:spPr>
           <a:xfrm>
-            <a:off x="1115567" y="3168720"/>
-            <a:ext cx="4529185" cy="2308324"/>
+            <a:off x="6554552" y="2996656"/>
+            <a:ext cx="4529185" cy="3785652"/>
           </a:xfrm>
           <a:prstGeom prst="rect">
             <a:avLst/>
@@ -12700,9 +11482,6 @@
             </a:r>
           </a:p>
           <a:p>
-            <a:endParaRPr lang="fr-FR" sz="1600" dirty="0"/>
-          </a:p>
-          <a:p>
             <a:pPr marL="285750" indent="-285750">
               <a:buFont typeface="Arial" panose="020B0604020202020204" pitchFamily="34" charset="0"/>
               <a:buChar char="•"/>
@@ -12747,21 +11526,228 @@
             </a:r>
           </a:p>
           <a:p>
+            <a:endParaRPr lang="fr-FR" sz="1600" dirty="0"/>
+          </a:p>
+          <a:p>
+            <a:r>
+              <a:rPr lang="fr-FR" sz="1600" dirty="0">
+                <a:highlight>
+                  <a:srgbClr val="00FFFF"/>
+                </a:highlight>
+              </a:rPr>
+              <a:t>ASPECT </a:t>
+            </a:r>
+            <a:r>
+              <a:rPr lang="fr-FR" sz="1600" b="1" dirty="0">
+                <a:highlight>
+                  <a:srgbClr val="00FFFF"/>
+                </a:highlight>
+              </a:rPr>
+              <a:t>INGENIEUR.E PHYSICIEN.NE</a:t>
+            </a:r>
+            <a:endParaRPr lang="fr-FR" sz="1600" dirty="0">
+              <a:highlight>
+                <a:srgbClr val="00FFFF"/>
+              </a:highlight>
+            </a:endParaRPr>
+          </a:p>
+          <a:p>
             <a:pPr marL="285750" indent="-285750">
               <a:buFont typeface="Arial" panose="020B0604020202020204" pitchFamily="34" charset="0"/>
               <a:buChar char="•"/>
             </a:pPr>
             <a:r>
+              <a:rPr lang="fr-FR" sz="1600" b="1" dirty="0"/>
+              <a:t>Produire des résultats pertinents</a:t>
+            </a:r>
+            <a:r>
               <a:rPr lang="fr-FR" sz="1600" dirty="0"/>
-              <a:t>Valider le fonctionnement linéaire du système</a:t>
-            </a:r>
+              <a:t> à partir des données expérimentales</a:t>
+            </a:r>
+          </a:p>
+          <a:p>
+            <a:pPr marL="285750" indent="-285750">
+              <a:buFont typeface="Arial" panose="020B0604020202020204" pitchFamily="34" charset="0"/>
+              <a:buChar char="•"/>
+            </a:pPr>
+            <a:r>
+              <a:rPr lang="fr-FR" sz="1600" b="1" dirty="0"/>
+              <a:t>Générer un ensemble de signaux de test</a:t>
+            </a:r>
+            <a:r>
+              <a:rPr lang="fr-FR" sz="1600" dirty="0"/>
+              <a:t> pour valider le bon fonctionnement</a:t>
+            </a:r>
+          </a:p>
+          <a:p>
+            <a:pPr marL="285750" indent="-285750">
+              <a:buFont typeface="Arial" panose="020B0604020202020204" pitchFamily="34" charset="0"/>
+              <a:buChar char="•"/>
+            </a:pPr>
+            <a:r>
+              <a:rPr lang="fr-FR" sz="1600" b="1" dirty="0"/>
+              <a:t>Analyser les résultats d’une modélisation physique simple</a:t>
+            </a:r>
+            <a:r>
+              <a:rPr lang="fr-FR" sz="1600" dirty="0"/>
+              <a:t> et </a:t>
+            </a:r>
+            <a:r>
+              <a:rPr lang="fr-FR" sz="1600" b="1" dirty="0"/>
+              <a:t>valider le modèle utilisé</a:t>
+            </a:r>
+            <a:endParaRPr lang="fr-FR" sz="1600" dirty="0"/>
+          </a:p>
+        </p:txBody>
+      </p:sp>
+      <p:sp>
+        <p:nvSpPr>
+          <p:cNvPr id="12" name="CustomShape 3">
+            <a:extLst>
+              <a:ext uri="{FF2B5EF4-FFF2-40B4-BE49-F238E27FC236}">
+                <a16:creationId xmlns:a16="http://schemas.microsoft.com/office/drawing/2014/main" id="{BF074FB9-F19E-C0E7-05D8-FE2086332654}"/>
+              </a:ext>
+            </a:extLst>
+          </p:cNvPr>
+          <p:cNvSpPr/>
+          <p:nvPr/>
+        </p:nvSpPr>
+        <p:spPr>
+          <a:xfrm>
+            <a:off x="6401130" y="2440601"/>
+            <a:ext cx="4685465" cy="492443"/>
+          </a:xfrm>
+          <a:prstGeom prst="rect">
+            <a:avLst/>
+          </a:prstGeom>
+          <a:solidFill>
+            <a:srgbClr val="00B0F0"/>
+          </a:solidFill>
+          <a:ln w="0">
+            <a:noFill/>
+          </a:ln>
+        </p:spPr>
+        <p:style>
+          <a:lnRef idx="0">
+            <a:scrgbClr r="0" g="0" b="0"/>
+          </a:lnRef>
+          <a:fillRef idx="0">
+            <a:scrgbClr r="0" g="0" b="0"/>
+          </a:fillRef>
+          <a:effectRef idx="0">
+            <a:scrgbClr r="0" g="0" b="0"/>
+          </a:effectRef>
+          <a:fontRef idx="minor"/>
+        </p:style>
+        <p:txBody>
+          <a:bodyPr wrap="square" tIns="91440" bIns="91440">
+            <a:spAutoFit/>
+          </a:bodyPr>
+          <a:lstStyle/>
+          <a:p>
+            <a:pPr algn="ctr">
+              <a:lnSpc>
+                <a:spcPct val="100000"/>
+              </a:lnSpc>
+              <a:tabLst>
+                <a:tab pos="0" algn="l"/>
+              </a:tabLst>
+            </a:pPr>
+            <a:r>
+              <a:rPr lang="fr-FR" sz="2000" b="1" strike="noStrike" spc="-1" dirty="0">
+                <a:solidFill>
+                  <a:schemeClr val="bg1"/>
+                </a:solidFill>
+                <a:latin typeface="Trebuchet MS"/>
+                <a:ea typeface="Trebuchet MS"/>
+              </a:rPr>
+              <a:t>(A) Caractérisation d’un dipôle</a:t>
+            </a:r>
+            <a:endParaRPr lang="fr-FR" sz="2000" b="0" strike="noStrike" spc="-1" dirty="0">
+              <a:solidFill>
+                <a:schemeClr val="bg1"/>
+              </a:solidFill>
+              <a:latin typeface="Arial"/>
+            </a:endParaRPr>
+          </a:p>
+        </p:txBody>
+      </p:sp>
+      <p:sp>
+        <p:nvSpPr>
+          <p:cNvPr id="11" name="CustomShape 3">
+            <a:extLst>
+              <a:ext uri="{FF2B5EF4-FFF2-40B4-BE49-F238E27FC236}">
+                <a16:creationId xmlns:a16="http://schemas.microsoft.com/office/drawing/2014/main" id="{0280F09E-AE25-3277-6827-3356680CBD03}"/>
+              </a:ext>
+            </a:extLst>
+          </p:cNvPr>
+          <p:cNvSpPr/>
+          <p:nvPr/>
+        </p:nvSpPr>
+        <p:spPr>
+          <a:xfrm>
+            <a:off x="3458299" y="5631264"/>
+            <a:ext cx="2466686" cy="369332"/>
+          </a:xfrm>
+          <a:prstGeom prst="rect">
+            <a:avLst/>
+          </a:prstGeom>
+          <a:solidFill>
+            <a:schemeClr val="accent6"/>
+          </a:solidFill>
+          <a:ln w="0">
+            <a:noFill/>
+          </a:ln>
+        </p:spPr>
+        <p:style>
+          <a:lnRef idx="0">
+            <a:scrgbClr r="0" g="0" b="0"/>
+          </a:lnRef>
+          <a:fillRef idx="0">
+            <a:scrgbClr r="0" g="0" b="0"/>
+          </a:fillRef>
+          <a:effectRef idx="0">
+            <a:scrgbClr r="0" g="0" b="0"/>
+          </a:effectRef>
+          <a:fontRef idx="minor"/>
+        </p:style>
+        <p:txBody>
+          <a:bodyPr wrap="square" tIns="91440" bIns="91440">
+            <a:spAutoFit/>
+          </a:bodyPr>
+          <a:lstStyle/>
+          <a:p>
+            <a:pPr algn="ctr">
+              <a:lnSpc>
+                <a:spcPct val="100000"/>
+              </a:lnSpc>
+              <a:tabLst>
+                <a:tab pos="0" algn="l"/>
+              </a:tabLst>
+            </a:pPr>
+            <a:r>
+              <a:rPr lang="fr-FR" sz="1200" b="1" strike="noStrike" spc="-1" dirty="0">
+                <a:solidFill>
+                  <a:schemeClr val="bg1"/>
+                </a:solidFill>
+                <a:latin typeface="Trebuchet MS"/>
+                <a:ea typeface="Trebuchet MS"/>
+              </a:rPr>
+              <a:t>(0) Mise en forme / Filtrage</a:t>
+            </a:r>
+            <a:endParaRPr lang="fr-FR" sz="1200" b="0" strike="noStrike" spc="-1" dirty="0">
+              <a:solidFill>
+                <a:schemeClr val="bg1"/>
+              </a:solidFill>
+              <a:latin typeface="Arial"/>
+            </a:endParaRPr>
           </a:p>
         </p:txBody>
       </p:sp>
     </p:spTree>
     <p:extLst>
       <p:ext uri="{BB962C8B-B14F-4D97-AF65-F5344CB8AC3E}">
-        <p14:creationId xmlns:p14="http://schemas.microsoft.com/office/powerpoint/2010/main" val="6443434"/>
+        <p14:creationId xmlns:p14="http://schemas.microsoft.com/office/powerpoint/2010/main" val="4192165477"/>
       </p:ext>
     </p:extLst>
   </p:cSld>
@@ -13102,10 +12088,216 @@
       </p:pic>
       <p:sp>
         <p:nvSpPr>
-          <p:cNvPr id="21" name="CustomShape 3">
-            <a:extLst>
-              <a:ext uri="{FF2B5EF4-FFF2-40B4-BE49-F238E27FC236}">
-                <a16:creationId xmlns:a16="http://schemas.microsoft.com/office/drawing/2014/main" id="{C4F009B7-348E-6E4E-D3E6-A48A8134EA26}"/>
+          <p:cNvPr id="8" name="ZoneTexte 7">
+            <a:extLst>
+              <a:ext uri="{FF2B5EF4-FFF2-40B4-BE49-F238E27FC236}">
+                <a16:creationId xmlns:a16="http://schemas.microsoft.com/office/drawing/2014/main" id="{14CCE582-9B9D-0764-83CC-13654B460E43}"/>
+              </a:ext>
+            </a:extLst>
+          </p:cNvPr>
+          <p:cNvSpPr txBox="1"/>
+          <p:nvPr/>
+        </p:nvSpPr>
+        <p:spPr>
+          <a:xfrm>
+            <a:off x="6554552" y="2416554"/>
+            <a:ext cx="4529185" cy="4278094"/>
+          </a:xfrm>
+          <a:prstGeom prst="rect">
+            <a:avLst/>
+          </a:prstGeom>
+          <a:noFill/>
+        </p:spPr>
+        <p:txBody>
+          <a:bodyPr wrap="square">
+            <a:spAutoFit/>
+          </a:bodyPr>
+          <a:lstStyle/>
+          <a:p>
+            <a:r>
+              <a:rPr lang="fr-FR" sz="1600" dirty="0">
+                <a:highlight>
+                  <a:srgbClr val="00FFFF"/>
+                </a:highlight>
+              </a:rPr>
+              <a:t>ASPECT </a:t>
+            </a:r>
+            <a:r>
+              <a:rPr lang="fr-FR" sz="1600" b="1" dirty="0">
+                <a:highlight>
+                  <a:srgbClr val="00FFFF"/>
+                </a:highlight>
+              </a:rPr>
+              <a:t>PROTOCOLE</a:t>
+            </a:r>
+          </a:p>
+          <a:p>
+            <a:endParaRPr lang="fr-FR" sz="1600" b="1" dirty="0">
+              <a:highlight>
+                <a:srgbClr val="00FFFF"/>
+              </a:highlight>
+            </a:endParaRPr>
+          </a:p>
+          <a:p>
+            <a:pPr marL="285750" indent="-285750">
+              <a:buFont typeface="Arial" panose="020B0604020202020204" pitchFamily="34" charset="0"/>
+              <a:buChar char="•"/>
+            </a:pPr>
+            <a:r>
+              <a:rPr lang="fr-FR" sz="1600" dirty="0"/>
+              <a:t>Identifier le </a:t>
+            </a:r>
+            <a:r>
+              <a:rPr lang="fr-FR" sz="1600" b="1" dirty="0"/>
+              <a:t>comportement global </a:t>
+            </a:r>
+            <a:r>
+              <a:rPr lang="fr-FR" sz="1600" dirty="0"/>
+              <a:t>du système </a:t>
+            </a:r>
+            <a:r>
+              <a:rPr lang="fr-FR" sz="1400" dirty="0"/>
+              <a:t>(passe-bas, passe-haut, passe-bande)</a:t>
+            </a:r>
+            <a:endParaRPr lang="fr-FR" sz="1600" dirty="0"/>
+          </a:p>
+          <a:p>
+            <a:pPr marL="285750" indent="-285750">
+              <a:buFont typeface="Arial" panose="020B0604020202020204" pitchFamily="34" charset="0"/>
+              <a:buChar char="•"/>
+            </a:pPr>
+            <a:r>
+              <a:rPr lang="fr-FR" sz="1600" dirty="0"/>
+              <a:t>Mesurer la </a:t>
+            </a:r>
+            <a:r>
+              <a:rPr lang="fr-FR" sz="1600" b="1" dirty="0"/>
+              <a:t>bande-passante</a:t>
+            </a:r>
+            <a:r>
+              <a:rPr lang="fr-FR" sz="1600" dirty="0"/>
+              <a:t> du système</a:t>
+            </a:r>
+          </a:p>
+          <a:p>
+            <a:pPr marL="285750" indent="-285750">
+              <a:buFont typeface="Arial" panose="020B0604020202020204" pitchFamily="34" charset="0"/>
+              <a:buChar char="•"/>
+            </a:pPr>
+            <a:r>
+              <a:rPr lang="fr-FR" sz="1600" dirty="0"/>
+              <a:t>Mesurer le </a:t>
+            </a:r>
+            <a:r>
+              <a:rPr lang="fr-FR" sz="1600" b="1" dirty="0"/>
+              <a:t>gain</a:t>
+            </a:r>
+            <a:r>
+              <a:rPr lang="fr-FR" sz="1600" dirty="0"/>
+              <a:t> du système</a:t>
+            </a:r>
+          </a:p>
+          <a:p>
+            <a:pPr marL="285750" indent="-285750">
+              <a:buFont typeface="Arial" panose="020B0604020202020204" pitchFamily="34" charset="0"/>
+              <a:buChar char="•"/>
+            </a:pPr>
+            <a:r>
+              <a:rPr lang="fr-FR" sz="1600" dirty="0"/>
+              <a:t>Déterminer l’</a:t>
+            </a:r>
+            <a:r>
+              <a:rPr lang="fr-FR" sz="1600" b="1" dirty="0"/>
+              <a:t>ordre du système</a:t>
+            </a:r>
+          </a:p>
+          <a:p>
+            <a:pPr>
+              <a:buFont typeface="Arial" panose="020B0604020202020204" pitchFamily="34" charset="0"/>
+              <a:buChar char="•"/>
+            </a:pPr>
+            <a:endParaRPr lang="fr-FR" sz="1600" dirty="0"/>
+          </a:p>
+          <a:p>
+            <a:r>
+              <a:rPr lang="fr-FR" sz="1600" dirty="0">
+                <a:highlight>
+                  <a:srgbClr val="00FFFF"/>
+                </a:highlight>
+              </a:rPr>
+              <a:t>ASPECT </a:t>
+            </a:r>
+            <a:r>
+              <a:rPr lang="fr-FR" sz="1600" b="1" dirty="0">
+                <a:highlight>
+                  <a:srgbClr val="00FFFF"/>
+                </a:highlight>
+              </a:rPr>
+              <a:t>INGENIEUR.E PHYSICIEN.NE</a:t>
+            </a:r>
+          </a:p>
+          <a:p>
+            <a:endParaRPr lang="fr-FR" sz="1600" dirty="0">
+              <a:highlight>
+                <a:srgbClr val="00FFFF"/>
+              </a:highlight>
+            </a:endParaRPr>
+          </a:p>
+          <a:p>
+            <a:pPr marL="285750" indent="-285750">
+              <a:buFont typeface="Arial" panose="020B0604020202020204" pitchFamily="34" charset="0"/>
+              <a:buChar char="•"/>
+            </a:pPr>
+            <a:r>
+              <a:rPr lang="fr-FR" sz="1600" b="1" dirty="0"/>
+              <a:t>Produire des résultats pertinents</a:t>
+            </a:r>
+            <a:r>
+              <a:rPr lang="fr-FR" sz="1600" dirty="0"/>
+              <a:t> à partir des données expérimentales</a:t>
+            </a:r>
+          </a:p>
+          <a:p>
+            <a:pPr marL="285750" indent="-285750">
+              <a:buFont typeface="Arial" panose="020B0604020202020204" pitchFamily="34" charset="0"/>
+              <a:buChar char="•"/>
+            </a:pPr>
+            <a:r>
+              <a:rPr lang="fr-FR" sz="1600" b="1" dirty="0"/>
+              <a:t>Générer un ensemble de signaux de test</a:t>
+            </a:r>
+            <a:r>
+              <a:rPr lang="fr-FR" sz="1600" dirty="0"/>
+              <a:t> pour valider le bon fonctionnement</a:t>
+            </a:r>
+          </a:p>
+          <a:p>
+            <a:pPr marL="285750" indent="-285750">
+              <a:buFont typeface="Arial" panose="020B0604020202020204" pitchFamily="34" charset="0"/>
+              <a:buChar char="•"/>
+            </a:pPr>
+            <a:r>
+              <a:rPr lang="fr-FR" sz="1600" b="1" dirty="0"/>
+              <a:t>Analyser les résultats d’une modélisation physique simple</a:t>
+            </a:r>
+            <a:r>
+              <a:rPr lang="fr-FR" sz="1600" dirty="0"/>
+              <a:t> et </a:t>
+            </a:r>
+            <a:r>
+              <a:rPr lang="fr-FR" sz="1600" b="1" dirty="0"/>
+              <a:t>valider le modèle utilisé</a:t>
+            </a:r>
+            <a:endParaRPr lang="fr-FR" sz="1600" dirty="0"/>
+          </a:p>
+        </p:txBody>
+      </p:sp>
+      <p:sp>
+        <p:nvSpPr>
+          <p:cNvPr id="11" name="CustomShape 3">
+            <a:extLst>
+              <a:ext uri="{FF2B5EF4-FFF2-40B4-BE49-F238E27FC236}">
+                <a16:creationId xmlns:a16="http://schemas.microsoft.com/office/drawing/2014/main" id="{80A9CDA6-B258-C949-657E-13F3BD54C580}"/>
               </a:ext>
             </a:extLst>
           </p:cNvPr>
@@ -13114,14 +12306,14 @@
         </p:nvSpPr>
         <p:spPr>
           <a:xfrm>
-            <a:off x="3785606" y="5749790"/>
-            <a:ext cx="1887607" cy="369332"/>
+            <a:off x="1115567" y="2440602"/>
+            <a:ext cx="4685465" cy="492443"/>
           </a:xfrm>
           <a:prstGeom prst="rect">
             <a:avLst/>
           </a:prstGeom>
           <a:solidFill>
-            <a:schemeClr val="accent1"/>
+            <a:srgbClr val="00B0F0"/>
           </a:solidFill>
           <a:ln w="0">
             <a:noFill/>
@@ -13154,160 +12346,6 @@
               </a:tabLst>
             </a:pPr>
             <a:r>
-              <a:rPr lang="fr-FR" sz="1200" b="1" strike="noStrike" spc="-1" dirty="0">
-                <a:solidFill>
-                  <a:schemeClr val="bg1"/>
-                </a:solidFill>
-                <a:latin typeface="Trebuchet MS"/>
-                <a:ea typeface="Trebuchet MS"/>
-              </a:rPr>
-              <a:t>(1) </a:t>
-            </a:r>
-            <a:r>
-              <a:rPr lang="fr-FR" sz="1200" b="1" strike="noStrike" spc="-1" dirty="0" err="1">
-                <a:solidFill>
-                  <a:schemeClr val="bg1"/>
-                </a:solidFill>
-                <a:latin typeface="Trebuchet MS"/>
-                <a:ea typeface="Trebuchet MS"/>
-              </a:rPr>
-              <a:t>Photodétection</a:t>
-            </a:r>
-            <a:endParaRPr lang="fr-FR" sz="1200" b="0" strike="noStrike" spc="-1" dirty="0">
-              <a:solidFill>
-                <a:schemeClr val="bg1"/>
-              </a:solidFill>
-              <a:latin typeface="Arial"/>
-            </a:endParaRPr>
-          </a:p>
-        </p:txBody>
-      </p:sp>
-      <p:sp>
-        <p:nvSpPr>
-          <p:cNvPr id="23" name="CustomShape 3">
-            <a:extLst>
-              <a:ext uri="{FF2B5EF4-FFF2-40B4-BE49-F238E27FC236}">
-                <a16:creationId xmlns:a16="http://schemas.microsoft.com/office/drawing/2014/main" id="{D07EBB44-0FC5-22B6-B831-C9AE212D70CF}"/>
-              </a:ext>
-            </a:extLst>
-          </p:cNvPr>
-          <p:cNvSpPr/>
-          <p:nvPr/>
-        </p:nvSpPr>
-        <p:spPr>
-          <a:xfrm>
-            <a:off x="3785605" y="6190504"/>
-            <a:ext cx="1887607" cy="369332"/>
-          </a:xfrm>
-          <a:prstGeom prst="rect">
-            <a:avLst/>
-          </a:prstGeom>
-          <a:solidFill>
-            <a:srgbClr val="00B0F0"/>
-          </a:solidFill>
-          <a:ln w="0">
-            <a:noFill/>
-          </a:ln>
-        </p:spPr>
-        <p:style>
-          <a:lnRef idx="0">
-            <a:scrgbClr r="0" g="0" b="0"/>
-          </a:lnRef>
-          <a:fillRef idx="0">
-            <a:scrgbClr r="0" g="0" b="0"/>
-          </a:fillRef>
-          <a:effectRef idx="0">
-            <a:scrgbClr r="0" g="0" b="0"/>
-          </a:effectRef>
-          <a:fontRef idx="minor"/>
-        </p:style>
-        <p:txBody>
-          <a:bodyPr wrap="square" tIns="91440" bIns="91440">
-            <a:spAutoFit/>
-          </a:bodyPr>
-          <a:lstStyle/>
-          <a:p>
-            <a:pPr algn="ctr">
-              <a:lnSpc>
-                <a:spcPct val="100000"/>
-              </a:lnSpc>
-              <a:tabLst>
-                <a:tab pos="0" algn="l"/>
-              </a:tabLst>
-            </a:pPr>
-            <a:r>
-              <a:rPr lang="fr-FR" sz="1200" b="1" strike="noStrike" spc="-1" dirty="0">
-                <a:solidFill>
-                  <a:schemeClr val="bg1"/>
-                </a:solidFill>
-                <a:latin typeface="Trebuchet MS"/>
-                <a:ea typeface="Trebuchet MS"/>
-              </a:rPr>
-              <a:t>(2) Numérique</a:t>
-            </a:r>
-            <a:endParaRPr lang="fr-FR" sz="1200" b="0" strike="noStrike" spc="-1" dirty="0">
-              <a:solidFill>
-                <a:schemeClr val="bg1"/>
-              </a:solidFill>
-              <a:latin typeface="Arial"/>
-            </a:endParaRPr>
-          </a:p>
-        </p:txBody>
-      </p:sp>
-      <p:sp>
-        <p:nvSpPr>
-          <p:cNvPr id="3" name="CustomShape 3">
-            <a:extLst>
-              <a:ext uri="{FF2B5EF4-FFF2-40B4-BE49-F238E27FC236}">
-                <a16:creationId xmlns:a16="http://schemas.microsoft.com/office/drawing/2014/main" id="{3A2757AF-7204-5C84-F3F3-C24EF7A3A399}"/>
-              </a:ext>
-            </a:extLst>
-          </p:cNvPr>
-          <p:cNvSpPr/>
-          <p:nvPr/>
-        </p:nvSpPr>
-        <p:spPr>
-          <a:xfrm>
-            <a:off x="1115567" y="2440602"/>
-            <a:ext cx="4685465" cy="492443"/>
-          </a:xfrm>
-          <a:prstGeom prst="rect">
-            <a:avLst/>
-          </a:prstGeom>
-          <a:solidFill>
-            <a:srgbClr val="00B0F0"/>
-          </a:solidFill>
-          <a:ln w="0">
-            <a:noFill/>
-          </a:ln>
-        </p:spPr>
-        <p:style>
-          <a:lnRef idx="0">
-            <a:scrgbClr r="0" g="0" b="0"/>
-          </a:lnRef>
-          <a:fillRef idx="0">
-            <a:scrgbClr r="0" g="0" b="0"/>
-          </a:fillRef>
-          <a:effectRef idx="0">
-            <a:scrgbClr r="0" g="0" b="0"/>
-          </a:effectRef>
-          <a:fontRef idx="minor"/>
-        </p:style>
-        <p:txBody>
-          <a:bodyPr wrap="square" tIns="91440" bIns="91440">
-            <a:spAutoFit/>
-          </a:bodyPr>
-          <a:lstStyle/>
-          <a:p>
-            <a:pPr algn="ctr">
-              <a:lnSpc>
-                <a:spcPct val="100000"/>
-              </a:lnSpc>
-              <a:tabLst>
-                <a:tab pos="0" algn="l"/>
-              </a:tabLst>
-            </a:pPr>
-            <a:r>
               <a:rPr lang="fr-FR" sz="2000" b="1" strike="noStrike" spc="-1" dirty="0">
                 <a:solidFill>
                   <a:schemeClr val="bg1"/>
@@ -13315,7 +12353,7 @@
                 <a:latin typeface="Trebuchet MS"/>
                 <a:ea typeface="Trebuchet MS"/>
               </a:rPr>
-              <a:t>Evaluations</a:t>
+              <a:t>(B) Etude fréquentielle d’un système </a:t>
             </a:r>
             <a:endParaRPr lang="fr-FR" sz="2000" b="0" strike="noStrike" spc="-1" dirty="0">
               <a:solidFill>
@@ -13328,102 +12366,10 @@
       </p:sp>
       <p:sp>
         <p:nvSpPr>
-          <p:cNvPr id="4" name="Espace réservé du contenu 2">
-            <a:extLst>
-              <a:ext uri="{FF2B5EF4-FFF2-40B4-BE49-F238E27FC236}">
-                <a16:creationId xmlns:a16="http://schemas.microsoft.com/office/drawing/2014/main" id="{7DB7DACE-1CDC-F9B9-9553-754869EC293A}"/>
-              </a:ext>
-            </a:extLst>
-          </p:cNvPr>
-          <p:cNvSpPr>
-            <a:spLocks noGrp="1"/>
-          </p:cNvSpPr>
-          <p:nvPr>
-            <p:ph sz="half" idx="1"/>
-          </p:nvPr>
-        </p:nvSpPr>
-        <p:spPr>
-          <a:xfrm>
-            <a:off x="1108263" y="3050362"/>
-            <a:ext cx="4685466" cy="3694176"/>
-          </a:xfrm>
-        </p:spPr>
-        <p:txBody>
-          <a:bodyPr>
-            <a:normAutofit/>
-          </a:bodyPr>
-          <a:lstStyle/>
-          <a:p>
-            <a:r>
-              <a:rPr lang="fr-FR" sz="2000" b="1" dirty="0"/>
-              <a:t>Synthèses </a:t>
-            </a:r>
-            <a:r>
-              <a:rPr lang="fr-FR" sz="2000" dirty="0"/>
-              <a:t>(50 %)</a:t>
-            </a:r>
-          </a:p>
-          <a:p>
-            <a:pPr lvl="1"/>
-            <a:r>
-              <a:rPr lang="fr-FR" sz="1800" dirty="0"/>
-              <a:t>Thème 1 : évaluée mais non notée</a:t>
-            </a:r>
-          </a:p>
-          <a:p>
-            <a:pPr lvl="1"/>
-            <a:r>
-              <a:rPr lang="fr-FR" sz="1800" dirty="0"/>
-              <a:t>Thème 2 : évaluée et notée (50%)</a:t>
-            </a:r>
-          </a:p>
-          <a:p>
-            <a:r>
-              <a:rPr lang="fr-FR" sz="2000" b="1" dirty="0"/>
-              <a:t>Examen pratique </a:t>
-            </a:r>
-            <a:r>
-              <a:rPr lang="fr-FR" sz="2000" dirty="0"/>
-              <a:t>(50 %)</a:t>
-            </a:r>
-          </a:p>
-          <a:p>
-            <a:pPr lvl="1"/>
-            <a:r>
-              <a:rPr lang="fr-FR" sz="1800" dirty="0"/>
-              <a:t>Durée : </a:t>
-            </a:r>
-            <a:r>
-              <a:rPr lang="fr-FR" sz="1800" b="1" dirty="0"/>
-              <a:t>1h</a:t>
-            </a:r>
-          </a:p>
-          <a:p>
-            <a:pPr lvl="1"/>
-            <a:r>
-              <a:rPr lang="fr-FR" sz="1800" dirty="0"/>
-              <a:t>Tous les </a:t>
-            </a:r>
-            <a:r>
-              <a:rPr lang="fr-FR" sz="1800" b="1" dirty="0"/>
-              <a:t>documents numériques </a:t>
-            </a:r>
-            <a:r>
-              <a:rPr lang="fr-FR" sz="1800" dirty="0"/>
-              <a:t>autorisés</a:t>
-            </a:r>
-          </a:p>
-          <a:p>
-            <a:endParaRPr lang="fr-FR" sz="1800" dirty="0"/>
-          </a:p>
-        </p:txBody>
-      </p:sp>
-      <p:sp>
-        <p:nvSpPr>
-          <p:cNvPr id="8" name="ZoneTexte 7">
-            <a:extLst>
-              <a:ext uri="{FF2B5EF4-FFF2-40B4-BE49-F238E27FC236}">
-                <a16:creationId xmlns:a16="http://schemas.microsoft.com/office/drawing/2014/main" id="{0F3A1F2E-F441-C31C-7EC1-D6A75227ACF3}"/>
+          <p:cNvPr id="13" name="ZoneTexte 12">
+            <a:extLst>
+              <a:ext uri="{FF2B5EF4-FFF2-40B4-BE49-F238E27FC236}">
+                <a16:creationId xmlns:a16="http://schemas.microsoft.com/office/drawing/2014/main" id="{E92A1B81-3646-4206-FAD0-F1E1E3655173}"/>
               </a:ext>
             </a:extLst>
           </p:cNvPr>
@@ -13432,8 +12378,8 @@
         </p:nvSpPr>
         <p:spPr>
           <a:xfrm>
-            <a:off x="6928088" y="3422090"/>
-            <a:ext cx="3611221" cy="369332"/>
+            <a:off x="1115567" y="3168720"/>
+            <a:ext cx="4529185" cy="2308324"/>
           </a:xfrm>
           <a:prstGeom prst="rect">
             <a:avLst/>
@@ -13447,7 +12393,7 @@
           <a:lstStyle/>
           <a:p>
             <a:r>
-              <a:rPr lang="fr-FR" dirty="0">
+              <a:rPr lang="fr-FR" sz="1600" dirty="0">
                 <a:highlight>
                   <a:srgbClr val="00FFFF"/>
                 </a:highlight>
@@ -13455,314 +12401,37 @@
               <a:t>ASPECT </a:t>
             </a:r>
             <a:r>
-              <a:rPr lang="fr-FR" b="1" dirty="0">
+              <a:rPr lang="fr-FR" sz="1600" b="1" dirty="0">
                 <a:highlight>
                   <a:srgbClr val="00FFFF"/>
                 </a:highlight>
               </a:rPr>
               <a:t>INSTRUMENTATION</a:t>
             </a:r>
-            <a:endParaRPr lang="fr-FR" dirty="0">
-              <a:highlight>
-                <a:srgbClr val="00FFFF"/>
-              </a:highlight>
-            </a:endParaRPr>
-          </a:p>
-        </p:txBody>
-      </p:sp>
-      <p:sp>
-        <p:nvSpPr>
-          <p:cNvPr id="9" name="CustomShape 3">
-            <a:extLst>
-              <a:ext uri="{FF2B5EF4-FFF2-40B4-BE49-F238E27FC236}">
-                <a16:creationId xmlns:a16="http://schemas.microsoft.com/office/drawing/2014/main" id="{4BDDD5A9-51DE-277E-D8B4-6E62D0688F1C}"/>
-              </a:ext>
-            </a:extLst>
-          </p:cNvPr>
-          <p:cNvSpPr/>
-          <p:nvPr/>
-        </p:nvSpPr>
-        <p:spPr>
-          <a:xfrm>
-            <a:off x="6401130" y="2440601"/>
-            <a:ext cx="4685465" cy="492443"/>
-          </a:xfrm>
-          <a:prstGeom prst="rect">
-            <a:avLst/>
-          </a:prstGeom>
-          <a:solidFill>
-            <a:srgbClr val="00B0F0"/>
-          </a:solidFill>
-          <a:ln w="0">
-            <a:noFill/>
-          </a:ln>
-        </p:spPr>
-        <p:style>
-          <a:lnRef idx="0">
-            <a:scrgbClr r="0" g="0" b="0"/>
-          </a:lnRef>
-          <a:fillRef idx="0">
-            <a:scrgbClr r="0" g="0" b="0"/>
-          </a:fillRef>
-          <a:effectRef idx="0">
-            <a:scrgbClr r="0" g="0" b="0"/>
-          </a:effectRef>
-          <a:fontRef idx="minor"/>
-        </p:style>
-        <p:txBody>
-          <a:bodyPr wrap="square" tIns="91440" bIns="91440">
-            <a:spAutoFit/>
-          </a:bodyPr>
-          <a:lstStyle/>
-          <a:p>
-            <a:pPr algn="ctr">
-              <a:lnSpc>
-                <a:spcPct val="100000"/>
-              </a:lnSpc>
-              <a:tabLst>
-                <a:tab pos="0" algn="l"/>
-              </a:tabLst>
-            </a:pPr>
-            <a:r>
-              <a:rPr lang="fr-FR" sz="2000" b="1" strike="noStrike" spc="-1" dirty="0">
-                <a:solidFill>
-                  <a:schemeClr val="bg1"/>
-                </a:solidFill>
-                <a:latin typeface="Trebuchet MS"/>
-                <a:ea typeface="Trebuchet MS"/>
-              </a:rPr>
-              <a:t>Evaluatio</a:t>
-            </a:r>
-            <a:r>
-              <a:rPr lang="fr-FR" sz="2000" b="1" spc="-1" dirty="0">
-                <a:solidFill>
-                  <a:schemeClr val="bg1"/>
-                </a:solidFill>
-                <a:latin typeface="Trebuchet MS"/>
-                <a:ea typeface="Trebuchet MS"/>
-              </a:rPr>
-              <a:t>n pratique</a:t>
-            </a:r>
-            <a:endParaRPr lang="fr-FR" sz="2000" b="0" strike="noStrike" spc="-1" dirty="0">
-              <a:solidFill>
-                <a:schemeClr val="bg1"/>
-              </a:solidFill>
-              <a:latin typeface="Arial"/>
-            </a:endParaRPr>
-          </a:p>
-        </p:txBody>
-      </p:sp>
-      <p:sp>
-        <p:nvSpPr>
-          <p:cNvPr id="6" name="ZoneTexte 5">
-            <a:extLst>
-              <a:ext uri="{FF2B5EF4-FFF2-40B4-BE49-F238E27FC236}">
-                <a16:creationId xmlns:a16="http://schemas.microsoft.com/office/drawing/2014/main" id="{5F5CBFC5-B974-1AD1-A1C9-845C2F711D5E}"/>
-              </a:ext>
-            </a:extLst>
-          </p:cNvPr>
-          <p:cNvSpPr txBox="1"/>
-          <p:nvPr/>
-        </p:nvSpPr>
-        <p:spPr>
-          <a:xfrm>
-            <a:off x="6928088" y="4353972"/>
-            <a:ext cx="4355608" cy="369332"/>
-          </a:xfrm>
-          <a:prstGeom prst="rect">
-            <a:avLst/>
-          </a:prstGeom>
-          <a:noFill/>
-        </p:spPr>
-        <p:txBody>
-          <a:bodyPr wrap="square">
-            <a:spAutoFit/>
-          </a:bodyPr>
-          <a:lstStyle/>
-          <a:p>
-            <a:r>
-              <a:rPr lang="fr-FR" dirty="0">
-                <a:highlight>
-                  <a:srgbClr val="00FFFF"/>
-                </a:highlight>
-              </a:rPr>
-              <a:t>ASPECT </a:t>
-            </a:r>
-            <a:r>
-              <a:rPr lang="fr-FR" b="1" dirty="0">
-                <a:highlight>
-                  <a:srgbClr val="00FFFF"/>
-                </a:highlight>
-              </a:rPr>
-              <a:t>INGENIEUR.E PHYSICIEN.NE</a:t>
-            </a:r>
-            <a:endParaRPr lang="fr-FR" dirty="0">
-              <a:highlight>
-                <a:srgbClr val="00FFFF"/>
-              </a:highlight>
-            </a:endParaRPr>
-          </a:p>
-        </p:txBody>
-      </p:sp>
-      <p:sp>
-        <p:nvSpPr>
-          <p:cNvPr id="10" name="ZoneTexte 9">
-            <a:extLst>
-              <a:ext uri="{FF2B5EF4-FFF2-40B4-BE49-F238E27FC236}">
-                <a16:creationId xmlns:a16="http://schemas.microsoft.com/office/drawing/2014/main" id="{00B3FB53-8556-BE15-925F-813B2A0DA05A}"/>
-              </a:ext>
-            </a:extLst>
-          </p:cNvPr>
-          <p:cNvSpPr txBox="1"/>
-          <p:nvPr/>
-        </p:nvSpPr>
-        <p:spPr>
-          <a:xfrm>
-            <a:off x="6928088" y="3886615"/>
-            <a:ext cx="6096000" cy="369332"/>
-          </a:xfrm>
-          <a:prstGeom prst="rect">
-            <a:avLst/>
-          </a:prstGeom>
-          <a:noFill/>
-        </p:spPr>
-        <p:txBody>
-          <a:bodyPr wrap="square">
-            <a:spAutoFit/>
-          </a:bodyPr>
-          <a:lstStyle/>
-          <a:p>
-            <a:r>
-              <a:rPr lang="fr-FR" dirty="0">
-                <a:highlight>
-                  <a:srgbClr val="00FFFF"/>
-                </a:highlight>
-              </a:rPr>
-              <a:t>ASPECT </a:t>
-            </a:r>
-            <a:r>
-              <a:rPr lang="fr-FR" b="1" dirty="0">
-                <a:effectLst/>
-                <a:highlight>
-                  <a:srgbClr val="00FFFF"/>
-                </a:highlight>
-              </a:rPr>
-              <a:t>PROTOCOLE</a:t>
-            </a:r>
-            <a:endParaRPr lang="fr-FR" dirty="0">
-              <a:highlight>
-                <a:srgbClr val="00FFFF"/>
-              </a:highlight>
-            </a:endParaRPr>
-          </a:p>
-        </p:txBody>
-      </p:sp>
-      <p:sp>
-        <p:nvSpPr>
-          <p:cNvPr id="12" name="ZoneTexte 11">
-            <a:extLst>
-              <a:ext uri="{FF2B5EF4-FFF2-40B4-BE49-F238E27FC236}">
-                <a16:creationId xmlns:a16="http://schemas.microsoft.com/office/drawing/2014/main" id="{BB342786-8F97-9FA2-84B9-9198AB29863A}"/>
-              </a:ext>
-            </a:extLst>
-          </p:cNvPr>
-          <p:cNvSpPr txBox="1"/>
-          <p:nvPr/>
-        </p:nvSpPr>
-        <p:spPr>
-          <a:xfrm>
-            <a:off x="6510218" y="2975383"/>
-            <a:ext cx="6513870" cy="369332"/>
-          </a:xfrm>
-          <a:prstGeom prst="rect">
-            <a:avLst/>
-          </a:prstGeom>
-          <a:noFill/>
-        </p:spPr>
-        <p:txBody>
-          <a:bodyPr wrap="square">
-            <a:spAutoFit/>
-          </a:bodyPr>
-          <a:lstStyle/>
-          <a:p>
-            <a:r>
-              <a:rPr lang="fr-FR" sz="1800" b="1" dirty="0"/>
-              <a:t>Selon 3 catégories de critères :</a:t>
-            </a:r>
-            <a:endParaRPr lang="fr-FR" dirty="0"/>
-          </a:p>
-        </p:txBody>
-      </p:sp>
-      <p:sp>
-        <p:nvSpPr>
-          <p:cNvPr id="13" name="ZoneTexte 12">
-            <a:extLst>
-              <a:ext uri="{FF2B5EF4-FFF2-40B4-BE49-F238E27FC236}">
-                <a16:creationId xmlns:a16="http://schemas.microsoft.com/office/drawing/2014/main" id="{A8D62458-BE05-F551-57A3-CB5FA9C437E5}"/>
-              </a:ext>
-            </a:extLst>
-          </p:cNvPr>
-          <p:cNvSpPr txBox="1"/>
-          <p:nvPr/>
-        </p:nvSpPr>
-        <p:spPr>
-          <a:xfrm>
-            <a:off x="6510218" y="5054905"/>
-            <a:ext cx="6513870" cy="369332"/>
-          </a:xfrm>
-          <a:prstGeom prst="rect">
-            <a:avLst/>
-          </a:prstGeom>
-          <a:noFill/>
-        </p:spPr>
-        <p:txBody>
-          <a:bodyPr wrap="square">
-            <a:spAutoFit/>
-          </a:bodyPr>
-          <a:lstStyle/>
-          <a:p>
-            <a:r>
-              <a:rPr lang="fr-FR" sz="1800" b="1" dirty="0"/>
-              <a:t>2 savoir-faire évalués :</a:t>
-            </a:r>
-          </a:p>
-        </p:txBody>
-      </p:sp>
-      <p:sp>
-        <p:nvSpPr>
-          <p:cNvPr id="14" name="ZoneTexte 13">
-            <a:extLst>
-              <a:ext uri="{FF2B5EF4-FFF2-40B4-BE49-F238E27FC236}">
-                <a16:creationId xmlns:a16="http://schemas.microsoft.com/office/drawing/2014/main" id="{E2C0D2DC-CADC-12A0-FC98-284019FE533A}"/>
-              </a:ext>
-            </a:extLst>
-          </p:cNvPr>
-          <p:cNvSpPr txBox="1"/>
-          <p:nvPr/>
-        </p:nvSpPr>
-        <p:spPr>
-          <a:xfrm>
-            <a:off x="6928088" y="5492765"/>
-            <a:ext cx="4355608" cy="646331"/>
-          </a:xfrm>
-          <a:prstGeom prst="rect">
-            <a:avLst/>
-          </a:prstGeom>
-          <a:noFill/>
-        </p:spPr>
-        <p:txBody>
-          <a:bodyPr wrap="square">
-            <a:spAutoFit/>
-          </a:bodyPr>
-          <a:lstStyle/>
+          </a:p>
+          <a:p>
+            <a:endParaRPr lang="fr-FR" sz="1600" dirty="0"/>
+          </a:p>
           <a:p>
             <a:pPr marL="285750" indent="-285750">
               <a:buFont typeface="Arial" panose="020B0604020202020204" pitchFamily="34" charset="0"/>
               <a:buChar char="•"/>
             </a:pPr>
             <a:r>
-              <a:rPr lang="fr-FR" dirty="0"/>
-              <a:t>(A) Caractérisation d’un dipôle</a:t>
+              <a:rPr lang="fr-FR" sz="1600" b="1" dirty="0"/>
+              <a:t>Utiliser des instruments de mesure pertinents</a:t>
+            </a:r>
+            <a:r>
+              <a:rPr lang="fr-FR" sz="1600" dirty="0"/>
+              <a:t> et les </a:t>
+            </a:r>
+            <a:r>
+              <a:rPr lang="fr-FR" sz="1600" b="1" dirty="0"/>
+              <a:t>câbler</a:t>
+            </a:r>
+            <a:r>
+              <a:rPr lang="fr-FR" sz="1600" dirty="0"/>
+              <a:t> correctement</a:t>
             </a:r>
           </a:p>
           <a:p>
@@ -13771,8 +12440,30 @@
               <a:buChar char="•"/>
             </a:pPr>
             <a:r>
-              <a:rPr lang="fr-FR" dirty="0"/>
-              <a:t>(B) Etude fréquentielle d’un système</a:t>
+              <a:rPr lang="fr-FR" sz="1600" b="1" dirty="0"/>
+              <a:t>Paramétrer correctement les appareils de mesure</a:t>
+            </a:r>
+            <a:r>
+              <a:rPr lang="fr-FR" sz="1600" dirty="0"/>
+              <a:t> en prenant en considération les </a:t>
+            </a:r>
+            <a:r>
+              <a:rPr lang="fr-FR" sz="1600" b="1" dirty="0"/>
+              <a:t>limites des composants</a:t>
+            </a:r>
+            <a:r>
+              <a:rPr lang="fr-FR" sz="1600" dirty="0"/>
+              <a:t> à analyser</a:t>
+            </a:r>
+          </a:p>
+          <a:p>
+            <a:pPr marL="285750" indent="-285750">
+              <a:buFont typeface="Arial" panose="020B0604020202020204" pitchFamily="34" charset="0"/>
+              <a:buChar char="•"/>
+            </a:pPr>
+            <a:r>
+              <a:rPr lang="fr-FR" sz="1600" dirty="0"/>
+              <a:t>Valider le fonctionnement linéaire du système</a:t>
             </a:r>
           </a:p>
         </p:txBody>
@@ -13780,7 +12471,7 @@
     </p:spTree>
     <p:extLst>
       <p:ext uri="{BB962C8B-B14F-4D97-AF65-F5344CB8AC3E}">
-        <p14:creationId xmlns:p14="http://schemas.microsoft.com/office/powerpoint/2010/main" val="3311402438"/>
+        <p14:creationId xmlns:p14="http://schemas.microsoft.com/office/powerpoint/2010/main" val="6443434"/>
       </p:ext>
     </p:extLst>
   </p:cSld>
@@ -13829,38 +12520,12 @@
           <a:lstStyle/>
           <a:p>
             <a:r>
+              <a:rPr lang="fr-FR" dirty="0" err="1"/>
+              <a:t>CéTI</a:t>
+            </a:r>
+            <a:r>
               <a:rPr lang="fr-FR" dirty="0"/>
-              <a:t>Matériel expérimental</a:t>
-            </a:r>
-          </a:p>
-        </p:txBody>
-      </p:sp>
-      <p:sp>
-        <p:nvSpPr>
-          <p:cNvPr id="3" name="Espace réservé du contenu 2">
-            <a:extLst>
-              <a:ext uri="{FF2B5EF4-FFF2-40B4-BE49-F238E27FC236}">
-                <a16:creationId xmlns:a16="http://schemas.microsoft.com/office/drawing/2014/main" id="{E0BBB9DE-019C-C741-F224-494739D4B752}"/>
-              </a:ext>
-            </a:extLst>
-          </p:cNvPr>
-          <p:cNvSpPr>
-            <a:spLocks noGrp="1"/>
-          </p:cNvSpPr>
-          <p:nvPr>
-            <p:ph sz="half" idx="1"/>
-          </p:nvPr>
-        </p:nvSpPr>
-        <p:spPr/>
-        <p:txBody>
-          <a:bodyPr>
-            <a:normAutofit/>
-          </a:bodyPr>
-          <a:lstStyle/>
-          <a:p>
-            <a:r>
-              <a:rPr lang="fr-FR" dirty="0"/>
-              <a:t>To do</a:t>
+              <a:t> / TP / Evaluations</a:t>
             </a:r>
           </a:p>
         </p:txBody>
@@ -13901,6 +12566,1062 @@
           </a:prstGeom>
         </p:spPr>
       </p:pic>
+      <p:sp>
+        <p:nvSpPr>
+          <p:cNvPr id="3" name="CustomShape 3">
+            <a:extLst>
+              <a:ext uri="{FF2B5EF4-FFF2-40B4-BE49-F238E27FC236}">
+                <a16:creationId xmlns:a16="http://schemas.microsoft.com/office/drawing/2014/main" id="{3A2757AF-7204-5C84-F3F3-C24EF7A3A399}"/>
+              </a:ext>
+            </a:extLst>
+          </p:cNvPr>
+          <p:cNvSpPr/>
+          <p:nvPr/>
+        </p:nvSpPr>
+        <p:spPr>
+          <a:xfrm>
+            <a:off x="1115567" y="2440602"/>
+            <a:ext cx="4685465" cy="492443"/>
+          </a:xfrm>
+          <a:prstGeom prst="rect">
+            <a:avLst/>
+          </a:prstGeom>
+          <a:solidFill>
+            <a:srgbClr val="00B0F0"/>
+          </a:solidFill>
+          <a:ln w="0">
+            <a:noFill/>
+          </a:ln>
+        </p:spPr>
+        <p:style>
+          <a:lnRef idx="0">
+            <a:scrgbClr r="0" g="0" b="0"/>
+          </a:lnRef>
+          <a:fillRef idx="0">
+            <a:scrgbClr r="0" g="0" b="0"/>
+          </a:fillRef>
+          <a:effectRef idx="0">
+            <a:scrgbClr r="0" g="0" b="0"/>
+          </a:effectRef>
+          <a:fontRef idx="minor"/>
+        </p:style>
+        <p:txBody>
+          <a:bodyPr wrap="square" tIns="91440" bIns="91440">
+            <a:spAutoFit/>
+          </a:bodyPr>
+          <a:lstStyle/>
+          <a:p>
+            <a:pPr algn="ctr">
+              <a:lnSpc>
+                <a:spcPct val="100000"/>
+              </a:lnSpc>
+              <a:tabLst>
+                <a:tab pos="0" algn="l"/>
+              </a:tabLst>
+            </a:pPr>
+            <a:r>
+              <a:rPr lang="fr-FR" sz="2000" b="1" strike="noStrike" spc="-1" dirty="0">
+                <a:solidFill>
+                  <a:schemeClr val="bg1"/>
+                </a:solidFill>
+                <a:latin typeface="Trebuchet MS"/>
+                <a:ea typeface="Trebuchet MS"/>
+              </a:rPr>
+              <a:t>Evaluations</a:t>
+            </a:r>
+            <a:endParaRPr lang="fr-FR" sz="2000" b="0" strike="noStrike" spc="-1" dirty="0">
+              <a:solidFill>
+                <a:schemeClr val="bg1"/>
+              </a:solidFill>
+              <a:latin typeface="Arial"/>
+            </a:endParaRPr>
+          </a:p>
+        </p:txBody>
+      </p:sp>
+      <p:sp>
+        <p:nvSpPr>
+          <p:cNvPr id="4" name="Espace réservé du contenu 2">
+            <a:extLst>
+              <a:ext uri="{FF2B5EF4-FFF2-40B4-BE49-F238E27FC236}">
+                <a16:creationId xmlns:a16="http://schemas.microsoft.com/office/drawing/2014/main" id="{7DB7DACE-1CDC-F9B9-9553-754869EC293A}"/>
+              </a:ext>
+            </a:extLst>
+          </p:cNvPr>
+          <p:cNvSpPr>
+            <a:spLocks noGrp="1"/>
+          </p:cNvSpPr>
+          <p:nvPr>
+            <p:ph sz="half" idx="1"/>
+          </p:nvPr>
+        </p:nvSpPr>
+        <p:spPr>
+          <a:xfrm>
+            <a:off x="1108263" y="3050362"/>
+            <a:ext cx="4685466" cy="3694176"/>
+          </a:xfrm>
+        </p:spPr>
+        <p:txBody>
+          <a:bodyPr>
+            <a:normAutofit/>
+          </a:bodyPr>
+          <a:lstStyle/>
+          <a:p>
+            <a:r>
+              <a:rPr lang="fr-FR" sz="2000" b="1" dirty="0"/>
+              <a:t>Synthèses </a:t>
+            </a:r>
+            <a:r>
+              <a:rPr lang="fr-FR" sz="2000" dirty="0"/>
+              <a:t>(50 %)</a:t>
+            </a:r>
+          </a:p>
+          <a:p>
+            <a:pPr lvl="1"/>
+            <a:r>
+              <a:rPr lang="fr-FR" sz="1800" dirty="0"/>
+              <a:t>Thème 1 : évaluée mais non notée</a:t>
+            </a:r>
+          </a:p>
+          <a:p>
+            <a:pPr lvl="1"/>
+            <a:r>
+              <a:rPr lang="fr-FR" sz="1800" dirty="0"/>
+              <a:t>Thème 2 : évaluée et notée (50%)</a:t>
+            </a:r>
+          </a:p>
+          <a:p>
+            <a:endParaRPr lang="fr-FR" sz="2000" b="1" dirty="0"/>
+          </a:p>
+          <a:p>
+            <a:r>
+              <a:rPr lang="fr-FR" sz="2000" b="1" dirty="0"/>
+              <a:t>Examen pratique </a:t>
+            </a:r>
+            <a:r>
+              <a:rPr lang="fr-FR" sz="2000" dirty="0"/>
+              <a:t>(50 %)</a:t>
+            </a:r>
+          </a:p>
+          <a:p>
+            <a:pPr lvl="1"/>
+            <a:r>
+              <a:rPr lang="fr-FR" sz="1800" dirty="0"/>
+              <a:t>Durée : </a:t>
+            </a:r>
+            <a:r>
+              <a:rPr lang="fr-FR" sz="1800" b="1" dirty="0"/>
+              <a:t>1h</a:t>
+            </a:r>
+          </a:p>
+          <a:p>
+            <a:pPr lvl="1"/>
+            <a:r>
+              <a:rPr lang="fr-FR" sz="1800" dirty="0"/>
+              <a:t>Tous les </a:t>
+            </a:r>
+            <a:r>
+              <a:rPr lang="fr-FR" sz="1800" b="1" dirty="0"/>
+              <a:t>documents numériques </a:t>
+            </a:r>
+            <a:r>
+              <a:rPr lang="fr-FR" sz="1800" dirty="0"/>
+              <a:t>autorisés</a:t>
+            </a:r>
+          </a:p>
+          <a:p>
+            <a:endParaRPr lang="fr-FR" sz="1800" dirty="0"/>
+          </a:p>
+        </p:txBody>
+      </p:sp>
+      <p:sp>
+        <p:nvSpPr>
+          <p:cNvPr id="8" name="ZoneTexte 7">
+            <a:extLst>
+              <a:ext uri="{FF2B5EF4-FFF2-40B4-BE49-F238E27FC236}">
+                <a16:creationId xmlns:a16="http://schemas.microsoft.com/office/drawing/2014/main" id="{0F3A1F2E-F441-C31C-7EC1-D6A75227ACF3}"/>
+              </a:ext>
+            </a:extLst>
+          </p:cNvPr>
+          <p:cNvSpPr txBox="1"/>
+          <p:nvPr/>
+        </p:nvSpPr>
+        <p:spPr>
+          <a:xfrm>
+            <a:off x="6928088" y="3422090"/>
+            <a:ext cx="3611221" cy="369332"/>
+          </a:xfrm>
+          <a:prstGeom prst="rect">
+            <a:avLst/>
+          </a:prstGeom>
+          <a:noFill/>
+        </p:spPr>
+        <p:txBody>
+          <a:bodyPr wrap="square">
+            <a:spAutoFit/>
+          </a:bodyPr>
+          <a:lstStyle/>
+          <a:p>
+            <a:r>
+              <a:rPr lang="fr-FR" dirty="0">
+                <a:highlight>
+                  <a:srgbClr val="00FFFF"/>
+                </a:highlight>
+              </a:rPr>
+              <a:t>ASPECT </a:t>
+            </a:r>
+            <a:r>
+              <a:rPr lang="fr-FR" b="1" dirty="0">
+                <a:highlight>
+                  <a:srgbClr val="00FFFF"/>
+                </a:highlight>
+              </a:rPr>
+              <a:t>INSTRUMENTATION</a:t>
+            </a:r>
+            <a:endParaRPr lang="fr-FR" dirty="0">
+              <a:highlight>
+                <a:srgbClr val="00FFFF"/>
+              </a:highlight>
+            </a:endParaRPr>
+          </a:p>
+        </p:txBody>
+      </p:sp>
+      <p:sp>
+        <p:nvSpPr>
+          <p:cNvPr id="9" name="CustomShape 3">
+            <a:extLst>
+              <a:ext uri="{FF2B5EF4-FFF2-40B4-BE49-F238E27FC236}">
+                <a16:creationId xmlns:a16="http://schemas.microsoft.com/office/drawing/2014/main" id="{4BDDD5A9-51DE-277E-D8B4-6E62D0688F1C}"/>
+              </a:ext>
+            </a:extLst>
+          </p:cNvPr>
+          <p:cNvSpPr/>
+          <p:nvPr/>
+        </p:nvSpPr>
+        <p:spPr>
+          <a:xfrm>
+            <a:off x="6401130" y="2440601"/>
+            <a:ext cx="4685465" cy="492443"/>
+          </a:xfrm>
+          <a:prstGeom prst="rect">
+            <a:avLst/>
+          </a:prstGeom>
+          <a:solidFill>
+            <a:srgbClr val="00B0F0"/>
+          </a:solidFill>
+          <a:ln w="0">
+            <a:noFill/>
+          </a:ln>
+        </p:spPr>
+        <p:style>
+          <a:lnRef idx="0">
+            <a:scrgbClr r="0" g="0" b="0"/>
+          </a:lnRef>
+          <a:fillRef idx="0">
+            <a:scrgbClr r="0" g="0" b="0"/>
+          </a:fillRef>
+          <a:effectRef idx="0">
+            <a:scrgbClr r="0" g="0" b="0"/>
+          </a:effectRef>
+          <a:fontRef idx="minor"/>
+        </p:style>
+        <p:txBody>
+          <a:bodyPr wrap="square" tIns="91440" bIns="91440">
+            <a:spAutoFit/>
+          </a:bodyPr>
+          <a:lstStyle/>
+          <a:p>
+            <a:pPr algn="ctr">
+              <a:lnSpc>
+                <a:spcPct val="100000"/>
+              </a:lnSpc>
+              <a:tabLst>
+                <a:tab pos="0" algn="l"/>
+              </a:tabLst>
+            </a:pPr>
+            <a:r>
+              <a:rPr lang="fr-FR" sz="2000" b="1" strike="noStrike" spc="-1" dirty="0">
+                <a:solidFill>
+                  <a:schemeClr val="bg1"/>
+                </a:solidFill>
+                <a:latin typeface="Trebuchet MS"/>
+                <a:ea typeface="Trebuchet MS"/>
+              </a:rPr>
+              <a:t>Evaluatio</a:t>
+            </a:r>
+            <a:r>
+              <a:rPr lang="fr-FR" sz="2000" b="1" spc="-1" dirty="0">
+                <a:solidFill>
+                  <a:schemeClr val="bg1"/>
+                </a:solidFill>
+                <a:latin typeface="Trebuchet MS"/>
+                <a:ea typeface="Trebuchet MS"/>
+              </a:rPr>
+              <a:t>n pratique</a:t>
+            </a:r>
+            <a:endParaRPr lang="fr-FR" sz="2000" b="0" strike="noStrike" spc="-1" dirty="0">
+              <a:solidFill>
+                <a:schemeClr val="bg1"/>
+              </a:solidFill>
+              <a:latin typeface="Arial"/>
+            </a:endParaRPr>
+          </a:p>
+        </p:txBody>
+      </p:sp>
+      <p:sp>
+        <p:nvSpPr>
+          <p:cNvPr id="6" name="ZoneTexte 5">
+            <a:extLst>
+              <a:ext uri="{FF2B5EF4-FFF2-40B4-BE49-F238E27FC236}">
+                <a16:creationId xmlns:a16="http://schemas.microsoft.com/office/drawing/2014/main" id="{5F5CBFC5-B974-1AD1-A1C9-845C2F711D5E}"/>
+              </a:ext>
+            </a:extLst>
+          </p:cNvPr>
+          <p:cNvSpPr txBox="1"/>
+          <p:nvPr/>
+        </p:nvSpPr>
+        <p:spPr>
+          <a:xfrm>
+            <a:off x="6928088" y="4353972"/>
+            <a:ext cx="4355608" cy="369332"/>
+          </a:xfrm>
+          <a:prstGeom prst="rect">
+            <a:avLst/>
+          </a:prstGeom>
+          <a:noFill/>
+        </p:spPr>
+        <p:txBody>
+          <a:bodyPr wrap="square">
+            <a:spAutoFit/>
+          </a:bodyPr>
+          <a:lstStyle/>
+          <a:p>
+            <a:r>
+              <a:rPr lang="fr-FR" dirty="0">
+                <a:highlight>
+                  <a:srgbClr val="00FFFF"/>
+                </a:highlight>
+              </a:rPr>
+              <a:t>ASPECT </a:t>
+            </a:r>
+            <a:r>
+              <a:rPr lang="fr-FR" b="1" dirty="0">
+                <a:highlight>
+                  <a:srgbClr val="00FFFF"/>
+                </a:highlight>
+              </a:rPr>
+              <a:t>INGENIEUR.E PHYSICIEN.NE</a:t>
+            </a:r>
+            <a:endParaRPr lang="fr-FR" dirty="0">
+              <a:highlight>
+                <a:srgbClr val="00FFFF"/>
+              </a:highlight>
+            </a:endParaRPr>
+          </a:p>
+        </p:txBody>
+      </p:sp>
+      <p:sp>
+        <p:nvSpPr>
+          <p:cNvPr id="10" name="ZoneTexte 9">
+            <a:extLst>
+              <a:ext uri="{FF2B5EF4-FFF2-40B4-BE49-F238E27FC236}">
+                <a16:creationId xmlns:a16="http://schemas.microsoft.com/office/drawing/2014/main" id="{00B3FB53-8556-BE15-925F-813B2A0DA05A}"/>
+              </a:ext>
+            </a:extLst>
+          </p:cNvPr>
+          <p:cNvSpPr txBox="1"/>
+          <p:nvPr/>
+        </p:nvSpPr>
+        <p:spPr>
+          <a:xfrm>
+            <a:off x="6928088" y="3886615"/>
+            <a:ext cx="6096000" cy="369332"/>
+          </a:xfrm>
+          <a:prstGeom prst="rect">
+            <a:avLst/>
+          </a:prstGeom>
+          <a:noFill/>
+        </p:spPr>
+        <p:txBody>
+          <a:bodyPr wrap="square">
+            <a:spAutoFit/>
+          </a:bodyPr>
+          <a:lstStyle/>
+          <a:p>
+            <a:r>
+              <a:rPr lang="fr-FR" dirty="0">
+                <a:highlight>
+                  <a:srgbClr val="00FFFF"/>
+                </a:highlight>
+              </a:rPr>
+              <a:t>ASPECT </a:t>
+            </a:r>
+            <a:r>
+              <a:rPr lang="fr-FR" b="1" dirty="0">
+                <a:effectLst/>
+                <a:highlight>
+                  <a:srgbClr val="00FFFF"/>
+                </a:highlight>
+              </a:rPr>
+              <a:t>PROTOCOLE</a:t>
+            </a:r>
+            <a:endParaRPr lang="fr-FR" dirty="0">
+              <a:highlight>
+                <a:srgbClr val="00FFFF"/>
+              </a:highlight>
+            </a:endParaRPr>
+          </a:p>
+        </p:txBody>
+      </p:sp>
+      <p:sp>
+        <p:nvSpPr>
+          <p:cNvPr id="12" name="ZoneTexte 11">
+            <a:extLst>
+              <a:ext uri="{FF2B5EF4-FFF2-40B4-BE49-F238E27FC236}">
+                <a16:creationId xmlns:a16="http://schemas.microsoft.com/office/drawing/2014/main" id="{BB342786-8F97-9FA2-84B9-9198AB29863A}"/>
+              </a:ext>
+            </a:extLst>
+          </p:cNvPr>
+          <p:cNvSpPr txBox="1"/>
+          <p:nvPr/>
+        </p:nvSpPr>
+        <p:spPr>
+          <a:xfrm>
+            <a:off x="6510218" y="2975383"/>
+            <a:ext cx="6513870" cy="369332"/>
+          </a:xfrm>
+          <a:prstGeom prst="rect">
+            <a:avLst/>
+          </a:prstGeom>
+          <a:noFill/>
+        </p:spPr>
+        <p:txBody>
+          <a:bodyPr wrap="square">
+            <a:spAutoFit/>
+          </a:bodyPr>
+          <a:lstStyle/>
+          <a:p>
+            <a:r>
+              <a:rPr lang="fr-FR" sz="1800" b="1" dirty="0"/>
+              <a:t>Selon 3 catégories de critères :</a:t>
+            </a:r>
+            <a:endParaRPr lang="fr-FR" dirty="0"/>
+          </a:p>
+        </p:txBody>
+      </p:sp>
+      <p:sp>
+        <p:nvSpPr>
+          <p:cNvPr id="13" name="ZoneTexte 12">
+            <a:extLst>
+              <a:ext uri="{FF2B5EF4-FFF2-40B4-BE49-F238E27FC236}">
+                <a16:creationId xmlns:a16="http://schemas.microsoft.com/office/drawing/2014/main" id="{A8D62458-BE05-F551-57A3-CB5FA9C437E5}"/>
+              </a:ext>
+            </a:extLst>
+          </p:cNvPr>
+          <p:cNvSpPr txBox="1"/>
+          <p:nvPr/>
+        </p:nvSpPr>
+        <p:spPr>
+          <a:xfrm>
+            <a:off x="6510218" y="5054905"/>
+            <a:ext cx="6513870" cy="369332"/>
+          </a:xfrm>
+          <a:prstGeom prst="rect">
+            <a:avLst/>
+          </a:prstGeom>
+          <a:noFill/>
+        </p:spPr>
+        <p:txBody>
+          <a:bodyPr wrap="square">
+            <a:spAutoFit/>
+          </a:bodyPr>
+          <a:lstStyle/>
+          <a:p>
+            <a:r>
+              <a:rPr lang="fr-FR" sz="1800" b="1" dirty="0"/>
+              <a:t>2 savoir-faire évalués :</a:t>
+            </a:r>
+          </a:p>
+        </p:txBody>
+      </p:sp>
+      <p:sp>
+        <p:nvSpPr>
+          <p:cNvPr id="14" name="ZoneTexte 13">
+            <a:extLst>
+              <a:ext uri="{FF2B5EF4-FFF2-40B4-BE49-F238E27FC236}">
+                <a16:creationId xmlns:a16="http://schemas.microsoft.com/office/drawing/2014/main" id="{E2C0D2DC-CADC-12A0-FC98-284019FE533A}"/>
+              </a:ext>
+            </a:extLst>
+          </p:cNvPr>
+          <p:cNvSpPr txBox="1"/>
+          <p:nvPr/>
+        </p:nvSpPr>
+        <p:spPr>
+          <a:xfrm>
+            <a:off x="6928088" y="5492765"/>
+            <a:ext cx="4355608" cy="646331"/>
+          </a:xfrm>
+          <a:prstGeom prst="rect">
+            <a:avLst/>
+          </a:prstGeom>
+          <a:noFill/>
+        </p:spPr>
+        <p:txBody>
+          <a:bodyPr wrap="square">
+            <a:spAutoFit/>
+          </a:bodyPr>
+          <a:lstStyle/>
+          <a:p>
+            <a:pPr marL="285750" indent="-285750">
+              <a:buFont typeface="Arial" panose="020B0604020202020204" pitchFamily="34" charset="0"/>
+              <a:buChar char="•"/>
+            </a:pPr>
+            <a:r>
+              <a:rPr lang="fr-FR" dirty="0"/>
+              <a:t>(A) Caractérisation d’un dipôle</a:t>
+            </a:r>
+          </a:p>
+          <a:p>
+            <a:pPr marL="285750" indent="-285750">
+              <a:buFont typeface="Arial" panose="020B0604020202020204" pitchFamily="34" charset="0"/>
+              <a:buChar char="•"/>
+            </a:pPr>
+            <a:r>
+              <a:rPr lang="fr-FR" dirty="0"/>
+              <a:t>(B) Etude fréquentielle d’un système</a:t>
+            </a:r>
+          </a:p>
+        </p:txBody>
+      </p:sp>
+      <p:sp>
+        <p:nvSpPr>
+          <p:cNvPr id="7" name="CustomShape 3">
+            <a:extLst>
+              <a:ext uri="{FF2B5EF4-FFF2-40B4-BE49-F238E27FC236}">
+                <a16:creationId xmlns:a16="http://schemas.microsoft.com/office/drawing/2014/main" id="{B0CABB28-69D9-47E7-8360-3D0389F71FBD}"/>
+              </a:ext>
+            </a:extLst>
+          </p:cNvPr>
+          <p:cNvSpPr/>
+          <p:nvPr/>
+        </p:nvSpPr>
+        <p:spPr>
+          <a:xfrm>
+            <a:off x="1661837" y="4242978"/>
+            <a:ext cx="1887607" cy="369332"/>
+          </a:xfrm>
+          <a:prstGeom prst="rect">
+            <a:avLst/>
+          </a:prstGeom>
+          <a:solidFill>
+            <a:srgbClr val="00B0F0"/>
+          </a:solidFill>
+          <a:ln w="0">
+            <a:noFill/>
+          </a:ln>
+        </p:spPr>
+        <p:style>
+          <a:lnRef idx="0">
+            <a:scrgbClr r="0" g="0" b="0"/>
+          </a:lnRef>
+          <a:fillRef idx="0">
+            <a:scrgbClr r="0" g="0" b="0"/>
+          </a:fillRef>
+          <a:effectRef idx="0">
+            <a:scrgbClr r="0" g="0" b="0"/>
+          </a:effectRef>
+          <a:fontRef idx="minor"/>
+        </p:style>
+        <p:txBody>
+          <a:bodyPr wrap="square" tIns="91440" bIns="91440">
+            <a:spAutoFit/>
+          </a:bodyPr>
+          <a:lstStyle/>
+          <a:p>
+            <a:pPr algn="ctr">
+              <a:lnSpc>
+                <a:spcPct val="100000"/>
+              </a:lnSpc>
+              <a:tabLst>
+                <a:tab pos="0" algn="l"/>
+              </a:tabLst>
+            </a:pPr>
+            <a:r>
+              <a:rPr lang="fr-FR" sz="1200" b="1" strike="noStrike" spc="-1" dirty="0">
+                <a:solidFill>
+                  <a:schemeClr val="bg1"/>
+                </a:solidFill>
+                <a:latin typeface="Trebuchet MS"/>
+                <a:ea typeface="Trebuchet MS"/>
+              </a:rPr>
+              <a:t>(1) Numérique</a:t>
+            </a:r>
+            <a:endParaRPr lang="fr-FR" sz="1200" b="0" strike="noStrike" spc="-1" dirty="0">
+              <a:solidFill>
+                <a:schemeClr val="bg1"/>
+              </a:solidFill>
+              <a:latin typeface="Arial"/>
+            </a:endParaRPr>
+          </a:p>
+        </p:txBody>
+      </p:sp>
+      <p:sp>
+        <p:nvSpPr>
+          <p:cNvPr id="11" name="CustomShape 3">
+            <a:extLst>
+              <a:ext uri="{FF2B5EF4-FFF2-40B4-BE49-F238E27FC236}">
+                <a16:creationId xmlns:a16="http://schemas.microsoft.com/office/drawing/2014/main" id="{3345BCD6-9A79-1A13-E166-14F8DF9A15CA}"/>
+              </a:ext>
+            </a:extLst>
+          </p:cNvPr>
+          <p:cNvSpPr/>
+          <p:nvPr/>
+        </p:nvSpPr>
+        <p:spPr>
+          <a:xfrm>
+            <a:off x="3716467" y="4242978"/>
+            <a:ext cx="1887607" cy="369332"/>
+          </a:xfrm>
+          <a:prstGeom prst="rect">
+            <a:avLst/>
+          </a:prstGeom>
+          <a:solidFill>
+            <a:schemeClr val="accent1"/>
+          </a:solidFill>
+          <a:ln w="0">
+            <a:noFill/>
+          </a:ln>
+        </p:spPr>
+        <p:style>
+          <a:lnRef idx="0">
+            <a:scrgbClr r="0" g="0" b="0"/>
+          </a:lnRef>
+          <a:fillRef idx="0">
+            <a:scrgbClr r="0" g="0" b="0"/>
+          </a:fillRef>
+          <a:effectRef idx="0">
+            <a:scrgbClr r="0" g="0" b="0"/>
+          </a:effectRef>
+          <a:fontRef idx="minor"/>
+        </p:style>
+        <p:txBody>
+          <a:bodyPr wrap="square" tIns="91440" bIns="91440">
+            <a:spAutoFit/>
+          </a:bodyPr>
+          <a:lstStyle/>
+          <a:p>
+            <a:pPr algn="ctr">
+              <a:lnSpc>
+                <a:spcPct val="100000"/>
+              </a:lnSpc>
+              <a:tabLst>
+                <a:tab pos="0" algn="l"/>
+              </a:tabLst>
+            </a:pPr>
+            <a:r>
+              <a:rPr lang="fr-FR" sz="1200" b="1" strike="noStrike" spc="-1" dirty="0">
+                <a:solidFill>
+                  <a:schemeClr val="bg1"/>
+                </a:solidFill>
+                <a:latin typeface="Trebuchet MS"/>
+                <a:ea typeface="Trebuchet MS"/>
+              </a:rPr>
+              <a:t>(2) </a:t>
+            </a:r>
+            <a:r>
+              <a:rPr lang="fr-FR" sz="1200" b="1" strike="noStrike" spc="-1" dirty="0" err="1">
+                <a:solidFill>
+                  <a:schemeClr val="bg1"/>
+                </a:solidFill>
+                <a:latin typeface="Trebuchet MS"/>
+                <a:ea typeface="Trebuchet MS"/>
+              </a:rPr>
+              <a:t>Photodétection</a:t>
+            </a:r>
+            <a:endParaRPr lang="fr-FR" sz="1200" b="0" strike="noStrike" spc="-1" dirty="0">
+              <a:solidFill>
+                <a:schemeClr val="bg1"/>
+              </a:solidFill>
+              <a:latin typeface="Arial"/>
+            </a:endParaRPr>
+          </a:p>
+        </p:txBody>
+      </p:sp>
+      <p:sp>
+        <p:nvSpPr>
+          <p:cNvPr id="15" name="CustomShape 3">
+            <a:extLst>
+              <a:ext uri="{FF2B5EF4-FFF2-40B4-BE49-F238E27FC236}">
+                <a16:creationId xmlns:a16="http://schemas.microsoft.com/office/drawing/2014/main" id="{172FCA7B-4EE7-8362-A82E-98F0FFB51CE2}"/>
+              </a:ext>
+            </a:extLst>
+          </p:cNvPr>
+          <p:cNvSpPr/>
+          <p:nvPr/>
+        </p:nvSpPr>
+        <p:spPr>
+          <a:xfrm>
+            <a:off x="3288287" y="6052752"/>
+            <a:ext cx="2315787" cy="369332"/>
+          </a:xfrm>
+          <a:prstGeom prst="rect">
+            <a:avLst/>
+          </a:prstGeom>
+          <a:solidFill>
+            <a:schemeClr val="accent6"/>
+          </a:solidFill>
+          <a:ln w="0">
+            <a:noFill/>
+          </a:ln>
+        </p:spPr>
+        <p:style>
+          <a:lnRef idx="0">
+            <a:scrgbClr r="0" g="0" b="0"/>
+          </a:lnRef>
+          <a:fillRef idx="0">
+            <a:scrgbClr r="0" g="0" b="0"/>
+          </a:fillRef>
+          <a:effectRef idx="0">
+            <a:scrgbClr r="0" g="0" b="0"/>
+          </a:effectRef>
+          <a:fontRef idx="minor"/>
+        </p:style>
+        <p:txBody>
+          <a:bodyPr wrap="square" tIns="91440" bIns="91440">
+            <a:spAutoFit/>
+          </a:bodyPr>
+          <a:lstStyle/>
+          <a:p>
+            <a:pPr algn="ctr">
+              <a:lnSpc>
+                <a:spcPct val="100000"/>
+              </a:lnSpc>
+              <a:tabLst>
+                <a:tab pos="0" algn="l"/>
+              </a:tabLst>
+            </a:pPr>
+            <a:r>
+              <a:rPr lang="fr-FR" sz="1200" b="1" strike="noStrike" spc="-1" dirty="0">
+                <a:solidFill>
+                  <a:schemeClr val="bg1"/>
+                </a:solidFill>
+                <a:latin typeface="Trebuchet MS"/>
+                <a:ea typeface="Trebuchet MS"/>
+              </a:rPr>
+              <a:t>(0) Mise en forme / Filtrage</a:t>
+            </a:r>
+            <a:endParaRPr lang="fr-FR" sz="1200" b="0" strike="noStrike" spc="-1" dirty="0">
+              <a:solidFill>
+                <a:schemeClr val="bg1"/>
+              </a:solidFill>
+              <a:latin typeface="Arial"/>
+            </a:endParaRPr>
+          </a:p>
+        </p:txBody>
+      </p:sp>
+    </p:spTree>
+    <p:extLst>
+      <p:ext uri="{BB962C8B-B14F-4D97-AF65-F5344CB8AC3E}">
+        <p14:creationId xmlns:p14="http://schemas.microsoft.com/office/powerpoint/2010/main" val="3311402438"/>
+      </p:ext>
+    </p:extLst>
+  </p:cSld>
+  <p:clrMapOvr>
+    <a:masterClrMapping/>
+  </p:clrMapOvr>
+</p:sld>
+</file>
+
+<file path=ppt/slides/slide22.xml><?xml version="1.0" encoding="utf-8"?>
+<p:sld xmlns:a="http://schemas.openxmlformats.org/drawingml/2006/main" xmlns:r="http://schemas.openxmlformats.org/officeDocument/2006/relationships" xmlns:p="http://schemas.openxmlformats.org/presentationml/2006/main">
+  <p:cSld>
+    <p:spTree>
+      <p:nvGrpSpPr>
+        <p:cNvPr id="1" name=""/>
+        <p:cNvGrpSpPr/>
+        <p:nvPr/>
+      </p:nvGrpSpPr>
+      <p:grpSpPr>
+        <a:xfrm>
+          <a:off x="0" y="0"/>
+          <a:ext cx="0" cy="0"/>
+          <a:chOff x="0" y="0"/>
+          <a:chExt cx="0" cy="0"/>
+        </a:xfrm>
+      </p:grpSpPr>
+      <p:sp>
+        <p:nvSpPr>
+          <p:cNvPr id="2" name="Titre 1">
+            <a:extLst>
+              <a:ext uri="{FF2B5EF4-FFF2-40B4-BE49-F238E27FC236}">
+                <a16:creationId xmlns:a16="http://schemas.microsoft.com/office/drawing/2014/main" id="{90162AE8-C1B0-5C56-8313-DEE494F38273}"/>
+              </a:ext>
+            </a:extLst>
+          </p:cNvPr>
+          <p:cNvSpPr>
+            <a:spLocks noGrp="1"/>
+          </p:cNvSpPr>
+          <p:nvPr>
+            <p:ph type="title"/>
+          </p:nvPr>
+        </p:nvSpPr>
+        <p:spPr/>
+        <p:txBody>
+          <a:bodyPr/>
+          <a:lstStyle/>
+          <a:p>
+            <a:r>
+              <a:rPr lang="fr-FR"/>
+              <a:t>Matériel expérimental</a:t>
+            </a:r>
+            <a:endParaRPr lang="fr-FR" dirty="0"/>
+          </a:p>
+        </p:txBody>
+      </p:sp>
+      <p:pic>
+        <p:nvPicPr>
+          <p:cNvPr id="5" name="Image 4" descr="Une image contenant texte&#10;&#10;Description générée automatiquement">
+            <a:extLst>
+              <a:ext uri="{FF2B5EF4-FFF2-40B4-BE49-F238E27FC236}">
+                <a16:creationId xmlns:a16="http://schemas.microsoft.com/office/drawing/2014/main" id="{204ADC40-1D61-539F-22ED-6B21D67FBDE6}"/>
+              </a:ext>
+            </a:extLst>
+          </p:cNvPr>
+          <p:cNvPicPr>
+            <a:picLocks noChangeAspect="1"/>
+          </p:cNvPicPr>
+          <p:nvPr/>
+        </p:nvPicPr>
+        <p:blipFill>
+          <a:blip r:embed="rId2" cstate="print">
+            <a:extLst>
+              <a:ext uri="{28A0092B-C50C-407E-A947-70E740481C1C}">
+                <a14:useLocalDpi xmlns:a14="http://schemas.microsoft.com/office/drawing/2010/main" val="0"/>
+              </a:ext>
+            </a:extLst>
+          </a:blip>
+          <a:stretch>
+            <a:fillRect/>
+          </a:stretch>
+        </p:blipFill>
+        <p:spPr>
+          <a:xfrm>
+            <a:off x="202922" y="5934456"/>
+            <a:ext cx="1825291" cy="749808"/>
+          </a:xfrm>
+          <a:prstGeom prst="rect">
+            <a:avLst/>
+          </a:prstGeom>
+        </p:spPr>
+      </p:pic>
+      <p:pic>
+        <p:nvPicPr>
+          <p:cNvPr id="6" name="Image 5">
+            <a:extLst>
+              <a:ext uri="{FF2B5EF4-FFF2-40B4-BE49-F238E27FC236}">
+                <a16:creationId xmlns:a16="http://schemas.microsoft.com/office/drawing/2014/main" id="{E598C509-6267-AAB9-B0DD-FDB838459A2C}"/>
+              </a:ext>
+            </a:extLst>
+          </p:cNvPr>
+          <p:cNvPicPr>
+            <a:picLocks noChangeAspect="1"/>
+          </p:cNvPicPr>
+          <p:nvPr/>
+        </p:nvPicPr>
+        <p:blipFill>
+          <a:blip r:embed="rId3"/>
+          <a:stretch>
+            <a:fillRect/>
+          </a:stretch>
+        </p:blipFill>
+        <p:spPr>
+          <a:xfrm>
+            <a:off x="684503" y="2224935"/>
+            <a:ext cx="3376220" cy="1842635"/>
+          </a:xfrm>
+          <a:prstGeom prst="rect">
+            <a:avLst/>
+          </a:prstGeom>
+        </p:spPr>
+      </p:pic>
+      <p:pic>
+        <p:nvPicPr>
+          <p:cNvPr id="10" name="Image 9">
+            <a:extLst>
+              <a:ext uri="{FF2B5EF4-FFF2-40B4-BE49-F238E27FC236}">
+                <a16:creationId xmlns:a16="http://schemas.microsoft.com/office/drawing/2014/main" id="{EEE1E8D0-9868-6222-8FDC-93D9CFD4C825}"/>
+              </a:ext>
+            </a:extLst>
+          </p:cNvPr>
+          <p:cNvPicPr>
+            <a:picLocks noChangeAspect="1"/>
+          </p:cNvPicPr>
+          <p:nvPr/>
+        </p:nvPicPr>
+        <p:blipFill>
+          <a:blip r:embed="rId4"/>
+          <a:stretch>
+            <a:fillRect/>
+          </a:stretch>
+        </p:blipFill>
+        <p:spPr>
+          <a:xfrm>
+            <a:off x="1386803" y="4279027"/>
+            <a:ext cx="2673920" cy="1240479"/>
+          </a:xfrm>
+          <a:prstGeom prst="rect">
+            <a:avLst/>
+          </a:prstGeom>
+        </p:spPr>
+      </p:pic>
+      <p:pic>
+        <p:nvPicPr>
+          <p:cNvPr id="12" name="Image 11">
+            <a:extLst>
+              <a:ext uri="{FF2B5EF4-FFF2-40B4-BE49-F238E27FC236}">
+                <a16:creationId xmlns:a16="http://schemas.microsoft.com/office/drawing/2014/main" id="{554EEA29-89EA-D988-3A13-4C66B5BB5979}"/>
+              </a:ext>
+            </a:extLst>
+          </p:cNvPr>
+          <p:cNvPicPr>
+            <a:picLocks noChangeAspect="1"/>
+          </p:cNvPicPr>
+          <p:nvPr/>
+        </p:nvPicPr>
+        <p:blipFill>
+          <a:blip r:embed="rId5">
+            <a:extLst>
+              <a:ext uri="{BEBA8EAE-BF5A-486C-A8C5-ECC9F3942E4B}">
+                <a14:imgProps xmlns:a14="http://schemas.microsoft.com/office/drawing/2010/main">
+                  <a14:imgLayer r:embed="rId6">
+                    <a14:imgEffect>
+                      <a14:brightnessContrast bright="20000" contrast="-20000"/>
+                    </a14:imgEffect>
+                  </a14:imgLayer>
+                </a14:imgProps>
+              </a:ext>
+            </a:extLst>
+          </a:blip>
+          <a:stretch>
+            <a:fillRect/>
+          </a:stretch>
+        </p:blipFill>
+        <p:spPr>
+          <a:xfrm>
+            <a:off x="4849259" y="3156390"/>
+            <a:ext cx="2971980" cy="2245273"/>
+          </a:xfrm>
+          <a:prstGeom prst="rect">
+            <a:avLst/>
+          </a:prstGeom>
+        </p:spPr>
+      </p:pic>
+      <p:pic>
+        <p:nvPicPr>
+          <p:cNvPr id="14" name="Image 13">
+            <a:extLst>
+              <a:ext uri="{FF2B5EF4-FFF2-40B4-BE49-F238E27FC236}">
+                <a16:creationId xmlns:a16="http://schemas.microsoft.com/office/drawing/2014/main" id="{141C0628-8901-ECD8-9D3F-A632944DEC9A}"/>
+              </a:ext>
+            </a:extLst>
+          </p:cNvPr>
+          <p:cNvPicPr>
+            <a:picLocks noChangeAspect="1"/>
+          </p:cNvPicPr>
+          <p:nvPr/>
+        </p:nvPicPr>
+        <p:blipFill>
+          <a:blip r:embed="rId7"/>
+          <a:stretch>
+            <a:fillRect/>
+          </a:stretch>
+        </p:blipFill>
+        <p:spPr>
+          <a:xfrm>
+            <a:off x="8307329" y="5336234"/>
+            <a:ext cx="3200677" cy="1196444"/>
+          </a:xfrm>
+          <a:prstGeom prst="rect">
+            <a:avLst/>
+          </a:prstGeom>
+        </p:spPr>
+      </p:pic>
+      <p:pic>
+        <p:nvPicPr>
+          <p:cNvPr id="16" name="Image 15">
+            <a:extLst>
+              <a:ext uri="{FF2B5EF4-FFF2-40B4-BE49-F238E27FC236}">
+                <a16:creationId xmlns:a16="http://schemas.microsoft.com/office/drawing/2014/main" id="{3D4B0D16-6E51-26B0-C4E3-3F14647B0C49}"/>
+              </a:ext>
+            </a:extLst>
+          </p:cNvPr>
+          <p:cNvPicPr>
+            <a:picLocks noChangeAspect="1"/>
+          </p:cNvPicPr>
+          <p:nvPr/>
+        </p:nvPicPr>
+        <p:blipFill>
+          <a:blip r:embed="rId8"/>
+          <a:stretch>
+            <a:fillRect/>
+          </a:stretch>
+        </p:blipFill>
+        <p:spPr>
+          <a:xfrm>
+            <a:off x="8609775" y="2672694"/>
+            <a:ext cx="2673921" cy="1867714"/>
+          </a:xfrm>
+          <a:prstGeom prst="rect">
+            <a:avLst/>
+          </a:prstGeom>
+        </p:spPr>
+      </p:pic>
+      <p:sp>
+        <p:nvSpPr>
+          <p:cNvPr id="18" name="ZoneTexte 17">
+            <a:extLst>
+              <a:ext uri="{FF2B5EF4-FFF2-40B4-BE49-F238E27FC236}">
+                <a16:creationId xmlns:a16="http://schemas.microsoft.com/office/drawing/2014/main" id="{52A1DD3B-98A3-2B3D-1643-67BC12F2E0EE}"/>
+              </a:ext>
+            </a:extLst>
+          </p:cNvPr>
+          <p:cNvSpPr txBox="1"/>
+          <p:nvPr/>
+        </p:nvSpPr>
+        <p:spPr>
+          <a:xfrm>
+            <a:off x="2028213" y="6109305"/>
+            <a:ext cx="6093724" cy="400110"/>
+          </a:xfrm>
+          <a:prstGeom prst="rect">
+            <a:avLst/>
+          </a:prstGeom>
+          <a:noFill/>
+        </p:spPr>
+        <p:txBody>
+          <a:bodyPr wrap="square">
+            <a:spAutoFit/>
+          </a:bodyPr>
+          <a:lstStyle/>
+          <a:p>
+            <a:pPr lvl="1"/>
+            <a:r>
+              <a:rPr lang="fr-FR" sz="2000" dirty="0">
+                <a:solidFill>
+                  <a:srgbClr val="0070C0"/>
+                </a:solidFill>
+                <a:latin typeface="Raleway ExtraBold" pitchFamily="2" charset="0"/>
+              </a:rPr>
+              <a:t>http://lense.institutoptique.fr/ceti/</a:t>
+            </a:r>
+            <a:endParaRPr lang="fr-FR" sz="2400" b="1" dirty="0">
+              <a:solidFill>
+                <a:srgbClr val="0070C0"/>
+              </a:solidFill>
+              <a:latin typeface="Raleway ExtraBold" pitchFamily="2" charset="0"/>
+            </a:endParaRPr>
+          </a:p>
+        </p:txBody>
+      </p:sp>
     </p:spTree>
     <p:extLst>
       <p:ext uri="{BB962C8B-B14F-4D97-AF65-F5344CB8AC3E}">
@@ -13914,7 +13635,7 @@
 </p:sld>
 </file>
 
-<file path=ppt/slides/slide22.xml><?xml version="1.0" encoding="utf-8"?>
+<file path=ppt/slides/slide23.xml><?xml version="1.0" encoding="utf-8"?>
 <p:sld xmlns:a="http://schemas.openxmlformats.org/drawingml/2006/main" xmlns:r="http://schemas.openxmlformats.org/officeDocument/2006/relationships" xmlns:p="http://schemas.openxmlformats.org/presentationml/2006/main">
   <p:cSld>
     <p:bg>
@@ -14440,654 +14161,6 @@
 </p:sld>
 </file>
 
-<file path=ppt/slides/slide23.xml><?xml version="1.0" encoding="utf-8"?>
-<p:sld xmlns:a="http://schemas.openxmlformats.org/drawingml/2006/main" xmlns:r="http://schemas.openxmlformats.org/officeDocument/2006/relationships" xmlns:p="http://schemas.openxmlformats.org/presentationml/2006/main">
-  <p:cSld>
-    <p:spTree>
-      <p:nvGrpSpPr>
-        <p:cNvPr id="1" name=""/>
-        <p:cNvGrpSpPr/>
-        <p:nvPr/>
-      </p:nvGrpSpPr>
-      <p:grpSpPr>
-        <a:xfrm>
-          <a:off x="0" y="0"/>
-          <a:ext cx="0" cy="0"/>
-          <a:chOff x="0" y="0"/>
-          <a:chExt cx="0" cy="0"/>
-        </a:xfrm>
-      </p:grpSpPr>
-      <p:sp>
-        <p:nvSpPr>
-          <p:cNvPr id="2" name="Titre 1">
-            <a:extLst>
-              <a:ext uri="{FF2B5EF4-FFF2-40B4-BE49-F238E27FC236}">
-                <a16:creationId xmlns:a16="http://schemas.microsoft.com/office/drawing/2014/main" id="{90162AE8-C1B0-5C56-8313-DEE494F38273}"/>
-              </a:ext>
-            </a:extLst>
-          </p:cNvPr>
-          <p:cNvSpPr>
-            <a:spLocks noGrp="1"/>
-          </p:cNvSpPr>
-          <p:nvPr>
-            <p:ph type="title"/>
-          </p:nvPr>
-        </p:nvSpPr>
-        <p:spPr/>
-        <p:txBody>
-          <a:bodyPr/>
-          <a:lstStyle/>
-          <a:p>
-            <a:r>
-              <a:rPr lang="fr-FR" dirty="0" err="1"/>
-              <a:t>CéTI</a:t>
-            </a:r>
-            <a:r>
-              <a:rPr lang="fr-FR" dirty="0"/>
-              <a:t> / TD / Déroulement et Ressources</a:t>
-            </a:r>
-          </a:p>
-        </p:txBody>
-      </p:sp>
-      <p:pic>
-        <p:nvPicPr>
-          <p:cNvPr id="5" name="Image 4" descr="Une image contenant texte&#10;&#10;Description générée automatiquement">
-            <a:extLst>
-              <a:ext uri="{FF2B5EF4-FFF2-40B4-BE49-F238E27FC236}">
-                <a16:creationId xmlns:a16="http://schemas.microsoft.com/office/drawing/2014/main" id="{204ADC40-1D61-539F-22ED-6B21D67FBDE6}"/>
-              </a:ext>
-            </a:extLst>
-          </p:cNvPr>
-          <p:cNvPicPr>
-            <a:picLocks noChangeAspect="1"/>
-          </p:cNvPicPr>
-          <p:nvPr/>
-        </p:nvPicPr>
-        <p:blipFill>
-          <a:blip r:embed="rId2" cstate="print">
-            <a:extLst>
-              <a:ext uri="{28A0092B-C50C-407E-A947-70E740481C1C}">
-                <a14:useLocalDpi xmlns:a14="http://schemas.microsoft.com/office/drawing/2010/main" val="0"/>
-              </a:ext>
-            </a:extLst>
-          </a:blip>
-          <a:stretch>
-            <a:fillRect/>
-          </a:stretch>
-        </p:blipFill>
-        <p:spPr>
-          <a:xfrm>
-            <a:off x="202922" y="5934456"/>
-            <a:ext cx="1825291" cy="749808"/>
-          </a:xfrm>
-          <a:prstGeom prst="rect">
-            <a:avLst/>
-          </a:prstGeom>
-        </p:spPr>
-      </p:pic>
-      <p:sp>
-        <p:nvSpPr>
-          <p:cNvPr id="9" name="CustomShape 3">
-            <a:extLst>
-              <a:ext uri="{FF2B5EF4-FFF2-40B4-BE49-F238E27FC236}">
-                <a16:creationId xmlns:a16="http://schemas.microsoft.com/office/drawing/2014/main" id="{7CD7374B-ED6D-6AF2-BD0B-1717C3940DB9}"/>
-              </a:ext>
-            </a:extLst>
-          </p:cNvPr>
-          <p:cNvSpPr/>
-          <p:nvPr/>
-        </p:nvSpPr>
-        <p:spPr>
-          <a:xfrm>
-            <a:off x="1115567" y="2440602"/>
-            <a:ext cx="4685465" cy="492443"/>
-          </a:xfrm>
-          <a:prstGeom prst="rect">
-            <a:avLst/>
-          </a:prstGeom>
-          <a:solidFill>
-            <a:schemeClr val="tx1">
-              <a:lumMod val="65000"/>
-              <a:lumOff val="35000"/>
-            </a:schemeClr>
-          </a:solidFill>
-          <a:ln w="0">
-            <a:noFill/>
-          </a:ln>
-        </p:spPr>
-        <p:style>
-          <a:lnRef idx="0">
-            <a:scrgbClr r="0" g="0" b="0"/>
-          </a:lnRef>
-          <a:fillRef idx="0">
-            <a:scrgbClr r="0" g="0" b="0"/>
-          </a:fillRef>
-          <a:effectRef idx="0">
-            <a:scrgbClr r="0" g="0" b="0"/>
-          </a:effectRef>
-          <a:fontRef idx="minor"/>
-        </p:style>
-        <p:txBody>
-          <a:bodyPr wrap="square" tIns="91440" bIns="91440">
-            <a:spAutoFit/>
-          </a:bodyPr>
-          <a:lstStyle/>
-          <a:p>
-            <a:pPr algn="ctr">
-              <a:lnSpc>
-                <a:spcPct val="100000"/>
-              </a:lnSpc>
-              <a:tabLst>
-                <a:tab pos="0" algn="l"/>
-              </a:tabLst>
-            </a:pPr>
-            <a:r>
-              <a:rPr lang="fr-FR" sz="2000" b="1" strike="noStrike" spc="-1" dirty="0">
-                <a:solidFill>
-                  <a:schemeClr val="bg1"/>
-                </a:solidFill>
-                <a:latin typeface="Trebuchet MS"/>
-                <a:ea typeface="Trebuchet MS"/>
-              </a:rPr>
-              <a:t>4 blocs de 2 séances de TD</a:t>
-            </a:r>
-            <a:endParaRPr lang="fr-FR" sz="2000" b="0" strike="noStrike" spc="-1" dirty="0">
-              <a:solidFill>
-                <a:schemeClr val="bg1"/>
-              </a:solidFill>
-              <a:latin typeface="Arial"/>
-            </a:endParaRPr>
-          </a:p>
-        </p:txBody>
-      </p:sp>
-      <p:sp>
-        <p:nvSpPr>
-          <p:cNvPr id="12" name="ZoneTexte 11">
-            <a:extLst>
-              <a:ext uri="{FF2B5EF4-FFF2-40B4-BE49-F238E27FC236}">
-                <a16:creationId xmlns:a16="http://schemas.microsoft.com/office/drawing/2014/main" id="{BBED6A26-211D-7C76-4C1A-96E6D0EC3C39}"/>
-              </a:ext>
-            </a:extLst>
-          </p:cNvPr>
-          <p:cNvSpPr txBox="1"/>
-          <p:nvPr/>
-        </p:nvSpPr>
-        <p:spPr>
-          <a:xfrm>
-            <a:off x="1115567" y="2956004"/>
-            <a:ext cx="4688234" cy="584775"/>
-          </a:xfrm>
-          <a:prstGeom prst="rect">
-            <a:avLst/>
-          </a:prstGeom>
-          <a:noFill/>
-        </p:spPr>
-        <p:txBody>
-          <a:bodyPr wrap="square">
-            <a:spAutoFit/>
-          </a:bodyPr>
-          <a:lstStyle/>
-          <a:p>
-            <a:r>
-              <a:rPr lang="fr-FR" sz="1600" dirty="0"/>
-              <a:t>Séance 1 : travail en groupe sur une thématique</a:t>
-            </a:r>
-          </a:p>
-          <a:p>
-            <a:r>
-              <a:rPr lang="fr-FR" sz="1600" dirty="0"/>
-              <a:t>Séance 2 : synthèse / démo</a:t>
-            </a:r>
-          </a:p>
-        </p:txBody>
-      </p:sp>
-      <p:sp>
-        <p:nvSpPr>
-          <p:cNvPr id="4" name="CustomShape 3">
-            <a:extLst>
-              <a:ext uri="{FF2B5EF4-FFF2-40B4-BE49-F238E27FC236}">
-                <a16:creationId xmlns:a16="http://schemas.microsoft.com/office/drawing/2014/main" id="{5563BA39-C17B-A5DE-0920-F612FF2D3D9B}"/>
-              </a:ext>
-            </a:extLst>
-          </p:cNvPr>
-          <p:cNvSpPr/>
-          <p:nvPr/>
-        </p:nvSpPr>
-        <p:spPr>
-          <a:xfrm>
-            <a:off x="2096863" y="3603070"/>
-            <a:ext cx="3348569" cy="492443"/>
-          </a:xfrm>
-          <a:prstGeom prst="rect">
-            <a:avLst/>
-          </a:prstGeom>
-          <a:solidFill>
-            <a:schemeClr val="accent6"/>
-          </a:solidFill>
-          <a:ln w="0">
-            <a:noFill/>
-          </a:ln>
-        </p:spPr>
-        <p:style>
-          <a:lnRef idx="0">
-            <a:scrgbClr r="0" g="0" b="0"/>
-          </a:lnRef>
-          <a:fillRef idx="0">
-            <a:scrgbClr r="0" g="0" b="0"/>
-          </a:fillRef>
-          <a:effectRef idx="0">
-            <a:scrgbClr r="0" g="0" b="0"/>
-          </a:effectRef>
-          <a:fontRef idx="minor"/>
-        </p:style>
-        <p:txBody>
-          <a:bodyPr wrap="square" tIns="91440" bIns="91440">
-            <a:spAutoFit/>
-          </a:bodyPr>
-          <a:lstStyle/>
-          <a:p>
-            <a:pPr algn="ctr">
-              <a:lnSpc>
-                <a:spcPct val="100000"/>
-              </a:lnSpc>
-              <a:tabLst>
-                <a:tab pos="0" algn="l"/>
-              </a:tabLst>
-            </a:pPr>
-            <a:r>
-              <a:rPr lang="fr-FR" sz="2000" b="1" strike="noStrike" spc="-1" dirty="0">
-                <a:solidFill>
-                  <a:schemeClr val="bg1"/>
-                </a:solidFill>
-                <a:latin typeface="Trebuchet MS"/>
-                <a:ea typeface="Trebuchet MS"/>
-              </a:rPr>
-              <a:t>Capteurs et mise en forme</a:t>
-            </a:r>
-            <a:endParaRPr lang="fr-FR" sz="2000" b="0" strike="noStrike" spc="-1" dirty="0">
-              <a:solidFill>
-                <a:schemeClr val="bg1"/>
-              </a:solidFill>
-              <a:latin typeface="Arial"/>
-            </a:endParaRPr>
-          </a:p>
-        </p:txBody>
-      </p:sp>
-      <p:sp>
-        <p:nvSpPr>
-          <p:cNvPr id="11" name="CustomShape 3">
-            <a:extLst>
-              <a:ext uri="{FF2B5EF4-FFF2-40B4-BE49-F238E27FC236}">
-                <a16:creationId xmlns:a16="http://schemas.microsoft.com/office/drawing/2014/main" id="{B6E8CB13-25D1-089F-7458-FE3DBDBE8A88}"/>
-              </a:ext>
-            </a:extLst>
-          </p:cNvPr>
-          <p:cNvSpPr/>
-          <p:nvPr/>
-        </p:nvSpPr>
-        <p:spPr>
-          <a:xfrm>
-            <a:off x="2096863" y="4250260"/>
-            <a:ext cx="3348569" cy="492443"/>
-          </a:xfrm>
-          <a:prstGeom prst="rect">
-            <a:avLst/>
-          </a:prstGeom>
-          <a:solidFill>
-            <a:schemeClr val="accent3"/>
-          </a:solidFill>
-          <a:ln w="0">
-            <a:noFill/>
-          </a:ln>
-        </p:spPr>
-        <p:style>
-          <a:lnRef idx="0">
-            <a:scrgbClr r="0" g="0" b="0"/>
-          </a:lnRef>
-          <a:fillRef idx="0">
-            <a:scrgbClr r="0" g="0" b="0"/>
-          </a:fillRef>
-          <a:effectRef idx="0">
-            <a:scrgbClr r="0" g="0" b="0"/>
-          </a:effectRef>
-          <a:fontRef idx="minor"/>
-        </p:style>
-        <p:txBody>
-          <a:bodyPr wrap="square" tIns="91440" bIns="91440">
-            <a:spAutoFit/>
-          </a:bodyPr>
-          <a:lstStyle/>
-          <a:p>
-            <a:pPr algn="ctr">
-              <a:lnSpc>
-                <a:spcPct val="100000"/>
-              </a:lnSpc>
-              <a:tabLst>
-                <a:tab pos="0" algn="l"/>
-              </a:tabLst>
-            </a:pPr>
-            <a:r>
-              <a:rPr lang="fr-FR" sz="2000" b="1" strike="noStrike" spc="-1" dirty="0">
-                <a:solidFill>
-                  <a:schemeClr val="bg1"/>
-                </a:solidFill>
-                <a:latin typeface="Trebuchet MS"/>
-                <a:ea typeface="Trebuchet MS"/>
-              </a:rPr>
-              <a:t>Filtrage actif</a:t>
-            </a:r>
-            <a:endParaRPr lang="fr-FR" sz="2000" b="0" strike="noStrike" spc="-1" dirty="0">
-              <a:solidFill>
-                <a:schemeClr val="bg1"/>
-              </a:solidFill>
-              <a:latin typeface="Arial"/>
-            </a:endParaRPr>
-          </a:p>
-        </p:txBody>
-      </p:sp>
-      <p:sp>
-        <p:nvSpPr>
-          <p:cNvPr id="16" name="CustomShape 3">
-            <a:extLst>
-              <a:ext uri="{FF2B5EF4-FFF2-40B4-BE49-F238E27FC236}">
-                <a16:creationId xmlns:a16="http://schemas.microsoft.com/office/drawing/2014/main" id="{9CF8A9CC-D2EB-BDA6-0B03-3F4F465B96F8}"/>
-              </a:ext>
-            </a:extLst>
-          </p:cNvPr>
-          <p:cNvSpPr/>
-          <p:nvPr/>
-        </p:nvSpPr>
-        <p:spPr>
-          <a:xfrm>
-            <a:off x="2096862" y="4897450"/>
-            <a:ext cx="3348569" cy="492443"/>
-          </a:xfrm>
-          <a:prstGeom prst="rect">
-            <a:avLst/>
-          </a:prstGeom>
-          <a:solidFill>
-            <a:schemeClr val="accent1"/>
-          </a:solidFill>
-          <a:ln w="0">
-            <a:noFill/>
-          </a:ln>
-        </p:spPr>
-        <p:style>
-          <a:lnRef idx="0">
-            <a:scrgbClr r="0" g="0" b="0"/>
-          </a:lnRef>
-          <a:fillRef idx="0">
-            <a:scrgbClr r="0" g="0" b="0"/>
-          </a:fillRef>
-          <a:effectRef idx="0">
-            <a:scrgbClr r="0" g="0" b="0"/>
-          </a:effectRef>
-          <a:fontRef idx="minor"/>
-        </p:style>
-        <p:txBody>
-          <a:bodyPr wrap="square" tIns="91440" bIns="91440">
-            <a:spAutoFit/>
-          </a:bodyPr>
-          <a:lstStyle/>
-          <a:p>
-            <a:pPr algn="ctr">
-              <a:lnSpc>
-                <a:spcPct val="100000"/>
-              </a:lnSpc>
-              <a:tabLst>
-                <a:tab pos="0" algn="l"/>
-              </a:tabLst>
-            </a:pPr>
-            <a:r>
-              <a:rPr lang="fr-FR" sz="2000" b="1" strike="noStrike" spc="-1" dirty="0" err="1">
-                <a:solidFill>
-                  <a:schemeClr val="bg1"/>
-                </a:solidFill>
-                <a:latin typeface="Trebuchet MS"/>
-                <a:ea typeface="Trebuchet MS"/>
-              </a:rPr>
-              <a:t>Photodétection</a:t>
-            </a:r>
-            <a:endParaRPr lang="fr-FR" sz="2000" b="0" strike="noStrike" spc="-1" dirty="0">
-              <a:solidFill>
-                <a:schemeClr val="bg1"/>
-              </a:solidFill>
-              <a:latin typeface="Arial"/>
-            </a:endParaRPr>
-          </a:p>
-        </p:txBody>
-      </p:sp>
-      <p:sp>
-        <p:nvSpPr>
-          <p:cNvPr id="17" name="CustomShape 3">
-            <a:extLst>
-              <a:ext uri="{FF2B5EF4-FFF2-40B4-BE49-F238E27FC236}">
-                <a16:creationId xmlns:a16="http://schemas.microsoft.com/office/drawing/2014/main" id="{C2AE561C-1538-4EB9-203C-0BB62E4CC526}"/>
-              </a:ext>
-            </a:extLst>
-          </p:cNvPr>
-          <p:cNvSpPr/>
-          <p:nvPr/>
-        </p:nvSpPr>
-        <p:spPr>
-          <a:xfrm>
-            <a:off x="2096861" y="5544640"/>
-            <a:ext cx="3348569" cy="492443"/>
-          </a:xfrm>
-          <a:prstGeom prst="rect">
-            <a:avLst/>
-          </a:prstGeom>
-          <a:solidFill>
-            <a:schemeClr val="accent2">
-              <a:lumMod val="75000"/>
-            </a:schemeClr>
-          </a:solidFill>
-          <a:ln w="0">
-            <a:noFill/>
-          </a:ln>
-        </p:spPr>
-        <p:style>
-          <a:lnRef idx="0">
-            <a:scrgbClr r="0" g="0" b="0"/>
-          </a:lnRef>
-          <a:fillRef idx="0">
-            <a:scrgbClr r="0" g="0" b="0"/>
-          </a:fillRef>
-          <a:effectRef idx="0">
-            <a:scrgbClr r="0" g="0" b="0"/>
-          </a:effectRef>
-          <a:fontRef idx="minor"/>
-        </p:style>
-        <p:txBody>
-          <a:bodyPr wrap="square" tIns="91440" bIns="91440">
-            <a:spAutoFit/>
-          </a:bodyPr>
-          <a:lstStyle/>
-          <a:p>
-            <a:pPr algn="ctr">
-              <a:lnSpc>
-                <a:spcPct val="100000"/>
-              </a:lnSpc>
-              <a:tabLst>
-                <a:tab pos="0" algn="l"/>
-              </a:tabLst>
-            </a:pPr>
-            <a:r>
-              <a:rPr lang="fr-FR" sz="2000" b="1" strike="noStrike" spc="-1" dirty="0">
-                <a:solidFill>
-                  <a:schemeClr val="bg1"/>
-                </a:solidFill>
-                <a:latin typeface="Trebuchet MS"/>
-                <a:ea typeface="Trebuchet MS"/>
-              </a:rPr>
-              <a:t>Asservissement</a:t>
-            </a:r>
-            <a:endParaRPr lang="fr-FR" sz="2000" b="0" strike="noStrike" spc="-1" dirty="0">
-              <a:solidFill>
-                <a:schemeClr val="bg1"/>
-              </a:solidFill>
-              <a:latin typeface="Arial"/>
-            </a:endParaRPr>
-          </a:p>
-        </p:txBody>
-      </p:sp>
-      <p:sp>
-        <p:nvSpPr>
-          <p:cNvPr id="3" name="CustomShape 3">
-            <a:extLst>
-              <a:ext uri="{FF2B5EF4-FFF2-40B4-BE49-F238E27FC236}">
-                <a16:creationId xmlns:a16="http://schemas.microsoft.com/office/drawing/2014/main" id="{5ECC1FE5-98F6-37A5-267F-B9C366F25D33}"/>
-              </a:ext>
-            </a:extLst>
-          </p:cNvPr>
-          <p:cNvSpPr/>
-          <p:nvPr/>
-        </p:nvSpPr>
-        <p:spPr>
-          <a:xfrm>
-            <a:off x="6390968" y="2440602"/>
-            <a:ext cx="4685465" cy="492443"/>
-          </a:xfrm>
-          <a:prstGeom prst="rect">
-            <a:avLst/>
-          </a:prstGeom>
-          <a:solidFill>
-            <a:srgbClr val="00B0F0"/>
-          </a:solidFill>
-          <a:ln w="0">
-            <a:noFill/>
-          </a:ln>
-        </p:spPr>
-        <p:style>
-          <a:lnRef idx="0">
-            <a:scrgbClr r="0" g="0" b="0"/>
-          </a:lnRef>
-          <a:fillRef idx="0">
-            <a:scrgbClr r="0" g="0" b="0"/>
-          </a:fillRef>
-          <a:effectRef idx="0">
-            <a:scrgbClr r="0" g="0" b="0"/>
-          </a:effectRef>
-          <a:fontRef idx="minor"/>
-        </p:style>
-        <p:txBody>
-          <a:bodyPr wrap="square" tIns="91440" bIns="91440">
-            <a:spAutoFit/>
-          </a:bodyPr>
-          <a:lstStyle/>
-          <a:p>
-            <a:pPr algn="ctr">
-              <a:lnSpc>
-                <a:spcPct val="100000"/>
-              </a:lnSpc>
-              <a:tabLst>
-                <a:tab pos="0" algn="l"/>
-              </a:tabLst>
-            </a:pPr>
-            <a:r>
-              <a:rPr lang="fr-FR" sz="2000" b="1" strike="noStrike" spc="-1" dirty="0">
-                <a:solidFill>
-                  <a:schemeClr val="bg1"/>
-                </a:solidFill>
-                <a:latin typeface="Trebuchet MS"/>
-                <a:ea typeface="Trebuchet MS"/>
-              </a:rPr>
-              <a:t>Ressources</a:t>
-            </a:r>
-          </a:p>
-        </p:txBody>
-      </p:sp>
-      <p:sp>
-        <p:nvSpPr>
-          <p:cNvPr id="6" name="Espace réservé du contenu 2">
-            <a:extLst>
-              <a:ext uri="{FF2B5EF4-FFF2-40B4-BE49-F238E27FC236}">
-                <a16:creationId xmlns:a16="http://schemas.microsoft.com/office/drawing/2014/main" id="{67A75A93-D68D-2AA1-CEAE-F654B587F3A1}"/>
-              </a:ext>
-            </a:extLst>
-          </p:cNvPr>
-          <p:cNvSpPr>
-            <a:spLocks noGrp="1"/>
-          </p:cNvSpPr>
-          <p:nvPr>
-            <p:ph sz="half" idx="1"/>
-          </p:nvPr>
-        </p:nvSpPr>
-        <p:spPr>
-          <a:xfrm>
-            <a:off x="6388202" y="3050362"/>
-            <a:ext cx="4685466" cy="3694176"/>
-          </a:xfrm>
-        </p:spPr>
-        <p:txBody>
-          <a:bodyPr>
-            <a:normAutofit/>
-          </a:bodyPr>
-          <a:lstStyle/>
-          <a:p>
-            <a:r>
-              <a:rPr lang="fr-FR" sz="2000" b="1" dirty="0"/>
-              <a:t>Site du </a:t>
-            </a:r>
-            <a:r>
-              <a:rPr lang="fr-FR" sz="2000" b="1" dirty="0" err="1"/>
-              <a:t>LEnsE</a:t>
-            </a:r>
-            <a:r>
-              <a:rPr lang="fr-FR" sz="2000" b="1" dirty="0"/>
-              <a:t> </a:t>
-            </a:r>
-          </a:p>
-          <a:p>
-            <a:pPr lvl="1"/>
-            <a:r>
-              <a:rPr lang="fr-FR" sz="1800" dirty="0"/>
-              <a:t>Sujets : lense.institutoptique.fr/</a:t>
-            </a:r>
-            <a:r>
-              <a:rPr lang="fr-FR" sz="1800" dirty="0" err="1"/>
-              <a:t>ceti</a:t>
-            </a:r>
-            <a:r>
-              <a:rPr lang="fr-FR" sz="1800" dirty="0"/>
-              <a:t>/</a:t>
-            </a:r>
-          </a:p>
-          <a:p>
-            <a:endParaRPr lang="fr-FR" sz="2000" b="1" dirty="0"/>
-          </a:p>
-          <a:p>
-            <a:r>
-              <a:rPr lang="fr-FR" sz="2000" b="1" dirty="0" err="1"/>
-              <a:t>GitHUB</a:t>
-            </a:r>
-            <a:endParaRPr lang="fr-FR" sz="2000" b="1" dirty="0"/>
-          </a:p>
-          <a:p>
-            <a:pPr lvl="1"/>
-            <a:r>
-              <a:rPr lang="fr-FR" sz="1800" dirty="0">
-                <a:hlinkClick r:id="rId3"/>
-              </a:rPr>
-              <a:t>github.com/IOGS-Digital-Methods</a:t>
-            </a:r>
-            <a:endParaRPr lang="fr-FR" sz="1800" dirty="0"/>
-          </a:p>
-        </p:txBody>
-      </p:sp>
-    </p:spTree>
-    <p:extLst>
-      <p:ext uri="{BB962C8B-B14F-4D97-AF65-F5344CB8AC3E}">
-        <p14:creationId xmlns:p14="http://schemas.microsoft.com/office/powerpoint/2010/main" val="3150404089"/>
-      </p:ext>
-    </p:extLst>
-  </p:cSld>
-  <p:clrMapOvr>
-    <a:masterClrMapping/>
-  </p:clrMapOvr>
-</p:sld>
-</file>
-
 <file path=ppt/slides/slide24.xml><?xml version="1.0" encoding="utf-8"?>
 <p:sld xmlns:a="http://schemas.openxmlformats.org/drawingml/2006/main" xmlns:r="http://schemas.openxmlformats.org/officeDocument/2006/relationships" xmlns:p="http://schemas.openxmlformats.org/presentationml/2006/main">
   <p:cSld>
@@ -15132,6 +14205,654 @@
             </a:r>
             <a:r>
               <a:rPr lang="fr-FR" dirty="0"/>
+              <a:t> / TD / Déroulement et Ressources</a:t>
+            </a:r>
+          </a:p>
+        </p:txBody>
+      </p:sp>
+      <p:pic>
+        <p:nvPicPr>
+          <p:cNvPr id="5" name="Image 4" descr="Une image contenant texte&#10;&#10;Description générée automatiquement">
+            <a:extLst>
+              <a:ext uri="{FF2B5EF4-FFF2-40B4-BE49-F238E27FC236}">
+                <a16:creationId xmlns:a16="http://schemas.microsoft.com/office/drawing/2014/main" id="{204ADC40-1D61-539F-22ED-6B21D67FBDE6}"/>
+              </a:ext>
+            </a:extLst>
+          </p:cNvPr>
+          <p:cNvPicPr>
+            <a:picLocks noChangeAspect="1"/>
+          </p:cNvPicPr>
+          <p:nvPr/>
+        </p:nvPicPr>
+        <p:blipFill>
+          <a:blip r:embed="rId2" cstate="print">
+            <a:extLst>
+              <a:ext uri="{28A0092B-C50C-407E-A947-70E740481C1C}">
+                <a14:useLocalDpi xmlns:a14="http://schemas.microsoft.com/office/drawing/2010/main" val="0"/>
+              </a:ext>
+            </a:extLst>
+          </a:blip>
+          <a:stretch>
+            <a:fillRect/>
+          </a:stretch>
+        </p:blipFill>
+        <p:spPr>
+          <a:xfrm>
+            <a:off x="202922" y="5934456"/>
+            <a:ext cx="1825291" cy="749808"/>
+          </a:xfrm>
+          <a:prstGeom prst="rect">
+            <a:avLst/>
+          </a:prstGeom>
+        </p:spPr>
+      </p:pic>
+      <p:sp>
+        <p:nvSpPr>
+          <p:cNvPr id="9" name="CustomShape 3">
+            <a:extLst>
+              <a:ext uri="{FF2B5EF4-FFF2-40B4-BE49-F238E27FC236}">
+                <a16:creationId xmlns:a16="http://schemas.microsoft.com/office/drawing/2014/main" id="{7CD7374B-ED6D-6AF2-BD0B-1717C3940DB9}"/>
+              </a:ext>
+            </a:extLst>
+          </p:cNvPr>
+          <p:cNvSpPr/>
+          <p:nvPr/>
+        </p:nvSpPr>
+        <p:spPr>
+          <a:xfrm>
+            <a:off x="1115567" y="2440602"/>
+            <a:ext cx="4685465" cy="492443"/>
+          </a:xfrm>
+          <a:prstGeom prst="rect">
+            <a:avLst/>
+          </a:prstGeom>
+          <a:solidFill>
+            <a:schemeClr val="tx1">
+              <a:lumMod val="65000"/>
+              <a:lumOff val="35000"/>
+            </a:schemeClr>
+          </a:solidFill>
+          <a:ln w="0">
+            <a:noFill/>
+          </a:ln>
+        </p:spPr>
+        <p:style>
+          <a:lnRef idx="0">
+            <a:scrgbClr r="0" g="0" b="0"/>
+          </a:lnRef>
+          <a:fillRef idx="0">
+            <a:scrgbClr r="0" g="0" b="0"/>
+          </a:fillRef>
+          <a:effectRef idx="0">
+            <a:scrgbClr r="0" g="0" b="0"/>
+          </a:effectRef>
+          <a:fontRef idx="minor"/>
+        </p:style>
+        <p:txBody>
+          <a:bodyPr wrap="square" tIns="91440" bIns="91440">
+            <a:spAutoFit/>
+          </a:bodyPr>
+          <a:lstStyle/>
+          <a:p>
+            <a:pPr algn="ctr">
+              <a:lnSpc>
+                <a:spcPct val="100000"/>
+              </a:lnSpc>
+              <a:tabLst>
+                <a:tab pos="0" algn="l"/>
+              </a:tabLst>
+            </a:pPr>
+            <a:r>
+              <a:rPr lang="fr-FR" sz="2000" b="1" strike="noStrike" spc="-1" dirty="0">
+                <a:solidFill>
+                  <a:schemeClr val="bg1"/>
+                </a:solidFill>
+                <a:latin typeface="Trebuchet MS"/>
+                <a:ea typeface="Trebuchet MS"/>
+              </a:rPr>
+              <a:t>4 blocs de 2 séances de TD</a:t>
+            </a:r>
+            <a:endParaRPr lang="fr-FR" sz="2000" b="0" strike="noStrike" spc="-1" dirty="0">
+              <a:solidFill>
+                <a:schemeClr val="bg1"/>
+              </a:solidFill>
+              <a:latin typeface="Arial"/>
+            </a:endParaRPr>
+          </a:p>
+        </p:txBody>
+      </p:sp>
+      <p:sp>
+        <p:nvSpPr>
+          <p:cNvPr id="12" name="ZoneTexte 11">
+            <a:extLst>
+              <a:ext uri="{FF2B5EF4-FFF2-40B4-BE49-F238E27FC236}">
+                <a16:creationId xmlns:a16="http://schemas.microsoft.com/office/drawing/2014/main" id="{BBED6A26-211D-7C76-4C1A-96E6D0EC3C39}"/>
+              </a:ext>
+            </a:extLst>
+          </p:cNvPr>
+          <p:cNvSpPr txBox="1"/>
+          <p:nvPr/>
+        </p:nvSpPr>
+        <p:spPr>
+          <a:xfrm>
+            <a:off x="1115567" y="2956004"/>
+            <a:ext cx="4688234" cy="584775"/>
+          </a:xfrm>
+          <a:prstGeom prst="rect">
+            <a:avLst/>
+          </a:prstGeom>
+          <a:noFill/>
+        </p:spPr>
+        <p:txBody>
+          <a:bodyPr wrap="square">
+            <a:spAutoFit/>
+          </a:bodyPr>
+          <a:lstStyle/>
+          <a:p>
+            <a:r>
+              <a:rPr lang="fr-FR" sz="1600" dirty="0"/>
+              <a:t>Séance 1 : travail en groupe sur une thématique</a:t>
+            </a:r>
+          </a:p>
+          <a:p>
+            <a:r>
+              <a:rPr lang="fr-FR" sz="1600" dirty="0"/>
+              <a:t>Séance 2 : synthèse / démo</a:t>
+            </a:r>
+          </a:p>
+        </p:txBody>
+      </p:sp>
+      <p:sp>
+        <p:nvSpPr>
+          <p:cNvPr id="4" name="CustomShape 3">
+            <a:extLst>
+              <a:ext uri="{FF2B5EF4-FFF2-40B4-BE49-F238E27FC236}">
+                <a16:creationId xmlns:a16="http://schemas.microsoft.com/office/drawing/2014/main" id="{5563BA39-C17B-A5DE-0920-F612FF2D3D9B}"/>
+              </a:ext>
+            </a:extLst>
+          </p:cNvPr>
+          <p:cNvSpPr/>
+          <p:nvPr/>
+        </p:nvSpPr>
+        <p:spPr>
+          <a:xfrm>
+            <a:off x="2096863" y="3603070"/>
+            <a:ext cx="3348569" cy="492443"/>
+          </a:xfrm>
+          <a:prstGeom prst="rect">
+            <a:avLst/>
+          </a:prstGeom>
+          <a:solidFill>
+            <a:schemeClr val="accent6"/>
+          </a:solidFill>
+          <a:ln w="0">
+            <a:noFill/>
+          </a:ln>
+        </p:spPr>
+        <p:style>
+          <a:lnRef idx="0">
+            <a:scrgbClr r="0" g="0" b="0"/>
+          </a:lnRef>
+          <a:fillRef idx="0">
+            <a:scrgbClr r="0" g="0" b="0"/>
+          </a:fillRef>
+          <a:effectRef idx="0">
+            <a:scrgbClr r="0" g="0" b="0"/>
+          </a:effectRef>
+          <a:fontRef idx="minor"/>
+        </p:style>
+        <p:txBody>
+          <a:bodyPr wrap="square" tIns="91440" bIns="91440">
+            <a:spAutoFit/>
+          </a:bodyPr>
+          <a:lstStyle/>
+          <a:p>
+            <a:pPr algn="ctr">
+              <a:lnSpc>
+                <a:spcPct val="100000"/>
+              </a:lnSpc>
+              <a:tabLst>
+                <a:tab pos="0" algn="l"/>
+              </a:tabLst>
+            </a:pPr>
+            <a:r>
+              <a:rPr lang="fr-FR" sz="2000" b="1" strike="noStrike" spc="-1" dirty="0">
+                <a:solidFill>
+                  <a:schemeClr val="bg1"/>
+                </a:solidFill>
+                <a:latin typeface="Trebuchet MS"/>
+                <a:ea typeface="Trebuchet MS"/>
+              </a:rPr>
+              <a:t>Capteurs et mise en forme</a:t>
+            </a:r>
+            <a:endParaRPr lang="fr-FR" sz="2000" b="0" strike="noStrike" spc="-1" dirty="0">
+              <a:solidFill>
+                <a:schemeClr val="bg1"/>
+              </a:solidFill>
+              <a:latin typeface="Arial"/>
+            </a:endParaRPr>
+          </a:p>
+        </p:txBody>
+      </p:sp>
+      <p:sp>
+        <p:nvSpPr>
+          <p:cNvPr id="11" name="CustomShape 3">
+            <a:extLst>
+              <a:ext uri="{FF2B5EF4-FFF2-40B4-BE49-F238E27FC236}">
+                <a16:creationId xmlns:a16="http://schemas.microsoft.com/office/drawing/2014/main" id="{B6E8CB13-25D1-089F-7458-FE3DBDBE8A88}"/>
+              </a:ext>
+            </a:extLst>
+          </p:cNvPr>
+          <p:cNvSpPr/>
+          <p:nvPr/>
+        </p:nvSpPr>
+        <p:spPr>
+          <a:xfrm>
+            <a:off x="2096863" y="4250260"/>
+            <a:ext cx="3348569" cy="492443"/>
+          </a:xfrm>
+          <a:prstGeom prst="rect">
+            <a:avLst/>
+          </a:prstGeom>
+          <a:solidFill>
+            <a:schemeClr val="accent3"/>
+          </a:solidFill>
+          <a:ln w="0">
+            <a:noFill/>
+          </a:ln>
+        </p:spPr>
+        <p:style>
+          <a:lnRef idx="0">
+            <a:scrgbClr r="0" g="0" b="0"/>
+          </a:lnRef>
+          <a:fillRef idx="0">
+            <a:scrgbClr r="0" g="0" b="0"/>
+          </a:fillRef>
+          <a:effectRef idx="0">
+            <a:scrgbClr r="0" g="0" b="0"/>
+          </a:effectRef>
+          <a:fontRef idx="minor"/>
+        </p:style>
+        <p:txBody>
+          <a:bodyPr wrap="square" tIns="91440" bIns="91440">
+            <a:spAutoFit/>
+          </a:bodyPr>
+          <a:lstStyle/>
+          <a:p>
+            <a:pPr algn="ctr">
+              <a:lnSpc>
+                <a:spcPct val="100000"/>
+              </a:lnSpc>
+              <a:tabLst>
+                <a:tab pos="0" algn="l"/>
+              </a:tabLst>
+            </a:pPr>
+            <a:r>
+              <a:rPr lang="fr-FR" sz="2000" b="1" strike="noStrike" spc="-1" dirty="0">
+                <a:solidFill>
+                  <a:schemeClr val="bg1"/>
+                </a:solidFill>
+                <a:latin typeface="Trebuchet MS"/>
+                <a:ea typeface="Trebuchet MS"/>
+              </a:rPr>
+              <a:t>Filtrage actif</a:t>
+            </a:r>
+            <a:endParaRPr lang="fr-FR" sz="2000" b="0" strike="noStrike" spc="-1" dirty="0">
+              <a:solidFill>
+                <a:schemeClr val="bg1"/>
+              </a:solidFill>
+              <a:latin typeface="Arial"/>
+            </a:endParaRPr>
+          </a:p>
+        </p:txBody>
+      </p:sp>
+      <p:sp>
+        <p:nvSpPr>
+          <p:cNvPr id="16" name="CustomShape 3">
+            <a:extLst>
+              <a:ext uri="{FF2B5EF4-FFF2-40B4-BE49-F238E27FC236}">
+                <a16:creationId xmlns:a16="http://schemas.microsoft.com/office/drawing/2014/main" id="{9CF8A9CC-D2EB-BDA6-0B03-3F4F465B96F8}"/>
+              </a:ext>
+            </a:extLst>
+          </p:cNvPr>
+          <p:cNvSpPr/>
+          <p:nvPr/>
+        </p:nvSpPr>
+        <p:spPr>
+          <a:xfrm>
+            <a:off x="2096862" y="4897450"/>
+            <a:ext cx="3348569" cy="492443"/>
+          </a:xfrm>
+          <a:prstGeom prst="rect">
+            <a:avLst/>
+          </a:prstGeom>
+          <a:solidFill>
+            <a:schemeClr val="accent1"/>
+          </a:solidFill>
+          <a:ln w="0">
+            <a:noFill/>
+          </a:ln>
+        </p:spPr>
+        <p:style>
+          <a:lnRef idx="0">
+            <a:scrgbClr r="0" g="0" b="0"/>
+          </a:lnRef>
+          <a:fillRef idx="0">
+            <a:scrgbClr r="0" g="0" b="0"/>
+          </a:fillRef>
+          <a:effectRef idx="0">
+            <a:scrgbClr r="0" g="0" b="0"/>
+          </a:effectRef>
+          <a:fontRef idx="minor"/>
+        </p:style>
+        <p:txBody>
+          <a:bodyPr wrap="square" tIns="91440" bIns="91440">
+            <a:spAutoFit/>
+          </a:bodyPr>
+          <a:lstStyle/>
+          <a:p>
+            <a:pPr algn="ctr">
+              <a:lnSpc>
+                <a:spcPct val="100000"/>
+              </a:lnSpc>
+              <a:tabLst>
+                <a:tab pos="0" algn="l"/>
+              </a:tabLst>
+            </a:pPr>
+            <a:r>
+              <a:rPr lang="fr-FR" sz="2000" b="1" strike="noStrike" spc="-1" dirty="0" err="1">
+                <a:solidFill>
+                  <a:schemeClr val="bg1"/>
+                </a:solidFill>
+                <a:latin typeface="Trebuchet MS"/>
+                <a:ea typeface="Trebuchet MS"/>
+              </a:rPr>
+              <a:t>Photodétection</a:t>
+            </a:r>
+            <a:endParaRPr lang="fr-FR" sz="2000" b="0" strike="noStrike" spc="-1" dirty="0">
+              <a:solidFill>
+                <a:schemeClr val="bg1"/>
+              </a:solidFill>
+              <a:latin typeface="Arial"/>
+            </a:endParaRPr>
+          </a:p>
+        </p:txBody>
+      </p:sp>
+      <p:sp>
+        <p:nvSpPr>
+          <p:cNvPr id="17" name="CustomShape 3">
+            <a:extLst>
+              <a:ext uri="{FF2B5EF4-FFF2-40B4-BE49-F238E27FC236}">
+                <a16:creationId xmlns:a16="http://schemas.microsoft.com/office/drawing/2014/main" id="{C2AE561C-1538-4EB9-203C-0BB62E4CC526}"/>
+              </a:ext>
+            </a:extLst>
+          </p:cNvPr>
+          <p:cNvSpPr/>
+          <p:nvPr/>
+        </p:nvSpPr>
+        <p:spPr>
+          <a:xfrm>
+            <a:off x="2096861" y="5544640"/>
+            <a:ext cx="3348569" cy="492443"/>
+          </a:xfrm>
+          <a:prstGeom prst="rect">
+            <a:avLst/>
+          </a:prstGeom>
+          <a:solidFill>
+            <a:schemeClr val="accent2">
+              <a:lumMod val="75000"/>
+            </a:schemeClr>
+          </a:solidFill>
+          <a:ln w="0">
+            <a:noFill/>
+          </a:ln>
+        </p:spPr>
+        <p:style>
+          <a:lnRef idx="0">
+            <a:scrgbClr r="0" g="0" b="0"/>
+          </a:lnRef>
+          <a:fillRef idx="0">
+            <a:scrgbClr r="0" g="0" b="0"/>
+          </a:fillRef>
+          <a:effectRef idx="0">
+            <a:scrgbClr r="0" g="0" b="0"/>
+          </a:effectRef>
+          <a:fontRef idx="minor"/>
+        </p:style>
+        <p:txBody>
+          <a:bodyPr wrap="square" tIns="91440" bIns="91440">
+            <a:spAutoFit/>
+          </a:bodyPr>
+          <a:lstStyle/>
+          <a:p>
+            <a:pPr algn="ctr">
+              <a:lnSpc>
+                <a:spcPct val="100000"/>
+              </a:lnSpc>
+              <a:tabLst>
+                <a:tab pos="0" algn="l"/>
+              </a:tabLst>
+            </a:pPr>
+            <a:r>
+              <a:rPr lang="fr-FR" sz="2000" b="1" strike="noStrike" spc="-1" dirty="0">
+                <a:solidFill>
+                  <a:schemeClr val="bg1"/>
+                </a:solidFill>
+                <a:latin typeface="Trebuchet MS"/>
+                <a:ea typeface="Trebuchet MS"/>
+              </a:rPr>
+              <a:t>Asservissement</a:t>
+            </a:r>
+            <a:endParaRPr lang="fr-FR" sz="2000" b="0" strike="noStrike" spc="-1" dirty="0">
+              <a:solidFill>
+                <a:schemeClr val="bg1"/>
+              </a:solidFill>
+              <a:latin typeface="Arial"/>
+            </a:endParaRPr>
+          </a:p>
+        </p:txBody>
+      </p:sp>
+      <p:sp>
+        <p:nvSpPr>
+          <p:cNvPr id="3" name="CustomShape 3">
+            <a:extLst>
+              <a:ext uri="{FF2B5EF4-FFF2-40B4-BE49-F238E27FC236}">
+                <a16:creationId xmlns:a16="http://schemas.microsoft.com/office/drawing/2014/main" id="{5ECC1FE5-98F6-37A5-267F-B9C366F25D33}"/>
+              </a:ext>
+            </a:extLst>
+          </p:cNvPr>
+          <p:cNvSpPr/>
+          <p:nvPr/>
+        </p:nvSpPr>
+        <p:spPr>
+          <a:xfrm>
+            <a:off x="6390968" y="2440602"/>
+            <a:ext cx="4685465" cy="492443"/>
+          </a:xfrm>
+          <a:prstGeom prst="rect">
+            <a:avLst/>
+          </a:prstGeom>
+          <a:solidFill>
+            <a:srgbClr val="00B0F0"/>
+          </a:solidFill>
+          <a:ln w="0">
+            <a:noFill/>
+          </a:ln>
+        </p:spPr>
+        <p:style>
+          <a:lnRef idx="0">
+            <a:scrgbClr r="0" g="0" b="0"/>
+          </a:lnRef>
+          <a:fillRef idx="0">
+            <a:scrgbClr r="0" g="0" b="0"/>
+          </a:fillRef>
+          <a:effectRef idx="0">
+            <a:scrgbClr r="0" g="0" b="0"/>
+          </a:effectRef>
+          <a:fontRef idx="minor"/>
+        </p:style>
+        <p:txBody>
+          <a:bodyPr wrap="square" tIns="91440" bIns="91440">
+            <a:spAutoFit/>
+          </a:bodyPr>
+          <a:lstStyle/>
+          <a:p>
+            <a:pPr algn="ctr">
+              <a:lnSpc>
+                <a:spcPct val="100000"/>
+              </a:lnSpc>
+              <a:tabLst>
+                <a:tab pos="0" algn="l"/>
+              </a:tabLst>
+            </a:pPr>
+            <a:r>
+              <a:rPr lang="fr-FR" sz="2000" b="1" strike="noStrike" spc="-1" dirty="0">
+                <a:solidFill>
+                  <a:schemeClr val="bg1"/>
+                </a:solidFill>
+                <a:latin typeface="Trebuchet MS"/>
+                <a:ea typeface="Trebuchet MS"/>
+              </a:rPr>
+              <a:t>Ressources</a:t>
+            </a:r>
+          </a:p>
+        </p:txBody>
+      </p:sp>
+      <p:sp>
+        <p:nvSpPr>
+          <p:cNvPr id="6" name="Espace réservé du contenu 2">
+            <a:extLst>
+              <a:ext uri="{FF2B5EF4-FFF2-40B4-BE49-F238E27FC236}">
+                <a16:creationId xmlns:a16="http://schemas.microsoft.com/office/drawing/2014/main" id="{67A75A93-D68D-2AA1-CEAE-F654B587F3A1}"/>
+              </a:ext>
+            </a:extLst>
+          </p:cNvPr>
+          <p:cNvSpPr>
+            <a:spLocks noGrp="1"/>
+          </p:cNvSpPr>
+          <p:nvPr>
+            <p:ph sz="half" idx="1"/>
+          </p:nvPr>
+        </p:nvSpPr>
+        <p:spPr>
+          <a:xfrm>
+            <a:off x="6388202" y="3050362"/>
+            <a:ext cx="4685466" cy="3694176"/>
+          </a:xfrm>
+        </p:spPr>
+        <p:txBody>
+          <a:bodyPr>
+            <a:normAutofit/>
+          </a:bodyPr>
+          <a:lstStyle/>
+          <a:p>
+            <a:r>
+              <a:rPr lang="fr-FR" sz="2000" b="1" dirty="0"/>
+              <a:t>Site du </a:t>
+            </a:r>
+            <a:r>
+              <a:rPr lang="fr-FR" sz="2000" b="1" dirty="0" err="1"/>
+              <a:t>LEnsE</a:t>
+            </a:r>
+            <a:r>
+              <a:rPr lang="fr-FR" sz="2000" b="1" dirty="0"/>
+              <a:t> </a:t>
+            </a:r>
+          </a:p>
+          <a:p>
+            <a:pPr lvl="1"/>
+            <a:r>
+              <a:rPr lang="fr-FR" sz="1800" dirty="0"/>
+              <a:t>Sujets : lense.institutoptique.fr/</a:t>
+            </a:r>
+            <a:r>
+              <a:rPr lang="fr-FR" sz="1800" dirty="0" err="1"/>
+              <a:t>ceti</a:t>
+            </a:r>
+            <a:r>
+              <a:rPr lang="fr-FR" sz="1800" dirty="0"/>
+              <a:t>/</a:t>
+            </a:r>
+          </a:p>
+          <a:p>
+            <a:endParaRPr lang="fr-FR" sz="2000" b="1" dirty="0"/>
+          </a:p>
+          <a:p>
+            <a:r>
+              <a:rPr lang="fr-FR" sz="2000" b="1" dirty="0" err="1"/>
+              <a:t>GitHUB</a:t>
+            </a:r>
+            <a:endParaRPr lang="fr-FR" sz="2000" b="1" dirty="0"/>
+          </a:p>
+          <a:p>
+            <a:pPr lvl="1"/>
+            <a:r>
+              <a:rPr lang="fr-FR" sz="1800" dirty="0">
+                <a:hlinkClick r:id="rId3"/>
+              </a:rPr>
+              <a:t>github.com/IOGS-Digital-Methods</a:t>
+            </a:r>
+            <a:endParaRPr lang="fr-FR" sz="1800" dirty="0"/>
+          </a:p>
+        </p:txBody>
+      </p:sp>
+    </p:spTree>
+    <p:extLst>
+      <p:ext uri="{BB962C8B-B14F-4D97-AF65-F5344CB8AC3E}">
+        <p14:creationId xmlns:p14="http://schemas.microsoft.com/office/powerpoint/2010/main" val="3150404089"/>
+      </p:ext>
+    </p:extLst>
+  </p:cSld>
+  <p:clrMapOvr>
+    <a:masterClrMapping/>
+  </p:clrMapOvr>
+</p:sld>
+</file>
+
+<file path=ppt/slides/slide25.xml><?xml version="1.0" encoding="utf-8"?>
+<p:sld xmlns:a="http://schemas.openxmlformats.org/drawingml/2006/main" xmlns:r="http://schemas.openxmlformats.org/officeDocument/2006/relationships" xmlns:p="http://schemas.openxmlformats.org/presentationml/2006/main">
+  <p:cSld>
+    <p:spTree>
+      <p:nvGrpSpPr>
+        <p:cNvPr id="1" name=""/>
+        <p:cNvGrpSpPr/>
+        <p:nvPr/>
+      </p:nvGrpSpPr>
+      <p:grpSpPr>
+        <a:xfrm>
+          <a:off x="0" y="0"/>
+          <a:ext cx="0" cy="0"/>
+          <a:chOff x="0" y="0"/>
+          <a:chExt cx="0" cy="0"/>
+        </a:xfrm>
+      </p:grpSpPr>
+      <p:sp>
+        <p:nvSpPr>
+          <p:cNvPr id="2" name="Titre 1">
+            <a:extLst>
+              <a:ext uri="{FF2B5EF4-FFF2-40B4-BE49-F238E27FC236}">
+                <a16:creationId xmlns:a16="http://schemas.microsoft.com/office/drawing/2014/main" id="{90162AE8-C1B0-5C56-8313-DEE494F38273}"/>
+              </a:ext>
+            </a:extLst>
+          </p:cNvPr>
+          <p:cNvSpPr>
+            <a:spLocks noGrp="1"/>
+          </p:cNvSpPr>
+          <p:nvPr>
+            <p:ph type="title"/>
+          </p:nvPr>
+        </p:nvSpPr>
+        <p:spPr/>
+        <p:txBody>
+          <a:bodyPr/>
+          <a:lstStyle/>
+          <a:p>
+            <a:r>
+              <a:rPr lang="fr-FR" dirty="0" err="1"/>
+              <a:t>CéTI</a:t>
+            </a:r>
+            <a:r>
+              <a:rPr lang="fr-FR" dirty="0"/>
               <a:t> / TD / Evaluation</a:t>
             </a:r>
           </a:p>
@@ -15756,7 +15477,7 @@
 </p:sld>
 </file>
 
-<file path=ppt/slides/slide25.xml><?xml version="1.0" encoding="utf-8"?>
+<file path=ppt/slides/slide26.xml><?xml version="1.0" encoding="utf-8"?>
 <p:sld xmlns:a="http://schemas.openxmlformats.org/drawingml/2006/main" xmlns:r="http://schemas.openxmlformats.org/officeDocument/2006/relationships" xmlns:p="http://schemas.openxmlformats.org/presentationml/2006/main">
   <p:cSld>
     <p:spTree>

--- a/CeTI/b0_intro/B0_1_CeTI.pptx
+++ b/CeTI/b0_intro/B0_1_CeTI.pptx
@@ -5,7 +5,7 @@
     <p:sldMasterId id="2147483711" r:id="rId1"/>
   </p:sldMasterIdLst>
   <p:notesMasterIdLst>
-    <p:notesMasterId r:id="rId29"/>
+    <p:notesMasterId r:id="rId30"/>
   </p:notesMasterIdLst>
   <p:sldIdLst>
     <p:sldId id="256" r:id="rId2"/>
@@ -30,11 +30,12 @@
     <p:sldId id="289" r:id="rId21"/>
     <p:sldId id="291" r:id="rId22"/>
     <p:sldId id="292" r:id="rId23"/>
-    <p:sldId id="258" r:id="rId24"/>
-    <p:sldId id="275" r:id="rId25"/>
-    <p:sldId id="281" r:id="rId26"/>
-    <p:sldId id="283" r:id="rId27"/>
-    <p:sldId id="276" r:id="rId28"/>
+    <p:sldId id="295" r:id="rId24"/>
+    <p:sldId id="258" r:id="rId25"/>
+    <p:sldId id="275" r:id="rId26"/>
+    <p:sldId id="281" r:id="rId27"/>
+    <p:sldId id="283" r:id="rId28"/>
+    <p:sldId id="276" r:id="rId29"/>
   </p:sldIdLst>
   <p:sldSz cx="12192000" cy="6858000"/>
   <p:notesSz cx="6858000" cy="9144000"/>
@@ -234,7 +235,7 @@
           <a:p>
             <a:fld id="{729C724E-499D-43AC-8699-CF969D2466FC}" type="datetimeFigureOut">
               <a:rPr lang="fr-FR" smtClean="0"/>
-              <a:t>06/09/2023</a:t>
+              <a:t>08/09/2023</a:t>
             </a:fld>
             <a:endParaRPr lang="fr-FR"/>
           </a:p>
@@ -1077,7 +1078,7 @@
           <a:p>
             <a:fld id="{02AC24A9-CCB6-4F8D-B8DB-C2F3692CFA5A}" type="datetimeFigureOut">
               <a:rPr lang="en-US" smtClean="0"/>
-              <a:t>9/6/2023</a:t>
+              <a:t>9/8/2023</a:t>
             </a:fld>
             <a:endParaRPr lang="en-US" dirty="0"/>
           </a:p>
@@ -1447,7 +1448,7 @@
           <a:p>
             <a:fld id="{02AC24A9-CCB6-4F8D-B8DB-C2F3692CFA5A}" type="datetimeFigureOut">
               <a:rPr lang="en-US" smtClean="0"/>
-              <a:t>9/6/2023</a:t>
+              <a:t>9/8/2023</a:t>
             </a:fld>
             <a:endParaRPr lang="en-US"/>
           </a:p>
@@ -1656,7 +1657,7 @@
           <a:p>
             <a:fld id="{02AC24A9-CCB6-4F8D-B8DB-C2F3692CFA5A}" type="datetimeFigureOut">
               <a:rPr lang="en-US" smtClean="0"/>
-              <a:t>9/6/2023</a:t>
+              <a:t>9/8/2023</a:t>
             </a:fld>
             <a:endParaRPr lang="en-US"/>
           </a:p>
@@ -2126,7 +2127,7 @@
           <a:p>
             <a:fld id="{02AC24A9-CCB6-4F8D-B8DB-C2F3692CFA5A}" type="datetimeFigureOut">
               <a:rPr lang="en-US" smtClean="0"/>
-              <a:t>9/6/2023</a:t>
+              <a:t>9/8/2023</a:t>
             </a:fld>
             <a:endParaRPr lang="en-US"/>
           </a:p>
@@ -2580,7 +2581,7 @@
           <a:p>
             <a:fld id="{02AC24A9-CCB6-4F8D-B8DB-C2F3692CFA5A}" type="datetimeFigureOut">
               <a:rPr lang="en-US" smtClean="0"/>
-              <a:t>9/6/2023</a:t>
+              <a:t>9/8/2023</a:t>
             </a:fld>
             <a:endParaRPr lang="en-US"/>
           </a:p>
@@ -3112,7 +3113,7 @@
           <a:p>
             <a:fld id="{02AC24A9-CCB6-4F8D-B8DB-C2F3692CFA5A}" type="datetimeFigureOut">
               <a:rPr lang="en-US" smtClean="0"/>
-              <a:t>9/6/2023</a:t>
+              <a:t>9/8/2023</a:t>
             </a:fld>
             <a:endParaRPr lang="en-US"/>
           </a:p>
@@ -3811,7 +3812,7 @@
           <a:p>
             <a:fld id="{02AC24A9-CCB6-4F8D-B8DB-C2F3692CFA5A}" type="datetimeFigureOut">
               <a:rPr lang="en-US" smtClean="0"/>
-              <a:t>9/6/2023</a:t>
+              <a:t>9/8/2023</a:t>
             </a:fld>
             <a:endParaRPr lang="en-US"/>
           </a:p>
@@ -4140,7 +4141,7 @@
           <a:p>
             <a:fld id="{02AC24A9-CCB6-4F8D-B8DB-C2F3692CFA5A}" type="datetimeFigureOut">
               <a:rPr lang="en-US" smtClean="0"/>
-              <a:t>9/6/2023</a:t>
+              <a:t>9/8/2023</a:t>
             </a:fld>
             <a:endParaRPr lang="en-US"/>
           </a:p>
@@ -4253,7 +4254,7 @@
           <a:p>
             <a:fld id="{02AC24A9-CCB6-4F8D-B8DB-C2F3692CFA5A}" type="datetimeFigureOut">
               <a:rPr lang="en-US" smtClean="0"/>
-              <a:t>9/6/2023</a:t>
+              <a:t>9/8/2023</a:t>
             </a:fld>
             <a:endParaRPr lang="en-US"/>
           </a:p>
@@ -4748,7 +4749,7 @@
           <a:p>
             <a:fld id="{02AC24A9-CCB6-4F8D-B8DB-C2F3692CFA5A}" type="datetimeFigureOut">
               <a:rPr lang="en-US" smtClean="0"/>
-              <a:t>9/6/2023</a:t>
+              <a:t>9/8/2023</a:t>
             </a:fld>
             <a:endParaRPr lang="en-US" dirty="0"/>
           </a:p>
@@ -5225,7 +5226,7 @@
           <a:p>
             <a:fld id="{02AC24A9-CCB6-4F8D-B8DB-C2F3692CFA5A}" type="datetimeFigureOut">
               <a:rPr lang="en-US" smtClean="0"/>
-              <a:t>9/6/2023</a:t>
+              <a:t>9/8/2023</a:t>
             </a:fld>
             <a:endParaRPr lang="en-US"/>
           </a:p>
@@ -5468,7 +5469,7 @@
           <a:p>
             <a:fld id="{02AC24A9-CCB6-4F8D-B8DB-C2F3692CFA5A}" type="datetimeFigureOut">
               <a:rPr lang="en-US" smtClean="0"/>
-              <a:t>9/6/2023</a:t>
+              <a:t>9/8/2023</a:t>
             </a:fld>
             <a:endParaRPr lang="en-US"/>
           </a:p>
@@ -13870,6 +13871,944 @@
           <a:lstStyle/>
           <a:p>
             <a:r>
+              <a:rPr lang="fr-FR" dirty="0" err="1"/>
+              <a:t>CéTI</a:t>
+            </a:r>
+            <a:r>
+              <a:rPr lang="fr-FR" dirty="0"/>
+              <a:t> / TP / Déroulement</a:t>
+            </a:r>
+          </a:p>
+        </p:txBody>
+      </p:sp>
+      <p:pic>
+        <p:nvPicPr>
+          <p:cNvPr id="5" name="Image 4" descr="Une image contenant texte&#10;&#10;Description générée automatiquement">
+            <a:extLst>
+              <a:ext uri="{FF2B5EF4-FFF2-40B4-BE49-F238E27FC236}">
+                <a16:creationId xmlns:a16="http://schemas.microsoft.com/office/drawing/2014/main" id="{204ADC40-1D61-539F-22ED-6B21D67FBDE6}"/>
+              </a:ext>
+            </a:extLst>
+          </p:cNvPr>
+          <p:cNvPicPr>
+            <a:picLocks noChangeAspect="1"/>
+          </p:cNvPicPr>
+          <p:nvPr/>
+        </p:nvPicPr>
+        <p:blipFill>
+          <a:blip r:embed="rId2" cstate="print">
+            <a:extLst>
+              <a:ext uri="{28A0092B-C50C-407E-A947-70E740481C1C}">
+                <a14:useLocalDpi xmlns:a14="http://schemas.microsoft.com/office/drawing/2010/main" val="0"/>
+              </a:ext>
+            </a:extLst>
+          </a:blip>
+          <a:stretch>
+            <a:fillRect/>
+          </a:stretch>
+        </p:blipFill>
+        <p:spPr>
+          <a:xfrm>
+            <a:off x="202922" y="5934456"/>
+            <a:ext cx="1825291" cy="749808"/>
+          </a:xfrm>
+          <a:prstGeom prst="rect">
+            <a:avLst/>
+          </a:prstGeom>
+        </p:spPr>
+      </p:pic>
+      <p:sp>
+        <p:nvSpPr>
+          <p:cNvPr id="18" name="CustomShape 3">
+            <a:extLst>
+              <a:ext uri="{FF2B5EF4-FFF2-40B4-BE49-F238E27FC236}">
+                <a16:creationId xmlns:a16="http://schemas.microsoft.com/office/drawing/2014/main" id="{67756887-8D7D-16CA-99A7-DCA51C63AE43}"/>
+              </a:ext>
+            </a:extLst>
+          </p:cNvPr>
+          <p:cNvSpPr/>
+          <p:nvPr/>
+        </p:nvSpPr>
+        <p:spPr>
+          <a:xfrm>
+            <a:off x="6390968" y="2440602"/>
+            <a:ext cx="4685465" cy="492443"/>
+          </a:xfrm>
+          <a:prstGeom prst="rect">
+            <a:avLst/>
+          </a:prstGeom>
+          <a:solidFill>
+            <a:schemeClr val="tx1">
+              <a:lumMod val="65000"/>
+              <a:lumOff val="35000"/>
+            </a:schemeClr>
+          </a:solidFill>
+          <a:ln w="0">
+            <a:noFill/>
+          </a:ln>
+        </p:spPr>
+        <p:style>
+          <a:lnRef idx="0">
+            <a:scrgbClr r="0" g="0" b="0"/>
+          </a:lnRef>
+          <a:fillRef idx="0">
+            <a:scrgbClr r="0" g="0" b="0"/>
+          </a:fillRef>
+          <a:effectRef idx="0">
+            <a:scrgbClr r="0" g="0" b="0"/>
+          </a:effectRef>
+          <a:fontRef idx="minor"/>
+        </p:style>
+        <p:txBody>
+          <a:bodyPr wrap="square" tIns="91440" bIns="91440">
+            <a:spAutoFit/>
+          </a:bodyPr>
+          <a:lstStyle/>
+          <a:p>
+            <a:pPr algn="ctr">
+              <a:lnSpc>
+                <a:spcPct val="100000"/>
+              </a:lnSpc>
+              <a:tabLst>
+                <a:tab pos="0" algn="l"/>
+              </a:tabLst>
+            </a:pPr>
+            <a:r>
+              <a:rPr lang="fr-FR" sz="2000" b="1" strike="noStrike" spc="-1" dirty="0">
+                <a:solidFill>
+                  <a:schemeClr val="bg1"/>
+                </a:solidFill>
+                <a:latin typeface="Trebuchet MS"/>
+                <a:ea typeface="Trebuchet MS"/>
+              </a:rPr>
+              <a:t>3 blocs de 2 séances de TP</a:t>
+            </a:r>
+            <a:endParaRPr lang="fr-FR" sz="2000" b="0" strike="noStrike" spc="-1" dirty="0">
+              <a:solidFill>
+                <a:schemeClr val="bg1"/>
+              </a:solidFill>
+              <a:latin typeface="Arial"/>
+            </a:endParaRPr>
+          </a:p>
+        </p:txBody>
+      </p:sp>
+      <p:sp>
+        <p:nvSpPr>
+          <p:cNvPr id="7" name="CustomShape 3">
+            <a:extLst>
+              <a:ext uri="{FF2B5EF4-FFF2-40B4-BE49-F238E27FC236}">
+                <a16:creationId xmlns:a16="http://schemas.microsoft.com/office/drawing/2014/main" id="{D72796BA-C4FB-0B68-53DE-1739E281DCE7}"/>
+              </a:ext>
+            </a:extLst>
+          </p:cNvPr>
+          <p:cNvSpPr/>
+          <p:nvPr/>
+        </p:nvSpPr>
+        <p:spPr>
+          <a:xfrm>
+            <a:off x="1115567" y="2440602"/>
+            <a:ext cx="4685465" cy="492443"/>
+          </a:xfrm>
+          <a:prstGeom prst="rect">
+            <a:avLst/>
+          </a:prstGeom>
+          <a:solidFill>
+            <a:srgbClr val="00B0F0"/>
+          </a:solidFill>
+          <a:ln w="0">
+            <a:noFill/>
+          </a:ln>
+        </p:spPr>
+        <p:style>
+          <a:lnRef idx="0">
+            <a:scrgbClr r="0" g="0" b="0"/>
+          </a:lnRef>
+          <a:fillRef idx="0">
+            <a:scrgbClr r="0" g="0" b="0"/>
+          </a:fillRef>
+          <a:effectRef idx="0">
+            <a:scrgbClr r="0" g="0" b="0"/>
+          </a:effectRef>
+          <a:fontRef idx="minor"/>
+        </p:style>
+        <p:txBody>
+          <a:bodyPr wrap="square" tIns="91440" bIns="91440">
+            <a:spAutoFit/>
+          </a:bodyPr>
+          <a:lstStyle/>
+          <a:p>
+            <a:pPr algn="ctr">
+              <a:lnSpc>
+                <a:spcPct val="100000"/>
+              </a:lnSpc>
+              <a:tabLst>
+                <a:tab pos="0" algn="l"/>
+              </a:tabLst>
+            </a:pPr>
+            <a:r>
+              <a:rPr lang="fr-FR" sz="2000" b="1" strike="noStrike" spc="-1" dirty="0">
+                <a:solidFill>
+                  <a:schemeClr val="bg1"/>
+                </a:solidFill>
+                <a:latin typeface="Trebuchet MS"/>
+                <a:ea typeface="Trebuchet MS"/>
+              </a:rPr>
+              <a:t>Déroulement</a:t>
+            </a:r>
+            <a:endParaRPr lang="fr-FR" sz="2000" b="0" strike="noStrike" spc="-1" dirty="0">
+              <a:solidFill>
+                <a:schemeClr val="bg1"/>
+              </a:solidFill>
+              <a:latin typeface="Arial"/>
+            </a:endParaRPr>
+          </a:p>
+        </p:txBody>
+      </p:sp>
+      <p:sp>
+        <p:nvSpPr>
+          <p:cNvPr id="8" name="Espace réservé du contenu 2">
+            <a:extLst>
+              <a:ext uri="{FF2B5EF4-FFF2-40B4-BE49-F238E27FC236}">
+                <a16:creationId xmlns:a16="http://schemas.microsoft.com/office/drawing/2014/main" id="{AFB50BFF-D75E-AF18-215D-57F48FD8A0AF}"/>
+              </a:ext>
+            </a:extLst>
+          </p:cNvPr>
+          <p:cNvSpPr>
+            <a:spLocks noGrp="1"/>
+          </p:cNvSpPr>
+          <p:nvPr>
+            <p:ph sz="half" idx="1"/>
+          </p:nvPr>
+        </p:nvSpPr>
+        <p:spPr>
+          <a:xfrm>
+            <a:off x="1108263" y="3050362"/>
+            <a:ext cx="4685466" cy="3694176"/>
+          </a:xfrm>
+        </p:spPr>
+        <p:txBody>
+          <a:bodyPr>
+            <a:normAutofit/>
+          </a:bodyPr>
+          <a:lstStyle/>
+          <a:p>
+            <a:r>
+              <a:rPr lang="fr-FR" sz="2000" b="1" dirty="0"/>
+              <a:t>Séances</a:t>
+            </a:r>
+          </a:p>
+          <a:p>
+            <a:pPr lvl="1"/>
+            <a:r>
+              <a:rPr lang="fr-FR" sz="1800" dirty="0"/>
+              <a:t>Durée : </a:t>
+            </a:r>
+            <a:r>
+              <a:rPr lang="fr-FR" sz="1800" b="1" dirty="0"/>
+              <a:t>4h30</a:t>
+            </a:r>
+            <a:r>
+              <a:rPr lang="fr-FR" sz="1800" dirty="0"/>
+              <a:t> – </a:t>
+            </a:r>
+            <a:r>
+              <a:rPr lang="fr-FR" sz="1800" b="1" dirty="0"/>
+              <a:t>Début à 8h30 !!</a:t>
+            </a:r>
+          </a:p>
+          <a:p>
+            <a:pPr lvl="1"/>
+            <a:r>
+              <a:rPr lang="fr-FR" sz="1800" dirty="0"/>
+              <a:t>Nombre : </a:t>
+            </a:r>
+            <a:r>
+              <a:rPr lang="fr-FR" sz="1800" b="1" dirty="0"/>
+              <a:t>6 séances</a:t>
+            </a:r>
+          </a:p>
+          <a:p>
+            <a:r>
+              <a:rPr lang="fr-FR" sz="2000" b="1" dirty="0"/>
+              <a:t>3 thèmes</a:t>
+            </a:r>
+          </a:p>
+          <a:p>
+            <a:pPr lvl="1"/>
+            <a:r>
+              <a:rPr lang="fr-FR" sz="1800" dirty="0"/>
+              <a:t>Durée : </a:t>
+            </a:r>
+            <a:r>
+              <a:rPr lang="fr-FR" sz="1800" b="1" dirty="0"/>
+              <a:t>2 séances</a:t>
+            </a:r>
+          </a:p>
+          <a:p>
+            <a:r>
+              <a:rPr lang="fr-FR" sz="2000" b="1" dirty="0"/>
+              <a:t>Evaluations</a:t>
+            </a:r>
+          </a:p>
+          <a:p>
+            <a:pPr lvl="1"/>
+            <a:r>
+              <a:rPr lang="fr-FR" sz="1800" dirty="0"/>
+              <a:t>2 Synthèses </a:t>
+            </a:r>
+          </a:p>
+          <a:p>
+            <a:pPr lvl="1"/>
+            <a:r>
+              <a:rPr lang="fr-FR" sz="1800" dirty="0"/>
+              <a:t>1 examen pratique</a:t>
+            </a:r>
+          </a:p>
+        </p:txBody>
+      </p:sp>
+      <p:sp>
+        <p:nvSpPr>
+          <p:cNvPr id="6" name="CustomShape 3">
+            <a:extLst>
+              <a:ext uri="{FF2B5EF4-FFF2-40B4-BE49-F238E27FC236}">
+                <a16:creationId xmlns:a16="http://schemas.microsoft.com/office/drawing/2014/main" id="{27D7A807-912F-DE99-A361-5E164B081913}"/>
+              </a:ext>
+            </a:extLst>
+          </p:cNvPr>
+          <p:cNvSpPr/>
+          <p:nvPr/>
+        </p:nvSpPr>
+        <p:spPr>
+          <a:xfrm>
+            <a:off x="6388201" y="3152988"/>
+            <a:ext cx="4122483" cy="461665"/>
+          </a:xfrm>
+          <a:prstGeom prst="rect">
+            <a:avLst/>
+          </a:prstGeom>
+          <a:solidFill>
+            <a:schemeClr val="accent6"/>
+          </a:solidFill>
+          <a:ln w="0">
+            <a:noFill/>
+          </a:ln>
+        </p:spPr>
+        <p:style>
+          <a:lnRef idx="0">
+            <a:scrgbClr r="0" g="0" b="0"/>
+          </a:lnRef>
+          <a:fillRef idx="0">
+            <a:scrgbClr r="0" g="0" b="0"/>
+          </a:fillRef>
+          <a:effectRef idx="0">
+            <a:scrgbClr r="0" g="0" b="0"/>
+          </a:effectRef>
+          <a:fontRef idx="minor"/>
+        </p:style>
+        <p:txBody>
+          <a:bodyPr wrap="square" tIns="91440" bIns="91440">
+            <a:spAutoFit/>
+          </a:bodyPr>
+          <a:lstStyle/>
+          <a:p>
+            <a:pPr algn="ctr">
+              <a:lnSpc>
+                <a:spcPct val="100000"/>
+              </a:lnSpc>
+              <a:tabLst>
+                <a:tab pos="0" algn="l"/>
+              </a:tabLst>
+            </a:pPr>
+            <a:r>
+              <a:rPr lang="fr-FR" b="1" strike="noStrike" spc="-1" dirty="0">
+                <a:solidFill>
+                  <a:schemeClr val="bg1"/>
+                </a:solidFill>
+                <a:latin typeface="Trebuchet MS"/>
+                <a:ea typeface="Trebuchet MS"/>
+              </a:rPr>
+              <a:t>(0) Mise en forme / Filtrage</a:t>
+            </a:r>
+            <a:endParaRPr lang="fr-FR" b="0" strike="noStrike" spc="-1" dirty="0">
+              <a:solidFill>
+                <a:schemeClr val="bg1"/>
+              </a:solidFill>
+              <a:latin typeface="Arial"/>
+            </a:endParaRPr>
+          </a:p>
+        </p:txBody>
+      </p:sp>
+      <p:sp>
+        <p:nvSpPr>
+          <p:cNvPr id="9" name="CustomShape 3">
+            <a:extLst>
+              <a:ext uri="{FF2B5EF4-FFF2-40B4-BE49-F238E27FC236}">
+                <a16:creationId xmlns:a16="http://schemas.microsoft.com/office/drawing/2014/main" id="{D55F6028-F67A-9BAD-92BD-21B16856A673}"/>
+              </a:ext>
+            </a:extLst>
+          </p:cNvPr>
+          <p:cNvSpPr/>
+          <p:nvPr/>
+        </p:nvSpPr>
+        <p:spPr>
+          <a:xfrm>
+            <a:off x="7637136" y="4055814"/>
+            <a:ext cx="2880851" cy="461665"/>
+          </a:xfrm>
+          <a:prstGeom prst="rect">
+            <a:avLst/>
+          </a:prstGeom>
+          <a:solidFill>
+            <a:srgbClr val="00B0F0"/>
+          </a:solidFill>
+          <a:ln w="0">
+            <a:noFill/>
+          </a:ln>
+        </p:spPr>
+        <p:style>
+          <a:lnRef idx="0">
+            <a:scrgbClr r="0" g="0" b="0"/>
+          </a:lnRef>
+          <a:fillRef idx="0">
+            <a:scrgbClr r="0" g="0" b="0"/>
+          </a:fillRef>
+          <a:effectRef idx="0">
+            <a:scrgbClr r="0" g="0" b="0"/>
+          </a:effectRef>
+          <a:fontRef idx="minor"/>
+        </p:style>
+        <p:txBody>
+          <a:bodyPr wrap="square" tIns="91440" bIns="91440">
+            <a:spAutoFit/>
+          </a:bodyPr>
+          <a:lstStyle/>
+          <a:p>
+            <a:pPr algn="ctr">
+              <a:lnSpc>
+                <a:spcPct val="100000"/>
+              </a:lnSpc>
+              <a:tabLst>
+                <a:tab pos="0" algn="l"/>
+              </a:tabLst>
+            </a:pPr>
+            <a:r>
+              <a:rPr lang="fr-FR" b="1" strike="noStrike" spc="-1" dirty="0">
+                <a:solidFill>
+                  <a:schemeClr val="bg1"/>
+                </a:solidFill>
+                <a:latin typeface="Trebuchet MS"/>
+                <a:ea typeface="Trebuchet MS"/>
+              </a:rPr>
+              <a:t>(1) Numérique</a:t>
+            </a:r>
+            <a:endParaRPr lang="fr-FR" b="0" strike="noStrike" spc="-1" dirty="0">
+              <a:solidFill>
+                <a:schemeClr val="bg1"/>
+              </a:solidFill>
+              <a:latin typeface="Arial"/>
+            </a:endParaRPr>
+          </a:p>
+        </p:txBody>
+      </p:sp>
+      <p:sp>
+        <p:nvSpPr>
+          <p:cNvPr id="10" name="CustomShape 3">
+            <a:extLst>
+              <a:ext uri="{FF2B5EF4-FFF2-40B4-BE49-F238E27FC236}">
+                <a16:creationId xmlns:a16="http://schemas.microsoft.com/office/drawing/2014/main" id="{8DDF1354-EFFE-6F7D-84D0-B9C83C3B98AA}"/>
+              </a:ext>
+            </a:extLst>
+          </p:cNvPr>
+          <p:cNvSpPr/>
+          <p:nvPr/>
+        </p:nvSpPr>
+        <p:spPr>
+          <a:xfrm>
+            <a:off x="6398273" y="4958644"/>
+            <a:ext cx="4112410" cy="461665"/>
+          </a:xfrm>
+          <a:prstGeom prst="rect">
+            <a:avLst/>
+          </a:prstGeom>
+          <a:solidFill>
+            <a:schemeClr val="accent1"/>
+          </a:solidFill>
+          <a:ln w="0">
+            <a:noFill/>
+          </a:ln>
+        </p:spPr>
+        <p:style>
+          <a:lnRef idx="0">
+            <a:scrgbClr r="0" g="0" b="0"/>
+          </a:lnRef>
+          <a:fillRef idx="0">
+            <a:scrgbClr r="0" g="0" b="0"/>
+          </a:fillRef>
+          <a:effectRef idx="0">
+            <a:scrgbClr r="0" g="0" b="0"/>
+          </a:effectRef>
+          <a:fontRef idx="minor"/>
+        </p:style>
+        <p:txBody>
+          <a:bodyPr wrap="square" tIns="91440" bIns="91440">
+            <a:spAutoFit/>
+          </a:bodyPr>
+          <a:lstStyle/>
+          <a:p>
+            <a:pPr algn="ctr">
+              <a:lnSpc>
+                <a:spcPct val="100000"/>
+              </a:lnSpc>
+              <a:tabLst>
+                <a:tab pos="0" algn="l"/>
+              </a:tabLst>
+            </a:pPr>
+            <a:r>
+              <a:rPr lang="fr-FR" b="1" strike="noStrike" spc="-1" dirty="0">
+                <a:solidFill>
+                  <a:schemeClr val="bg1"/>
+                </a:solidFill>
+                <a:latin typeface="Trebuchet MS"/>
+                <a:ea typeface="Trebuchet MS"/>
+              </a:rPr>
+              <a:t>(2) </a:t>
+            </a:r>
+            <a:r>
+              <a:rPr lang="fr-FR" b="1" strike="noStrike" spc="-1" dirty="0" err="1">
+                <a:solidFill>
+                  <a:schemeClr val="bg1"/>
+                </a:solidFill>
+                <a:latin typeface="Trebuchet MS"/>
+                <a:ea typeface="Trebuchet MS"/>
+              </a:rPr>
+              <a:t>Photodétection</a:t>
+            </a:r>
+            <a:endParaRPr lang="fr-FR" b="0" strike="noStrike" spc="-1" dirty="0">
+              <a:solidFill>
+                <a:schemeClr val="bg1"/>
+              </a:solidFill>
+              <a:latin typeface="Arial"/>
+            </a:endParaRPr>
+          </a:p>
+        </p:txBody>
+      </p:sp>
+      <p:sp>
+        <p:nvSpPr>
+          <p:cNvPr id="11" name="CustomShape 3">
+            <a:extLst>
+              <a:ext uri="{FF2B5EF4-FFF2-40B4-BE49-F238E27FC236}">
+                <a16:creationId xmlns:a16="http://schemas.microsoft.com/office/drawing/2014/main" id="{AA22D5EA-ACE9-93A0-7870-C537209B265D}"/>
+              </a:ext>
+            </a:extLst>
+          </p:cNvPr>
+          <p:cNvSpPr/>
+          <p:nvPr/>
+        </p:nvSpPr>
+        <p:spPr>
+          <a:xfrm>
+            <a:off x="6405577" y="4055812"/>
+            <a:ext cx="1058133" cy="461665"/>
+          </a:xfrm>
+          <a:prstGeom prst="rect">
+            <a:avLst/>
+          </a:prstGeom>
+          <a:solidFill>
+            <a:srgbClr val="7030A0"/>
+          </a:solidFill>
+          <a:ln w="0">
+            <a:noFill/>
+          </a:ln>
+        </p:spPr>
+        <p:style>
+          <a:lnRef idx="0">
+            <a:scrgbClr r="0" g="0" b="0"/>
+          </a:lnRef>
+          <a:fillRef idx="0">
+            <a:scrgbClr r="0" g="0" b="0"/>
+          </a:fillRef>
+          <a:effectRef idx="0">
+            <a:scrgbClr r="0" g="0" b="0"/>
+          </a:effectRef>
+          <a:fontRef idx="minor"/>
+        </p:style>
+        <p:txBody>
+          <a:bodyPr wrap="square" tIns="91440" bIns="91440">
+            <a:spAutoFit/>
+          </a:bodyPr>
+          <a:lstStyle/>
+          <a:p>
+            <a:pPr algn="ctr">
+              <a:lnSpc>
+                <a:spcPct val="100000"/>
+              </a:lnSpc>
+              <a:tabLst>
+                <a:tab pos="0" algn="l"/>
+              </a:tabLst>
+            </a:pPr>
+            <a:r>
+              <a:rPr lang="fr-FR" b="1" strike="noStrike" spc="-1" dirty="0">
+                <a:solidFill>
+                  <a:schemeClr val="bg1"/>
+                </a:solidFill>
+                <a:latin typeface="Trebuchet MS"/>
+                <a:ea typeface="Trebuchet MS"/>
+              </a:rPr>
+              <a:t>EVAL</a:t>
+            </a:r>
+            <a:endParaRPr lang="fr-FR" b="0" strike="noStrike" spc="-1" dirty="0">
+              <a:solidFill>
+                <a:schemeClr val="bg1"/>
+              </a:solidFill>
+              <a:latin typeface="Arial"/>
+            </a:endParaRPr>
+          </a:p>
+        </p:txBody>
+      </p:sp>
+      <p:sp>
+        <p:nvSpPr>
+          <p:cNvPr id="12" name="CustomShape 3">
+            <a:extLst>
+              <a:ext uri="{FF2B5EF4-FFF2-40B4-BE49-F238E27FC236}">
+                <a16:creationId xmlns:a16="http://schemas.microsoft.com/office/drawing/2014/main" id="{D2DA6D0E-72ED-DE3A-9D2E-73C746587BA5}"/>
+              </a:ext>
+            </a:extLst>
+          </p:cNvPr>
+          <p:cNvSpPr/>
+          <p:nvPr/>
+        </p:nvSpPr>
+        <p:spPr>
+          <a:xfrm>
+            <a:off x="10722472" y="3152987"/>
+            <a:ext cx="353961" cy="461665"/>
+          </a:xfrm>
+          <a:prstGeom prst="rect">
+            <a:avLst/>
+          </a:prstGeom>
+          <a:solidFill>
+            <a:schemeClr val="accent6"/>
+          </a:solidFill>
+          <a:ln w="0">
+            <a:noFill/>
+          </a:ln>
+        </p:spPr>
+        <p:style>
+          <a:lnRef idx="0">
+            <a:scrgbClr r="0" g="0" b="0"/>
+          </a:lnRef>
+          <a:fillRef idx="0">
+            <a:scrgbClr r="0" g="0" b="0"/>
+          </a:fillRef>
+          <a:effectRef idx="0">
+            <a:scrgbClr r="0" g="0" b="0"/>
+          </a:effectRef>
+          <a:fontRef idx="minor"/>
+        </p:style>
+        <p:txBody>
+          <a:bodyPr wrap="square" tIns="91440" bIns="91440">
+            <a:spAutoFit/>
+          </a:bodyPr>
+          <a:lstStyle/>
+          <a:p>
+            <a:pPr algn="ctr">
+              <a:lnSpc>
+                <a:spcPct val="100000"/>
+              </a:lnSpc>
+              <a:tabLst>
+                <a:tab pos="0" algn="l"/>
+              </a:tabLst>
+            </a:pPr>
+            <a:r>
+              <a:rPr lang="fr-FR" b="1" strike="noStrike" spc="-1" dirty="0">
+                <a:solidFill>
+                  <a:schemeClr val="bg1"/>
+                </a:solidFill>
+                <a:latin typeface="Trebuchet MS"/>
+                <a:ea typeface="Trebuchet MS"/>
+              </a:rPr>
+              <a:t>2</a:t>
+            </a:r>
+            <a:endParaRPr lang="fr-FR" b="0" strike="noStrike" spc="-1" dirty="0">
+              <a:solidFill>
+                <a:schemeClr val="bg1"/>
+              </a:solidFill>
+              <a:latin typeface="Arial"/>
+            </a:endParaRPr>
+          </a:p>
+        </p:txBody>
+      </p:sp>
+      <p:sp>
+        <p:nvSpPr>
+          <p:cNvPr id="13" name="CustomShape 3">
+            <a:extLst>
+              <a:ext uri="{FF2B5EF4-FFF2-40B4-BE49-F238E27FC236}">
+                <a16:creationId xmlns:a16="http://schemas.microsoft.com/office/drawing/2014/main" id="{00323E6C-96C7-BAC9-B968-65AEC09E7EC4}"/>
+              </a:ext>
+            </a:extLst>
+          </p:cNvPr>
+          <p:cNvSpPr/>
+          <p:nvPr/>
+        </p:nvSpPr>
+        <p:spPr>
+          <a:xfrm>
+            <a:off x="10729775" y="4055813"/>
+            <a:ext cx="353962" cy="461665"/>
+          </a:xfrm>
+          <a:prstGeom prst="rect">
+            <a:avLst/>
+          </a:prstGeom>
+          <a:solidFill>
+            <a:srgbClr val="00B0F0"/>
+          </a:solidFill>
+          <a:ln w="0">
+            <a:noFill/>
+          </a:ln>
+        </p:spPr>
+        <p:style>
+          <a:lnRef idx="0">
+            <a:scrgbClr r="0" g="0" b="0"/>
+          </a:lnRef>
+          <a:fillRef idx="0">
+            <a:scrgbClr r="0" g="0" b="0"/>
+          </a:fillRef>
+          <a:effectRef idx="0">
+            <a:scrgbClr r="0" g="0" b="0"/>
+          </a:effectRef>
+          <a:fontRef idx="minor"/>
+        </p:style>
+        <p:txBody>
+          <a:bodyPr wrap="square" tIns="91440" bIns="91440">
+            <a:spAutoFit/>
+          </a:bodyPr>
+          <a:lstStyle/>
+          <a:p>
+            <a:pPr algn="ctr">
+              <a:lnSpc>
+                <a:spcPct val="100000"/>
+              </a:lnSpc>
+              <a:tabLst>
+                <a:tab pos="0" algn="l"/>
+              </a:tabLst>
+            </a:pPr>
+            <a:r>
+              <a:rPr lang="fr-FR" b="1" spc="-1" dirty="0">
+                <a:solidFill>
+                  <a:schemeClr val="bg1"/>
+                </a:solidFill>
+                <a:latin typeface="Trebuchet MS"/>
+              </a:rPr>
+              <a:t>2</a:t>
+            </a:r>
+            <a:endParaRPr lang="fr-FR" b="0" strike="noStrike" spc="-1" dirty="0">
+              <a:solidFill>
+                <a:schemeClr val="bg1"/>
+              </a:solidFill>
+              <a:latin typeface="Arial"/>
+            </a:endParaRPr>
+          </a:p>
+        </p:txBody>
+      </p:sp>
+      <p:sp>
+        <p:nvSpPr>
+          <p:cNvPr id="14" name="CustomShape 3">
+            <a:extLst>
+              <a:ext uri="{FF2B5EF4-FFF2-40B4-BE49-F238E27FC236}">
+                <a16:creationId xmlns:a16="http://schemas.microsoft.com/office/drawing/2014/main" id="{B90B77EB-CDB1-19C1-FC56-3F261147AB95}"/>
+              </a:ext>
+            </a:extLst>
+          </p:cNvPr>
+          <p:cNvSpPr/>
+          <p:nvPr/>
+        </p:nvSpPr>
+        <p:spPr>
+          <a:xfrm>
+            <a:off x="10729775" y="4947063"/>
+            <a:ext cx="353962" cy="461665"/>
+          </a:xfrm>
+          <a:prstGeom prst="rect">
+            <a:avLst/>
+          </a:prstGeom>
+          <a:solidFill>
+            <a:schemeClr val="accent1"/>
+          </a:solidFill>
+          <a:ln w="0">
+            <a:noFill/>
+          </a:ln>
+        </p:spPr>
+        <p:style>
+          <a:lnRef idx="0">
+            <a:scrgbClr r="0" g="0" b="0"/>
+          </a:lnRef>
+          <a:fillRef idx="0">
+            <a:scrgbClr r="0" g="0" b="0"/>
+          </a:fillRef>
+          <a:effectRef idx="0">
+            <a:scrgbClr r="0" g="0" b="0"/>
+          </a:effectRef>
+          <a:fontRef idx="minor"/>
+        </p:style>
+        <p:txBody>
+          <a:bodyPr wrap="square" tIns="91440" bIns="91440">
+            <a:spAutoFit/>
+          </a:bodyPr>
+          <a:lstStyle/>
+          <a:p>
+            <a:pPr algn="ctr">
+              <a:lnSpc>
+                <a:spcPct val="100000"/>
+              </a:lnSpc>
+              <a:tabLst>
+                <a:tab pos="0" algn="l"/>
+              </a:tabLst>
+            </a:pPr>
+            <a:r>
+              <a:rPr lang="fr-FR" b="1" strike="noStrike" spc="-1" dirty="0">
+                <a:solidFill>
+                  <a:schemeClr val="bg1"/>
+                </a:solidFill>
+                <a:latin typeface="Trebuchet MS"/>
+                <a:ea typeface="Trebuchet MS"/>
+              </a:rPr>
+              <a:t>2</a:t>
+            </a:r>
+          </a:p>
+        </p:txBody>
+      </p:sp>
+      <p:sp>
+        <p:nvSpPr>
+          <p:cNvPr id="15" name="ZoneTexte 14">
+            <a:extLst>
+              <a:ext uri="{FF2B5EF4-FFF2-40B4-BE49-F238E27FC236}">
+                <a16:creationId xmlns:a16="http://schemas.microsoft.com/office/drawing/2014/main" id="{9CBD6D2C-F2E4-894B-2B2B-BA515BBAE5B0}"/>
+              </a:ext>
+            </a:extLst>
+          </p:cNvPr>
+          <p:cNvSpPr txBox="1"/>
+          <p:nvPr/>
+        </p:nvSpPr>
+        <p:spPr>
+          <a:xfrm>
+            <a:off x="9114503" y="4583531"/>
+            <a:ext cx="1969234" cy="307777"/>
+          </a:xfrm>
+          <a:prstGeom prst="rect">
+            <a:avLst/>
+          </a:prstGeom>
+          <a:solidFill>
+            <a:srgbClr val="0070C0"/>
+          </a:solidFill>
+        </p:spPr>
+        <p:txBody>
+          <a:bodyPr wrap="square" rtlCol="0">
+            <a:spAutoFit/>
+          </a:bodyPr>
+          <a:lstStyle/>
+          <a:p>
+            <a:pPr algn="ctr"/>
+            <a:r>
+              <a:rPr lang="fr-FR" sz="1400" dirty="0">
+                <a:solidFill>
+                  <a:schemeClr val="bg1"/>
+                </a:solidFill>
+              </a:rPr>
+              <a:t>Synthèse Thème 1</a:t>
+            </a:r>
+          </a:p>
+        </p:txBody>
+      </p:sp>
+      <p:sp>
+        <p:nvSpPr>
+          <p:cNvPr id="16" name="ZoneTexte 15">
+            <a:extLst>
+              <a:ext uri="{FF2B5EF4-FFF2-40B4-BE49-F238E27FC236}">
+                <a16:creationId xmlns:a16="http://schemas.microsoft.com/office/drawing/2014/main" id="{0DCFBFF5-697C-C110-43EA-541E8D2CA2CF}"/>
+              </a:ext>
+            </a:extLst>
+          </p:cNvPr>
+          <p:cNvSpPr txBox="1"/>
+          <p:nvPr/>
+        </p:nvSpPr>
+        <p:spPr>
+          <a:xfrm>
+            <a:off x="9114503" y="5476064"/>
+            <a:ext cx="1969234" cy="307777"/>
+          </a:xfrm>
+          <a:prstGeom prst="rect">
+            <a:avLst/>
+          </a:prstGeom>
+          <a:solidFill>
+            <a:srgbClr val="0070C0"/>
+          </a:solidFill>
+        </p:spPr>
+        <p:txBody>
+          <a:bodyPr wrap="square" rtlCol="0">
+            <a:spAutoFit/>
+          </a:bodyPr>
+          <a:lstStyle/>
+          <a:p>
+            <a:pPr algn="ctr"/>
+            <a:r>
+              <a:rPr lang="fr-FR" sz="1400" dirty="0">
+                <a:solidFill>
+                  <a:schemeClr val="bg1"/>
+                </a:solidFill>
+              </a:rPr>
+              <a:t>Synthèse Thème 2</a:t>
+            </a:r>
+          </a:p>
+        </p:txBody>
+      </p:sp>
+    </p:spTree>
+    <p:extLst>
+      <p:ext uri="{BB962C8B-B14F-4D97-AF65-F5344CB8AC3E}">
+        <p14:creationId xmlns:p14="http://schemas.microsoft.com/office/powerpoint/2010/main" val="2783966872"/>
+      </p:ext>
+    </p:extLst>
+  </p:cSld>
+  <p:clrMapOvr>
+    <a:masterClrMapping/>
+  </p:clrMapOvr>
+</p:sld>
+</file>
+
+<file path=ppt/slides/slide24.xml><?xml version="1.0" encoding="utf-8"?>
+<p:sld xmlns:a="http://schemas.openxmlformats.org/drawingml/2006/main" xmlns:r="http://schemas.openxmlformats.org/officeDocument/2006/relationships" xmlns:p="http://schemas.openxmlformats.org/presentationml/2006/main">
+  <p:cSld>
+    <p:spTree>
+      <p:nvGrpSpPr>
+        <p:cNvPr id="1" name=""/>
+        <p:cNvGrpSpPr/>
+        <p:nvPr/>
+      </p:nvGrpSpPr>
+      <p:grpSpPr>
+        <a:xfrm>
+          <a:off x="0" y="0"/>
+          <a:ext cx="0" cy="0"/>
+          <a:chOff x="0" y="0"/>
+          <a:chExt cx="0" cy="0"/>
+        </a:xfrm>
+      </p:grpSpPr>
+      <p:sp>
+        <p:nvSpPr>
+          <p:cNvPr id="2" name="Titre 1">
+            <a:extLst>
+              <a:ext uri="{FF2B5EF4-FFF2-40B4-BE49-F238E27FC236}">
+                <a16:creationId xmlns:a16="http://schemas.microsoft.com/office/drawing/2014/main" id="{90162AE8-C1B0-5C56-8313-DEE494F38273}"/>
+              </a:ext>
+            </a:extLst>
+          </p:cNvPr>
+          <p:cNvSpPr>
+            <a:spLocks noGrp="1"/>
+          </p:cNvSpPr>
+          <p:nvPr>
+            <p:ph type="title"/>
+          </p:nvPr>
+        </p:nvSpPr>
+        <p:spPr/>
+        <p:txBody>
+          <a:bodyPr/>
+          <a:lstStyle/>
+          <a:p>
+            <a:r>
               <a:rPr lang="fr-FR"/>
               <a:t>Matériel expérimental</a:t>
             </a:r>
@@ -14135,7 +15074,7 @@
 </p:sld>
 </file>
 
-<file path=ppt/slides/slide24.xml><?xml version="1.0" encoding="utf-8"?>
+<file path=ppt/slides/slide25.xml><?xml version="1.0" encoding="utf-8"?>
 <p:sld xmlns:a="http://schemas.openxmlformats.org/drawingml/2006/main" xmlns:r="http://schemas.openxmlformats.org/officeDocument/2006/relationships" xmlns:p="http://schemas.openxmlformats.org/presentationml/2006/main">
   <p:cSld>
     <p:bg>
@@ -14661,654 +15600,6 @@
 </p:sld>
 </file>
 
-<file path=ppt/slides/slide25.xml><?xml version="1.0" encoding="utf-8"?>
-<p:sld xmlns:a="http://schemas.openxmlformats.org/drawingml/2006/main" xmlns:r="http://schemas.openxmlformats.org/officeDocument/2006/relationships" xmlns:p="http://schemas.openxmlformats.org/presentationml/2006/main">
-  <p:cSld>
-    <p:spTree>
-      <p:nvGrpSpPr>
-        <p:cNvPr id="1" name=""/>
-        <p:cNvGrpSpPr/>
-        <p:nvPr/>
-      </p:nvGrpSpPr>
-      <p:grpSpPr>
-        <a:xfrm>
-          <a:off x="0" y="0"/>
-          <a:ext cx="0" cy="0"/>
-          <a:chOff x="0" y="0"/>
-          <a:chExt cx="0" cy="0"/>
-        </a:xfrm>
-      </p:grpSpPr>
-      <p:sp>
-        <p:nvSpPr>
-          <p:cNvPr id="2" name="Titre 1">
-            <a:extLst>
-              <a:ext uri="{FF2B5EF4-FFF2-40B4-BE49-F238E27FC236}">
-                <a16:creationId xmlns:a16="http://schemas.microsoft.com/office/drawing/2014/main" id="{90162AE8-C1B0-5C56-8313-DEE494F38273}"/>
-              </a:ext>
-            </a:extLst>
-          </p:cNvPr>
-          <p:cNvSpPr>
-            <a:spLocks noGrp="1"/>
-          </p:cNvSpPr>
-          <p:nvPr>
-            <p:ph type="title"/>
-          </p:nvPr>
-        </p:nvSpPr>
-        <p:spPr/>
-        <p:txBody>
-          <a:bodyPr/>
-          <a:lstStyle/>
-          <a:p>
-            <a:r>
-              <a:rPr lang="fr-FR" dirty="0" err="1"/>
-              <a:t>CéTI</a:t>
-            </a:r>
-            <a:r>
-              <a:rPr lang="fr-FR" dirty="0"/>
-              <a:t> / TD / Déroulement et Ressources</a:t>
-            </a:r>
-          </a:p>
-        </p:txBody>
-      </p:sp>
-      <p:pic>
-        <p:nvPicPr>
-          <p:cNvPr id="5" name="Image 4" descr="Une image contenant texte&#10;&#10;Description générée automatiquement">
-            <a:extLst>
-              <a:ext uri="{FF2B5EF4-FFF2-40B4-BE49-F238E27FC236}">
-                <a16:creationId xmlns:a16="http://schemas.microsoft.com/office/drawing/2014/main" id="{204ADC40-1D61-539F-22ED-6B21D67FBDE6}"/>
-              </a:ext>
-            </a:extLst>
-          </p:cNvPr>
-          <p:cNvPicPr>
-            <a:picLocks noChangeAspect="1"/>
-          </p:cNvPicPr>
-          <p:nvPr/>
-        </p:nvPicPr>
-        <p:blipFill>
-          <a:blip r:embed="rId2" cstate="print">
-            <a:extLst>
-              <a:ext uri="{28A0092B-C50C-407E-A947-70E740481C1C}">
-                <a14:useLocalDpi xmlns:a14="http://schemas.microsoft.com/office/drawing/2010/main" val="0"/>
-              </a:ext>
-            </a:extLst>
-          </a:blip>
-          <a:stretch>
-            <a:fillRect/>
-          </a:stretch>
-        </p:blipFill>
-        <p:spPr>
-          <a:xfrm>
-            <a:off x="202922" y="5934456"/>
-            <a:ext cx="1825291" cy="749808"/>
-          </a:xfrm>
-          <a:prstGeom prst="rect">
-            <a:avLst/>
-          </a:prstGeom>
-        </p:spPr>
-      </p:pic>
-      <p:sp>
-        <p:nvSpPr>
-          <p:cNvPr id="9" name="CustomShape 3">
-            <a:extLst>
-              <a:ext uri="{FF2B5EF4-FFF2-40B4-BE49-F238E27FC236}">
-                <a16:creationId xmlns:a16="http://schemas.microsoft.com/office/drawing/2014/main" id="{7CD7374B-ED6D-6AF2-BD0B-1717C3940DB9}"/>
-              </a:ext>
-            </a:extLst>
-          </p:cNvPr>
-          <p:cNvSpPr/>
-          <p:nvPr/>
-        </p:nvSpPr>
-        <p:spPr>
-          <a:xfrm>
-            <a:off x="1115567" y="2440602"/>
-            <a:ext cx="4685465" cy="492443"/>
-          </a:xfrm>
-          <a:prstGeom prst="rect">
-            <a:avLst/>
-          </a:prstGeom>
-          <a:solidFill>
-            <a:schemeClr val="tx1">
-              <a:lumMod val="65000"/>
-              <a:lumOff val="35000"/>
-            </a:schemeClr>
-          </a:solidFill>
-          <a:ln w="0">
-            <a:noFill/>
-          </a:ln>
-        </p:spPr>
-        <p:style>
-          <a:lnRef idx="0">
-            <a:scrgbClr r="0" g="0" b="0"/>
-          </a:lnRef>
-          <a:fillRef idx="0">
-            <a:scrgbClr r="0" g="0" b="0"/>
-          </a:fillRef>
-          <a:effectRef idx="0">
-            <a:scrgbClr r="0" g="0" b="0"/>
-          </a:effectRef>
-          <a:fontRef idx="minor"/>
-        </p:style>
-        <p:txBody>
-          <a:bodyPr wrap="square" tIns="91440" bIns="91440">
-            <a:spAutoFit/>
-          </a:bodyPr>
-          <a:lstStyle/>
-          <a:p>
-            <a:pPr algn="ctr">
-              <a:lnSpc>
-                <a:spcPct val="100000"/>
-              </a:lnSpc>
-              <a:tabLst>
-                <a:tab pos="0" algn="l"/>
-              </a:tabLst>
-            </a:pPr>
-            <a:r>
-              <a:rPr lang="fr-FR" sz="2000" b="1" strike="noStrike" spc="-1" dirty="0">
-                <a:solidFill>
-                  <a:schemeClr val="bg1"/>
-                </a:solidFill>
-                <a:latin typeface="Trebuchet MS"/>
-                <a:ea typeface="Trebuchet MS"/>
-              </a:rPr>
-              <a:t>4 blocs de 2 séances de TD</a:t>
-            </a:r>
-            <a:endParaRPr lang="fr-FR" sz="2000" b="0" strike="noStrike" spc="-1" dirty="0">
-              <a:solidFill>
-                <a:schemeClr val="bg1"/>
-              </a:solidFill>
-              <a:latin typeface="Arial"/>
-            </a:endParaRPr>
-          </a:p>
-        </p:txBody>
-      </p:sp>
-      <p:sp>
-        <p:nvSpPr>
-          <p:cNvPr id="12" name="ZoneTexte 11">
-            <a:extLst>
-              <a:ext uri="{FF2B5EF4-FFF2-40B4-BE49-F238E27FC236}">
-                <a16:creationId xmlns:a16="http://schemas.microsoft.com/office/drawing/2014/main" id="{BBED6A26-211D-7C76-4C1A-96E6D0EC3C39}"/>
-              </a:ext>
-            </a:extLst>
-          </p:cNvPr>
-          <p:cNvSpPr txBox="1"/>
-          <p:nvPr/>
-        </p:nvSpPr>
-        <p:spPr>
-          <a:xfrm>
-            <a:off x="1115567" y="2956004"/>
-            <a:ext cx="4688234" cy="584775"/>
-          </a:xfrm>
-          <a:prstGeom prst="rect">
-            <a:avLst/>
-          </a:prstGeom>
-          <a:noFill/>
-        </p:spPr>
-        <p:txBody>
-          <a:bodyPr wrap="square">
-            <a:spAutoFit/>
-          </a:bodyPr>
-          <a:lstStyle/>
-          <a:p>
-            <a:r>
-              <a:rPr lang="fr-FR" sz="1600" dirty="0"/>
-              <a:t>Séance 1 : travail en groupe sur une thématique</a:t>
-            </a:r>
-          </a:p>
-          <a:p>
-            <a:r>
-              <a:rPr lang="fr-FR" sz="1600" dirty="0"/>
-              <a:t>Séance 2 : synthèse / démo</a:t>
-            </a:r>
-          </a:p>
-        </p:txBody>
-      </p:sp>
-      <p:sp>
-        <p:nvSpPr>
-          <p:cNvPr id="4" name="CustomShape 3">
-            <a:extLst>
-              <a:ext uri="{FF2B5EF4-FFF2-40B4-BE49-F238E27FC236}">
-                <a16:creationId xmlns:a16="http://schemas.microsoft.com/office/drawing/2014/main" id="{5563BA39-C17B-A5DE-0920-F612FF2D3D9B}"/>
-              </a:ext>
-            </a:extLst>
-          </p:cNvPr>
-          <p:cNvSpPr/>
-          <p:nvPr/>
-        </p:nvSpPr>
-        <p:spPr>
-          <a:xfrm>
-            <a:off x="2096863" y="3603070"/>
-            <a:ext cx="3348569" cy="492443"/>
-          </a:xfrm>
-          <a:prstGeom prst="rect">
-            <a:avLst/>
-          </a:prstGeom>
-          <a:solidFill>
-            <a:schemeClr val="accent6"/>
-          </a:solidFill>
-          <a:ln w="0">
-            <a:noFill/>
-          </a:ln>
-        </p:spPr>
-        <p:style>
-          <a:lnRef idx="0">
-            <a:scrgbClr r="0" g="0" b="0"/>
-          </a:lnRef>
-          <a:fillRef idx="0">
-            <a:scrgbClr r="0" g="0" b="0"/>
-          </a:fillRef>
-          <a:effectRef idx="0">
-            <a:scrgbClr r="0" g="0" b="0"/>
-          </a:effectRef>
-          <a:fontRef idx="minor"/>
-        </p:style>
-        <p:txBody>
-          <a:bodyPr wrap="square" tIns="91440" bIns="91440">
-            <a:spAutoFit/>
-          </a:bodyPr>
-          <a:lstStyle/>
-          <a:p>
-            <a:pPr algn="ctr">
-              <a:lnSpc>
-                <a:spcPct val="100000"/>
-              </a:lnSpc>
-              <a:tabLst>
-                <a:tab pos="0" algn="l"/>
-              </a:tabLst>
-            </a:pPr>
-            <a:r>
-              <a:rPr lang="fr-FR" sz="2000" b="1" strike="noStrike" spc="-1" dirty="0">
-                <a:solidFill>
-                  <a:schemeClr val="bg1"/>
-                </a:solidFill>
-                <a:latin typeface="Trebuchet MS"/>
-                <a:ea typeface="Trebuchet MS"/>
-              </a:rPr>
-              <a:t>Capteurs et mise en forme</a:t>
-            </a:r>
-            <a:endParaRPr lang="fr-FR" sz="2000" b="0" strike="noStrike" spc="-1" dirty="0">
-              <a:solidFill>
-                <a:schemeClr val="bg1"/>
-              </a:solidFill>
-              <a:latin typeface="Arial"/>
-            </a:endParaRPr>
-          </a:p>
-        </p:txBody>
-      </p:sp>
-      <p:sp>
-        <p:nvSpPr>
-          <p:cNvPr id="11" name="CustomShape 3">
-            <a:extLst>
-              <a:ext uri="{FF2B5EF4-FFF2-40B4-BE49-F238E27FC236}">
-                <a16:creationId xmlns:a16="http://schemas.microsoft.com/office/drawing/2014/main" id="{B6E8CB13-25D1-089F-7458-FE3DBDBE8A88}"/>
-              </a:ext>
-            </a:extLst>
-          </p:cNvPr>
-          <p:cNvSpPr/>
-          <p:nvPr/>
-        </p:nvSpPr>
-        <p:spPr>
-          <a:xfrm>
-            <a:off x="2096863" y="4250260"/>
-            <a:ext cx="3348569" cy="492443"/>
-          </a:xfrm>
-          <a:prstGeom prst="rect">
-            <a:avLst/>
-          </a:prstGeom>
-          <a:solidFill>
-            <a:schemeClr val="accent3"/>
-          </a:solidFill>
-          <a:ln w="0">
-            <a:noFill/>
-          </a:ln>
-        </p:spPr>
-        <p:style>
-          <a:lnRef idx="0">
-            <a:scrgbClr r="0" g="0" b="0"/>
-          </a:lnRef>
-          <a:fillRef idx="0">
-            <a:scrgbClr r="0" g="0" b="0"/>
-          </a:fillRef>
-          <a:effectRef idx="0">
-            <a:scrgbClr r="0" g="0" b="0"/>
-          </a:effectRef>
-          <a:fontRef idx="minor"/>
-        </p:style>
-        <p:txBody>
-          <a:bodyPr wrap="square" tIns="91440" bIns="91440">
-            <a:spAutoFit/>
-          </a:bodyPr>
-          <a:lstStyle/>
-          <a:p>
-            <a:pPr algn="ctr">
-              <a:lnSpc>
-                <a:spcPct val="100000"/>
-              </a:lnSpc>
-              <a:tabLst>
-                <a:tab pos="0" algn="l"/>
-              </a:tabLst>
-            </a:pPr>
-            <a:r>
-              <a:rPr lang="fr-FR" sz="2000" b="1" strike="noStrike" spc="-1" dirty="0">
-                <a:solidFill>
-                  <a:schemeClr val="bg1"/>
-                </a:solidFill>
-                <a:latin typeface="Trebuchet MS"/>
-                <a:ea typeface="Trebuchet MS"/>
-              </a:rPr>
-              <a:t>Filtrage actif</a:t>
-            </a:r>
-            <a:endParaRPr lang="fr-FR" sz="2000" b="0" strike="noStrike" spc="-1" dirty="0">
-              <a:solidFill>
-                <a:schemeClr val="bg1"/>
-              </a:solidFill>
-              <a:latin typeface="Arial"/>
-            </a:endParaRPr>
-          </a:p>
-        </p:txBody>
-      </p:sp>
-      <p:sp>
-        <p:nvSpPr>
-          <p:cNvPr id="16" name="CustomShape 3">
-            <a:extLst>
-              <a:ext uri="{FF2B5EF4-FFF2-40B4-BE49-F238E27FC236}">
-                <a16:creationId xmlns:a16="http://schemas.microsoft.com/office/drawing/2014/main" id="{9CF8A9CC-D2EB-BDA6-0B03-3F4F465B96F8}"/>
-              </a:ext>
-            </a:extLst>
-          </p:cNvPr>
-          <p:cNvSpPr/>
-          <p:nvPr/>
-        </p:nvSpPr>
-        <p:spPr>
-          <a:xfrm>
-            <a:off x="2096862" y="4897450"/>
-            <a:ext cx="3348569" cy="492443"/>
-          </a:xfrm>
-          <a:prstGeom prst="rect">
-            <a:avLst/>
-          </a:prstGeom>
-          <a:solidFill>
-            <a:schemeClr val="accent1"/>
-          </a:solidFill>
-          <a:ln w="0">
-            <a:noFill/>
-          </a:ln>
-        </p:spPr>
-        <p:style>
-          <a:lnRef idx="0">
-            <a:scrgbClr r="0" g="0" b="0"/>
-          </a:lnRef>
-          <a:fillRef idx="0">
-            <a:scrgbClr r="0" g="0" b="0"/>
-          </a:fillRef>
-          <a:effectRef idx="0">
-            <a:scrgbClr r="0" g="0" b="0"/>
-          </a:effectRef>
-          <a:fontRef idx="minor"/>
-        </p:style>
-        <p:txBody>
-          <a:bodyPr wrap="square" tIns="91440" bIns="91440">
-            <a:spAutoFit/>
-          </a:bodyPr>
-          <a:lstStyle/>
-          <a:p>
-            <a:pPr algn="ctr">
-              <a:lnSpc>
-                <a:spcPct val="100000"/>
-              </a:lnSpc>
-              <a:tabLst>
-                <a:tab pos="0" algn="l"/>
-              </a:tabLst>
-            </a:pPr>
-            <a:r>
-              <a:rPr lang="fr-FR" sz="2000" b="1" strike="noStrike" spc="-1" dirty="0" err="1">
-                <a:solidFill>
-                  <a:schemeClr val="bg1"/>
-                </a:solidFill>
-                <a:latin typeface="Trebuchet MS"/>
-                <a:ea typeface="Trebuchet MS"/>
-              </a:rPr>
-              <a:t>Photodétection</a:t>
-            </a:r>
-            <a:endParaRPr lang="fr-FR" sz="2000" b="0" strike="noStrike" spc="-1" dirty="0">
-              <a:solidFill>
-                <a:schemeClr val="bg1"/>
-              </a:solidFill>
-              <a:latin typeface="Arial"/>
-            </a:endParaRPr>
-          </a:p>
-        </p:txBody>
-      </p:sp>
-      <p:sp>
-        <p:nvSpPr>
-          <p:cNvPr id="17" name="CustomShape 3">
-            <a:extLst>
-              <a:ext uri="{FF2B5EF4-FFF2-40B4-BE49-F238E27FC236}">
-                <a16:creationId xmlns:a16="http://schemas.microsoft.com/office/drawing/2014/main" id="{C2AE561C-1538-4EB9-203C-0BB62E4CC526}"/>
-              </a:ext>
-            </a:extLst>
-          </p:cNvPr>
-          <p:cNvSpPr/>
-          <p:nvPr/>
-        </p:nvSpPr>
-        <p:spPr>
-          <a:xfrm>
-            <a:off x="2096861" y="5544640"/>
-            <a:ext cx="3348569" cy="492443"/>
-          </a:xfrm>
-          <a:prstGeom prst="rect">
-            <a:avLst/>
-          </a:prstGeom>
-          <a:solidFill>
-            <a:schemeClr val="accent2">
-              <a:lumMod val="75000"/>
-            </a:schemeClr>
-          </a:solidFill>
-          <a:ln w="0">
-            <a:noFill/>
-          </a:ln>
-        </p:spPr>
-        <p:style>
-          <a:lnRef idx="0">
-            <a:scrgbClr r="0" g="0" b="0"/>
-          </a:lnRef>
-          <a:fillRef idx="0">
-            <a:scrgbClr r="0" g="0" b="0"/>
-          </a:fillRef>
-          <a:effectRef idx="0">
-            <a:scrgbClr r="0" g="0" b="0"/>
-          </a:effectRef>
-          <a:fontRef idx="minor"/>
-        </p:style>
-        <p:txBody>
-          <a:bodyPr wrap="square" tIns="91440" bIns="91440">
-            <a:spAutoFit/>
-          </a:bodyPr>
-          <a:lstStyle/>
-          <a:p>
-            <a:pPr algn="ctr">
-              <a:lnSpc>
-                <a:spcPct val="100000"/>
-              </a:lnSpc>
-              <a:tabLst>
-                <a:tab pos="0" algn="l"/>
-              </a:tabLst>
-            </a:pPr>
-            <a:r>
-              <a:rPr lang="fr-FR" sz="2000" b="1" strike="noStrike" spc="-1" dirty="0">
-                <a:solidFill>
-                  <a:schemeClr val="bg1"/>
-                </a:solidFill>
-                <a:latin typeface="Trebuchet MS"/>
-                <a:ea typeface="Trebuchet MS"/>
-              </a:rPr>
-              <a:t>Asservissement</a:t>
-            </a:r>
-            <a:endParaRPr lang="fr-FR" sz="2000" b="0" strike="noStrike" spc="-1" dirty="0">
-              <a:solidFill>
-                <a:schemeClr val="bg1"/>
-              </a:solidFill>
-              <a:latin typeface="Arial"/>
-            </a:endParaRPr>
-          </a:p>
-        </p:txBody>
-      </p:sp>
-      <p:sp>
-        <p:nvSpPr>
-          <p:cNvPr id="3" name="CustomShape 3">
-            <a:extLst>
-              <a:ext uri="{FF2B5EF4-FFF2-40B4-BE49-F238E27FC236}">
-                <a16:creationId xmlns:a16="http://schemas.microsoft.com/office/drawing/2014/main" id="{5ECC1FE5-98F6-37A5-267F-B9C366F25D33}"/>
-              </a:ext>
-            </a:extLst>
-          </p:cNvPr>
-          <p:cNvSpPr/>
-          <p:nvPr/>
-        </p:nvSpPr>
-        <p:spPr>
-          <a:xfrm>
-            <a:off x="6390968" y="2440602"/>
-            <a:ext cx="4685465" cy="492443"/>
-          </a:xfrm>
-          <a:prstGeom prst="rect">
-            <a:avLst/>
-          </a:prstGeom>
-          <a:solidFill>
-            <a:srgbClr val="00B0F0"/>
-          </a:solidFill>
-          <a:ln w="0">
-            <a:noFill/>
-          </a:ln>
-        </p:spPr>
-        <p:style>
-          <a:lnRef idx="0">
-            <a:scrgbClr r="0" g="0" b="0"/>
-          </a:lnRef>
-          <a:fillRef idx="0">
-            <a:scrgbClr r="0" g="0" b="0"/>
-          </a:fillRef>
-          <a:effectRef idx="0">
-            <a:scrgbClr r="0" g="0" b="0"/>
-          </a:effectRef>
-          <a:fontRef idx="minor"/>
-        </p:style>
-        <p:txBody>
-          <a:bodyPr wrap="square" tIns="91440" bIns="91440">
-            <a:spAutoFit/>
-          </a:bodyPr>
-          <a:lstStyle/>
-          <a:p>
-            <a:pPr algn="ctr">
-              <a:lnSpc>
-                <a:spcPct val="100000"/>
-              </a:lnSpc>
-              <a:tabLst>
-                <a:tab pos="0" algn="l"/>
-              </a:tabLst>
-            </a:pPr>
-            <a:r>
-              <a:rPr lang="fr-FR" sz="2000" b="1" strike="noStrike" spc="-1" dirty="0">
-                <a:solidFill>
-                  <a:schemeClr val="bg1"/>
-                </a:solidFill>
-                <a:latin typeface="Trebuchet MS"/>
-                <a:ea typeface="Trebuchet MS"/>
-              </a:rPr>
-              <a:t>Ressources</a:t>
-            </a:r>
-          </a:p>
-        </p:txBody>
-      </p:sp>
-      <p:sp>
-        <p:nvSpPr>
-          <p:cNvPr id="6" name="Espace réservé du contenu 2">
-            <a:extLst>
-              <a:ext uri="{FF2B5EF4-FFF2-40B4-BE49-F238E27FC236}">
-                <a16:creationId xmlns:a16="http://schemas.microsoft.com/office/drawing/2014/main" id="{67A75A93-D68D-2AA1-CEAE-F654B587F3A1}"/>
-              </a:ext>
-            </a:extLst>
-          </p:cNvPr>
-          <p:cNvSpPr>
-            <a:spLocks noGrp="1"/>
-          </p:cNvSpPr>
-          <p:nvPr>
-            <p:ph sz="half" idx="1"/>
-          </p:nvPr>
-        </p:nvSpPr>
-        <p:spPr>
-          <a:xfrm>
-            <a:off x="6388202" y="3050362"/>
-            <a:ext cx="4685466" cy="3694176"/>
-          </a:xfrm>
-        </p:spPr>
-        <p:txBody>
-          <a:bodyPr>
-            <a:normAutofit/>
-          </a:bodyPr>
-          <a:lstStyle/>
-          <a:p>
-            <a:r>
-              <a:rPr lang="fr-FR" sz="2000" b="1" dirty="0"/>
-              <a:t>Site du </a:t>
-            </a:r>
-            <a:r>
-              <a:rPr lang="fr-FR" sz="2000" b="1" dirty="0" err="1"/>
-              <a:t>LEnsE</a:t>
-            </a:r>
-            <a:r>
-              <a:rPr lang="fr-FR" sz="2000" b="1" dirty="0"/>
-              <a:t> </a:t>
-            </a:r>
-          </a:p>
-          <a:p>
-            <a:pPr lvl="1"/>
-            <a:r>
-              <a:rPr lang="fr-FR" sz="1800" dirty="0"/>
-              <a:t>Sujets : lense.institutoptique.fr/</a:t>
-            </a:r>
-            <a:r>
-              <a:rPr lang="fr-FR" sz="1800" dirty="0" err="1"/>
-              <a:t>ceti</a:t>
-            </a:r>
-            <a:r>
-              <a:rPr lang="fr-FR" sz="1800" dirty="0"/>
-              <a:t>/</a:t>
-            </a:r>
-          </a:p>
-          <a:p>
-            <a:endParaRPr lang="fr-FR" sz="2000" b="1" dirty="0"/>
-          </a:p>
-          <a:p>
-            <a:r>
-              <a:rPr lang="fr-FR" sz="2000" b="1" dirty="0" err="1"/>
-              <a:t>GitHUB</a:t>
-            </a:r>
-            <a:endParaRPr lang="fr-FR" sz="2000" b="1" dirty="0"/>
-          </a:p>
-          <a:p>
-            <a:pPr lvl="1"/>
-            <a:r>
-              <a:rPr lang="fr-FR" sz="1800" dirty="0">
-                <a:hlinkClick r:id="rId3"/>
-              </a:rPr>
-              <a:t>github.com/IOGS-Digital-Methods</a:t>
-            </a:r>
-            <a:endParaRPr lang="fr-FR" sz="1800" dirty="0"/>
-          </a:p>
-        </p:txBody>
-      </p:sp>
-    </p:spTree>
-    <p:extLst>
-      <p:ext uri="{BB962C8B-B14F-4D97-AF65-F5344CB8AC3E}">
-        <p14:creationId xmlns:p14="http://schemas.microsoft.com/office/powerpoint/2010/main" val="3150404089"/>
-      </p:ext>
-    </p:extLst>
-  </p:cSld>
-  <p:clrMapOvr>
-    <a:masterClrMapping/>
-  </p:clrMapOvr>
-</p:sld>
-</file>
-
 <file path=ppt/slides/slide26.xml><?xml version="1.0" encoding="utf-8"?>
 <p:sld xmlns:a="http://schemas.openxmlformats.org/drawingml/2006/main" xmlns:r="http://schemas.openxmlformats.org/officeDocument/2006/relationships" xmlns:p="http://schemas.openxmlformats.org/presentationml/2006/main">
   <p:cSld>
@@ -15353,6 +15644,654 @@
             </a:r>
             <a:r>
               <a:rPr lang="fr-FR" dirty="0"/>
+              <a:t> / TD / Déroulement et Ressources</a:t>
+            </a:r>
+          </a:p>
+        </p:txBody>
+      </p:sp>
+      <p:pic>
+        <p:nvPicPr>
+          <p:cNvPr id="5" name="Image 4" descr="Une image contenant texte&#10;&#10;Description générée automatiquement">
+            <a:extLst>
+              <a:ext uri="{FF2B5EF4-FFF2-40B4-BE49-F238E27FC236}">
+                <a16:creationId xmlns:a16="http://schemas.microsoft.com/office/drawing/2014/main" id="{204ADC40-1D61-539F-22ED-6B21D67FBDE6}"/>
+              </a:ext>
+            </a:extLst>
+          </p:cNvPr>
+          <p:cNvPicPr>
+            <a:picLocks noChangeAspect="1"/>
+          </p:cNvPicPr>
+          <p:nvPr/>
+        </p:nvPicPr>
+        <p:blipFill>
+          <a:blip r:embed="rId2" cstate="print">
+            <a:extLst>
+              <a:ext uri="{28A0092B-C50C-407E-A947-70E740481C1C}">
+                <a14:useLocalDpi xmlns:a14="http://schemas.microsoft.com/office/drawing/2010/main" val="0"/>
+              </a:ext>
+            </a:extLst>
+          </a:blip>
+          <a:stretch>
+            <a:fillRect/>
+          </a:stretch>
+        </p:blipFill>
+        <p:spPr>
+          <a:xfrm>
+            <a:off x="202922" y="5934456"/>
+            <a:ext cx="1825291" cy="749808"/>
+          </a:xfrm>
+          <a:prstGeom prst="rect">
+            <a:avLst/>
+          </a:prstGeom>
+        </p:spPr>
+      </p:pic>
+      <p:sp>
+        <p:nvSpPr>
+          <p:cNvPr id="9" name="CustomShape 3">
+            <a:extLst>
+              <a:ext uri="{FF2B5EF4-FFF2-40B4-BE49-F238E27FC236}">
+                <a16:creationId xmlns:a16="http://schemas.microsoft.com/office/drawing/2014/main" id="{7CD7374B-ED6D-6AF2-BD0B-1717C3940DB9}"/>
+              </a:ext>
+            </a:extLst>
+          </p:cNvPr>
+          <p:cNvSpPr/>
+          <p:nvPr/>
+        </p:nvSpPr>
+        <p:spPr>
+          <a:xfrm>
+            <a:off x="1115567" y="2440602"/>
+            <a:ext cx="4685465" cy="492443"/>
+          </a:xfrm>
+          <a:prstGeom prst="rect">
+            <a:avLst/>
+          </a:prstGeom>
+          <a:solidFill>
+            <a:schemeClr val="tx1">
+              <a:lumMod val="65000"/>
+              <a:lumOff val="35000"/>
+            </a:schemeClr>
+          </a:solidFill>
+          <a:ln w="0">
+            <a:noFill/>
+          </a:ln>
+        </p:spPr>
+        <p:style>
+          <a:lnRef idx="0">
+            <a:scrgbClr r="0" g="0" b="0"/>
+          </a:lnRef>
+          <a:fillRef idx="0">
+            <a:scrgbClr r="0" g="0" b="0"/>
+          </a:fillRef>
+          <a:effectRef idx="0">
+            <a:scrgbClr r="0" g="0" b="0"/>
+          </a:effectRef>
+          <a:fontRef idx="minor"/>
+        </p:style>
+        <p:txBody>
+          <a:bodyPr wrap="square" tIns="91440" bIns="91440">
+            <a:spAutoFit/>
+          </a:bodyPr>
+          <a:lstStyle/>
+          <a:p>
+            <a:pPr algn="ctr">
+              <a:lnSpc>
+                <a:spcPct val="100000"/>
+              </a:lnSpc>
+              <a:tabLst>
+                <a:tab pos="0" algn="l"/>
+              </a:tabLst>
+            </a:pPr>
+            <a:r>
+              <a:rPr lang="fr-FR" sz="2000" b="1" strike="noStrike" spc="-1" dirty="0">
+                <a:solidFill>
+                  <a:schemeClr val="bg1"/>
+                </a:solidFill>
+                <a:latin typeface="Trebuchet MS"/>
+                <a:ea typeface="Trebuchet MS"/>
+              </a:rPr>
+              <a:t>4 blocs de 2 séances de TD</a:t>
+            </a:r>
+            <a:endParaRPr lang="fr-FR" sz="2000" b="0" strike="noStrike" spc="-1" dirty="0">
+              <a:solidFill>
+                <a:schemeClr val="bg1"/>
+              </a:solidFill>
+              <a:latin typeface="Arial"/>
+            </a:endParaRPr>
+          </a:p>
+        </p:txBody>
+      </p:sp>
+      <p:sp>
+        <p:nvSpPr>
+          <p:cNvPr id="12" name="ZoneTexte 11">
+            <a:extLst>
+              <a:ext uri="{FF2B5EF4-FFF2-40B4-BE49-F238E27FC236}">
+                <a16:creationId xmlns:a16="http://schemas.microsoft.com/office/drawing/2014/main" id="{BBED6A26-211D-7C76-4C1A-96E6D0EC3C39}"/>
+              </a:ext>
+            </a:extLst>
+          </p:cNvPr>
+          <p:cNvSpPr txBox="1"/>
+          <p:nvPr/>
+        </p:nvSpPr>
+        <p:spPr>
+          <a:xfrm>
+            <a:off x="1115567" y="2956004"/>
+            <a:ext cx="4688234" cy="584775"/>
+          </a:xfrm>
+          <a:prstGeom prst="rect">
+            <a:avLst/>
+          </a:prstGeom>
+          <a:noFill/>
+        </p:spPr>
+        <p:txBody>
+          <a:bodyPr wrap="square">
+            <a:spAutoFit/>
+          </a:bodyPr>
+          <a:lstStyle/>
+          <a:p>
+            <a:r>
+              <a:rPr lang="fr-FR" sz="1600" dirty="0"/>
+              <a:t>Séance 1 : travail en groupe sur une thématique</a:t>
+            </a:r>
+          </a:p>
+          <a:p>
+            <a:r>
+              <a:rPr lang="fr-FR" sz="1600" dirty="0"/>
+              <a:t>Séance 2 : synthèse / démo</a:t>
+            </a:r>
+          </a:p>
+        </p:txBody>
+      </p:sp>
+      <p:sp>
+        <p:nvSpPr>
+          <p:cNvPr id="4" name="CustomShape 3">
+            <a:extLst>
+              <a:ext uri="{FF2B5EF4-FFF2-40B4-BE49-F238E27FC236}">
+                <a16:creationId xmlns:a16="http://schemas.microsoft.com/office/drawing/2014/main" id="{5563BA39-C17B-A5DE-0920-F612FF2D3D9B}"/>
+              </a:ext>
+            </a:extLst>
+          </p:cNvPr>
+          <p:cNvSpPr/>
+          <p:nvPr/>
+        </p:nvSpPr>
+        <p:spPr>
+          <a:xfrm>
+            <a:off x="2096863" y="3603070"/>
+            <a:ext cx="3348569" cy="492443"/>
+          </a:xfrm>
+          <a:prstGeom prst="rect">
+            <a:avLst/>
+          </a:prstGeom>
+          <a:solidFill>
+            <a:schemeClr val="accent6"/>
+          </a:solidFill>
+          <a:ln w="0">
+            <a:noFill/>
+          </a:ln>
+        </p:spPr>
+        <p:style>
+          <a:lnRef idx="0">
+            <a:scrgbClr r="0" g="0" b="0"/>
+          </a:lnRef>
+          <a:fillRef idx="0">
+            <a:scrgbClr r="0" g="0" b="0"/>
+          </a:fillRef>
+          <a:effectRef idx="0">
+            <a:scrgbClr r="0" g="0" b="0"/>
+          </a:effectRef>
+          <a:fontRef idx="minor"/>
+        </p:style>
+        <p:txBody>
+          <a:bodyPr wrap="square" tIns="91440" bIns="91440">
+            <a:spAutoFit/>
+          </a:bodyPr>
+          <a:lstStyle/>
+          <a:p>
+            <a:pPr algn="ctr">
+              <a:lnSpc>
+                <a:spcPct val="100000"/>
+              </a:lnSpc>
+              <a:tabLst>
+                <a:tab pos="0" algn="l"/>
+              </a:tabLst>
+            </a:pPr>
+            <a:r>
+              <a:rPr lang="fr-FR" sz="2000" b="1" strike="noStrike" spc="-1" dirty="0">
+                <a:solidFill>
+                  <a:schemeClr val="bg1"/>
+                </a:solidFill>
+                <a:latin typeface="Trebuchet MS"/>
+                <a:ea typeface="Trebuchet MS"/>
+              </a:rPr>
+              <a:t>Capteurs et mise en forme</a:t>
+            </a:r>
+            <a:endParaRPr lang="fr-FR" sz="2000" b="0" strike="noStrike" spc="-1" dirty="0">
+              <a:solidFill>
+                <a:schemeClr val="bg1"/>
+              </a:solidFill>
+              <a:latin typeface="Arial"/>
+            </a:endParaRPr>
+          </a:p>
+        </p:txBody>
+      </p:sp>
+      <p:sp>
+        <p:nvSpPr>
+          <p:cNvPr id="11" name="CustomShape 3">
+            <a:extLst>
+              <a:ext uri="{FF2B5EF4-FFF2-40B4-BE49-F238E27FC236}">
+                <a16:creationId xmlns:a16="http://schemas.microsoft.com/office/drawing/2014/main" id="{B6E8CB13-25D1-089F-7458-FE3DBDBE8A88}"/>
+              </a:ext>
+            </a:extLst>
+          </p:cNvPr>
+          <p:cNvSpPr/>
+          <p:nvPr/>
+        </p:nvSpPr>
+        <p:spPr>
+          <a:xfrm>
+            <a:off x="2096863" y="4250260"/>
+            <a:ext cx="3348569" cy="492443"/>
+          </a:xfrm>
+          <a:prstGeom prst="rect">
+            <a:avLst/>
+          </a:prstGeom>
+          <a:solidFill>
+            <a:schemeClr val="accent3"/>
+          </a:solidFill>
+          <a:ln w="0">
+            <a:noFill/>
+          </a:ln>
+        </p:spPr>
+        <p:style>
+          <a:lnRef idx="0">
+            <a:scrgbClr r="0" g="0" b="0"/>
+          </a:lnRef>
+          <a:fillRef idx="0">
+            <a:scrgbClr r="0" g="0" b="0"/>
+          </a:fillRef>
+          <a:effectRef idx="0">
+            <a:scrgbClr r="0" g="0" b="0"/>
+          </a:effectRef>
+          <a:fontRef idx="minor"/>
+        </p:style>
+        <p:txBody>
+          <a:bodyPr wrap="square" tIns="91440" bIns="91440">
+            <a:spAutoFit/>
+          </a:bodyPr>
+          <a:lstStyle/>
+          <a:p>
+            <a:pPr algn="ctr">
+              <a:lnSpc>
+                <a:spcPct val="100000"/>
+              </a:lnSpc>
+              <a:tabLst>
+                <a:tab pos="0" algn="l"/>
+              </a:tabLst>
+            </a:pPr>
+            <a:r>
+              <a:rPr lang="fr-FR" sz="2000" b="1" strike="noStrike" spc="-1" dirty="0">
+                <a:solidFill>
+                  <a:schemeClr val="bg1"/>
+                </a:solidFill>
+                <a:latin typeface="Trebuchet MS"/>
+                <a:ea typeface="Trebuchet MS"/>
+              </a:rPr>
+              <a:t>Filtrage actif</a:t>
+            </a:r>
+            <a:endParaRPr lang="fr-FR" sz="2000" b="0" strike="noStrike" spc="-1" dirty="0">
+              <a:solidFill>
+                <a:schemeClr val="bg1"/>
+              </a:solidFill>
+              <a:latin typeface="Arial"/>
+            </a:endParaRPr>
+          </a:p>
+        </p:txBody>
+      </p:sp>
+      <p:sp>
+        <p:nvSpPr>
+          <p:cNvPr id="16" name="CustomShape 3">
+            <a:extLst>
+              <a:ext uri="{FF2B5EF4-FFF2-40B4-BE49-F238E27FC236}">
+                <a16:creationId xmlns:a16="http://schemas.microsoft.com/office/drawing/2014/main" id="{9CF8A9CC-D2EB-BDA6-0B03-3F4F465B96F8}"/>
+              </a:ext>
+            </a:extLst>
+          </p:cNvPr>
+          <p:cNvSpPr/>
+          <p:nvPr/>
+        </p:nvSpPr>
+        <p:spPr>
+          <a:xfrm>
+            <a:off x="2096862" y="4897450"/>
+            <a:ext cx="3348569" cy="492443"/>
+          </a:xfrm>
+          <a:prstGeom prst="rect">
+            <a:avLst/>
+          </a:prstGeom>
+          <a:solidFill>
+            <a:schemeClr val="accent1"/>
+          </a:solidFill>
+          <a:ln w="0">
+            <a:noFill/>
+          </a:ln>
+        </p:spPr>
+        <p:style>
+          <a:lnRef idx="0">
+            <a:scrgbClr r="0" g="0" b="0"/>
+          </a:lnRef>
+          <a:fillRef idx="0">
+            <a:scrgbClr r="0" g="0" b="0"/>
+          </a:fillRef>
+          <a:effectRef idx="0">
+            <a:scrgbClr r="0" g="0" b="0"/>
+          </a:effectRef>
+          <a:fontRef idx="minor"/>
+        </p:style>
+        <p:txBody>
+          <a:bodyPr wrap="square" tIns="91440" bIns="91440">
+            <a:spAutoFit/>
+          </a:bodyPr>
+          <a:lstStyle/>
+          <a:p>
+            <a:pPr algn="ctr">
+              <a:lnSpc>
+                <a:spcPct val="100000"/>
+              </a:lnSpc>
+              <a:tabLst>
+                <a:tab pos="0" algn="l"/>
+              </a:tabLst>
+            </a:pPr>
+            <a:r>
+              <a:rPr lang="fr-FR" sz="2000" b="1" strike="noStrike" spc="-1" dirty="0" err="1">
+                <a:solidFill>
+                  <a:schemeClr val="bg1"/>
+                </a:solidFill>
+                <a:latin typeface="Trebuchet MS"/>
+                <a:ea typeface="Trebuchet MS"/>
+              </a:rPr>
+              <a:t>Photodétection</a:t>
+            </a:r>
+            <a:endParaRPr lang="fr-FR" sz="2000" b="0" strike="noStrike" spc="-1" dirty="0">
+              <a:solidFill>
+                <a:schemeClr val="bg1"/>
+              </a:solidFill>
+              <a:latin typeface="Arial"/>
+            </a:endParaRPr>
+          </a:p>
+        </p:txBody>
+      </p:sp>
+      <p:sp>
+        <p:nvSpPr>
+          <p:cNvPr id="17" name="CustomShape 3">
+            <a:extLst>
+              <a:ext uri="{FF2B5EF4-FFF2-40B4-BE49-F238E27FC236}">
+                <a16:creationId xmlns:a16="http://schemas.microsoft.com/office/drawing/2014/main" id="{C2AE561C-1538-4EB9-203C-0BB62E4CC526}"/>
+              </a:ext>
+            </a:extLst>
+          </p:cNvPr>
+          <p:cNvSpPr/>
+          <p:nvPr/>
+        </p:nvSpPr>
+        <p:spPr>
+          <a:xfrm>
+            <a:off x="2096861" y="5544640"/>
+            <a:ext cx="3348569" cy="492443"/>
+          </a:xfrm>
+          <a:prstGeom prst="rect">
+            <a:avLst/>
+          </a:prstGeom>
+          <a:solidFill>
+            <a:schemeClr val="accent2">
+              <a:lumMod val="75000"/>
+            </a:schemeClr>
+          </a:solidFill>
+          <a:ln w="0">
+            <a:noFill/>
+          </a:ln>
+        </p:spPr>
+        <p:style>
+          <a:lnRef idx="0">
+            <a:scrgbClr r="0" g="0" b="0"/>
+          </a:lnRef>
+          <a:fillRef idx="0">
+            <a:scrgbClr r="0" g="0" b="0"/>
+          </a:fillRef>
+          <a:effectRef idx="0">
+            <a:scrgbClr r="0" g="0" b="0"/>
+          </a:effectRef>
+          <a:fontRef idx="minor"/>
+        </p:style>
+        <p:txBody>
+          <a:bodyPr wrap="square" tIns="91440" bIns="91440">
+            <a:spAutoFit/>
+          </a:bodyPr>
+          <a:lstStyle/>
+          <a:p>
+            <a:pPr algn="ctr">
+              <a:lnSpc>
+                <a:spcPct val="100000"/>
+              </a:lnSpc>
+              <a:tabLst>
+                <a:tab pos="0" algn="l"/>
+              </a:tabLst>
+            </a:pPr>
+            <a:r>
+              <a:rPr lang="fr-FR" sz="2000" b="1" strike="noStrike" spc="-1" dirty="0">
+                <a:solidFill>
+                  <a:schemeClr val="bg1"/>
+                </a:solidFill>
+                <a:latin typeface="Trebuchet MS"/>
+                <a:ea typeface="Trebuchet MS"/>
+              </a:rPr>
+              <a:t>Asservissement</a:t>
+            </a:r>
+            <a:endParaRPr lang="fr-FR" sz="2000" b="0" strike="noStrike" spc="-1" dirty="0">
+              <a:solidFill>
+                <a:schemeClr val="bg1"/>
+              </a:solidFill>
+              <a:latin typeface="Arial"/>
+            </a:endParaRPr>
+          </a:p>
+        </p:txBody>
+      </p:sp>
+      <p:sp>
+        <p:nvSpPr>
+          <p:cNvPr id="3" name="CustomShape 3">
+            <a:extLst>
+              <a:ext uri="{FF2B5EF4-FFF2-40B4-BE49-F238E27FC236}">
+                <a16:creationId xmlns:a16="http://schemas.microsoft.com/office/drawing/2014/main" id="{5ECC1FE5-98F6-37A5-267F-B9C366F25D33}"/>
+              </a:ext>
+            </a:extLst>
+          </p:cNvPr>
+          <p:cNvSpPr/>
+          <p:nvPr/>
+        </p:nvSpPr>
+        <p:spPr>
+          <a:xfrm>
+            <a:off x="6390968" y="2440602"/>
+            <a:ext cx="4685465" cy="492443"/>
+          </a:xfrm>
+          <a:prstGeom prst="rect">
+            <a:avLst/>
+          </a:prstGeom>
+          <a:solidFill>
+            <a:srgbClr val="00B0F0"/>
+          </a:solidFill>
+          <a:ln w="0">
+            <a:noFill/>
+          </a:ln>
+        </p:spPr>
+        <p:style>
+          <a:lnRef idx="0">
+            <a:scrgbClr r="0" g="0" b="0"/>
+          </a:lnRef>
+          <a:fillRef idx="0">
+            <a:scrgbClr r="0" g="0" b="0"/>
+          </a:fillRef>
+          <a:effectRef idx="0">
+            <a:scrgbClr r="0" g="0" b="0"/>
+          </a:effectRef>
+          <a:fontRef idx="minor"/>
+        </p:style>
+        <p:txBody>
+          <a:bodyPr wrap="square" tIns="91440" bIns="91440">
+            <a:spAutoFit/>
+          </a:bodyPr>
+          <a:lstStyle/>
+          <a:p>
+            <a:pPr algn="ctr">
+              <a:lnSpc>
+                <a:spcPct val="100000"/>
+              </a:lnSpc>
+              <a:tabLst>
+                <a:tab pos="0" algn="l"/>
+              </a:tabLst>
+            </a:pPr>
+            <a:r>
+              <a:rPr lang="fr-FR" sz="2000" b="1" strike="noStrike" spc="-1" dirty="0">
+                <a:solidFill>
+                  <a:schemeClr val="bg1"/>
+                </a:solidFill>
+                <a:latin typeface="Trebuchet MS"/>
+                <a:ea typeface="Trebuchet MS"/>
+              </a:rPr>
+              <a:t>Ressources</a:t>
+            </a:r>
+          </a:p>
+        </p:txBody>
+      </p:sp>
+      <p:sp>
+        <p:nvSpPr>
+          <p:cNvPr id="6" name="Espace réservé du contenu 2">
+            <a:extLst>
+              <a:ext uri="{FF2B5EF4-FFF2-40B4-BE49-F238E27FC236}">
+                <a16:creationId xmlns:a16="http://schemas.microsoft.com/office/drawing/2014/main" id="{67A75A93-D68D-2AA1-CEAE-F654B587F3A1}"/>
+              </a:ext>
+            </a:extLst>
+          </p:cNvPr>
+          <p:cNvSpPr>
+            <a:spLocks noGrp="1"/>
+          </p:cNvSpPr>
+          <p:nvPr>
+            <p:ph sz="half" idx="1"/>
+          </p:nvPr>
+        </p:nvSpPr>
+        <p:spPr>
+          <a:xfrm>
+            <a:off x="6388202" y="3050362"/>
+            <a:ext cx="4685466" cy="3694176"/>
+          </a:xfrm>
+        </p:spPr>
+        <p:txBody>
+          <a:bodyPr>
+            <a:normAutofit/>
+          </a:bodyPr>
+          <a:lstStyle/>
+          <a:p>
+            <a:r>
+              <a:rPr lang="fr-FR" sz="2000" b="1" dirty="0"/>
+              <a:t>Site du </a:t>
+            </a:r>
+            <a:r>
+              <a:rPr lang="fr-FR" sz="2000" b="1" dirty="0" err="1"/>
+              <a:t>LEnsE</a:t>
+            </a:r>
+            <a:r>
+              <a:rPr lang="fr-FR" sz="2000" b="1" dirty="0"/>
+              <a:t> </a:t>
+            </a:r>
+          </a:p>
+          <a:p>
+            <a:pPr lvl="1"/>
+            <a:r>
+              <a:rPr lang="fr-FR" sz="1800" dirty="0"/>
+              <a:t>Sujets : lense.institutoptique.fr/</a:t>
+            </a:r>
+            <a:r>
+              <a:rPr lang="fr-FR" sz="1800" dirty="0" err="1"/>
+              <a:t>ceti</a:t>
+            </a:r>
+            <a:r>
+              <a:rPr lang="fr-FR" sz="1800" dirty="0"/>
+              <a:t>/</a:t>
+            </a:r>
+          </a:p>
+          <a:p>
+            <a:endParaRPr lang="fr-FR" sz="2000" b="1" dirty="0"/>
+          </a:p>
+          <a:p>
+            <a:r>
+              <a:rPr lang="fr-FR" sz="2000" b="1" dirty="0" err="1"/>
+              <a:t>GitHUB</a:t>
+            </a:r>
+            <a:endParaRPr lang="fr-FR" sz="2000" b="1" dirty="0"/>
+          </a:p>
+          <a:p>
+            <a:pPr lvl="1"/>
+            <a:r>
+              <a:rPr lang="fr-FR" sz="1800" dirty="0">
+                <a:hlinkClick r:id="rId3"/>
+              </a:rPr>
+              <a:t>github.com/IOGS-Digital-Methods</a:t>
+            </a:r>
+            <a:endParaRPr lang="fr-FR" sz="1800" dirty="0"/>
+          </a:p>
+        </p:txBody>
+      </p:sp>
+    </p:spTree>
+    <p:extLst>
+      <p:ext uri="{BB962C8B-B14F-4D97-AF65-F5344CB8AC3E}">
+        <p14:creationId xmlns:p14="http://schemas.microsoft.com/office/powerpoint/2010/main" val="3150404089"/>
+      </p:ext>
+    </p:extLst>
+  </p:cSld>
+  <p:clrMapOvr>
+    <a:masterClrMapping/>
+  </p:clrMapOvr>
+</p:sld>
+</file>
+
+<file path=ppt/slides/slide27.xml><?xml version="1.0" encoding="utf-8"?>
+<p:sld xmlns:a="http://schemas.openxmlformats.org/drawingml/2006/main" xmlns:r="http://schemas.openxmlformats.org/officeDocument/2006/relationships" xmlns:p="http://schemas.openxmlformats.org/presentationml/2006/main">
+  <p:cSld>
+    <p:spTree>
+      <p:nvGrpSpPr>
+        <p:cNvPr id="1" name=""/>
+        <p:cNvGrpSpPr/>
+        <p:nvPr/>
+      </p:nvGrpSpPr>
+      <p:grpSpPr>
+        <a:xfrm>
+          <a:off x="0" y="0"/>
+          <a:ext cx="0" cy="0"/>
+          <a:chOff x="0" y="0"/>
+          <a:chExt cx="0" cy="0"/>
+        </a:xfrm>
+      </p:grpSpPr>
+      <p:sp>
+        <p:nvSpPr>
+          <p:cNvPr id="2" name="Titre 1">
+            <a:extLst>
+              <a:ext uri="{FF2B5EF4-FFF2-40B4-BE49-F238E27FC236}">
+                <a16:creationId xmlns:a16="http://schemas.microsoft.com/office/drawing/2014/main" id="{90162AE8-C1B0-5C56-8313-DEE494F38273}"/>
+              </a:ext>
+            </a:extLst>
+          </p:cNvPr>
+          <p:cNvSpPr>
+            <a:spLocks noGrp="1"/>
+          </p:cNvSpPr>
+          <p:nvPr>
+            <p:ph type="title"/>
+          </p:nvPr>
+        </p:nvSpPr>
+        <p:spPr/>
+        <p:txBody>
+          <a:bodyPr/>
+          <a:lstStyle/>
+          <a:p>
+            <a:r>
+              <a:rPr lang="fr-FR" dirty="0" err="1"/>
+              <a:t>CéTI</a:t>
+            </a:r>
+            <a:r>
+              <a:rPr lang="fr-FR" dirty="0"/>
               <a:t> / TD / Evaluation</a:t>
             </a:r>
           </a:p>
@@ -15977,7 +16916,7 @@
 </p:sld>
 </file>
 
-<file path=ppt/slides/slide27.xml><?xml version="1.0" encoding="utf-8"?>
+<file path=ppt/slides/slide28.xml><?xml version="1.0" encoding="utf-8"?>
 <p:sld xmlns:a="http://schemas.openxmlformats.org/drawingml/2006/main" xmlns:r="http://schemas.openxmlformats.org/officeDocument/2006/relationships" xmlns:p="http://schemas.openxmlformats.org/presentationml/2006/main">
   <p:cSld>
     <p:spTree>

--- a/CeTI/b0_intro/B0_1_CeTI.pptx
+++ b/CeTI/b0_intro/B0_1_CeTI.pptx
@@ -235,7 +235,7 @@
           <a:p>
             <a:fld id="{729C724E-499D-43AC-8699-CF969D2466FC}" type="datetimeFigureOut">
               <a:rPr lang="fr-FR" smtClean="0"/>
-              <a:t>08/09/2023</a:t>
+              <a:t>11/09/2023</a:t>
             </a:fld>
             <a:endParaRPr lang="fr-FR"/>
           </a:p>
@@ -1078,7 +1078,7 @@
           <a:p>
             <a:fld id="{02AC24A9-CCB6-4F8D-B8DB-C2F3692CFA5A}" type="datetimeFigureOut">
               <a:rPr lang="en-US" smtClean="0"/>
-              <a:t>9/8/2023</a:t>
+              <a:t>9/11/2023</a:t>
             </a:fld>
             <a:endParaRPr lang="en-US" dirty="0"/>
           </a:p>
@@ -1448,7 +1448,7 @@
           <a:p>
             <a:fld id="{02AC24A9-CCB6-4F8D-B8DB-C2F3692CFA5A}" type="datetimeFigureOut">
               <a:rPr lang="en-US" smtClean="0"/>
-              <a:t>9/8/2023</a:t>
+              <a:t>9/11/2023</a:t>
             </a:fld>
             <a:endParaRPr lang="en-US"/>
           </a:p>
@@ -1657,7 +1657,7 @@
           <a:p>
             <a:fld id="{02AC24A9-CCB6-4F8D-B8DB-C2F3692CFA5A}" type="datetimeFigureOut">
               <a:rPr lang="en-US" smtClean="0"/>
-              <a:t>9/8/2023</a:t>
+              <a:t>9/11/2023</a:t>
             </a:fld>
             <a:endParaRPr lang="en-US"/>
           </a:p>
@@ -2127,7 +2127,7 @@
           <a:p>
             <a:fld id="{02AC24A9-CCB6-4F8D-B8DB-C2F3692CFA5A}" type="datetimeFigureOut">
               <a:rPr lang="en-US" smtClean="0"/>
-              <a:t>9/8/2023</a:t>
+              <a:t>9/11/2023</a:t>
             </a:fld>
             <a:endParaRPr lang="en-US"/>
           </a:p>
@@ -2581,7 +2581,7 @@
           <a:p>
             <a:fld id="{02AC24A9-CCB6-4F8D-B8DB-C2F3692CFA5A}" type="datetimeFigureOut">
               <a:rPr lang="en-US" smtClean="0"/>
-              <a:t>9/8/2023</a:t>
+              <a:t>9/11/2023</a:t>
             </a:fld>
             <a:endParaRPr lang="en-US"/>
           </a:p>
@@ -3113,7 +3113,7 @@
           <a:p>
             <a:fld id="{02AC24A9-CCB6-4F8D-B8DB-C2F3692CFA5A}" type="datetimeFigureOut">
               <a:rPr lang="en-US" smtClean="0"/>
-              <a:t>9/8/2023</a:t>
+              <a:t>9/11/2023</a:t>
             </a:fld>
             <a:endParaRPr lang="en-US"/>
           </a:p>
@@ -3812,7 +3812,7 @@
           <a:p>
             <a:fld id="{02AC24A9-CCB6-4F8D-B8DB-C2F3692CFA5A}" type="datetimeFigureOut">
               <a:rPr lang="en-US" smtClean="0"/>
-              <a:t>9/8/2023</a:t>
+              <a:t>9/11/2023</a:t>
             </a:fld>
             <a:endParaRPr lang="en-US"/>
           </a:p>
@@ -4141,7 +4141,7 @@
           <a:p>
             <a:fld id="{02AC24A9-CCB6-4F8D-B8DB-C2F3692CFA5A}" type="datetimeFigureOut">
               <a:rPr lang="en-US" smtClean="0"/>
-              <a:t>9/8/2023</a:t>
+              <a:t>9/11/2023</a:t>
             </a:fld>
             <a:endParaRPr lang="en-US"/>
           </a:p>
@@ -4254,7 +4254,7 @@
           <a:p>
             <a:fld id="{02AC24A9-CCB6-4F8D-B8DB-C2F3692CFA5A}" type="datetimeFigureOut">
               <a:rPr lang="en-US" smtClean="0"/>
-              <a:t>9/8/2023</a:t>
+              <a:t>9/11/2023</a:t>
             </a:fld>
             <a:endParaRPr lang="en-US"/>
           </a:p>
@@ -4749,7 +4749,7 @@
           <a:p>
             <a:fld id="{02AC24A9-CCB6-4F8D-B8DB-C2F3692CFA5A}" type="datetimeFigureOut">
               <a:rPr lang="en-US" smtClean="0"/>
-              <a:t>9/8/2023</a:t>
+              <a:t>9/11/2023</a:t>
             </a:fld>
             <a:endParaRPr lang="en-US" dirty="0"/>
           </a:p>
@@ -5226,7 +5226,7 @@
           <a:p>
             <a:fld id="{02AC24A9-CCB6-4F8D-B8DB-C2F3692CFA5A}" type="datetimeFigureOut">
               <a:rPr lang="en-US" smtClean="0"/>
-              <a:t>9/8/2023</a:t>
+              <a:t>9/11/2023</a:t>
             </a:fld>
             <a:endParaRPr lang="en-US"/>
           </a:p>
@@ -5469,7 +5469,7 @@
           <a:p>
             <a:fld id="{02AC24A9-CCB6-4F8D-B8DB-C2F3692CFA5A}" type="datetimeFigureOut">
               <a:rPr lang="en-US" smtClean="0"/>
-              <a:t>9/8/2023</a:t>
+              <a:t>9/11/2023</a:t>
             </a:fld>
             <a:endParaRPr lang="en-US"/>
           </a:p>
